--- a/TechTalk.pptx
+++ b/TechTalk.pptx
@@ -7,38 +7,39 @@
     <p:sldMasterId id="2147483672" r:id="rId3"/>
   </p:sldMasterIdLst>
   <p:notesMasterIdLst>
-    <p:notesMasterId r:id="rId33"/>
+    <p:notesMasterId r:id="rId34"/>
   </p:notesMasterIdLst>
   <p:sldIdLst>
     <p:sldId id="256" r:id="rId4"/>
     <p:sldId id="334" r:id="rId5"/>
-    <p:sldId id="346" r:id="rId6"/>
-    <p:sldId id="347" r:id="rId7"/>
-    <p:sldId id="348" r:id="rId8"/>
-    <p:sldId id="335" r:id="rId9"/>
-    <p:sldId id="336" r:id="rId10"/>
-    <p:sldId id="325" r:id="rId11"/>
-    <p:sldId id="324" r:id="rId12"/>
-    <p:sldId id="333" r:id="rId13"/>
-    <p:sldId id="331" r:id="rId14"/>
-    <p:sldId id="321" r:id="rId15"/>
-    <p:sldId id="332" r:id="rId16"/>
-    <p:sldId id="326" r:id="rId17"/>
-    <p:sldId id="329" r:id="rId18"/>
-    <p:sldId id="327" r:id="rId19"/>
-    <p:sldId id="328" r:id="rId20"/>
-    <p:sldId id="283" r:id="rId21"/>
-    <p:sldId id="330" r:id="rId22"/>
-    <p:sldId id="323" r:id="rId23"/>
-    <p:sldId id="315" r:id="rId24"/>
-    <p:sldId id="319" r:id="rId25"/>
-    <p:sldId id="318" r:id="rId26"/>
-    <p:sldId id="316" r:id="rId27"/>
-    <p:sldId id="320" r:id="rId28"/>
-    <p:sldId id="322" r:id="rId29"/>
-    <p:sldId id="314" r:id="rId30"/>
-    <p:sldId id="292" r:id="rId31"/>
-    <p:sldId id="258" r:id="rId32"/>
+    <p:sldId id="349" r:id="rId6"/>
+    <p:sldId id="346" r:id="rId7"/>
+    <p:sldId id="347" r:id="rId8"/>
+    <p:sldId id="348" r:id="rId9"/>
+    <p:sldId id="335" r:id="rId10"/>
+    <p:sldId id="336" r:id="rId11"/>
+    <p:sldId id="325" r:id="rId12"/>
+    <p:sldId id="324" r:id="rId13"/>
+    <p:sldId id="333" r:id="rId14"/>
+    <p:sldId id="331" r:id="rId15"/>
+    <p:sldId id="321" r:id="rId16"/>
+    <p:sldId id="332" r:id="rId17"/>
+    <p:sldId id="326" r:id="rId18"/>
+    <p:sldId id="329" r:id="rId19"/>
+    <p:sldId id="327" r:id="rId20"/>
+    <p:sldId id="328" r:id="rId21"/>
+    <p:sldId id="283" r:id="rId22"/>
+    <p:sldId id="330" r:id="rId23"/>
+    <p:sldId id="323" r:id="rId24"/>
+    <p:sldId id="315" r:id="rId25"/>
+    <p:sldId id="319" r:id="rId26"/>
+    <p:sldId id="318" r:id="rId27"/>
+    <p:sldId id="316" r:id="rId28"/>
+    <p:sldId id="320" r:id="rId29"/>
+    <p:sldId id="322" r:id="rId30"/>
+    <p:sldId id="314" r:id="rId31"/>
+    <p:sldId id="292" r:id="rId32"/>
+    <p:sldId id="258" r:id="rId33"/>
   </p:sldIdLst>
   <p:sldSz cx="12192000" cy="6858000"/>
   <p:notesSz cx="6858000" cy="9144000"/>
@@ -239,7 +240,7 @@
           <a:p>
             <a:fld id="{289D7669-2C4F-4057-B198-13E596C98571}" type="datetimeFigureOut">
               <a:rPr lang="en-IN" smtClean="0"/>
-              <a:t>16-01-2023</a:t>
+              <a:t>28-01-2023</a:t>
             </a:fld>
             <a:endParaRPr lang="en-IN"/>
           </a:p>
@@ -656,7 +657,7 @@
           <a:p>
             <a:fld id="{AAAFDAC1-E73E-4D41-B9D9-D9AB5226AECC}" type="datetimeFigureOut">
               <a:rPr lang="en-IN" smtClean="0"/>
-              <a:t>16-01-2023</a:t>
+              <a:t>28-01-2023</a:t>
             </a:fld>
             <a:endParaRPr lang="en-IN"/>
           </a:p>
@@ -856,7 +857,7 @@
           <a:p>
             <a:fld id="{AAAFDAC1-E73E-4D41-B9D9-D9AB5226AECC}" type="datetimeFigureOut">
               <a:rPr lang="en-IN" smtClean="0"/>
-              <a:t>16-01-2023</a:t>
+              <a:t>28-01-2023</a:t>
             </a:fld>
             <a:endParaRPr lang="en-IN"/>
           </a:p>
@@ -1066,7 +1067,7 @@
           <a:p>
             <a:fld id="{AAAFDAC1-E73E-4D41-B9D9-D9AB5226AECC}" type="datetimeFigureOut">
               <a:rPr lang="en-IN" smtClean="0"/>
-              <a:t>16-01-2023</a:t>
+              <a:t>28-01-2023</a:t>
             </a:fld>
             <a:endParaRPr lang="en-IN"/>
           </a:p>
@@ -1286,7 +1287,7 @@
           <a:p>
             <a:fld id="{5C55C9EC-A943-4027-9290-5A7F0DEB51E2}" type="datetimeFigureOut">
               <a:rPr lang="en-US" smtClean="0"/>
-              <a:t>1/16/2023</a:t>
+              <a:t>1/28/2023</a:t>
             </a:fld>
             <a:endParaRPr lang="en-US"/>
           </a:p>
@@ -1484,7 +1485,7 @@
           <a:p>
             <a:fld id="{5C55C9EC-A943-4027-9290-5A7F0DEB51E2}" type="datetimeFigureOut">
               <a:rPr lang="en-US" smtClean="0"/>
-              <a:t>1/16/2023</a:t>
+              <a:t>1/28/2023</a:t>
             </a:fld>
             <a:endParaRPr lang="en-US"/>
           </a:p>
@@ -1759,7 +1760,7 @@
           <a:p>
             <a:fld id="{5C55C9EC-A943-4027-9290-5A7F0DEB51E2}" type="datetimeFigureOut">
               <a:rPr lang="en-US" smtClean="0"/>
-              <a:t>1/16/2023</a:t>
+              <a:t>1/28/2023</a:t>
             </a:fld>
             <a:endParaRPr lang="en-US"/>
           </a:p>
@@ -2024,7 +2025,7 @@
           <a:p>
             <a:fld id="{5C55C9EC-A943-4027-9290-5A7F0DEB51E2}" type="datetimeFigureOut">
               <a:rPr lang="en-US" smtClean="0"/>
-              <a:t>1/16/2023</a:t>
+              <a:t>1/28/2023</a:t>
             </a:fld>
             <a:endParaRPr lang="en-US"/>
           </a:p>
@@ -2436,7 +2437,7 @@
           <a:p>
             <a:fld id="{5C55C9EC-A943-4027-9290-5A7F0DEB51E2}" type="datetimeFigureOut">
               <a:rPr lang="en-US" smtClean="0"/>
-              <a:t>1/16/2023</a:t>
+              <a:t>1/28/2023</a:t>
             </a:fld>
             <a:endParaRPr lang="en-US"/>
           </a:p>
@@ -2577,7 +2578,7 @@
           <a:p>
             <a:fld id="{5C55C9EC-A943-4027-9290-5A7F0DEB51E2}" type="datetimeFigureOut">
               <a:rPr lang="en-US" smtClean="0"/>
-              <a:t>1/16/2023</a:t>
+              <a:t>1/28/2023</a:t>
             </a:fld>
             <a:endParaRPr lang="en-US"/>
           </a:p>
@@ -2690,7 +2691,7 @@
           <a:p>
             <a:fld id="{5C55C9EC-A943-4027-9290-5A7F0DEB51E2}" type="datetimeFigureOut">
               <a:rPr lang="en-US" smtClean="0"/>
-              <a:t>1/16/2023</a:t>
+              <a:t>1/28/2023</a:t>
             </a:fld>
             <a:endParaRPr lang="en-US"/>
           </a:p>
@@ -3001,7 +3002,7 @@
           <a:p>
             <a:fld id="{5C55C9EC-A943-4027-9290-5A7F0DEB51E2}" type="datetimeFigureOut">
               <a:rPr lang="en-US" smtClean="0"/>
-              <a:t>1/16/2023</a:t>
+              <a:t>1/28/2023</a:t>
             </a:fld>
             <a:endParaRPr lang="en-US"/>
           </a:p>
@@ -3201,7 +3202,7 @@
           <a:p>
             <a:fld id="{AAAFDAC1-E73E-4D41-B9D9-D9AB5226AECC}" type="datetimeFigureOut">
               <a:rPr lang="en-IN" smtClean="0"/>
-              <a:t>16-01-2023</a:t>
+              <a:t>28-01-2023</a:t>
             </a:fld>
             <a:endParaRPr lang="en-IN"/>
           </a:p>
@@ -3489,7 +3490,7 @@
           <a:p>
             <a:fld id="{5C55C9EC-A943-4027-9290-5A7F0DEB51E2}" type="datetimeFigureOut">
               <a:rPr lang="en-US" smtClean="0"/>
-              <a:t>1/16/2023</a:t>
+              <a:t>1/28/2023</a:t>
             </a:fld>
             <a:endParaRPr lang="en-US"/>
           </a:p>
@@ -3687,7 +3688,7 @@
           <a:p>
             <a:fld id="{5C55C9EC-A943-4027-9290-5A7F0DEB51E2}" type="datetimeFigureOut">
               <a:rPr lang="en-US" smtClean="0"/>
-              <a:t>1/16/2023</a:t>
+              <a:t>1/28/2023</a:t>
             </a:fld>
             <a:endParaRPr lang="en-US"/>
           </a:p>
@@ -3895,7 +3896,7 @@
           <a:p>
             <a:fld id="{5C55C9EC-A943-4027-9290-5A7F0DEB51E2}" type="datetimeFigureOut">
               <a:rPr lang="en-US" smtClean="0"/>
-              <a:t>1/16/2023</a:t>
+              <a:t>1/28/2023</a:t>
             </a:fld>
             <a:endParaRPr lang="en-US"/>
           </a:p>
@@ -4099,7 +4100,7 @@
           <a:p>
             <a:fld id="{A3D997B0-F87C-48C5-82AE-40756E436AED}" type="datetime1">
               <a:rPr lang="en-US" smtClean="0"/>
-              <a:t>1/16/2023</a:t>
+              <a:t>1/28/2023</a:t>
             </a:fld>
             <a:endParaRPr lang="en-US"/>
           </a:p>
@@ -4272,7 +4273,7 @@
           <a:p>
             <a:fld id="{701D4B01-752C-4C35-AEA2-5921A689F5A7}" type="datetime1">
               <a:rPr lang="en-US" smtClean="0"/>
-              <a:t>1/16/2023</a:t>
+              <a:t>1/28/2023</a:t>
             </a:fld>
             <a:endParaRPr lang="en-US"/>
           </a:p>
@@ -4521,7 +4522,7 @@
           <a:p>
             <a:fld id="{DE74A512-7248-406B-86BF-E296AD55CF49}" type="datetime1">
               <a:rPr lang="en-US" smtClean="0"/>
-              <a:t>1/16/2023</a:t>
+              <a:t>1/28/2023</a:t>
             </a:fld>
             <a:endParaRPr lang="en-US"/>
           </a:p>
@@ -4756,7 +4757,7 @@
           <a:p>
             <a:fld id="{78C537D5-E3DE-4105-B0AC-38A21365C197}" type="datetime1">
               <a:rPr lang="en-US" smtClean="0"/>
-              <a:t>1/16/2023</a:t>
+              <a:t>1/28/2023</a:t>
             </a:fld>
             <a:endParaRPr lang="en-US"/>
           </a:p>
@@ -5126,7 +5127,7 @@
           <a:p>
             <a:fld id="{B8BD058F-09DF-4993-AE53-E92A7689CEAD}" type="datetime1">
               <a:rPr lang="en-US" smtClean="0"/>
-              <a:t>1/16/2023</a:t>
+              <a:t>1/28/2023</a:t>
             </a:fld>
             <a:endParaRPr lang="en-US"/>
           </a:p>
@@ -5247,7 +5248,7 @@
           <a:p>
             <a:fld id="{E19471B3-D8DD-4988-8C26-A807F755DEAD}" type="datetime1">
               <a:rPr lang="en-US" smtClean="0"/>
-              <a:t>1/16/2023</a:t>
+              <a:t>1/28/2023</a:t>
             </a:fld>
             <a:endParaRPr lang="en-US"/>
           </a:p>
@@ -5345,7 +5346,7 @@
           <a:p>
             <a:fld id="{738378E2-22D8-4882-8104-F807B0E62B4E}" type="datetime1">
               <a:rPr lang="en-US" smtClean="0"/>
-              <a:t>1/16/2023</a:t>
+              <a:t>1/28/2023</a:t>
             </a:fld>
             <a:endParaRPr lang="en-US"/>
           </a:p>
@@ -5612,7 +5613,7 @@
           <a:p>
             <a:fld id="{AAAFDAC1-E73E-4D41-B9D9-D9AB5226AECC}" type="datetimeFigureOut">
               <a:rPr lang="en-IN" smtClean="0"/>
-              <a:t>16-01-2023</a:t>
+              <a:t>28-01-2023</a:t>
             </a:fld>
             <a:endParaRPr lang="en-IN"/>
           </a:p>
@@ -5901,7 +5902,7 @@
           <a:p>
             <a:fld id="{A5BAD5AE-3C5E-4251-B769-B6224CE8598B}" type="datetime1">
               <a:rPr lang="en-US" smtClean="0"/>
-              <a:t>1/16/2023</a:t>
+              <a:t>1/28/2023</a:t>
             </a:fld>
             <a:endParaRPr lang="en-US"/>
           </a:p>
@@ -6161,7 +6162,7 @@
           <a:p>
             <a:fld id="{EE312CFE-F8CF-4D2A-A9FF-4F2C30305432}" type="datetime1">
               <a:rPr lang="en-US" smtClean="0"/>
-              <a:t>1/16/2023</a:t>
+              <a:t>1/28/2023</a:t>
             </a:fld>
             <a:endParaRPr lang="en-US"/>
           </a:p>
@@ -6334,7 +6335,7 @@
           <a:p>
             <a:fld id="{C4466C03-75DE-431E-8229-7D31A04DF7BD}" type="datetime1">
               <a:rPr lang="en-US" smtClean="0"/>
-              <a:t>1/16/2023</a:t>
+              <a:t>1/28/2023</a:t>
             </a:fld>
             <a:endParaRPr lang="en-US"/>
           </a:p>
@@ -6517,7 +6518,7 @@
           <a:p>
             <a:fld id="{0D79318F-E85C-4A65-9BDD-82F2415695D3}" type="datetime1">
               <a:rPr lang="en-US" smtClean="0"/>
-              <a:t>1/16/2023</a:t>
+              <a:t>1/28/2023</a:t>
             </a:fld>
             <a:endParaRPr lang="en-US"/>
           </a:p>
@@ -6776,7 +6777,7 @@
           <a:p>
             <a:fld id="{AAAFDAC1-E73E-4D41-B9D9-D9AB5226AECC}" type="datetimeFigureOut">
               <a:rPr lang="en-IN" smtClean="0"/>
-              <a:t>16-01-2023</a:t>
+              <a:t>28-01-2023</a:t>
             </a:fld>
             <a:endParaRPr lang="en-IN"/>
           </a:p>
@@ -7191,7 +7192,7 @@
           <a:p>
             <a:fld id="{AAAFDAC1-E73E-4D41-B9D9-D9AB5226AECC}" type="datetimeFigureOut">
               <a:rPr lang="en-IN" smtClean="0"/>
-              <a:t>16-01-2023</a:t>
+              <a:t>28-01-2023</a:t>
             </a:fld>
             <a:endParaRPr lang="en-IN"/>
           </a:p>
@@ -7333,7 +7334,7 @@
           <a:p>
             <a:fld id="{AAAFDAC1-E73E-4D41-B9D9-D9AB5226AECC}" type="datetimeFigureOut">
               <a:rPr lang="en-IN" smtClean="0"/>
-              <a:t>16-01-2023</a:t>
+              <a:t>28-01-2023</a:t>
             </a:fld>
             <a:endParaRPr lang="en-IN"/>
           </a:p>
@@ -7446,7 +7447,7 @@
           <a:p>
             <a:fld id="{AAAFDAC1-E73E-4D41-B9D9-D9AB5226AECC}" type="datetimeFigureOut">
               <a:rPr lang="en-IN" smtClean="0"/>
-              <a:t>16-01-2023</a:t>
+              <a:t>28-01-2023</a:t>
             </a:fld>
             <a:endParaRPr lang="en-IN"/>
           </a:p>
@@ -7759,7 +7760,7 @@
           <a:p>
             <a:fld id="{AAAFDAC1-E73E-4D41-B9D9-D9AB5226AECC}" type="datetimeFigureOut">
               <a:rPr lang="en-IN" smtClean="0"/>
-              <a:t>16-01-2023</a:t>
+              <a:t>28-01-2023</a:t>
             </a:fld>
             <a:endParaRPr lang="en-IN"/>
           </a:p>
@@ -8048,7 +8049,7 @@
           <a:p>
             <a:fld id="{AAAFDAC1-E73E-4D41-B9D9-D9AB5226AECC}" type="datetimeFigureOut">
               <a:rPr lang="en-IN" smtClean="0"/>
-              <a:t>16-01-2023</a:t>
+              <a:t>28-01-2023</a:t>
             </a:fld>
             <a:endParaRPr lang="en-IN"/>
           </a:p>
@@ -8291,7 +8292,7 @@
           <a:p>
             <a:fld id="{AAAFDAC1-E73E-4D41-B9D9-D9AB5226AECC}" type="datetimeFigureOut">
               <a:rPr lang="en-IN" smtClean="0"/>
-              <a:t>16-01-2023</a:t>
+              <a:t>28-01-2023</a:t>
             </a:fld>
             <a:endParaRPr lang="en-IN"/>
           </a:p>
@@ -8859,7 +8860,7 @@
           <a:p>
             <a:fld id="{5C55C9EC-A943-4027-9290-5A7F0DEB51E2}" type="datetimeFigureOut">
               <a:rPr lang="en-US" smtClean="0"/>
-              <a:t>1/16/2023</a:t>
+              <a:t>1/28/2023</a:t>
             </a:fld>
             <a:endParaRPr lang="en-US"/>
           </a:p>
@@ -9411,7 +9412,7 @@
           <a:p>
             <a:fld id="{3EC3C3A3-B174-4863-A76B-003903AD383A}" type="datetime1">
               <a:rPr lang="en-US" smtClean="0"/>
-              <a:t>1/16/2023</a:t>
+              <a:t>1/28/2023</a:t>
             </a:fld>
             <a:endParaRPr lang="en-US"/>
           </a:p>
@@ -10385,7 +10386,7 @@
           <p:cNvPr id="1026" name="Picture 2">
             <a:extLst>
               <a:ext uri="{FF2B5EF4-FFF2-40B4-BE49-F238E27FC236}">
-                <a16:creationId xmlns:a16="http://schemas.microsoft.com/office/drawing/2014/main" id="{F425339A-A236-46E1-92D6-7C151737B536}"/>
+                <a16:creationId xmlns:a16="http://schemas.microsoft.com/office/drawing/2014/main" id="{2BE09F8E-F4ED-48B7-9EE2-29D6C55A7243}"/>
               </a:ext>
             </a:extLst>
           </p:cNvPr>
@@ -10409,8 +10410,8 @@
         </p:blipFill>
         <p:spPr bwMode="auto">
           <a:xfrm>
-            <a:off x="9328859" y="722744"/>
-            <a:ext cx="676275" cy="676275"/>
+            <a:off x="6983816" y="983849"/>
+            <a:ext cx="847725" cy="847725"/>
           </a:xfrm>
           <a:prstGeom prst="rect">
             <a:avLst/>
@@ -10429,10 +10430,10 @@
       </p:pic>
       <p:pic>
         <p:nvPicPr>
-          <p:cNvPr id="1028" name="Picture 4">
-            <a:extLst>
-              <a:ext uri="{FF2B5EF4-FFF2-40B4-BE49-F238E27FC236}">
-                <a16:creationId xmlns:a16="http://schemas.microsoft.com/office/drawing/2014/main" id="{4DF7CF91-FD9D-4160-B6CC-06C2E31F3789}"/>
+          <p:cNvPr id="1034" name="Picture 10">
+            <a:extLst>
+              <a:ext uri="{FF2B5EF4-FFF2-40B4-BE49-F238E27FC236}">
+                <a16:creationId xmlns:a16="http://schemas.microsoft.com/office/drawing/2014/main" id="{03A6EE1E-D6C3-43B7-A76C-ED8BA685C33B}"/>
               </a:ext>
             </a:extLst>
           </p:cNvPr>
@@ -10456,8 +10457,8 @@
         </p:blipFill>
         <p:spPr bwMode="auto">
           <a:xfrm>
-            <a:off x="10610850" y="773791"/>
-            <a:ext cx="647700" cy="676275"/>
+            <a:off x="10435886" y="3207380"/>
+            <a:ext cx="657225" cy="676275"/>
           </a:xfrm>
           <a:prstGeom prst="rect">
             <a:avLst/>
@@ -10474,27 +10475,167 @@
           </a:extLst>
         </p:spPr>
       </p:pic>
-      <p:sp>
-        <p:nvSpPr>
-          <p:cNvPr id="4" name="Rectangle: Rounded Corners 3">
-            <a:extLst>
-              <a:ext uri="{FF2B5EF4-FFF2-40B4-BE49-F238E27FC236}">
-                <a16:creationId xmlns:a16="http://schemas.microsoft.com/office/drawing/2014/main" id="{B66FDB89-5B7A-44D0-9521-C95AC61E9F64}"/>
-              </a:ext>
-            </a:extLst>
-          </p:cNvPr>
-          <p:cNvSpPr/>
+      <p:pic>
+        <p:nvPicPr>
+          <p:cNvPr id="1036" name="Picture 12">
+            <a:extLst>
+              <a:ext uri="{FF2B5EF4-FFF2-40B4-BE49-F238E27FC236}">
+                <a16:creationId xmlns:a16="http://schemas.microsoft.com/office/drawing/2014/main" id="{AB427BB8-0AA8-4F7E-AA27-EA18ECDD59BE}"/>
+              </a:ext>
+            </a:extLst>
+          </p:cNvPr>
+          <p:cNvPicPr>
+            <a:picLocks noChangeAspect="1" noChangeArrowheads="1"/>
+          </p:cNvPicPr>
           <p:nvPr/>
-        </p:nvSpPr>
-        <p:spPr>
-          <a:xfrm>
-            <a:off x="9010834" y="594805"/>
-            <a:ext cx="2698812" cy="932154"/>
-          </a:xfrm>
-          <a:prstGeom prst="roundRect">
+        </p:nvPicPr>
+        <p:blipFill>
+          <a:blip r:embed="rId4">
+            <a:extLst>
+              <a:ext uri="{28A0092B-C50C-407E-A947-70E740481C1C}">
+                <a14:useLocalDpi xmlns:a14="http://schemas.microsoft.com/office/drawing/2010/main" val="0"/>
+              </a:ext>
+            </a:extLst>
+          </a:blip>
+          <a:srcRect/>
+          <a:stretch>
+            <a:fillRect/>
+          </a:stretch>
+        </p:blipFill>
+        <p:spPr bwMode="auto">
+          <a:xfrm>
+            <a:off x="3632510" y="3148651"/>
+            <a:ext cx="809625" cy="809625"/>
+          </a:xfrm>
+          <a:prstGeom prst="rect">
             <a:avLst/>
           </a:prstGeom>
           <a:noFill/>
+          <a:extLst>
+            <a:ext uri="{909E8E84-426E-40DD-AFC4-6F175D3DCCD1}">
+              <a14:hiddenFill xmlns:a14="http://schemas.microsoft.com/office/drawing/2010/main">
+                <a:solidFill>
+                  <a:srgbClr val="FFFFFF"/>
+                </a:solidFill>
+              </a14:hiddenFill>
+            </a:ext>
+          </a:extLst>
+        </p:spPr>
+      </p:pic>
+      <p:pic>
+        <p:nvPicPr>
+          <p:cNvPr id="1044" name="Picture 20">
+            <a:extLst>
+              <a:ext uri="{FF2B5EF4-FFF2-40B4-BE49-F238E27FC236}">
+                <a16:creationId xmlns:a16="http://schemas.microsoft.com/office/drawing/2014/main" id="{24CA475C-31C6-4B82-A0EA-16888492B5DE}"/>
+              </a:ext>
+            </a:extLst>
+          </p:cNvPr>
+          <p:cNvPicPr>
+            <a:picLocks noChangeAspect="1" noChangeArrowheads="1"/>
+          </p:cNvPicPr>
+          <p:nvPr/>
+        </p:nvPicPr>
+        <p:blipFill>
+          <a:blip r:embed="rId5">
+            <a:extLst>
+              <a:ext uri="{28A0092B-C50C-407E-A947-70E740481C1C}">
+                <a14:useLocalDpi xmlns:a14="http://schemas.microsoft.com/office/drawing/2010/main" val="0"/>
+              </a:ext>
+            </a:extLst>
+          </a:blip>
+          <a:srcRect/>
+          <a:stretch>
+            <a:fillRect/>
+          </a:stretch>
+        </p:blipFill>
+        <p:spPr bwMode="auto">
+          <a:xfrm>
+            <a:off x="414338" y="3207382"/>
+            <a:ext cx="657225" cy="676275"/>
+          </a:xfrm>
+          <a:prstGeom prst="rect">
+            <a:avLst/>
+          </a:prstGeom>
+          <a:noFill/>
+          <a:extLst>
+            <a:ext uri="{909E8E84-426E-40DD-AFC4-6F175D3DCCD1}">
+              <a14:hiddenFill xmlns:a14="http://schemas.microsoft.com/office/drawing/2010/main">
+                <a:solidFill>
+                  <a:srgbClr val="FFFFFF"/>
+                </a:solidFill>
+              </a14:hiddenFill>
+            </a:ext>
+          </a:extLst>
+        </p:spPr>
+      </p:pic>
+      <p:pic>
+        <p:nvPicPr>
+          <p:cNvPr id="22" name="Picture 12">
+            <a:extLst>
+              <a:ext uri="{FF2B5EF4-FFF2-40B4-BE49-F238E27FC236}">
+                <a16:creationId xmlns:a16="http://schemas.microsoft.com/office/drawing/2014/main" id="{CDD441FC-ED8A-4B90-A512-1FFA05777E63}"/>
+              </a:ext>
+            </a:extLst>
+          </p:cNvPr>
+          <p:cNvPicPr>
+            <a:picLocks noChangeAspect="1" noChangeArrowheads="1"/>
+          </p:cNvPicPr>
+          <p:nvPr/>
+        </p:nvPicPr>
+        <p:blipFill>
+          <a:blip r:embed="rId4">
+            <a:extLst>
+              <a:ext uri="{28A0092B-C50C-407E-A947-70E740481C1C}">
+                <a14:useLocalDpi xmlns:a14="http://schemas.microsoft.com/office/drawing/2010/main" val="0"/>
+              </a:ext>
+            </a:extLst>
+          </a:blip>
+          <a:srcRect/>
+          <a:stretch>
+            <a:fillRect/>
+          </a:stretch>
+        </p:blipFill>
+        <p:spPr bwMode="auto">
+          <a:xfrm>
+            <a:off x="7010400" y="3140706"/>
+            <a:ext cx="809625" cy="809625"/>
+          </a:xfrm>
+          <a:prstGeom prst="rect">
+            <a:avLst/>
+          </a:prstGeom>
+          <a:noFill/>
+          <a:extLst>
+            <a:ext uri="{909E8E84-426E-40DD-AFC4-6F175D3DCCD1}">
+              <a14:hiddenFill xmlns:a14="http://schemas.microsoft.com/office/drawing/2010/main">
+                <a:solidFill>
+                  <a:srgbClr val="FFFFFF"/>
+                </a:solidFill>
+              </a14:hiddenFill>
+            </a:ext>
+          </a:extLst>
+        </p:spPr>
+      </p:pic>
+      <p:sp>
+        <p:nvSpPr>
+          <p:cNvPr id="11" name="Heptagon 10">
+            <a:extLst>
+              <a:ext uri="{FF2B5EF4-FFF2-40B4-BE49-F238E27FC236}">
+                <a16:creationId xmlns:a16="http://schemas.microsoft.com/office/drawing/2014/main" id="{8EF000E9-1A1B-40B9-BF7B-8E7326AAFA24}"/>
+              </a:ext>
+            </a:extLst>
+          </p:cNvPr>
+          <p:cNvSpPr/>
+          <p:nvPr/>
+        </p:nvSpPr>
+        <p:spPr>
+          <a:xfrm>
+            <a:off x="240913" y="3082562"/>
+            <a:ext cx="307435" cy="344102"/>
+          </a:xfrm>
+          <a:prstGeom prst="heptagon">
+            <a:avLst/>
+          </a:prstGeom>
         </p:spPr>
         <p:style>
           <a:lnRef idx="2">
@@ -10517,16 +10658,58 @@
           <a:lstStyle/>
           <a:p>
             <a:pPr algn="ctr"/>
-            <a:endParaRPr lang="en-IN"/>
-          </a:p>
-        </p:txBody>
-      </p:sp>
-      <p:sp>
-        <p:nvSpPr>
-          <p:cNvPr id="7" name="Rectangle: Rounded Corners 6">
-            <a:extLst>
-              <a:ext uri="{FF2B5EF4-FFF2-40B4-BE49-F238E27FC236}">
-                <a16:creationId xmlns:a16="http://schemas.microsoft.com/office/drawing/2014/main" id="{A2D272BD-19C4-4CCC-98BF-5E5942B48D5E}"/>
+            <a:r>
+              <a:rPr lang="en-US" dirty="0"/>
+              <a:t>1</a:t>
+            </a:r>
+          </a:p>
+        </p:txBody>
+      </p:sp>
+      <p:cxnSp>
+        <p:nvCxnSpPr>
+          <p:cNvPr id="23" name="Straight Connector 22">
+            <a:extLst>
+              <a:ext uri="{FF2B5EF4-FFF2-40B4-BE49-F238E27FC236}">
+                <a16:creationId xmlns:a16="http://schemas.microsoft.com/office/drawing/2014/main" id="{2F483661-8B57-4D41-8C50-C7739BB2C923}"/>
+              </a:ext>
+            </a:extLst>
+          </p:cNvPr>
+          <p:cNvCxnSpPr>
+            <a:stCxn id="22" idx="0"/>
+            <a:endCxn id="1026" idx="2"/>
+          </p:cNvCxnSpPr>
+          <p:nvPr/>
+        </p:nvCxnSpPr>
+        <p:spPr>
+          <a:xfrm flipH="1" flipV="1">
+            <a:off x="7407679" y="1831574"/>
+            <a:ext cx="7534" cy="1309132"/>
+          </a:xfrm>
+          <a:prstGeom prst="line">
+            <a:avLst/>
+          </a:prstGeom>
+        </p:spPr>
+        <p:style>
+          <a:lnRef idx="1">
+            <a:schemeClr val="accent1"/>
+          </a:lnRef>
+          <a:fillRef idx="0">
+            <a:schemeClr val="accent1"/>
+          </a:fillRef>
+          <a:effectRef idx="0">
+            <a:schemeClr val="accent1"/>
+          </a:effectRef>
+          <a:fontRef idx="minor">
+            <a:schemeClr val="tx1"/>
+          </a:fontRef>
+        </p:style>
+      </p:cxnSp>
+      <p:sp>
+        <p:nvSpPr>
+          <p:cNvPr id="45" name="Heptagon 44">
+            <a:extLst>
+              <a:ext uri="{FF2B5EF4-FFF2-40B4-BE49-F238E27FC236}">
+                <a16:creationId xmlns:a16="http://schemas.microsoft.com/office/drawing/2014/main" id="{E7A80D65-5ADB-4DCD-A7A2-5DFBCA0C9B8D}"/>
               </a:ext>
             </a:extLst>
           </p:cNvPr>
@@ -10535,13 +10718,12 @@
         </p:nvSpPr>
         <p:spPr>
           <a:xfrm>
-            <a:off x="9074458" y="1963445"/>
-            <a:ext cx="2698812" cy="932154"/>
-          </a:xfrm>
-          <a:prstGeom prst="roundRect">
+            <a:off x="3273843" y="3082562"/>
+            <a:ext cx="307435" cy="344102"/>
+          </a:xfrm>
+          <a:prstGeom prst="heptagon">
             <a:avLst/>
           </a:prstGeom>
-          <a:noFill/>
         </p:spPr>
         <p:style>
           <a:lnRef idx="2">
@@ -10565,49 +10747,18 @@
           <a:p>
             <a:pPr algn="ctr"/>
             <a:r>
-              <a:rPr lang="en-US" dirty="0">
-                <a:solidFill>
-                  <a:srgbClr val="002060"/>
-                </a:solidFill>
-              </a:rPr>
-              <a:t>Basket API</a:t>
-            </a:r>
-          </a:p>
-          <a:p>
-            <a:pPr algn="ctr"/>
-            <a:r>
-              <a:rPr lang="en-US" dirty="0">
-                <a:solidFill>
-                  <a:srgbClr val="002060"/>
-                </a:solidFill>
-              </a:rPr>
-              <a:t>+</a:t>
-            </a:r>
-          </a:p>
-          <a:p>
-            <a:pPr algn="ctr"/>
-            <a:r>
-              <a:rPr lang="en-US" dirty="0">
-                <a:solidFill>
-                  <a:srgbClr val="002060"/>
-                </a:solidFill>
-              </a:rPr>
-              <a:t>Data Store</a:t>
-            </a:r>
-            <a:endParaRPr lang="en-IN" dirty="0">
-              <a:solidFill>
-                <a:srgbClr val="002060"/>
-              </a:solidFill>
-            </a:endParaRPr>
-          </a:p>
-        </p:txBody>
-      </p:sp>
-      <p:sp>
-        <p:nvSpPr>
-          <p:cNvPr id="8" name="Rectangle: Rounded Corners 7">
-            <a:extLst>
-              <a:ext uri="{FF2B5EF4-FFF2-40B4-BE49-F238E27FC236}">
-                <a16:creationId xmlns:a16="http://schemas.microsoft.com/office/drawing/2014/main" id="{A5552548-78B9-4209-A399-D93F4C299158}"/>
+              <a:rPr lang="en-US" dirty="0"/>
+              <a:t>2</a:t>
+            </a:r>
+          </a:p>
+        </p:txBody>
+      </p:sp>
+      <p:sp>
+        <p:nvSpPr>
+          <p:cNvPr id="46" name="Heptagon 45">
+            <a:extLst>
+              <a:ext uri="{FF2B5EF4-FFF2-40B4-BE49-F238E27FC236}">
+                <a16:creationId xmlns:a16="http://schemas.microsoft.com/office/drawing/2014/main" id="{41E19403-B49B-4C20-BB68-98A12476BA78}"/>
               </a:ext>
             </a:extLst>
           </p:cNvPr>
@@ -10616,13 +10767,12 @@
         </p:nvSpPr>
         <p:spPr>
           <a:xfrm>
-            <a:off x="9074458" y="3317288"/>
-            <a:ext cx="2698812" cy="932154"/>
-          </a:xfrm>
-          <a:prstGeom prst="roundRect">
+            <a:off x="6680128" y="3082562"/>
+            <a:ext cx="307435" cy="344102"/>
+          </a:xfrm>
+          <a:prstGeom prst="heptagon">
             <a:avLst/>
           </a:prstGeom>
-          <a:noFill/>
         </p:spPr>
         <p:style>
           <a:lnRef idx="2">
@@ -10646,49 +10796,18 @@
           <a:p>
             <a:pPr algn="ctr"/>
             <a:r>
-              <a:rPr lang="en-US" dirty="0">
-                <a:solidFill>
-                  <a:srgbClr val="002060"/>
-                </a:solidFill>
-              </a:rPr>
-              <a:t>Discount API</a:t>
-            </a:r>
-          </a:p>
-          <a:p>
-            <a:pPr algn="ctr"/>
-            <a:r>
-              <a:rPr lang="en-US" dirty="0">
-                <a:solidFill>
-                  <a:srgbClr val="002060"/>
-                </a:solidFill>
-              </a:rPr>
-              <a:t>+</a:t>
-            </a:r>
-          </a:p>
-          <a:p>
-            <a:pPr algn="ctr"/>
-            <a:r>
-              <a:rPr lang="en-US" dirty="0">
-                <a:solidFill>
-                  <a:srgbClr val="002060"/>
-                </a:solidFill>
-              </a:rPr>
-              <a:t>Data Store</a:t>
-            </a:r>
-            <a:endParaRPr lang="en-IN" dirty="0">
-              <a:solidFill>
-                <a:srgbClr val="002060"/>
-              </a:solidFill>
-            </a:endParaRPr>
-          </a:p>
-        </p:txBody>
-      </p:sp>
-      <p:sp>
-        <p:nvSpPr>
-          <p:cNvPr id="9" name="Rectangle: Rounded Corners 8">
-            <a:extLst>
-              <a:ext uri="{FF2B5EF4-FFF2-40B4-BE49-F238E27FC236}">
-                <a16:creationId xmlns:a16="http://schemas.microsoft.com/office/drawing/2014/main" id="{A92C872B-70D9-4F65-B6FB-E7D3026D7F23}"/>
+              <a:rPr lang="en-US" dirty="0"/>
+              <a:t>3</a:t>
+            </a:r>
+          </a:p>
+        </p:txBody>
+      </p:sp>
+      <p:sp>
+        <p:nvSpPr>
+          <p:cNvPr id="47" name="Heptagon 46">
+            <a:extLst>
+              <a:ext uri="{FF2B5EF4-FFF2-40B4-BE49-F238E27FC236}">
+                <a16:creationId xmlns:a16="http://schemas.microsoft.com/office/drawing/2014/main" id="{AB00409F-5084-44E7-90AA-34000E295530}"/>
               </a:ext>
             </a:extLst>
           </p:cNvPr>
@@ -10697,13 +10816,12 @@
         </p:nvSpPr>
         <p:spPr>
           <a:xfrm>
-            <a:off x="9074458" y="4671131"/>
-            <a:ext cx="2698812" cy="932154"/>
-          </a:xfrm>
-          <a:prstGeom prst="roundRect">
+            <a:off x="6674459" y="1157482"/>
+            <a:ext cx="307435" cy="344102"/>
+          </a:xfrm>
+          <a:prstGeom prst="heptagon">
             <a:avLst/>
           </a:prstGeom>
-          <a:noFill/>
         </p:spPr>
         <p:style>
           <a:lnRef idx="2">
@@ -10727,49 +10845,18 @@
           <a:p>
             <a:pPr algn="ctr"/>
             <a:r>
-              <a:rPr lang="en-US" dirty="0">
-                <a:solidFill>
-                  <a:srgbClr val="002060"/>
-                </a:solidFill>
-              </a:rPr>
-              <a:t>Orders API</a:t>
-            </a:r>
-          </a:p>
-          <a:p>
-            <a:pPr algn="ctr"/>
-            <a:r>
-              <a:rPr lang="en-US" dirty="0">
-                <a:solidFill>
-                  <a:srgbClr val="002060"/>
-                </a:solidFill>
-              </a:rPr>
-              <a:t>+</a:t>
-            </a:r>
-          </a:p>
-          <a:p>
-            <a:pPr algn="ctr"/>
-            <a:r>
-              <a:rPr lang="en-US" dirty="0">
-                <a:solidFill>
-                  <a:srgbClr val="002060"/>
-                </a:solidFill>
-              </a:rPr>
-              <a:t>Data Store</a:t>
-            </a:r>
-            <a:endParaRPr lang="en-IN" dirty="0">
-              <a:solidFill>
-                <a:srgbClr val="002060"/>
-              </a:solidFill>
-            </a:endParaRPr>
-          </a:p>
-        </p:txBody>
-      </p:sp>
-      <p:sp>
-        <p:nvSpPr>
-          <p:cNvPr id="5" name="Rectangle 4">
-            <a:extLst>
-              <a:ext uri="{FF2B5EF4-FFF2-40B4-BE49-F238E27FC236}">
-                <a16:creationId xmlns:a16="http://schemas.microsoft.com/office/drawing/2014/main" id="{B5B283AE-04A1-4B80-939C-21B7C975E533}"/>
+              <a:rPr lang="en-US" dirty="0"/>
+              <a:t>4</a:t>
+            </a:r>
+          </a:p>
+        </p:txBody>
+      </p:sp>
+      <p:sp>
+        <p:nvSpPr>
+          <p:cNvPr id="48" name="Heptagon 47">
+            <a:extLst>
+              <a:ext uri="{FF2B5EF4-FFF2-40B4-BE49-F238E27FC236}">
+                <a16:creationId xmlns:a16="http://schemas.microsoft.com/office/drawing/2014/main" id="{7404ADED-C51D-46C9-8F7A-0B3E6F45A5B6}"/>
               </a:ext>
             </a:extLst>
           </p:cNvPr>
@@ -10778,10 +10865,10 @@
         </p:nvSpPr>
         <p:spPr>
           <a:xfrm>
-            <a:off x="4891596" y="2237173"/>
-            <a:ext cx="1411550" cy="1553592"/>
-          </a:xfrm>
-          <a:prstGeom prst="rect">
+            <a:off x="10022305" y="3082562"/>
+            <a:ext cx="307435" cy="344102"/>
+          </a:xfrm>
+          <a:prstGeom prst="heptagon">
             <a:avLst/>
           </a:prstGeom>
         </p:spPr>
@@ -10808,39 +10895,531 @@
             <a:pPr algn="ctr"/>
             <a:r>
               <a:rPr lang="en-US" dirty="0"/>
-              <a:t>API</a:t>
-            </a:r>
-          </a:p>
-          <a:p>
-            <a:pPr algn="ctr"/>
-            <a:r>
-              <a:rPr lang="en-US" dirty="0"/>
-              <a:t>Gateway</a:t>
-            </a:r>
-            <a:endParaRPr lang="en-IN" dirty="0"/>
-          </a:p>
-        </p:txBody>
-      </p:sp>
-      <p:sp>
-        <p:nvSpPr>
-          <p:cNvPr id="6" name="Rectangle 5">
-            <a:extLst>
-              <a:ext uri="{FF2B5EF4-FFF2-40B4-BE49-F238E27FC236}">
-                <a16:creationId xmlns:a16="http://schemas.microsoft.com/office/drawing/2014/main" id="{E681EEBF-DED0-49C3-82BA-C359A5D505B5}"/>
-              </a:ext>
-            </a:extLst>
-          </p:cNvPr>
-          <p:cNvSpPr/>
+              <a:t>5</a:t>
+            </a:r>
+          </a:p>
+        </p:txBody>
+      </p:sp>
+      <p:sp>
+        <p:nvSpPr>
+          <p:cNvPr id="35" name="TextBox 34">
+            <a:extLst>
+              <a:ext uri="{FF2B5EF4-FFF2-40B4-BE49-F238E27FC236}">
+                <a16:creationId xmlns:a16="http://schemas.microsoft.com/office/drawing/2014/main" id="{E2F5F6A0-D510-4DE5-B9DB-EE0C0D374DC9}"/>
+              </a:ext>
+            </a:extLst>
+          </p:cNvPr>
+          <p:cNvSpPr txBox="1"/>
           <p:nvPr/>
         </p:nvSpPr>
         <p:spPr>
           <a:xfrm>
-            <a:off x="1322773" y="1038687"/>
-            <a:ext cx="1518081" cy="1065321"/>
+            <a:off x="9219304" y="5138637"/>
+            <a:ext cx="2893741" cy="369332"/>
           </a:xfrm>
           <a:prstGeom prst="rect">
             <a:avLst/>
           </a:prstGeom>
+          <a:noFill/>
+          <a:ln>
+            <a:solidFill>
+              <a:schemeClr val="tx1"/>
+            </a:solidFill>
+            <a:prstDash val="solid"/>
+          </a:ln>
+        </p:spPr>
+        <p:txBody>
+          <a:bodyPr wrap="none" rtlCol="0">
+            <a:spAutoFit/>
+          </a:bodyPr>
+          <a:lstStyle/>
+          <a:p>
+            <a:r>
+              <a:rPr lang="en-US" b="1" dirty="0">
+                <a:solidFill>
+                  <a:srgbClr val="0070C0"/>
+                </a:solidFill>
+                <a:latin typeface="Verdana" panose="020B0604030504040204" pitchFamily="34" charset="0"/>
+                <a:ea typeface="Verdana" panose="020B0604030504040204" pitchFamily="34" charset="0"/>
+              </a:rPr>
+              <a:t>August 2021 Version</a:t>
+            </a:r>
+          </a:p>
+        </p:txBody>
+      </p:sp>
+      <p:sp>
+        <p:nvSpPr>
+          <p:cNvPr id="29" name="TextBox 28">
+            <a:extLst>
+              <a:ext uri="{FF2B5EF4-FFF2-40B4-BE49-F238E27FC236}">
+                <a16:creationId xmlns:a16="http://schemas.microsoft.com/office/drawing/2014/main" id="{73DEDEAB-57DE-46F8-9469-78112F7FEB52}"/>
+              </a:ext>
+            </a:extLst>
+          </p:cNvPr>
+          <p:cNvSpPr txBox="1"/>
+          <p:nvPr/>
+        </p:nvSpPr>
+        <p:spPr>
+          <a:xfrm>
+            <a:off x="3433951" y="3868771"/>
+            <a:ext cx="1206741" cy="276999"/>
+          </a:xfrm>
+          <a:prstGeom prst="rect">
+            <a:avLst/>
+          </a:prstGeom>
+          <a:noFill/>
+        </p:spPr>
+        <p:txBody>
+          <a:bodyPr wrap="none" rtlCol="0">
+            <a:spAutoFit/>
+          </a:bodyPr>
+          <a:lstStyle/>
+          <a:p>
+            <a:r>
+              <a:rPr lang="en-US" sz="1200" dirty="0">
+                <a:solidFill>
+                  <a:srgbClr val="002060"/>
+                </a:solidFill>
+                <a:latin typeface="Verdana" panose="020B0604030504040204" pitchFamily="34" charset="0"/>
+                <a:ea typeface="Verdana" panose="020B0604030504040204" pitchFamily="34" charset="0"/>
+              </a:rPr>
+              <a:t>Blazor WASM</a:t>
+            </a:r>
+          </a:p>
+        </p:txBody>
+      </p:sp>
+      <p:sp>
+        <p:nvSpPr>
+          <p:cNvPr id="32" name="TextBox 31">
+            <a:extLst>
+              <a:ext uri="{FF2B5EF4-FFF2-40B4-BE49-F238E27FC236}">
+                <a16:creationId xmlns:a16="http://schemas.microsoft.com/office/drawing/2014/main" id="{7ACD62D2-6EA3-462B-9EE3-1AE82A658BDE}"/>
+              </a:ext>
+            </a:extLst>
+          </p:cNvPr>
+          <p:cNvSpPr txBox="1"/>
+          <p:nvPr/>
+        </p:nvSpPr>
+        <p:spPr>
+          <a:xfrm>
+            <a:off x="7003080" y="3868771"/>
+            <a:ext cx="834396" cy="276999"/>
+          </a:xfrm>
+          <a:prstGeom prst="rect">
+            <a:avLst/>
+          </a:prstGeom>
+          <a:noFill/>
+        </p:spPr>
+        <p:txBody>
+          <a:bodyPr wrap="none" rtlCol="0">
+            <a:spAutoFit/>
+          </a:bodyPr>
+          <a:lstStyle/>
+          <a:p>
+            <a:r>
+              <a:rPr lang="en-US" sz="1200" dirty="0">
+                <a:solidFill>
+                  <a:srgbClr val="002060"/>
+                </a:solidFill>
+                <a:latin typeface="Verdana" panose="020B0604030504040204" pitchFamily="34" charset="0"/>
+                <a:ea typeface="Verdana" panose="020B0604030504040204" pitchFamily="34" charset="0"/>
+              </a:rPr>
+              <a:t>Web API</a:t>
+            </a:r>
+          </a:p>
+        </p:txBody>
+      </p:sp>
+      <p:sp>
+        <p:nvSpPr>
+          <p:cNvPr id="33" name="TextBox 32">
+            <a:extLst>
+              <a:ext uri="{FF2B5EF4-FFF2-40B4-BE49-F238E27FC236}">
+                <a16:creationId xmlns:a16="http://schemas.microsoft.com/office/drawing/2014/main" id="{B2F4BAD8-B680-472E-AAAA-BA6C3042BA54}"/>
+              </a:ext>
+            </a:extLst>
+          </p:cNvPr>
+          <p:cNvSpPr txBox="1"/>
+          <p:nvPr/>
+        </p:nvSpPr>
+        <p:spPr>
+          <a:xfrm>
+            <a:off x="6657173" y="761510"/>
+            <a:ext cx="1411027" cy="276999"/>
+          </a:xfrm>
+          <a:prstGeom prst="rect">
+            <a:avLst/>
+          </a:prstGeom>
+          <a:noFill/>
+        </p:spPr>
+        <p:txBody>
+          <a:bodyPr wrap="none" rtlCol="0">
+            <a:spAutoFit/>
+          </a:bodyPr>
+          <a:lstStyle/>
+          <a:p>
+            <a:r>
+              <a:rPr lang="en-US" sz="1200" dirty="0">
+                <a:solidFill>
+                  <a:srgbClr val="002060"/>
+                </a:solidFill>
+                <a:latin typeface="Verdana" panose="020B0604030504040204" pitchFamily="34" charset="0"/>
+                <a:ea typeface="Verdana" panose="020B0604030504040204" pitchFamily="34" charset="0"/>
+              </a:rPr>
+              <a:t>Azure Key Vault</a:t>
+            </a:r>
+          </a:p>
+        </p:txBody>
+      </p:sp>
+      <p:sp>
+        <p:nvSpPr>
+          <p:cNvPr id="37" name="TextBox 36">
+            <a:extLst>
+              <a:ext uri="{FF2B5EF4-FFF2-40B4-BE49-F238E27FC236}">
+                <a16:creationId xmlns:a16="http://schemas.microsoft.com/office/drawing/2014/main" id="{E472F245-397E-4CEE-88C2-F7D04A607F7F}"/>
+              </a:ext>
+            </a:extLst>
+          </p:cNvPr>
+          <p:cNvSpPr txBox="1"/>
+          <p:nvPr/>
+        </p:nvSpPr>
+        <p:spPr>
+          <a:xfrm>
+            <a:off x="9978904" y="3868771"/>
+            <a:ext cx="1557093" cy="276999"/>
+          </a:xfrm>
+          <a:prstGeom prst="rect">
+            <a:avLst/>
+          </a:prstGeom>
+          <a:noFill/>
+        </p:spPr>
+        <p:txBody>
+          <a:bodyPr wrap="none" rtlCol="0">
+            <a:spAutoFit/>
+          </a:bodyPr>
+          <a:lstStyle/>
+          <a:p>
+            <a:r>
+              <a:rPr lang="en-US" sz="1200" dirty="0">
+                <a:solidFill>
+                  <a:srgbClr val="002060"/>
+                </a:solidFill>
+                <a:latin typeface="Verdana" panose="020B0604030504040204" pitchFamily="34" charset="0"/>
+                <a:ea typeface="Verdana" panose="020B0604030504040204" pitchFamily="34" charset="0"/>
+              </a:rPr>
+              <a:t>Azure SQL Server</a:t>
+            </a:r>
+          </a:p>
+        </p:txBody>
+      </p:sp>
+      <p:cxnSp>
+        <p:nvCxnSpPr>
+          <p:cNvPr id="43" name="Straight Arrow Connector 42">
+            <a:extLst>
+              <a:ext uri="{FF2B5EF4-FFF2-40B4-BE49-F238E27FC236}">
+                <a16:creationId xmlns:a16="http://schemas.microsoft.com/office/drawing/2014/main" id="{BB3E70C0-B1EA-4E72-AF0A-7A34EFBCE473}"/>
+              </a:ext>
+            </a:extLst>
+          </p:cNvPr>
+          <p:cNvCxnSpPr>
+            <a:cxnSpLocks/>
+          </p:cNvCxnSpPr>
+          <p:nvPr/>
+        </p:nvCxnSpPr>
+        <p:spPr>
+          <a:xfrm flipV="1">
+            <a:off x="973819" y="3563806"/>
+            <a:ext cx="2712126" cy="1"/>
+          </a:xfrm>
+          <a:prstGeom prst="straightConnector1">
+            <a:avLst/>
+          </a:prstGeom>
+          <a:ln>
+            <a:tailEnd type="triangle"/>
+          </a:ln>
+        </p:spPr>
+        <p:style>
+          <a:lnRef idx="1">
+            <a:schemeClr val="accent1"/>
+          </a:lnRef>
+          <a:fillRef idx="0">
+            <a:schemeClr val="accent1"/>
+          </a:fillRef>
+          <a:effectRef idx="0">
+            <a:schemeClr val="accent1"/>
+          </a:effectRef>
+          <a:fontRef idx="minor">
+            <a:schemeClr val="tx1"/>
+          </a:fontRef>
+        </p:style>
+      </p:cxnSp>
+      <p:cxnSp>
+        <p:nvCxnSpPr>
+          <p:cNvPr id="52" name="Straight Arrow Connector 51">
+            <a:extLst>
+              <a:ext uri="{FF2B5EF4-FFF2-40B4-BE49-F238E27FC236}">
+                <a16:creationId xmlns:a16="http://schemas.microsoft.com/office/drawing/2014/main" id="{32B65C11-0411-4270-B765-93FD97EF4FD7}"/>
+              </a:ext>
+            </a:extLst>
+          </p:cNvPr>
+          <p:cNvCxnSpPr>
+            <a:cxnSpLocks/>
+          </p:cNvCxnSpPr>
+          <p:nvPr/>
+        </p:nvCxnSpPr>
+        <p:spPr>
+          <a:xfrm flipV="1">
+            <a:off x="4357700" y="3556406"/>
+            <a:ext cx="2712126" cy="1"/>
+          </a:xfrm>
+          <a:prstGeom prst="straightConnector1">
+            <a:avLst/>
+          </a:prstGeom>
+          <a:ln>
+            <a:tailEnd type="triangle"/>
+          </a:ln>
+        </p:spPr>
+        <p:style>
+          <a:lnRef idx="1">
+            <a:schemeClr val="accent1"/>
+          </a:lnRef>
+          <a:fillRef idx="0">
+            <a:schemeClr val="accent1"/>
+          </a:fillRef>
+          <a:effectRef idx="0">
+            <a:schemeClr val="accent1"/>
+          </a:effectRef>
+          <a:fontRef idx="minor">
+            <a:schemeClr val="tx1"/>
+          </a:fontRef>
+        </p:style>
+      </p:cxnSp>
+      <p:cxnSp>
+        <p:nvCxnSpPr>
+          <p:cNvPr id="53" name="Straight Arrow Connector 52">
+            <a:extLst>
+              <a:ext uri="{FF2B5EF4-FFF2-40B4-BE49-F238E27FC236}">
+                <a16:creationId xmlns:a16="http://schemas.microsoft.com/office/drawing/2014/main" id="{377EAAA1-50F0-433E-A218-35B4BA6C37EB}"/>
+              </a:ext>
+            </a:extLst>
+          </p:cNvPr>
+          <p:cNvCxnSpPr>
+            <a:cxnSpLocks/>
+          </p:cNvCxnSpPr>
+          <p:nvPr/>
+        </p:nvCxnSpPr>
+        <p:spPr>
+          <a:xfrm flipV="1">
+            <a:off x="7784487" y="3556403"/>
+            <a:ext cx="2712126" cy="1"/>
+          </a:xfrm>
+          <a:prstGeom prst="straightConnector1">
+            <a:avLst/>
+          </a:prstGeom>
+          <a:ln>
+            <a:tailEnd type="triangle"/>
+          </a:ln>
+        </p:spPr>
+        <p:style>
+          <a:lnRef idx="1">
+            <a:schemeClr val="accent1"/>
+          </a:lnRef>
+          <a:fillRef idx="0">
+            <a:schemeClr val="accent1"/>
+          </a:fillRef>
+          <a:effectRef idx="0">
+            <a:schemeClr val="accent1"/>
+          </a:effectRef>
+          <a:fontRef idx="minor">
+            <a:schemeClr val="tx1"/>
+          </a:fontRef>
+        </p:style>
+      </p:cxnSp>
+      <p:sp>
+        <p:nvSpPr>
+          <p:cNvPr id="54" name="TextBox 53">
+            <a:extLst>
+              <a:ext uri="{FF2B5EF4-FFF2-40B4-BE49-F238E27FC236}">
+                <a16:creationId xmlns:a16="http://schemas.microsoft.com/office/drawing/2014/main" id="{4AAB1816-7919-42F9-855B-2F50292B0ADB}"/>
+              </a:ext>
+            </a:extLst>
+          </p:cNvPr>
+          <p:cNvSpPr txBox="1"/>
+          <p:nvPr/>
+        </p:nvSpPr>
+        <p:spPr>
+          <a:xfrm>
+            <a:off x="488327" y="3870249"/>
+            <a:ext cx="534121" cy="276999"/>
+          </a:xfrm>
+          <a:prstGeom prst="rect">
+            <a:avLst/>
+          </a:prstGeom>
+          <a:noFill/>
+        </p:spPr>
+        <p:txBody>
+          <a:bodyPr wrap="none" rtlCol="0">
+            <a:spAutoFit/>
+          </a:bodyPr>
+          <a:lstStyle/>
+          <a:p>
+            <a:r>
+              <a:rPr lang="en-US" sz="1200" dirty="0">
+                <a:solidFill>
+                  <a:srgbClr val="002060"/>
+                </a:solidFill>
+                <a:latin typeface="Verdana" panose="020B0604030504040204" pitchFamily="34" charset="0"/>
+                <a:ea typeface="Verdana" panose="020B0604030504040204" pitchFamily="34" charset="0"/>
+              </a:rPr>
+              <a:t>User</a:t>
+            </a:r>
+          </a:p>
+        </p:txBody>
+      </p:sp>
+    </p:spTree>
+    <p:extLst>
+      <p:ext uri="{BB962C8B-B14F-4D97-AF65-F5344CB8AC3E}">
+        <p14:creationId xmlns:p14="http://schemas.microsoft.com/office/powerpoint/2010/main" val="4050206399"/>
+      </p:ext>
+    </p:extLst>
+  </p:cSld>
+  <p:clrMapOvr>
+    <a:masterClrMapping/>
+  </p:clrMapOvr>
+</p:sld>
+</file>
+
+<file path=ppt/slides/slide11.xml><?xml version="1.0" encoding="utf-8"?>
+<p:sld xmlns:a="http://schemas.openxmlformats.org/drawingml/2006/main" xmlns:r="http://schemas.openxmlformats.org/officeDocument/2006/relationships" xmlns:p="http://schemas.openxmlformats.org/presentationml/2006/main">
+  <p:cSld>
+    <p:spTree>
+      <p:nvGrpSpPr>
+        <p:cNvPr id="1" name=""/>
+        <p:cNvGrpSpPr/>
+        <p:nvPr/>
+      </p:nvGrpSpPr>
+      <p:grpSpPr>
+        <a:xfrm>
+          <a:off x="0" y="0"/>
+          <a:ext cx="0" cy="0"/>
+          <a:chOff x="0" y="0"/>
+          <a:chExt cx="0" cy="0"/>
+        </a:xfrm>
+      </p:grpSpPr>
+      <p:pic>
+        <p:nvPicPr>
+          <p:cNvPr id="1026" name="Picture 2">
+            <a:extLst>
+              <a:ext uri="{FF2B5EF4-FFF2-40B4-BE49-F238E27FC236}">
+                <a16:creationId xmlns:a16="http://schemas.microsoft.com/office/drawing/2014/main" id="{F425339A-A236-46E1-92D6-7C151737B536}"/>
+              </a:ext>
+            </a:extLst>
+          </p:cNvPr>
+          <p:cNvPicPr>
+            <a:picLocks noChangeAspect="1" noChangeArrowheads="1"/>
+          </p:cNvPicPr>
+          <p:nvPr/>
+        </p:nvPicPr>
+        <p:blipFill>
+          <a:blip r:embed="rId2">
+            <a:extLst>
+              <a:ext uri="{28A0092B-C50C-407E-A947-70E740481C1C}">
+                <a14:useLocalDpi xmlns:a14="http://schemas.microsoft.com/office/drawing/2010/main" val="0"/>
+              </a:ext>
+            </a:extLst>
+          </a:blip>
+          <a:srcRect/>
+          <a:stretch>
+            <a:fillRect/>
+          </a:stretch>
+        </p:blipFill>
+        <p:spPr bwMode="auto">
+          <a:xfrm>
+            <a:off x="9328859" y="722744"/>
+            <a:ext cx="676275" cy="676275"/>
+          </a:xfrm>
+          <a:prstGeom prst="rect">
+            <a:avLst/>
+          </a:prstGeom>
+          <a:noFill/>
+          <a:extLst>
+            <a:ext uri="{909E8E84-426E-40DD-AFC4-6F175D3DCCD1}">
+              <a14:hiddenFill xmlns:a14="http://schemas.microsoft.com/office/drawing/2010/main">
+                <a:solidFill>
+                  <a:srgbClr val="FFFFFF"/>
+                </a:solidFill>
+              </a14:hiddenFill>
+            </a:ext>
+          </a:extLst>
+        </p:spPr>
+      </p:pic>
+      <p:pic>
+        <p:nvPicPr>
+          <p:cNvPr id="1028" name="Picture 4">
+            <a:extLst>
+              <a:ext uri="{FF2B5EF4-FFF2-40B4-BE49-F238E27FC236}">
+                <a16:creationId xmlns:a16="http://schemas.microsoft.com/office/drawing/2014/main" id="{4DF7CF91-FD9D-4160-B6CC-06C2E31F3789}"/>
+              </a:ext>
+            </a:extLst>
+          </p:cNvPr>
+          <p:cNvPicPr>
+            <a:picLocks noChangeAspect="1" noChangeArrowheads="1"/>
+          </p:cNvPicPr>
+          <p:nvPr/>
+        </p:nvPicPr>
+        <p:blipFill>
+          <a:blip r:embed="rId3">
+            <a:extLst>
+              <a:ext uri="{28A0092B-C50C-407E-A947-70E740481C1C}">
+                <a14:useLocalDpi xmlns:a14="http://schemas.microsoft.com/office/drawing/2010/main" val="0"/>
+              </a:ext>
+            </a:extLst>
+          </a:blip>
+          <a:srcRect/>
+          <a:stretch>
+            <a:fillRect/>
+          </a:stretch>
+        </p:blipFill>
+        <p:spPr bwMode="auto">
+          <a:xfrm>
+            <a:off x="10610850" y="773791"/>
+            <a:ext cx="647700" cy="676275"/>
+          </a:xfrm>
+          <a:prstGeom prst="rect">
+            <a:avLst/>
+          </a:prstGeom>
+          <a:noFill/>
+          <a:extLst>
+            <a:ext uri="{909E8E84-426E-40DD-AFC4-6F175D3DCCD1}">
+              <a14:hiddenFill xmlns:a14="http://schemas.microsoft.com/office/drawing/2010/main">
+                <a:solidFill>
+                  <a:srgbClr val="FFFFFF"/>
+                </a:solidFill>
+              </a14:hiddenFill>
+            </a:ext>
+          </a:extLst>
+        </p:spPr>
+      </p:pic>
+      <p:sp>
+        <p:nvSpPr>
+          <p:cNvPr id="4" name="Rectangle: Rounded Corners 3">
+            <a:extLst>
+              <a:ext uri="{FF2B5EF4-FFF2-40B4-BE49-F238E27FC236}">
+                <a16:creationId xmlns:a16="http://schemas.microsoft.com/office/drawing/2014/main" id="{B66FDB89-5B7A-44D0-9521-C95AC61E9F64}"/>
+              </a:ext>
+            </a:extLst>
+          </p:cNvPr>
+          <p:cNvSpPr/>
+          <p:nvPr/>
+        </p:nvSpPr>
+        <p:spPr>
+          <a:xfrm>
+            <a:off x="9010834" y="594805"/>
+            <a:ext cx="2698812" cy="932154"/>
+          </a:xfrm>
+          <a:prstGeom prst="roundRect">
+            <a:avLst/>
+          </a:prstGeom>
+          <a:noFill/>
         </p:spPr>
         <p:style>
           <a:lnRef idx="2">
@@ -10869,10 +11448,10 @@
       </p:sp>
       <p:sp>
         <p:nvSpPr>
-          <p:cNvPr id="12" name="Rectangle: Rounded Corners 11">
-            <a:extLst>
-              <a:ext uri="{FF2B5EF4-FFF2-40B4-BE49-F238E27FC236}">
-                <a16:creationId xmlns:a16="http://schemas.microsoft.com/office/drawing/2014/main" id="{97C2BB1D-0F57-4637-9199-2635C934B556}"/>
+          <p:cNvPr id="7" name="Rectangle: Rounded Corners 6">
+            <a:extLst>
+              <a:ext uri="{FF2B5EF4-FFF2-40B4-BE49-F238E27FC236}">
+                <a16:creationId xmlns:a16="http://schemas.microsoft.com/office/drawing/2014/main" id="{A2D272BD-19C4-4CCC-98BF-5E5942B48D5E}"/>
               </a:ext>
             </a:extLst>
           </p:cNvPr>
@@ -10881,7 +11460,7 @@
         </p:nvSpPr>
         <p:spPr>
           <a:xfrm>
-            <a:off x="9074458" y="5797118"/>
+            <a:off x="9074458" y="1963445"/>
             <a:ext cx="2698812" cy="932154"/>
           </a:xfrm>
           <a:prstGeom prst="roundRect">
@@ -10916,6 +11495,352 @@
                   <a:srgbClr val="002060"/>
                 </a:solidFill>
               </a:rPr>
+              <a:t>Basket API</a:t>
+            </a:r>
+          </a:p>
+          <a:p>
+            <a:pPr algn="ctr"/>
+            <a:r>
+              <a:rPr lang="en-US" dirty="0">
+                <a:solidFill>
+                  <a:srgbClr val="002060"/>
+                </a:solidFill>
+              </a:rPr>
+              <a:t>+</a:t>
+            </a:r>
+          </a:p>
+          <a:p>
+            <a:pPr algn="ctr"/>
+            <a:r>
+              <a:rPr lang="en-US" dirty="0">
+                <a:solidFill>
+                  <a:srgbClr val="002060"/>
+                </a:solidFill>
+              </a:rPr>
+              <a:t>Data Store</a:t>
+            </a:r>
+            <a:endParaRPr lang="en-IN" dirty="0">
+              <a:solidFill>
+                <a:srgbClr val="002060"/>
+              </a:solidFill>
+            </a:endParaRPr>
+          </a:p>
+        </p:txBody>
+      </p:sp>
+      <p:sp>
+        <p:nvSpPr>
+          <p:cNvPr id="8" name="Rectangle: Rounded Corners 7">
+            <a:extLst>
+              <a:ext uri="{FF2B5EF4-FFF2-40B4-BE49-F238E27FC236}">
+                <a16:creationId xmlns:a16="http://schemas.microsoft.com/office/drawing/2014/main" id="{A5552548-78B9-4209-A399-D93F4C299158}"/>
+              </a:ext>
+            </a:extLst>
+          </p:cNvPr>
+          <p:cNvSpPr/>
+          <p:nvPr/>
+        </p:nvSpPr>
+        <p:spPr>
+          <a:xfrm>
+            <a:off x="9074458" y="3317288"/>
+            <a:ext cx="2698812" cy="932154"/>
+          </a:xfrm>
+          <a:prstGeom prst="roundRect">
+            <a:avLst/>
+          </a:prstGeom>
+          <a:noFill/>
+        </p:spPr>
+        <p:style>
+          <a:lnRef idx="2">
+            <a:schemeClr val="accent1">
+              <a:shade val="50000"/>
+            </a:schemeClr>
+          </a:lnRef>
+          <a:fillRef idx="1">
+            <a:schemeClr val="accent1"/>
+          </a:fillRef>
+          <a:effectRef idx="0">
+            <a:schemeClr val="accent1"/>
+          </a:effectRef>
+          <a:fontRef idx="minor">
+            <a:schemeClr val="lt1"/>
+          </a:fontRef>
+        </p:style>
+        <p:txBody>
+          <a:bodyPr rtlCol="0" anchor="ctr"/>
+          <a:lstStyle/>
+          <a:p>
+            <a:pPr algn="ctr"/>
+            <a:r>
+              <a:rPr lang="en-US" dirty="0">
+                <a:solidFill>
+                  <a:srgbClr val="002060"/>
+                </a:solidFill>
+              </a:rPr>
+              <a:t>Discount API</a:t>
+            </a:r>
+          </a:p>
+          <a:p>
+            <a:pPr algn="ctr"/>
+            <a:r>
+              <a:rPr lang="en-US" dirty="0">
+                <a:solidFill>
+                  <a:srgbClr val="002060"/>
+                </a:solidFill>
+              </a:rPr>
+              <a:t>+</a:t>
+            </a:r>
+          </a:p>
+          <a:p>
+            <a:pPr algn="ctr"/>
+            <a:r>
+              <a:rPr lang="en-US" dirty="0">
+                <a:solidFill>
+                  <a:srgbClr val="002060"/>
+                </a:solidFill>
+              </a:rPr>
+              <a:t>Data Store</a:t>
+            </a:r>
+            <a:endParaRPr lang="en-IN" dirty="0">
+              <a:solidFill>
+                <a:srgbClr val="002060"/>
+              </a:solidFill>
+            </a:endParaRPr>
+          </a:p>
+        </p:txBody>
+      </p:sp>
+      <p:sp>
+        <p:nvSpPr>
+          <p:cNvPr id="9" name="Rectangle: Rounded Corners 8">
+            <a:extLst>
+              <a:ext uri="{FF2B5EF4-FFF2-40B4-BE49-F238E27FC236}">
+                <a16:creationId xmlns:a16="http://schemas.microsoft.com/office/drawing/2014/main" id="{A92C872B-70D9-4F65-B6FB-E7D3026D7F23}"/>
+              </a:ext>
+            </a:extLst>
+          </p:cNvPr>
+          <p:cNvSpPr/>
+          <p:nvPr/>
+        </p:nvSpPr>
+        <p:spPr>
+          <a:xfrm>
+            <a:off x="9074458" y="4671131"/>
+            <a:ext cx="2698812" cy="932154"/>
+          </a:xfrm>
+          <a:prstGeom prst="roundRect">
+            <a:avLst/>
+          </a:prstGeom>
+          <a:noFill/>
+        </p:spPr>
+        <p:style>
+          <a:lnRef idx="2">
+            <a:schemeClr val="accent1">
+              <a:shade val="50000"/>
+            </a:schemeClr>
+          </a:lnRef>
+          <a:fillRef idx="1">
+            <a:schemeClr val="accent1"/>
+          </a:fillRef>
+          <a:effectRef idx="0">
+            <a:schemeClr val="accent1"/>
+          </a:effectRef>
+          <a:fontRef idx="minor">
+            <a:schemeClr val="lt1"/>
+          </a:fontRef>
+        </p:style>
+        <p:txBody>
+          <a:bodyPr rtlCol="0" anchor="ctr"/>
+          <a:lstStyle/>
+          <a:p>
+            <a:pPr algn="ctr"/>
+            <a:r>
+              <a:rPr lang="en-US" dirty="0">
+                <a:solidFill>
+                  <a:srgbClr val="002060"/>
+                </a:solidFill>
+              </a:rPr>
+              <a:t>Orders API</a:t>
+            </a:r>
+          </a:p>
+          <a:p>
+            <a:pPr algn="ctr"/>
+            <a:r>
+              <a:rPr lang="en-US" dirty="0">
+                <a:solidFill>
+                  <a:srgbClr val="002060"/>
+                </a:solidFill>
+              </a:rPr>
+              <a:t>+</a:t>
+            </a:r>
+          </a:p>
+          <a:p>
+            <a:pPr algn="ctr"/>
+            <a:r>
+              <a:rPr lang="en-US" dirty="0">
+                <a:solidFill>
+                  <a:srgbClr val="002060"/>
+                </a:solidFill>
+              </a:rPr>
+              <a:t>Data Store</a:t>
+            </a:r>
+            <a:endParaRPr lang="en-IN" dirty="0">
+              <a:solidFill>
+                <a:srgbClr val="002060"/>
+              </a:solidFill>
+            </a:endParaRPr>
+          </a:p>
+        </p:txBody>
+      </p:sp>
+      <p:sp>
+        <p:nvSpPr>
+          <p:cNvPr id="5" name="Rectangle 4">
+            <a:extLst>
+              <a:ext uri="{FF2B5EF4-FFF2-40B4-BE49-F238E27FC236}">
+                <a16:creationId xmlns:a16="http://schemas.microsoft.com/office/drawing/2014/main" id="{B5B283AE-04A1-4B80-939C-21B7C975E533}"/>
+              </a:ext>
+            </a:extLst>
+          </p:cNvPr>
+          <p:cNvSpPr/>
+          <p:nvPr/>
+        </p:nvSpPr>
+        <p:spPr>
+          <a:xfrm>
+            <a:off x="4891596" y="2237173"/>
+            <a:ext cx="1411550" cy="1553592"/>
+          </a:xfrm>
+          <a:prstGeom prst="rect">
+            <a:avLst/>
+          </a:prstGeom>
+        </p:spPr>
+        <p:style>
+          <a:lnRef idx="2">
+            <a:schemeClr val="accent1">
+              <a:shade val="50000"/>
+            </a:schemeClr>
+          </a:lnRef>
+          <a:fillRef idx="1">
+            <a:schemeClr val="accent1"/>
+          </a:fillRef>
+          <a:effectRef idx="0">
+            <a:schemeClr val="accent1"/>
+          </a:effectRef>
+          <a:fontRef idx="minor">
+            <a:schemeClr val="lt1"/>
+          </a:fontRef>
+        </p:style>
+        <p:txBody>
+          <a:bodyPr rtlCol="0" anchor="ctr"/>
+          <a:lstStyle/>
+          <a:p>
+            <a:pPr algn="ctr"/>
+            <a:r>
+              <a:rPr lang="en-US" dirty="0"/>
+              <a:t>API</a:t>
+            </a:r>
+          </a:p>
+          <a:p>
+            <a:pPr algn="ctr"/>
+            <a:r>
+              <a:rPr lang="en-US" dirty="0"/>
+              <a:t>Gateway</a:t>
+            </a:r>
+            <a:endParaRPr lang="en-IN" dirty="0"/>
+          </a:p>
+        </p:txBody>
+      </p:sp>
+      <p:sp>
+        <p:nvSpPr>
+          <p:cNvPr id="6" name="Rectangle 5">
+            <a:extLst>
+              <a:ext uri="{FF2B5EF4-FFF2-40B4-BE49-F238E27FC236}">
+                <a16:creationId xmlns:a16="http://schemas.microsoft.com/office/drawing/2014/main" id="{E681EEBF-DED0-49C3-82BA-C359A5D505B5}"/>
+              </a:ext>
+            </a:extLst>
+          </p:cNvPr>
+          <p:cNvSpPr/>
+          <p:nvPr/>
+        </p:nvSpPr>
+        <p:spPr>
+          <a:xfrm>
+            <a:off x="1322773" y="1038687"/>
+            <a:ext cx="1518081" cy="1065321"/>
+          </a:xfrm>
+          <a:prstGeom prst="rect">
+            <a:avLst/>
+          </a:prstGeom>
+        </p:spPr>
+        <p:style>
+          <a:lnRef idx="2">
+            <a:schemeClr val="accent1">
+              <a:shade val="50000"/>
+            </a:schemeClr>
+          </a:lnRef>
+          <a:fillRef idx="1">
+            <a:schemeClr val="accent1"/>
+          </a:fillRef>
+          <a:effectRef idx="0">
+            <a:schemeClr val="accent1"/>
+          </a:effectRef>
+          <a:fontRef idx="minor">
+            <a:schemeClr val="lt1"/>
+          </a:fontRef>
+        </p:style>
+        <p:txBody>
+          <a:bodyPr rtlCol="0" anchor="ctr"/>
+          <a:lstStyle/>
+          <a:p>
+            <a:pPr algn="ctr"/>
+            <a:endParaRPr lang="en-IN"/>
+          </a:p>
+        </p:txBody>
+      </p:sp>
+      <p:sp>
+        <p:nvSpPr>
+          <p:cNvPr id="12" name="Rectangle: Rounded Corners 11">
+            <a:extLst>
+              <a:ext uri="{FF2B5EF4-FFF2-40B4-BE49-F238E27FC236}">
+                <a16:creationId xmlns:a16="http://schemas.microsoft.com/office/drawing/2014/main" id="{97C2BB1D-0F57-4637-9199-2635C934B556}"/>
+              </a:ext>
+            </a:extLst>
+          </p:cNvPr>
+          <p:cNvSpPr/>
+          <p:nvPr/>
+        </p:nvSpPr>
+        <p:spPr>
+          <a:xfrm>
+            <a:off x="9074458" y="5797118"/>
+            <a:ext cx="2698812" cy="932154"/>
+          </a:xfrm>
+          <a:prstGeom prst="roundRect">
+            <a:avLst/>
+          </a:prstGeom>
+          <a:noFill/>
+        </p:spPr>
+        <p:style>
+          <a:lnRef idx="2">
+            <a:schemeClr val="accent1">
+              <a:shade val="50000"/>
+            </a:schemeClr>
+          </a:lnRef>
+          <a:fillRef idx="1">
+            <a:schemeClr val="accent1"/>
+          </a:fillRef>
+          <a:effectRef idx="0">
+            <a:schemeClr val="accent1"/>
+          </a:effectRef>
+          <a:fontRef idx="minor">
+            <a:schemeClr val="lt1"/>
+          </a:fontRef>
+        </p:style>
+        <p:txBody>
+          <a:bodyPr rtlCol="0" anchor="ctr"/>
+          <a:lstStyle/>
+          <a:p>
+            <a:pPr algn="ctr"/>
+            <a:r>
+              <a:rPr lang="en-US" dirty="0">
+                <a:solidFill>
+                  <a:srgbClr val="002060"/>
+                </a:solidFill>
+              </a:rPr>
               <a:t>Identity API</a:t>
             </a:r>
           </a:p>
@@ -10961,7 +11886,7 @@
 </p:sld>
 </file>
 
-<file path=ppt/slides/slide11.xml><?xml version="1.0" encoding="utf-8"?>
+<file path=ppt/slides/slide12.xml><?xml version="1.0" encoding="utf-8"?>
 <p:sld xmlns:a="http://schemas.openxmlformats.org/drawingml/2006/main" xmlns:r="http://schemas.openxmlformats.org/officeDocument/2006/relationships" xmlns:p="http://schemas.openxmlformats.org/presentationml/2006/main">
   <p:cSld>
     <p:bg>
@@ -11318,7 +12243,7 @@
 </p:sld>
 </file>
 
-<file path=ppt/slides/slide12.xml><?xml version="1.0" encoding="utf-8"?>
+<file path=ppt/slides/slide13.xml><?xml version="1.0" encoding="utf-8"?>
 <p:sld xmlns:a="http://schemas.openxmlformats.org/drawingml/2006/main" xmlns:r="http://schemas.openxmlformats.org/officeDocument/2006/relationships" xmlns:p="http://schemas.openxmlformats.org/presentationml/2006/main">
   <p:cSld>
     <p:spTree>
@@ -11826,7 +12751,7 @@
 </p:sld>
 </file>
 
-<file path=ppt/slides/slide13.xml><?xml version="1.0" encoding="utf-8"?>
+<file path=ppt/slides/slide14.xml><?xml version="1.0" encoding="utf-8"?>
 <p:sld xmlns:a="http://schemas.openxmlformats.org/drawingml/2006/main" xmlns:r="http://schemas.openxmlformats.org/officeDocument/2006/relationships" xmlns:p="http://schemas.openxmlformats.org/presentationml/2006/main">
   <p:cSld>
     <p:bg>
@@ -11997,7 +12922,7 @@
 </p:sld>
 </file>
 
-<file path=ppt/slides/slide14.xml><?xml version="1.0" encoding="utf-8"?>
+<file path=ppt/slides/slide15.xml><?xml version="1.0" encoding="utf-8"?>
 <p:sld xmlns:a="http://schemas.openxmlformats.org/drawingml/2006/main" xmlns:r="http://schemas.openxmlformats.org/officeDocument/2006/relationships" xmlns:p="http://schemas.openxmlformats.org/presentationml/2006/main">
   <p:cSld>
     <p:spTree>
@@ -13816,7 +14741,7 @@
 </p:sld>
 </file>
 
-<file path=ppt/slides/slide15.xml><?xml version="1.0" encoding="utf-8"?>
+<file path=ppt/slides/slide16.xml><?xml version="1.0" encoding="utf-8"?>
 <p:sld xmlns:a="http://schemas.openxmlformats.org/drawingml/2006/main" xmlns:r="http://schemas.openxmlformats.org/officeDocument/2006/relationships" xmlns:p="http://schemas.openxmlformats.org/presentationml/2006/main">
   <p:cSld>
     <p:spTree>
@@ -15520,514 +16445,6 @@
     <p:extLst>
       <p:ext uri="{BB962C8B-B14F-4D97-AF65-F5344CB8AC3E}">
         <p14:creationId xmlns:p14="http://schemas.microsoft.com/office/powerpoint/2010/main" val="3440689209"/>
-      </p:ext>
-    </p:extLst>
-  </p:cSld>
-  <p:clrMapOvr>
-    <a:masterClrMapping/>
-  </p:clrMapOvr>
-</p:sld>
-</file>
-
-<file path=ppt/slides/slide16.xml><?xml version="1.0" encoding="utf-8"?>
-<p:sld xmlns:a="http://schemas.openxmlformats.org/drawingml/2006/main" xmlns:r="http://schemas.openxmlformats.org/officeDocument/2006/relationships" xmlns:p="http://schemas.openxmlformats.org/presentationml/2006/main">
-  <p:cSld>
-    <p:spTree>
-      <p:nvGrpSpPr>
-        <p:cNvPr id="1" name=""/>
-        <p:cNvGrpSpPr/>
-        <p:nvPr/>
-      </p:nvGrpSpPr>
-      <p:grpSpPr>
-        <a:xfrm>
-          <a:off x="0" y="0"/>
-          <a:ext cx="0" cy="0"/>
-          <a:chOff x="0" y="0"/>
-          <a:chExt cx="0" cy="0"/>
-        </a:xfrm>
-      </p:grpSpPr>
-      <p:sp>
-        <p:nvSpPr>
-          <p:cNvPr id="4" name="Rectangle 3">
-            <a:extLst>
-              <a:ext uri="{FF2B5EF4-FFF2-40B4-BE49-F238E27FC236}">
-                <a16:creationId xmlns:a16="http://schemas.microsoft.com/office/drawing/2014/main" id="{055C22F7-3FD1-4C1B-8D0C-0C2F7FB61DBE}"/>
-              </a:ext>
-            </a:extLst>
-          </p:cNvPr>
-          <p:cNvSpPr/>
-          <p:nvPr/>
-        </p:nvSpPr>
-        <p:spPr>
-          <a:xfrm>
-            <a:off x="0" y="8878"/>
-            <a:ext cx="12183122" cy="497150"/>
-          </a:xfrm>
-          <a:prstGeom prst="rect">
-            <a:avLst/>
-          </a:prstGeom>
-          <a:solidFill>
-            <a:srgbClr val="0070C0"/>
-          </a:solidFill>
-        </p:spPr>
-        <p:style>
-          <a:lnRef idx="2">
-            <a:schemeClr val="accent1">
-              <a:shade val="50000"/>
-            </a:schemeClr>
-          </a:lnRef>
-          <a:fillRef idx="1">
-            <a:schemeClr val="accent1"/>
-          </a:fillRef>
-          <a:effectRef idx="0">
-            <a:schemeClr val="accent1"/>
-          </a:effectRef>
-          <a:fontRef idx="minor">
-            <a:schemeClr val="lt1"/>
-          </a:fontRef>
-        </p:style>
-        <p:txBody>
-          <a:bodyPr rtlCol="0" anchor="ctr"/>
-          <a:lstStyle/>
-          <a:p>
-            <a:pPr algn="ctr"/>
-            <a:r>
-              <a:rPr lang="en-US" b="1" dirty="0">
-                <a:latin typeface="Verdana" panose="020B0604030504040204" pitchFamily="34" charset="0"/>
-                <a:ea typeface="Verdana" panose="020B0604030504040204" pitchFamily="34" charset="0"/>
-              </a:rPr>
-              <a:t>Information</a:t>
-            </a:r>
-            <a:endParaRPr lang="en-IN" b="1" dirty="0">
-              <a:latin typeface="Verdana" panose="020B0604030504040204" pitchFamily="34" charset="0"/>
-              <a:ea typeface="Verdana" panose="020B0604030504040204" pitchFamily="34" charset="0"/>
-            </a:endParaRPr>
-          </a:p>
-        </p:txBody>
-      </p:sp>
-      <p:sp>
-        <p:nvSpPr>
-          <p:cNvPr id="7" name="Rectangle 6">
-            <a:extLst>
-              <a:ext uri="{FF2B5EF4-FFF2-40B4-BE49-F238E27FC236}">
-                <a16:creationId xmlns:a16="http://schemas.microsoft.com/office/drawing/2014/main" id="{B10720DE-FD2A-4FE5-B9FB-74854D01A659}"/>
-              </a:ext>
-            </a:extLst>
-          </p:cNvPr>
-          <p:cNvSpPr/>
-          <p:nvPr/>
-        </p:nvSpPr>
-        <p:spPr>
-          <a:xfrm>
-            <a:off x="0" y="3915050"/>
-            <a:ext cx="12183122" cy="57703"/>
-          </a:xfrm>
-          <a:prstGeom prst="rect">
-            <a:avLst/>
-          </a:prstGeom>
-          <a:solidFill>
-            <a:srgbClr val="0070C0"/>
-          </a:solidFill>
-        </p:spPr>
-        <p:style>
-          <a:lnRef idx="2">
-            <a:schemeClr val="accent1">
-              <a:shade val="50000"/>
-            </a:schemeClr>
-          </a:lnRef>
-          <a:fillRef idx="1">
-            <a:schemeClr val="accent1"/>
-          </a:fillRef>
-          <a:effectRef idx="0">
-            <a:schemeClr val="accent1"/>
-          </a:effectRef>
-          <a:fontRef idx="minor">
-            <a:schemeClr val="lt1"/>
-          </a:fontRef>
-        </p:style>
-        <p:txBody>
-          <a:bodyPr rtlCol="0" anchor="ctr"/>
-          <a:lstStyle/>
-          <a:p>
-            <a:pPr algn="ctr"/>
-            <a:endParaRPr lang="en-IN" sz="1000" dirty="0">
-              <a:latin typeface="Verdana" panose="020B0604030504040204" pitchFamily="34" charset="0"/>
-              <a:ea typeface="Verdana" panose="020B0604030504040204" pitchFamily="34" charset="0"/>
-            </a:endParaRPr>
-          </a:p>
-        </p:txBody>
-      </p:sp>
-      <p:sp>
-        <p:nvSpPr>
-          <p:cNvPr id="8" name="Footer Placeholder 7">
-            <a:extLst>
-              <a:ext uri="{FF2B5EF4-FFF2-40B4-BE49-F238E27FC236}">
-                <a16:creationId xmlns:a16="http://schemas.microsoft.com/office/drawing/2014/main" id="{DD2A19CA-EC18-432D-8F8F-17079808F38B}"/>
-              </a:ext>
-            </a:extLst>
-          </p:cNvPr>
-          <p:cNvSpPr>
-            <a:spLocks noGrp="1"/>
-          </p:cNvSpPr>
-          <p:nvPr>
-            <p:ph type="ftr" sz="quarter" idx="11"/>
-          </p:nvPr>
-        </p:nvSpPr>
-        <p:spPr>
-          <a:xfrm>
-            <a:off x="4038600" y="3959378"/>
-            <a:ext cx="4114800" cy="365125"/>
-          </a:xfrm>
-        </p:spPr>
-        <p:txBody>
-          <a:bodyPr/>
-          <a:lstStyle/>
-          <a:p>
-            <a:r>
-              <a:rPr lang="en-IN" b="1" dirty="0">
-                <a:solidFill>
-                  <a:srgbClr val="002060"/>
-                </a:solidFill>
-                <a:latin typeface="Verdana" panose="020B0604030504040204" pitchFamily="34" charset="0"/>
-                <a:ea typeface="Verdana" panose="020B0604030504040204" pitchFamily="34" charset="0"/>
-              </a:rPr>
-              <a:t>29-Sep-2021</a:t>
-            </a:r>
-          </a:p>
-        </p:txBody>
-      </p:sp>
-      <p:sp>
-        <p:nvSpPr>
-          <p:cNvPr id="9" name="Slide Number Placeholder 8">
-            <a:extLst>
-              <a:ext uri="{FF2B5EF4-FFF2-40B4-BE49-F238E27FC236}">
-                <a16:creationId xmlns:a16="http://schemas.microsoft.com/office/drawing/2014/main" id="{8162625C-0B1F-42E0-BE7C-D99A08FED7A3}"/>
-              </a:ext>
-            </a:extLst>
-          </p:cNvPr>
-          <p:cNvSpPr>
-            <a:spLocks noGrp="1"/>
-          </p:cNvSpPr>
-          <p:nvPr>
-            <p:ph type="sldNum" sz="quarter" idx="12"/>
-          </p:nvPr>
-        </p:nvSpPr>
-        <p:spPr>
-          <a:xfrm>
-            <a:off x="8610600" y="3959378"/>
-            <a:ext cx="2743200" cy="365125"/>
-          </a:xfrm>
-        </p:spPr>
-        <p:txBody>
-          <a:bodyPr/>
-          <a:lstStyle/>
-          <a:p>
-            <a:r>
-              <a:rPr lang="en-IN" b="1" dirty="0">
-                <a:solidFill>
-                  <a:srgbClr val="002060"/>
-                </a:solidFill>
-                <a:latin typeface="Verdana" panose="020B0604030504040204" pitchFamily="34" charset="0"/>
-                <a:ea typeface="Verdana" panose="020B0604030504040204" pitchFamily="34" charset="0"/>
-              </a:rPr>
-              <a:t>1</a:t>
-            </a:r>
-          </a:p>
-        </p:txBody>
-      </p:sp>
-      <p:sp>
-        <p:nvSpPr>
-          <p:cNvPr id="12" name="Footer Placeholder 7">
-            <a:extLst>
-              <a:ext uri="{FF2B5EF4-FFF2-40B4-BE49-F238E27FC236}">
-                <a16:creationId xmlns:a16="http://schemas.microsoft.com/office/drawing/2014/main" id="{64C57949-E349-47D3-A505-A098233AF49D}"/>
-              </a:ext>
-            </a:extLst>
-          </p:cNvPr>
-          <p:cNvSpPr txBox="1">
-            <a:spLocks/>
-          </p:cNvSpPr>
-          <p:nvPr/>
-        </p:nvSpPr>
-        <p:spPr>
-          <a:xfrm>
-            <a:off x="133897" y="3960852"/>
-            <a:ext cx="4114800" cy="365125"/>
-          </a:xfrm>
-          <a:prstGeom prst="rect">
-            <a:avLst/>
-          </a:prstGeom>
-        </p:spPr>
-        <p:txBody>
-          <a:bodyPr vert="horz" lIns="91440" tIns="45720" rIns="91440" bIns="45720" rtlCol="0" anchor="ctr"/>
-          <a:lstStyle>
-            <a:defPPr>
-              <a:defRPr lang="en-US"/>
-            </a:defPPr>
-            <a:lvl1pPr marL="0" algn="ctr" defTabSz="914400" rtl="0" eaLnBrk="1" latinLnBrk="0" hangingPunct="1">
-              <a:defRPr sz="1200" kern="1200">
-                <a:solidFill>
-                  <a:schemeClr val="tx1">
-                    <a:tint val="75000"/>
-                  </a:schemeClr>
-                </a:solidFill>
-                <a:latin typeface="+mn-lt"/>
-                <a:ea typeface="+mn-ea"/>
-                <a:cs typeface="+mn-cs"/>
-              </a:defRPr>
-            </a:lvl1pPr>
-            <a:lvl2pPr marL="457200" algn="l" defTabSz="914400" rtl="0" eaLnBrk="1" latinLnBrk="0" hangingPunct="1">
-              <a:defRPr sz="1800" kern="1200">
-                <a:solidFill>
-                  <a:schemeClr val="tx1"/>
-                </a:solidFill>
-                <a:latin typeface="+mn-lt"/>
-                <a:ea typeface="+mn-ea"/>
-                <a:cs typeface="+mn-cs"/>
-              </a:defRPr>
-            </a:lvl2pPr>
-            <a:lvl3pPr marL="914400" algn="l" defTabSz="914400" rtl="0" eaLnBrk="1" latinLnBrk="0" hangingPunct="1">
-              <a:defRPr sz="1800" kern="1200">
-                <a:solidFill>
-                  <a:schemeClr val="tx1"/>
-                </a:solidFill>
-                <a:latin typeface="+mn-lt"/>
-                <a:ea typeface="+mn-ea"/>
-                <a:cs typeface="+mn-cs"/>
-              </a:defRPr>
-            </a:lvl3pPr>
-            <a:lvl4pPr marL="1371600" algn="l" defTabSz="914400" rtl="0" eaLnBrk="1" latinLnBrk="0" hangingPunct="1">
-              <a:defRPr sz="1800" kern="1200">
-                <a:solidFill>
-                  <a:schemeClr val="tx1"/>
-                </a:solidFill>
-                <a:latin typeface="+mn-lt"/>
-                <a:ea typeface="+mn-ea"/>
-                <a:cs typeface="+mn-cs"/>
-              </a:defRPr>
-            </a:lvl4pPr>
-            <a:lvl5pPr marL="1828800" algn="l" defTabSz="914400" rtl="0" eaLnBrk="1" latinLnBrk="0" hangingPunct="1">
-              <a:defRPr sz="1800" kern="1200">
-                <a:solidFill>
-                  <a:schemeClr val="tx1"/>
-                </a:solidFill>
-                <a:latin typeface="+mn-lt"/>
-                <a:ea typeface="+mn-ea"/>
-                <a:cs typeface="+mn-cs"/>
-              </a:defRPr>
-            </a:lvl5pPr>
-            <a:lvl6pPr marL="2286000" algn="l" defTabSz="914400" rtl="0" eaLnBrk="1" latinLnBrk="0" hangingPunct="1">
-              <a:defRPr sz="1800" kern="1200">
-                <a:solidFill>
-                  <a:schemeClr val="tx1"/>
-                </a:solidFill>
-                <a:latin typeface="+mn-lt"/>
-                <a:ea typeface="+mn-ea"/>
-                <a:cs typeface="+mn-cs"/>
-              </a:defRPr>
-            </a:lvl6pPr>
-            <a:lvl7pPr marL="2743200" algn="l" defTabSz="914400" rtl="0" eaLnBrk="1" latinLnBrk="0" hangingPunct="1">
-              <a:defRPr sz="1800" kern="1200">
-                <a:solidFill>
-                  <a:schemeClr val="tx1"/>
-                </a:solidFill>
-                <a:latin typeface="+mn-lt"/>
-                <a:ea typeface="+mn-ea"/>
-                <a:cs typeface="+mn-cs"/>
-              </a:defRPr>
-            </a:lvl7pPr>
-            <a:lvl8pPr marL="3200400" algn="l" defTabSz="914400" rtl="0" eaLnBrk="1" latinLnBrk="0" hangingPunct="1">
-              <a:defRPr sz="1800" kern="1200">
-                <a:solidFill>
-                  <a:schemeClr val="tx1"/>
-                </a:solidFill>
-                <a:latin typeface="+mn-lt"/>
-                <a:ea typeface="+mn-ea"/>
-                <a:cs typeface="+mn-cs"/>
-              </a:defRPr>
-            </a:lvl8pPr>
-            <a:lvl9pPr marL="3657600" algn="l" defTabSz="914400" rtl="0" eaLnBrk="1" latinLnBrk="0" hangingPunct="1">
-              <a:defRPr sz="1800" kern="1200">
-                <a:solidFill>
-                  <a:schemeClr val="tx1"/>
-                </a:solidFill>
-                <a:latin typeface="+mn-lt"/>
-                <a:ea typeface="+mn-ea"/>
-                <a:cs typeface="+mn-cs"/>
-              </a:defRPr>
-            </a:lvl9pPr>
-          </a:lstStyle>
-          <a:p>
-            <a:r>
-              <a:rPr lang="en-IN" b="1" dirty="0">
-                <a:solidFill>
-                  <a:srgbClr val="002060"/>
-                </a:solidFill>
-                <a:latin typeface="Verdana" panose="020B0604030504040204" pitchFamily="34" charset="0"/>
-                <a:ea typeface="Verdana" panose="020B0604030504040204" pitchFamily="34" charset="0"/>
-              </a:rPr>
-              <a:t>Microsoft Reactor Bengaluru</a:t>
-            </a:r>
-          </a:p>
-        </p:txBody>
-      </p:sp>
-      <p:sp>
-        <p:nvSpPr>
-          <p:cNvPr id="10" name="TextBox 9">
-            <a:extLst>
-              <a:ext uri="{FF2B5EF4-FFF2-40B4-BE49-F238E27FC236}">
-                <a16:creationId xmlns:a16="http://schemas.microsoft.com/office/drawing/2014/main" id="{19953791-0C49-4113-A95A-639979BFF9A6}"/>
-              </a:ext>
-            </a:extLst>
-          </p:cNvPr>
-          <p:cNvSpPr txBox="1"/>
-          <p:nvPr/>
-        </p:nvSpPr>
-        <p:spPr>
-          <a:xfrm>
-            <a:off x="80629" y="557824"/>
-            <a:ext cx="12037390" cy="2800062"/>
-          </a:xfrm>
-          <a:prstGeom prst="rect">
-            <a:avLst/>
-          </a:prstGeom>
-          <a:noFill/>
-        </p:spPr>
-        <p:txBody>
-          <a:bodyPr wrap="square" rtlCol="0">
-            <a:spAutoFit/>
-          </a:bodyPr>
-          <a:lstStyle/>
-          <a:p>
-            <a:pPr marL="628650" lvl="1" indent="-171450">
-              <a:lnSpc>
-                <a:spcPct val="150000"/>
-              </a:lnSpc>
-              <a:buFont typeface="Wingdings" panose="05000000000000000000" pitchFamily="2" charset="2"/>
-              <a:buChar char="Ø"/>
-            </a:pPr>
-            <a:r>
-              <a:rPr lang="en-US" sz="2000" dirty="0">
-                <a:solidFill>
-                  <a:srgbClr val="002060"/>
-                </a:solidFill>
-                <a:latin typeface="Verdana" panose="020B0604030504040204" pitchFamily="34" charset="0"/>
-                <a:ea typeface="Verdana" panose="020B0604030504040204" pitchFamily="34" charset="0"/>
-              </a:rPr>
-              <a:t> All the sessions will be hands on.</a:t>
-            </a:r>
-          </a:p>
-          <a:p>
-            <a:pPr marL="628650" lvl="1" indent="-171450">
-              <a:lnSpc>
-                <a:spcPct val="150000"/>
-              </a:lnSpc>
-              <a:buFont typeface="Wingdings" panose="05000000000000000000" pitchFamily="2" charset="2"/>
-              <a:buChar char="Ø"/>
-            </a:pPr>
-            <a:r>
-              <a:rPr lang="en-US" sz="2000" dirty="0">
-                <a:solidFill>
-                  <a:srgbClr val="002060"/>
-                </a:solidFill>
-                <a:latin typeface="Verdana" panose="020B0604030504040204" pitchFamily="34" charset="0"/>
-                <a:ea typeface="Verdana" panose="020B0604030504040204" pitchFamily="34" charset="0"/>
-              </a:rPr>
-              <a:t> Will have parking lots for queries and other topics.</a:t>
-            </a:r>
-          </a:p>
-          <a:p>
-            <a:pPr marL="628650" lvl="1" indent="-171450">
-              <a:lnSpc>
-                <a:spcPct val="150000"/>
-              </a:lnSpc>
-              <a:buFont typeface="Wingdings" panose="05000000000000000000" pitchFamily="2" charset="2"/>
-              <a:buChar char="Ø"/>
-            </a:pPr>
-            <a:r>
-              <a:rPr lang="en-US" sz="2000" dirty="0">
-                <a:solidFill>
-                  <a:srgbClr val="002060"/>
-                </a:solidFill>
-                <a:latin typeface="Verdana" panose="020B0604030504040204" pitchFamily="34" charset="0"/>
-                <a:ea typeface="Verdana" panose="020B0604030504040204" pitchFamily="34" charset="0"/>
-              </a:rPr>
-              <a:t> Some of the concepts we will introduced and revisited in next sessions.</a:t>
-            </a:r>
-          </a:p>
-          <a:p>
-            <a:pPr marL="628650" lvl="1" indent="-171450">
-              <a:lnSpc>
-                <a:spcPct val="150000"/>
-              </a:lnSpc>
-              <a:buFont typeface="Wingdings" panose="05000000000000000000" pitchFamily="2" charset="2"/>
-              <a:buChar char="Ø"/>
-            </a:pPr>
-            <a:r>
-              <a:rPr lang="en-US" sz="2000" dirty="0">
-                <a:solidFill>
-                  <a:srgbClr val="002060"/>
-                </a:solidFill>
-                <a:latin typeface="Verdana" panose="020B0604030504040204" pitchFamily="34" charset="0"/>
-                <a:ea typeface="Verdana" panose="020B0604030504040204" pitchFamily="34" charset="0"/>
-              </a:rPr>
-              <a:t> There are multiple ways to do, we will use one of the ways.</a:t>
-            </a:r>
-          </a:p>
-          <a:p>
-            <a:pPr marL="628650" lvl="1" indent="-171450">
-              <a:lnSpc>
-                <a:spcPct val="150000"/>
-              </a:lnSpc>
-              <a:buFont typeface="Wingdings" panose="05000000000000000000" pitchFamily="2" charset="2"/>
-              <a:buChar char="Ø"/>
-            </a:pPr>
-            <a:r>
-              <a:rPr lang="en-US" sz="2000" dirty="0">
-                <a:solidFill>
-                  <a:srgbClr val="002060"/>
-                </a:solidFill>
-                <a:latin typeface="Verdana" panose="020B0604030504040204" pitchFamily="34" charset="0"/>
-                <a:ea typeface="Verdana" panose="020B0604030504040204" pitchFamily="34" charset="0"/>
-              </a:rPr>
-              <a:t> The focus was more on concepts and demos are kept simple. </a:t>
-            </a:r>
-          </a:p>
-          <a:p>
-            <a:pPr marL="628650" lvl="1" indent="-171450">
-              <a:lnSpc>
-                <a:spcPct val="150000"/>
-              </a:lnSpc>
-              <a:buFont typeface="Wingdings" panose="05000000000000000000" pitchFamily="2" charset="2"/>
-              <a:buChar char="Ø"/>
-            </a:pPr>
-            <a:r>
-              <a:rPr lang="en-US" sz="2000" dirty="0">
-                <a:solidFill>
-                  <a:srgbClr val="00B0F0"/>
-                </a:solidFill>
-                <a:latin typeface="Verdana" panose="020B0604030504040204" pitchFamily="34" charset="0"/>
-                <a:ea typeface="Verdana" panose="020B0604030504040204" pitchFamily="34" charset="0"/>
-              </a:rPr>
-              <a:t> </a:t>
-            </a:r>
-            <a:r>
-              <a:rPr lang="en-US" sz="2000" dirty="0">
-                <a:solidFill>
-                  <a:srgbClr val="0070C0"/>
-                </a:solidFill>
-                <a:latin typeface="Verdana" panose="020B0604030504040204" pitchFamily="34" charset="0"/>
-                <a:ea typeface="Verdana" panose="020B0604030504040204" pitchFamily="34" charset="0"/>
-              </a:rPr>
-              <a:t>I am still a learner. What!!! … wait … Yes, I am still a learner.</a:t>
-            </a:r>
-          </a:p>
-        </p:txBody>
-      </p:sp>
-    </p:spTree>
-    <p:extLst>
-      <p:ext uri="{BB962C8B-B14F-4D97-AF65-F5344CB8AC3E}">
-        <p14:creationId xmlns:p14="http://schemas.microsoft.com/office/powerpoint/2010/main" val="3396452104"/>
       </p:ext>
     </p:extLst>
   </p:cSld>
@@ -16199,7 +16616,7 @@
                 <a:latin typeface="Verdana" panose="020B0604030504040204" pitchFamily="34" charset="0"/>
                 <a:ea typeface="Verdana" panose="020B0604030504040204" pitchFamily="34" charset="0"/>
               </a:rPr>
-              <a:t>23-Oct-2021</a:t>
+              <a:t>29-Sep-2021</a:t>
             </a:r>
           </a:p>
         </p:txBody>
@@ -16374,7 +16791,7 @@
                 <a:latin typeface="Verdana" panose="020B0604030504040204" pitchFamily="34" charset="0"/>
                 <a:ea typeface="Verdana" panose="020B0604030504040204" pitchFamily="34" charset="0"/>
               </a:rPr>
-              <a:t>Power Platform Classmates</a:t>
+              <a:t>Microsoft Reactor Bengaluru</a:t>
             </a:r>
           </a:p>
         </p:txBody>
@@ -16417,22 +16834,12 @@
             <a:r>
               <a:rPr lang="en-US" sz="2000" dirty="0">
                 <a:solidFill>
-                  <a:srgbClr val="0070C0"/>
+                  <a:srgbClr val="002060"/>
                 </a:solidFill>
                 <a:latin typeface="Verdana" panose="020B0604030504040204" pitchFamily="34" charset="0"/>
                 <a:ea typeface="Verdana" panose="020B0604030504040204" pitchFamily="34" charset="0"/>
               </a:rPr>
-              <a:t> I am still a learner. What!!! … Yes, I am still a learner. Apologize if I do any mistake.</a:t>
-            </a:r>
-            <a:r>
-              <a:rPr lang="en-US" sz="2000" dirty="0">
-                <a:solidFill>
-                  <a:srgbClr val="002060"/>
-                </a:solidFill>
-                <a:latin typeface="Verdana" panose="020B0604030504040204" pitchFamily="34" charset="0"/>
-                <a:ea typeface="Verdana" panose="020B0604030504040204" pitchFamily="34" charset="0"/>
-              </a:rPr>
-              <a:t> </a:t>
+              <a:t> All the sessions will be hands on.</a:t>
             </a:r>
           </a:p>
           <a:p>
@@ -16451,7 +16858,7 @@
                 <a:latin typeface="Verdana" panose="020B0604030504040204" pitchFamily="34" charset="0"/>
                 <a:ea typeface="Verdana" panose="020B0604030504040204" pitchFamily="34" charset="0"/>
               </a:rPr>
-              <a:t> All the sessions will be hands on.</a:t>
+              <a:t> Will have parking lots for queries and other topics.</a:t>
             </a:r>
           </a:p>
           <a:p>
@@ -16470,7 +16877,7 @@
                 <a:latin typeface="Verdana" panose="020B0604030504040204" pitchFamily="34" charset="0"/>
                 <a:ea typeface="Verdana" panose="020B0604030504040204" pitchFamily="34" charset="0"/>
               </a:rPr>
-              <a:t> Will have parking lots for queries and other topics.</a:t>
+              <a:t> Some of the concepts we will introduced and revisited in next sessions.</a:t>
             </a:r>
           </a:p>
           <a:p>
@@ -16489,7 +16896,7 @@
                 <a:latin typeface="Verdana" panose="020B0604030504040204" pitchFamily="34" charset="0"/>
                 <a:ea typeface="Verdana" panose="020B0604030504040204" pitchFamily="34" charset="0"/>
               </a:rPr>
-              <a:t> Some of the concepts we will introduced and revisited in next sessions.</a:t>
+              <a:t> There are multiple ways to do, we will use one of the ways.</a:t>
             </a:r>
           </a:p>
           <a:p>
@@ -16508,7 +16915,7 @@
                 <a:latin typeface="Verdana" panose="020B0604030504040204" pitchFamily="34" charset="0"/>
                 <a:ea typeface="Verdana" panose="020B0604030504040204" pitchFamily="34" charset="0"/>
               </a:rPr>
-              <a:t> There are multiple ways to do, we will use one of the ways.</a:t>
+              <a:t> The focus was more on concepts and demos are kept simple. </a:t>
             </a:r>
           </a:p>
           <a:p>
@@ -16522,12 +16929,22 @@
             <a:r>
               <a:rPr lang="en-US" sz="2000" dirty="0">
                 <a:solidFill>
-                  <a:srgbClr val="002060"/>
+                  <a:srgbClr val="00B0F0"/>
                 </a:solidFill>
                 <a:latin typeface="Verdana" panose="020B0604030504040204" pitchFamily="34" charset="0"/>
                 <a:ea typeface="Verdana" panose="020B0604030504040204" pitchFamily="34" charset="0"/>
               </a:rPr>
-              <a:t> The focus was more on concepts and demos are kept simple. </a:t>
+              <a:t> </a:t>
+            </a:r>
+            <a:r>
+              <a:rPr lang="en-US" sz="2000" dirty="0">
+                <a:solidFill>
+                  <a:srgbClr val="0070C0"/>
+                </a:solidFill>
+                <a:latin typeface="Verdana" panose="020B0604030504040204" pitchFamily="34" charset="0"/>
+                <a:ea typeface="Verdana" panose="020B0604030504040204" pitchFamily="34" charset="0"/>
+              </a:rPr>
+              <a:t>I am still a learner. What!!! … wait … Yes, I am still a learner.</a:t>
             </a:r>
           </a:p>
         </p:txBody>
@@ -16535,7 +16952,7 @@
     </p:spTree>
     <p:extLst>
       <p:ext uri="{BB962C8B-B14F-4D97-AF65-F5344CB8AC3E}">
-        <p14:creationId xmlns:p14="http://schemas.microsoft.com/office/powerpoint/2010/main" val="979920044"/>
+        <p14:creationId xmlns:p14="http://schemas.microsoft.com/office/powerpoint/2010/main" val="3396452104"/>
       </p:ext>
     </p:extLst>
   </p:cSld>
@@ -16707,7 +17124,7 @@
                 <a:latin typeface="Verdana" panose="020B0604030504040204" pitchFamily="34" charset="0"/>
                 <a:ea typeface="Verdana" panose="020B0604030504040204" pitchFamily="34" charset="0"/>
               </a:rPr>
-              <a:t>17-Apr-2021</a:t>
+              <a:t>23-Oct-2021</a:t>
             </a:r>
           </a:p>
         </p:txBody>
@@ -16882,7 +17299,7 @@
                 <a:latin typeface="Verdana" panose="020B0604030504040204" pitchFamily="34" charset="0"/>
                 <a:ea typeface="Verdana" panose="020B0604030504040204" pitchFamily="34" charset="0"/>
               </a:rPr>
-              <a:t>Global Azure 2021 - India</a:t>
+              <a:t>Power Platform Classmates</a:t>
             </a:r>
           </a:p>
         </p:txBody>
@@ -16925,12 +17342,22 @@
             <a:r>
               <a:rPr lang="en-US" sz="2000" dirty="0">
                 <a:solidFill>
-                  <a:srgbClr val="002060"/>
+                  <a:srgbClr val="0070C0"/>
                 </a:solidFill>
                 <a:latin typeface="Verdana" panose="020B0604030504040204" pitchFamily="34" charset="0"/>
                 <a:ea typeface="Verdana" panose="020B0604030504040204" pitchFamily="34" charset="0"/>
               </a:rPr>
-              <a:t> All the sessions will be hands on.</a:t>
+              <a:t> I am still a learner. What!!! … Yes, I am still a learner. Apologize if I do any mistake.</a:t>
+            </a:r>
+            <a:r>
+              <a:rPr lang="en-US" sz="2000" dirty="0">
+                <a:solidFill>
+                  <a:srgbClr val="002060"/>
+                </a:solidFill>
+                <a:latin typeface="Verdana" panose="020B0604030504040204" pitchFamily="34" charset="0"/>
+                <a:ea typeface="Verdana" panose="020B0604030504040204" pitchFamily="34" charset="0"/>
+              </a:rPr>
+              <a:t> </a:t>
             </a:r>
           </a:p>
           <a:p>
@@ -16949,7 +17376,7 @@
                 <a:latin typeface="Verdana" panose="020B0604030504040204" pitchFamily="34" charset="0"/>
                 <a:ea typeface="Verdana" panose="020B0604030504040204" pitchFamily="34" charset="0"/>
               </a:rPr>
-              <a:t> Will have parking lots for queries and other topics.</a:t>
+              <a:t> All the sessions will be hands on.</a:t>
             </a:r>
           </a:p>
           <a:p>
@@ -16968,7 +17395,7 @@
                 <a:latin typeface="Verdana" panose="020B0604030504040204" pitchFamily="34" charset="0"/>
                 <a:ea typeface="Verdana" panose="020B0604030504040204" pitchFamily="34" charset="0"/>
               </a:rPr>
-              <a:t> Some of the concepts we will introduced and revisited in next sessions.</a:t>
+              <a:t> Will have parking lots for queries and other topics.</a:t>
             </a:r>
           </a:p>
           <a:p>
@@ -16987,7 +17414,7 @@
                 <a:latin typeface="Verdana" panose="020B0604030504040204" pitchFamily="34" charset="0"/>
                 <a:ea typeface="Verdana" panose="020B0604030504040204" pitchFamily="34" charset="0"/>
               </a:rPr>
-              <a:t> There are multiple ways to do, we will use one of the ways.</a:t>
+              <a:t> Some of the concepts we will introduced and revisited in next sessions.</a:t>
             </a:r>
           </a:p>
           <a:p>
@@ -17006,7 +17433,7 @@
                 <a:latin typeface="Verdana" panose="020B0604030504040204" pitchFamily="34" charset="0"/>
                 <a:ea typeface="Verdana" panose="020B0604030504040204" pitchFamily="34" charset="0"/>
               </a:rPr>
-              <a:t> The focus was more on concepts and demos are kept simple. </a:t>
+              <a:t> There are multiple ways to do, we will use one of the ways.</a:t>
             </a:r>
           </a:p>
           <a:p>
@@ -17020,22 +17447,12 @@
             <a:r>
               <a:rPr lang="en-US" sz="2000" dirty="0">
                 <a:solidFill>
-                  <a:srgbClr val="00B0F0"/>
+                  <a:srgbClr val="002060"/>
                 </a:solidFill>
                 <a:latin typeface="Verdana" panose="020B0604030504040204" pitchFamily="34" charset="0"/>
                 <a:ea typeface="Verdana" panose="020B0604030504040204" pitchFamily="34" charset="0"/>
               </a:rPr>
-              <a:t> </a:t>
-            </a:r>
-            <a:r>
-              <a:rPr lang="en-US" sz="2000" dirty="0">
-                <a:solidFill>
-                  <a:srgbClr val="0070C0"/>
-                </a:solidFill>
-                <a:latin typeface="Verdana" panose="020B0604030504040204" pitchFamily="34" charset="0"/>
-                <a:ea typeface="Verdana" panose="020B0604030504040204" pitchFamily="34" charset="0"/>
-              </a:rPr>
-              <a:t>I am still a learner. What!!! … wait … Yes, I am still a learner.</a:t>
+              <a:t> The focus was more on concepts and demos are kept simple. </a:t>
             </a:r>
           </a:p>
         </p:txBody>
@@ -17043,7 +17460,7 @@
     </p:spTree>
     <p:extLst>
       <p:ext uri="{BB962C8B-B14F-4D97-AF65-F5344CB8AC3E}">
-        <p14:creationId xmlns:p14="http://schemas.microsoft.com/office/powerpoint/2010/main" val="787546932"/>
+        <p14:creationId xmlns:p14="http://schemas.microsoft.com/office/powerpoint/2010/main" val="979920044"/>
       </p:ext>
     </p:extLst>
   </p:cSld>
@@ -17215,7 +17632,7 @@
                 <a:latin typeface="Verdana" panose="020B0604030504040204" pitchFamily="34" charset="0"/>
                 <a:ea typeface="Verdana" panose="020B0604030504040204" pitchFamily="34" charset="0"/>
               </a:rPr>
-              <a:t>31-Oct-2021</a:t>
+              <a:t>17-Apr-2021</a:t>
             </a:r>
           </a:p>
         </p:txBody>
@@ -17390,7 +17807,7 @@
                 <a:latin typeface="Verdana" panose="020B0604030504040204" pitchFamily="34" charset="0"/>
                 <a:ea typeface="Verdana" panose="020B0604030504040204" pitchFamily="34" charset="0"/>
               </a:rPr>
-              <a:t>https://www.azconf.dev</a:t>
+              <a:t>Global Azure 2021 - India</a:t>
             </a:r>
           </a:p>
         </p:txBody>
@@ -17433,22 +17850,12 @@
             <a:r>
               <a:rPr lang="en-US" sz="2000" dirty="0">
                 <a:solidFill>
-                  <a:srgbClr val="00B0F0"/>
+                  <a:srgbClr val="002060"/>
                 </a:solidFill>
                 <a:latin typeface="Verdana" panose="020B0604030504040204" pitchFamily="34" charset="0"/>
                 <a:ea typeface="Verdana" panose="020B0604030504040204" pitchFamily="34" charset="0"/>
               </a:rPr>
-              <a:t> </a:t>
-            </a:r>
-            <a:r>
-              <a:rPr lang="en-US" sz="2000" dirty="0">
-                <a:solidFill>
-                  <a:srgbClr val="0070C0"/>
-                </a:solidFill>
-                <a:latin typeface="Verdana" panose="020B0604030504040204" pitchFamily="34" charset="0"/>
-                <a:ea typeface="Verdana" panose="020B0604030504040204" pitchFamily="34" charset="0"/>
-              </a:rPr>
-              <a:t>I am still a learner. Apologize if I do any mistake.</a:t>
+              <a:t> All the sessions will be hands on.</a:t>
             </a:r>
           </a:p>
           <a:p>
@@ -17467,7 +17874,7 @@
                 <a:latin typeface="Verdana" panose="020B0604030504040204" pitchFamily="34" charset="0"/>
                 <a:ea typeface="Verdana" panose="020B0604030504040204" pitchFamily="34" charset="0"/>
               </a:rPr>
-              <a:t> All the sessions will be hands on.</a:t>
+              <a:t> Will have parking lots for queries and other topics.</a:t>
             </a:r>
           </a:p>
           <a:p>
@@ -17486,7 +17893,7 @@
                 <a:latin typeface="Verdana" panose="020B0604030504040204" pitchFamily="34" charset="0"/>
                 <a:ea typeface="Verdana" panose="020B0604030504040204" pitchFamily="34" charset="0"/>
               </a:rPr>
-              <a:t> Will have parking lots for queries and other topics.</a:t>
+              <a:t> Some of the concepts we will introduced and revisited in next sessions.</a:t>
             </a:r>
           </a:p>
           <a:p>
@@ -17505,7 +17912,7 @@
                 <a:latin typeface="Verdana" panose="020B0604030504040204" pitchFamily="34" charset="0"/>
                 <a:ea typeface="Verdana" panose="020B0604030504040204" pitchFamily="34" charset="0"/>
               </a:rPr>
-              <a:t> Some of the concepts we will introduced and revisited in next sessions.</a:t>
+              <a:t> There are multiple ways to do, we will use one of the ways.</a:t>
             </a:r>
           </a:p>
           <a:p>
@@ -17524,7 +17931,7 @@
                 <a:latin typeface="Verdana" panose="020B0604030504040204" pitchFamily="34" charset="0"/>
                 <a:ea typeface="Verdana" panose="020B0604030504040204" pitchFamily="34" charset="0"/>
               </a:rPr>
-              <a:t> There are multiple ways to do, we will use one of the ways.</a:t>
+              <a:t> The focus was more on concepts and demos are kept simple. </a:t>
             </a:r>
           </a:p>
           <a:p>
@@ -17538,12 +17945,22 @@
             <a:r>
               <a:rPr lang="en-US" sz="2000" dirty="0">
                 <a:solidFill>
-                  <a:srgbClr val="002060"/>
+                  <a:srgbClr val="00B0F0"/>
                 </a:solidFill>
                 <a:latin typeface="Verdana" panose="020B0604030504040204" pitchFamily="34" charset="0"/>
                 <a:ea typeface="Verdana" panose="020B0604030504040204" pitchFamily="34" charset="0"/>
               </a:rPr>
-              <a:t> The focus was more on concepts and demos are kept simple. </a:t>
+              <a:t> </a:t>
+            </a:r>
+            <a:r>
+              <a:rPr lang="en-US" sz="2000" dirty="0">
+                <a:solidFill>
+                  <a:srgbClr val="0070C0"/>
+                </a:solidFill>
+                <a:latin typeface="Verdana" panose="020B0604030504040204" pitchFamily="34" charset="0"/>
+                <a:ea typeface="Verdana" panose="020B0604030504040204" pitchFamily="34" charset="0"/>
+              </a:rPr>
+              <a:t>I am still a learner. What!!! … wait … Yes, I am still a learner.</a:t>
             </a:r>
           </a:p>
         </p:txBody>
@@ -17551,7 +17968,7 @@
     </p:spTree>
     <p:extLst>
       <p:ext uri="{BB962C8B-B14F-4D97-AF65-F5344CB8AC3E}">
-        <p14:creationId xmlns:p14="http://schemas.microsoft.com/office/powerpoint/2010/main" val="2304697054"/>
+        <p14:creationId xmlns:p14="http://schemas.microsoft.com/office/powerpoint/2010/main" val="787546932"/>
       </p:ext>
     </p:extLst>
   </p:cSld>
@@ -18086,51 +18503,337 @@
           <a:chExt cx="0" cy="0"/>
         </a:xfrm>
       </p:grpSpPr>
-      <p:pic>
-        <p:nvPicPr>
-          <p:cNvPr id="5" name="Picture 4" descr="A red apple on a stack of books&#10;&#10;Description automatically generated with medium confidence">
-            <a:extLst>
-              <a:ext uri="{FF2B5EF4-FFF2-40B4-BE49-F238E27FC236}">
-                <a16:creationId xmlns:a16="http://schemas.microsoft.com/office/drawing/2014/main" id="{81A5933F-DAA0-4AD3-9838-80F463FF8841}"/>
-              </a:ext>
-            </a:extLst>
-          </p:cNvPr>
-          <p:cNvPicPr>
-            <a:picLocks noChangeAspect="1"/>
-          </p:cNvPicPr>
+      <p:sp>
+        <p:nvSpPr>
+          <p:cNvPr id="4" name="Rectangle 3">
+            <a:extLst>
+              <a:ext uri="{FF2B5EF4-FFF2-40B4-BE49-F238E27FC236}">
+                <a16:creationId xmlns:a16="http://schemas.microsoft.com/office/drawing/2014/main" id="{055C22F7-3FD1-4C1B-8D0C-0C2F7FB61DBE}"/>
+              </a:ext>
+            </a:extLst>
+          </p:cNvPr>
+          <p:cNvSpPr/>
           <p:nvPr/>
-        </p:nvPicPr>
-        <p:blipFill>
-          <a:blip r:embed="rId2">
-            <a:extLst>
-              <a:ext uri="{28A0092B-C50C-407E-A947-70E740481C1C}">
-                <a14:useLocalDpi xmlns:a14="http://schemas.microsoft.com/office/drawing/2010/main" val="0"/>
-              </a:ext>
-              <a:ext uri="{837473B0-CC2E-450A-ABE3-18F120FF3D39}">
-                <a1611:picAttrSrcUrl xmlns:a1611="http://schemas.microsoft.com/office/drawing/2016/11/main" r:id="rId3"/>
-              </a:ext>
-            </a:extLst>
-          </a:blip>
-          <a:stretch>
-            <a:fillRect/>
-          </a:stretch>
-        </p:blipFill>
-        <p:spPr>
-          <a:xfrm>
-            <a:off x="1521714" y="0"/>
-            <a:ext cx="9148572" cy="6858000"/>
+        </p:nvSpPr>
+        <p:spPr>
+          <a:xfrm>
+            <a:off x="0" y="8878"/>
+            <a:ext cx="12183122" cy="497150"/>
           </a:xfrm>
           <a:prstGeom prst="rect">
             <a:avLst/>
           </a:prstGeom>
-        </p:spPr>
-      </p:pic>
-      <p:sp>
-        <p:nvSpPr>
-          <p:cNvPr id="6" name="TextBox 5">
-            <a:extLst>
-              <a:ext uri="{FF2B5EF4-FFF2-40B4-BE49-F238E27FC236}">
-                <a16:creationId xmlns:a16="http://schemas.microsoft.com/office/drawing/2014/main" id="{A3E95AFB-5E75-4C67-832D-11F336889263}"/>
+          <a:solidFill>
+            <a:srgbClr val="0070C0"/>
+          </a:solidFill>
+        </p:spPr>
+        <p:style>
+          <a:lnRef idx="2">
+            <a:schemeClr val="accent1">
+              <a:shade val="50000"/>
+            </a:schemeClr>
+          </a:lnRef>
+          <a:fillRef idx="1">
+            <a:schemeClr val="accent1"/>
+          </a:fillRef>
+          <a:effectRef idx="0">
+            <a:schemeClr val="accent1"/>
+          </a:effectRef>
+          <a:fontRef idx="minor">
+            <a:schemeClr val="lt1"/>
+          </a:fontRef>
+        </p:style>
+        <p:txBody>
+          <a:bodyPr rtlCol="0" anchor="ctr"/>
+          <a:lstStyle/>
+          <a:p>
+            <a:pPr algn="ctr"/>
+            <a:r>
+              <a:rPr lang="en-US" b="1" dirty="0">
+                <a:latin typeface="Verdana" panose="020B0604030504040204" pitchFamily="34" charset="0"/>
+                <a:ea typeface="Verdana" panose="020B0604030504040204" pitchFamily="34" charset="0"/>
+              </a:rPr>
+              <a:t>Information</a:t>
+            </a:r>
+            <a:endParaRPr lang="en-IN" b="1" dirty="0">
+              <a:latin typeface="Verdana" panose="020B0604030504040204" pitchFamily="34" charset="0"/>
+              <a:ea typeface="Verdana" panose="020B0604030504040204" pitchFamily="34" charset="0"/>
+            </a:endParaRPr>
+          </a:p>
+        </p:txBody>
+      </p:sp>
+      <p:sp>
+        <p:nvSpPr>
+          <p:cNvPr id="7" name="Rectangle 6">
+            <a:extLst>
+              <a:ext uri="{FF2B5EF4-FFF2-40B4-BE49-F238E27FC236}">
+                <a16:creationId xmlns:a16="http://schemas.microsoft.com/office/drawing/2014/main" id="{B10720DE-FD2A-4FE5-B9FB-74854D01A659}"/>
+              </a:ext>
+            </a:extLst>
+          </p:cNvPr>
+          <p:cNvSpPr/>
+          <p:nvPr/>
+        </p:nvSpPr>
+        <p:spPr>
+          <a:xfrm>
+            <a:off x="0" y="3915050"/>
+            <a:ext cx="12183122" cy="57703"/>
+          </a:xfrm>
+          <a:prstGeom prst="rect">
+            <a:avLst/>
+          </a:prstGeom>
+          <a:solidFill>
+            <a:srgbClr val="0070C0"/>
+          </a:solidFill>
+        </p:spPr>
+        <p:style>
+          <a:lnRef idx="2">
+            <a:schemeClr val="accent1">
+              <a:shade val="50000"/>
+            </a:schemeClr>
+          </a:lnRef>
+          <a:fillRef idx="1">
+            <a:schemeClr val="accent1"/>
+          </a:fillRef>
+          <a:effectRef idx="0">
+            <a:schemeClr val="accent1"/>
+          </a:effectRef>
+          <a:fontRef idx="minor">
+            <a:schemeClr val="lt1"/>
+          </a:fontRef>
+        </p:style>
+        <p:txBody>
+          <a:bodyPr rtlCol="0" anchor="ctr"/>
+          <a:lstStyle/>
+          <a:p>
+            <a:pPr algn="ctr"/>
+            <a:endParaRPr lang="en-IN" sz="1000" dirty="0">
+              <a:latin typeface="Verdana" panose="020B0604030504040204" pitchFamily="34" charset="0"/>
+              <a:ea typeface="Verdana" panose="020B0604030504040204" pitchFamily="34" charset="0"/>
+            </a:endParaRPr>
+          </a:p>
+        </p:txBody>
+      </p:sp>
+      <p:sp>
+        <p:nvSpPr>
+          <p:cNvPr id="8" name="Footer Placeholder 7">
+            <a:extLst>
+              <a:ext uri="{FF2B5EF4-FFF2-40B4-BE49-F238E27FC236}">
+                <a16:creationId xmlns:a16="http://schemas.microsoft.com/office/drawing/2014/main" id="{DD2A19CA-EC18-432D-8F8F-17079808F38B}"/>
+              </a:ext>
+            </a:extLst>
+          </p:cNvPr>
+          <p:cNvSpPr>
+            <a:spLocks noGrp="1"/>
+          </p:cNvSpPr>
+          <p:nvPr>
+            <p:ph type="ftr" sz="quarter" idx="11"/>
+          </p:nvPr>
+        </p:nvSpPr>
+        <p:spPr>
+          <a:xfrm>
+            <a:off x="4038600" y="3959378"/>
+            <a:ext cx="4114800" cy="365125"/>
+          </a:xfrm>
+        </p:spPr>
+        <p:txBody>
+          <a:bodyPr/>
+          <a:lstStyle/>
+          <a:p>
+            <a:r>
+              <a:rPr lang="en-IN" b="1" dirty="0">
+                <a:solidFill>
+                  <a:srgbClr val="002060"/>
+                </a:solidFill>
+                <a:latin typeface="Verdana" panose="020B0604030504040204" pitchFamily="34" charset="0"/>
+                <a:ea typeface="Verdana" panose="020B0604030504040204" pitchFamily="34" charset="0"/>
+              </a:rPr>
+              <a:t>31-Oct-2021</a:t>
+            </a:r>
+          </a:p>
+        </p:txBody>
+      </p:sp>
+      <p:sp>
+        <p:nvSpPr>
+          <p:cNvPr id="9" name="Slide Number Placeholder 8">
+            <a:extLst>
+              <a:ext uri="{FF2B5EF4-FFF2-40B4-BE49-F238E27FC236}">
+                <a16:creationId xmlns:a16="http://schemas.microsoft.com/office/drawing/2014/main" id="{8162625C-0B1F-42E0-BE7C-D99A08FED7A3}"/>
+              </a:ext>
+            </a:extLst>
+          </p:cNvPr>
+          <p:cNvSpPr>
+            <a:spLocks noGrp="1"/>
+          </p:cNvSpPr>
+          <p:nvPr>
+            <p:ph type="sldNum" sz="quarter" idx="12"/>
+          </p:nvPr>
+        </p:nvSpPr>
+        <p:spPr>
+          <a:xfrm>
+            <a:off x="8610600" y="3959378"/>
+            <a:ext cx="2743200" cy="365125"/>
+          </a:xfrm>
+        </p:spPr>
+        <p:txBody>
+          <a:bodyPr/>
+          <a:lstStyle/>
+          <a:p>
+            <a:r>
+              <a:rPr lang="en-IN" b="1" dirty="0">
+                <a:solidFill>
+                  <a:srgbClr val="002060"/>
+                </a:solidFill>
+                <a:latin typeface="Verdana" panose="020B0604030504040204" pitchFamily="34" charset="0"/>
+                <a:ea typeface="Verdana" panose="020B0604030504040204" pitchFamily="34" charset="0"/>
+              </a:rPr>
+              <a:t>1</a:t>
+            </a:r>
+          </a:p>
+        </p:txBody>
+      </p:sp>
+      <p:sp>
+        <p:nvSpPr>
+          <p:cNvPr id="12" name="Footer Placeholder 7">
+            <a:extLst>
+              <a:ext uri="{FF2B5EF4-FFF2-40B4-BE49-F238E27FC236}">
+                <a16:creationId xmlns:a16="http://schemas.microsoft.com/office/drawing/2014/main" id="{64C57949-E349-47D3-A505-A098233AF49D}"/>
+              </a:ext>
+            </a:extLst>
+          </p:cNvPr>
+          <p:cNvSpPr txBox="1">
+            <a:spLocks/>
+          </p:cNvSpPr>
+          <p:nvPr/>
+        </p:nvSpPr>
+        <p:spPr>
+          <a:xfrm>
+            <a:off x="133897" y="3960852"/>
+            <a:ext cx="4114800" cy="365125"/>
+          </a:xfrm>
+          <a:prstGeom prst="rect">
+            <a:avLst/>
+          </a:prstGeom>
+        </p:spPr>
+        <p:txBody>
+          <a:bodyPr vert="horz" lIns="91440" tIns="45720" rIns="91440" bIns="45720" rtlCol="0" anchor="ctr"/>
+          <a:lstStyle>
+            <a:defPPr>
+              <a:defRPr lang="en-US"/>
+            </a:defPPr>
+            <a:lvl1pPr marL="0" algn="ctr" defTabSz="914400" rtl="0" eaLnBrk="1" latinLnBrk="0" hangingPunct="1">
+              <a:defRPr sz="1200" kern="1200">
+                <a:solidFill>
+                  <a:schemeClr val="tx1">
+                    <a:tint val="75000"/>
+                  </a:schemeClr>
+                </a:solidFill>
+                <a:latin typeface="+mn-lt"/>
+                <a:ea typeface="+mn-ea"/>
+                <a:cs typeface="+mn-cs"/>
+              </a:defRPr>
+            </a:lvl1pPr>
+            <a:lvl2pPr marL="457200" algn="l" defTabSz="914400" rtl="0" eaLnBrk="1" latinLnBrk="0" hangingPunct="1">
+              <a:defRPr sz="1800" kern="1200">
+                <a:solidFill>
+                  <a:schemeClr val="tx1"/>
+                </a:solidFill>
+                <a:latin typeface="+mn-lt"/>
+                <a:ea typeface="+mn-ea"/>
+                <a:cs typeface="+mn-cs"/>
+              </a:defRPr>
+            </a:lvl2pPr>
+            <a:lvl3pPr marL="914400" algn="l" defTabSz="914400" rtl="0" eaLnBrk="1" latinLnBrk="0" hangingPunct="1">
+              <a:defRPr sz="1800" kern="1200">
+                <a:solidFill>
+                  <a:schemeClr val="tx1"/>
+                </a:solidFill>
+                <a:latin typeface="+mn-lt"/>
+                <a:ea typeface="+mn-ea"/>
+                <a:cs typeface="+mn-cs"/>
+              </a:defRPr>
+            </a:lvl3pPr>
+            <a:lvl4pPr marL="1371600" algn="l" defTabSz="914400" rtl="0" eaLnBrk="1" latinLnBrk="0" hangingPunct="1">
+              <a:defRPr sz="1800" kern="1200">
+                <a:solidFill>
+                  <a:schemeClr val="tx1"/>
+                </a:solidFill>
+                <a:latin typeface="+mn-lt"/>
+                <a:ea typeface="+mn-ea"/>
+                <a:cs typeface="+mn-cs"/>
+              </a:defRPr>
+            </a:lvl4pPr>
+            <a:lvl5pPr marL="1828800" algn="l" defTabSz="914400" rtl="0" eaLnBrk="1" latinLnBrk="0" hangingPunct="1">
+              <a:defRPr sz="1800" kern="1200">
+                <a:solidFill>
+                  <a:schemeClr val="tx1"/>
+                </a:solidFill>
+                <a:latin typeface="+mn-lt"/>
+                <a:ea typeface="+mn-ea"/>
+                <a:cs typeface="+mn-cs"/>
+              </a:defRPr>
+            </a:lvl5pPr>
+            <a:lvl6pPr marL="2286000" algn="l" defTabSz="914400" rtl="0" eaLnBrk="1" latinLnBrk="0" hangingPunct="1">
+              <a:defRPr sz="1800" kern="1200">
+                <a:solidFill>
+                  <a:schemeClr val="tx1"/>
+                </a:solidFill>
+                <a:latin typeface="+mn-lt"/>
+                <a:ea typeface="+mn-ea"/>
+                <a:cs typeface="+mn-cs"/>
+              </a:defRPr>
+            </a:lvl6pPr>
+            <a:lvl7pPr marL="2743200" algn="l" defTabSz="914400" rtl="0" eaLnBrk="1" latinLnBrk="0" hangingPunct="1">
+              <a:defRPr sz="1800" kern="1200">
+                <a:solidFill>
+                  <a:schemeClr val="tx1"/>
+                </a:solidFill>
+                <a:latin typeface="+mn-lt"/>
+                <a:ea typeface="+mn-ea"/>
+                <a:cs typeface="+mn-cs"/>
+              </a:defRPr>
+            </a:lvl7pPr>
+            <a:lvl8pPr marL="3200400" algn="l" defTabSz="914400" rtl="0" eaLnBrk="1" latinLnBrk="0" hangingPunct="1">
+              <a:defRPr sz="1800" kern="1200">
+                <a:solidFill>
+                  <a:schemeClr val="tx1"/>
+                </a:solidFill>
+                <a:latin typeface="+mn-lt"/>
+                <a:ea typeface="+mn-ea"/>
+                <a:cs typeface="+mn-cs"/>
+              </a:defRPr>
+            </a:lvl8pPr>
+            <a:lvl9pPr marL="3657600" algn="l" defTabSz="914400" rtl="0" eaLnBrk="1" latinLnBrk="0" hangingPunct="1">
+              <a:defRPr sz="1800" kern="1200">
+                <a:solidFill>
+                  <a:schemeClr val="tx1"/>
+                </a:solidFill>
+                <a:latin typeface="+mn-lt"/>
+                <a:ea typeface="+mn-ea"/>
+                <a:cs typeface="+mn-cs"/>
+              </a:defRPr>
+            </a:lvl9pPr>
+          </a:lstStyle>
+          <a:p>
+            <a:r>
+              <a:rPr lang="en-IN" b="1" dirty="0">
+                <a:solidFill>
+                  <a:srgbClr val="002060"/>
+                </a:solidFill>
+                <a:latin typeface="Verdana" panose="020B0604030504040204" pitchFamily="34" charset="0"/>
+                <a:ea typeface="Verdana" panose="020B0604030504040204" pitchFamily="34" charset="0"/>
+              </a:rPr>
+              <a:t>https://www.azconf.dev</a:t>
+            </a:r>
+          </a:p>
+        </p:txBody>
+      </p:sp>
+      <p:sp>
+        <p:nvSpPr>
+          <p:cNvPr id="10" name="TextBox 9">
+            <a:extLst>
+              <a:ext uri="{FF2B5EF4-FFF2-40B4-BE49-F238E27FC236}">
+                <a16:creationId xmlns:a16="http://schemas.microsoft.com/office/drawing/2014/main" id="{19953791-0C49-4113-A95A-639979BFF9A6}"/>
               </a:ext>
             </a:extLst>
           </p:cNvPr>
@@ -18139,8 +18842,8 @@
         </p:nvSpPr>
         <p:spPr>
           <a:xfrm>
-            <a:off x="1521714" y="6858000"/>
-            <a:ext cx="9148572" cy="230832"/>
+            <a:off x="80629" y="557824"/>
+            <a:ext cx="12037390" cy="2800062"/>
           </a:xfrm>
           <a:prstGeom prst="rect">
             <a:avLst/>
@@ -18153,621 +18856,135 @@
           </a:bodyPr>
           <a:lstStyle/>
           <a:p>
-            <a:r>
-              <a:rPr lang="en-US" sz="900">
-                <a:hlinkClick r:id="rId3" tooltip="https://freephotoshop.org/2011/01/apple-and-books-free-picture/"/>
+            <a:pPr marL="628650" lvl="1" indent="-171450">
+              <a:lnSpc>
+                <a:spcPct val="150000"/>
+              </a:lnSpc>
+              <a:buFont typeface="Wingdings" panose="05000000000000000000" pitchFamily="2" charset="2"/>
+              <a:buChar char="Ø"/>
+            </a:pPr>
+            <a:r>
+              <a:rPr lang="en-US" sz="2000" dirty="0">
+                <a:solidFill>
+                  <a:srgbClr val="00B0F0"/>
+                </a:solidFill>
+                <a:latin typeface="Verdana" panose="020B0604030504040204" pitchFamily="34" charset="0"/>
+                <a:ea typeface="Verdana" panose="020B0604030504040204" pitchFamily="34" charset="0"/>
               </a:rPr>
-              <a:t>This Photo</a:t>
-            </a:r>
-            <a:r>
-              <a:rPr lang="en-US" sz="900"/>
-              <a:t> by Unknown Author is licensed under </a:t>
-            </a:r>
-            <a:r>
-              <a:rPr lang="en-US" sz="900">
-                <a:hlinkClick r:id="rId4" tooltip="https://creativecommons.org/licenses/by/3.0/"/>
+              <a:t> </a:t>
+            </a:r>
+            <a:r>
+              <a:rPr lang="en-US" sz="2000" dirty="0">
+                <a:solidFill>
+                  <a:srgbClr val="0070C0"/>
+                </a:solidFill>
+                <a:latin typeface="Verdana" panose="020B0604030504040204" pitchFamily="34" charset="0"/>
+                <a:ea typeface="Verdana" panose="020B0604030504040204" pitchFamily="34" charset="0"/>
               </a:rPr>
-              <a:t>CC BY</a:t>
-            </a:r>
-            <a:endParaRPr lang="en-US" sz="900"/>
-          </a:p>
-        </p:txBody>
-      </p:sp>
-      <p:pic>
-        <p:nvPicPr>
-          <p:cNvPr id="8" name="Picture 7" descr="A group of books on a table&#10;&#10;Description automatically generated with medium confidence">
-            <a:extLst>
-              <a:ext uri="{FF2B5EF4-FFF2-40B4-BE49-F238E27FC236}">
-                <a16:creationId xmlns:a16="http://schemas.microsoft.com/office/drawing/2014/main" id="{3EDD19C3-E954-4988-81B1-6B6232561BF1}"/>
-              </a:ext>
-            </a:extLst>
-          </p:cNvPr>
-          <p:cNvPicPr>
-            <a:picLocks noChangeAspect="1"/>
-          </p:cNvPicPr>
-          <p:nvPr/>
-        </p:nvPicPr>
-        <p:blipFill>
-          <a:blip r:embed="rId5">
-            <a:extLst>
-              <a:ext uri="{28A0092B-C50C-407E-A947-70E740481C1C}">
-                <a14:useLocalDpi xmlns:a14="http://schemas.microsoft.com/office/drawing/2010/main" val="0"/>
-              </a:ext>
-              <a:ext uri="{837473B0-CC2E-450A-ABE3-18F120FF3D39}">
-                <a1611:picAttrSrcUrl xmlns:a1611="http://schemas.microsoft.com/office/drawing/2016/11/main" r:id="rId6"/>
-              </a:ext>
-            </a:extLst>
-          </a:blip>
-          <a:stretch>
-            <a:fillRect/>
-          </a:stretch>
-        </p:blipFill>
-        <p:spPr>
-          <a:xfrm>
-            <a:off x="1674000" y="531000"/>
-            <a:ext cx="9144000" cy="6096000"/>
-          </a:xfrm>
-          <a:prstGeom prst="rect">
-            <a:avLst/>
-          </a:prstGeom>
-        </p:spPr>
-      </p:pic>
-      <p:pic>
-        <p:nvPicPr>
-          <p:cNvPr id="10" name="Picture 9" descr="A stack of books on a table&#10;&#10;Description automatically generated with medium confidence">
-            <a:extLst>
-              <a:ext uri="{FF2B5EF4-FFF2-40B4-BE49-F238E27FC236}">
-                <a16:creationId xmlns:a16="http://schemas.microsoft.com/office/drawing/2014/main" id="{16AA303E-7DF5-460E-816B-6A2E3232DF43}"/>
-              </a:ext>
-            </a:extLst>
-          </p:cNvPr>
-          <p:cNvPicPr>
-            <a:picLocks noChangeAspect="1"/>
-          </p:cNvPicPr>
-          <p:nvPr/>
-        </p:nvPicPr>
-        <p:blipFill>
-          <a:blip r:embed="rId7">
-            <a:extLst>
-              <a:ext uri="{28A0092B-C50C-407E-A947-70E740481C1C}">
-                <a14:useLocalDpi xmlns:a14="http://schemas.microsoft.com/office/drawing/2010/main" val="0"/>
-              </a:ext>
-              <a:ext uri="{837473B0-CC2E-450A-ABE3-18F120FF3D39}">
-                <a1611:picAttrSrcUrl xmlns:a1611="http://schemas.microsoft.com/office/drawing/2016/11/main" r:id="rId8"/>
-              </a:ext>
-            </a:extLst>
-          </a:blip>
-          <a:stretch>
-            <a:fillRect/>
-          </a:stretch>
-        </p:blipFill>
-        <p:spPr>
-          <a:xfrm>
-            <a:off x="1519200" y="485737"/>
-            <a:ext cx="9753600" cy="6486525"/>
-          </a:xfrm>
-          <a:prstGeom prst="rect">
-            <a:avLst/>
-          </a:prstGeom>
-        </p:spPr>
-      </p:pic>
-      <p:sp>
-        <p:nvSpPr>
-          <p:cNvPr id="11" name="TextBox 10">
-            <a:extLst>
-              <a:ext uri="{FF2B5EF4-FFF2-40B4-BE49-F238E27FC236}">
-                <a16:creationId xmlns:a16="http://schemas.microsoft.com/office/drawing/2014/main" id="{FACF8A59-DE2B-4F4F-B5A6-FD9D98DB63ED}"/>
-              </a:ext>
-            </a:extLst>
-          </p:cNvPr>
-          <p:cNvSpPr txBox="1"/>
-          <p:nvPr/>
-        </p:nvSpPr>
-        <p:spPr>
-          <a:xfrm>
-            <a:off x="1519200" y="6972262"/>
-            <a:ext cx="9753600" cy="230832"/>
-          </a:xfrm>
-          <a:prstGeom prst="rect">
-            <a:avLst/>
-          </a:prstGeom>
-          <a:noFill/>
-        </p:spPr>
-        <p:txBody>
-          <a:bodyPr wrap="square" rtlCol="0">
-            <a:spAutoFit/>
-          </a:bodyPr>
-          <a:lstStyle/>
-          <a:p>
-            <a:r>
-              <a:rPr lang="en-US" sz="900">
-                <a:hlinkClick r:id="rId8" tooltip="http://www.flickr.com/photos/ccacnorthlib/4131838228"/>
+              <a:t>I am still a learner. Apologize if I do any mistake.</a:t>
+            </a:r>
+          </a:p>
+          <a:p>
+            <a:pPr marL="628650" lvl="1" indent="-171450">
+              <a:lnSpc>
+                <a:spcPct val="150000"/>
+              </a:lnSpc>
+              <a:buFont typeface="Wingdings" panose="05000000000000000000" pitchFamily="2" charset="2"/>
+              <a:buChar char="Ø"/>
+            </a:pPr>
+            <a:r>
+              <a:rPr lang="en-US" sz="2000" dirty="0">
+                <a:solidFill>
+                  <a:srgbClr val="002060"/>
+                </a:solidFill>
+                <a:latin typeface="Verdana" panose="020B0604030504040204" pitchFamily="34" charset="0"/>
+                <a:ea typeface="Verdana" panose="020B0604030504040204" pitchFamily="34" charset="0"/>
               </a:rPr>
-              <a:t>This Photo</a:t>
-            </a:r>
-            <a:r>
-              <a:rPr lang="en-US" sz="900"/>
-              <a:t> by Unknown Author is licensed under </a:t>
-            </a:r>
-            <a:r>
-              <a:rPr lang="en-US" sz="900">
-                <a:hlinkClick r:id="rId4" tooltip="https://creativecommons.org/licenses/by/3.0/"/>
+              <a:t> All the sessions will be hands on.</a:t>
+            </a:r>
+          </a:p>
+          <a:p>
+            <a:pPr marL="628650" lvl="1" indent="-171450">
+              <a:lnSpc>
+                <a:spcPct val="150000"/>
+              </a:lnSpc>
+              <a:buFont typeface="Wingdings" panose="05000000000000000000" pitchFamily="2" charset="2"/>
+              <a:buChar char="Ø"/>
+            </a:pPr>
+            <a:r>
+              <a:rPr lang="en-US" sz="2000" dirty="0">
+                <a:solidFill>
+                  <a:srgbClr val="002060"/>
+                </a:solidFill>
+                <a:latin typeface="Verdana" panose="020B0604030504040204" pitchFamily="34" charset="0"/>
+                <a:ea typeface="Verdana" panose="020B0604030504040204" pitchFamily="34" charset="0"/>
               </a:rPr>
-              <a:t>CC BY</a:t>
-            </a:r>
-            <a:endParaRPr lang="en-US" sz="900"/>
-          </a:p>
-        </p:txBody>
-      </p:sp>
-      <p:pic>
-        <p:nvPicPr>
-          <p:cNvPr id="13" name="Picture 12" descr="A stack of books&#10;&#10;Description automatically generated with medium confidence">
-            <a:extLst>
-              <a:ext uri="{FF2B5EF4-FFF2-40B4-BE49-F238E27FC236}">
-                <a16:creationId xmlns:a16="http://schemas.microsoft.com/office/drawing/2014/main" id="{2FF84994-5AF6-4A1E-9F8B-231343FFBED1}"/>
-              </a:ext>
-            </a:extLst>
-          </p:cNvPr>
-          <p:cNvPicPr>
-            <a:picLocks noChangeAspect="1"/>
-          </p:cNvPicPr>
-          <p:nvPr/>
-        </p:nvPicPr>
-        <p:blipFill>
-          <a:blip r:embed="rId9">
-            <a:extLst>
-              <a:ext uri="{28A0092B-C50C-407E-A947-70E740481C1C}">
-                <a14:useLocalDpi xmlns:a14="http://schemas.microsoft.com/office/drawing/2010/main" val="0"/>
-              </a:ext>
-              <a:ext uri="{837473B0-CC2E-450A-ABE3-18F120FF3D39}">
-                <a1611:picAttrSrcUrl xmlns:a1611="http://schemas.microsoft.com/office/drawing/2016/11/main" r:id="rId10"/>
-              </a:ext>
-            </a:extLst>
-          </a:blip>
-          <a:stretch>
-            <a:fillRect/>
-          </a:stretch>
-        </p:blipFill>
-        <p:spPr>
-          <a:xfrm>
-            <a:off x="3117000" y="450000"/>
-            <a:ext cx="6858000" cy="6858000"/>
-          </a:xfrm>
-          <a:prstGeom prst="rect">
-            <a:avLst/>
-          </a:prstGeom>
-        </p:spPr>
-      </p:pic>
-      <p:sp>
-        <p:nvSpPr>
-          <p:cNvPr id="14" name="TextBox 13">
-            <a:extLst>
-              <a:ext uri="{FF2B5EF4-FFF2-40B4-BE49-F238E27FC236}">
-                <a16:creationId xmlns:a16="http://schemas.microsoft.com/office/drawing/2014/main" id="{0FF79CCC-4992-451C-8129-3FEBE66F754B}"/>
-              </a:ext>
-            </a:extLst>
-          </p:cNvPr>
-          <p:cNvSpPr txBox="1"/>
-          <p:nvPr/>
-        </p:nvSpPr>
-        <p:spPr>
-          <a:xfrm>
-            <a:off x="3117000" y="7308000"/>
-            <a:ext cx="6858000" cy="230832"/>
-          </a:xfrm>
-          <a:prstGeom prst="rect">
-            <a:avLst/>
-          </a:prstGeom>
-          <a:noFill/>
-        </p:spPr>
-        <p:txBody>
-          <a:bodyPr wrap="square" rtlCol="0">
-            <a:spAutoFit/>
-          </a:bodyPr>
-          <a:lstStyle/>
-          <a:p>
-            <a:r>
-              <a:rPr lang="en-US" sz="900">
-                <a:hlinkClick r:id="rId10" tooltip="http://saltyselections.blogspot.com/2010/06/ufo-search-engine-ebooks-manuals.html"/>
+              <a:t> Will have parking lots for queries and other topics.</a:t>
+            </a:r>
+          </a:p>
+          <a:p>
+            <a:pPr marL="628650" lvl="1" indent="-171450">
+              <a:lnSpc>
+                <a:spcPct val="150000"/>
+              </a:lnSpc>
+              <a:buFont typeface="Wingdings" panose="05000000000000000000" pitchFamily="2" charset="2"/>
+              <a:buChar char="Ø"/>
+            </a:pPr>
+            <a:r>
+              <a:rPr lang="en-US" sz="2000" dirty="0">
+                <a:solidFill>
+                  <a:srgbClr val="002060"/>
+                </a:solidFill>
+                <a:latin typeface="Verdana" panose="020B0604030504040204" pitchFamily="34" charset="0"/>
+                <a:ea typeface="Verdana" panose="020B0604030504040204" pitchFamily="34" charset="0"/>
               </a:rPr>
-              <a:t>This Photo</a:t>
-            </a:r>
-            <a:r>
-              <a:rPr lang="en-US" sz="900"/>
-              <a:t> by Unknown Author is licensed under </a:t>
-            </a:r>
-            <a:r>
-              <a:rPr lang="en-US" sz="900">
-                <a:hlinkClick r:id="rId11" tooltip="https://creativecommons.org/licenses/by-sa/3.0/"/>
+              <a:t> Some of the concepts we will introduced and revisited in next sessions.</a:t>
+            </a:r>
+          </a:p>
+          <a:p>
+            <a:pPr marL="628650" lvl="1" indent="-171450">
+              <a:lnSpc>
+                <a:spcPct val="150000"/>
+              </a:lnSpc>
+              <a:buFont typeface="Wingdings" panose="05000000000000000000" pitchFamily="2" charset="2"/>
+              <a:buChar char="Ø"/>
+            </a:pPr>
+            <a:r>
+              <a:rPr lang="en-US" sz="2000" dirty="0">
+                <a:solidFill>
+                  <a:srgbClr val="002060"/>
+                </a:solidFill>
+                <a:latin typeface="Verdana" panose="020B0604030504040204" pitchFamily="34" charset="0"/>
+                <a:ea typeface="Verdana" panose="020B0604030504040204" pitchFamily="34" charset="0"/>
               </a:rPr>
-              <a:t>CC BY-SA</a:t>
-            </a:r>
-            <a:endParaRPr lang="en-US" sz="900"/>
-          </a:p>
-        </p:txBody>
-      </p:sp>
-      <p:pic>
-        <p:nvPicPr>
-          <p:cNvPr id="16" name="Picture 15" descr="A stack of books&#10;&#10;Description automatically generated">
-            <a:extLst>
-              <a:ext uri="{FF2B5EF4-FFF2-40B4-BE49-F238E27FC236}">
-                <a16:creationId xmlns:a16="http://schemas.microsoft.com/office/drawing/2014/main" id="{22A0A9FF-6A48-4BB2-8398-5E1AC620F676}"/>
-              </a:ext>
-            </a:extLst>
-          </p:cNvPr>
-          <p:cNvPicPr>
-            <a:picLocks noChangeAspect="1"/>
-          </p:cNvPicPr>
-          <p:nvPr/>
-        </p:nvPicPr>
-        <p:blipFill>
-          <a:blip r:embed="rId12">
-            <a:extLst>
-              <a:ext uri="{28A0092B-C50C-407E-A947-70E740481C1C}">
-                <a14:useLocalDpi xmlns:a14="http://schemas.microsoft.com/office/drawing/2010/main" val="0"/>
-              </a:ext>
-              <a:ext uri="{837473B0-CC2E-450A-ABE3-18F120FF3D39}">
-                <a1611:picAttrSrcUrl xmlns:a1611="http://schemas.microsoft.com/office/drawing/2016/11/main" r:id="rId13"/>
-              </a:ext>
-            </a:extLst>
-          </a:blip>
-          <a:stretch>
-            <a:fillRect/>
-          </a:stretch>
-        </p:blipFill>
-        <p:spPr>
-          <a:xfrm>
-            <a:off x="5119612" y="1743000"/>
-            <a:ext cx="3152775" cy="4572000"/>
-          </a:xfrm>
-          <a:prstGeom prst="rect">
-            <a:avLst/>
-          </a:prstGeom>
-        </p:spPr>
-      </p:pic>
-      <p:sp>
-        <p:nvSpPr>
-          <p:cNvPr id="17" name="TextBox 16">
-            <a:extLst>
-              <a:ext uri="{FF2B5EF4-FFF2-40B4-BE49-F238E27FC236}">
-                <a16:creationId xmlns:a16="http://schemas.microsoft.com/office/drawing/2014/main" id="{59B989B0-5387-46A6-B558-3F6EA5738327}"/>
-              </a:ext>
-            </a:extLst>
-          </p:cNvPr>
-          <p:cNvSpPr txBox="1"/>
-          <p:nvPr/>
-        </p:nvSpPr>
-        <p:spPr>
-          <a:xfrm>
-            <a:off x="5119612" y="6315000"/>
-            <a:ext cx="3152775" cy="230832"/>
-          </a:xfrm>
-          <a:prstGeom prst="rect">
-            <a:avLst/>
-          </a:prstGeom>
-          <a:noFill/>
-        </p:spPr>
-        <p:txBody>
-          <a:bodyPr wrap="square" rtlCol="0">
-            <a:spAutoFit/>
-          </a:bodyPr>
-          <a:lstStyle/>
-          <a:p>
-            <a:r>
-              <a:rPr lang="en-US" sz="900">
-                <a:hlinkClick r:id="rId13" tooltip="http://englishedrissis.blogspot.com/2011/04/world-book-day.html"/>
+              <a:t> There are multiple ways to do, we will use one of the ways.</a:t>
+            </a:r>
+          </a:p>
+          <a:p>
+            <a:pPr marL="628650" lvl="1" indent="-171450">
+              <a:lnSpc>
+                <a:spcPct val="150000"/>
+              </a:lnSpc>
+              <a:buFont typeface="Wingdings" panose="05000000000000000000" pitchFamily="2" charset="2"/>
+              <a:buChar char="Ø"/>
+            </a:pPr>
+            <a:r>
+              <a:rPr lang="en-US" sz="2000" dirty="0">
+                <a:solidFill>
+                  <a:srgbClr val="002060"/>
+                </a:solidFill>
+                <a:latin typeface="Verdana" panose="020B0604030504040204" pitchFamily="34" charset="0"/>
+                <a:ea typeface="Verdana" panose="020B0604030504040204" pitchFamily="34" charset="0"/>
               </a:rPr>
-              <a:t>This Photo</a:t>
-            </a:r>
-            <a:r>
-              <a:rPr lang="en-US" sz="900"/>
-              <a:t> by Unknown Author is licensed under </a:t>
-            </a:r>
-            <a:r>
-              <a:rPr lang="en-US" sz="900">
-                <a:hlinkClick r:id="rId14" tooltip="https://creativecommons.org/licenses/by-nc-sa/3.0/"/>
-              </a:rPr>
-              <a:t>CC BY-SA-NC</a:t>
-            </a:r>
-            <a:endParaRPr lang="en-US" sz="900"/>
-          </a:p>
-        </p:txBody>
-      </p:sp>
-      <p:pic>
-        <p:nvPicPr>
-          <p:cNvPr id="19" name="Picture 18" descr="A pile of colored pencils&#10;&#10;Description automatically generated with low confidence">
-            <a:extLst>
-              <a:ext uri="{FF2B5EF4-FFF2-40B4-BE49-F238E27FC236}">
-                <a16:creationId xmlns:a16="http://schemas.microsoft.com/office/drawing/2014/main" id="{4AA73D39-9B74-4853-92B4-A635E4357914}"/>
-              </a:ext>
-            </a:extLst>
-          </p:cNvPr>
-          <p:cNvPicPr>
-            <a:picLocks noChangeAspect="1"/>
-          </p:cNvPicPr>
-          <p:nvPr/>
-        </p:nvPicPr>
-        <p:blipFill>
-          <a:blip r:embed="rId15">
-            <a:extLst>
-              <a:ext uri="{28A0092B-C50C-407E-A947-70E740481C1C}">
-                <a14:useLocalDpi xmlns:a14="http://schemas.microsoft.com/office/drawing/2010/main" val="0"/>
-              </a:ext>
-              <a:ext uri="{837473B0-CC2E-450A-ABE3-18F120FF3D39}">
-                <a1611:picAttrSrcUrl xmlns:a1611="http://schemas.microsoft.com/office/drawing/2016/11/main" r:id="rId16"/>
-              </a:ext>
-            </a:extLst>
-          </a:blip>
-          <a:stretch>
-            <a:fillRect/>
-          </a:stretch>
-        </p:blipFill>
-        <p:spPr>
-          <a:xfrm>
-            <a:off x="4667950" y="1956500"/>
-            <a:ext cx="4356100" cy="4445000"/>
-          </a:xfrm>
-          <a:prstGeom prst="rect">
-            <a:avLst/>
-          </a:prstGeom>
-        </p:spPr>
-      </p:pic>
-      <p:sp>
-        <p:nvSpPr>
-          <p:cNvPr id="20" name="TextBox 19">
-            <a:extLst>
-              <a:ext uri="{FF2B5EF4-FFF2-40B4-BE49-F238E27FC236}">
-                <a16:creationId xmlns:a16="http://schemas.microsoft.com/office/drawing/2014/main" id="{4AAB6739-7C74-4BB8-9E4D-0838BC8CD672}"/>
-              </a:ext>
-            </a:extLst>
-          </p:cNvPr>
-          <p:cNvSpPr txBox="1"/>
-          <p:nvPr/>
-        </p:nvSpPr>
-        <p:spPr>
-          <a:xfrm>
-            <a:off x="4667950" y="6401500"/>
-            <a:ext cx="4356100" cy="230832"/>
-          </a:xfrm>
-          <a:prstGeom prst="rect">
-            <a:avLst/>
-          </a:prstGeom>
-          <a:noFill/>
-        </p:spPr>
-        <p:txBody>
-          <a:bodyPr wrap="square" rtlCol="0">
-            <a:spAutoFit/>
-          </a:bodyPr>
-          <a:lstStyle/>
-          <a:p>
-            <a:r>
-              <a:rPr lang="en-US" sz="900">
-                <a:hlinkClick r:id="rId16" tooltip="http://myedmondsnews.com/2011/12/edmonds-booktalk-my-nine-favorite-books-of-the-year/"/>
-              </a:rPr>
-              <a:t>This Photo</a:t>
-            </a:r>
-            <a:r>
-              <a:rPr lang="en-US" sz="900"/>
-              <a:t> by Unknown Author is licensed under </a:t>
-            </a:r>
-            <a:r>
-              <a:rPr lang="en-US" sz="900">
-                <a:hlinkClick r:id="rId4" tooltip="https://creativecommons.org/licenses/by/3.0/"/>
-              </a:rPr>
-              <a:t>CC BY</a:t>
-            </a:r>
-            <a:endParaRPr lang="en-US" sz="900"/>
-          </a:p>
-        </p:txBody>
-      </p:sp>
-      <p:pic>
-        <p:nvPicPr>
-          <p:cNvPr id="22" name="Picture 21" descr="A stack of books&#10;&#10;Description automatically generated with medium confidence">
-            <a:extLst>
-              <a:ext uri="{FF2B5EF4-FFF2-40B4-BE49-F238E27FC236}">
-                <a16:creationId xmlns:a16="http://schemas.microsoft.com/office/drawing/2014/main" id="{3785DD88-AC2F-4222-BD7F-E398E81B4A93}"/>
-              </a:ext>
-            </a:extLst>
-          </p:cNvPr>
-          <p:cNvPicPr>
-            <a:picLocks noChangeAspect="1"/>
-          </p:cNvPicPr>
-          <p:nvPr/>
-        </p:nvPicPr>
-        <p:blipFill>
-          <a:blip r:embed="rId17">
-            <a:extLst>
-              <a:ext uri="{28A0092B-C50C-407E-A947-70E740481C1C}">
-                <a14:useLocalDpi xmlns:a14="http://schemas.microsoft.com/office/drawing/2010/main" val="0"/>
-              </a:ext>
-              <a:ext uri="{837473B0-CC2E-450A-ABE3-18F120FF3D39}">
-                <a1611:picAttrSrcUrl xmlns:a1611="http://schemas.microsoft.com/office/drawing/2016/11/main" r:id="rId18"/>
-              </a:ext>
-            </a:extLst>
-          </a:blip>
-          <a:stretch>
-            <a:fillRect/>
-          </a:stretch>
-        </p:blipFill>
-        <p:spPr>
-          <a:xfrm>
-            <a:off x="2422241" y="900000"/>
-            <a:ext cx="9147517" cy="6858000"/>
-          </a:xfrm>
-          <a:prstGeom prst="rect">
-            <a:avLst/>
-          </a:prstGeom>
-        </p:spPr>
-      </p:pic>
-      <p:pic>
-        <p:nvPicPr>
-          <p:cNvPr id="24" name="Picture 23" descr="A stack of books&#10;&#10;Description automatically generated">
-            <a:extLst>
-              <a:ext uri="{FF2B5EF4-FFF2-40B4-BE49-F238E27FC236}">
-                <a16:creationId xmlns:a16="http://schemas.microsoft.com/office/drawing/2014/main" id="{2FCC35E6-23C1-4008-826D-FF18F375781E}"/>
-              </a:ext>
-            </a:extLst>
-          </p:cNvPr>
-          <p:cNvPicPr>
-            <a:picLocks noChangeAspect="1"/>
-          </p:cNvPicPr>
-          <p:nvPr/>
-        </p:nvPicPr>
-        <p:blipFill>
-          <a:blip r:embed="rId19">
-            <a:extLst>
-              <a:ext uri="{28A0092B-C50C-407E-A947-70E740481C1C}">
-                <a14:useLocalDpi xmlns:a14="http://schemas.microsoft.com/office/drawing/2010/main" val="0"/>
-              </a:ext>
-              <a:ext uri="{837473B0-CC2E-450A-ABE3-18F120FF3D39}">
-                <a1611:picAttrSrcUrl xmlns:a1611="http://schemas.microsoft.com/office/drawing/2016/11/main" r:id="rId20"/>
-              </a:ext>
-            </a:extLst>
-          </a:blip>
-          <a:stretch>
-            <a:fillRect/>
-          </a:stretch>
-        </p:blipFill>
-        <p:spPr>
-          <a:xfrm>
-            <a:off x="2574000" y="1050000"/>
-            <a:ext cx="9144000" cy="6858000"/>
-          </a:xfrm>
-          <a:prstGeom prst="rect">
-            <a:avLst/>
-          </a:prstGeom>
-        </p:spPr>
-      </p:pic>
-      <p:pic>
-        <p:nvPicPr>
-          <p:cNvPr id="26" name="Picture 25" descr="A stack of books&#10;&#10;Description automatically generated with low confidence">
-            <a:extLst>
-              <a:ext uri="{FF2B5EF4-FFF2-40B4-BE49-F238E27FC236}">
-                <a16:creationId xmlns:a16="http://schemas.microsoft.com/office/drawing/2014/main" id="{EB873B45-6534-426C-8AB5-B4D7A9AB0737}"/>
-              </a:ext>
-            </a:extLst>
-          </p:cNvPr>
-          <p:cNvPicPr>
-            <a:picLocks noChangeAspect="1"/>
-          </p:cNvPicPr>
-          <p:nvPr/>
-        </p:nvPicPr>
-        <p:blipFill>
-          <a:blip r:embed="rId21">
-            <a:extLst>
-              <a:ext uri="{28A0092B-C50C-407E-A947-70E740481C1C}">
-                <a14:useLocalDpi xmlns:a14="http://schemas.microsoft.com/office/drawing/2010/main" val="0"/>
-              </a:ext>
-              <a:ext uri="{837473B0-CC2E-450A-ABE3-18F120FF3D39}">
-                <a1611:picAttrSrcUrl xmlns:a1611="http://schemas.microsoft.com/office/drawing/2016/11/main" r:id="rId22"/>
-              </a:ext>
-            </a:extLst>
-          </a:blip>
-          <a:stretch>
-            <a:fillRect/>
-          </a:stretch>
-        </p:blipFill>
-        <p:spPr>
-          <a:xfrm>
-            <a:off x="4149892" y="1200000"/>
-            <a:ext cx="6292215" cy="6858000"/>
-          </a:xfrm>
-          <a:prstGeom prst="rect">
-            <a:avLst/>
-          </a:prstGeom>
-        </p:spPr>
-      </p:pic>
-      <p:sp>
-        <p:nvSpPr>
-          <p:cNvPr id="27" name="TextBox 26">
-            <a:extLst>
-              <a:ext uri="{FF2B5EF4-FFF2-40B4-BE49-F238E27FC236}">
-                <a16:creationId xmlns:a16="http://schemas.microsoft.com/office/drawing/2014/main" id="{BE69689F-78F0-4557-B17F-535FDE3270AD}"/>
-              </a:ext>
-            </a:extLst>
-          </p:cNvPr>
-          <p:cNvSpPr txBox="1"/>
-          <p:nvPr/>
-        </p:nvSpPr>
-        <p:spPr>
-          <a:xfrm>
-            <a:off x="4149892" y="8058000"/>
-            <a:ext cx="6292215" cy="230832"/>
-          </a:xfrm>
-          <a:prstGeom prst="rect">
-            <a:avLst/>
-          </a:prstGeom>
-          <a:noFill/>
-        </p:spPr>
-        <p:txBody>
-          <a:bodyPr wrap="square" rtlCol="0">
-            <a:spAutoFit/>
-          </a:bodyPr>
-          <a:lstStyle/>
-          <a:p>
-            <a:r>
-              <a:rPr lang="en-US" sz="900">
-                <a:hlinkClick r:id="rId22" tooltip="http://ponderingtwo.blogspot.com/2013/09/seven-books-in-my-to-read-list.html"/>
-              </a:rPr>
-              <a:t>This Photo</a:t>
-            </a:r>
-            <a:r>
-              <a:rPr lang="en-US" sz="900"/>
-              <a:t> by Unknown Author is licensed under </a:t>
-            </a:r>
-            <a:r>
-              <a:rPr lang="en-US" sz="900">
-                <a:hlinkClick r:id="rId23" tooltip="https://creativecommons.org/licenses/by-nc-nd/3.0/"/>
-              </a:rPr>
-              <a:t>CC BY-NC-ND</a:t>
-            </a:r>
-            <a:endParaRPr lang="en-US" sz="900"/>
-          </a:p>
-        </p:txBody>
-      </p:sp>
-      <p:pic>
-        <p:nvPicPr>
-          <p:cNvPr id="29" name="Picture 28">
-            <a:extLst>
-              <a:ext uri="{FF2B5EF4-FFF2-40B4-BE49-F238E27FC236}">
-                <a16:creationId xmlns:a16="http://schemas.microsoft.com/office/drawing/2014/main" id="{805B7CAF-EF62-4E10-9E88-6FD06BD494FD}"/>
-              </a:ext>
-            </a:extLst>
-          </p:cNvPr>
-          <p:cNvPicPr>
-            <a:picLocks noChangeAspect="1"/>
-          </p:cNvPicPr>
-          <p:nvPr/>
-        </p:nvPicPr>
-        <p:blipFill>
-          <a:blip r:embed="rId24">
-            <a:extLst>
-              <a:ext uri="{28A0092B-C50C-407E-A947-70E740481C1C}">
-                <a14:useLocalDpi xmlns:a14="http://schemas.microsoft.com/office/drawing/2010/main" val="0"/>
-              </a:ext>
-              <a:ext uri="{837473B0-CC2E-450A-ABE3-18F120FF3D39}">
-                <a1611:picAttrSrcUrl xmlns:a1611="http://schemas.microsoft.com/office/drawing/2016/11/main" r:id="rId25"/>
-              </a:ext>
-            </a:extLst>
-          </a:blip>
-          <a:stretch>
-            <a:fillRect/>
-          </a:stretch>
-        </p:blipFill>
-        <p:spPr>
-          <a:xfrm>
-            <a:off x="2874000" y="1731000"/>
-            <a:ext cx="9144000" cy="6096000"/>
-          </a:xfrm>
-          <a:prstGeom prst="rect">
-            <a:avLst/>
-          </a:prstGeom>
-        </p:spPr>
-      </p:pic>
+              <a:t> The focus was more on concepts and demos are kept simple. </a:t>
+            </a:r>
+          </a:p>
+        </p:txBody>
+      </p:sp>
     </p:spTree>
     <p:extLst>
       <p:ext uri="{BB962C8B-B14F-4D97-AF65-F5344CB8AC3E}">
-        <p14:creationId xmlns:p14="http://schemas.microsoft.com/office/powerpoint/2010/main" val="577690452"/>
+        <p14:creationId xmlns:p14="http://schemas.microsoft.com/office/powerpoint/2010/main" val="2304697054"/>
       </p:ext>
     </p:extLst>
   </p:cSld>
@@ -18794,337 +19011,51 @@
           <a:chExt cx="0" cy="0"/>
         </a:xfrm>
       </p:grpSpPr>
-      <p:sp>
-        <p:nvSpPr>
-          <p:cNvPr id="4" name="Rectangle 3">
-            <a:extLst>
-              <a:ext uri="{FF2B5EF4-FFF2-40B4-BE49-F238E27FC236}">
-                <a16:creationId xmlns:a16="http://schemas.microsoft.com/office/drawing/2014/main" id="{055C22F7-3FD1-4C1B-8D0C-0C2F7FB61DBE}"/>
-              </a:ext>
-            </a:extLst>
-          </p:cNvPr>
-          <p:cNvSpPr/>
+      <p:pic>
+        <p:nvPicPr>
+          <p:cNvPr id="5" name="Picture 4" descr="A red apple on a stack of books&#10;&#10;Description automatically generated with medium confidence">
+            <a:extLst>
+              <a:ext uri="{FF2B5EF4-FFF2-40B4-BE49-F238E27FC236}">
+                <a16:creationId xmlns:a16="http://schemas.microsoft.com/office/drawing/2014/main" id="{81A5933F-DAA0-4AD3-9838-80F463FF8841}"/>
+              </a:ext>
+            </a:extLst>
+          </p:cNvPr>
+          <p:cNvPicPr>
+            <a:picLocks noChangeAspect="1"/>
+          </p:cNvPicPr>
           <p:nvPr/>
-        </p:nvSpPr>
-        <p:spPr>
-          <a:xfrm>
-            <a:off x="0" y="8878"/>
-            <a:ext cx="12183122" cy="497150"/>
+        </p:nvPicPr>
+        <p:blipFill>
+          <a:blip r:embed="rId2">
+            <a:extLst>
+              <a:ext uri="{28A0092B-C50C-407E-A947-70E740481C1C}">
+                <a14:useLocalDpi xmlns:a14="http://schemas.microsoft.com/office/drawing/2010/main" val="0"/>
+              </a:ext>
+              <a:ext uri="{837473B0-CC2E-450A-ABE3-18F120FF3D39}">
+                <a1611:picAttrSrcUrl xmlns:a1611="http://schemas.microsoft.com/office/drawing/2016/11/main" r:id="rId3"/>
+              </a:ext>
+            </a:extLst>
+          </a:blip>
+          <a:stretch>
+            <a:fillRect/>
+          </a:stretch>
+        </p:blipFill>
+        <p:spPr>
+          <a:xfrm>
+            <a:off x="1521714" y="0"/>
+            <a:ext cx="9148572" cy="6858000"/>
           </a:xfrm>
           <a:prstGeom prst="rect">
             <a:avLst/>
           </a:prstGeom>
-          <a:solidFill>
-            <a:srgbClr val="0070C0"/>
-          </a:solidFill>
-        </p:spPr>
-        <p:style>
-          <a:lnRef idx="2">
-            <a:schemeClr val="accent1">
-              <a:shade val="50000"/>
-            </a:schemeClr>
-          </a:lnRef>
-          <a:fillRef idx="1">
-            <a:schemeClr val="accent1"/>
-          </a:fillRef>
-          <a:effectRef idx="0">
-            <a:schemeClr val="accent1"/>
-          </a:effectRef>
-          <a:fontRef idx="minor">
-            <a:schemeClr val="lt1"/>
-          </a:fontRef>
-        </p:style>
-        <p:txBody>
-          <a:bodyPr rtlCol="0" anchor="ctr"/>
-          <a:lstStyle/>
-          <a:p>
-            <a:pPr algn="ctr"/>
-            <a:r>
-              <a:rPr lang="en-US" b="1" dirty="0">
-                <a:latin typeface="Verdana" panose="020B0604030504040204" pitchFamily="34" charset="0"/>
-                <a:ea typeface="Verdana" panose="020B0604030504040204" pitchFamily="34" charset="0"/>
-              </a:rPr>
-              <a:t>Information</a:t>
-            </a:r>
-            <a:endParaRPr lang="en-IN" b="1" dirty="0">
-              <a:latin typeface="Verdana" panose="020B0604030504040204" pitchFamily="34" charset="0"/>
-              <a:ea typeface="Verdana" panose="020B0604030504040204" pitchFamily="34" charset="0"/>
-            </a:endParaRPr>
-          </a:p>
-        </p:txBody>
-      </p:sp>
-      <p:sp>
-        <p:nvSpPr>
-          <p:cNvPr id="7" name="Rectangle 6">
-            <a:extLst>
-              <a:ext uri="{FF2B5EF4-FFF2-40B4-BE49-F238E27FC236}">
-                <a16:creationId xmlns:a16="http://schemas.microsoft.com/office/drawing/2014/main" id="{B10720DE-FD2A-4FE5-B9FB-74854D01A659}"/>
-              </a:ext>
-            </a:extLst>
-          </p:cNvPr>
-          <p:cNvSpPr/>
-          <p:nvPr/>
-        </p:nvSpPr>
-        <p:spPr>
-          <a:xfrm>
-            <a:off x="0" y="3915048"/>
-            <a:ext cx="12183122" cy="57703"/>
-          </a:xfrm>
-          <a:prstGeom prst="rect">
-            <a:avLst/>
-          </a:prstGeom>
-          <a:solidFill>
-            <a:srgbClr val="0070C0"/>
-          </a:solidFill>
-        </p:spPr>
-        <p:style>
-          <a:lnRef idx="2">
-            <a:schemeClr val="accent1">
-              <a:shade val="50000"/>
-            </a:schemeClr>
-          </a:lnRef>
-          <a:fillRef idx="1">
-            <a:schemeClr val="accent1"/>
-          </a:fillRef>
-          <a:effectRef idx="0">
-            <a:schemeClr val="accent1"/>
-          </a:effectRef>
-          <a:fontRef idx="minor">
-            <a:schemeClr val="lt1"/>
-          </a:fontRef>
-        </p:style>
-        <p:txBody>
-          <a:bodyPr rtlCol="0" anchor="ctr"/>
-          <a:lstStyle/>
-          <a:p>
-            <a:pPr algn="ctr"/>
-            <a:endParaRPr lang="en-IN" sz="1000" dirty="0">
-              <a:latin typeface="Verdana" panose="020B0604030504040204" pitchFamily="34" charset="0"/>
-              <a:ea typeface="Verdana" panose="020B0604030504040204" pitchFamily="34" charset="0"/>
-            </a:endParaRPr>
-          </a:p>
-        </p:txBody>
-      </p:sp>
-      <p:sp>
-        <p:nvSpPr>
-          <p:cNvPr id="8" name="Footer Placeholder 7">
-            <a:extLst>
-              <a:ext uri="{FF2B5EF4-FFF2-40B4-BE49-F238E27FC236}">
-                <a16:creationId xmlns:a16="http://schemas.microsoft.com/office/drawing/2014/main" id="{DD2A19CA-EC18-432D-8F8F-17079808F38B}"/>
-              </a:ext>
-            </a:extLst>
-          </p:cNvPr>
-          <p:cNvSpPr>
-            <a:spLocks noGrp="1"/>
-          </p:cNvSpPr>
-          <p:nvPr>
-            <p:ph type="ftr" sz="quarter" idx="11"/>
-          </p:nvPr>
-        </p:nvSpPr>
-        <p:spPr>
-          <a:xfrm>
-            <a:off x="4038600" y="3959376"/>
-            <a:ext cx="4114800" cy="365125"/>
-          </a:xfrm>
-        </p:spPr>
-        <p:txBody>
-          <a:bodyPr/>
-          <a:lstStyle/>
-          <a:p>
-            <a:r>
-              <a:rPr lang="en-IN" b="1" dirty="0">
-                <a:solidFill>
-                  <a:srgbClr val="002060"/>
-                </a:solidFill>
-                <a:latin typeface="Verdana" panose="020B0604030504040204" pitchFamily="34" charset="0"/>
-                <a:ea typeface="Verdana" panose="020B0604030504040204" pitchFamily="34" charset="0"/>
-              </a:rPr>
-              <a:t>30-Apr-2021</a:t>
-            </a:r>
-          </a:p>
-        </p:txBody>
-      </p:sp>
-      <p:sp>
-        <p:nvSpPr>
-          <p:cNvPr id="9" name="Slide Number Placeholder 8">
-            <a:extLst>
-              <a:ext uri="{FF2B5EF4-FFF2-40B4-BE49-F238E27FC236}">
-                <a16:creationId xmlns:a16="http://schemas.microsoft.com/office/drawing/2014/main" id="{8162625C-0B1F-42E0-BE7C-D99A08FED7A3}"/>
-              </a:ext>
-            </a:extLst>
-          </p:cNvPr>
-          <p:cNvSpPr>
-            <a:spLocks noGrp="1"/>
-          </p:cNvSpPr>
-          <p:nvPr>
-            <p:ph type="sldNum" sz="quarter" idx="12"/>
-          </p:nvPr>
-        </p:nvSpPr>
-        <p:spPr>
-          <a:xfrm>
-            <a:off x="8610600" y="3959376"/>
-            <a:ext cx="2743200" cy="365125"/>
-          </a:xfrm>
-        </p:spPr>
-        <p:txBody>
-          <a:bodyPr/>
-          <a:lstStyle/>
-          <a:p>
-            <a:r>
-              <a:rPr lang="en-IN" b="1" dirty="0">
-                <a:solidFill>
-                  <a:srgbClr val="002060"/>
-                </a:solidFill>
-                <a:latin typeface="Verdana" panose="020B0604030504040204" pitchFamily="34" charset="0"/>
-                <a:ea typeface="Verdana" panose="020B0604030504040204" pitchFamily="34" charset="0"/>
-              </a:rPr>
-              <a:t>1</a:t>
-            </a:r>
-          </a:p>
-        </p:txBody>
-      </p:sp>
-      <p:sp>
-        <p:nvSpPr>
-          <p:cNvPr id="12" name="Footer Placeholder 7">
-            <a:extLst>
-              <a:ext uri="{FF2B5EF4-FFF2-40B4-BE49-F238E27FC236}">
-                <a16:creationId xmlns:a16="http://schemas.microsoft.com/office/drawing/2014/main" id="{64C57949-E349-47D3-A505-A098233AF49D}"/>
-              </a:ext>
-            </a:extLst>
-          </p:cNvPr>
-          <p:cNvSpPr txBox="1">
-            <a:spLocks/>
-          </p:cNvSpPr>
-          <p:nvPr/>
-        </p:nvSpPr>
-        <p:spPr>
-          <a:xfrm>
-            <a:off x="133897" y="3960850"/>
-            <a:ext cx="4114800" cy="365125"/>
-          </a:xfrm>
-          <a:prstGeom prst="rect">
-            <a:avLst/>
-          </a:prstGeom>
-        </p:spPr>
-        <p:txBody>
-          <a:bodyPr vert="horz" lIns="91440" tIns="45720" rIns="91440" bIns="45720" rtlCol="0" anchor="ctr"/>
-          <a:lstStyle>
-            <a:defPPr>
-              <a:defRPr lang="en-US"/>
-            </a:defPPr>
-            <a:lvl1pPr marL="0" algn="ctr" defTabSz="914400" rtl="0" eaLnBrk="1" latinLnBrk="0" hangingPunct="1">
-              <a:defRPr sz="1200" kern="1200">
-                <a:solidFill>
-                  <a:schemeClr val="tx1">
-                    <a:tint val="75000"/>
-                  </a:schemeClr>
-                </a:solidFill>
-                <a:latin typeface="+mn-lt"/>
-                <a:ea typeface="+mn-ea"/>
-                <a:cs typeface="+mn-cs"/>
-              </a:defRPr>
-            </a:lvl1pPr>
-            <a:lvl2pPr marL="457200" algn="l" defTabSz="914400" rtl="0" eaLnBrk="1" latinLnBrk="0" hangingPunct="1">
-              <a:defRPr sz="1800" kern="1200">
-                <a:solidFill>
-                  <a:schemeClr val="tx1"/>
-                </a:solidFill>
-                <a:latin typeface="+mn-lt"/>
-                <a:ea typeface="+mn-ea"/>
-                <a:cs typeface="+mn-cs"/>
-              </a:defRPr>
-            </a:lvl2pPr>
-            <a:lvl3pPr marL="914400" algn="l" defTabSz="914400" rtl="0" eaLnBrk="1" latinLnBrk="0" hangingPunct="1">
-              <a:defRPr sz="1800" kern="1200">
-                <a:solidFill>
-                  <a:schemeClr val="tx1"/>
-                </a:solidFill>
-                <a:latin typeface="+mn-lt"/>
-                <a:ea typeface="+mn-ea"/>
-                <a:cs typeface="+mn-cs"/>
-              </a:defRPr>
-            </a:lvl3pPr>
-            <a:lvl4pPr marL="1371600" algn="l" defTabSz="914400" rtl="0" eaLnBrk="1" latinLnBrk="0" hangingPunct="1">
-              <a:defRPr sz="1800" kern="1200">
-                <a:solidFill>
-                  <a:schemeClr val="tx1"/>
-                </a:solidFill>
-                <a:latin typeface="+mn-lt"/>
-                <a:ea typeface="+mn-ea"/>
-                <a:cs typeface="+mn-cs"/>
-              </a:defRPr>
-            </a:lvl4pPr>
-            <a:lvl5pPr marL="1828800" algn="l" defTabSz="914400" rtl="0" eaLnBrk="1" latinLnBrk="0" hangingPunct="1">
-              <a:defRPr sz="1800" kern="1200">
-                <a:solidFill>
-                  <a:schemeClr val="tx1"/>
-                </a:solidFill>
-                <a:latin typeface="+mn-lt"/>
-                <a:ea typeface="+mn-ea"/>
-                <a:cs typeface="+mn-cs"/>
-              </a:defRPr>
-            </a:lvl5pPr>
-            <a:lvl6pPr marL="2286000" algn="l" defTabSz="914400" rtl="0" eaLnBrk="1" latinLnBrk="0" hangingPunct="1">
-              <a:defRPr sz="1800" kern="1200">
-                <a:solidFill>
-                  <a:schemeClr val="tx1"/>
-                </a:solidFill>
-                <a:latin typeface="+mn-lt"/>
-                <a:ea typeface="+mn-ea"/>
-                <a:cs typeface="+mn-cs"/>
-              </a:defRPr>
-            </a:lvl6pPr>
-            <a:lvl7pPr marL="2743200" algn="l" defTabSz="914400" rtl="0" eaLnBrk="1" latinLnBrk="0" hangingPunct="1">
-              <a:defRPr sz="1800" kern="1200">
-                <a:solidFill>
-                  <a:schemeClr val="tx1"/>
-                </a:solidFill>
-                <a:latin typeface="+mn-lt"/>
-                <a:ea typeface="+mn-ea"/>
-                <a:cs typeface="+mn-cs"/>
-              </a:defRPr>
-            </a:lvl7pPr>
-            <a:lvl8pPr marL="3200400" algn="l" defTabSz="914400" rtl="0" eaLnBrk="1" latinLnBrk="0" hangingPunct="1">
-              <a:defRPr sz="1800" kern="1200">
-                <a:solidFill>
-                  <a:schemeClr val="tx1"/>
-                </a:solidFill>
-                <a:latin typeface="+mn-lt"/>
-                <a:ea typeface="+mn-ea"/>
-                <a:cs typeface="+mn-cs"/>
-              </a:defRPr>
-            </a:lvl8pPr>
-            <a:lvl9pPr marL="3657600" algn="l" defTabSz="914400" rtl="0" eaLnBrk="1" latinLnBrk="0" hangingPunct="1">
-              <a:defRPr sz="1800" kern="1200">
-                <a:solidFill>
-                  <a:schemeClr val="tx1"/>
-                </a:solidFill>
-                <a:latin typeface="+mn-lt"/>
-                <a:ea typeface="+mn-ea"/>
-                <a:cs typeface="+mn-cs"/>
-              </a:defRPr>
-            </a:lvl9pPr>
-          </a:lstStyle>
-          <a:p>
-            <a:r>
-              <a:rPr lang="en-IN" b="1" dirty="0">
-                <a:solidFill>
-                  <a:srgbClr val="002060"/>
-                </a:solidFill>
-                <a:latin typeface="Verdana" panose="020B0604030504040204" pitchFamily="34" charset="0"/>
-                <a:ea typeface="Verdana" panose="020B0604030504040204" pitchFamily="34" charset="0"/>
-              </a:rPr>
-              <a:t>AIS</a:t>
-            </a:r>
-          </a:p>
-        </p:txBody>
-      </p:sp>
-      <p:sp>
-        <p:nvSpPr>
-          <p:cNvPr id="10" name="TextBox 9">
-            <a:extLst>
-              <a:ext uri="{FF2B5EF4-FFF2-40B4-BE49-F238E27FC236}">
-                <a16:creationId xmlns:a16="http://schemas.microsoft.com/office/drawing/2014/main" id="{19953791-0C49-4113-A95A-639979BFF9A6}"/>
+        </p:spPr>
+      </p:pic>
+      <p:sp>
+        <p:nvSpPr>
+          <p:cNvPr id="6" name="TextBox 5">
+            <a:extLst>
+              <a:ext uri="{FF2B5EF4-FFF2-40B4-BE49-F238E27FC236}">
+                <a16:creationId xmlns:a16="http://schemas.microsoft.com/office/drawing/2014/main" id="{A3E95AFB-5E75-4C67-832D-11F336889263}"/>
               </a:ext>
             </a:extLst>
           </p:cNvPr>
@@ -19133,8 +19064,8 @@
         </p:nvSpPr>
         <p:spPr>
           <a:xfrm>
-            <a:off x="80629" y="557824"/>
-            <a:ext cx="12037390" cy="2800062"/>
+            <a:off x="1521714" y="6858000"/>
+            <a:ext cx="9148572" cy="230832"/>
           </a:xfrm>
           <a:prstGeom prst="rect">
             <a:avLst/>
@@ -19147,135 +19078,621 @@
           </a:bodyPr>
           <a:lstStyle/>
           <a:p>
-            <a:pPr marL="628650" lvl="1" indent="-171450">
-              <a:lnSpc>
-                <a:spcPct val="150000"/>
-              </a:lnSpc>
-              <a:buFont typeface="Wingdings" panose="05000000000000000000" pitchFamily="2" charset="2"/>
-              <a:buChar char="Ø"/>
-            </a:pPr>
-            <a:r>
-              <a:rPr lang="en-US" sz="2000" dirty="0">
-                <a:solidFill>
-                  <a:srgbClr val="002060"/>
-                </a:solidFill>
-                <a:latin typeface="Verdana" panose="020B0604030504040204" pitchFamily="34" charset="0"/>
-                <a:ea typeface="Verdana" panose="020B0604030504040204" pitchFamily="34" charset="0"/>
+            <a:r>
+              <a:rPr lang="en-US" sz="900">
+                <a:hlinkClick r:id="rId3" tooltip="https://freephotoshop.org/2011/01/apple-and-books-free-picture/"/>
               </a:rPr>
-              <a:t> All the sessions will be hands on.</a:t>
-            </a:r>
-          </a:p>
-          <a:p>
-            <a:pPr marL="628650" lvl="1" indent="-171450">
-              <a:lnSpc>
-                <a:spcPct val="150000"/>
-              </a:lnSpc>
-              <a:buFont typeface="Wingdings" panose="05000000000000000000" pitchFamily="2" charset="2"/>
-              <a:buChar char="Ø"/>
-            </a:pPr>
-            <a:r>
-              <a:rPr lang="en-US" sz="2000" dirty="0">
-                <a:solidFill>
-                  <a:srgbClr val="002060"/>
-                </a:solidFill>
-                <a:latin typeface="Verdana" panose="020B0604030504040204" pitchFamily="34" charset="0"/>
-                <a:ea typeface="Verdana" panose="020B0604030504040204" pitchFamily="34" charset="0"/>
+              <a:t>This Photo</a:t>
+            </a:r>
+            <a:r>
+              <a:rPr lang="en-US" sz="900"/>
+              <a:t> by Unknown Author is licensed under </a:t>
+            </a:r>
+            <a:r>
+              <a:rPr lang="en-US" sz="900">
+                <a:hlinkClick r:id="rId4" tooltip="https://creativecommons.org/licenses/by/3.0/"/>
               </a:rPr>
-              <a:t> Will have parking lots for queries and other topics.</a:t>
-            </a:r>
-          </a:p>
-          <a:p>
-            <a:pPr marL="628650" lvl="1" indent="-171450">
-              <a:lnSpc>
-                <a:spcPct val="150000"/>
-              </a:lnSpc>
-              <a:buFont typeface="Wingdings" panose="05000000000000000000" pitchFamily="2" charset="2"/>
-              <a:buChar char="Ø"/>
-            </a:pPr>
-            <a:r>
-              <a:rPr lang="en-US" sz="2000" dirty="0">
-                <a:solidFill>
-                  <a:srgbClr val="002060"/>
-                </a:solidFill>
-                <a:latin typeface="Verdana" panose="020B0604030504040204" pitchFamily="34" charset="0"/>
-                <a:ea typeface="Verdana" panose="020B0604030504040204" pitchFamily="34" charset="0"/>
+              <a:t>CC BY</a:t>
+            </a:r>
+            <a:endParaRPr lang="en-US" sz="900"/>
+          </a:p>
+        </p:txBody>
+      </p:sp>
+      <p:pic>
+        <p:nvPicPr>
+          <p:cNvPr id="8" name="Picture 7" descr="A group of books on a table&#10;&#10;Description automatically generated with medium confidence">
+            <a:extLst>
+              <a:ext uri="{FF2B5EF4-FFF2-40B4-BE49-F238E27FC236}">
+                <a16:creationId xmlns:a16="http://schemas.microsoft.com/office/drawing/2014/main" id="{3EDD19C3-E954-4988-81B1-6B6232561BF1}"/>
+              </a:ext>
+            </a:extLst>
+          </p:cNvPr>
+          <p:cNvPicPr>
+            <a:picLocks noChangeAspect="1"/>
+          </p:cNvPicPr>
+          <p:nvPr/>
+        </p:nvPicPr>
+        <p:blipFill>
+          <a:blip r:embed="rId5">
+            <a:extLst>
+              <a:ext uri="{28A0092B-C50C-407E-A947-70E740481C1C}">
+                <a14:useLocalDpi xmlns:a14="http://schemas.microsoft.com/office/drawing/2010/main" val="0"/>
+              </a:ext>
+              <a:ext uri="{837473B0-CC2E-450A-ABE3-18F120FF3D39}">
+                <a1611:picAttrSrcUrl xmlns:a1611="http://schemas.microsoft.com/office/drawing/2016/11/main" r:id="rId6"/>
+              </a:ext>
+            </a:extLst>
+          </a:blip>
+          <a:stretch>
+            <a:fillRect/>
+          </a:stretch>
+        </p:blipFill>
+        <p:spPr>
+          <a:xfrm>
+            <a:off x="1674000" y="531000"/>
+            <a:ext cx="9144000" cy="6096000"/>
+          </a:xfrm>
+          <a:prstGeom prst="rect">
+            <a:avLst/>
+          </a:prstGeom>
+        </p:spPr>
+      </p:pic>
+      <p:pic>
+        <p:nvPicPr>
+          <p:cNvPr id="10" name="Picture 9" descr="A stack of books on a table&#10;&#10;Description automatically generated with medium confidence">
+            <a:extLst>
+              <a:ext uri="{FF2B5EF4-FFF2-40B4-BE49-F238E27FC236}">
+                <a16:creationId xmlns:a16="http://schemas.microsoft.com/office/drawing/2014/main" id="{16AA303E-7DF5-460E-816B-6A2E3232DF43}"/>
+              </a:ext>
+            </a:extLst>
+          </p:cNvPr>
+          <p:cNvPicPr>
+            <a:picLocks noChangeAspect="1"/>
+          </p:cNvPicPr>
+          <p:nvPr/>
+        </p:nvPicPr>
+        <p:blipFill>
+          <a:blip r:embed="rId7">
+            <a:extLst>
+              <a:ext uri="{28A0092B-C50C-407E-A947-70E740481C1C}">
+                <a14:useLocalDpi xmlns:a14="http://schemas.microsoft.com/office/drawing/2010/main" val="0"/>
+              </a:ext>
+              <a:ext uri="{837473B0-CC2E-450A-ABE3-18F120FF3D39}">
+                <a1611:picAttrSrcUrl xmlns:a1611="http://schemas.microsoft.com/office/drawing/2016/11/main" r:id="rId8"/>
+              </a:ext>
+            </a:extLst>
+          </a:blip>
+          <a:stretch>
+            <a:fillRect/>
+          </a:stretch>
+        </p:blipFill>
+        <p:spPr>
+          <a:xfrm>
+            <a:off x="1519200" y="485737"/>
+            <a:ext cx="9753600" cy="6486525"/>
+          </a:xfrm>
+          <a:prstGeom prst="rect">
+            <a:avLst/>
+          </a:prstGeom>
+        </p:spPr>
+      </p:pic>
+      <p:sp>
+        <p:nvSpPr>
+          <p:cNvPr id="11" name="TextBox 10">
+            <a:extLst>
+              <a:ext uri="{FF2B5EF4-FFF2-40B4-BE49-F238E27FC236}">
+                <a16:creationId xmlns:a16="http://schemas.microsoft.com/office/drawing/2014/main" id="{FACF8A59-DE2B-4F4F-B5A6-FD9D98DB63ED}"/>
+              </a:ext>
+            </a:extLst>
+          </p:cNvPr>
+          <p:cNvSpPr txBox="1"/>
+          <p:nvPr/>
+        </p:nvSpPr>
+        <p:spPr>
+          <a:xfrm>
+            <a:off x="1519200" y="6972262"/>
+            <a:ext cx="9753600" cy="230832"/>
+          </a:xfrm>
+          <a:prstGeom prst="rect">
+            <a:avLst/>
+          </a:prstGeom>
+          <a:noFill/>
+        </p:spPr>
+        <p:txBody>
+          <a:bodyPr wrap="square" rtlCol="0">
+            <a:spAutoFit/>
+          </a:bodyPr>
+          <a:lstStyle/>
+          <a:p>
+            <a:r>
+              <a:rPr lang="en-US" sz="900">
+                <a:hlinkClick r:id="rId8" tooltip="http://www.flickr.com/photos/ccacnorthlib/4131838228"/>
               </a:rPr>
-              <a:t> Some of the concepts we will introduced and revisited in next sessions.</a:t>
-            </a:r>
-          </a:p>
-          <a:p>
-            <a:pPr marL="628650" lvl="1" indent="-171450">
-              <a:lnSpc>
-                <a:spcPct val="150000"/>
-              </a:lnSpc>
-              <a:buFont typeface="Wingdings" panose="05000000000000000000" pitchFamily="2" charset="2"/>
-              <a:buChar char="Ø"/>
-            </a:pPr>
-            <a:r>
-              <a:rPr lang="en-US" sz="2000" dirty="0">
-                <a:solidFill>
-                  <a:srgbClr val="002060"/>
-                </a:solidFill>
-                <a:latin typeface="Verdana" panose="020B0604030504040204" pitchFamily="34" charset="0"/>
-                <a:ea typeface="Verdana" panose="020B0604030504040204" pitchFamily="34" charset="0"/>
+              <a:t>This Photo</a:t>
+            </a:r>
+            <a:r>
+              <a:rPr lang="en-US" sz="900"/>
+              <a:t> by Unknown Author is licensed under </a:t>
+            </a:r>
+            <a:r>
+              <a:rPr lang="en-US" sz="900">
+                <a:hlinkClick r:id="rId4" tooltip="https://creativecommons.org/licenses/by/3.0/"/>
               </a:rPr>
-              <a:t> There are multiple ways to do, we will use one of the ways.</a:t>
-            </a:r>
-          </a:p>
-          <a:p>
-            <a:pPr marL="628650" lvl="1" indent="-171450">
-              <a:lnSpc>
-                <a:spcPct val="150000"/>
-              </a:lnSpc>
-              <a:buFont typeface="Wingdings" panose="05000000000000000000" pitchFamily="2" charset="2"/>
-              <a:buChar char="Ø"/>
-            </a:pPr>
-            <a:r>
-              <a:rPr lang="en-US" sz="2000" dirty="0">
-                <a:solidFill>
-                  <a:srgbClr val="002060"/>
-                </a:solidFill>
-                <a:latin typeface="Verdana" panose="020B0604030504040204" pitchFamily="34" charset="0"/>
-                <a:ea typeface="Verdana" panose="020B0604030504040204" pitchFamily="34" charset="0"/>
+              <a:t>CC BY</a:t>
+            </a:r>
+            <a:endParaRPr lang="en-US" sz="900"/>
+          </a:p>
+        </p:txBody>
+      </p:sp>
+      <p:pic>
+        <p:nvPicPr>
+          <p:cNvPr id="13" name="Picture 12" descr="A stack of books&#10;&#10;Description automatically generated with medium confidence">
+            <a:extLst>
+              <a:ext uri="{FF2B5EF4-FFF2-40B4-BE49-F238E27FC236}">
+                <a16:creationId xmlns:a16="http://schemas.microsoft.com/office/drawing/2014/main" id="{2FF84994-5AF6-4A1E-9F8B-231343FFBED1}"/>
+              </a:ext>
+            </a:extLst>
+          </p:cNvPr>
+          <p:cNvPicPr>
+            <a:picLocks noChangeAspect="1"/>
+          </p:cNvPicPr>
+          <p:nvPr/>
+        </p:nvPicPr>
+        <p:blipFill>
+          <a:blip r:embed="rId9">
+            <a:extLst>
+              <a:ext uri="{28A0092B-C50C-407E-A947-70E740481C1C}">
+                <a14:useLocalDpi xmlns:a14="http://schemas.microsoft.com/office/drawing/2010/main" val="0"/>
+              </a:ext>
+              <a:ext uri="{837473B0-CC2E-450A-ABE3-18F120FF3D39}">
+                <a1611:picAttrSrcUrl xmlns:a1611="http://schemas.microsoft.com/office/drawing/2016/11/main" r:id="rId10"/>
+              </a:ext>
+            </a:extLst>
+          </a:blip>
+          <a:stretch>
+            <a:fillRect/>
+          </a:stretch>
+        </p:blipFill>
+        <p:spPr>
+          <a:xfrm>
+            <a:off x="3117000" y="450000"/>
+            <a:ext cx="6858000" cy="6858000"/>
+          </a:xfrm>
+          <a:prstGeom prst="rect">
+            <a:avLst/>
+          </a:prstGeom>
+        </p:spPr>
+      </p:pic>
+      <p:sp>
+        <p:nvSpPr>
+          <p:cNvPr id="14" name="TextBox 13">
+            <a:extLst>
+              <a:ext uri="{FF2B5EF4-FFF2-40B4-BE49-F238E27FC236}">
+                <a16:creationId xmlns:a16="http://schemas.microsoft.com/office/drawing/2014/main" id="{0FF79CCC-4992-451C-8129-3FEBE66F754B}"/>
+              </a:ext>
+            </a:extLst>
+          </p:cNvPr>
+          <p:cNvSpPr txBox="1"/>
+          <p:nvPr/>
+        </p:nvSpPr>
+        <p:spPr>
+          <a:xfrm>
+            <a:off x="3117000" y="7308000"/>
+            <a:ext cx="6858000" cy="230832"/>
+          </a:xfrm>
+          <a:prstGeom prst="rect">
+            <a:avLst/>
+          </a:prstGeom>
+          <a:noFill/>
+        </p:spPr>
+        <p:txBody>
+          <a:bodyPr wrap="square" rtlCol="0">
+            <a:spAutoFit/>
+          </a:bodyPr>
+          <a:lstStyle/>
+          <a:p>
+            <a:r>
+              <a:rPr lang="en-US" sz="900">
+                <a:hlinkClick r:id="rId10" tooltip="http://saltyselections.blogspot.com/2010/06/ufo-search-engine-ebooks-manuals.html"/>
               </a:rPr>
-              <a:t> The focus was more on concepts and demos are kept simple. </a:t>
-            </a:r>
-          </a:p>
-          <a:p>
-            <a:pPr marL="628650" lvl="1" indent="-171450">
-              <a:lnSpc>
-                <a:spcPct val="150000"/>
-              </a:lnSpc>
-              <a:buFont typeface="Wingdings" panose="05000000000000000000" pitchFamily="2" charset="2"/>
-              <a:buChar char="Ø"/>
-            </a:pPr>
-            <a:r>
-              <a:rPr lang="en-US" sz="2000" dirty="0">
-                <a:solidFill>
-                  <a:srgbClr val="00B0F0"/>
-                </a:solidFill>
-                <a:latin typeface="Verdana" panose="020B0604030504040204" pitchFamily="34" charset="0"/>
-                <a:ea typeface="Verdana" panose="020B0604030504040204" pitchFamily="34" charset="0"/>
+              <a:t>This Photo</a:t>
+            </a:r>
+            <a:r>
+              <a:rPr lang="en-US" sz="900"/>
+              <a:t> by Unknown Author is licensed under </a:t>
+            </a:r>
+            <a:r>
+              <a:rPr lang="en-US" sz="900">
+                <a:hlinkClick r:id="rId11" tooltip="https://creativecommons.org/licenses/by-sa/3.0/"/>
               </a:rPr>
-              <a:t> </a:t>
-            </a:r>
-            <a:r>
-              <a:rPr lang="en-US" sz="2000" dirty="0">
-                <a:solidFill>
-                  <a:srgbClr val="0070C0"/>
-                </a:solidFill>
-                <a:latin typeface="Verdana" panose="020B0604030504040204" pitchFamily="34" charset="0"/>
-                <a:ea typeface="Verdana" panose="020B0604030504040204" pitchFamily="34" charset="0"/>
+              <a:t>CC BY-SA</a:t>
+            </a:r>
+            <a:endParaRPr lang="en-US" sz="900"/>
+          </a:p>
+        </p:txBody>
+      </p:sp>
+      <p:pic>
+        <p:nvPicPr>
+          <p:cNvPr id="16" name="Picture 15" descr="A stack of books&#10;&#10;Description automatically generated">
+            <a:extLst>
+              <a:ext uri="{FF2B5EF4-FFF2-40B4-BE49-F238E27FC236}">
+                <a16:creationId xmlns:a16="http://schemas.microsoft.com/office/drawing/2014/main" id="{22A0A9FF-6A48-4BB2-8398-5E1AC620F676}"/>
+              </a:ext>
+            </a:extLst>
+          </p:cNvPr>
+          <p:cNvPicPr>
+            <a:picLocks noChangeAspect="1"/>
+          </p:cNvPicPr>
+          <p:nvPr/>
+        </p:nvPicPr>
+        <p:blipFill>
+          <a:blip r:embed="rId12">
+            <a:extLst>
+              <a:ext uri="{28A0092B-C50C-407E-A947-70E740481C1C}">
+                <a14:useLocalDpi xmlns:a14="http://schemas.microsoft.com/office/drawing/2010/main" val="0"/>
+              </a:ext>
+              <a:ext uri="{837473B0-CC2E-450A-ABE3-18F120FF3D39}">
+                <a1611:picAttrSrcUrl xmlns:a1611="http://schemas.microsoft.com/office/drawing/2016/11/main" r:id="rId13"/>
+              </a:ext>
+            </a:extLst>
+          </a:blip>
+          <a:stretch>
+            <a:fillRect/>
+          </a:stretch>
+        </p:blipFill>
+        <p:spPr>
+          <a:xfrm>
+            <a:off x="5119612" y="1743000"/>
+            <a:ext cx="3152775" cy="4572000"/>
+          </a:xfrm>
+          <a:prstGeom prst="rect">
+            <a:avLst/>
+          </a:prstGeom>
+        </p:spPr>
+      </p:pic>
+      <p:sp>
+        <p:nvSpPr>
+          <p:cNvPr id="17" name="TextBox 16">
+            <a:extLst>
+              <a:ext uri="{FF2B5EF4-FFF2-40B4-BE49-F238E27FC236}">
+                <a16:creationId xmlns:a16="http://schemas.microsoft.com/office/drawing/2014/main" id="{59B989B0-5387-46A6-B558-3F6EA5738327}"/>
+              </a:ext>
+            </a:extLst>
+          </p:cNvPr>
+          <p:cNvSpPr txBox="1"/>
+          <p:nvPr/>
+        </p:nvSpPr>
+        <p:spPr>
+          <a:xfrm>
+            <a:off x="5119612" y="6315000"/>
+            <a:ext cx="3152775" cy="230832"/>
+          </a:xfrm>
+          <a:prstGeom prst="rect">
+            <a:avLst/>
+          </a:prstGeom>
+          <a:noFill/>
+        </p:spPr>
+        <p:txBody>
+          <a:bodyPr wrap="square" rtlCol="0">
+            <a:spAutoFit/>
+          </a:bodyPr>
+          <a:lstStyle/>
+          <a:p>
+            <a:r>
+              <a:rPr lang="en-US" sz="900">
+                <a:hlinkClick r:id="rId13" tooltip="http://englishedrissis.blogspot.com/2011/04/world-book-day.html"/>
               </a:rPr>
-              <a:t>I am still a learner. What!!! … wait … Yes, I am still a learner.</a:t>
-            </a:r>
-          </a:p>
-        </p:txBody>
-      </p:sp>
+              <a:t>This Photo</a:t>
+            </a:r>
+            <a:r>
+              <a:rPr lang="en-US" sz="900"/>
+              <a:t> by Unknown Author is licensed under </a:t>
+            </a:r>
+            <a:r>
+              <a:rPr lang="en-US" sz="900">
+                <a:hlinkClick r:id="rId14" tooltip="https://creativecommons.org/licenses/by-nc-sa/3.0/"/>
+              </a:rPr>
+              <a:t>CC BY-SA-NC</a:t>
+            </a:r>
+            <a:endParaRPr lang="en-US" sz="900"/>
+          </a:p>
+        </p:txBody>
+      </p:sp>
+      <p:pic>
+        <p:nvPicPr>
+          <p:cNvPr id="19" name="Picture 18" descr="A pile of colored pencils&#10;&#10;Description automatically generated with low confidence">
+            <a:extLst>
+              <a:ext uri="{FF2B5EF4-FFF2-40B4-BE49-F238E27FC236}">
+                <a16:creationId xmlns:a16="http://schemas.microsoft.com/office/drawing/2014/main" id="{4AA73D39-9B74-4853-92B4-A635E4357914}"/>
+              </a:ext>
+            </a:extLst>
+          </p:cNvPr>
+          <p:cNvPicPr>
+            <a:picLocks noChangeAspect="1"/>
+          </p:cNvPicPr>
+          <p:nvPr/>
+        </p:nvPicPr>
+        <p:blipFill>
+          <a:blip r:embed="rId15">
+            <a:extLst>
+              <a:ext uri="{28A0092B-C50C-407E-A947-70E740481C1C}">
+                <a14:useLocalDpi xmlns:a14="http://schemas.microsoft.com/office/drawing/2010/main" val="0"/>
+              </a:ext>
+              <a:ext uri="{837473B0-CC2E-450A-ABE3-18F120FF3D39}">
+                <a1611:picAttrSrcUrl xmlns:a1611="http://schemas.microsoft.com/office/drawing/2016/11/main" r:id="rId16"/>
+              </a:ext>
+            </a:extLst>
+          </a:blip>
+          <a:stretch>
+            <a:fillRect/>
+          </a:stretch>
+        </p:blipFill>
+        <p:spPr>
+          <a:xfrm>
+            <a:off x="4667950" y="1956500"/>
+            <a:ext cx="4356100" cy="4445000"/>
+          </a:xfrm>
+          <a:prstGeom prst="rect">
+            <a:avLst/>
+          </a:prstGeom>
+        </p:spPr>
+      </p:pic>
+      <p:sp>
+        <p:nvSpPr>
+          <p:cNvPr id="20" name="TextBox 19">
+            <a:extLst>
+              <a:ext uri="{FF2B5EF4-FFF2-40B4-BE49-F238E27FC236}">
+                <a16:creationId xmlns:a16="http://schemas.microsoft.com/office/drawing/2014/main" id="{4AAB6739-7C74-4BB8-9E4D-0838BC8CD672}"/>
+              </a:ext>
+            </a:extLst>
+          </p:cNvPr>
+          <p:cNvSpPr txBox="1"/>
+          <p:nvPr/>
+        </p:nvSpPr>
+        <p:spPr>
+          <a:xfrm>
+            <a:off x="4667950" y="6401500"/>
+            <a:ext cx="4356100" cy="230832"/>
+          </a:xfrm>
+          <a:prstGeom prst="rect">
+            <a:avLst/>
+          </a:prstGeom>
+          <a:noFill/>
+        </p:spPr>
+        <p:txBody>
+          <a:bodyPr wrap="square" rtlCol="0">
+            <a:spAutoFit/>
+          </a:bodyPr>
+          <a:lstStyle/>
+          <a:p>
+            <a:r>
+              <a:rPr lang="en-US" sz="900">
+                <a:hlinkClick r:id="rId16" tooltip="http://myedmondsnews.com/2011/12/edmonds-booktalk-my-nine-favorite-books-of-the-year/"/>
+              </a:rPr>
+              <a:t>This Photo</a:t>
+            </a:r>
+            <a:r>
+              <a:rPr lang="en-US" sz="900"/>
+              <a:t> by Unknown Author is licensed under </a:t>
+            </a:r>
+            <a:r>
+              <a:rPr lang="en-US" sz="900">
+                <a:hlinkClick r:id="rId4" tooltip="https://creativecommons.org/licenses/by/3.0/"/>
+              </a:rPr>
+              <a:t>CC BY</a:t>
+            </a:r>
+            <a:endParaRPr lang="en-US" sz="900"/>
+          </a:p>
+        </p:txBody>
+      </p:sp>
+      <p:pic>
+        <p:nvPicPr>
+          <p:cNvPr id="22" name="Picture 21" descr="A stack of books&#10;&#10;Description automatically generated with medium confidence">
+            <a:extLst>
+              <a:ext uri="{FF2B5EF4-FFF2-40B4-BE49-F238E27FC236}">
+                <a16:creationId xmlns:a16="http://schemas.microsoft.com/office/drawing/2014/main" id="{3785DD88-AC2F-4222-BD7F-E398E81B4A93}"/>
+              </a:ext>
+            </a:extLst>
+          </p:cNvPr>
+          <p:cNvPicPr>
+            <a:picLocks noChangeAspect="1"/>
+          </p:cNvPicPr>
+          <p:nvPr/>
+        </p:nvPicPr>
+        <p:blipFill>
+          <a:blip r:embed="rId17">
+            <a:extLst>
+              <a:ext uri="{28A0092B-C50C-407E-A947-70E740481C1C}">
+                <a14:useLocalDpi xmlns:a14="http://schemas.microsoft.com/office/drawing/2010/main" val="0"/>
+              </a:ext>
+              <a:ext uri="{837473B0-CC2E-450A-ABE3-18F120FF3D39}">
+                <a1611:picAttrSrcUrl xmlns:a1611="http://schemas.microsoft.com/office/drawing/2016/11/main" r:id="rId18"/>
+              </a:ext>
+            </a:extLst>
+          </a:blip>
+          <a:stretch>
+            <a:fillRect/>
+          </a:stretch>
+        </p:blipFill>
+        <p:spPr>
+          <a:xfrm>
+            <a:off x="2422241" y="900000"/>
+            <a:ext cx="9147517" cy="6858000"/>
+          </a:xfrm>
+          <a:prstGeom prst="rect">
+            <a:avLst/>
+          </a:prstGeom>
+        </p:spPr>
+      </p:pic>
+      <p:pic>
+        <p:nvPicPr>
+          <p:cNvPr id="24" name="Picture 23" descr="A stack of books&#10;&#10;Description automatically generated">
+            <a:extLst>
+              <a:ext uri="{FF2B5EF4-FFF2-40B4-BE49-F238E27FC236}">
+                <a16:creationId xmlns:a16="http://schemas.microsoft.com/office/drawing/2014/main" id="{2FCC35E6-23C1-4008-826D-FF18F375781E}"/>
+              </a:ext>
+            </a:extLst>
+          </p:cNvPr>
+          <p:cNvPicPr>
+            <a:picLocks noChangeAspect="1"/>
+          </p:cNvPicPr>
+          <p:nvPr/>
+        </p:nvPicPr>
+        <p:blipFill>
+          <a:blip r:embed="rId19">
+            <a:extLst>
+              <a:ext uri="{28A0092B-C50C-407E-A947-70E740481C1C}">
+                <a14:useLocalDpi xmlns:a14="http://schemas.microsoft.com/office/drawing/2010/main" val="0"/>
+              </a:ext>
+              <a:ext uri="{837473B0-CC2E-450A-ABE3-18F120FF3D39}">
+                <a1611:picAttrSrcUrl xmlns:a1611="http://schemas.microsoft.com/office/drawing/2016/11/main" r:id="rId20"/>
+              </a:ext>
+            </a:extLst>
+          </a:blip>
+          <a:stretch>
+            <a:fillRect/>
+          </a:stretch>
+        </p:blipFill>
+        <p:spPr>
+          <a:xfrm>
+            <a:off x="2574000" y="1050000"/>
+            <a:ext cx="9144000" cy="6858000"/>
+          </a:xfrm>
+          <a:prstGeom prst="rect">
+            <a:avLst/>
+          </a:prstGeom>
+        </p:spPr>
+      </p:pic>
+      <p:pic>
+        <p:nvPicPr>
+          <p:cNvPr id="26" name="Picture 25" descr="A stack of books&#10;&#10;Description automatically generated with low confidence">
+            <a:extLst>
+              <a:ext uri="{FF2B5EF4-FFF2-40B4-BE49-F238E27FC236}">
+                <a16:creationId xmlns:a16="http://schemas.microsoft.com/office/drawing/2014/main" id="{EB873B45-6534-426C-8AB5-B4D7A9AB0737}"/>
+              </a:ext>
+            </a:extLst>
+          </p:cNvPr>
+          <p:cNvPicPr>
+            <a:picLocks noChangeAspect="1"/>
+          </p:cNvPicPr>
+          <p:nvPr/>
+        </p:nvPicPr>
+        <p:blipFill>
+          <a:blip r:embed="rId21">
+            <a:extLst>
+              <a:ext uri="{28A0092B-C50C-407E-A947-70E740481C1C}">
+                <a14:useLocalDpi xmlns:a14="http://schemas.microsoft.com/office/drawing/2010/main" val="0"/>
+              </a:ext>
+              <a:ext uri="{837473B0-CC2E-450A-ABE3-18F120FF3D39}">
+                <a1611:picAttrSrcUrl xmlns:a1611="http://schemas.microsoft.com/office/drawing/2016/11/main" r:id="rId22"/>
+              </a:ext>
+            </a:extLst>
+          </a:blip>
+          <a:stretch>
+            <a:fillRect/>
+          </a:stretch>
+        </p:blipFill>
+        <p:spPr>
+          <a:xfrm>
+            <a:off x="4149892" y="1200000"/>
+            <a:ext cx="6292215" cy="6858000"/>
+          </a:xfrm>
+          <a:prstGeom prst="rect">
+            <a:avLst/>
+          </a:prstGeom>
+        </p:spPr>
+      </p:pic>
+      <p:sp>
+        <p:nvSpPr>
+          <p:cNvPr id="27" name="TextBox 26">
+            <a:extLst>
+              <a:ext uri="{FF2B5EF4-FFF2-40B4-BE49-F238E27FC236}">
+                <a16:creationId xmlns:a16="http://schemas.microsoft.com/office/drawing/2014/main" id="{BE69689F-78F0-4557-B17F-535FDE3270AD}"/>
+              </a:ext>
+            </a:extLst>
+          </p:cNvPr>
+          <p:cNvSpPr txBox="1"/>
+          <p:nvPr/>
+        </p:nvSpPr>
+        <p:spPr>
+          <a:xfrm>
+            <a:off x="4149892" y="8058000"/>
+            <a:ext cx="6292215" cy="230832"/>
+          </a:xfrm>
+          <a:prstGeom prst="rect">
+            <a:avLst/>
+          </a:prstGeom>
+          <a:noFill/>
+        </p:spPr>
+        <p:txBody>
+          <a:bodyPr wrap="square" rtlCol="0">
+            <a:spAutoFit/>
+          </a:bodyPr>
+          <a:lstStyle/>
+          <a:p>
+            <a:r>
+              <a:rPr lang="en-US" sz="900">
+                <a:hlinkClick r:id="rId22" tooltip="http://ponderingtwo.blogspot.com/2013/09/seven-books-in-my-to-read-list.html"/>
+              </a:rPr>
+              <a:t>This Photo</a:t>
+            </a:r>
+            <a:r>
+              <a:rPr lang="en-US" sz="900"/>
+              <a:t> by Unknown Author is licensed under </a:t>
+            </a:r>
+            <a:r>
+              <a:rPr lang="en-US" sz="900">
+                <a:hlinkClick r:id="rId23" tooltip="https://creativecommons.org/licenses/by-nc-nd/3.0/"/>
+              </a:rPr>
+              <a:t>CC BY-NC-ND</a:t>
+            </a:r>
+            <a:endParaRPr lang="en-US" sz="900"/>
+          </a:p>
+        </p:txBody>
+      </p:sp>
+      <p:pic>
+        <p:nvPicPr>
+          <p:cNvPr id="29" name="Picture 28">
+            <a:extLst>
+              <a:ext uri="{FF2B5EF4-FFF2-40B4-BE49-F238E27FC236}">
+                <a16:creationId xmlns:a16="http://schemas.microsoft.com/office/drawing/2014/main" id="{805B7CAF-EF62-4E10-9E88-6FD06BD494FD}"/>
+              </a:ext>
+            </a:extLst>
+          </p:cNvPr>
+          <p:cNvPicPr>
+            <a:picLocks noChangeAspect="1"/>
+          </p:cNvPicPr>
+          <p:nvPr/>
+        </p:nvPicPr>
+        <p:blipFill>
+          <a:blip r:embed="rId24">
+            <a:extLst>
+              <a:ext uri="{28A0092B-C50C-407E-A947-70E740481C1C}">
+                <a14:useLocalDpi xmlns:a14="http://schemas.microsoft.com/office/drawing/2010/main" val="0"/>
+              </a:ext>
+              <a:ext uri="{837473B0-CC2E-450A-ABE3-18F120FF3D39}">
+                <a1611:picAttrSrcUrl xmlns:a1611="http://schemas.microsoft.com/office/drawing/2016/11/main" r:id="rId25"/>
+              </a:ext>
+            </a:extLst>
+          </a:blip>
+          <a:stretch>
+            <a:fillRect/>
+          </a:stretch>
+        </p:blipFill>
+        <p:spPr>
+          <a:xfrm>
+            <a:off x="2874000" y="1731000"/>
+            <a:ext cx="9144000" cy="6096000"/>
+          </a:xfrm>
+          <a:prstGeom prst="rect">
+            <a:avLst/>
+          </a:prstGeom>
+        </p:spPr>
+      </p:pic>
     </p:spTree>
     <p:extLst>
       <p:ext uri="{BB962C8B-B14F-4D97-AF65-F5344CB8AC3E}">
-        <p14:creationId xmlns:p14="http://schemas.microsoft.com/office/powerpoint/2010/main" val="115766890"/>
+        <p14:creationId xmlns:p14="http://schemas.microsoft.com/office/powerpoint/2010/main" val="577690452"/>
       </p:ext>
     </p:extLst>
   </p:cSld>
@@ -19447,7 +19864,7 @@
                 <a:latin typeface="Verdana" panose="020B0604030504040204" pitchFamily="34" charset="0"/>
                 <a:ea typeface="Verdana" panose="020B0604030504040204" pitchFamily="34" charset="0"/>
               </a:rPr>
-              <a:t>09-Jan-2021</a:t>
+              <a:t>30-Apr-2021</a:t>
             </a:r>
           </a:p>
         </p:txBody>
@@ -19615,22 +20032,15 @@
           </a:lstStyle>
           <a:p>
             <a:r>
-              <a:rPr lang="en-IN" b="1" dirty="0" err="1">
+              <a:rPr lang="en-IN" b="1" dirty="0">
                 <a:solidFill>
                   <a:srgbClr val="002060"/>
                 </a:solidFill>
                 <a:latin typeface="Verdana" panose="020B0604030504040204" pitchFamily="34" charset="0"/>
                 <a:ea typeface="Verdana" panose="020B0604030504040204" pitchFamily="34" charset="0"/>
               </a:rPr>
-              <a:t>mobconf</a:t>
-            </a:r>
-            <a:endParaRPr lang="en-IN" b="1" dirty="0">
-              <a:solidFill>
-                <a:srgbClr val="002060"/>
-              </a:solidFill>
-              <a:latin typeface="Verdana" panose="020B0604030504040204" pitchFamily="34" charset="0"/>
-              <a:ea typeface="Verdana" panose="020B0604030504040204" pitchFamily="34" charset="0"/>
-            </a:endParaRPr>
+              <a:t>AIS</a:t>
+            </a:r>
           </a:p>
         </p:txBody>
       </p:sp>
@@ -19790,7 +20200,7 @@
     </p:spTree>
     <p:extLst>
       <p:ext uri="{BB962C8B-B14F-4D97-AF65-F5344CB8AC3E}">
-        <p14:creationId xmlns:p14="http://schemas.microsoft.com/office/powerpoint/2010/main" val="3952196739"/>
+        <p14:creationId xmlns:p14="http://schemas.microsoft.com/office/powerpoint/2010/main" val="115766890"/>
       </p:ext>
     </p:extLst>
   </p:cSld>
@@ -19962,7 +20372,7 @@
                 <a:latin typeface="Verdana" panose="020B0604030504040204" pitchFamily="34" charset="0"/>
                 <a:ea typeface="Verdana" panose="020B0604030504040204" pitchFamily="34" charset="0"/>
               </a:rPr>
-              <a:t>23-Jan-2021</a:t>
+              <a:t>09-Jan-2021</a:t>
             </a:r>
           </a:p>
         </p:txBody>
@@ -20137,7 +20547,7 @@
                 <a:latin typeface="Verdana" panose="020B0604030504040204" pitchFamily="34" charset="0"/>
                 <a:ea typeface="Verdana" panose="020B0604030504040204" pitchFamily="34" charset="0"/>
               </a:rPr>
-              <a:t>BDotNet</a:t>
+              <a:t>mobconf</a:t>
             </a:r>
             <a:endParaRPr lang="en-IN" b="1" dirty="0">
               <a:solidFill>
@@ -20249,7 +20659,7 @@
                 <a:latin typeface="Verdana" panose="020B0604030504040204" pitchFamily="34" charset="0"/>
                 <a:ea typeface="Verdana" panose="020B0604030504040204" pitchFamily="34" charset="0"/>
               </a:rPr>
-              <a:t> There are multiple ways to do, we will use one of the way.</a:t>
+              <a:t> There are multiple ways to do, we will use one of the ways.</a:t>
             </a:r>
           </a:p>
           <a:p>
@@ -20305,7 +20715,7 @@
     </p:spTree>
     <p:extLst>
       <p:ext uri="{BB962C8B-B14F-4D97-AF65-F5344CB8AC3E}">
-        <p14:creationId xmlns:p14="http://schemas.microsoft.com/office/powerpoint/2010/main" val="3868100349"/>
+        <p14:creationId xmlns:p14="http://schemas.microsoft.com/office/powerpoint/2010/main" val="3952196739"/>
       </p:ext>
     </p:extLst>
   </p:cSld>
@@ -20405,7 +20815,7 @@
         </p:nvSpPr>
         <p:spPr>
           <a:xfrm>
-            <a:off x="0" y="3542186"/>
+            <a:off x="0" y="3915048"/>
             <a:ext cx="12183122" cy="57703"/>
           </a:xfrm>
           <a:prstGeom prst="rect">
@@ -20461,7 +20871,7 @@
         </p:nvSpPr>
         <p:spPr>
           <a:xfrm>
-            <a:off x="4038600" y="3586514"/>
+            <a:off x="4038600" y="3959376"/>
             <a:ext cx="4114800" cy="365125"/>
           </a:xfrm>
         </p:spPr>
@@ -20477,7 +20887,7 @@
                 <a:latin typeface="Verdana" panose="020B0604030504040204" pitchFamily="34" charset="0"/>
                 <a:ea typeface="Verdana" panose="020B0604030504040204" pitchFamily="34" charset="0"/>
               </a:rPr>
-              <a:t>08-May-2021</a:t>
+              <a:t>23-Jan-2021</a:t>
             </a:r>
           </a:p>
         </p:txBody>
@@ -20500,7 +20910,7 @@
         </p:nvSpPr>
         <p:spPr>
           <a:xfrm>
-            <a:off x="8610600" y="3586514"/>
+            <a:off x="8610600" y="3959376"/>
             <a:ext cx="2743200" cy="365125"/>
           </a:xfrm>
         </p:spPr>
@@ -20537,8 +20947,8 @@
         </p:nvSpPr>
         <p:spPr>
           <a:xfrm>
-            <a:off x="133897" y="3587988"/>
-            <a:ext cx="4349326" cy="365125"/>
+            <a:off x="133897" y="3960850"/>
+            <a:ext cx="4114800" cy="365125"/>
           </a:xfrm>
           <a:prstGeom prst="rect">
             <a:avLst/>
@@ -20645,14 +21055,14 @@
           </a:lstStyle>
           <a:p>
             <a:r>
-              <a:rPr lang="en-US" b="1" dirty="0">
+              <a:rPr lang="en-IN" b="1" dirty="0" err="1">
                 <a:solidFill>
                   <a:srgbClr val="002060"/>
                 </a:solidFill>
                 <a:latin typeface="Verdana" panose="020B0604030504040204" pitchFamily="34" charset="0"/>
                 <a:ea typeface="Verdana" panose="020B0604030504040204" pitchFamily="34" charset="0"/>
               </a:rPr>
-              <a:t>Hyderabad Power Apps and Power Automate UG</a:t>
+              <a:t>BDotNet</a:t>
             </a:r>
             <a:endParaRPr lang="en-IN" b="1" dirty="0">
               <a:solidFill>
@@ -20820,7 +21230,7 @@
     </p:spTree>
     <p:extLst>
       <p:ext uri="{BB962C8B-B14F-4D97-AF65-F5344CB8AC3E}">
-        <p14:creationId xmlns:p14="http://schemas.microsoft.com/office/powerpoint/2010/main" val="171970356"/>
+        <p14:creationId xmlns:p14="http://schemas.microsoft.com/office/powerpoint/2010/main" val="3868100349"/>
       </p:ext>
     </p:extLst>
   </p:cSld>
@@ -20920,7 +21330,7 @@
         </p:nvSpPr>
         <p:spPr>
           <a:xfrm>
-            <a:off x="0" y="3915048"/>
+            <a:off x="0" y="3542186"/>
             <a:ext cx="12183122" cy="57703"/>
           </a:xfrm>
           <a:prstGeom prst="rect">
@@ -20976,7 +21386,7 @@
         </p:nvSpPr>
         <p:spPr>
           <a:xfrm>
-            <a:off x="4038600" y="3959376"/>
+            <a:off x="4038600" y="3586514"/>
             <a:ext cx="4114800" cy="365125"/>
           </a:xfrm>
         </p:spPr>
@@ -20992,7 +21402,7 @@
                 <a:latin typeface="Verdana" panose="020B0604030504040204" pitchFamily="34" charset="0"/>
                 <a:ea typeface="Verdana" panose="020B0604030504040204" pitchFamily="34" charset="0"/>
               </a:rPr>
-              <a:t>03-Apr-2021</a:t>
+              <a:t>08-May-2021</a:t>
             </a:r>
           </a:p>
         </p:txBody>
@@ -21015,7 +21425,7 @@
         </p:nvSpPr>
         <p:spPr>
           <a:xfrm>
-            <a:off x="8610600" y="3959376"/>
+            <a:off x="8610600" y="3586514"/>
             <a:ext cx="2743200" cy="365125"/>
           </a:xfrm>
         </p:spPr>
@@ -21052,8 +21462,8 @@
         </p:nvSpPr>
         <p:spPr>
           <a:xfrm>
-            <a:off x="133897" y="3960850"/>
-            <a:ext cx="4114800" cy="365125"/>
+            <a:off x="133897" y="3587988"/>
+            <a:ext cx="4349326" cy="365125"/>
           </a:xfrm>
           <a:prstGeom prst="rect">
             <a:avLst/>
@@ -21160,15 +21570,22 @@
           </a:lstStyle>
           <a:p>
             <a:r>
-              <a:rPr lang="en-IN" b="1" dirty="0">
+              <a:rPr lang="en-US" b="1" dirty="0">
                 <a:solidFill>
                   <a:srgbClr val="002060"/>
                 </a:solidFill>
                 <a:latin typeface="Verdana" panose="020B0604030504040204" pitchFamily="34" charset="0"/>
                 <a:ea typeface="Verdana" panose="020B0604030504040204" pitchFamily="34" charset="0"/>
               </a:rPr>
-              <a:t>The Tech Platform</a:t>
-            </a:r>
+              <a:t>Hyderabad Power Apps and Power Automate UG</a:t>
+            </a:r>
+            <a:endParaRPr lang="en-IN" b="1" dirty="0">
+              <a:solidFill>
+                <a:srgbClr val="002060"/>
+              </a:solidFill>
+              <a:latin typeface="Verdana" panose="020B0604030504040204" pitchFamily="34" charset="0"/>
+              <a:ea typeface="Verdana" panose="020B0604030504040204" pitchFamily="34" charset="0"/>
+            </a:endParaRPr>
           </a:p>
         </p:txBody>
       </p:sp>
@@ -21328,7 +21745,7 @@
     </p:spTree>
     <p:extLst>
       <p:ext uri="{BB962C8B-B14F-4D97-AF65-F5344CB8AC3E}">
-        <p14:creationId xmlns:p14="http://schemas.microsoft.com/office/powerpoint/2010/main" val="2257230082"/>
+        <p14:creationId xmlns:p14="http://schemas.microsoft.com/office/powerpoint/2010/main" val="171970356"/>
       </p:ext>
     </p:extLst>
   </p:cSld>
@@ -21500,7 +21917,7 @@
                 <a:latin typeface="Verdana" panose="020B0604030504040204" pitchFamily="34" charset="0"/>
                 <a:ea typeface="Verdana" panose="020B0604030504040204" pitchFamily="34" charset="0"/>
               </a:rPr>
-              <a:t>15-May-2021</a:t>
+              <a:t>03-Apr-2021</a:t>
             </a:r>
           </a:p>
         </p:txBody>
@@ -21675,7 +22092,7 @@
                 <a:latin typeface="Verdana" panose="020B0604030504040204" pitchFamily="34" charset="0"/>
                 <a:ea typeface="Verdana" panose="020B0604030504040204" pitchFamily="34" charset="0"/>
               </a:rPr>
-              <a:t>Angular Hyderabad</a:t>
+              <a:t>The Tech Platform</a:t>
             </a:r>
           </a:p>
         </p:txBody>
@@ -21836,7 +22253,7 @@
     </p:spTree>
     <p:extLst>
       <p:ext uri="{BB962C8B-B14F-4D97-AF65-F5344CB8AC3E}">
-        <p14:creationId xmlns:p14="http://schemas.microsoft.com/office/powerpoint/2010/main" val="3977942391"/>
+        <p14:creationId xmlns:p14="http://schemas.microsoft.com/office/powerpoint/2010/main" val="2257230082"/>
       </p:ext>
     </p:extLst>
   </p:cSld>
@@ -21908,6 +22325,13 @@
           <a:lstStyle/>
           <a:p>
             <a:pPr algn="ctr"/>
+            <a:r>
+              <a:rPr lang="en-US" b="1" dirty="0">
+                <a:latin typeface="Verdana" panose="020B0604030504040204" pitchFamily="34" charset="0"/>
+                <a:ea typeface="Verdana" panose="020B0604030504040204" pitchFamily="34" charset="0"/>
+              </a:rPr>
+              <a:t>Information</a:t>
+            </a:r>
             <a:endParaRPr lang="en-IN" b="1" dirty="0">
               <a:latin typeface="Verdana" panose="020B0604030504040204" pitchFamily="34" charset="0"/>
               <a:ea typeface="Verdana" panose="020B0604030504040204" pitchFamily="34" charset="0"/>
@@ -21929,7 +22353,7 @@
         </p:nvSpPr>
         <p:spPr>
           <a:xfrm>
-            <a:off x="0" y="6383046"/>
+            <a:off x="0" y="3915048"/>
             <a:ext cx="12183122" cy="57703"/>
           </a:xfrm>
           <a:prstGeom prst="rect">
@@ -21985,7 +22409,7 @@
         </p:nvSpPr>
         <p:spPr>
           <a:xfrm>
-            <a:off x="4038600" y="6427374"/>
+            <a:off x="4038600" y="3959376"/>
             <a:ext cx="4114800" cy="365125"/>
           </a:xfrm>
         </p:spPr>
@@ -22001,7 +22425,7 @@
                 <a:latin typeface="Verdana" panose="020B0604030504040204" pitchFamily="34" charset="0"/>
                 <a:ea typeface="Verdana" panose="020B0604030504040204" pitchFamily="34" charset="0"/>
               </a:rPr>
-              <a:t>26-Dec-2020</a:t>
+              <a:t>15-May-2021</a:t>
             </a:r>
           </a:p>
         </p:txBody>
@@ -22024,7 +22448,7 @@
         </p:nvSpPr>
         <p:spPr>
           <a:xfrm>
-            <a:off x="8610600" y="6427374"/>
+            <a:off x="8610600" y="3959376"/>
             <a:ext cx="2743200" cy="365125"/>
           </a:xfrm>
         </p:spPr>
@@ -22032,23 +22456,16 @@
           <a:bodyPr/>
           <a:lstStyle/>
           <a:p>
-            <a:fld id="{30AF63FB-5233-4811-A918-B572E3A55817}" type="slidenum">
-              <a:rPr lang="en-IN" b="1" smtClean="0">
+            <a:r>
+              <a:rPr lang="en-IN" b="1" dirty="0">
                 <a:solidFill>
                   <a:srgbClr val="002060"/>
                 </a:solidFill>
                 <a:latin typeface="Verdana" panose="020B0604030504040204" pitchFamily="34" charset="0"/>
                 <a:ea typeface="Verdana" panose="020B0604030504040204" pitchFamily="34" charset="0"/>
               </a:rPr>
-              <a:t>27</a:t>
-            </a:fld>
-            <a:endParaRPr lang="en-IN" b="1" dirty="0">
-              <a:solidFill>
-                <a:srgbClr val="002060"/>
-              </a:solidFill>
-              <a:latin typeface="Verdana" panose="020B0604030504040204" pitchFamily="34" charset="0"/>
-              <a:ea typeface="Verdana" panose="020B0604030504040204" pitchFamily="34" charset="0"/>
-            </a:endParaRPr>
+              <a:t>1</a:t>
+            </a:r>
           </a:p>
         </p:txBody>
       </p:sp>
@@ -22068,7 +22485,7 @@
         </p:nvSpPr>
         <p:spPr>
           <a:xfrm>
-            <a:off x="133897" y="6428848"/>
+            <a:off x="133897" y="3960850"/>
             <a:ext cx="4114800" cy="365125"/>
           </a:xfrm>
           <a:prstGeom prst="rect">
@@ -22183,27 +22600,27 @@
                 <a:latin typeface="Verdana" panose="020B0604030504040204" pitchFamily="34" charset="0"/>
                 <a:ea typeface="Verdana" panose="020B0604030504040204" pitchFamily="34" charset="0"/>
               </a:rPr>
-              <a:t>Dot Net Learners House</a:t>
-            </a:r>
-          </a:p>
-        </p:txBody>
-      </p:sp>
-      <p:sp>
-        <p:nvSpPr>
-          <p:cNvPr id="2" name="Rectangle 1">
-            <a:extLst>
-              <a:ext uri="{FF2B5EF4-FFF2-40B4-BE49-F238E27FC236}">
-                <a16:creationId xmlns:a16="http://schemas.microsoft.com/office/drawing/2014/main" id="{354D33DC-3F63-4EDC-B7D1-DE2A0BACB95C}"/>
-              </a:ext>
-            </a:extLst>
-          </p:cNvPr>
-          <p:cNvSpPr/>
+              <a:t>Angular Hyderabad</a:t>
+            </a:r>
+          </a:p>
+        </p:txBody>
+      </p:sp>
+      <p:sp>
+        <p:nvSpPr>
+          <p:cNvPr id="10" name="TextBox 9">
+            <a:extLst>
+              <a:ext uri="{FF2B5EF4-FFF2-40B4-BE49-F238E27FC236}">
+                <a16:creationId xmlns:a16="http://schemas.microsoft.com/office/drawing/2014/main" id="{19953791-0C49-4113-A95A-639979BFF9A6}"/>
+              </a:ext>
+            </a:extLst>
+          </p:cNvPr>
+          <p:cNvSpPr txBox="1"/>
           <p:nvPr/>
         </p:nvSpPr>
         <p:spPr>
           <a:xfrm>
-            <a:off x="201166" y="685777"/>
-            <a:ext cx="11780789" cy="5401479"/>
+            <a:off x="80629" y="557824"/>
+            <a:ext cx="12037390" cy="2800062"/>
           </a:xfrm>
           <a:prstGeom prst="rect">
             <a:avLst/>
@@ -22211,62 +22628,132 @@
           <a:noFill/>
         </p:spPr>
         <p:txBody>
-          <a:bodyPr wrap="none" lIns="91440" tIns="45720" rIns="91440" bIns="45720">
+          <a:bodyPr wrap="square" rtlCol="0">
             <a:spAutoFit/>
-            <a:scene3d>
-              <a:camera prst="orthographicFront"/>
-              <a:lightRig rig="soft" dir="t">
-                <a:rot lat="0" lon="0" rev="15600000"/>
-              </a:lightRig>
-            </a:scene3d>
-            <a:sp3d extrusionH="57150" prstMaterial="softEdge">
-              <a:bevelT w="25400" h="38100"/>
-            </a:sp3d>
           </a:bodyPr>
           <a:lstStyle/>
           <a:p>
-            <a:pPr algn="ctr"/>
-            <a:r>
-              <a:rPr lang="en-US" sz="11600" b="1" cap="none" spc="0" dirty="0">
-                <a:ln/>
-                <a:solidFill>
-                  <a:schemeClr val="accent4"/>
-                </a:solidFill>
-                <a:effectLst/>
+            <a:pPr marL="628650" lvl="1" indent="-171450">
+              <a:lnSpc>
+                <a:spcPct val="150000"/>
+              </a:lnSpc>
+              <a:buFont typeface="Wingdings" panose="05000000000000000000" pitchFamily="2" charset="2"/>
+              <a:buChar char="Ø"/>
+            </a:pPr>
+            <a:r>
+              <a:rPr lang="en-US" sz="2000" dirty="0">
+                <a:solidFill>
+                  <a:srgbClr val="002060"/>
+                </a:solidFill>
                 <a:latin typeface="Verdana" panose="020B0604030504040204" pitchFamily="34" charset="0"/>
                 <a:ea typeface="Verdana" panose="020B0604030504040204" pitchFamily="34" charset="0"/>
               </a:rPr>
-              <a:t>Please fasten </a:t>
-            </a:r>
-          </a:p>
-          <a:p>
-            <a:pPr algn="ctr"/>
-            <a:r>
-              <a:rPr lang="en-US" sz="11600" b="1" cap="none" spc="0" dirty="0">
-                <a:ln/>
-                <a:solidFill>
-                  <a:schemeClr val="accent4"/>
-                </a:solidFill>
-                <a:effectLst/>
+              <a:t> All the sessions will be hands on.</a:t>
+            </a:r>
+          </a:p>
+          <a:p>
+            <a:pPr marL="628650" lvl="1" indent="-171450">
+              <a:lnSpc>
+                <a:spcPct val="150000"/>
+              </a:lnSpc>
+              <a:buFont typeface="Wingdings" panose="05000000000000000000" pitchFamily="2" charset="2"/>
+              <a:buChar char="Ø"/>
+            </a:pPr>
+            <a:r>
+              <a:rPr lang="en-US" sz="2000" dirty="0">
+                <a:solidFill>
+                  <a:srgbClr val="002060"/>
+                </a:solidFill>
                 <a:latin typeface="Verdana" panose="020B0604030504040204" pitchFamily="34" charset="0"/>
                 <a:ea typeface="Verdana" panose="020B0604030504040204" pitchFamily="34" charset="0"/>
               </a:rPr>
-              <a:t>your </a:t>
-            </a:r>
-          </a:p>
-          <a:p>
-            <a:pPr algn="ctr"/>
-            <a:r>
-              <a:rPr lang="en-US" sz="11600" b="1" cap="none" spc="0" dirty="0">
-                <a:ln/>
-                <a:solidFill>
-                  <a:schemeClr val="accent4"/>
-                </a:solidFill>
-                <a:effectLst/>
+              <a:t> Will have parking lots for queries and other topics.</a:t>
+            </a:r>
+          </a:p>
+          <a:p>
+            <a:pPr marL="628650" lvl="1" indent="-171450">
+              <a:lnSpc>
+                <a:spcPct val="150000"/>
+              </a:lnSpc>
+              <a:buFont typeface="Wingdings" panose="05000000000000000000" pitchFamily="2" charset="2"/>
+              <a:buChar char="Ø"/>
+            </a:pPr>
+            <a:r>
+              <a:rPr lang="en-US" sz="2000" dirty="0">
+                <a:solidFill>
+                  <a:srgbClr val="002060"/>
+                </a:solidFill>
                 <a:latin typeface="Verdana" panose="020B0604030504040204" pitchFamily="34" charset="0"/>
                 <a:ea typeface="Verdana" panose="020B0604030504040204" pitchFamily="34" charset="0"/>
               </a:rPr>
-              <a:t>seat belt !!!</a:t>
+              <a:t> Some of the concepts we will introduced and revisited in next sessions.</a:t>
+            </a:r>
+          </a:p>
+          <a:p>
+            <a:pPr marL="628650" lvl="1" indent="-171450">
+              <a:lnSpc>
+                <a:spcPct val="150000"/>
+              </a:lnSpc>
+              <a:buFont typeface="Wingdings" panose="05000000000000000000" pitchFamily="2" charset="2"/>
+              <a:buChar char="Ø"/>
+            </a:pPr>
+            <a:r>
+              <a:rPr lang="en-US" sz="2000" dirty="0">
+                <a:solidFill>
+                  <a:srgbClr val="002060"/>
+                </a:solidFill>
+                <a:latin typeface="Verdana" panose="020B0604030504040204" pitchFamily="34" charset="0"/>
+                <a:ea typeface="Verdana" panose="020B0604030504040204" pitchFamily="34" charset="0"/>
+              </a:rPr>
+              <a:t> There are multiple ways to do, we will use one of the way.</a:t>
+            </a:r>
+          </a:p>
+          <a:p>
+            <a:pPr marL="628650" lvl="1" indent="-171450">
+              <a:lnSpc>
+                <a:spcPct val="150000"/>
+              </a:lnSpc>
+              <a:buFont typeface="Wingdings" panose="05000000000000000000" pitchFamily="2" charset="2"/>
+              <a:buChar char="Ø"/>
+            </a:pPr>
+            <a:r>
+              <a:rPr lang="en-US" sz="2000" dirty="0">
+                <a:solidFill>
+                  <a:srgbClr val="002060"/>
+                </a:solidFill>
+                <a:latin typeface="Verdana" panose="020B0604030504040204" pitchFamily="34" charset="0"/>
+                <a:ea typeface="Verdana" panose="020B0604030504040204" pitchFamily="34" charset="0"/>
+              </a:rPr>
+              <a:t> The focus was more on concepts and demos are kept simple. </a:t>
+            </a:r>
+          </a:p>
+          <a:p>
+            <a:pPr marL="628650" lvl="1" indent="-171450">
+              <a:lnSpc>
+                <a:spcPct val="150000"/>
+              </a:lnSpc>
+              <a:buFont typeface="Wingdings" panose="05000000000000000000" pitchFamily="2" charset="2"/>
+              <a:buChar char="Ø"/>
+            </a:pPr>
+            <a:r>
+              <a:rPr lang="en-US" sz="2000" dirty="0">
+                <a:solidFill>
+                  <a:srgbClr val="00B0F0"/>
+                </a:solidFill>
+                <a:latin typeface="Verdana" panose="020B0604030504040204" pitchFamily="34" charset="0"/>
+                <a:ea typeface="Verdana" panose="020B0604030504040204" pitchFamily="34" charset="0"/>
+              </a:rPr>
+              <a:t> </a:t>
+            </a:r>
+            <a:r>
+              <a:rPr lang="en-US" sz="2000" dirty="0">
+                <a:solidFill>
+                  <a:srgbClr val="0070C0"/>
+                </a:solidFill>
+                <a:latin typeface="Verdana" panose="020B0604030504040204" pitchFamily="34" charset="0"/>
+                <a:ea typeface="Verdana" panose="020B0604030504040204" pitchFamily="34" charset="0"/>
+              </a:rPr>
+              <a:t>I am still a learner. What!!! … wait … Yes, I am still a learner.</a:t>
             </a:r>
           </a:p>
         </p:txBody>
@@ -22274,7 +22761,7 @@
     </p:spTree>
     <p:extLst>
       <p:ext uri="{BB962C8B-B14F-4D97-AF65-F5344CB8AC3E}">
-        <p14:creationId xmlns:p14="http://schemas.microsoft.com/office/powerpoint/2010/main" val="2056321962"/>
+        <p14:creationId xmlns:p14="http://schemas.microsoft.com/office/powerpoint/2010/main" val="3977942391"/>
       </p:ext>
     </p:extLst>
   </p:cSld>
@@ -22346,7 +22833,7 @@
           <a:lstStyle/>
           <a:p>
             <a:pPr algn="ctr"/>
-            <a:endParaRPr lang="en-IN" dirty="0">
+            <a:endParaRPr lang="en-IN" b="1" dirty="0">
               <a:latin typeface="Verdana" panose="020B0604030504040204" pitchFamily="34" charset="0"/>
               <a:ea typeface="Verdana" panose="020B0604030504040204" pitchFamily="34" charset="0"/>
             </a:endParaRPr>
@@ -22628,10 +23115,10 @@
       </p:sp>
       <p:sp>
         <p:nvSpPr>
-          <p:cNvPr id="11" name="Rectangle 10">
-            <a:extLst>
-              <a:ext uri="{FF2B5EF4-FFF2-40B4-BE49-F238E27FC236}">
-                <a16:creationId xmlns:a16="http://schemas.microsoft.com/office/drawing/2014/main" id="{D55098C6-1198-4DAB-B484-23DB1A599453}"/>
+          <p:cNvPr id="2" name="Rectangle 1">
+            <a:extLst>
+              <a:ext uri="{FF2B5EF4-FFF2-40B4-BE49-F238E27FC236}">
+                <a16:creationId xmlns:a16="http://schemas.microsoft.com/office/drawing/2014/main" id="{354D33DC-3F63-4EDC-B7D1-DE2A0BACB95C}"/>
               </a:ext>
             </a:extLst>
           </p:cNvPr>
@@ -22640,8 +23127,8 @@
         </p:nvSpPr>
         <p:spPr>
           <a:xfrm>
-            <a:off x="2816470" y="1919767"/>
-            <a:ext cx="6434775" cy="3154710"/>
+            <a:off x="201166" y="685777"/>
+            <a:ext cx="11780789" cy="5401479"/>
           </a:xfrm>
           <a:prstGeom prst="rect">
             <a:avLst/>
@@ -22651,31 +23138,60 @@
         <p:txBody>
           <a:bodyPr wrap="none" lIns="91440" tIns="45720" rIns="91440" bIns="45720">
             <a:spAutoFit/>
+            <a:scene3d>
+              <a:camera prst="orthographicFront"/>
+              <a:lightRig rig="soft" dir="t">
+                <a:rot lat="0" lon="0" rev="15600000"/>
+              </a:lightRig>
+            </a:scene3d>
+            <a:sp3d extrusionH="57150" prstMaterial="softEdge">
+              <a:bevelT w="25400" h="38100"/>
+            </a:sp3d>
           </a:bodyPr>
           <a:lstStyle/>
           <a:p>
             <a:pPr algn="ctr"/>
             <a:r>
-              <a:rPr lang="en-US" sz="19900" b="1" cap="none" spc="0" dirty="0">
-                <a:ln w="9525">
-                  <a:solidFill>
-                    <a:schemeClr val="bg1"/>
-                  </a:solidFill>
-                  <a:prstDash val="solid"/>
-                </a:ln>
-                <a:solidFill>
-                  <a:schemeClr val="accent5"/>
-                </a:solidFill>
-                <a:effectLst>
-                  <a:outerShdw blurRad="12700" dist="38100" dir="2700000" algn="tl" rotWithShape="0">
-                    <a:schemeClr val="accent5">
-                      <a:lumMod val="60000"/>
-                      <a:lumOff val="40000"/>
-                    </a:schemeClr>
-                  </a:outerShdw>
-                </a:effectLst>
+              <a:rPr lang="en-US" sz="11600" b="1" cap="none" spc="0" dirty="0">
+                <a:ln/>
+                <a:solidFill>
+                  <a:schemeClr val="accent4"/>
+                </a:solidFill>
+                <a:effectLst/>
+                <a:latin typeface="Verdana" panose="020B0604030504040204" pitchFamily="34" charset="0"/>
+                <a:ea typeface="Verdana" panose="020B0604030504040204" pitchFamily="34" charset="0"/>
               </a:rPr>
-              <a:t>Q &amp; A</a:t>
+              <a:t>Please fasten </a:t>
+            </a:r>
+          </a:p>
+          <a:p>
+            <a:pPr algn="ctr"/>
+            <a:r>
+              <a:rPr lang="en-US" sz="11600" b="1" cap="none" spc="0" dirty="0">
+                <a:ln/>
+                <a:solidFill>
+                  <a:schemeClr val="accent4"/>
+                </a:solidFill>
+                <a:effectLst/>
+                <a:latin typeface="Verdana" panose="020B0604030504040204" pitchFamily="34" charset="0"/>
+                <a:ea typeface="Verdana" panose="020B0604030504040204" pitchFamily="34" charset="0"/>
+              </a:rPr>
+              <a:t>your </a:t>
+            </a:r>
+          </a:p>
+          <a:p>
+            <a:pPr algn="ctr"/>
+            <a:r>
+              <a:rPr lang="en-US" sz="11600" b="1" cap="none" spc="0" dirty="0">
+                <a:ln/>
+                <a:solidFill>
+                  <a:schemeClr val="accent4"/>
+                </a:solidFill>
+                <a:effectLst/>
+                <a:latin typeface="Verdana" panose="020B0604030504040204" pitchFamily="34" charset="0"/>
+                <a:ea typeface="Verdana" panose="020B0604030504040204" pitchFamily="34" charset="0"/>
+              </a:rPr>
+              <a:t>seat belt !!!</a:t>
             </a:r>
           </a:p>
         </p:txBody>
@@ -22683,7 +23199,7 @@
     </p:spTree>
     <p:extLst>
       <p:ext uri="{BB962C8B-B14F-4D97-AF65-F5344CB8AC3E}">
-        <p14:creationId xmlns:p14="http://schemas.microsoft.com/office/powerpoint/2010/main" val="2536284009"/>
+        <p14:creationId xmlns:p14="http://schemas.microsoft.com/office/powerpoint/2010/main" val="2056321962"/>
       </p:ext>
     </p:extLst>
   </p:cSld>
@@ -23037,10 +23553,10 @@
       </p:sp>
       <p:sp>
         <p:nvSpPr>
-          <p:cNvPr id="2" name="Rectangle 1">
-            <a:extLst>
-              <a:ext uri="{FF2B5EF4-FFF2-40B4-BE49-F238E27FC236}">
-                <a16:creationId xmlns:a16="http://schemas.microsoft.com/office/drawing/2014/main" id="{EB5F28B2-B9BB-4801-B1DE-9A44957A910C}"/>
+          <p:cNvPr id="11" name="Rectangle 10">
+            <a:extLst>
+              <a:ext uri="{FF2B5EF4-FFF2-40B4-BE49-F238E27FC236}">
+                <a16:creationId xmlns:a16="http://schemas.microsoft.com/office/drawing/2014/main" id="{D55098C6-1198-4DAB-B484-23DB1A599453}"/>
               </a:ext>
             </a:extLst>
           </p:cNvPr>
@@ -23049,8 +23565,8 @@
         </p:nvSpPr>
         <p:spPr>
           <a:xfrm>
-            <a:off x="523906" y="1724460"/>
-            <a:ext cx="11108682" cy="3154710"/>
+            <a:off x="2816470" y="1919767"/>
+            <a:ext cx="6434775" cy="3154710"/>
           </a:xfrm>
           <a:prstGeom prst="rect">
             <a:avLst/>
@@ -23084,175 +23600,15 @@
                   </a:outerShdw>
                 </a:effectLst>
               </a:rPr>
-              <a:t>Thank You</a:t>
-            </a:r>
-          </a:p>
-        </p:txBody>
-      </p:sp>
-      <p:sp>
-        <p:nvSpPr>
-          <p:cNvPr id="11" name="TextBox 10">
-            <a:extLst>
-              <a:ext uri="{FF2B5EF4-FFF2-40B4-BE49-F238E27FC236}">
-                <a16:creationId xmlns:a16="http://schemas.microsoft.com/office/drawing/2014/main" id="{318C71F3-B9B8-4A6F-B98F-C3AFA20E71E5}"/>
-              </a:ext>
-            </a:extLst>
-          </p:cNvPr>
-          <p:cNvSpPr txBox="1"/>
-          <p:nvPr/>
-        </p:nvSpPr>
-        <p:spPr>
-          <a:xfrm>
-            <a:off x="6336049" y="5474812"/>
-            <a:ext cx="5766707" cy="738664"/>
-          </a:xfrm>
-          <a:prstGeom prst="rect">
-            <a:avLst/>
-          </a:prstGeom>
-          <a:solidFill>
-            <a:schemeClr val="accent5">
-              <a:lumMod val="20000"/>
-              <a:lumOff val="80000"/>
-            </a:schemeClr>
-          </a:solidFill>
-          <a:ln w="12700">
-            <a:solidFill>
-              <a:srgbClr val="0070C0"/>
-            </a:solidFill>
-          </a:ln>
-        </p:spPr>
-        <p:txBody>
-          <a:bodyPr wrap="none" rtlCol="0">
-            <a:spAutoFit/>
-          </a:bodyPr>
-          <a:lstStyle/>
-          <a:p>
-            <a:r>
-              <a:rPr lang="en-US" dirty="0">
-                <a:solidFill>
-                  <a:srgbClr val="002060"/>
-                </a:solidFill>
-                <a:latin typeface="Verdana" panose="020B0604030504040204" pitchFamily="34" charset="0"/>
-                <a:ea typeface="Verdana" panose="020B0604030504040204" pitchFamily="34" charset="0"/>
-              </a:rPr>
-              <a:t>Viswanatha Swamy</a:t>
-            </a:r>
-          </a:p>
-          <a:p>
-            <a:r>
-              <a:rPr lang="en-US" sz="1200" dirty="0">
-                <a:solidFill>
-                  <a:srgbClr val="0070C0"/>
-                </a:solidFill>
-                <a:latin typeface="Verdana" panose="020B0604030504040204" pitchFamily="34" charset="0"/>
-                <a:ea typeface="Verdana" panose="020B0604030504040204" pitchFamily="34" charset="0"/>
-              </a:rPr>
-              <a:t>LinkedIn:</a:t>
-            </a:r>
-            <a:r>
-              <a:rPr lang="en-US" sz="1200" dirty="0">
-                <a:solidFill>
-                  <a:srgbClr val="00B0F0"/>
-                </a:solidFill>
-                <a:latin typeface="Verdana" panose="020B0604030504040204" pitchFamily="34" charset="0"/>
-                <a:ea typeface="Verdana" panose="020B0604030504040204" pitchFamily="34" charset="0"/>
-              </a:rPr>
-              <a:t> </a:t>
-            </a:r>
-            <a:r>
-              <a:rPr lang="en-IN" sz="1200" dirty="0">
-                <a:solidFill>
-                  <a:srgbClr val="00B0F0"/>
-                </a:solidFill>
-                <a:latin typeface="Verdana" panose="020B0604030504040204" pitchFamily="34" charset="0"/>
-                <a:ea typeface="Verdana" panose="020B0604030504040204" pitchFamily="34" charset="0"/>
-                <a:hlinkClick r:id="rId2">
-                  <a:extLst>
-                    <a:ext uri="{A12FA001-AC4F-418D-AE19-62706E023703}">
-                      <ahyp:hlinkClr xmlns:ahyp="http://schemas.microsoft.com/office/drawing/2018/hyperlinkcolor" val="tx"/>
-                    </a:ext>
-                  </a:extLst>
-                </a:hlinkClick>
-              </a:rPr>
-              <a:t>https://www.linkedin.com/in/viswanatha-swamy-b57326128/</a:t>
-            </a:r>
-            <a:endParaRPr lang="en-US" sz="1200" dirty="0">
-              <a:solidFill>
-                <a:srgbClr val="00B0F0"/>
-              </a:solidFill>
-              <a:latin typeface="Verdana" panose="020B0604030504040204" pitchFamily="34" charset="0"/>
-              <a:ea typeface="Verdana" panose="020B0604030504040204" pitchFamily="34" charset="0"/>
-            </a:endParaRPr>
-          </a:p>
-          <a:p>
-            <a:r>
-              <a:rPr lang="en-US" sz="1200" dirty="0">
-                <a:solidFill>
-                  <a:srgbClr val="0070C0"/>
-                </a:solidFill>
-                <a:latin typeface="Verdana" panose="020B0604030504040204" pitchFamily="34" charset="0"/>
-                <a:ea typeface="Verdana" panose="020B0604030504040204" pitchFamily="34" charset="0"/>
-              </a:rPr>
-              <a:t>Twitter:</a:t>
-            </a:r>
-            <a:r>
-              <a:rPr lang="en-US" sz="1200" dirty="0">
-                <a:solidFill>
-                  <a:srgbClr val="00B0F0"/>
-                </a:solidFill>
-                <a:latin typeface="Verdana" panose="020B0604030504040204" pitchFamily="34" charset="0"/>
-                <a:ea typeface="Verdana" panose="020B0604030504040204" pitchFamily="34" charset="0"/>
-              </a:rPr>
-              <a:t> </a:t>
-            </a:r>
-            <a:r>
-              <a:rPr lang="en-IN" sz="1200" dirty="0">
-                <a:solidFill>
-                  <a:srgbClr val="00B0F0"/>
-                </a:solidFill>
-                <a:latin typeface="Verdana" panose="020B0604030504040204" pitchFamily="34" charset="0"/>
-                <a:ea typeface="Verdana" panose="020B0604030504040204" pitchFamily="34" charset="0"/>
-                <a:hlinkClick r:id="rId3">
-                  <a:extLst>
-                    <a:ext uri="{A12FA001-AC4F-418D-AE19-62706E023703}">
-                      <ahyp:hlinkClr xmlns:ahyp="http://schemas.microsoft.com/office/drawing/2018/hyperlinkcolor" val="tx"/>
-                    </a:ext>
-                  </a:extLst>
-                </a:hlinkClick>
-              </a:rPr>
-              <a:t>https://twitter.com</a:t>
-            </a:r>
-            <a:r>
-              <a:rPr lang="en-IN" sz="1200">
-                <a:solidFill>
-                  <a:srgbClr val="00B0F0"/>
-                </a:solidFill>
-                <a:latin typeface="Verdana" panose="020B0604030504040204" pitchFamily="34" charset="0"/>
-                <a:ea typeface="Verdana" panose="020B0604030504040204" pitchFamily="34" charset="0"/>
-                <a:hlinkClick r:id="rId3">
-                  <a:extLst>
-                    <a:ext uri="{A12FA001-AC4F-418D-AE19-62706E023703}">
-                      <ahyp:hlinkClr xmlns:ahyp="http://schemas.microsoft.com/office/drawing/2018/hyperlinkcolor" val="tx"/>
-                    </a:ext>
-                  </a:extLst>
-                </a:hlinkClick>
-              </a:rPr>
-              <a:t>/vishipayyallore</a:t>
-            </a:r>
-            <a:endParaRPr lang="en-US" sz="1200" dirty="0">
-              <a:solidFill>
-                <a:srgbClr val="00B0F0"/>
-              </a:solidFill>
-              <a:latin typeface="Verdana" panose="020B0604030504040204" pitchFamily="34" charset="0"/>
-              <a:ea typeface="Verdana" panose="020B0604030504040204" pitchFamily="34" charset="0"/>
-            </a:endParaRPr>
+              <a:t>Q &amp; A</a:t>
+            </a:r>
           </a:p>
         </p:txBody>
       </p:sp>
     </p:spTree>
     <p:extLst>
       <p:ext uri="{BB962C8B-B14F-4D97-AF65-F5344CB8AC3E}">
-        <p14:creationId xmlns:p14="http://schemas.microsoft.com/office/powerpoint/2010/main" val="2437233572"/>
+        <p14:creationId xmlns:p14="http://schemas.microsoft.com/office/powerpoint/2010/main" val="2536284009"/>
       </p:ext>
     </p:extLst>
   </p:cSld>
@@ -23533,6 +23889,1641 @@
               <a:defRPr/>
             </a:pPr>
             <a:r>
+              <a:rPr kumimoji="0" lang="en-US" sz="1400" b="0" i="0" u="none" strike="noStrike" kern="1200" cap="none" spc="0" normalizeH="0" baseline="0" noProof="0" dirty="0">
+                <a:ln>
+                  <a:noFill/>
+                </a:ln>
+                <a:solidFill>
+                  <a:srgbClr val="002060"/>
+                </a:solidFill>
+                <a:effectLst/>
+                <a:uLnTx/>
+                <a:uFillTx/>
+                <a:latin typeface="Verdana" panose="020B0604030504040204" pitchFamily="34" charset="0"/>
+                <a:ea typeface="Verdana" panose="020B0604030504040204" pitchFamily="34" charset="0"/>
+                <a:cs typeface="+mn-cs"/>
+              </a:rPr>
+              <a:t>Event URL: http://bit.ly/3VMeKlX</a:t>
+            </a:r>
+          </a:p>
+        </p:txBody>
+      </p:sp>
+      <p:sp>
+        <p:nvSpPr>
+          <p:cNvPr id="12" name="TextBox 11">
+            <a:extLst>
+              <a:ext uri="{FF2B5EF4-FFF2-40B4-BE49-F238E27FC236}">
+                <a16:creationId xmlns:a16="http://schemas.microsoft.com/office/drawing/2014/main" id="{A0D50C87-1C09-438A-9731-6BE1795CE915}"/>
+              </a:ext>
+            </a:extLst>
+          </p:cNvPr>
+          <p:cNvSpPr txBox="1"/>
+          <p:nvPr/>
+        </p:nvSpPr>
+        <p:spPr>
+          <a:xfrm flipH="1">
+            <a:off x="66108" y="1497529"/>
+            <a:ext cx="12061944" cy="523220"/>
+          </a:xfrm>
+          <a:prstGeom prst="rect">
+            <a:avLst/>
+          </a:prstGeom>
+          <a:noFill/>
+        </p:spPr>
+        <p:txBody>
+          <a:bodyPr wrap="square" rtlCol="0">
+            <a:spAutoFit/>
+          </a:bodyPr>
+          <a:lstStyle/>
+          <a:p>
+            <a:pPr marL="0" marR="0" lvl="0" indent="0" algn="ctr" defTabSz="457200" rtl="0" eaLnBrk="1" fontAlgn="auto" latinLnBrk="0" hangingPunct="1">
+              <a:lnSpc>
+                <a:spcPct val="100000"/>
+              </a:lnSpc>
+              <a:spcBef>
+                <a:spcPts val="0"/>
+              </a:spcBef>
+              <a:spcAft>
+                <a:spcPts val="0"/>
+              </a:spcAft>
+              <a:buClrTx/>
+              <a:buSzTx/>
+              <a:buFontTx/>
+              <a:buNone/>
+              <a:tabLst/>
+              <a:defRPr/>
+            </a:pPr>
+            <a:r>
+              <a:rPr kumimoji="0" lang="en-US" sz="2800" b="0" i="0" u="none" strike="noStrike" kern="1200" cap="none" spc="0" normalizeH="0" baseline="0" noProof="0" dirty="0">
+                <a:ln>
+                  <a:noFill/>
+                </a:ln>
+                <a:solidFill>
+                  <a:srgbClr val="002060"/>
+                </a:solidFill>
+                <a:effectLst/>
+                <a:uLnTx/>
+                <a:uFillTx/>
+                <a:latin typeface="Verdana" panose="020B0604030504040204" pitchFamily="34" charset="0"/>
+                <a:ea typeface="Verdana" panose="020B0604030504040204" pitchFamily="34" charset="0"/>
+                <a:cs typeface="+mn-cs"/>
+              </a:rPr>
+              <a:t>C# (.NET 6) on AWS - Getting Started With </a:t>
+            </a:r>
+            <a:r>
+              <a:rPr kumimoji="0" lang="en-US" sz="2800" b="0" i="0" u="none" strike="noStrike" kern="1200" cap="none" spc="0" normalizeH="0" baseline="0" noProof="0" dirty="0" err="1">
+                <a:ln>
+                  <a:noFill/>
+                </a:ln>
+                <a:solidFill>
+                  <a:srgbClr val="002060"/>
+                </a:solidFill>
+                <a:effectLst/>
+                <a:uLnTx/>
+                <a:uFillTx/>
+                <a:latin typeface="Verdana" panose="020B0604030504040204" pitchFamily="34" charset="0"/>
+                <a:ea typeface="Verdana" panose="020B0604030504040204" pitchFamily="34" charset="0"/>
+                <a:cs typeface="+mn-cs"/>
+              </a:rPr>
+              <a:t>Fargate</a:t>
+            </a:r>
+            <a:r>
+              <a:rPr kumimoji="0" lang="en-US" sz="2800" b="0" i="0" u="none" strike="noStrike" kern="1200" cap="none" spc="0" normalizeH="0" baseline="0" noProof="0" dirty="0">
+                <a:ln>
+                  <a:noFill/>
+                </a:ln>
+                <a:solidFill>
+                  <a:srgbClr val="002060"/>
+                </a:solidFill>
+                <a:effectLst/>
+                <a:uLnTx/>
+                <a:uFillTx/>
+                <a:latin typeface="Verdana" panose="020B0604030504040204" pitchFamily="34" charset="0"/>
+                <a:ea typeface="Verdana" panose="020B0604030504040204" pitchFamily="34" charset="0"/>
+                <a:cs typeface="+mn-cs"/>
+              </a:rPr>
+              <a:t> and ECS</a:t>
+            </a:r>
+            <a:endParaRPr kumimoji="0" lang="en-IN" sz="2800" b="0" i="0" u="none" strike="noStrike" kern="1200" cap="none" spc="0" normalizeH="0" baseline="0" noProof="0" dirty="0">
+              <a:ln>
+                <a:noFill/>
+              </a:ln>
+              <a:solidFill>
+                <a:srgbClr val="002060"/>
+              </a:solidFill>
+              <a:effectLst/>
+              <a:uLnTx/>
+              <a:uFillTx/>
+              <a:latin typeface="Verdana" panose="020B0604030504040204" pitchFamily="34" charset="0"/>
+              <a:ea typeface="Verdana" panose="020B0604030504040204" pitchFamily="34" charset="0"/>
+              <a:cs typeface="+mn-cs"/>
+            </a:endParaRPr>
+          </a:p>
+        </p:txBody>
+      </p:sp>
+      <p:sp>
+        <p:nvSpPr>
+          <p:cNvPr id="14" name="TextBox 13">
+            <a:extLst>
+              <a:ext uri="{FF2B5EF4-FFF2-40B4-BE49-F238E27FC236}">
+                <a16:creationId xmlns:a16="http://schemas.microsoft.com/office/drawing/2014/main" id="{398C47EB-3F27-41BC-9F96-24F432CDB172}"/>
+              </a:ext>
+            </a:extLst>
+          </p:cNvPr>
+          <p:cNvSpPr txBox="1"/>
+          <p:nvPr/>
+        </p:nvSpPr>
+        <p:spPr>
+          <a:xfrm>
+            <a:off x="717075" y="2131780"/>
+            <a:ext cx="3170016" cy="400110"/>
+          </a:xfrm>
+          <a:prstGeom prst="rect">
+            <a:avLst/>
+          </a:prstGeom>
+          <a:noFill/>
+          <a:ln>
+            <a:noFill/>
+          </a:ln>
+        </p:spPr>
+        <p:txBody>
+          <a:bodyPr wrap="square" rtlCol="0">
+            <a:spAutoFit/>
+          </a:bodyPr>
+          <a:lstStyle/>
+          <a:p>
+            <a:pPr marL="0" marR="0" lvl="0" indent="0" algn="l" defTabSz="457200" rtl="0" eaLnBrk="1" fontAlgn="auto" latinLnBrk="0" hangingPunct="1">
+              <a:lnSpc>
+                <a:spcPct val="100000"/>
+              </a:lnSpc>
+              <a:spcBef>
+                <a:spcPts val="0"/>
+              </a:spcBef>
+              <a:spcAft>
+                <a:spcPts val="0"/>
+              </a:spcAft>
+              <a:buClrTx/>
+              <a:buSzTx/>
+              <a:buFontTx/>
+              <a:buNone/>
+              <a:tabLst/>
+              <a:defRPr/>
+            </a:pPr>
+            <a:r>
+              <a:rPr kumimoji="0" lang="en-US" sz="2000" b="0" i="0" u="none" strike="noStrike" kern="1200" cap="none" spc="136" normalizeH="0" baseline="0" noProof="0" dirty="0">
+                <a:ln w="0"/>
+                <a:solidFill>
+                  <a:srgbClr val="002060"/>
+                </a:solidFill>
+                <a:effectLst>
+                  <a:innerShdw blurRad="63500" dist="50800" dir="13500000">
+                    <a:srgbClr val="000000">
+                      <a:alpha val="50000"/>
+                    </a:srgbClr>
+                  </a:innerShdw>
+                </a:effectLst>
+                <a:uLnTx/>
+                <a:uFillTx/>
+                <a:latin typeface="Calibri" panose="020F0502020204030204"/>
+                <a:ea typeface="+mn-ea"/>
+                <a:cs typeface="+mn-cs"/>
+              </a:rPr>
+              <a:t>Sunday, Jan 29, 2023</a:t>
+            </a:r>
+            <a:endParaRPr kumimoji="0" lang="en-IN" sz="2000" b="0" i="0" u="none" strike="noStrike" kern="1200" cap="none" spc="0" normalizeH="0" baseline="0" noProof="0" dirty="0">
+              <a:ln>
+                <a:noFill/>
+              </a:ln>
+              <a:solidFill>
+                <a:srgbClr val="002060"/>
+              </a:solidFill>
+              <a:effectLst/>
+              <a:uLnTx/>
+              <a:uFillTx/>
+              <a:latin typeface="Calibri" panose="020F0502020204030204"/>
+              <a:ea typeface="+mn-ea"/>
+              <a:cs typeface="+mn-cs"/>
+            </a:endParaRPr>
+          </a:p>
+        </p:txBody>
+      </p:sp>
+      <p:pic>
+        <p:nvPicPr>
+          <p:cNvPr id="15" name="Graphic 14" descr="Daily calendar with solid fill">
+            <a:extLst>
+              <a:ext uri="{FF2B5EF4-FFF2-40B4-BE49-F238E27FC236}">
+                <a16:creationId xmlns:a16="http://schemas.microsoft.com/office/drawing/2014/main" id="{EEDFFAB4-6094-407A-8D65-218D9D010922}"/>
+              </a:ext>
+            </a:extLst>
+          </p:cNvPr>
+          <p:cNvPicPr>
+            <a:picLocks noChangeAspect="1"/>
+          </p:cNvPicPr>
+          <p:nvPr/>
+        </p:nvPicPr>
+        <p:blipFill>
+          <a:blip r:embed="rId3">
+            <a:extLst>
+              <a:ext uri="{28A0092B-C50C-407E-A947-70E740481C1C}">
+                <a14:useLocalDpi xmlns:a14="http://schemas.microsoft.com/office/drawing/2010/main" val="0"/>
+              </a:ext>
+              <a:ext uri="{96DAC541-7B7A-43D3-8B79-37D633B846F1}">
+                <asvg:svgBlip xmlns:asvg="http://schemas.microsoft.com/office/drawing/2016/SVG/main" r:embed="rId4"/>
+              </a:ext>
+            </a:extLst>
+          </a:blip>
+          <a:stretch>
+            <a:fillRect/>
+          </a:stretch>
+        </p:blipFill>
+        <p:spPr>
+          <a:xfrm>
+            <a:off x="349109" y="2067080"/>
+            <a:ext cx="357082" cy="497840"/>
+          </a:xfrm>
+          <a:prstGeom prst="rect">
+            <a:avLst/>
+          </a:prstGeom>
+        </p:spPr>
+      </p:pic>
+      <p:pic>
+        <p:nvPicPr>
+          <p:cNvPr id="16" name="Graphic 15" descr="Clock with solid fill">
+            <a:extLst>
+              <a:ext uri="{FF2B5EF4-FFF2-40B4-BE49-F238E27FC236}">
+                <a16:creationId xmlns:a16="http://schemas.microsoft.com/office/drawing/2014/main" id="{AD753C80-3D7A-495C-876B-6233CD97D493}"/>
+              </a:ext>
+            </a:extLst>
+          </p:cNvPr>
+          <p:cNvPicPr>
+            <a:picLocks noChangeAspect="1"/>
+          </p:cNvPicPr>
+          <p:nvPr/>
+        </p:nvPicPr>
+        <p:blipFill>
+          <a:blip r:embed="rId5">
+            <a:extLst>
+              <a:ext uri="{28A0092B-C50C-407E-A947-70E740481C1C}">
+                <a14:useLocalDpi xmlns:a14="http://schemas.microsoft.com/office/drawing/2010/main" val="0"/>
+              </a:ext>
+              <a:ext uri="{96DAC541-7B7A-43D3-8B79-37D633B846F1}">
+                <asvg:svgBlip xmlns:asvg="http://schemas.microsoft.com/office/drawing/2016/SVG/main" r:embed="rId6"/>
+              </a:ext>
+            </a:extLst>
+          </a:blip>
+          <a:stretch>
+            <a:fillRect/>
+          </a:stretch>
+        </p:blipFill>
+        <p:spPr>
+          <a:xfrm>
+            <a:off x="3796013" y="2067080"/>
+            <a:ext cx="497840" cy="497840"/>
+          </a:xfrm>
+          <a:prstGeom prst="rect">
+            <a:avLst/>
+          </a:prstGeom>
+        </p:spPr>
+      </p:pic>
+      <p:sp>
+        <p:nvSpPr>
+          <p:cNvPr id="17" name="TextBox 16">
+            <a:extLst>
+              <a:ext uri="{FF2B5EF4-FFF2-40B4-BE49-F238E27FC236}">
+                <a16:creationId xmlns:a16="http://schemas.microsoft.com/office/drawing/2014/main" id="{4794E653-E567-413E-93B4-AC8E24ACCE9F}"/>
+              </a:ext>
+            </a:extLst>
+          </p:cNvPr>
+          <p:cNvSpPr txBox="1"/>
+          <p:nvPr/>
+        </p:nvSpPr>
+        <p:spPr>
+          <a:xfrm>
+            <a:off x="4304737" y="2137027"/>
+            <a:ext cx="4419600" cy="400110"/>
+          </a:xfrm>
+          <a:prstGeom prst="rect">
+            <a:avLst/>
+          </a:prstGeom>
+          <a:noFill/>
+          <a:ln>
+            <a:noFill/>
+          </a:ln>
+        </p:spPr>
+        <p:txBody>
+          <a:bodyPr wrap="square" rtlCol="0">
+            <a:spAutoFit/>
+          </a:bodyPr>
+          <a:lstStyle/>
+          <a:p>
+            <a:pPr marL="0" marR="0" lvl="0" indent="0" algn="l" defTabSz="457200" rtl="0" eaLnBrk="1" fontAlgn="auto" latinLnBrk="0" hangingPunct="1">
+              <a:lnSpc>
+                <a:spcPct val="100000"/>
+              </a:lnSpc>
+              <a:spcBef>
+                <a:spcPts val="0"/>
+              </a:spcBef>
+              <a:spcAft>
+                <a:spcPts val="0"/>
+              </a:spcAft>
+              <a:buClrTx/>
+              <a:buSzTx/>
+              <a:buFontTx/>
+              <a:buNone/>
+              <a:tabLst/>
+              <a:defRPr/>
+            </a:pPr>
+            <a:r>
+              <a:rPr kumimoji="0" lang="en-US" sz="2000" b="0" i="0" u="none" strike="noStrike" kern="1200" cap="none" spc="136" normalizeH="0" baseline="0" noProof="0" dirty="0">
+                <a:ln w="0"/>
+                <a:solidFill>
+                  <a:srgbClr val="002060"/>
+                </a:solidFill>
+                <a:effectLst>
+                  <a:innerShdw blurRad="63500" dist="50800" dir="13500000">
+                    <a:srgbClr val="000000">
+                      <a:alpha val="50000"/>
+                    </a:srgbClr>
+                  </a:innerShdw>
+                </a:effectLst>
+                <a:uLnTx/>
+                <a:uFillTx/>
+                <a:latin typeface="Calibri" panose="020F0502020204030204"/>
+                <a:ea typeface="+mn-ea"/>
+                <a:cs typeface="+mn-cs"/>
+              </a:rPr>
+              <a:t>09:00 AM (IST)</a:t>
+            </a:r>
+            <a:endParaRPr kumimoji="0" lang="en-IN" sz="2000" b="0" i="0" u="none" strike="noStrike" kern="1200" cap="none" spc="0" normalizeH="0" baseline="0" noProof="0" dirty="0">
+              <a:ln>
+                <a:noFill/>
+              </a:ln>
+              <a:solidFill>
+                <a:srgbClr val="002060"/>
+              </a:solidFill>
+              <a:effectLst/>
+              <a:uLnTx/>
+              <a:uFillTx/>
+              <a:latin typeface="Calibri" panose="020F0502020204030204"/>
+              <a:ea typeface="+mn-ea"/>
+              <a:cs typeface="+mn-cs"/>
+            </a:endParaRPr>
+          </a:p>
+        </p:txBody>
+      </p:sp>
+      <p:pic>
+        <p:nvPicPr>
+          <p:cNvPr id="32" name="Picture 2">
+            <a:extLst>
+              <a:ext uri="{FF2B5EF4-FFF2-40B4-BE49-F238E27FC236}">
+                <a16:creationId xmlns:a16="http://schemas.microsoft.com/office/drawing/2014/main" id="{C331196E-41B2-4492-BF96-11C6FF8A24B1}"/>
+              </a:ext>
+            </a:extLst>
+          </p:cNvPr>
+          <p:cNvPicPr>
+            <a:picLocks noChangeAspect="1" noChangeArrowheads="1"/>
+          </p:cNvPicPr>
+          <p:nvPr/>
+        </p:nvPicPr>
+        <p:blipFill>
+          <a:blip r:embed="rId7">
+            <a:extLst>
+              <a:ext uri="{28A0092B-C50C-407E-A947-70E740481C1C}">
+                <a14:useLocalDpi xmlns:a14="http://schemas.microsoft.com/office/drawing/2010/main" val="0"/>
+              </a:ext>
+            </a:extLst>
+          </a:blip>
+          <a:srcRect/>
+          <a:stretch>
+            <a:fillRect/>
+          </a:stretch>
+        </p:blipFill>
+        <p:spPr bwMode="auto">
+          <a:xfrm>
+            <a:off x="10833906" y="56782"/>
+            <a:ext cx="1280160" cy="1280160"/>
+          </a:xfrm>
+          <a:prstGeom prst="rect">
+            <a:avLst/>
+          </a:prstGeom>
+          <a:noFill/>
+          <a:extLst>
+            <a:ext uri="{909E8E84-426E-40DD-AFC4-6F175D3DCCD1}">
+              <a14:hiddenFill xmlns:a14="http://schemas.microsoft.com/office/drawing/2010/main">
+                <a:solidFill>
+                  <a:srgbClr val="FFFFFF"/>
+                </a:solidFill>
+              </a14:hiddenFill>
+            </a:ext>
+          </a:extLst>
+        </p:spPr>
+      </p:pic>
+      <p:sp>
+        <p:nvSpPr>
+          <p:cNvPr id="20" name="TextBox 19">
+            <a:extLst>
+              <a:ext uri="{FF2B5EF4-FFF2-40B4-BE49-F238E27FC236}">
+                <a16:creationId xmlns:a16="http://schemas.microsoft.com/office/drawing/2014/main" id="{64A38818-751E-46AD-A8F6-E9E15957625E}"/>
+              </a:ext>
+            </a:extLst>
+          </p:cNvPr>
+          <p:cNvSpPr txBox="1"/>
+          <p:nvPr/>
+        </p:nvSpPr>
+        <p:spPr>
+          <a:xfrm>
+            <a:off x="3092614" y="3603981"/>
+            <a:ext cx="8803478" cy="1815882"/>
+          </a:xfrm>
+          <a:prstGeom prst="rect">
+            <a:avLst/>
+          </a:prstGeom>
+          <a:noFill/>
+        </p:spPr>
+        <p:txBody>
+          <a:bodyPr wrap="square" lIns="91440" tIns="45720" rIns="91440" bIns="45720" rtlCol="0" anchor="t">
+            <a:spAutoFit/>
+          </a:bodyPr>
+          <a:lstStyle/>
+          <a:p>
+            <a:pPr marL="0" marR="0" lvl="0" indent="0" algn="l" defTabSz="457200" rtl="0" eaLnBrk="1" fontAlgn="auto" latinLnBrk="0" hangingPunct="1">
+              <a:lnSpc>
+                <a:spcPct val="100000"/>
+              </a:lnSpc>
+              <a:spcBef>
+                <a:spcPts val="0"/>
+              </a:spcBef>
+              <a:spcAft>
+                <a:spcPts val="0"/>
+              </a:spcAft>
+              <a:buClrTx/>
+              <a:buSzTx/>
+              <a:buFontTx/>
+              <a:buNone/>
+              <a:tabLst/>
+              <a:defRPr/>
+            </a:pPr>
+            <a:r>
+              <a:rPr kumimoji="0" lang="en-US" sz="2400" b="0" i="0" u="none" strike="noStrike" kern="1200" cap="none" spc="0" normalizeH="0" baseline="0" noProof="0" dirty="0">
+                <a:ln>
+                  <a:noFill/>
+                </a:ln>
+                <a:solidFill>
+                  <a:srgbClr val="7030A0"/>
+                </a:solidFill>
+                <a:effectLst/>
+                <a:uLnTx/>
+                <a:uFillTx/>
+                <a:latin typeface="Verdana" panose="020B0604030504040204" pitchFamily="34" charset="0"/>
+                <a:ea typeface="Verdana" panose="020B0604030504040204" pitchFamily="34" charset="0"/>
+                <a:cs typeface="Calibri" panose="020F0502020204030204"/>
+              </a:rPr>
+              <a:t>C</a:t>
+            </a:r>
+            <a:r>
+              <a:rPr kumimoji="0" lang="en-US" sz="2400" b="0" i="0" u="none" strike="noStrike" kern="1200" cap="none" spc="0" normalizeH="0" baseline="0" noProof="0">
+                <a:ln>
+                  <a:noFill/>
+                </a:ln>
+                <a:solidFill>
+                  <a:srgbClr val="7030A0"/>
+                </a:solidFill>
+                <a:effectLst/>
+                <a:uLnTx/>
+                <a:uFillTx/>
+                <a:latin typeface="Verdana" panose="020B0604030504040204" pitchFamily="34" charset="0"/>
+                <a:ea typeface="Verdana" panose="020B0604030504040204" pitchFamily="34" charset="0"/>
+                <a:cs typeface="Calibri" panose="020F0502020204030204"/>
+              </a:rPr>
+              <a:t># .NET 6 AWS </a:t>
+            </a:r>
+            <a:r>
+              <a:rPr kumimoji="0" lang="en-US" sz="2400" b="0" i="0" u="none" strike="noStrike" kern="1200" cap="none" spc="0" normalizeH="0" baseline="0" noProof="0" dirty="0">
+                <a:ln>
+                  <a:noFill/>
+                </a:ln>
+                <a:solidFill>
+                  <a:srgbClr val="7030A0"/>
+                </a:solidFill>
+                <a:effectLst/>
+                <a:uLnTx/>
+                <a:uFillTx/>
+                <a:latin typeface="Verdana" panose="020B0604030504040204" pitchFamily="34" charset="0"/>
+                <a:ea typeface="Verdana" panose="020B0604030504040204" pitchFamily="34" charset="0"/>
+                <a:cs typeface="Calibri" panose="020F0502020204030204"/>
+              </a:rPr>
+              <a:t>- Getting Started With </a:t>
+            </a:r>
+            <a:r>
+              <a:rPr kumimoji="0" lang="en-US" sz="2400" b="0" i="0" u="none" strike="noStrike" kern="1200" cap="none" spc="0" normalizeH="0" baseline="0" noProof="0" dirty="0" err="1">
+                <a:ln>
+                  <a:noFill/>
+                </a:ln>
+                <a:solidFill>
+                  <a:srgbClr val="7030A0"/>
+                </a:solidFill>
+                <a:effectLst/>
+                <a:uLnTx/>
+                <a:uFillTx/>
+                <a:latin typeface="Verdana" panose="020B0604030504040204" pitchFamily="34" charset="0"/>
+                <a:ea typeface="Verdana" panose="020B0604030504040204" pitchFamily="34" charset="0"/>
+                <a:cs typeface="Calibri" panose="020F0502020204030204"/>
+              </a:rPr>
+              <a:t>Fargate</a:t>
+            </a:r>
+            <a:r>
+              <a:rPr kumimoji="0" lang="en-US" sz="2400" b="0" i="0" u="none" strike="noStrike" kern="1200" cap="none" spc="0" normalizeH="0" baseline="0" noProof="0" dirty="0">
+                <a:ln>
+                  <a:noFill/>
+                </a:ln>
+                <a:solidFill>
+                  <a:srgbClr val="7030A0"/>
+                </a:solidFill>
+                <a:effectLst/>
+                <a:uLnTx/>
+                <a:uFillTx/>
+                <a:latin typeface="Verdana" panose="020B0604030504040204" pitchFamily="34" charset="0"/>
+                <a:ea typeface="Verdana" panose="020B0604030504040204" pitchFamily="34" charset="0"/>
+                <a:cs typeface="Calibri" panose="020F0502020204030204"/>
+              </a:rPr>
+              <a:t> and ECS</a:t>
+            </a:r>
+            <a:endParaRPr kumimoji="0" lang="en-US" sz="3200" b="0" i="0" u="none" strike="noStrike" kern="1200" cap="none" spc="0" normalizeH="0" baseline="0" noProof="0" dirty="0">
+              <a:ln>
+                <a:noFill/>
+              </a:ln>
+              <a:solidFill>
+                <a:srgbClr val="7030A0"/>
+              </a:solidFill>
+              <a:effectLst/>
+              <a:uLnTx/>
+              <a:uFillTx/>
+              <a:latin typeface="Verdana" panose="020B0604030504040204" pitchFamily="34" charset="0"/>
+              <a:ea typeface="Verdana" panose="020B0604030504040204" pitchFamily="34" charset="0"/>
+              <a:cs typeface="Calibri" panose="020F0502020204030204"/>
+            </a:endParaRPr>
+          </a:p>
+          <a:p>
+            <a:pPr marL="0" marR="0" lvl="0" indent="0" algn="l" defTabSz="457200" rtl="0" eaLnBrk="1" fontAlgn="auto" latinLnBrk="0" hangingPunct="1">
+              <a:lnSpc>
+                <a:spcPct val="100000"/>
+              </a:lnSpc>
+              <a:spcBef>
+                <a:spcPts val="0"/>
+              </a:spcBef>
+              <a:spcAft>
+                <a:spcPts val="0"/>
+              </a:spcAft>
+              <a:buClrTx/>
+              <a:buSzTx/>
+              <a:buFontTx/>
+              <a:buNone/>
+              <a:tabLst/>
+              <a:defRPr/>
+            </a:pPr>
+            <a:endParaRPr kumimoji="0" lang="en-US" sz="3200" b="0" i="0" u="none" strike="noStrike" kern="1200" cap="none" spc="0" normalizeH="0" baseline="0" noProof="0" dirty="0">
+              <a:ln>
+                <a:noFill/>
+              </a:ln>
+              <a:solidFill>
+                <a:srgbClr val="7030A0"/>
+              </a:solidFill>
+              <a:effectLst/>
+              <a:uLnTx/>
+              <a:uFillTx/>
+              <a:latin typeface="Verdana" panose="020B0604030504040204" pitchFamily="34" charset="0"/>
+              <a:ea typeface="Verdana" panose="020B0604030504040204" pitchFamily="34" charset="0"/>
+              <a:cs typeface="Calibri" panose="020F0502020204030204"/>
+            </a:endParaRPr>
+          </a:p>
+          <a:p>
+            <a:pPr marL="0" marR="0" lvl="0" indent="0" algn="l" defTabSz="457200" rtl="0" eaLnBrk="1" fontAlgn="auto" latinLnBrk="0" hangingPunct="1">
+              <a:lnSpc>
+                <a:spcPct val="100000"/>
+              </a:lnSpc>
+              <a:spcBef>
+                <a:spcPts val="0"/>
+              </a:spcBef>
+              <a:spcAft>
+                <a:spcPts val="0"/>
+              </a:spcAft>
+              <a:buClrTx/>
+              <a:buSzTx/>
+              <a:buFontTx/>
+              <a:buNone/>
+              <a:tabLst/>
+              <a:defRPr/>
+            </a:pPr>
+            <a:endParaRPr kumimoji="0" lang="en-US" sz="1600" b="0" i="0" u="none" strike="noStrike" kern="1200" cap="none" spc="0" normalizeH="0" baseline="0" noProof="0" dirty="0">
+              <a:ln>
+                <a:noFill/>
+              </a:ln>
+              <a:solidFill>
+                <a:srgbClr val="7030A0"/>
+              </a:solidFill>
+              <a:effectLst/>
+              <a:uLnTx/>
+              <a:uFillTx/>
+              <a:latin typeface="Verdana" panose="020B0604030504040204" pitchFamily="34" charset="0"/>
+              <a:ea typeface="Verdana" panose="020B0604030504040204" pitchFamily="34" charset="0"/>
+              <a:cs typeface="Calibri" panose="020F0502020204030204"/>
+            </a:endParaRPr>
+          </a:p>
+          <a:p>
+            <a:pPr marL="0" marR="0" lvl="0" indent="0" algn="l" defTabSz="457200" rtl="0" eaLnBrk="1" fontAlgn="auto" latinLnBrk="0" hangingPunct="1">
+              <a:lnSpc>
+                <a:spcPct val="100000"/>
+              </a:lnSpc>
+              <a:spcBef>
+                <a:spcPts val="0"/>
+              </a:spcBef>
+              <a:spcAft>
+                <a:spcPts val="0"/>
+              </a:spcAft>
+              <a:buClrTx/>
+              <a:buSzTx/>
+              <a:buFontTx/>
+              <a:buNone/>
+              <a:tabLst/>
+              <a:defRPr/>
+            </a:pPr>
+            <a:r>
+              <a:rPr kumimoji="0" lang="en-US" sz="2000" b="0" i="0" u="none" strike="noStrike" kern="1200" cap="none" spc="0" normalizeH="0" baseline="0" noProof="0" dirty="0">
+                <a:ln>
+                  <a:noFill/>
+                </a:ln>
+                <a:solidFill>
+                  <a:srgbClr val="7030A0"/>
+                </a:solidFill>
+                <a:effectLst/>
+                <a:uLnTx/>
+                <a:uFillTx/>
+                <a:latin typeface="Verdana" panose="020B0604030504040204" pitchFamily="34" charset="0"/>
+                <a:ea typeface="Verdana" panose="020B0604030504040204" pitchFamily="34" charset="0"/>
+                <a:cs typeface="Calibri" panose="020F0502020204030204"/>
+              </a:rPr>
+              <a:t>Viswanatha Swamy</a:t>
+            </a:r>
+          </a:p>
+          <a:p>
+            <a:pPr marL="0" marR="0" lvl="0" indent="0" algn="l" defTabSz="457200" rtl="0" eaLnBrk="1" fontAlgn="auto" latinLnBrk="0" hangingPunct="1">
+              <a:lnSpc>
+                <a:spcPct val="100000"/>
+              </a:lnSpc>
+              <a:spcBef>
+                <a:spcPts val="0"/>
+              </a:spcBef>
+              <a:spcAft>
+                <a:spcPts val="0"/>
+              </a:spcAft>
+              <a:buClrTx/>
+              <a:buSzTx/>
+              <a:buFontTx/>
+              <a:buNone/>
+              <a:tabLst/>
+              <a:defRPr/>
+            </a:pPr>
+            <a:r>
+              <a:rPr kumimoji="0" lang="en-US" sz="2000" b="0" i="0" u="none" strike="noStrike" kern="1200" cap="none" spc="0" normalizeH="0" baseline="0" noProof="0" dirty="0">
+                <a:ln>
+                  <a:noFill/>
+                </a:ln>
+                <a:solidFill>
+                  <a:srgbClr val="002060"/>
+                </a:solidFill>
+                <a:effectLst/>
+                <a:uLnTx/>
+                <a:uFillTx/>
+                <a:latin typeface="Verdana" panose="020B0604030504040204" pitchFamily="34" charset="0"/>
+                <a:ea typeface="Verdana" panose="020B0604030504040204" pitchFamily="34" charset="0"/>
+                <a:cs typeface="Calibri" panose="020F0502020204030204"/>
+              </a:rPr>
+              <a:t>Associate Architect - AIS</a:t>
+            </a:r>
+            <a:endParaRPr kumimoji="0" lang="en-US" sz="2000" b="1" i="0" u="none" strike="noStrike" kern="1200" cap="none" spc="0" normalizeH="0" baseline="0" noProof="0" dirty="0">
+              <a:ln>
+                <a:noFill/>
+              </a:ln>
+              <a:solidFill>
+                <a:srgbClr val="002060"/>
+              </a:solidFill>
+              <a:effectLst/>
+              <a:uLnTx/>
+              <a:uFillTx/>
+              <a:latin typeface="Verdana" panose="020B0604030504040204" pitchFamily="34" charset="0"/>
+              <a:ea typeface="Verdana" panose="020B0604030504040204" pitchFamily="34" charset="0"/>
+              <a:cs typeface="Calibri"/>
+            </a:endParaRPr>
+          </a:p>
+        </p:txBody>
+      </p:sp>
+      <p:pic>
+        <p:nvPicPr>
+          <p:cNvPr id="19" name="Picture 18">
+            <a:extLst>
+              <a:ext uri="{FF2B5EF4-FFF2-40B4-BE49-F238E27FC236}">
+                <a16:creationId xmlns:a16="http://schemas.microsoft.com/office/drawing/2014/main" id="{4B0E30A8-2FBF-4CE9-AAD3-AD0861C6BF1F}"/>
+              </a:ext>
+            </a:extLst>
+          </p:cNvPr>
+          <p:cNvPicPr>
+            <a:picLocks noChangeAspect="1"/>
+          </p:cNvPicPr>
+          <p:nvPr/>
+        </p:nvPicPr>
+        <p:blipFill>
+          <a:blip r:embed="rId8">
+            <a:extLst>
+              <a:ext uri="{28A0092B-C50C-407E-A947-70E740481C1C}">
+                <a14:useLocalDpi xmlns:a14="http://schemas.microsoft.com/office/drawing/2010/main" val="0"/>
+              </a:ext>
+            </a:extLst>
+          </a:blip>
+          <a:stretch>
+            <a:fillRect/>
+          </a:stretch>
+        </p:blipFill>
+        <p:spPr>
+          <a:xfrm>
+            <a:off x="295908" y="3192707"/>
+            <a:ext cx="2584800" cy="2584800"/>
+          </a:xfrm>
+          <a:prstGeom prst="ellipse">
+            <a:avLst/>
+          </a:prstGeom>
+          <a:ln w="38100" cap="rnd">
+            <a:solidFill>
+              <a:srgbClr val="9900CC"/>
+            </a:solidFill>
+          </a:ln>
+          <a:effectLst/>
+          <a:scene3d>
+            <a:camera prst="orthographicFront"/>
+            <a:lightRig rig="contrasting" dir="t">
+              <a:rot lat="0" lon="0" rev="3000000"/>
+            </a:lightRig>
+          </a:scene3d>
+          <a:sp3d contourW="7620">
+            <a:bevelT w="95250" h="31750"/>
+            <a:contourClr>
+              <a:srgbClr val="333333"/>
+            </a:contourClr>
+          </a:sp3d>
+        </p:spPr>
+      </p:pic>
+    </p:spTree>
+    <p:extLst>
+      <p:ext uri="{BB962C8B-B14F-4D97-AF65-F5344CB8AC3E}">
+        <p14:creationId xmlns:p14="http://schemas.microsoft.com/office/powerpoint/2010/main" val="749884841"/>
+      </p:ext>
+    </p:extLst>
+  </p:cSld>
+  <p:clrMapOvr>
+    <a:masterClrMapping/>
+  </p:clrMapOvr>
+</p:sld>
+</file>
+
+<file path=ppt/slides/slide30.xml><?xml version="1.0" encoding="utf-8"?>
+<p:sld xmlns:a="http://schemas.openxmlformats.org/drawingml/2006/main" xmlns:r="http://schemas.openxmlformats.org/officeDocument/2006/relationships" xmlns:p="http://schemas.openxmlformats.org/presentationml/2006/main">
+  <p:cSld>
+    <p:spTree>
+      <p:nvGrpSpPr>
+        <p:cNvPr id="1" name=""/>
+        <p:cNvGrpSpPr/>
+        <p:nvPr/>
+      </p:nvGrpSpPr>
+      <p:grpSpPr>
+        <a:xfrm>
+          <a:off x="0" y="0"/>
+          <a:ext cx="0" cy="0"/>
+          <a:chOff x="0" y="0"/>
+          <a:chExt cx="0" cy="0"/>
+        </a:xfrm>
+      </p:grpSpPr>
+      <p:sp>
+        <p:nvSpPr>
+          <p:cNvPr id="4" name="Rectangle 3">
+            <a:extLst>
+              <a:ext uri="{FF2B5EF4-FFF2-40B4-BE49-F238E27FC236}">
+                <a16:creationId xmlns:a16="http://schemas.microsoft.com/office/drawing/2014/main" id="{055C22F7-3FD1-4C1B-8D0C-0C2F7FB61DBE}"/>
+              </a:ext>
+            </a:extLst>
+          </p:cNvPr>
+          <p:cNvSpPr/>
+          <p:nvPr/>
+        </p:nvSpPr>
+        <p:spPr>
+          <a:xfrm>
+            <a:off x="0" y="8878"/>
+            <a:ext cx="12183122" cy="497150"/>
+          </a:xfrm>
+          <a:prstGeom prst="rect">
+            <a:avLst/>
+          </a:prstGeom>
+          <a:solidFill>
+            <a:srgbClr val="0070C0"/>
+          </a:solidFill>
+        </p:spPr>
+        <p:style>
+          <a:lnRef idx="2">
+            <a:schemeClr val="accent1">
+              <a:shade val="50000"/>
+            </a:schemeClr>
+          </a:lnRef>
+          <a:fillRef idx="1">
+            <a:schemeClr val="accent1"/>
+          </a:fillRef>
+          <a:effectRef idx="0">
+            <a:schemeClr val="accent1"/>
+          </a:effectRef>
+          <a:fontRef idx="minor">
+            <a:schemeClr val="lt1"/>
+          </a:fontRef>
+        </p:style>
+        <p:txBody>
+          <a:bodyPr rtlCol="0" anchor="ctr"/>
+          <a:lstStyle/>
+          <a:p>
+            <a:pPr algn="ctr"/>
+            <a:endParaRPr lang="en-IN" dirty="0">
+              <a:latin typeface="Verdana" panose="020B0604030504040204" pitchFamily="34" charset="0"/>
+              <a:ea typeface="Verdana" panose="020B0604030504040204" pitchFamily="34" charset="0"/>
+            </a:endParaRPr>
+          </a:p>
+        </p:txBody>
+      </p:sp>
+      <p:sp>
+        <p:nvSpPr>
+          <p:cNvPr id="7" name="Rectangle 6">
+            <a:extLst>
+              <a:ext uri="{FF2B5EF4-FFF2-40B4-BE49-F238E27FC236}">
+                <a16:creationId xmlns:a16="http://schemas.microsoft.com/office/drawing/2014/main" id="{B10720DE-FD2A-4FE5-B9FB-74854D01A659}"/>
+              </a:ext>
+            </a:extLst>
+          </p:cNvPr>
+          <p:cNvSpPr/>
+          <p:nvPr/>
+        </p:nvSpPr>
+        <p:spPr>
+          <a:xfrm>
+            <a:off x="0" y="6383046"/>
+            <a:ext cx="12183122" cy="57703"/>
+          </a:xfrm>
+          <a:prstGeom prst="rect">
+            <a:avLst/>
+          </a:prstGeom>
+          <a:solidFill>
+            <a:srgbClr val="0070C0"/>
+          </a:solidFill>
+        </p:spPr>
+        <p:style>
+          <a:lnRef idx="2">
+            <a:schemeClr val="accent1">
+              <a:shade val="50000"/>
+            </a:schemeClr>
+          </a:lnRef>
+          <a:fillRef idx="1">
+            <a:schemeClr val="accent1"/>
+          </a:fillRef>
+          <a:effectRef idx="0">
+            <a:schemeClr val="accent1"/>
+          </a:effectRef>
+          <a:fontRef idx="minor">
+            <a:schemeClr val="lt1"/>
+          </a:fontRef>
+        </p:style>
+        <p:txBody>
+          <a:bodyPr rtlCol="0" anchor="ctr"/>
+          <a:lstStyle/>
+          <a:p>
+            <a:pPr algn="ctr"/>
+            <a:endParaRPr lang="en-IN" sz="1000" dirty="0">
+              <a:latin typeface="Verdana" panose="020B0604030504040204" pitchFamily="34" charset="0"/>
+              <a:ea typeface="Verdana" panose="020B0604030504040204" pitchFamily="34" charset="0"/>
+            </a:endParaRPr>
+          </a:p>
+        </p:txBody>
+      </p:sp>
+      <p:sp>
+        <p:nvSpPr>
+          <p:cNvPr id="8" name="Footer Placeholder 7">
+            <a:extLst>
+              <a:ext uri="{FF2B5EF4-FFF2-40B4-BE49-F238E27FC236}">
+                <a16:creationId xmlns:a16="http://schemas.microsoft.com/office/drawing/2014/main" id="{DD2A19CA-EC18-432D-8F8F-17079808F38B}"/>
+              </a:ext>
+            </a:extLst>
+          </p:cNvPr>
+          <p:cNvSpPr>
+            <a:spLocks noGrp="1"/>
+          </p:cNvSpPr>
+          <p:nvPr>
+            <p:ph type="ftr" sz="quarter" idx="11"/>
+          </p:nvPr>
+        </p:nvSpPr>
+        <p:spPr>
+          <a:xfrm>
+            <a:off x="4038600" y="6427374"/>
+            <a:ext cx="4114800" cy="365125"/>
+          </a:xfrm>
+        </p:spPr>
+        <p:txBody>
+          <a:bodyPr/>
+          <a:lstStyle/>
+          <a:p>
+            <a:r>
+              <a:rPr lang="en-IN" b="1" dirty="0">
+                <a:solidFill>
+                  <a:srgbClr val="002060"/>
+                </a:solidFill>
+                <a:latin typeface="Verdana" panose="020B0604030504040204" pitchFamily="34" charset="0"/>
+                <a:ea typeface="Verdana" panose="020B0604030504040204" pitchFamily="34" charset="0"/>
+              </a:rPr>
+              <a:t>26-Dec-2020</a:t>
+            </a:r>
+          </a:p>
+        </p:txBody>
+      </p:sp>
+      <p:sp>
+        <p:nvSpPr>
+          <p:cNvPr id="9" name="Slide Number Placeholder 8">
+            <a:extLst>
+              <a:ext uri="{FF2B5EF4-FFF2-40B4-BE49-F238E27FC236}">
+                <a16:creationId xmlns:a16="http://schemas.microsoft.com/office/drawing/2014/main" id="{8162625C-0B1F-42E0-BE7C-D99A08FED7A3}"/>
+              </a:ext>
+            </a:extLst>
+          </p:cNvPr>
+          <p:cNvSpPr>
+            <a:spLocks noGrp="1"/>
+          </p:cNvSpPr>
+          <p:nvPr>
+            <p:ph type="sldNum" sz="quarter" idx="12"/>
+          </p:nvPr>
+        </p:nvSpPr>
+        <p:spPr>
+          <a:xfrm>
+            <a:off x="8610600" y="6427374"/>
+            <a:ext cx="2743200" cy="365125"/>
+          </a:xfrm>
+        </p:spPr>
+        <p:txBody>
+          <a:bodyPr/>
+          <a:lstStyle/>
+          <a:p>
+            <a:fld id="{30AF63FB-5233-4811-A918-B572E3A55817}" type="slidenum">
+              <a:rPr lang="en-IN" b="1" smtClean="0">
+                <a:solidFill>
+                  <a:srgbClr val="002060"/>
+                </a:solidFill>
+                <a:latin typeface="Verdana" panose="020B0604030504040204" pitchFamily="34" charset="0"/>
+                <a:ea typeface="Verdana" panose="020B0604030504040204" pitchFamily="34" charset="0"/>
+              </a:rPr>
+              <a:t>30</a:t>
+            </a:fld>
+            <a:endParaRPr lang="en-IN" b="1" dirty="0">
+              <a:solidFill>
+                <a:srgbClr val="002060"/>
+              </a:solidFill>
+              <a:latin typeface="Verdana" panose="020B0604030504040204" pitchFamily="34" charset="0"/>
+              <a:ea typeface="Verdana" panose="020B0604030504040204" pitchFamily="34" charset="0"/>
+            </a:endParaRPr>
+          </a:p>
+        </p:txBody>
+      </p:sp>
+      <p:sp>
+        <p:nvSpPr>
+          <p:cNvPr id="12" name="Footer Placeholder 7">
+            <a:extLst>
+              <a:ext uri="{FF2B5EF4-FFF2-40B4-BE49-F238E27FC236}">
+                <a16:creationId xmlns:a16="http://schemas.microsoft.com/office/drawing/2014/main" id="{64C57949-E349-47D3-A505-A098233AF49D}"/>
+              </a:ext>
+            </a:extLst>
+          </p:cNvPr>
+          <p:cNvSpPr txBox="1">
+            <a:spLocks/>
+          </p:cNvSpPr>
+          <p:nvPr/>
+        </p:nvSpPr>
+        <p:spPr>
+          <a:xfrm>
+            <a:off x="133897" y="6428848"/>
+            <a:ext cx="4114800" cy="365125"/>
+          </a:xfrm>
+          <a:prstGeom prst="rect">
+            <a:avLst/>
+          </a:prstGeom>
+        </p:spPr>
+        <p:txBody>
+          <a:bodyPr vert="horz" lIns="91440" tIns="45720" rIns="91440" bIns="45720" rtlCol="0" anchor="ctr"/>
+          <a:lstStyle>
+            <a:defPPr>
+              <a:defRPr lang="en-US"/>
+            </a:defPPr>
+            <a:lvl1pPr marL="0" algn="ctr" defTabSz="914400" rtl="0" eaLnBrk="1" latinLnBrk="0" hangingPunct="1">
+              <a:defRPr sz="1200" kern="1200">
+                <a:solidFill>
+                  <a:schemeClr val="tx1">
+                    <a:tint val="75000"/>
+                  </a:schemeClr>
+                </a:solidFill>
+                <a:latin typeface="+mn-lt"/>
+                <a:ea typeface="+mn-ea"/>
+                <a:cs typeface="+mn-cs"/>
+              </a:defRPr>
+            </a:lvl1pPr>
+            <a:lvl2pPr marL="457200" algn="l" defTabSz="914400" rtl="0" eaLnBrk="1" latinLnBrk="0" hangingPunct="1">
+              <a:defRPr sz="1800" kern="1200">
+                <a:solidFill>
+                  <a:schemeClr val="tx1"/>
+                </a:solidFill>
+                <a:latin typeface="+mn-lt"/>
+                <a:ea typeface="+mn-ea"/>
+                <a:cs typeface="+mn-cs"/>
+              </a:defRPr>
+            </a:lvl2pPr>
+            <a:lvl3pPr marL="914400" algn="l" defTabSz="914400" rtl="0" eaLnBrk="1" latinLnBrk="0" hangingPunct="1">
+              <a:defRPr sz="1800" kern="1200">
+                <a:solidFill>
+                  <a:schemeClr val="tx1"/>
+                </a:solidFill>
+                <a:latin typeface="+mn-lt"/>
+                <a:ea typeface="+mn-ea"/>
+                <a:cs typeface="+mn-cs"/>
+              </a:defRPr>
+            </a:lvl3pPr>
+            <a:lvl4pPr marL="1371600" algn="l" defTabSz="914400" rtl="0" eaLnBrk="1" latinLnBrk="0" hangingPunct="1">
+              <a:defRPr sz="1800" kern="1200">
+                <a:solidFill>
+                  <a:schemeClr val="tx1"/>
+                </a:solidFill>
+                <a:latin typeface="+mn-lt"/>
+                <a:ea typeface="+mn-ea"/>
+                <a:cs typeface="+mn-cs"/>
+              </a:defRPr>
+            </a:lvl4pPr>
+            <a:lvl5pPr marL="1828800" algn="l" defTabSz="914400" rtl="0" eaLnBrk="1" latinLnBrk="0" hangingPunct="1">
+              <a:defRPr sz="1800" kern="1200">
+                <a:solidFill>
+                  <a:schemeClr val="tx1"/>
+                </a:solidFill>
+                <a:latin typeface="+mn-lt"/>
+                <a:ea typeface="+mn-ea"/>
+                <a:cs typeface="+mn-cs"/>
+              </a:defRPr>
+            </a:lvl5pPr>
+            <a:lvl6pPr marL="2286000" algn="l" defTabSz="914400" rtl="0" eaLnBrk="1" latinLnBrk="0" hangingPunct="1">
+              <a:defRPr sz="1800" kern="1200">
+                <a:solidFill>
+                  <a:schemeClr val="tx1"/>
+                </a:solidFill>
+                <a:latin typeface="+mn-lt"/>
+                <a:ea typeface="+mn-ea"/>
+                <a:cs typeface="+mn-cs"/>
+              </a:defRPr>
+            </a:lvl6pPr>
+            <a:lvl7pPr marL="2743200" algn="l" defTabSz="914400" rtl="0" eaLnBrk="1" latinLnBrk="0" hangingPunct="1">
+              <a:defRPr sz="1800" kern="1200">
+                <a:solidFill>
+                  <a:schemeClr val="tx1"/>
+                </a:solidFill>
+                <a:latin typeface="+mn-lt"/>
+                <a:ea typeface="+mn-ea"/>
+                <a:cs typeface="+mn-cs"/>
+              </a:defRPr>
+            </a:lvl7pPr>
+            <a:lvl8pPr marL="3200400" algn="l" defTabSz="914400" rtl="0" eaLnBrk="1" latinLnBrk="0" hangingPunct="1">
+              <a:defRPr sz="1800" kern="1200">
+                <a:solidFill>
+                  <a:schemeClr val="tx1"/>
+                </a:solidFill>
+                <a:latin typeface="+mn-lt"/>
+                <a:ea typeface="+mn-ea"/>
+                <a:cs typeface="+mn-cs"/>
+              </a:defRPr>
+            </a:lvl8pPr>
+            <a:lvl9pPr marL="3657600" algn="l" defTabSz="914400" rtl="0" eaLnBrk="1" latinLnBrk="0" hangingPunct="1">
+              <a:defRPr sz="1800" kern="1200">
+                <a:solidFill>
+                  <a:schemeClr val="tx1"/>
+                </a:solidFill>
+                <a:latin typeface="+mn-lt"/>
+                <a:ea typeface="+mn-ea"/>
+                <a:cs typeface="+mn-cs"/>
+              </a:defRPr>
+            </a:lvl9pPr>
+          </a:lstStyle>
+          <a:p>
+            <a:r>
+              <a:rPr lang="en-IN" b="1" dirty="0">
+                <a:solidFill>
+                  <a:srgbClr val="002060"/>
+                </a:solidFill>
+                <a:latin typeface="Verdana" panose="020B0604030504040204" pitchFamily="34" charset="0"/>
+                <a:ea typeface="Verdana" panose="020B0604030504040204" pitchFamily="34" charset="0"/>
+              </a:rPr>
+              <a:t>Dot Net Learners House</a:t>
+            </a:r>
+          </a:p>
+        </p:txBody>
+      </p:sp>
+      <p:sp>
+        <p:nvSpPr>
+          <p:cNvPr id="2" name="Rectangle 1">
+            <a:extLst>
+              <a:ext uri="{FF2B5EF4-FFF2-40B4-BE49-F238E27FC236}">
+                <a16:creationId xmlns:a16="http://schemas.microsoft.com/office/drawing/2014/main" id="{EB5F28B2-B9BB-4801-B1DE-9A44957A910C}"/>
+              </a:ext>
+            </a:extLst>
+          </p:cNvPr>
+          <p:cNvSpPr/>
+          <p:nvPr/>
+        </p:nvSpPr>
+        <p:spPr>
+          <a:xfrm>
+            <a:off x="523906" y="1724460"/>
+            <a:ext cx="11108682" cy="3154710"/>
+          </a:xfrm>
+          <a:prstGeom prst="rect">
+            <a:avLst/>
+          </a:prstGeom>
+          <a:noFill/>
+        </p:spPr>
+        <p:txBody>
+          <a:bodyPr wrap="none" lIns="91440" tIns="45720" rIns="91440" bIns="45720">
+            <a:spAutoFit/>
+          </a:bodyPr>
+          <a:lstStyle/>
+          <a:p>
+            <a:pPr algn="ctr"/>
+            <a:r>
+              <a:rPr lang="en-US" sz="19900" b="1" cap="none" spc="0" dirty="0">
+                <a:ln w="9525">
+                  <a:solidFill>
+                    <a:schemeClr val="bg1"/>
+                  </a:solidFill>
+                  <a:prstDash val="solid"/>
+                </a:ln>
+                <a:solidFill>
+                  <a:schemeClr val="accent5"/>
+                </a:solidFill>
+                <a:effectLst>
+                  <a:outerShdw blurRad="12700" dist="38100" dir="2700000" algn="tl" rotWithShape="0">
+                    <a:schemeClr val="accent5">
+                      <a:lumMod val="60000"/>
+                      <a:lumOff val="40000"/>
+                    </a:schemeClr>
+                  </a:outerShdw>
+                </a:effectLst>
+              </a:rPr>
+              <a:t>Thank You</a:t>
+            </a:r>
+          </a:p>
+        </p:txBody>
+      </p:sp>
+      <p:sp>
+        <p:nvSpPr>
+          <p:cNvPr id="11" name="TextBox 10">
+            <a:extLst>
+              <a:ext uri="{FF2B5EF4-FFF2-40B4-BE49-F238E27FC236}">
+                <a16:creationId xmlns:a16="http://schemas.microsoft.com/office/drawing/2014/main" id="{318C71F3-B9B8-4A6F-B98F-C3AFA20E71E5}"/>
+              </a:ext>
+            </a:extLst>
+          </p:cNvPr>
+          <p:cNvSpPr txBox="1"/>
+          <p:nvPr/>
+        </p:nvSpPr>
+        <p:spPr>
+          <a:xfrm>
+            <a:off x="6336049" y="5474812"/>
+            <a:ext cx="5766707" cy="738664"/>
+          </a:xfrm>
+          <a:prstGeom prst="rect">
+            <a:avLst/>
+          </a:prstGeom>
+          <a:solidFill>
+            <a:schemeClr val="accent5">
+              <a:lumMod val="20000"/>
+              <a:lumOff val="80000"/>
+            </a:schemeClr>
+          </a:solidFill>
+          <a:ln w="12700">
+            <a:solidFill>
+              <a:srgbClr val="0070C0"/>
+            </a:solidFill>
+          </a:ln>
+        </p:spPr>
+        <p:txBody>
+          <a:bodyPr wrap="none" rtlCol="0">
+            <a:spAutoFit/>
+          </a:bodyPr>
+          <a:lstStyle/>
+          <a:p>
+            <a:r>
+              <a:rPr lang="en-US" dirty="0">
+                <a:solidFill>
+                  <a:srgbClr val="002060"/>
+                </a:solidFill>
+                <a:latin typeface="Verdana" panose="020B0604030504040204" pitchFamily="34" charset="0"/>
+                <a:ea typeface="Verdana" panose="020B0604030504040204" pitchFamily="34" charset="0"/>
+              </a:rPr>
+              <a:t>Viswanatha Swamy</a:t>
+            </a:r>
+          </a:p>
+          <a:p>
+            <a:r>
+              <a:rPr lang="en-US" sz="1200" dirty="0">
+                <a:solidFill>
+                  <a:srgbClr val="0070C0"/>
+                </a:solidFill>
+                <a:latin typeface="Verdana" panose="020B0604030504040204" pitchFamily="34" charset="0"/>
+                <a:ea typeface="Verdana" panose="020B0604030504040204" pitchFamily="34" charset="0"/>
+              </a:rPr>
+              <a:t>LinkedIn:</a:t>
+            </a:r>
+            <a:r>
+              <a:rPr lang="en-US" sz="1200" dirty="0">
+                <a:solidFill>
+                  <a:srgbClr val="00B0F0"/>
+                </a:solidFill>
+                <a:latin typeface="Verdana" panose="020B0604030504040204" pitchFamily="34" charset="0"/>
+                <a:ea typeface="Verdana" panose="020B0604030504040204" pitchFamily="34" charset="0"/>
+              </a:rPr>
+              <a:t> </a:t>
+            </a:r>
+            <a:r>
+              <a:rPr lang="en-IN" sz="1200" dirty="0">
+                <a:solidFill>
+                  <a:srgbClr val="00B0F0"/>
+                </a:solidFill>
+                <a:latin typeface="Verdana" panose="020B0604030504040204" pitchFamily="34" charset="0"/>
+                <a:ea typeface="Verdana" panose="020B0604030504040204" pitchFamily="34" charset="0"/>
+                <a:hlinkClick r:id="rId2">
+                  <a:extLst>
+                    <a:ext uri="{A12FA001-AC4F-418D-AE19-62706E023703}">
+                      <ahyp:hlinkClr xmlns:ahyp="http://schemas.microsoft.com/office/drawing/2018/hyperlinkcolor" val="tx"/>
+                    </a:ext>
+                  </a:extLst>
+                </a:hlinkClick>
+              </a:rPr>
+              <a:t>https://www.linkedin.com/in/viswanatha-swamy-b57326128/</a:t>
+            </a:r>
+            <a:endParaRPr lang="en-US" sz="1200" dirty="0">
+              <a:solidFill>
+                <a:srgbClr val="00B0F0"/>
+              </a:solidFill>
+              <a:latin typeface="Verdana" panose="020B0604030504040204" pitchFamily="34" charset="0"/>
+              <a:ea typeface="Verdana" panose="020B0604030504040204" pitchFamily="34" charset="0"/>
+            </a:endParaRPr>
+          </a:p>
+          <a:p>
+            <a:r>
+              <a:rPr lang="en-US" sz="1200" dirty="0">
+                <a:solidFill>
+                  <a:srgbClr val="0070C0"/>
+                </a:solidFill>
+                <a:latin typeface="Verdana" panose="020B0604030504040204" pitchFamily="34" charset="0"/>
+                <a:ea typeface="Verdana" panose="020B0604030504040204" pitchFamily="34" charset="0"/>
+              </a:rPr>
+              <a:t>Twitter:</a:t>
+            </a:r>
+            <a:r>
+              <a:rPr lang="en-US" sz="1200" dirty="0">
+                <a:solidFill>
+                  <a:srgbClr val="00B0F0"/>
+                </a:solidFill>
+                <a:latin typeface="Verdana" panose="020B0604030504040204" pitchFamily="34" charset="0"/>
+                <a:ea typeface="Verdana" panose="020B0604030504040204" pitchFamily="34" charset="0"/>
+              </a:rPr>
+              <a:t> </a:t>
+            </a:r>
+            <a:r>
+              <a:rPr lang="en-IN" sz="1200" dirty="0">
+                <a:solidFill>
+                  <a:srgbClr val="00B0F0"/>
+                </a:solidFill>
+                <a:latin typeface="Verdana" panose="020B0604030504040204" pitchFamily="34" charset="0"/>
+                <a:ea typeface="Verdana" panose="020B0604030504040204" pitchFamily="34" charset="0"/>
+                <a:hlinkClick r:id="rId3">
+                  <a:extLst>
+                    <a:ext uri="{A12FA001-AC4F-418D-AE19-62706E023703}">
+                      <ahyp:hlinkClr xmlns:ahyp="http://schemas.microsoft.com/office/drawing/2018/hyperlinkcolor" val="tx"/>
+                    </a:ext>
+                  </a:extLst>
+                </a:hlinkClick>
+              </a:rPr>
+              <a:t>https://twitter.com</a:t>
+            </a:r>
+            <a:r>
+              <a:rPr lang="en-IN" sz="1200">
+                <a:solidFill>
+                  <a:srgbClr val="00B0F0"/>
+                </a:solidFill>
+                <a:latin typeface="Verdana" panose="020B0604030504040204" pitchFamily="34" charset="0"/>
+                <a:ea typeface="Verdana" panose="020B0604030504040204" pitchFamily="34" charset="0"/>
+                <a:hlinkClick r:id="rId3">
+                  <a:extLst>
+                    <a:ext uri="{A12FA001-AC4F-418D-AE19-62706E023703}">
+                      <ahyp:hlinkClr xmlns:ahyp="http://schemas.microsoft.com/office/drawing/2018/hyperlinkcolor" val="tx"/>
+                    </a:ext>
+                  </a:extLst>
+                </a:hlinkClick>
+              </a:rPr>
+              <a:t>/vishipayyallore</a:t>
+            </a:r>
+            <a:endParaRPr lang="en-US" sz="1200" dirty="0">
+              <a:solidFill>
+                <a:srgbClr val="00B0F0"/>
+              </a:solidFill>
+              <a:latin typeface="Verdana" panose="020B0604030504040204" pitchFamily="34" charset="0"/>
+              <a:ea typeface="Verdana" panose="020B0604030504040204" pitchFamily="34" charset="0"/>
+            </a:endParaRPr>
+          </a:p>
+        </p:txBody>
+      </p:sp>
+    </p:spTree>
+    <p:extLst>
+      <p:ext uri="{BB962C8B-B14F-4D97-AF65-F5344CB8AC3E}">
+        <p14:creationId xmlns:p14="http://schemas.microsoft.com/office/powerpoint/2010/main" val="2437233572"/>
+      </p:ext>
+    </p:extLst>
+  </p:cSld>
+  <p:clrMapOvr>
+    <a:masterClrMapping/>
+  </p:clrMapOvr>
+</p:sld>
+</file>
+
+<file path=ppt/slides/slide4.xml><?xml version="1.0" encoding="utf-8"?>
+<p:sld xmlns:a="http://schemas.openxmlformats.org/drawingml/2006/main" xmlns:r="http://schemas.openxmlformats.org/officeDocument/2006/relationships" xmlns:p="http://schemas.openxmlformats.org/presentationml/2006/main">
+  <p:cSld>
+    <p:bg>
+      <p:bgPr>
+        <a:solidFill>
+          <a:srgbClr val="DDF6FF">
+            <a:alpha val="57255"/>
+          </a:srgbClr>
+        </a:solidFill>
+        <a:effectLst/>
+      </p:bgPr>
+    </p:bg>
+    <p:spTree>
+      <p:nvGrpSpPr>
+        <p:cNvPr id="1" name=""/>
+        <p:cNvGrpSpPr/>
+        <p:nvPr/>
+      </p:nvGrpSpPr>
+      <p:grpSpPr>
+        <a:xfrm>
+          <a:off x="0" y="0"/>
+          <a:ext cx="0" cy="0"/>
+          <a:chOff x="0" y="0"/>
+          <a:chExt cx="0" cy="0"/>
+        </a:xfrm>
+      </p:grpSpPr>
+      <p:pic>
+        <p:nvPicPr>
+          <p:cNvPr id="3" name="Picture 2" descr="A picture containing clock&#10;&#10;Description automatically generated">
+            <a:extLst>
+              <a:ext uri="{FF2B5EF4-FFF2-40B4-BE49-F238E27FC236}">
+                <a16:creationId xmlns:a16="http://schemas.microsoft.com/office/drawing/2014/main" id="{62E6EE82-F943-44CA-BB3B-CE750A0FB636}"/>
+              </a:ext>
+            </a:extLst>
+          </p:cNvPr>
+          <p:cNvPicPr>
+            <a:picLocks noChangeAspect="1"/>
+          </p:cNvPicPr>
+          <p:nvPr/>
+        </p:nvPicPr>
+        <p:blipFill>
+          <a:blip r:embed="rId2">
+            <a:extLst>
+              <a:ext uri="{28A0092B-C50C-407E-A947-70E740481C1C}">
+                <a14:useLocalDpi xmlns:a14="http://schemas.microsoft.com/office/drawing/2010/main" val="0"/>
+              </a:ext>
+            </a:extLst>
+          </a:blip>
+          <a:stretch>
+            <a:fillRect/>
+          </a:stretch>
+        </p:blipFill>
+        <p:spPr>
+          <a:xfrm>
+            <a:off x="66108" y="56782"/>
+            <a:ext cx="1280160" cy="1280160"/>
+          </a:xfrm>
+          <a:prstGeom prst="rect">
+            <a:avLst/>
+          </a:prstGeom>
+        </p:spPr>
+      </p:pic>
+      <p:sp>
+        <p:nvSpPr>
+          <p:cNvPr id="8" name="TextBox 7">
+            <a:extLst>
+              <a:ext uri="{FF2B5EF4-FFF2-40B4-BE49-F238E27FC236}">
+                <a16:creationId xmlns:a16="http://schemas.microsoft.com/office/drawing/2014/main" id="{A9419823-B639-466F-ACA1-1FC62BA6D475}"/>
+              </a:ext>
+            </a:extLst>
+          </p:cNvPr>
+          <p:cNvSpPr txBox="1"/>
+          <p:nvPr/>
+        </p:nvSpPr>
+        <p:spPr>
+          <a:xfrm flipH="1">
+            <a:off x="3522902" y="435701"/>
+            <a:ext cx="5114741" cy="523220"/>
+          </a:xfrm>
+          <a:prstGeom prst="rect">
+            <a:avLst/>
+          </a:prstGeom>
+          <a:noFill/>
+        </p:spPr>
+        <p:txBody>
+          <a:bodyPr wrap="square" rtlCol="0">
+            <a:spAutoFit/>
+          </a:bodyPr>
+          <a:lstStyle/>
+          <a:p>
+            <a:pPr marL="0" marR="0" lvl="0" indent="0" algn="ctr" defTabSz="457200" rtl="0" eaLnBrk="1" fontAlgn="auto" latinLnBrk="0" hangingPunct="1">
+              <a:lnSpc>
+                <a:spcPct val="100000"/>
+              </a:lnSpc>
+              <a:spcBef>
+                <a:spcPts val="0"/>
+              </a:spcBef>
+              <a:spcAft>
+                <a:spcPts val="0"/>
+              </a:spcAft>
+              <a:buClrTx/>
+              <a:buSzTx/>
+              <a:buFontTx/>
+              <a:buNone/>
+              <a:tabLst/>
+              <a:defRPr/>
+            </a:pPr>
+            <a:r>
+              <a:rPr kumimoji="0" lang="en-US" sz="2800" b="1" i="0" u="none" strike="noStrike" kern="1200" cap="none" spc="0" normalizeH="0" baseline="0" noProof="0" dirty="0">
+                <a:ln>
+                  <a:noFill/>
+                </a:ln>
+                <a:solidFill>
+                  <a:srgbClr val="002060"/>
+                </a:solidFill>
+                <a:effectLst/>
+                <a:uLnTx/>
+                <a:uFillTx/>
+                <a:latin typeface="Verdana" panose="020B0604030504040204" pitchFamily="34" charset="0"/>
+                <a:ea typeface="Verdana" panose="020B0604030504040204" pitchFamily="34" charset="0"/>
+                <a:cs typeface="+mn-cs"/>
+              </a:rPr>
+              <a:t>Dotnet Learners House</a:t>
+            </a:r>
+            <a:endParaRPr kumimoji="0" lang="en-IN" sz="3600" b="1" i="0" u="none" strike="noStrike" kern="1200" cap="none" spc="0" normalizeH="0" baseline="0" noProof="0" dirty="0">
+              <a:ln>
+                <a:noFill/>
+              </a:ln>
+              <a:solidFill>
+                <a:srgbClr val="002060"/>
+              </a:solidFill>
+              <a:effectLst/>
+              <a:uLnTx/>
+              <a:uFillTx/>
+              <a:latin typeface="Verdana" panose="020B0604030504040204" pitchFamily="34" charset="0"/>
+              <a:ea typeface="Verdana" panose="020B0604030504040204" pitchFamily="34" charset="0"/>
+              <a:cs typeface="+mn-cs"/>
+            </a:endParaRPr>
+          </a:p>
+        </p:txBody>
+      </p:sp>
+      <p:sp>
+        <p:nvSpPr>
+          <p:cNvPr id="9" name="Rectangle 8">
+            <a:extLst>
+              <a:ext uri="{FF2B5EF4-FFF2-40B4-BE49-F238E27FC236}">
+                <a16:creationId xmlns:a16="http://schemas.microsoft.com/office/drawing/2014/main" id="{E0F94095-CE9B-45A9-AE49-36F9EA82D0B1}"/>
+              </a:ext>
+            </a:extLst>
+          </p:cNvPr>
+          <p:cNvSpPr/>
+          <p:nvPr/>
+        </p:nvSpPr>
+        <p:spPr>
+          <a:xfrm>
+            <a:off x="-8878" y="1364429"/>
+            <a:ext cx="12212326" cy="45719"/>
+          </a:xfrm>
+          <a:prstGeom prst="rect">
+            <a:avLst/>
+          </a:prstGeom>
+          <a:solidFill>
+            <a:srgbClr val="002060"/>
+          </a:solidFill>
+          <a:ln>
+            <a:solidFill>
+              <a:schemeClr val="tx1"/>
+            </a:solidFill>
+          </a:ln>
+        </p:spPr>
+        <p:style>
+          <a:lnRef idx="2">
+            <a:schemeClr val="accent1">
+              <a:shade val="50000"/>
+            </a:schemeClr>
+          </a:lnRef>
+          <a:fillRef idx="1">
+            <a:schemeClr val="accent1"/>
+          </a:fillRef>
+          <a:effectRef idx="0">
+            <a:schemeClr val="accent1"/>
+          </a:effectRef>
+          <a:fontRef idx="minor">
+            <a:schemeClr val="lt1"/>
+          </a:fontRef>
+        </p:style>
+        <p:txBody>
+          <a:bodyPr rtlCol="0" anchor="ctr"/>
+          <a:lstStyle/>
+          <a:p>
+            <a:pPr marL="0" marR="0" lvl="0" indent="0" algn="ctr" defTabSz="457200" rtl="0" eaLnBrk="1" fontAlgn="auto" latinLnBrk="0" hangingPunct="1">
+              <a:lnSpc>
+                <a:spcPct val="100000"/>
+              </a:lnSpc>
+              <a:spcBef>
+                <a:spcPts val="0"/>
+              </a:spcBef>
+              <a:spcAft>
+                <a:spcPts val="0"/>
+              </a:spcAft>
+              <a:buClrTx/>
+              <a:buSzTx/>
+              <a:buFontTx/>
+              <a:buNone/>
+              <a:tabLst/>
+              <a:defRPr/>
+            </a:pPr>
+            <a:endParaRPr kumimoji="0" lang="en-IN" sz="1800" b="0" i="0" u="none" strike="noStrike" kern="1200" cap="none" spc="0" normalizeH="0" baseline="0" noProof="0">
+              <a:ln>
+                <a:noFill/>
+              </a:ln>
+              <a:solidFill>
+                <a:prstClr val="white"/>
+              </a:solidFill>
+              <a:effectLst/>
+              <a:uLnTx/>
+              <a:uFillTx/>
+              <a:latin typeface="Calibri" panose="020F0502020204030204"/>
+              <a:ea typeface="+mn-ea"/>
+              <a:cs typeface="+mn-cs"/>
+            </a:endParaRPr>
+          </a:p>
+        </p:txBody>
+      </p:sp>
+      <p:sp>
+        <p:nvSpPr>
+          <p:cNvPr id="10" name="TextBox 9">
+            <a:extLst>
+              <a:ext uri="{FF2B5EF4-FFF2-40B4-BE49-F238E27FC236}">
+                <a16:creationId xmlns:a16="http://schemas.microsoft.com/office/drawing/2014/main" id="{0C165948-D2A1-408F-800D-6E932FC7A2EF}"/>
+              </a:ext>
+            </a:extLst>
+          </p:cNvPr>
+          <p:cNvSpPr txBox="1"/>
+          <p:nvPr/>
+        </p:nvSpPr>
+        <p:spPr>
+          <a:xfrm>
+            <a:off x="66108" y="6500471"/>
+            <a:ext cx="12047958" cy="307777"/>
+          </a:xfrm>
+          <a:prstGeom prst="rect">
+            <a:avLst/>
+          </a:prstGeom>
+          <a:noFill/>
+        </p:spPr>
+        <p:txBody>
+          <a:bodyPr wrap="square" rtlCol="0">
+            <a:spAutoFit/>
+          </a:bodyPr>
+          <a:lstStyle/>
+          <a:p>
+            <a:pPr marL="0" marR="0" lvl="0" indent="0" algn="l" defTabSz="457200" rtl="0" eaLnBrk="1" fontAlgn="auto" latinLnBrk="0" hangingPunct="1">
+              <a:lnSpc>
+                <a:spcPct val="100000"/>
+              </a:lnSpc>
+              <a:spcBef>
+                <a:spcPts val="0"/>
+              </a:spcBef>
+              <a:spcAft>
+                <a:spcPts val="0"/>
+              </a:spcAft>
+              <a:buClrTx/>
+              <a:buSzTx/>
+              <a:buFontTx/>
+              <a:buNone/>
+              <a:tabLst/>
+              <a:defRPr/>
+            </a:pPr>
+            <a:r>
               <a:rPr kumimoji="0" lang="en-US" sz="1400" i="0" u="none" strike="noStrike" kern="1200" cap="none" spc="0" normalizeH="0" baseline="0" noProof="0" dirty="0">
                 <a:ln>
                   <a:noFill/>
@@ -24277,7 +26268,7 @@
 </p:sld>
 </file>
 
-<file path=ppt/slides/slide4.xml><?xml version="1.0" encoding="utf-8"?>
+<file path=ppt/slides/slide5.xml><?xml version="1.0" encoding="utf-8"?>
 <p:sld xmlns:a="http://schemas.openxmlformats.org/drawingml/2006/main" xmlns:r="http://schemas.openxmlformats.org/officeDocument/2006/relationships" xmlns:p="http://schemas.openxmlformats.org/presentationml/2006/main">
   <p:cSld>
     <p:bg>
@@ -24897,7 +26888,7 @@
 </p:sld>
 </file>
 
-<file path=ppt/slides/slide5.xml><?xml version="1.0" encoding="utf-8"?>
+<file path=ppt/slides/slide6.xml><?xml version="1.0" encoding="utf-8"?>
 <p:sld xmlns:a="http://schemas.openxmlformats.org/drawingml/2006/main" xmlns:r="http://schemas.openxmlformats.org/officeDocument/2006/relationships" xmlns:p="http://schemas.openxmlformats.org/presentationml/2006/main">
   <p:cSld>
     <p:bg>
@@ -25847,514 +27838,6 @@
 </p:sld>
 </file>
 
-<file path=ppt/slides/slide6.xml><?xml version="1.0" encoding="utf-8"?>
-<p:sld xmlns:a="http://schemas.openxmlformats.org/drawingml/2006/main" xmlns:r="http://schemas.openxmlformats.org/officeDocument/2006/relationships" xmlns:p="http://schemas.openxmlformats.org/presentationml/2006/main">
-  <p:cSld>
-    <p:spTree>
-      <p:nvGrpSpPr>
-        <p:cNvPr id="1" name=""/>
-        <p:cNvGrpSpPr/>
-        <p:nvPr/>
-      </p:nvGrpSpPr>
-      <p:grpSpPr>
-        <a:xfrm>
-          <a:off x="0" y="0"/>
-          <a:ext cx="0" cy="0"/>
-          <a:chOff x="0" y="0"/>
-          <a:chExt cx="0" cy="0"/>
-        </a:xfrm>
-      </p:grpSpPr>
-      <p:sp>
-        <p:nvSpPr>
-          <p:cNvPr id="4" name="Rectangle 3">
-            <a:extLst>
-              <a:ext uri="{FF2B5EF4-FFF2-40B4-BE49-F238E27FC236}">
-                <a16:creationId xmlns:a16="http://schemas.microsoft.com/office/drawing/2014/main" id="{055C22F7-3FD1-4C1B-8D0C-0C2F7FB61DBE}"/>
-              </a:ext>
-            </a:extLst>
-          </p:cNvPr>
-          <p:cNvSpPr/>
-          <p:nvPr/>
-        </p:nvSpPr>
-        <p:spPr>
-          <a:xfrm>
-            <a:off x="0" y="8878"/>
-            <a:ext cx="12183122" cy="497150"/>
-          </a:xfrm>
-          <a:prstGeom prst="rect">
-            <a:avLst/>
-          </a:prstGeom>
-          <a:solidFill>
-            <a:srgbClr val="0070C0"/>
-          </a:solidFill>
-        </p:spPr>
-        <p:style>
-          <a:lnRef idx="2">
-            <a:schemeClr val="accent1">
-              <a:shade val="50000"/>
-            </a:schemeClr>
-          </a:lnRef>
-          <a:fillRef idx="1">
-            <a:schemeClr val="accent1"/>
-          </a:fillRef>
-          <a:effectRef idx="0">
-            <a:schemeClr val="accent1"/>
-          </a:effectRef>
-          <a:fontRef idx="minor">
-            <a:schemeClr val="lt1"/>
-          </a:fontRef>
-        </p:style>
-        <p:txBody>
-          <a:bodyPr rtlCol="0" anchor="ctr"/>
-          <a:lstStyle/>
-          <a:p>
-            <a:pPr algn="ctr"/>
-            <a:r>
-              <a:rPr lang="en-US" b="1" dirty="0">
-                <a:latin typeface="Verdana" panose="020B0604030504040204" pitchFamily="34" charset="0"/>
-                <a:ea typeface="Verdana" panose="020B0604030504040204" pitchFamily="34" charset="0"/>
-              </a:rPr>
-              <a:t>Information</a:t>
-            </a:r>
-            <a:endParaRPr lang="en-IN" b="1" dirty="0">
-              <a:latin typeface="Verdana" panose="020B0604030504040204" pitchFamily="34" charset="0"/>
-              <a:ea typeface="Verdana" panose="020B0604030504040204" pitchFamily="34" charset="0"/>
-            </a:endParaRPr>
-          </a:p>
-        </p:txBody>
-      </p:sp>
-      <p:sp>
-        <p:nvSpPr>
-          <p:cNvPr id="7" name="Rectangle 6">
-            <a:extLst>
-              <a:ext uri="{FF2B5EF4-FFF2-40B4-BE49-F238E27FC236}">
-                <a16:creationId xmlns:a16="http://schemas.microsoft.com/office/drawing/2014/main" id="{B10720DE-FD2A-4FE5-B9FB-74854D01A659}"/>
-              </a:ext>
-            </a:extLst>
-          </p:cNvPr>
-          <p:cNvSpPr/>
-          <p:nvPr/>
-        </p:nvSpPr>
-        <p:spPr>
-          <a:xfrm>
-            <a:off x="0" y="3915050"/>
-            <a:ext cx="12183122" cy="57703"/>
-          </a:xfrm>
-          <a:prstGeom prst="rect">
-            <a:avLst/>
-          </a:prstGeom>
-          <a:solidFill>
-            <a:srgbClr val="0070C0"/>
-          </a:solidFill>
-        </p:spPr>
-        <p:style>
-          <a:lnRef idx="2">
-            <a:schemeClr val="accent1">
-              <a:shade val="50000"/>
-            </a:schemeClr>
-          </a:lnRef>
-          <a:fillRef idx="1">
-            <a:schemeClr val="accent1"/>
-          </a:fillRef>
-          <a:effectRef idx="0">
-            <a:schemeClr val="accent1"/>
-          </a:effectRef>
-          <a:fontRef idx="minor">
-            <a:schemeClr val="lt1"/>
-          </a:fontRef>
-        </p:style>
-        <p:txBody>
-          <a:bodyPr rtlCol="0" anchor="ctr"/>
-          <a:lstStyle/>
-          <a:p>
-            <a:pPr algn="ctr"/>
-            <a:endParaRPr lang="en-IN" sz="1000" dirty="0">
-              <a:latin typeface="Verdana" panose="020B0604030504040204" pitchFamily="34" charset="0"/>
-              <a:ea typeface="Verdana" panose="020B0604030504040204" pitchFamily="34" charset="0"/>
-            </a:endParaRPr>
-          </a:p>
-        </p:txBody>
-      </p:sp>
-      <p:sp>
-        <p:nvSpPr>
-          <p:cNvPr id="8" name="Footer Placeholder 7">
-            <a:extLst>
-              <a:ext uri="{FF2B5EF4-FFF2-40B4-BE49-F238E27FC236}">
-                <a16:creationId xmlns:a16="http://schemas.microsoft.com/office/drawing/2014/main" id="{DD2A19CA-EC18-432D-8F8F-17079808F38B}"/>
-              </a:ext>
-            </a:extLst>
-          </p:cNvPr>
-          <p:cNvSpPr>
-            <a:spLocks noGrp="1"/>
-          </p:cNvSpPr>
-          <p:nvPr>
-            <p:ph type="ftr" sz="quarter" idx="11"/>
-          </p:nvPr>
-        </p:nvSpPr>
-        <p:spPr>
-          <a:xfrm>
-            <a:off x="4038600" y="3959378"/>
-            <a:ext cx="4114800" cy="365125"/>
-          </a:xfrm>
-        </p:spPr>
-        <p:txBody>
-          <a:bodyPr/>
-          <a:lstStyle/>
-          <a:p>
-            <a:r>
-              <a:rPr lang="en-IN" b="1" dirty="0">
-                <a:solidFill>
-                  <a:srgbClr val="002060"/>
-                </a:solidFill>
-                <a:latin typeface="Verdana" panose="020B0604030504040204" pitchFamily="34" charset="0"/>
-                <a:ea typeface="Verdana" panose="020B0604030504040204" pitchFamily="34" charset="0"/>
-              </a:rPr>
-              <a:t>2022</a:t>
-            </a:r>
-          </a:p>
-        </p:txBody>
-      </p:sp>
-      <p:sp>
-        <p:nvSpPr>
-          <p:cNvPr id="9" name="Slide Number Placeholder 8">
-            <a:extLst>
-              <a:ext uri="{FF2B5EF4-FFF2-40B4-BE49-F238E27FC236}">
-                <a16:creationId xmlns:a16="http://schemas.microsoft.com/office/drawing/2014/main" id="{8162625C-0B1F-42E0-BE7C-D99A08FED7A3}"/>
-              </a:ext>
-            </a:extLst>
-          </p:cNvPr>
-          <p:cNvSpPr>
-            <a:spLocks noGrp="1"/>
-          </p:cNvSpPr>
-          <p:nvPr>
-            <p:ph type="sldNum" sz="quarter" idx="12"/>
-          </p:nvPr>
-        </p:nvSpPr>
-        <p:spPr>
-          <a:xfrm>
-            <a:off x="8610600" y="3959378"/>
-            <a:ext cx="2743200" cy="365125"/>
-          </a:xfrm>
-        </p:spPr>
-        <p:txBody>
-          <a:bodyPr/>
-          <a:lstStyle/>
-          <a:p>
-            <a:r>
-              <a:rPr lang="en-IN" b="1" dirty="0">
-                <a:solidFill>
-                  <a:srgbClr val="002060"/>
-                </a:solidFill>
-                <a:latin typeface="Verdana" panose="020B0604030504040204" pitchFamily="34" charset="0"/>
-                <a:ea typeface="Verdana" panose="020B0604030504040204" pitchFamily="34" charset="0"/>
-              </a:rPr>
-              <a:t>1</a:t>
-            </a:r>
-          </a:p>
-        </p:txBody>
-      </p:sp>
-      <p:sp>
-        <p:nvSpPr>
-          <p:cNvPr id="12" name="Footer Placeholder 7">
-            <a:extLst>
-              <a:ext uri="{FF2B5EF4-FFF2-40B4-BE49-F238E27FC236}">
-                <a16:creationId xmlns:a16="http://schemas.microsoft.com/office/drawing/2014/main" id="{64C57949-E349-47D3-A505-A098233AF49D}"/>
-              </a:ext>
-            </a:extLst>
-          </p:cNvPr>
-          <p:cNvSpPr txBox="1">
-            <a:spLocks/>
-          </p:cNvSpPr>
-          <p:nvPr/>
-        </p:nvSpPr>
-        <p:spPr>
-          <a:xfrm>
-            <a:off x="133897" y="3960852"/>
-            <a:ext cx="4114800" cy="365125"/>
-          </a:xfrm>
-          <a:prstGeom prst="rect">
-            <a:avLst/>
-          </a:prstGeom>
-        </p:spPr>
-        <p:txBody>
-          <a:bodyPr vert="horz" lIns="91440" tIns="45720" rIns="91440" bIns="45720" rtlCol="0" anchor="ctr"/>
-          <a:lstStyle>
-            <a:defPPr>
-              <a:defRPr lang="en-US"/>
-            </a:defPPr>
-            <a:lvl1pPr marL="0" algn="ctr" defTabSz="914400" rtl="0" eaLnBrk="1" latinLnBrk="0" hangingPunct="1">
-              <a:defRPr sz="1200" kern="1200">
-                <a:solidFill>
-                  <a:schemeClr val="tx1">
-                    <a:tint val="75000"/>
-                  </a:schemeClr>
-                </a:solidFill>
-                <a:latin typeface="+mn-lt"/>
-                <a:ea typeface="+mn-ea"/>
-                <a:cs typeface="+mn-cs"/>
-              </a:defRPr>
-            </a:lvl1pPr>
-            <a:lvl2pPr marL="457200" algn="l" defTabSz="914400" rtl="0" eaLnBrk="1" latinLnBrk="0" hangingPunct="1">
-              <a:defRPr sz="1800" kern="1200">
-                <a:solidFill>
-                  <a:schemeClr val="tx1"/>
-                </a:solidFill>
-                <a:latin typeface="+mn-lt"/>
-                <a:ea typeface="+mn-ea"/>
-                <a:cs typeface="+mn-cs"/>
-              </a:defRPr>
-            </a:lvl2pPr>
-            <a:lvl3pPr marL="914400" algn="l" defTabSz="914400" rtl="0" eaLnBrk="1" latinLnBrk="0" hangingPunct="1">
-              <a:defRPr sz="1800" kern="1200">
-                <a:solidFill>
-                  <a:schemeClr val="tx1"/>
-                </a:solidFill>
-                <a:latin typeface="+mn-lt"/>
-                <a:ea typeface="+mn-ea"/>
-                <a:cs typeface="+mn-cs"/>
-              </a:defRPr>
-            </a:lvl3pPr>
-            <a:lvl4pPr marL="1371600" algn="l" defTabSz="914400" rtl="0" eaLnBrk="1" latinLnBrk="0" hangingPunct="1">
-              <a:defRPr sz="1800" kern="1200">
-                <a:solidFill>
-                  <a:schemeClr val="tx1"/>
-                </a:solidFill>
-                <a:latin typeface="+mn-lt"/>
-                <a:ea typeface="+mn-ea"/>
-                <a:cs typeface="+mn-cs"/>
-              </a:defRPr>
-            </a:lvl4pPr>
-            <a:lvl5pPr marL="1828800" algn="l" defTabSz="914400" rtl="0" eaLnBrk="1" latinLnBrk="0" hangingPunct="1">
-              <a:defRPr sz="1800" kern="1200">
-                <a:solidFill>
-                  <a:schemeClr val="tx1"/>
-                </a:solidFill>
-                <a:latin typeface="+mn-lt"/>
-                <a:ea typeface="+mn-ea"/>
-                <a:cs typeface="+mn-cs"/>
-              </a:defRPr>
-            </a:lvl5pPr>
-            <a:lvl6pPr marL="2286000" algn="l" defTabSz="914400" rtl="0" eaLnBrk="1" latinLnBrk="0" hangingPunct="1">
-              <a:defRPr sz="1800" kern="1200">
-                <a:solidFill>
-                  <a:schemeClr val="tx1"/>
-                </a:solidFill>
-                <a:latin typeface="+mn-lt"/>
-                <a:ea typeface="+mn-ea"/>
-                <a:cs typeface="+mn-cs"/>
-              </a:defRPr>
-            </a:lvl6pPr>
-            <a:lvl7pPr marL="2743200" algn="l" defTabSz="914400" rtl="0" eaLnBrk="1" latinLnBrk="0" hangingPunct="1">
-              <a:defRPr sz="1800" kern="1200">
-                <a:solidFill>
-                  <a:schemeClr val="tx1"/>
-                </a:solidFill>
-                <a:latin typeface="+mn-lt"/>
-                <a:ea typeface="+mn-ea"/>
-                <a:cs typeface="+mn-cs"/>
-              </a:defRPr>
-            </a:lvl7pPr>
-            <a:lvl8pPr marL="3200400" algn="l" defTabSz="914400" rtl="0" eaLnBrk="1" latinLnBrk="0" hangingPunct="1">
-              <a:defRPr sz="1800" kern="1200">
-                <a:solidFill>
-                  <a:schemeClr val="tx1"/>
-                </a:solidFill>
-                <a:latin typeface="+mn-lt"/>
-                <a:ea typeface="+mn-ea"/>
-                <a:cs typeface="+mn-cs"/>
-              </a:defRPr>
-            </a:lvl8pPr>
-            <a:lvl9pPr marL="3657600" algn="l" defTabSz="914400" rtl="0" eaLnBrk="1" latinLnBrk="0" hangingPunct="1">
-              <a:defRPr sz="1800" kern="1200">
-                <a:solidFill>
-                  <a:schemeClr val="tx1"/>
-                </a:solidFill>
-                <a:latin typeface="+mn-lt"/>
-                <a:ea typeface="+mn-ea"/>
-                <a:cs typeface="+mn-cs"/>
-              </a:defRPr>
-            </a:lvl9pPr>
-          </a:lstStyle>
-          <a:p>
-            <a:r>
-              <a:rPr lang="en-IN" b="1" dirty="0">
-                <a:solidFill>
-                  <a:srgbClr val="002060"/>
-                </a:solidFill>
-                <a:latin typeface="Verdana" panose="020B0604030504040204" pitchFamily="34" charset="0"/>
-                <a:ea typeface="Verdana" panose="020B0604030504040204" pitchFamily="34" charset="0"/>
-              </a:rPr>
-              <a:t>C# Corner</a:t>
-            </a:r>
-          </a:p>
-        </p:txBody>
-      </p:sp>
-      <p:sp>
-        <p:nvSpPr>
-          <p:cNvPr id="10" name="TextBox 9">
-            <a:extLst>
-              <a:ext uri="{FF2B5EF4-FFF2-40B4-BE49-F238E27FC236}">
-                <a16:creationId xmlns:a16="http://schemas.microsoft.com/office/drawing/2014/main" id="{19953791-0C49-4113-A95A-639979BFF9A6}"/>
-              </a:ext>
-            </a:extLst>
-          </p:cNvPr>
-          <p:cNvSpPr txBox="1"/>
-          <p:nvPr/>
-        </p:nvSpPr>
-        <p:spPr>
-          <a:xfrm>
-            <a:off x="80629" y="557824"/>
-            <a:ext cx="12037390" cy="2800062"/>
-          </a:xfrm>
-          <a:prstGeom prst="rect">
-            <a:avLst/>
-          </a:prstGeom>
-          <a:noFill/>
-        </p:spPr>
-        <p:txBody>
-          <a:bodyPr wrap="square" rtlCol="0">
-            <a:spAutoFit/>
-          </a:bodyPr>
-          <a:lstStyle/>
-          <a:p>
-            <a:pPr marL="628650" lvl="1" indent="-171450">
-              <a:lnSpc>
-                <a:spcPct val="150000"/>
-              </a:lnSpc>
-              <a:buFont typeface="Wingdings" panose="05000000000000000000" pitchFamily="2" charset="2"/>
-              <a:buChar char="Ø"/>
-            </a:pPr>
-            <a:r>
-              <a:rPr lang="en-US" sz="2000" dirty="0">
-                <a:solidFill>
-                  <a:srgbClr val="00B0F0"/>
-                </a:solidFill>
-                <a:latin typeface="Verdana" panose="020B0604030504040204" pitchFamily="34" charset="0"/>
-                <a:ea typeface="Verdana" panose="020B0604030504040204" pitchFamily="34" charset="0"/>
-              </a:rPr>
-              <a:t> </a:t>
-            </a:r>
-            <a:r>
-              <a:rPr lang="en-US" sz="2000" dirty="0">
-                <a:solidFill>
-                  <a:srgbClr val="0070C0"/>
-                </a:solidFill>
-                <a:latin typeface="Verdana" panose="020B0604030504040204" pitchFamily="34" charset="0"/>
-                <a:ea typeface="Verdana" panose="020B0604030504040204" pitchFamily="34" charset="0"/>
-              </a:rPr>
-              <a:t>I am still a learner. Apologize if I do any mistake.</a:t>
-            </a:r>
-          </a:p>
-          <a:p>
-            <a:pPr marL="628650" lvl="1" indent="-171450">
-              <a:lnSpc>
-                <a:spcPct val="150000"/>
-              </a:lnSpc>
-              <a:buFont typeface="Wingdings" panose="05000000000000000000" pitchFamily="2" charset="2"/>
-              <a:buChar char="Ø"/>
-            </a:pPr>
-            <a:r>
-              <a:rPr lang="en-US" sz="2000" dirty="0">
-                <a:solidFill>
-                  <a:srgbClr val="002060"/>
-                </a:solidFill>
-                <a:latin typeface="Verdana" panose="020B0604030504040204" pitchFamily="34" charset="0"/>
-                <a:ea typeface="Verdana" panose="020B0604030504040204" pitchFamily="34" charset="0"/>
-              </a:rPr>
-              <a:t> All the sessions will be hands on.</a:t>
-            </a:r>
-          </a:p>
-          <a:p>
-            <a:pPr marL="628650" lvl="1" indent="-171450">
-              <a:lnSpc>
-                <a:spcPct val="150000"/>
-              </a:lnSpc>
-              <a:buFont typeface="Wingdings" panose="05000000000000000000" pitchFamily="2" charset="2"/>
-              <a:buChar char="Ø"/>
-            </a:pPr>
-            <a:r>
-              <a:rPr lang="en-US" sz="2000" dirty="0">
-                <a:solidFill>
-                  <a:srgbClr val="002060"/>
-                </a:solidFill>
-                <a:latin typeface="Verdana" panose="020B0604030504040204" pitchFamily="34" charset="0"/>
-                <a:ea typeface="Verdana" panose="020B0604030504040204" pitchFamily="34" charset="0"/>
-              </a:rPr>
-              <a:t> Will have parking lots for queries and other topics.</a:t>
-            </a:r>
-          </a:p>
-          <a:p>
-            <a:pPr marL="628650" lvl="1" indent="-171450">
-              <a:lnSpc>
-                <a:spcPct val="150000"/>
-              </a:lnSpc>
-              <a:buFont typeface="Wingdings" panose="05000000000000000000" pitchFamily="2" charset="2"/>
-              <a:buChar char="Ø"/>
-            </a:pPr>
-            <a:r>
-              <a:rPr lang="en-US" sz="2000" dirty="0">
-                <a:solidFill>
-                  <a:srgbClr val="002060"/>
-                </a:solidFill>
-                <a:latin typeface="Verdana" panose="020B0604030504040204" pitchFamily="34" charset="0"/>
-                <a:ea typeface="Verdana" panose="020B0604030504040204" pitchFamily="34" charset="0"/>
-              </a:rPr>
-              <a:t> Some of the concepts we will introduced and revisited in next sessions.</a:t>
-            </a:r>
-          </a:p>
-          <a:p>
-            <a:pPr marL="628650" lvl="1" indent="-171450">
-              <a:lnSpc>
-                <a:spcPct val="150000"/>
-              </a:lnSpc>
-              <a:buFont typeface="Wingdings" panose="05000000000000000000" pitchFamily="2" charset="2"/>
-              <a:buChar char="Ø"/>
-            </a:pPr>
-            <a:r>
-              <a:rPr lang="en-US" sz="2000" dirty="0">
-                <a:solidFill>
-                  <a:srgbClr val="002060"/>
-                </a:solidFill>
-                <a:latin typeface="Verdana" panose="020B0604030504040204" pitchFamily="34" charset="0"/>
-                <a:ea typeface="Verdana" panose="020B0604030504040204" pitchFamily="34" charset="0"/>
-              </a:rPr>
-              <a:t> There are multiple ways to do, we will use one of the ways.</a:t>
-            </a:r>
-          </a:p>
-          <a:p>
-            <a:pPr marL="628650" lvl="1" indent="-171450">
-              <a:lnSpc>
-                <a:spcPct val="150000"/>
-              </a:lnSpc>
-              <a:buFont typeface="Wingdings" panose="05000000000000000000" pitchFamily="2" charset="2"/>
-              <a:buChar char="Ø"/>
-            </a:pPr>
-            <a:r>
-              <a:rPr lang="en-US" sz="2000" dirty="0">
-                <a:solidFill>
-                  <a:srgbClr val="002060"/>
-                </a:solidFill>
-                <a:latin typeface="Verdana" panose="020B0604030504040204" pitchFamily="34" charset="0"/>
-                <a:ea typeface="Verdana" panose="020B0604030504040204" pitchFamily="34" charset="0"/>
-              </a:rPr>
-              <a:t> The focus was more on concepts and demos are kept simple. </a:t>
-            </a:r>
-          </a:p>
-        </p:txBody>
-      </p:sp>
-    </p:spTree>
-    <p:extLst>
-      <p:ext uri="{BB962C8B-B14F-4D97-AF65-F5344CB8AC3E}">
-        <p14:creationId xmlns:p14="http://schemas.microsoft.com/office/powerpoint/2010/main" val="1371762483"/>
-      </p:ext>
-    </p:extLst>
-  </p:cSld>
-  <p:clrMapOvr>
-    <a:masterClrMapping/>
-  </p:clrMapOvr>
-</p:sld>
-</file>
-
 <file path=ppt/slides/slide7.xml><?xml version="1.0" encoding="utf-8"?>
 <p:sld xmlns:a="http://schemas.openxmlformats.org/drawingml/2006/main" xmlns:r="http://schemas.openxmlformats.org/officeDocument/2006/relationships" xmlns:p="http://schemas.openxmlformats.org/presentationml/2006/main">
   <p:cSld>
@@ -26692,6 +28175,514 @@
                 <a:latin typeface="Verdana" panose="020B0604030504040204" pitchFamily="34" charset="0"/>
                 <a:ea typeface="Verdana" panose="020B0604030504040204" pitchFamily="34" charset="0"/>
               </a:rPr>
+              <a:t>C# Corner</a:t>
+            </a:r>
+          </a:p>
+        </p:txBody>
+      </p:sp>
+      <p:sp>
+        <p:nvSpPr>
+          <p:cNvPr id="10" name="TextBox 9">
+            <a:extLst>
+              <a:ext uri="{FF2B5EF4-FFF2-40B4-BE49-F238E27FC236}">
+                <a16:creationId xmlns:a16="http://schemas.microsoft.com/office/drawing/2014/main" id="{19953791-0C49-4113-A95A-639979BFF9A6}"/>
+              </a:ext>
+            </a:extLst>
+          </p:cNvPr>
+          <p:cNvSpPr txBox="1"/>
+          <p:nvPr/>
+        </p:nvSpPr>
+        <p:spPr>
+          <a:xfrm>
+            <a:off x="80629" y="557824"/>
+            <a:ext cx="12037390" cy="2800062"/>
+          </a:xfrm>
+          <a:prstGeom prst="rect">
+            <a:avLst/>
+          </a:prstGeom>
+          <a:noFill/>
+        </p:spPr>
+        <p:txBody>
+          <a:bodyPr wrap="square" rtlCol="0">
+            <a:spAutoFit/>
+          </a:bodyPr>
+          <a:lstStyle/>
+          <a:p>
+            <a:pPr marL="628650" lvl="1" indent="-171450">
+              <a:lnSpc>
+                <a:spcPct val="150000"/>
+              </a:lnSpc>
+              <a:buFont typeface="Wingdings" panose="05000000000000000000" pitchFamily="2" charset="2"/>
+              <a:buChar char="Ø"/>
+            </a:pPr>
+            <a:r>
+              <a:rPr lang="en-US" sz="2000" dirty="0">
+                <a:solidFill>
+                  <a:srgbClr val="00B0F0"/>
+                </a:solidFill>
+                <a:latin typeface="Verdana" panose="020B0604030504040204" pitchFamily="34" charset="0"/>
+                <a:ea typeface="Verdana" panose="020B0604030504040204" pitchFamily="34" charset="0"/>
+              </a:rPr>
+              <a:t> </a:t>
+            </a:r>
+            <a:r>
+              <a:rPr lang="en-US" sz="2000" dirty="0">
+                <a:solidFill>
+                  <a:srgbClr val="0070C0"/>
+                </a:solidFill>
+                <a:latin typeface="Verdana" panose="020B0604030504040204" pitchFamily="34" charset="0"/>
+                <a:ea typeface="Verdana" panose="020B0604030504040204" pitchFamily="34" charset="0"/>
+              </a:rPr>
+              <a:t>I am still a learner. Apologize if I do any mistake.</a:t>
+            </a:r>
+          </a:p>
+          <a:p>
+            <a:pPr marL="628650" lvl="1" indent="-171450">
+              <a:lnSpc>
+                <a:spcPct val="150000"/>
+              </a:lnSpc>
+              <a:buFont typeface="Wingdings" panose="05000000000000000000" pitchFamily="2" charset="2"/>
+              <a:buChar char="Ø"/>
+            </a:pPr>
+            <a:r>
+              <a:rPr lang="en-US" sz="2000" dirty="0">
+                <a:solidFill>
+                  <a:srgbClr val="002060"/>
+                </a:solidFill>
+                <a:latin typeface="Verdana" panose="020B0604030504040204" pitchFamily="34" charset="0"/>
+                <a:ea typeface="Verdana" panose="020B0604030504040204" pitchFamily="34" charset="0"/>
+              </a:rPr>
+              <a:t> All the sessions will be hands on.</a:t>
+            </a:r>
+          </a:p>
+          <a:p>
+            <a:pPr marL="628650" lvl="1" indent="-171450">
+              <a:lnSpc>
+                <a:spcPct val="150000"/>
+              </a:lnSpc>
+              <a:buFont typeface="Wingdings" panose="05000000000000000000" pitchFamily="2" charset="2"/>
+              <a:buChar char="Ø"/>
+            </a:pPr>
+            <a:r>
+              <a:rPr lang="en-US" sz="2000" dirty="0">
+                <a:solidFill>
+                  <a:srgbClr val="002060"/>
+                </a:solidFill>
+                <a:latin typeface="Verdana" panose="020B0604030504040204" pitchFamily="34" charset="0"/>
+                <a:ea typeface="Verdana" panose="020B0604030504040204" pitchFamily="34" charset="0"/>
+              </a:rPr>
+              <a:t> Will have parking lots for queries and other topics.</a:t>
+            </a:r>
+          </a:p>
+          <a:p>
+            <a:pPr marL="628650" lvl="1" indent="-171450">
+              <a:lnSpc>
+                <a:spcPct val="150000"/>
+              </a:lnSpc>
+              <a:buFont typeface="Wingdings" panose="05000000000000000000" pitchFamily="2" charset="2"/>
+              <a:buChar char="Ø"/>
+            </a:pPr>
+            <a:r>
+              <a:rPr lang="en-US" sz="2000" dirty="0">
+                <a:solidFill>
+                  <a:srgbClr val="002060"/>
+                </a:solidFill>
+                <a:latin typeface="Verdana" panose="020B0604030504040204" pitchFamily="34" charset="0"/>
+                <a:ea typeface="Verdana" panose="020B0604030504040204" pitchFamily="34" charset="0"/>
+              </a:rPr>
+              <a:t> Some of the concepts we will introduced and revisited in next sessions.</a:t>
+            </a:r>
+          </a:p>
+          <a:p>
+            <a:pPr marL="628650" lvl="1" indent="-171450">
+              <a:lnSpc>
+                <a:spcPct val="150000"/>
+              </a:lnSpc>
+              <a:buFont typeface="Wingdings" panose="05000000000000000000" pitchFamily="2" charset="2"/>
+              <a:buChar char="Ø"/>
+            </a:pPr>
+            <a:r>
+              <a:rPr lang="en-US" sz="2000" dirty="0">
+                <a:solidFill>
+                  <a:srgbClr val="002060"/>
+                </a:solidFill>
+                <a:latin typeface="Verdana" panose="020B0604030504040204" pitchFamily="34" charset="0"/>
+                <a:ea typeface="Verdana" panose="020B0604030504040204" pitchFamily="34" charset="0"/>
+              </a:rPr>
+              <a:t> There are multiple ways to do, we will use one of the ways.</a:t>
+            </a:r>
+          </a:p>
+          <a:p>
+            <a:pPr marL="628650" lvl="1" indent="-171450">
+              <a:lnSpc>
+                <a:spcPct val="150000"/>
+              </a:lnSpc>
+              <a:buFont typeface="Wingdings" panose="05000000000000000000" pitchFamily="2" charset="2"/>
+              <a:buChar char="Ø"/>
+            </a:pPr>
+            <a:r>
+              <a:rPr lang="en-US" sz="2000" dirty="0">
+                <a:solidFill>
+                  <a:srgbClr val="002060"/>
+                </a:solidFill>
+                <a:latin typeface="Verdana" panose="020B0604030504040204" pitchFamily="34" charset="0"/>
+                <a:ea typeface="Verdana" panose="020B0604030504040204" pitchFamily="34" charset="0"/>
+              </a:rPr>
+              <a:t> The focus was more on concepts and demos are kept simple. </a:t>
+            </a:r>
+          </a:p>
+        </p:txBody>
+      </p:sp>
+    </p:spTree>
+    <p:extLst>
+      <p:ext uri="{BB962C8B-B14F-4D97-AF65-F5344CB8AC3E}">
+        <p14:creationId xmlns:p14="http://schemas.microsoft.com/office/powerpoint/2010/main" val="1371762483"/>
+      </p:ext>
+    </p:extLst>
+  </p:cSld>
+  <p:clrMapOvr>
+    <a:masterClrMapping/>
+  </p:clrMapOvr>
+</p:sld>
+</file>
+
+<file path=ppt/slides/slide8.xml><?xml version="1.0" encoding="utf-8"?>
+<p:sld xmlns:a="http://schemas.openxmlformats.org/drawingml/2006/main" xmlns:r="http://schemas.openxmlformats.org/officeDocument/2006/relationships" xmlns:p="http://schemas.openxmlformats.org/presentationml/2006/main">
+  <p:cSld>
+    <p:spTree>
+      <p:nvGrpSpPr>
+        <p:cNvPr id="1" name=""/>
+        <p:cNvGrpSpPr/>
+        <p:nvPr/>
+      </p:nvGrpSpPr>
+      <p:grpSpPr>
+        <a:xfrm>
+          <a:off x="0" y="0"/>
+          <a:ext cx="0" cy="0"/>
+          <a:chOff x="0" y="0"/>
+          <a:chExt cx="0" cy="0"/>
+        </a:xfrm>
+      </p:grpSpPr>
+      <p:sp>
+        <p:nvSpPr>
+          <p:cNvPr id="4" name="Rectangle 3">
+            <a:extLst>
+              <a:ext uri="{FF2B5EF4-FFF2-40B4-BE49-F238E27FC236}">
+                <a16:creationId xmlns:a16="http://schemas.microsoft.com/office/drawing/2014/main" id="{055C22F7-3FD1-4C1B-8D0C-0C2F7FB61DBE}"/>
+              </a:ext>
+            </a:extLst>
+          </p:cNvPr>
+          <p:cNvSpPr/>
+          <p:nvPr/>
+        </p:nvSpPr>
+        <p:spPr>
+          <a:xfrm>
+            <a:off x="0" y="8878"/>
+            <a:ext cx="12183122" cy="497150"/>
+          </a:xfrm>
+          <a:prstGeom prst="rect">
+            <a:avLst/>
+          </a:prstGeom>
+          <a:solidFill>
+            <a:srgbClr val="0070C0"/>
+          </a:solidFill>
+        </p:spPr>
+        <p:style>
+          <a:lnRef idx="2">
+            <a:schemeClr val="accent1">
+              <a:shade val="50000"/>
+            </a:schemeClr>
+          </a:lnRef>
+          <a:fillRef idx="1">
+            <a:schemeClr val="accent1"/>
+          </a:fillRef>
+          <a:effectRef idx="0">
+            <a:schemeClr val="accent1"/>
+          </a:effectRef>
+          <a:fontRef idx="minor">
+            <a:schemeClr val="lt1"/>
+          </a:fontRef>
+        </p:style>
+        <p:txBody>
+          <a:bodyPr rtlCol="0" anchor="ctr"/>
+          <a:lstStyle/>
+          <a:p>
+            <a:pPr algn="ctr"/>
+            <a:r>
+              <a:rPr lang="en-US" b="1" dirty="0">
+                <a:latin typeface="Verdana" panose="020B0604030504040204" pitchFamily="34" charset="0"/>
+                <a:ea typeface="Verdana" panose="020B0604030504040204" pitchFamily="34" charset="0"/>
+              </a:rPr>
+              <a:t>Information</a:t>
+            </a:r>
+            <a:endParaRPr lang="en-IN" b="1" dirty="0">
+              <a:latin typeface="Verdana" panose="020B0604030504040204" pitchFamily="34" charset="0"/>
+              <a:ea typeface="Verdana" panose="020B0604030504040204" pitchFamily="34" charset="0"/>
+            </a:endParaRPr>
+          </a:p>
+        </p:txBody>
+      </p:sp>
+      <p:sp>
+        <p:nvSpPr>
+          <p:cNvPr id="7" name="Rectangle 6">
+            <a:extLst>
+              <a:ext uri="{FF2B5EF4-FFF2-40B4-BE49-F238E27FC236}">
+                <a16:creationId xmlns:a16="http://schemas.microsoft.com/office/drawing/2014/main" id="{B10720DE-FD2A-4FE5-B9FB-74854D01A659}"/>
+              </a:ext>
+            </a:extLst>
+          </p:cNvPr>
+          <p:cNvSpPr/>
+          <p:nvPr/>
+        </p:nvSpPr>
+        <p:spPr>
+          <a:xfrm>
+            <a:off x="0" y="3915050"/>
+            <a:ext cx="12183122" cy="57703"/>
+          </a:xfrm>
+          <a:prstGeom prst="rect">
+            <a:avLst/>
+          </a:prstGeom>
+          <a:solidFill>
+            <a:srgbClr val="0070C0"/>
+          </a:solidFill>
+        </p:spPr>
+        <p:style>
+          <a:lnRef idx="2">
+            <a:schemeClr val="accent1">
+              <a:shade val="50000"/>
+            </a:schemeClr>
+          </a:lnRef>
+          <a:fillRef idx="1">
+            <a:schemeClr val="accent1"/>
+          </a:fillRef>
+          <a:effectRef idx="0">
+            <a:schemeClr val="accent1"/>
+          </a:effectRef>
+          <a:fontRef idx="minor">
+            <a:schemeClr val="lt1"/>
+          </a:fontRef>
+        </p:style>
+        <p:txBody>
+          <a:bodyPr rtlCol="0" anchor="ctr"/>
+          <a:lstStyle/>
+          <a:p>
+            <a:pPr algn="ctr"/>
+            <a:endParaRPr lang="en-IN" sz="1000" dirty="0">
+              <a:latin typeface="Verdana" panose="020B0604030504040204" pitchFamily="34" charset="0"/>
+              <a:ea typeface="Verdana" panose="020B0604030504040204" pitchFamily="34" charset="0"/>
+            </a:endParaRPr>
+          </a:p>
+        </p:txBody>
+      </p:sp>
+      <p:sp>
+        <p:nvSpPr>
+          <p:cNvPr id="8" name="Footer Placeholder 7">
+            <a:extLst>
+              <a:ext uri="{FF2B5EF4-FFF2-40B4-BE49-F238E27FC236}">
+                <a16:creationId xmlns:a16="http://schemas.microsoft.com/office/drawing/2014/main" id="{DD2A19CA-EC18-432D-8F8F-17079808F38B}"/>
+              </a:ext>
+            </a:extLst>
+          </p:cNvPr>
+          <p:cNvSpPr>
+            <a:spLocks noGrp="1"/>
+          </p:cNvSpPr>
+          <p:nvPr>
+            <p:ph type="ftr" sz="quarter" idx="11"/>
+          </p:nvPr>
+        </p:nvSpPr>
+        <p:spPr>
+          <a:xfrm>
+            <a:off x="4038600" y="3959378"/>
+            <a:ext cx="4114800" cy="365125"/>
+          </a:xfrm>
+        </p:spPr>
+        <p:txBody>
+          <a:bodyPr/>
+          <a:lstStyle/>
+          <a:p>
+            <a:r>
+              <a:rPr lang="en-IN" b="1" dirty="0">
+                <a:solidFill>
+                  <a:srgbClr val="002060"/>
+                </a:solidFill>
+                <a:latin typeface="Verdana" panose="020B0604030504040204" pitchFamily="34" charset="0"/>
+                <a:ea typeface="Verdana" panose="020B0604030504040204" pitchFamily="34" charset="0"/>
+              </a:rPr>
+              <a:t>2022</a:t>
+            </a:r>
+          </a:p>
+        </p:txBody>
+      </p:sp>
+      <p:sp>
+        <p:nvSpPr>
+          <p:cNvPr id="9" name="Slide Number Placeholder 8">
+            <a:extLst>
+              <a:ext uri="{FF2B5EF4-FFF2-40B4-BE49-F238E27FC236}">
+                <a16:creationId xmlns:a16="http://schemas.microsoft.com/office/drawing/2014/main" id="{8162625C-0B1F-42E0-BE7C-D99A08FED7A3}"/>
+              </a:ext>
+            </a:extLst>
+          </p:cNvPr>
+          <p:cNvSpPr>
+            <a:spLocks noGrp="1"/>
+          </p:cNvSpPr>
+          <p:nvPr>
+            <p:ph type="sldNum" sz="quarter" idx="12"/>
+          </p:nvPr>
+        </p:nvSpPr>
+        <p:spPr>
+          <a:xfrm>
+            <a:off x="8610600" y="3959378"/>
+            <a:ext cx="2743200" cy="365125"/>
+          </a:xfrm>
+        </p:spPr>
+        <p:txBody>
+          <a:bodyPr/>
+          <a:lstStyle/>
+          <a:p>
+            <a:r>
+              <a:rPr lang="en-IN" b="1" dirty="0">
+                <a:solidFill>
+                  <a:srgbClr val="002060"/>
+                </a:solidFill>
+                <a:latin typeface="Verdana" panose="020B0604030504040204" pitchFamily="34" charset="0"/>
+                <a:ea typeface="Verdana" panose="020B0604030504040204" pitchFamily="34" charset="0"/>
+              </a:rPr>
+              <a:t>1</a:t>
+            </a:r>
+          </a:p>
+        </p:txBody>
+      </p:sp>
+      <p:sp>
+        <p:nvSpPr>
+          <p:cNvPr id="12" name="Footer Placeholder 7">
+            <a:extLst>
+              <a:ext uri="{FF2B5EF4-FFF2-40B4-BE49-F238E27FC236}">
+                <a16:creationId xmlns:a16="http://schemas.microsoft.com/office/drawing/2014/main" id="{64C57949-E349-47D3-A505-A098233AF49D}"/>
+              </a:ext>
+            </a:extLst>
+          </p:cNvPr>
+          <p:cNvSpPr txBox="1">
+            <a:spLocks/>
+          </p:cNvSpPr>
+          <p:nvPr/>
+        </p:nvSpPr>
+        <p:spPr>
+          <a:xfrm>
+            <a:off x="133897" y="3960852"/>
+            <a:ext cx="4114800" cy="365125"/>
+          </a:xfrm>
+          <a:prstGeom prst="rect">
+            <a:avLst/>
+          </a:prstGeom>
+        </p:spPr>
+        <p:txBody>
+          <a:bodyPr vert="horz" lIns="91440" tIns="45720" rIns="91440" bIns="45720" rtlCol="0" anchor="ctr"/>
+          <a:lstStyle>
+            <a:defPPr>
+              <a:defRPr lang="en-US"/>
+            </a:defPPr>
+            <a:lvl1pPr marL="0" algn="ctr" defTabSz="914400" rtl="0" eaLnBrk="1" latinLnBrk="0" hangingPunct="1">
+              <a:defRPr sz="1200" kern="1200">
+                <a:solidFill>
+                  <a:schemeClr val="tx1">
+                    <a:tint val="75000"/>
+                  </a:schemeClr>
+                </a:solidFill>
+                <a:latin typeface="+mn-lt"/>
+                <a:ea typeface="+mn-ea"/>
+                <a:cs typeface="+mn-cs"/>
+              </a:defRPr>
+            </a:lvl1pPr>
+            <a:lvl2pPr marL="457200" algn="l" defTabSz="914400" rtl="0" eaLnBrk="1" latinLnBrk="0" hangingPunct="1">
+              <a:defRPr sz="1800" kern="1200">
+                <a:solidFill>
+                  <a:schemeClr val="tx1"/>
+                </a:solidFill>
+                <a:latin typeface="+mn-lt"/>
+                <a:ea typeface="+mn-ea"/>
+                <a:cs typeface="+mn-cs"/>
+              </a:defRPr>
+            </a:lvl2pPr>
+            <a:lvl3pPr marL="914400" algn="l" defTabSz="914400" rtl="0" eaLnBrk="1" latinLnBrk="0" hangingPunct="1">
+              <a:defRPr sz="1800" kern="1200">
+                <a:solidFill>
+                  <a:schemeClr val="tx1"/>
+                </a:solidFill>
+                <a:latin typeface="+mn-lt"/>
+                <a:ea typeface="+mn-ea"/>
+                <a:cs typeface="+mn-cs"/>
+              </a:defRPr>
+            </a:lvl3pPr>
+            <a:lvl4pPr marL="1371600" algn="l" defTabSz="914400" rtl="0" eaLnBrk="1" latinLnBrk="0" hangingPunct="1">
+              <a:defRPr sz="1800" kern="1200">
+                <a:solidFill>
+                  <a:schemeClr val="tx1"/>
+                </a:solidFill>
+                <a:latin typeface="+mn-lt"/>
+                <a:ea typeface="+mn-ea"/>
+                <a:cs typeface="+mn-cs"/>
+              </a:defRPr>
+            </a:lvl4pPr>
+            <a:lvl5pPr marL="1828800" algn="l" defTabSz="914400" rtl="0" eaLnBrk="1" latinLnBrk="0" hangingPunct="1">
+              <a:defRPr sz="1800" kern="1200">
+                <a:solidFill>
+                  <a:schemeClr val="tx1"/>
+                </a:solidFill>
+                <a:latin typeface="+mn-lt"/>
+                <a:ea typeface="+mn-ea"/>
+                <a:cs typeface="+mn-cs"/>
+              </a:defRPr>
+            </a:lvl5pPr>
+            <a:lvl6pPr marL="2286000" algn="l" defTabSz="914400" rtl="0" eaLnBrk="1" latinLnBrk="0" hangingPunct="1">
+              <a:defRPr sz="1800" kern="1200">
+                <a:solidFill>
+                  <a:schemeClr val="tx1"/>
+                </a:solidFill>
+                <a:latin typeface="+mn-lt"/>
+                <a:ea typeface="+mn-ea"/>
+                <a:cs typeface="+mn-cs"/>
+              </a:defRPr>
+            </a:lvl6pPr>
+            <a:lvl7pPr marL="2743200" algn="l" defTabSz="914400" rtl="0" eaLnBrk="1" latinLnBrk="0" hangingPunct="1">
+              <a:defRPr sz="1800" kern="1200">
+                <a:solidFill>
+                  <a:schemeClr val="tx1"/>
+                </a:solidFill>
+                <a:latin typeface="+mn-lt"/>
+                <a:ea typeface="+mn-ea"/>
+                <a:cs typeface="+mn-cs"/>
+              </a:defRPr>
+            </a:lvl7pPr>
+            <a:lvl8pPr marL="3200400" algn="l" defTabSz="914400" rtl="0" eaLnBrk="1" latinLnBrk="0" hangingPunct="1">
+              <a:defRPr sz="1800" kern="1200">
+                <a:solidFill>
+                  <a:schemeClr val="tx1"/>
+                </a:solidFill>
+                <a:latin typeface="+mn-lt"/>
+                <a:ea typeface="+mn-ea"/>
+                <a:cs typeface="+mn-cs"/>
+              </a:defRPr>
+            </a:lvl8pPr>
+            <a:lvl9pPr marL="3657600" algn="l" defTabSz="914400" rtl="0" eaLnBrk="1" latinLnBrk="0" hangingPunct="1">
+              <a:defRPr sz="1800" kern="1200">
+                <a:solidFill>
+                  <a:schemeClr val="tx1"/>
+                </a:solidFill>
+                <a:latin typeface="+mn-lt"/>
+                <a:ea typeface="+mn-ea"/>
+                <a:cs typeface="+mn-cs"/>
+              </a:defRPr>
+            </a:lvl9pPr>
+          </a:lstStyle>
+          <a:p>
+            <a:r>
+              <a:rPr lang="en-IN" b="1" dirty="0">
+                <a:solidFill>
+                  <a:srgbClr val="002060"/>
+                </a:solidFill>
+                <a:latin typeface="Verdana" panose="020B0604030504040204" pitchFamily="34" charset="0"/>
+                <a:ea typeface="Verdana" panose="020B0604030504040204" pitchFamily="34" charset="0"/>
+              </a:rPr>
               <a:t>Pune Tech Community</a:t>
             </a:r>
           </a:p>
@@ -26863,7 +28854,7 @@
 </p:sld>
 </file>
 
-<file path=ppt/slides/slide8.xml><?xml version="1.0" encoding="utf-8"?>
+<file path=ppt/slides/slide9.xml><?xml version="1.0" encoding="utf-8"?>
 <p:sld xmlns:a="http://schemas.openxmlformats.org/drawingml/2006/main" xmlns:r="http://schemas.openxmlformats.org/officeDocument/2006/relationships" xmlns:p="http://schemas.openxmlformats.org/presentationml/2006/main">
   <p:cSld>
     <p:spTree>
@@ -28169,930 +30160,6 @@
     <p:extLst>
       <p:ext uri="{BB962C8B-B14F-4D97-AF65-F5344CB8AC3E}">
         <p14:creationId xmlns:p14="http://schemas.microsoft.com/office/powerpoint/2010/main" val="1135991997"/>
-      </p:ext>
-    </p:extLst>
-  </p:cSld>
-  <p:clrMapOvr>
-    <a:masterClrMapping/>
-  </p:clrMapOvr>
-</p:sld>
-</file>
-
-<file path=ppt/slides/slide9.xml><?xml version="1.0" encoding="utf-8"?>
-<p:sld xmlns:a="http://schemas.openxmlformats.org/drawingml/2006/main" xmlns:r="http://schemas.openxmlformats.org/officeDocument/2006/relationships" xmlns:p="http://schemas.openxmlformats.org/presentationml/2006/main">
-  <p:cSld>
-    <p:spTree>
-      <p:nvGrpSpPr>
-        <p:cNvPr id="1" name=""/>
-        <p:cNvGrpSpPr/>
-        <p:nvPr/>
-      </p:nvGrpSpPr>
-      <p:grpSpPr>
-        <a:xfrm>
-          <a:off x="0" y="0"/>
-          <a:ext cx="0" cy="0"/>
-          <a:chOff x="0" y="0"/>
-          <a:chExt cx="0" cy="0"/>
-        </a:xfrm>
-      </p:grpSpPr>
-      <p:pic>
-        <p:nvPicPr>
-          <p:cNvPr id="1026" name="Picture 2">
-            <a:extLst>
-              <a:ext uri="{FF2B5EF4-FFF2-40B4-BE49-F238E27FC236}">
-                <a16:creationId xmlns:a16="http://schemas.microsoft.com/office/drawing/2014/main" id="{2BE09F8E-F4ED-48B7-9EE2-29D6C55A7243}"/>
-              </a:ext>
-            </a:extLst>
-          </p:cNvPr>
-          <p:cNvPicPr>
-            <a:picLocks noChangeAspect="1" noChangeArrowheads="1"/>
-          </p:cNvPicPr>
-          <p:nvPr/>
-        </p:nvPicPr>
-        <p:blipFill>
-          <a:blip r:embed="rId2">
-            <a:extLst>
-              <a:ext uri="{28A0092B-C50C-407E-A947-70E740481C1C}">
-                <a14:useLocalDpi xmlns:a14="http://schemas.microsoft.com/office/drawing/2010/main" val="0"/>
-              </a:ext>
-            </a:extLst>
-          </a:blip>
-          <a:srcRect/>
-          <a:stretch>
-            <a:fillRect/>
-          </a:stretch>
-        </p:blipFill>
-        <p:spPr bwMode="auto">
-          <a:xfrm>
-            <a:off x="6983816" y="983849"/>
-            <a:ext cx="847725" cy="847725"/>
-          </a:xfrm>
-          <a:prstGeom prst="rect">
-            <a:avLst/>
-          </a:prstGeom>
-          <a:noFill/>
-          <a:extLst>
-            <a:ext uri="{909E8E84-426E-40DD-AFC4-6F175D3DCCD1}">
-              <a14:hiddenFill xmlns:a14="http://schemas.microsoft.com/office/drawing/2010/main">
-                <a:solidFill>
-                  <a:srgbClr val="FFFFFF"/>
-                </a:solidFill>
-              </a14:hiddenFill>
-            </a:ext>
-          </a:extLst>
-        </p:spPr>
-      </p:pic>
-      <p:pic>
-        <p:nvPicPr>
-          <p:cNvPr id="1034" name="Picture 10">
-            <a:extLst>
-              <a:ext uri="{FF2B5EF4-FFF2-40B4-BE49-F238E27FC236}">
-                <a16:creationId xmlns:a16="http://schemas.microsoft.com/office/drawing/2014/main" id="{03A6EE1E-D6C3-43B7-A76C-ED8BA685C33B}"/>
-              </a:ext>
-            </a:extLst>
-          </p:cNvPr>
-          <p:cNvPicPr>
-            <a:picLocks noChangeAspect="1" noChangeArrowheads="1"/>
-          </p:cNvPicPr>
-          <p:nvPr/>
-        </p:nvPicPr>
-        <p:blipFill>
-          <a:blip r:embed="rId3">
-            <a:extLst>
-              <a:ext uri="{28A0092B-C50C-407E-A947-70E740481C1C}">
-                <a14:useLocalDpi xmlns:a14="http://schemas.microsoft.com/office/drawing/2010/main" val="0"/>
-              </a:ext>
-            </a:extLst>
-          </a:blip>
-          <a:srcRect/>
-          <a:stretch>
-            <a:fillRect/>
-          </a:stretch>
-        </p:blipFill>
-        <p:spPr bwMode="auto">
-          <a:xfrm>
-            <a:off x="10435886" y="3207380"/>
-            <a:ext cx="657225" cy="676275"/>
-          </a:xfrm>
-          <a:prstGeom prst="rect">
-            <a:avLst/>
-          </a:prstGeom>
-          <a:noFill/>
-          <a:extLst>
-            <a:ext uri="{909E8E84-426E-40DD-AFC4-6F175D3DCCD1}">
-              <a14:hiddenFill xmlns:a14="http://schemas.microsoft.com/office/drawing/2010/main">
-                <a:solidFill>
-                  <a:srgbClr val="FFFFFF"/>
-                </a:solidFill>
-              </a14:hiddenFill>
-            </a:ext>
-          </a:extLst>
-        </p:spPr>
-      </p:pic>
-      <p:pic>
-        <p:nvPicPr>
-          <p:cNvPr id="1036" name="Picture 12">
-            <a:extLst>
-              <a:ext uri="{FF2B5EF4-FFF2-40B4-BE49-F238E27FC236}">
-                <a16:creationId xmlns:a16="http://schemas.microsoft.com/office/drawing/2014/main" id="{AB427BB8-0AA8-4F7E-AA27-EA18ECDD59BE}"/>
-              </a:ext>
-            </a:extLst>
-          </p:cNvPr>
-          <p:cNvPicPr>
-            <a:picLocks noChangeAspect="1" noChangeArrowheads="1"/>
-          </p:cNvPicPr>
-          <p:nvPr/>
-        </p:nvPicPr>
-        <p:blipFill>
-          <a:blip r:embed="rId4">
-            <a:extLst>
-              <a:ext uri="{28A0092B-C50C-407E-A947-70E740481C1C}">
-                <a14:useLocalDpi xmlns:a14="http://schemas.microsoft.com/office/drawing/2010/main" val="0"/>
-              </a:ext>
-            </a:extLst>
-          </a:blip>
-          <a:srcRect/>
-          <a:stretch>
-            <a:fillRect/>
-          </a:stretch>
-        </p:blipFill>
-        <p:spPr bwMode="auto">
-          <a:xfrm>
-            <a:off x="3632510" y="3148651"/>
-            <a:ext cx="809625" cy="809625"/>
-          </a:xfrm>
-          <a:prstGeom prst="rect">
-            <a:avLst/>
-          </a:prstGeom>
-          <a:noFill/>
-          <a:extLst>
-            <a:ext uri="{909E8E84-426E-40DD-AFC4-6F175D3DCCD1}">
-              <a14:hiddenFill xmlns:a14="http://schemas.microsoft.com/office/drawing/2010/main">
-                <a:solidFill>
-                  <a:srgbClr val="FFFFFF"/>
-                </a:solidFill>
-              </a14:hiddenFill>
-            </a:ext>
-          </a:extLst>
-        </p:spPr>
-      </p:pic>
-      <p:pic>
-        <p:nvPicPr>
-          <p:cNvPr id="1044" name="Picture 20">
-            <a:extLst>
-              <a:ext uri="{FF2B5EF4-FFF2-40B4-BE49-F238E27FC236}">
-                <a16:creationId xmlns:a16="http://schemas.microsoft.com/office/drawing/2014/main" id="{24CA475C-31C6-4B82-A0EA-16888492B5DE}"/>
-              </a:ext>
-            </a:extLst>
-          </p:cNvPr>
-          <p:cNvPicPr>
-            <a:picLocks noChangeAspect="1" noChangeArrowheads="1"/>
-          </p:cNvPicPr>
-          <p:nvPr/>
-        </p:nvPicPr>
-        <p:blipFill>
-          <a:blip r:embed="rId5">
-            <a:extLst>
-              <a:ext uri="{28A0092B-C50C-407E-A947-70E740481C1C}">
-                <a14:useLocalDpi xmlns:a14="http://schemas.microsoft.com/office/drawing/2010/main" val="0"/>
-              </a:ext>
-            </a:extLst>
-          </a:blip>
-          <a:srcRect/>
-          <a:stretch>
-            <a:fillRect/>
-          </a:stretch>
-        </p:blipFill>
-        <p:spPr bwMode="auto">
-          <a:xfrm>
-            <a:off x="414338" y="3207382"/>
-            <a:ext cx="657225" cy="676275"/>
-          </a:xfrm>
-          <a:prstGeom prst="rect">
-            <a:avLst/>
-          </a:prstGeom>
-          <a:noFill/>
-          <a:extLst>
-            <a:ext uri="{909E8E84-426E-40DD-AFC4-6F175D3DCCD1}">
-              <a14:hiddenFill xmlns:a14="http://schemas.microsoft.com/office/drawing/2010/main">
-                <a:solidFill>
-                  <a:srgbClr val="FFFFFF"/>
-                </a:solidFill>
-              </a14:hiddenFill>
-            </a:ext>
-          </a:extLst>
-        </p:spPr>
-      </p:pic>
-      <p:pic>
-        <p:nvPicPr>
-          <p:cNvPr id="22" name="Picture 12">
-            <a:extLst>
-              <a:ext uri="{FF2B5EF4-FFF2-40B4-BE49-F238E27FC236}">
-                <a16:creationId xmlns:a16="http://schemas.microsoft.com/office/drawing/2014/main" id="{CDD441FC-ED8A-4B90-A512-1FFA05777E63}"/>
-              </a:ext>
-            </a:extLst>
-          </p:cNvPr>
-          <p:cNvPicPr>
-            <a:picLocks noChangeAspect="1" noChangeArrowheads="1"/>
-          </p:cNvPicPr>
-          <p:nvPr/>
-        </p:nvPicPr>
-        <p:blipFill>
-          <a:blip r:embed="rId4">
-            <a:extLst>
-              <a:ext uri="{28A0092B-C50C-407E-A947-70E740481C1C}">
-                <a14:useLocalDpi xmlns:a14="http://schemas.microsoft.com/office/drawing/2010/main" val="0"/>
-              </a:ext>
-            </a:extLst>
-          </a:blip>
-          <a:srcRect/>
-          <a:stretch>
-            <a:fillRect/>
-          </a:stretch>
-        </p:blipFill>
-        <p:spPr bwMode="auto">
-          <a:xfrm>
-            <a:off x="7010400" y="3140706"/>
-            <a:ext cx="809625" cy="809625"/>
-          </a:xfrm>
-          <a:prstGeom prst="rect">
-            <a:avLst/>
-          </a:prstGeom>
-          <a:noFill/>
-          <a:extLst>
-            <a:ext uri="{909E8E84-426E-40DD-AFC4-6F175D3DCCD1}">
-              <a14:hiddenFill xmlns:a14="http://schemas.microsoft.com/office/drawing/2010/main">
-                <a:solidFill>
-                  <a:srgbClr val="FFFFFF"/>
-                </a:solidFill>
-              </a14:hiddenFill>
-            </a:ext>
-          </a:extLst>
-        </p:spPr>
-      </p:pic>
-      <p:sp>
-        <p:nvSpPr>
-          <p:cNvPr id="11" name="Heptagon 10">
-            <a:extLst>
-              <a:ext uri="{FF2B5EF4-FFF2-40B4-BE49-F238E27FC236}">
-                <a16:creationId xmlns:a16="http://schemas.microsoft.com/office/drawing/2014/main" id="{8EF000E9-1A1B-40B9-BF7B-8E7326AAFA24}"/>
-              </a:ext>
-            </a:extLst>
-          </p:cNvPr>
-          <p:cNvSpPr/>
-          <p:nvPr/>
-        </p:nvSpPr>
-        <p:spPr>
-          <a:xfrm>
-            <a:off x="240913" y="3082562"/>
-            <a:ext cx="307435" cy="344102"/>
-          </a:xfrm>
-          <a:prstGeom prst="heptagon">
-            <a:avLst/>
-          </a:prstGeom>
-        </p:spPr>
-        <p:style>
-          <a:lnRef idx="2">
-            <a:schemeClr val="accent1">
-              <a:shade val="50000"/>
-            </a:schemeClr>
-          </a:lnRef>
-          <a:fillRef idx="1">
-            <a:schemeClr val="accent1"/>
-          </a:fillRef>
-          <a:effectRef idx="0">
-            <a:schemeClr val="accent1"/>
-          </a:effectRef>
-          <a:fontRef idx="minor">
-            <a:schemeClr val="lt1"/>
-          </a:fontRef>
-        </p:style>
-        <p:txBody>
-          <a:bodyPr rtlCol="0" anchor="ctr"/>
-          <a:lstStyle/>
-          <a:p>
-            <a:pPr algn="ctr"/>
-            <a:r>
-              <a:rPr lang="en-US" dirty="0"/>
-              <a:t>1</a:t>
-            </a:r>
-          </a:p>
-        </p:txBody>
-      </p:sp>
-      <p:cxnSp>
-        <p:nvCxnSpPr>
-          <p:cNvPr id="23" name="Straight Connector 22">
-            <a:extLst>
-              <a:ext uri="{FF2B5EF4-FFF2-40B4-BE49-F238E27FC236}">
-                <a16:creationId xmlns:a16="http://schemas.microsoft.com/office/drawing/2014/main" id="{2F483661-8B57-4D41-8C50-C7739BB2C923}"/>
-              </a:ext>
-            </a:extLst>
-          </p:cNvPr>
-          <p:cNvCxnSpPr>
-            <a:stCxn id="22" idx="0"/>
-            <a:endCxn id="1026" idx="2"/>
-          </p:cNvCxnSpPr>
-          <p:nvPr/>
-        </p:nvCxnSpPr>
-        <p:spPr>
-          <a:xfrm flipH="1" flipV="1">
-            <a:off x="7407679" y="1831574"/>
-            <a:ext cx="7534" cy="1309132"/>
-          </a:xfrm>
-          <a:prstGeom prst="line">
-            <a:avLst/>
-          </a:prstGeom>
-        </p:spPr>
-        <p:style>
-          <a:lnRef idx="1">
-            <a:schemeClr val="accent1"/>
-          </a:lnRef>
-          <a:fillRef idx="0">
-            <a:schemeClr val="accent1"/>
-          </a:fillRef>
-          <a:effectRef idx="0">
-            <a:schemeClr val="accent1"/>
-          </a:effectRef>
-          <a:fontRef idx="minor">
-            <a:schemeClr val="tx1"/>
-          </a:fontRef>
-        </p:style>
-      </p:cxnSp>
-      <p:sp>
-        <p:nvSpPr>
-          <p:cNvPr id="45" name="Heptagon 44">
-            <a:extLst>
-              <a:ext uri="{FF2B5EF4-FFF2-40B4-BE49-F238E27FC236}">
-                <a16:creationId xmlns:a16="http://schemas.microsoft.com/office/drawing/2014/main" id="{E7A80D65-5ADB-4DCD-A7A2-5DFBCA0C9B8D}"/>
-              </a:ext>
-            </a:extLst>
-          </p:cNvPr>
-          <p:cNvSpPr/>
-          <p:nvPr/>
-        </p:nvSpPr>
-        <p:spPr>
-          <a:xfrm>
-            <a:off x="3273843" y="3082562"/>
-            <a:ext cx="307435" cy="344102"/>
-          </a:xfrm>
-          <a:prstGeom prst="heptagon">
-            <a:avLst/>
-          </a:prstGeom>
-        </p:spPr>
-        <p:style>
-          <a:lnRef idx="2">
-            <a:schemeClr val="accent1">
-              <a:shade val="50000"/>
-            </a:schemeClr>
-          </a:lnRef>
-          <a:fillRef idx="1">
-            <a:schemeClr val="accent1"/>
-          </a:fillRef>
-          <a:effectRef idx="0">
-            <a:schemeClr val="accent1"/>
-          </a:effectRef>
-          <a:fontRef idx="minor">
-            <a:schemeClr val="lt1"/>
-          </a:fontRef>
-        </p:style>
-        <p:txBody>
-          <a:bodyPr rtlCol="0" anchor="ctr"/>
-          <a:lstStyle/>
-          <a:p>
-            <a:pPr algn="ctr"/>
-            <a:r>
-              <a:rPr lang="en-US" dirty="0"/>
-              <a:t>2</a:t>
-            </a:r>
-          </a:p>
-        </p:txBody>
-      </p:sp>
-      <p:sp>
-        <p:nvSpPr>
-          <p:cNvPr id="46" name="Heptagon 45">
-            <a:extLst>
-              <a:ext uri="{FF2B5EF4-FFF2-40B4-BE49-F238E27FC236}">
-                <a16:creationId xmlns:a16="http://schemas.microsoft.com/office/drawing/2014/main" id="{41E19403-B49B-4C20-BB68-98A12476BA78}"/>
-              </a:ext>
-            </a:extLst>
-          </p:cNvPr>
-          <p:cNvSpPr/>
-          <p:nvPr/>
-        </p:nvSpPr>
-        <p:spPr>
-          <a:xfrm>
-            <a:off x="6680128" y="3082562"/>
-            <a:ext cx="307435" cy="344102"/>
-          </a:xfrm>
-          <a:prstGeom prst="heptagon">
-            <a:avLst/>
-          </a:prstGeom>
-        </p:spPr>
-        <p:style>
-          <a:lnRef idx="2">
-            <a:schemeClr val="accent1">
-              <a:shade val="50000"/>
-            </a:schemeClr>
-          </a:lnRef>
-          <a:fillRef idx="1">
-            <a:schemeClr val="accent1"/>
-          </a:fillRef>
-          <a:effectRef idx="0">
-            <a:schemeClr val="accent1"/>
-          </a:effectRef>
-          <a:fontRef idx="minor">
-            <a:schemeClr val="lt1"/>
-          </a:fontRef>
-        </p:style>
-        <p:txBody>
-          <a:bodyPr rtlCol="0" anchor="ctr"/>
-          <a:lstStyle/>
-          <a:p>
-            <a:pPr algn="ctr"/>
-            <a:r>
-              <a:rPr lang="en-US" dirty="0"/>
-              <a:t>3</a:t>
-            </a:r>
-          </a:p>
-        </p:txBody>
-      </p:sp>
-      <p:sp>
-        <p:nvSpPr>
-          <p:cNvPr id="47" name="Heptagon 46">
-            <a:extLst>
-              <a:ext uri="{FF2B5EF4-FFF2-40B4-BE49-F238E27FC236}">
-                <a16:creationId xmlns:a16="http://schemas.microsoft.com/office/drawing/2014/main" id="{AB00409F-5084-44E7-90AA-34000E295530}"/>
-              </a:ext>
-            </a:extLst>
-          </p:cNvPr>
-          <p:cNvSpPr/>
-          <p:nvPr/>
-        </p:nvSpPr>
-        <p:spPr>
-          <a:xfrm>
-            <a:off x="6674459" y="1157482"/>
-            <a:ext cx="307435" cy="344102"/>
-          </a:xfrm>
-          <a:prstGeom prst="heptagon">
-            <a:avLst/>
-          </a:prstGeom>
-        </p:spPr>
-        <p:style>
-          <a:lnRef idx="2">
-            <a:schemeClr val="accent1">
-              <a:shade val="50000"/>
-            </a:schemeClr>
-          </a:lnRef>
-          <a:fillRef idx="1">
-            <a:schemeClr val="accent1"/>
-          </a:fillRef>
-          <a:effectRef idx="0">
-            <a:schemeClr val="accent1"/>
-          </a:effectRef>
-          <a:fontRef idx="minor">
-            <a:schemeClr val="lt1"/>
-          </a:fontRef>
-        </p:style>
-        <p:txBody>
-          <a:bodyPr rtlCol="0" anchor="ctr"/>
-          <a:lstStyle/>
-          <a:p>
-            <a:pPr algn="ctr"/>
-            <a:r>
-              <a:rPr lang="en-US" dirty="0"/>
-              <a:t>4</a:t>
-            </a:r>
-          </a:p>
-        </p:txBody>
-      </p:sp>
-      <p:sp>
-        <p:nvSpPr>
-          <p:cNvPr id="48" name="Heptagon 47">
-            <a:extLst>
-              <a:ext uri="{FF2B5EF4-FFF2-40B4-BE49-F238E27FC236}">
-                <a16:creationId xmlns:a16="http://schemas.microsoft.com/office/drawing/2014/main" id="{7404ADED-C51D-46C9-8F7A-0B3E6F45A5B6}"/>
-              </a:ext>
-            </a:extLst>
-          </p:cNvPr>
-          <p:cNvSpPr/>
-          <p:nvPr/>
-        </p:nvSpPr>
-        <p:spPr>
-          <a:xfrm>
-            <a:off x="10022305" y="3082562"/>
-            <a:ext cx="307435" cy="344102"/>
-          </a:xfrm>
-          <a:prstGeom prst="heptagon">
-            <a:avLst/>
-          </a:prstGeom>
-        </p:spPr>
-        <p:style>
-          <a:lnRef idx="2">
-            <a:schemeClr val="accent1">
-              <a:shade val="50000"/>
-            </a:schemeClr>
-          </a:lnRef>
-          <a:fillRef idx="1">
-            <a:schemeClr val="accent1"/>
-          </a:fillRef>
-          <a:effectRef idx="0">
-            <a:schemeClr val="accent1"/>
-          </a:effectRef>
-          <a:fontRef idx="minor">
-            <a:schemeClr val="lt1"/>
-          </a:fontRef>
-        </p:style>
-        <p:txBody>
-          <a:bodyPr rtlCol="0" anchor="ctr"/>
-          <a:lstStyle/>
-          <a:p>
-            <a:pPr algn="ctr"/>
-            <a:r>
-              <a:rPr lang="en-US" dirty="0"/>
-              <a:t>5</a:t>
-            </a:r>
-          </a:p>
-        </p:txBody>
-      </p:sp>
-      <p:sp>
-        <p:nvSpPr>
-          <p:cNvPr id="35" name="TextBox 34">
-            <a:extLst>
-              <a:ext uri="{FF2B5EF4-FFF2-40B4-BE49-F238E27FC236}">
-                <a16:creationId xmlns:a16="http://schemas.microsoft.com/office/drawing/2014/main" id="{E2F5F6A0-D510-4DE5-B9DB-EE0C0D374DC9}"/>
-              </a:ext>
-            </a:extLst>
-          </p:cNvPr>
-          <p:cNvSpPr txBox="1"/>
-          <p:nvPr/>
-        </p:nvSpPr>
-        <p:spPr>
-          <a:xfrm>
-            <a:off x="9219304" y="5138637"/>
-            <a:ext cx="2893741" cy="369332"/>
-          </a:xfrm>
-          <a:prstGeom prst="rect">
-            <a:avLst/>
-          </a:prstGeom>
-          <a:noFill/>
-          <a:ln>
-            <a:solidFill>
-              <a:schemeClr val="tx1"/>
-            </a:solidFill>
-            <a:prstDash val="solid"/>
-          </a:ln>
-        </p:spPr>
-        <p:txBody>
-          <a:bodyPr wrap="none" rtlCol="0">
-            <a:spAutoFit/>
-          </a:bodyPr>
-          <a:lstStyle/>
-          <a:p>
-            <a:r>
-              <a:rPr lang="en-US" b="1" dirty="0">
-                <a:solidFill>
-                  <a:srgbClr val="0070C0"/>
-                </a:solidFill>
-                <a:latin typeface="Verdana" panose="020B0604030504040204" pitchFamily="34" charset="0"/>
-                <a:ea typeface="Verdana" panose="020B0604030504040204" pitchFamily="34" charset="0"/>
-              </a:rPr>
-              <a:t>August 2021 Version</a:t>
-            </a:r>
-          </a:p>
-        </p:txBody>
-      </p:sp>
-      <p:sp>
-        <p:nvSpPr>
-          <p:cNvPr id="29" name="TextBox 28">
-            <a:extLst>
-              <a:ext uri="{FF2B5EF4-FFF2-40B4-BE49-F238E27FC236}">
-                <a16:creationId xmlns:a16="http://schemas.microsoft.com/office/drawing/2014/main" id="{73DEDEAB-57DE-46F8-9469-78112F7FEB52}"/>
-              </a:ext>
-            </a:extLst>
-          </p:cNvPr>
-          <p:cNvSpPr txBox="1"/>
-          <p:nvPr/>
-        </p:nvSpPr>
-        <p:spPr>
-          <a:xfrm>
-            <a:off x="3433951" y="3868771"/>
-            <a:ext cx="1206741" cy="276999"/>
-          </a:xfrm>
-          <a:prstGeom prst="rect">
-            <a:avLst/>
-          </a:prstGeom>
-          <a:noFill/>
-        </p:spPr>
-        <p:txBody>
-          <a:bodyPr wrap="none" rtlCol="0">
-            <a:spAutoFit/>
-          </a:bodyPr>
-          <a:lstStyle/>
-          <a:p>
-            <a:r>
-              <a:rPr lang="en-US" sz="1200" dirty="0">
-                <a:solidFill>
-                  <a:srgbClr val="002060"/>
-                </a:solidFill>
-                <a:latin typeface="Verdana" panose="020B0604030504040204" pitchFamily="34" charset="0"/>
-                <a:ea typeface="Verdana" panose="020B0604030504040204" pitchFamily="34" charset="0"/>
-              </a:rPr>
-              <a:t>Blazor WASM</a:t>
-            </a:r>
-          </a:p>
-        </p:txBody>
-      </p:sp>
-      <p:sp>
-        <p:nvSpPr>
-          <p:cNvPr id="32" name="TextBox 31">
-            <a:extLst>
-              <a:ext uri="{FF2B5EF4-FFF2-40B4-BE49-F238E27FC236}">
-                <a16:creationId xmlns:a16="http://schemas.microsoft.com/office/drawing/2014/main" id="{7ACD62D2-6EA3-462B-9EE3-1AE82A658BDE}"/>
-              </a:ext>
-            </a:extLst>
-          </p:cNvPr>
-          <p:cNvSpPr txBox="1"/>
-          <p:nvPr/>
-        </p:nvSpPr>
-        <p:spPr>
-          <a:xfrm>
-            <a:off x="7003080" y="3868771"/>
-            <a:ext cx="834396" cy="276999"/>
-          </a:xfrm>
-          <a:prstGeom prst="rect">
-            <a:avLst/>
-          </a:prstGeom>
-          <a:noFill/>
-        </p:spPr>
-        <p:txBody>
-          <a:bodyPr wrap="none" rtlCol="0">
-            <a:spAutoFit/>
-          </a:bodyPr>
-          <a:lstStyle/>
-          <a:p>
-            <a:r>
-              <a:rPr lang="en-US" sz="1200" dirty="0">
-                <a:solidFill>
-                  <a:srgbClr val="002060"/>
-                </a:solidFill>
-                <a:latin typeface="Verdana" panose="020B0604030504040204" pitchFamily="34" charset="0"/>
-                <a:ea typeface="Verdana" panose="020B0604030504040204" pitchFamily="34" charset="0"/>
-              </a:rPr>
-              <a:t>Web API</a:t>
-            </a:r>
-          </a:p>
-        </p:txBody>
-      </p:sp>
-      <p:sp>
-        <p:nvSpPr>
-          <p:cNvPr id="33" name="TextBox 32">
-            <a:extLst>
-              <a:ext uri="{FF2B5EF4-FFF2-40B4-BE49-F238E27FC236}">
-                <a16:creationId xmlns:a16="http://schemas.microsoft.com/office/drawing/2014/main" id="{B2F4BAD8-B680-472E-AAAA-BA6C3042BA54}"/>
-              </a:ext>
-            </a:extLst>
-          </p:cNvPr>
-          <p:cNvSpPr txBox="1"/>
-          <p:nvPr/>
-        </p:nvSpPr>
-        <p:spPr>
-          <a:xfrm>
-            <a:off x="6657173" y="761510"/>
-            <a:ext cx="1411027" cy="276999"/>
-          </a:xfrm>
-          <a:prstGeom prst="rect">
-            <a:avLst/>
-          </a:prstGeom>
-          <a:noFill/>
-        </p:spPr>
-        <p:txBody>
-          <a:bodyPr wrap="none" rtlCol="0">
-            <a:spAutoFit/>
-          </a:bodyPr>
-          <a:lstStyle/>
-          <a:p>
-            <a:r>
-              <a:rPr lang="en-US" sz="1200" dirty="0">
-                <a:solidFill>
-                  <a:srgbClr val="002060"/>
-                </a:solidFill>
-                <a:latin typeface="Verdana" panose="020B0604030504040204" pitchFamily="34" charset="0"/>
-                <a:ea typeface="Verdana" panose="020B0604030504040204" pitchFamily="34" charset="0"/>
-              </a:rPr>
-              <a:t>Azure Key Vault</a:t>
-            </a:r>
-          </a:p>
-        </p:txBody>
-      </p:sp>
-      <p:sp>
-        <p:nvSpPr>
-          <p:cNvPr id="37" name="TextBox 36">
-            <a:extLst>
-              <a:ext uri="{FF2B5EF4-FFF2-40B4-BE49-F238E27FC236}">
-                <a16:creationId xmlns:a16="http://schemas.microsoft.com/office/drawing/2014/main" id="{E472F245-397E-4CEE-88C2-F7D04A607F7F}"/>
-              </a:ext>
-            </a:extLst>
-          </p:cNvPr>
-          <p:cNvSpPr txBox="1"/>
-          <p:nvPr/>
-        </p:nvSpPr>
-        <p:spPr>
-          <a:xfrm>
-            <a:off x="9978904" y="3868771"/>
-            <a:ext cx="1557093" cy="276999"/>
-          </a:xfrm>
-          <a:prstGeom prst="rect">
-            <a:avLst/>
-          </a:prstGeom>
-          <a:noFill/>
-        </p:spPr>
-        <p:txBody>
-          <a:bodyPr wrap="none" rtlCol="0">
-            <a:spAutoFit/>
-          </a:bodyPr>
-          <a:lstStyle/>
-          <a:p>
-            <a:r>
-              <a:rPr lang="en-US" sz="1200" dirty="0">
-                <a:solidFill>
-                  <a:srgbClr val="002060"/>
-                </a:solidFill>
-                <a:latin typeface="Verdana" panose="020B0604030504040204" pitchFamily="34" charset="0"/>
-                <a:ea typeface="Verdana" panose="020B0604030504040204" pitchFamily="34" charset="0"/>
-              </a:rPr>
-              <a:t>Azure SQL Server</a:t>
-            </a:r>
-          </a:p>
-        </p:txBody>
-      </p:sp>
-      <p:cxnSp>
-        <p:nvCxnSpPr>
-          <p:cNvPr id="43" name="Straight Arrow Connector 42">
-            <a:extLst>
-              <a:ext uri="{FF2B5EF4-FFF2-40B4-BE49-F238E27FC236}">
-                <a16:creationId xmlns:a16="http://schemas.microsoft.com/office/drawing/2014/main" id="{BB3E70C0-B1EA-4E72-AF0A-7A34EFBCE473}"/>
-              </a:ext>
-            </a:extLst>
-          </p:cNvPr>
-          <p:cNvCxnSpPr>
-            <a:cxnSpLocks/>
-          </p:cNvCxnSpPr>
-          <p:nvPr/>
-        </p:nvCxnSpPr>
-        <p:spPr>
-          <a:xfrm flipV="1">
-            <a:off x="973819" y="3563806"/>
-            <a:ext cx="2712126" cy="1"/>
-          </a:xfrm>
-          <a:prstGeom prst="straightConnector1">
-            <a:avLst/>
-          </a:prstGeom>
-          <a:ln>
-            <a:tailEnd type="triangle"/>
-          </a:ln>
-        </p:spPr>
-        <p:style>
-          <a:lnRef idx="1">
-            <a:schemeClr val="accent1"/>
-          </a:lnRef>
-          <a:fillRef idx="0">
-            <a:schemeClr val="accent1"/>
-          </a:fillRef>
-          <a:effectRef idx="0">
-            <a:schemeClr val="accent1"/>
-          </a:effectRef>
-          <a:fontRef idx="minor">
-            <a:schemeClr val="tx1"/>
-          </a:fontRef>
-        </p:style>
-      </p:cxnSp>
-      <p:cxnSp>
-        <p:nvCxnSpPr>
-          <p:cNvPr id="52" name="Straight Arrow Connector 51">
-            <a:extLst>
-              <a:ext uri="{FF2B5EF4-FFF2-40B4-BE49-F238E27FC236}">
-                <a16:creationId xmlns:a16="http://schemas.microsoft.com/office/drawing/2014/main" id="{32B65C11-0411-4270-B765-93FD97EF4FD7}"/>
-              </a:ext>
-            </a:extLst>
-          </p:cNvPr>
-          <p:cNvCxnSpPr>
-            <a:cxnSpLocks/>
-          </p:cNvCxnSpPr>
-          <p:nvPr/>
-        </p:nvCxnSpPr>
-        <p:spPr>
-          <a:xfrm flipV="1">
-            <a:off x="4357700" y="3556406"/>
-            <a:ext cx="2712126" cy="1"/>
-          </a:xfrm>
-          <a:prstGeom prst="straightConnector1">
-            <a:avLst/>
-          </a:prstGeom>
-          <a:ln>
-            <a:tailEnd type="triangle"/>
-          </a:ln>
-        </p:spPr>
-        <p:style>
-          <a:lnRef idx="1">
-            <a:schemeClr val="accent1"/>
-          </a:lnRef>
-          <a:fillRef idx="0">
-            <a:schemeClr val="accent1"/>
-          </a:fillRef>
-          <a:effectRef idx="0">
-            <a:schemeClr val="accent1"/>
-          </a:effectRef>
-          <a:fontRef idx="minor">
-            <a:schemeClr val="tx1"/>
-          </a:fontRef>
-        </p:style>
-      </p:cxnSp>
-      <p:cxnSp>
-        <p:nvCxnSpPr>
-          <p:cNvPr id="53" name="Straight Arrow Connector 52">
-            <a:extLst>
-              <a:ext uri="{FF2B5EF4-FFF2-40B4-BE49-F238E27FC236}">
-                <a16:creationId xmlns:a16="http://schemas.microsoft.com/office/drawing/2014/main" id="{377EAAA1-50F0-433E-A218-35B4BA6C37EB}"/>
-              </a:ext>
-            </a:extLst>
-          </p:cNvPr>
-          <p:cNvCxnSpPr>
-            <a:cxnSpLocks/>
-          </p:cNvCxnSpPr>
-          <p:nvPr/>
-        </p:nvCxnSpPr>
-        <p:spPr>
-          <a:xfrm flipV="1">
-            <a:off x="7784487" y="3556403"/>
-            <a:ext cx="2712126" cy="1"/>
-          </a:xfrm>
-          <a:prstGeom prst="straightConnector1">
-            <a:avLst/>
-          </a:prstGeom>
-          <a:ln>
-            <a:tailEnd type="triangle"/>
-          </a:ln>
-        </p:spPr>
-        <p:style>
-          <a:lnRef idx="1">
-            <a:schemeClr val="accent1"/>
-          </a:lnRef>
-          <a:fillRef idx="0">
-            <a:schemeClr val="accent1"/>
-          </a:fillRef>
-          <a:effectRef idx="0">
-            <a:schemeClr val="accent1"/>
-          </a:effectRef>
-          <a:fontRef idx="minor">
-            <a:schemeClr val="tx1"/>
-          </a:fontRef>
-        </p:style>
-      </p:cxnSp>
-      <p:sp>
-        <p:nvSpPr>
-          <p:cNvPr id="54" name="TextBox 53">
-            <a:extLst>
-              <a:ext uri="{FF2B5EF4-FFF2-40B4-BE49-F238E27FC236}">
-                <a16:creationId xmlns:a16="http://schemas.microsoft.com/office/drawing/2014/main" id="{4AAB1816-7919-42F9-855B-2F50292B0ADB}"/>
-              </a:ext>
-            </a:extLst>
-          </p:cNvPr>
-          <p:cNvSpPr txBox="1"/>
-          <p:nvPr/>
-        </p:nvSpPr>
-        <p:spPr>
-          <a:xfrm>
-            <a:off x="488327" y="3870249"/>
-            <a:ext cx="534121" cy="276999"/>
-          </a:xfrm>
-          <a:prstGeom prst="rect">
-            <a:avLst/>
-          </a:prstGeom>
-          <a:noFill/>
-        </p:spPr>
-        <p:txBody>
-          <a:bodyPr wrap="none" rtlCol="0">
-            <a:spAutoFit/>
-          </a:bodyPr>
-          <a:lstStyle/>
-          <a:p>
-            <a:r>
-              <a:rPr lang="en-US" sz="1200" dirty="0">
-                <a:solidFill>
-                  <a:srgbClr val="002060"/>
-                </a:solidFill>
-                <a:latin typeface="Verdana" panose="020B0604030504040204" pitchFamily="34" charset="0"/>
-                <a:ea typeface="Verdana" panose="020B0604030504040204" pitchFamily="34" charset="0"/>
-              </a:rPr>
-              <a:t>User</a:t>
-            </a:r>
-          </a:p>
-        </p:txBody>
-      </p:sp>
-    </p:spTree>
-    <p:extLst>
-      <p:ext uri="{BB962C8B-B14F-4D97-AF65-F5344CB8AC3E}">
-        <p14:creationId xmlns:p14="http://schemas.microsoft.com/office/powerpoint/2010/main" val="4050206399"/>
       </p:ext>
     </p:extLst>
   </p:cSld>

--- a/TechTalk.pptx
+++ b/TechTalk.pptx
@@ -7,40 +7,41 @@
     <p:sldMasterId id="2147483672" r:id="rId3"/>
   </p:sldMasterIdLst>
   <p:notesMasterIdLst>
-    <p:notesMasterId r:id="rId35"/>
+    <p:notesMasterId r:id="rId36"/>
   </p:notesMasterIdLst>
   <p:sldIdLst>
     <p:sldId id="256" r:id="rId4"/>
     <p:sldId id="334" r:id="rId5"/>
-    <p:sldId id="349" r:id="rId6"/>
-    <p:sldId id="350" r:id="rId7"/>
-    <p:sldId id="346" r:id="rId8"/>
-    <p:sldId id="347" r:id="rId9"/>
-    <p:sldId id="348" r:id="rId10"/>
-    <p:sldId id="335" r:id="rId11"/>
-    <p:sldId id="336" r:id="rId12"/>
-    <p:sldId id="325" r:id="rId13"/>
-    <p:sldId id="324" r:id="rId14"/>
-    <p:sldId id="333" r:id="rId15"/>
-    <p:sldId id="331" r:id="rId16"/>
-    <p:sldId id="321" r:id="rId17"/>
-    <p:sldId id="332" r:id="rId18"/>
-    <p:sldId id="326" r:id="rId19"/>
-    <p:sldId id="329" r:id="rId20"/>
-    <p:sldId id="327" r:id="rId21"/>
-    <p:sldId id="328" r:id="rId22"/>
-    <p:sldId id="283" r:id="rId23"/>
-    <p:sldId id="330" r:id="rId24"/>
-    <p:sldId id="323" r:id="rId25"/>
-    <p:sldId id="315" r:id="rId26"/>
-    <p:sldId id="319" r:id="rId27"/>
-    <p:sldId id="318" r:id="rId28"/>
-    <p:sldId id="316" r:id="rId29"/>
-    <p:sldId id="320" r:id="rId30"/>
-    <p:sldId id="322" r:id="rId31"/>
-    <p:sldId id="314" r:id="rId32"/>
-    <p:sldId id="292" r:id="rId33"/>
-    <p:sldId id="258" r:id="rId34"/>
+    <p:sldId id="351" r:id="rId6"/>
+    <p:sldId id="349" r:id="rId7"/>
+    <p:sldId id="350" r:id="rId8"/>
+    <p:sldId id="346" r:id="rId9"/>
+    <p:sldId id="347" r:id="rId10"/>
+    <p:sldId id="348" r:id="rId11"/>
+    <p:sldId id="335" r:id="rId12"/>
+    <p:sldId id="336" r:id="rId13"/>
+    <p:sldId id="325" r:id="rId14"/>
+    <p:sldId id="324" r:id="rId15"/>
+    <p:sldId id="333" r:id="rId16"/>
+    <p:sldId id="331" r:id="rId17"/>
+    <p:sldId id="321" r:id="rId18"/>
+    <p:sldId id="332" r:id="rId19"/>
+    <p:sldId id="326" r:id="rId20"/>
+    <p:sldId id="329" r:id="rId21"/>
+    <p:sldId id="327" r:id="rId22"/>
+    <p:sldId id="328" r:id="rId23"/>
+    <p:sldId id="283" r:id="rId24"/>
+    <p:sldId id="330" r:id="rId25"/>
+    <p:sldId id="323" r:id="rId26"/>
+    <p:sldId id="315" r:id="rId27"/>
+    <p:sldId id="319" r:id="rId28"/>
+    <p:sldId id="318" r:id="rId29"/>
+    <p:sldId id="316" r:id="rId30"/>
+    <p:sldId id="320" r:id="rId31"/>
+    <p:sldId id="322" r:id="rId32"/>
+    <p:sldId id="314" r:id="rId33"/>
+    <p:sldId id="292" r:id="rId34"/>
+    <p:sldId id="258" r:id="rId35"/>
   </p:sldIdLst>
   <p:sldSz cx="12192000" cy="6858000"/>
   <p:notesSz cx="6858000" cy="9144000"/>
@@ -241,7 +242,7 @@
           <a:p>
             <a:fld id="{289D7669-2C4F-4057-B198-13E596C98571}" type="datetimeFigureOut">
               <a:rPr lang="en-IN" smtClean="0"/>
-              <a:t>28-01-2023</a:t>
+              <a:t>31-01-2023</a:t>
             </a:fld>
             <a:endParaRPr lang="en-IN"/>
           </a:p>
@@ -658,7 +659,7 @@
           <a:p>
             <a:fld id="{AAAFDAC1-E73E-4D41-B9D9-D9AB5226AECC}" type="datetimeFigureOut">
               <a:rPr lang="en-IN" smtClean="0"/>
-              <a:t>28-01-2023</a:t>
+              <a:t>31-01-2023</a:t>
             </a:fld>
             <a:endParaRPr lang="en-IN"/>
           </a:p>
@@ -858,7 +859,7 @@
           <a:p>
             <a:fld id="{AAAFDAC1-E73E-4D41-B9D9-D9AB5226AECC}" type="datetimeFigureOut">
               <a:rPr lang="en-IN" smtClean="0"/>
-              <a:t>28-01-2023</a:t>
+              <a:t>31-01-2023</a:t>
             </a:fld>
             <a:endParaRPr lang="en-IN"/>
           </a:p>
@@ -1068,7 +1069,7 @@
           <a:p>
             <a:fld id="{AAAFDAC1-E73E-4D41-B9D9-D9AB5226AECC}" type="datetimeFigureOut">
               <a:rPr lang="en-IN" smtClean="0"/>
-              <a:t>28-01-2023</a:t>
+              <a:t>31-01-2023</a:t>
             </a:fld>
             <a:endParaRPr lang="en-IN"/>
           </a:p>
@@ -1288,7 +1289,7 @@
           <a:p>
             <a:fld id="{5C55C9EC-A943-4027-9290-5A7F0DEB51E2}" type="datetimeFigureOut">
               <a:rPr lang="en-US" smtClean="0"/>
-              <a:t>1/28/2023</a:t>
+              <a:t>1/31/2023</a:t>
             </a:fld>
             <a:endParaRPr lang="en-US"/>
           </a:p>
@@ -1486,7 +1487,7 @@
           <a:p>
             <a:fld id="{5C55C9EC-A943-4027-9290-5A7F0DEB51E2}" type="datetimeFigureOut">
               <a:rPr lang="en-US" smtClean="0"/>
-              <a:t>1/28/2023</a:t>
+              <a:t>1/31/2023</a:t>
             </a:fld>
             <a:endParaRPr lang="en-US"/>
           </a:p>
@@ -1761,7 +1762,7 @@
           <a:p>
             <a:fld id="{5C55C9EC-A943-4027-9290-5A7F0DEB51E2}" type="datetimeFigureOut">
               <a:rPr lang="en-US" smtClean="0"/>
-              <a:t>1/28/2023</a:t>
+              <a:t>1/31/2023</a:t>
             </a:fld>
             <a:endParaRPr lang="en-US"/>
           </a:p>
@@ -2026,7 +2027,7 @@
           <a:p>
             <a:fld id="{5C55C9EC-A943-4027-9290-5A7F0DEB51E2}" type="datetimeFigureOut">
               <a:rPr lang="en-US" smtClean="0"/>
-              <a:t>1/28/2023</a:t>
+              <a:t>1/31/2023</a:t>
             </a:fld>
             <a:endParaRPr lang="en-US"/>
           </a:p>
@@ -2438,7 +2439,7 @@
           <a:p>
             <a:fld id="{5C55C9EC-A943-4027-9290-5A7F0DEB51E2}" type="datetimeFigureOut">
               <a:rPr lang="en-US" smtClean="0"/>
-              <a:t>1/28/2023</a:t>
+              <a:t>1/31/2023</a:t>
             </a:fld>
             <a:endParaRPr lang="en-US"/>
           </a:p>
@@ -2579,7 +2580,7 @@
           <a:p>
             <a:fld id="{5C55C9EC-A943-4027-9290-5A7F0DEB51E2}" type="datetimeFigureOut">
               <a:rPr lang="en-US" smtClean="0"/>
-              <a:t>1/28/2023</a:t>
+              <a:t>1/31/2023</a:t>
             </a:fld>
             <a:endParaRPr lang="en-US"/>
           </a:p>
@@ -2692,7 +2693,7 @@
           <a:p>
             <a:fld id="{5C55C9EC-A943-4027-9290-5A7F0DEB51E2}" type="datetimeFigureOut">
               <a:rPr lang="en-US" smtClean="0"/>
-              <a:t>1/28/2023</a:t>
+              <a:t>1/31/2023</a:t>
             </a:fld>
             <a:endParaRPr lang="en-US"/>
           </a:p>
@@ -3003,7 +3004,7 @@
           <a:p>
             <a:fld id="{5C55C9EC-A943-4027-9290-5A7F0DEB51E2}" type="datetimeFigureOut">
               <a:rPr lang="en-US" smtClean="0"/>
-              <a:t>1/28/2023</a:t>
+              <a:t>1/31/2023</a:t>
             </a:fld>
             <a:endParaRPr lang="en-US"/>
           </a:p>
@@ -3203,7 +3204,7 @@
           <a:p>
             <a:fld id="{AAAFDAC1-E73E-4D41-B9D9-D9AB5226AECC}" type="datetimeFigureOut">
               <a:rPr lang="en-IN" smtClean="0"/>
-              <a:t>28-01-2023</a:t>
+              <a:t>31-01-2023</a:t>
             </a:fld>
             <a:endParaRPr lang="en-IN"/>
           </a:p>
@@ -3491,7 +3492,7 @@
           <a:p>
             <a:fld id="{5C55C9EC-A943-4027-9290-5A7F0DEB51E2}" type="datetimeFigureOut">
               <a:rPr lang="en-US" smtClean="0"/>
-              <a:t>1/28/2023</a:t>
+              <a:t>1/31/2023</a:t>
             </a:fld>
             <a:endParaRPr lang="en-US"/>
           </a:p>
@@ -3689,7 +3690,7 @@
           <a:p>
             <a:fld id="{5C55C9EC-A943-4027-9290-5A7F0DEB51E2}" type="datetimeFigureOut">
               <a:rPr lang="en-US" smtClean="0"/>
-              <a:t>1/28/2023</a:t>
+              <a:t>1/31/2023</a:t>
             </a:fld>
             <a:endParaRPr lang="en-US"/>
           </a:p>
@@ -3897,7 +3898,7 @@
           <a:p>
             <a:fld id="{5C55C9EC-A943-4027-9290-5A7F0DEB51E2}" type="datetimeFigureOut">
               <a:rPr lang="en-US" smtClean="0"/>
-              <a:t>1/28/2023</a:t>
+              <a:t>1/31/2023</a:t>
             </a:fld>
             <a:endParaRPr lang="en-US"/>
           </a:p>
@@ -4101,7 +4102,7 @@
           <a:p>
             <a:fld id="{A3D997B0-F87C-48C5-82AE-40756E436AED}" type="datetime1">
               <a:rPr lang="en-US" smtClean="0"/>
-              <a:t>1/28/2023</a:t>
+              <a:t>1/31/2023</a:t>
             </a:fld>
             <a:endParaRPr lang="en-US"/>
           </a:p>
@@ -4274,7 +4275,7 @@
           <a:p>
             <a:fld id="{701D4B01-752C-4C35-AEA2-5921A689F5A7}" type="datetime1">
               <a:rPr lang="en-US" smtClean="0"/>
-              <a:t>1/28/2023</a:t>
+              <a:t>1/31/2023</a:t>
             </a:fld>
             <a:endParaRPr lang="en-US"/>
           </a:p>
@@ -4523,7 +4524,7 @@
           <a:p>
             <a:fld id="{DE74A512-7248-406B-86BF-E296AD55CF49}" type="datetime1">
               <a:rPr lang="en-US" smtClean="0"/>
-              <a:t>1/28/2023</a:t>
+              <a:t>1/31/2023</a:t>
             </a:fld>
             <a:endParaRPr lang="en-US"/>
           </a:p>
@@ -4758,7 +4759,7 @@
           <a:p>
             <a:fld id="{78C537D5-E3DE-4105-B0AC-38A21365C197}" type="datetime1">
               <a:rPr lang="en-US" smtClean="0"/>
-              <a:t>1/28/2023</a:t>
+              <a:t>1/31/2023</a:t>
             </a:fld>
             <a:endParaRPr lang="en-US"/>
           </a:p>
@@ -5128,7 +5129,7 @@
           <a:p>
             <a:fld id="{B8BD058F-09DF-4993-AE53-E92A7689CEAD}" type="datetime1">
               <a:rPr lang="en-US" smtClean="0"/>
-              <a:t>1/28/2023</a:t>
+              <a:t>1/31/2023</a:t>
             </a:fld>
             <a:endParaRPr lang="en-US"/>
           </a:p>
@@ -5249,7 +5250,7 @@
           <a:p>
             <a:fld id="{E19471B3-D8DD-4988-8C26-A807F755DEAD}" type="datetime1">
               <a:rPr lang="en-US" smtClean="0"/>
-              <a:t>1/28/2023</a:t>
+              <a:t>1/31/2023</a:t>
             </a:fld>
             <a:endParaRPr lang="en-US"/>
           </a:p>
@@ -5347,7 +5348,7 @@
           <a:p>
             <a:fld id="{738378E2-22D8-4882-8104-F807B0E62B4E}" type="datetime1">
               <a:rPr lang="en-US" smtClean="0"/>
-              <a:t>1/28/2023</a:t>
+              <a:t>1/31/2023</a:t>
             </a:fld>
             <a:endParaRPr lang="en-US"/>
           </a:p>
@@ -5614,7 +5615,7 @@
           <a:p>
             <a:fld id="{AAAFDAC1-E73E-4D41-B9D9-D9AB5226AECC}" type="datetimeFigureOut">
               <a:rPr lang="en-IN" smtClean="0"/>
-              <a:t>28-01-2023</a:t>
+              <a:t>31-01-2023</a:t>
             </a:fld>
             <a:endParaRPr lang="en-IN"/>
           </a:p>
@@ -5903,7 +5904,7 @@
           <a:p>
             <a:fld id="{A5BAD5AE-3C5E-4251-B769-B6224CE8598B}" type="datetime1">
               <a:rPr lang="en-US" smtClean="0"/>
-              <a:t>1/28/2023</a:t>
+              <a:t>1/31/2023</a:t>
             </a:fld>
             <a:endParaRPr lang="en-US"/>
           </a:p>
@@ -6163,7 +6164,7 @@
           <a:p>
             <a:fld id="{EE312CFE-F8CF-4D2A-A9FF-4F2C30305432}" type="datetime1">
               <a:rPr lang="en-US" smtClean="0"/>
-              <a:t>1/28/2023</a:t>
+              <a:t>1/31/2023</a:t>
             </a:fld>
             <a:endParaRPr lang="en-US"/>
           </a:p>
@@ -6336,7 +6337,7 @@
           <a:p>
             <a:fld id="{C4466C03-75DE-431E-8229-7D31A04DF7BD}" type="datetime1">
               <a:rPr lang="en-US" smtClean="0"/>
-              <a:t>1/28/2023</a:t>
+              <a:t>1/31/2023</a:t>
             </a:fld>
             <a:endParaRPr lang="en-US"/>
           </a:p>
@@ -6519,7 +6520,7 @@
           <a:p>
             <a:fld id="{0D79318F-E85C-4A65-9BDD-82F2415695D3}" type="datetime1">
               <a:rPr lang="en-US" smtClean="0"/>
-              <a:t>1/28/2023</a:t>
+              <a:t>1/31/2023</a:t>
             </a:fld>
             <a:endParaRPr lang="en-US"/>
           </a:p>
@@ -6778,7 +6779,7 @@
           <a:p>
             <a:fld id="{AAAFDAC1-E73E-4D41-B9D9-D9AB5226AECC}" type="datetimeFigureOut">
               <a:rPr lang="en-IN" smtClean="0"/>
-              <a:t>28-01-2023</a:t>
+              <a:t>31-01-2023</a:t>
             </a:fld>
             <a:endParaRPr lang="en-IN"/>
           </a:p>
@@ -7193,7 +7194,7 @@
           <a:p>
             <a:fld id="{AAAFDAC1-E73E-4D41-B9D9-D9AB5226AECC}" type="datetimeFigureOut">
               <a:rPr lang="en-IN" smtClean="0"/>
-              <a:t>28-01-2023</a:t>
+              <a:t>31-01-2023</a:t>
             </a:fld>
             <a:endParaRPr lang="en-IN"/>
           </a:p>
@@ -7335,7 +7336,7 @@
           <a:p>
             <a:fld id="{AAAFDAC1-E73E-4D41-B9D9-D9AB5226AECC}" type="datetimeFigureOut">
               <a:rPr lang="en-IN" smtClean="0"/>
-              <a:t>28-01-2023</a:t>
+              <a:t>31-01-2023</a:t>
             </a:fld>
             <a:endParaRPr lang="en-IN"/>
           </a:p>
@@ -7448,7 +7449,7 @@
           <a:p>
             <a:fld id="{AAAFDAC1-E73E-4D41-B9D9-D9AB5226AECC}" type="datetimeFigureOut">
               <a:rPr lang="en-IN" smtClean="0"/>
-              <a:t>28-01-2023</a:t>
+              <a:t>31-01-2023</a:t>
             </a:fld>
             <a:endParaRPr lang="en-IN"/>
           </a:p>
@@ -7761,7 +7762,7 @@
           <a:p>
             <a:fld id="{AAAFDAC1-E73E-4D41-B9D9-D9AB5226AECC}" type="datetimeFigureOut">
               <a:rPr lang="en-IN" smtClean="0"/>
-              <a:t>28-01-2023</a:t>
+              <a:t>31-01-2023</a:t>
             </a:fld>
             <a:endParaRPr lang="en-IN"/>
           </a:p>
@@ -8050,7 +8051,7 @@
           <a:p>
             <a:fld id="{AAAFDAC1-E73E-4D41-B9D9-D9AB5226AECC}" type="datetimeFigureOut">
               <a:rPr lang="en-IN" smtClean="0"/>
-              <a:t>28-01-2023</a:t>
+              <a:t>31-01-2023</a:t>
             </a:fld>
             <a:endParaRPr lang="en-IN"/>
           </a:p>
@@ -8293,7 +8294,7 @@
           <a:p>
             <a:fld id="{AAAFDAC1-E73E-4D41-B9D9-D9AB5226AECC}" type="datetimeFigureOut">
               <a:rPr lang="en-IN" smtClean="0"/>
-              <a:t>28-01-2023</a:t>
+              <a:t>31-01-2023</a:t>
             </a:fld>
             <a:endParaRPr lang="en-IN"/>
           </a:p>
@@ -8861,7 +8862,7 @@
           <a:p>
             <a:fld id="{5C55C9EC-A943-4027-9290-5A7F0DEB51E2}" type="datetimeFigureOut">
               <a:rPr lang="en-US" smtClean="0"/>
-              <a:t>1/28/2023</a:t>
+              <a:t>1/31/2023</a:t>
             </a:fld>
             <a:endParaRPr lang="en-US"/>
           </a:p>
@@ -9413,7 +9414,7 @@
           <a:p>
             <a:fld id="{3EC3C3A3-B174-4863-A76B-003903AD383A}" type="datetime1">
               <a:rPr lang="en-US" smtClean="0"/>
-              <a:t>1/28/2023</a:t>
+              <a:t>1/31/2023</a:t>
             </a:fld>
             <a:endParaRPr lang="en-US"/>
           </a:p>
@@ -10384,6 +10385,514 @@
       </p:grpSpPr>
       <p:sp>
         <p:nvSpPr>
+          <p:cNvPr id="4" name="Rectangle 3">
+            <a:extLst>
+              <a:ext uri="{FF2B5EF4-FFF2-40B4-BE49-F238E27FC236}">
+                <a16:creationId xmlns:a16="http://schemas.microsoft.com/office/drawing/2014/main" id="{055C22F7-3FD1-4C1B-8D0C-0C2F7FB61DBE}"/>
+              </a:ext>
+            </a:extLst>
+          </p:cNvPr>
+          <p:cNvSpPr/>
+          <p:nvPr/>
+        </p:nvSpPr>
+        <p:spPr>
+          <a:xfrm>
+            <a:off x="0" y="8878"/>
+            <a:ext cx="12183122" cy="497150"/>
+          </a:xfrm>
+          <a:prstGeom prst="rect">
+            <a:avLst/>
+          </a:prstGeom>
+          <a:solidFill>
+            <a:srgbClr val="0070C0"/>
+          </a:solidFill>
+        </p:spPr>
+        <p:style>
+          <a:lnRef idx="2">
+            <a:schemeClr val="accent1">
+              <a:shade val="50000"/>
+            </a:schemeClr>
+          </a:lnRef>
+          <a:fillRef idx="1">
+            <a:schemeClr val="accent1"/>
+          </a:fillRef>
+          <a:effectRef idx="0">
+            <a:schemeClr val="accent1"/>
+          </a:effectRef>
+          <a:fontRef idx="minor">
+            <a:schemeClr val="lt1"/>
+          </a:fontRef>
+        </p:style>
+        <p:txBody>
+          <a:bodyPr rtlCol="0" anchor="ctr"/>
+          <a:lstStyle/>
+          <a:p>
+            <a:pPr algn="ctr"/>
+            <a:r>
+              <a:rPr lang="en-US" b="1" dirty="0">
+                <a:latin typeface="Verdana" panose="020B0604030504040204" pitchFamily="34" charset="0"/>
+                <a:ea typeface="Verdana" panose="020B0604030504040204" pitchFamily="34" charset="0"/>
+              </a:rPr>
+              <a:t>Information</a:t>
+            </a:r>
+            <a:endParaRPr lang="en-IN" b="1" dirty="0">
+              <a:latin typeface="Verdana" panose="020B0604030504040204" pitchFamily="34" charset="0"/>
+              <a:ea typeface="Verdana" panose="020B0604030504040204" pitchFamily="34" charset="0"/>
+            </a:endParaRPr>
+          </a:p>
+        </p:txBody>
+      </p:sp>
+      <p:sp>
+        <p:nvSpPr>
+          <p:cNvPr id="7" name="Rectangle 6">
+            <a:extLst>
+              <a:ext uri="{FF2B5EF4-FFF2-40B4-BE49-F238E27FC236}">
+                <a16:creationId xmlns:a16="http://schemas.microsoft.com/office/drawing/2014/main" id="{B10720DE-FD2A-4FE5-B9FB-74854D01A659}"/>
+              </a:ext>
+            </a:extLst>
+          </p:cNvPr>
+          <p:cNvSpPr/>
+          <p:nvPr/>
+        </p:nvSpPr>
+        <p:spPr>
+          <a:xfrm>
+            <a:off x="0" y="3915050"/>
+            <a:ext cx="12183122" cy="57703"/>
+          </a:xfrm>
+          <a:prstGeom prst="rect">
+            <a:avLst/>
+          </a:prstGeom>
+          <a:solidFill>
+            <a:srgbClr val="0070C0"/>
+          </a:solidFill>
+        </p:spPr>
+        <p:style>
+          <a:lnRef idx="2">
+            <a:schemeClr val="accent1">
+              <a:shade val="50000"/>
+            </a:schemeClr>
+          </a:lnRef>
+          <a:fillRef idx="1">
+            <a:schemeClr val="accent1"/>
+          </a:fillRef>
+          <a:effectRef idx="0">
+            <a:schemeClr val="accent1"/>
+          </a:effectRef>
+          <a:fontRef idx="minor">
+            <a:schemeClr val="lt1"/>
+          </a:fontRef>
+        </p:style>
+        <p:txBody>
+          <a:bodyPr rtlCol="0" anchor="ctr"/>
+          <a:lstStyle/>
+          <a:p>
+            <a:pPr algn="ctr"/>
+            <a:endParaRPr lang="en-IN" sz="1000" dirty="0">
+              <a:latin typeface="Verdana" panose="020B0604030504040204" pitchFamily="34" charset="0"/>
+              <a:ea typeface="Verdana" panose="020B0604030504040204" pitchFamily="34" charset="0"/>
+            </a:endParaRPr>
+          </a:p>
+        </p:txBody>
+      </p:sp>
+      <p:sp>
+        <p:nvSpPr>
+          <p:cNvPr id="8" name="Footer Placeholder 7">
+            <a:extLst>
+              <a:ext uri="{FF2B5EF4-FFF2-40B4-BE49-F238E27FC236}">
+                <a16:creationId xmlns:a16="http://schemas.microsoft.com/office/drawing/2014/main" id="{DD2A19CA-EC18-432D-8F8F-17079808F38B}"/>
+              </a:ext>
+            </a:extLst>
+          </p:cNvPr>
+          <p:cNvSpPr>
+            <a:spLocks noGrp="1"/>
+          </p:cNvSpPr>
+          <p:nvPr>
+            <p:ph type="ftr" sz="quarter" idx="11"/>
+          </p:nvPr>
+        </p:nvSpPr>
+        <p:spPr>
+          <a:xfrm>
+            <a:off x="4038600" y="3959378"/>
+            <a:ext cx="4114800" cy="365125"/>
+          </a:xfrm>
+        </p:spPr>
+        <p:txBody>
+          <a:bodyPr/>
+          <a:lstStyle/>
+          <a:p>
+            <a:r>
+              <a:rPr lang="en-IN" b="1" dirty="0">
+                <a:solidFill>
+                  <a:srgbClr val="002060"/>
+                </a:solidFill>
+                <a:latin typeface="Verdana" panose="020B0604030504040204" pitchFamily="34" charset="0"/>
+                <a:ea typeface="Verdana" panose="020B0604030504040204" pitchFamily="34" charset="0"/>
+              </a:rPr>
+              <a:t>2022</a:t>
+            </a:r>
+          </a:p>
+        </p:txBody>
+      </p:sp>
+      <p:sp>
+        <p:nvSpPr>
+          <p:cNvPr id="9" name="Slide Number Placeholder 8">
+            <a:extLst>
+              <a:ext uri="{FF2B5EF4-FFF2-40B4-BE49-F238E27FC236}">
+                <a16:creationId xmlns:a16="http://schemas.microsoft.com/office/drawing/2014/main" id="{8162625C-0B1F-42E0-BE7C-D99A08FED7A3}"/>
+              </a:ext>
+            </a:extLst>
+          </p:cNvPr>
+          <p:cNvSpPr>
+            <a:spLocks noGrp="1"/>
+          </p:cNvSpPr>
+          <p:nvPr>
+            <p:ph type="sldNum" sz="quarter" idx="12"/>
+          </p:nvPr>
+        </p:nvSpPr>
+        <p:spPr>
+          <a:xfrm>
+            <a:off x="8610600" y="3959378"/>
+            <a:ext cx="2743200" cy="365125"/>
+          </a:xfrm>
+        </p:spPr>
+        <p:txBody>
+          <a:bodyPr/>
+          <a:lstStyle/>
+          <a:p>
+            <a:r>
+              <a:rPr lang="en-IN" b="1" dirty="0">
+                <a:solidFill>
+                  <a:srgbClr val="002060"/>
+                </a:solidFill>
+                <a:latin typeface="Verdana" panose="020B0604030504040204" pitchFamily="34" charset="0"/>
+                <a:ea typeface="Verdana" panose="020B0604030504040204" pitchFamily="34" charset="0"/>
+              </a:rPr>
+              <a:t>1</a:t>
+            </a:r>
+          </a:p>
+        </p:txBody>
+      </p:sp>
+      <p:sp>
+        <p:nvSpPr>
+          <p:cNvPr id="12" name="Footer Placeholder 7">
+            <a:extLst>
+              <a:ext uri="{FF2B5EF4-FFF2-40B4-BE49-F238E27FC236}">
+                <a16:creationId xmlns:a16="http://schemas.microsoft.com/office/drawing/2014/main" id="{64C57949-E349-47D3-A505-A098233AF49D}"/>
+              </a:ext>
+            </a:extLst>
+          </p:cNvPr>
+          <p:cNvSpPr txBox="1">
+            <a:spLocks/>
+          </p:cNvSpPr>
+          <p:nvPr/>
+        </p:nvSpPr>
+        <p:spPr>
+          <a:xfrm>
+            <a:off x="133897" y="3960852"/>
+            <a:ext cx="4114800" cy="365125"/>
+          </a:xfrm>
+          <a:prstGeom prst="rect">
+            <a:avLst/>
+          </a:prstGeom>
+        </p:spPr>
+        <p:txBody>
+          <a:bodyPr vert="horz" lIns="91440" tIns="45720" rIns="91440" bIns="45720" rtlCol="0" anchor="ctr"/>
+          <a:lstStyle>
+            <a:defPPr>
+              <a:defRPr lang="en-US"/>
+            </a:defPPr>
+            <a:lvl1pPr marL="0" algn="ctr" defTabSz="914400" rtl="0" eaLnBrk="1" latinLnBrk="0" hangingPunct="1">
+              <a:defRPr sz="1200" kern="1200">
+                <a:solidFill>
+                  <a:schemeClr val="tx1">
+                    <a:tint val="75000"/>
+                  </a:schemeClr>
+                </a:solidFill>
+                <a:latin typeface="+mn-lt"/>
+                <a:ea typeface="+mn-ea"/>
+                <a:cs typeface="+mn-cs"/>
+              </a:defRPr>
+            </a:lvl1pPr>
+            <a:lvl2pPr marL="457200" algn="l" defTabSz="914400" rtl="0" eaLnBrk="1" latinLnBrk="0" hangingPunct="1">
+              <a:defRPr sz="1800" kern="1200">
+                <a:solidFill>
+                  <a:schemeClr val="tx1"/>
+                </a:solidFill>
+                <a:latin typeface="+mn-lt"/>
+                <a:ea typeface="+mn-ea"/>
+                <a:cs typeface="+mn-cs"/>
+              </a:defRPr>
+            </a:lvl2pPr>
+            <a:lvl3pPr marL="914400" algn="l" defTabSz="914400" rtl="0" eaLnBrk="1" latinLnBrk="0" hangingPunct="1">
+              <a:defRPr sz="1800" kern="1200">
+                <a:solidFill>
+                  <a:schemeClr val="tx1"/>
+                </a:solidFill>
+                <a:latin typeface="+mn-lt"/>
+                <a:ea typeface="+mn-ea"/>
+                <a:cs typeface="+mn-cs"/>
+              </a:defRPr>
+            </a:lvl3pPr>
+            <a:lvl4pPr marL="1371600" algn="l" defTabSz="914400" rtl="0" eaLnBrk="1" latinLnBrk="0" hangingPunct="1">
+              <a:defRPr sz="1800" kern="1200">
+                <a:solidFill>
+                  <a:schemeClr val="tx1"/>
+                </a:solidFill>
+                <a:latin typeface="+mn-lt"/>
+                <a:ea typeface="+mn-ea"/>
+                <a:cs typeface="+mn-cs"/>
+              </a:defRPr>
+            </a:lvl4pPr>
+            <a:lvl5pPr marL="1828800" algn="l" defTabSz="914400" rtl="0" eaLnBrk="1" latinLnBrk="0" hangingPunct="1">
+              <a:defRPr sz="1800" kern="1200">
+                <a:solidFill>
+                  <a:schemeClr val="tx1"/>
+                </a:solidFill>
+                <a:latin typeface="+mn-lt"/>
+                <a:ea typeface="+mn-ea"/>
+                <a:cs typeface="+mn-cs"/>
+              </a:defRPr>
+            </a:lvl5pPr>
+            <a:lvl6pPr marL="2286000" algn="l" defTabSz="914400" rtl="0" eaLnBrk="1" latinLnBrk="0" hangingPunct="1">
+              <a:defRPr sz="1800" kern="1200">
+                <a:solidFill>
+                  <a:schemeClr val="tx1"/>
+                </a:solidFill>
+                <a:latin typeface="+mn-lt"/>
+                <a:ea typeface="+mn-ea"/>
+                <a:cs typeface="+mn-cs"/>
+              </a:defRPr>
+            </a:lvl6pPr>
+            <a:lvl7pPr marL="2743200" algn="l" defTabSz="914400" rtl="0" eaLnBrk="1" latinLnBrk="0" hangingPunct="1">
+              <a:defRPr sz="1800" kern="1200">
+                <a:solidFill>
+                  <a:schemeClr val="tx1"/>
+                </a:solidFill>
+                <a:latin typeface="+mn-lt"/>
+                <a:ea typeface="+mn-ea"/>
+                <a:cs typeface="+mn-cs"/>
+              </a:defRPr>
+            </a:lvl7pPr>
+            <a:lvl8pPr marL="3200400" algn="l" defTabSz="914400" rtl="0" eaLnBrk="1" latinLnBrk="0" hangingPunct="1">
+              <a:defRPr sz="1800" kern="1200">
+                <a:solidFill>
+                  <a:schemeClr val="tx1"/>
+                </a:solidFill>
+                <a:latin typeface="+mn-lt"/>
+                <a:ea typeface="+mn-ea"/>
+                <a:cs typeface="+mn-cs"/>
+              </a:defRPr>
+            </a:lvl8pPr>
+            <a:lvl9pPr marL="3657600" algn="l" defTabSz="914400" rtl="0" eaLnBrk="1" latinLnBrk="0" hangingPunct="1">
+              <a:defRPr sz="1800" kern="1200">
+                <a:solidFill>
+                  <a:schemeClr val="tx1"/>
+                </a:solidFill>
+                <a:latin typeface="+mn-lt"/>
+                <a:ea typeface="+mn-ea"/>
+                <a:cs typeface="+mn-cs"/>
+              </a:defRPr>
+            </a:lvl9pPr>
+          </a:lstStyle>
+          <a:p>
+            <a:r>
+              <a:rPr lang="en-IN" b="1" dirty="0">
+                <a:solidFill>
+                  <a:srgbClr val="002060"/>
+                </a:solidFill>
+                <a:latin typeface="Verdana" panose="020B0604030504040204" pitchFamily="34" charset="0"/>
+                <a:ea typeface="Verdana" panose="020B0604030504040204" pitchFamily="34" charset="0"/>
+              </a:rPr>
+              <a:t>Pune Tech Community</a:t>
+            </a:r>
+          </a:p>
+        </p:txBody>
+      </p:sp>
+      <p:sp>
+        <p:nvSpPr>
+          <p:cNvPr id="10" name="TextBox 9">
+            <a:extLst>
+              <a:ext uri="{FF2B5EF4-FFF2-40B4-BE49-F238E27FC236}">
+                <a16:creationId xmlns:a16="http://schemas.microsoft.com/office/drawing/2014/main" id="{19953791-0C49-4113-A95A-639979BFF9A6}"/>
+              </a:ext>
+            </a:extLst>
+          </p:cNvPr>
+          <p:cNvSpPr txBox="1"/>
+          <p:nvPr/>
+        </p:nvSpPr>
+        <p:spPr>
+          <a:xfrm>
+            <a:off x="80629" y="557824"/>
+            <a:ext cx="12037390" cy="2800062"/>
+          </a:xfrm>
+          <a:prstGeom prst="rect">
+            <a:avLst/>
+          </a:prstGeom>
+          <a:noFill/>
+        </p:spPr>
+        <p:txBody>
+          <a:bodyPr wrap="square" rtlCol="0">
+            <a:spAutoFit/>
+          </a:bodyPr>
+          <a:lstStyle/>
+          <a:p>
+            <a:pPr marL="628650" lvl="1" indent="-171450">
+              <a:lnSpc>
+                <a:spcPct val="150000"/>
+              </a:lnSpc>
+              <a:buFont typeface="Wingdings" panose="05000000000000000000" pitchFamily="2" charset="2"/>
+              <a:buChar char="Ø"/>
+            </a:pPr>
+            <a:r>
+              <a:rPr lang="en-US" sz="2000" dirty="0">
+                <a:solidFill>
+                  <a:srgbClr val="00B0F0"/>
+                </a:solidFill>
+                <a:latin typeface="Verdana" panose="020B0604030504040204" pitchFamily="34" charset="0"/>
+                <a:ea typeface="Verdana" panose="020B0604030504040204" pitchFamily="34" charset="0"/>
+              </a:rPr>
+              <a:t> </a:t>
+            </a:r>
+            <a:r>
+              <a:rPr lang="en-US" sz="2000" dirty="0">
+                <a:solidFill>
+                  <a:srgbClr val="0070C0"/>
+                </a:solidFill>
+                <a:latin typeface="Verdana" panose="020B0604030504040204" pitchFamily="34" charset="0"/>
+                <a:ea typeface="Verdana" panose="020B0604030504040204" pitchFamily="34" charset="0"/>
+              </a:rPr>
+              <a:t>I am still a learner. Apologize if I do any mistake.</a:t>
+            </a:r>
+          </a:p>
+          <a:p>
+            <a:pPr marL="628650" lvl="1" indent="-171450">
+              <a:lnSpc>
+                <a:spcPct val="150000"/>
+              </a:lnSpc>
+              <a:buFont typeface="Wingdings" panose="05000000000000000000" pitchFamily="2" charset="2"/>
+              <a:buChar char="Ø"/>
+            </a:pPr>
+            <a:r>
+              <a:rPr lang="en-US" sz="2000" dirty="0">
+                <a:solidFill>
+                  <a:srgbClr val="002060"/>
+                </a:solidFill>
+                <a:latin typeface="Verdana" panose="020B0604030504040204" pitchFamily="34" charset="0"/>
+                <a:ea typeface="Verdana" panose="020B0604030504040204" pitchFamily="34" charset="0"/>
+              </a:rPr>
+              <a:t> All the sessions will be hands on.</a:t>
+            </a:r>
+          </a:p>
+          <a:p>
+            <a:pPr marL="628650" lvl="1" indent="-171450">
+              <a:lnSpc>
+                <a:spcPct val="150000"/>
+              </a:lnSpc>
+              <a:buFont typeface="Wingdings" panose="05000000000000000000" pitchFamily="2" charset="2"/>
+              <a:buChar char="Ø"/>
+            </a:pPr>
+            <a:r>
+              <a:rPr lang="en-US" sz="2000" dirty="0">
+                <a:solidFill>
+                  <a:srgbClr val="002060"/>
+                </a:solidFill>
+                <a:latin typeface="Verdana" panose="020B0604030504040204" pitchFamily="34" charset="0"/>
+                <a:ea typeface="Verdana" panose="020B0604030504040204" pitchFamily="34" charset="0"/>
+              </a:rPr>
+              <a:t> Will have parking lots for queries and other topics.</a:t>
+            </a:r>
+          </a:p>
+          <a:p>
+            <a:pPr marL="628650" lvl="1" indent="-171450">
+              <a:lnSpc>
+                <a:spcPct val="150000"/>
+              </a:lnSpc>
+              <a:buFont typeface="Wingdings" panose="05000000000000000000" pitchFamily="2" charset="2"/>
+              <a:buChar char="Ø"/>
+            </a:pPr>
+            <a:r>
+              <a:rPr lang="en-US" sz="2000" dirty="0">
+                <a:solidFill>
+                  <a:srgbClr val="002060"/>
+                </a:solidFill>
+                <a:latin typeface="Verdana" panose="020B0604030504040204" pitchFamily="34" charset="0"/>
+                <a:ea typeface="Verdana" panose="020B0604030504040204" pitchFamily="34" charset="0"/>
+              </a:rPr>
+              <a:t> Some of the concepts we will introduced and revisited in next sessions.</a:t>
+            </a:r>
+          </a:p>
+          <a:p>
+            <a:pPr marL="628650" lvl="1" indent="-171450">
+              <a:lnSpc>
+                <a:spcPct val="150000"/>
+              </a:lnSpc>
+              <a:buFont typeface="Wingdings" panose="05000000000000000000" pitchFamily="2" charset="2"/>
+              <a:buChar char="Ø"/>
+            </a:pPr>
+            <a:r>
+              <a:rPr lang="en-US" sz="2000" dirty="0">
+                <a:solidFill>
+                  <a:srgbClr val="002060"/>
+                </a:solidFill>
+                <a:latin typeface="Verdana" panose="020B0604030504040204" pitchFamily="34" charset="0"/>
+                <a:ea typeface="Verdana" panose="020B0604030504040204" pitchFamily="34" charset="0"/>
+              </a:rPr>
+              <a:t> There are multiple ways to do, we will use one of the ways.</a:t>
+            </a:r>
+          </a:p>
+          <a:p>
+            <a:pPr marL="628650" lvl="1" indent="-171450">
+              <a:lnSpc>
+                <a:spcPct val="150000"/>
+              </a:lnSpc>
+              <a:buFont typeface="Wingdings" panose="05000000000000000000" pitchFamily="2" charset="2"/>
+              <a:buChar char="Ø"/>
+            </a:pPr>
+            <a:r>
+              <a:rPr lang="en-US" sz="2000" dirty="0">
+                <a:solidFill>
+                  <a:srgbClr val="002060"/>
+                </a:solidFill>
+                <a:latin typeface="Verdana" panose="020B0604030504040204" pitchFamily="34" charset="0"/>
+                <a:ea typeface="Verdana" panose="020B0604030504040204" pitchFamily="34" charset="0"/>
+              </a:rPr>
+              <a:t> The focus was more on concepts and demos are kept simple. </a:t>
+            </a:r>
+          </a:p>
+        </p:txBody>
+      </p:sp>
+    </p:spTree>
+    <p:extLst>
+      <p:ext uri="{BB962C8B-B14F-4D97-AF65-F5344CB8AC3E}">
+        <p14:creationId xmlns:p14="http://schemas.microsoft.com/office/powerpoint/2010/main" val="4093287593"/>
+      </p:ext>
+    </p:extLst>
+  </p:cSld>
+  <p:clrMapOvr>
+    <a:masterClrMapping/>
+  </p:clrMapOvr>
+</p:sld>
+</file>
+
+<file path=ppt/slides/slide11.xml><?xml version="1.0" encoding="utf-8"?>
+<p:sld xmlns:a="http://schemas.openxmlformats.org/drawingml/2006/main" xmlns:r="http://schemas.openxmlformats.org/officeDocument/2006/relationships" xmlns:p="http://schemas.openxmlformats.org/presentationml/2006/main">
+  <p:cSld>
+    <p:spTree>
+      <p:nvGrpSpPr>
+        <p:cNvPr id="1" name=""/>
+        <p:cNvGrpSpPr/>
+        <p:nvPr/>
+      </p:nvGrpSpPr>
+      <p:grpSpPr>
+        <a:xfrm>
+          <a:off x="0" y="0"/>
+          <a:ext cx="0" cy="0"/>
+          <a:chOff x="0" y="0"/>
+          <a:chExt cx="0" cy="0"/>
+        </a:xfrm>
+      </p:grpSpPr>
+      <p:sp>
+        <p:nvSpPr>
           <p:cNvPr id="4" name="Flowchart: Magnetic Disk 3">
             <a:extLst>
               <a:ext uri="{FF2B5EF4-FFF2-40B4-BE49-F238E27FC236}">
@@ -11680,930 +12189,6 @@
 </p:sld>
 </file>
 
-<file path=ppt/slides/slide11.xml><?xml version="1.0" encoding="utf-8"?>
-<p:sld xmlns:a="http://schemas.openxmlformats.org/drawingml/2006/main" xmlns:r="http://schemas.openxmlformats.org/officeDocument/2006/relationships" xmlns:p="http://schemas.openxmlformats.org/presentationml/2006/main">
-  <p:cSld>
-    <p:spTree>
-      <p:nvGrpSpPr>
-        <p:cNvPr id="1" name=""/>
-        <p:cNvGrpSpPr/>
-        <p:nvPr/>
-      </p:nvGrpSpPr>
-      <p:grpSpPr>
-        <a:xfrm>
-          <a:off x="0" y="0"/>
-          <a:ext cx="0" cy="0"/>
-          <a:chOff x="0" y="0"/>
-          <a:chExt cx="0" cy="0"/>
-        </a:xfrm>
-      </p:grpSpPr>
-      <p:pic>
-        <p:nvPicPr>
-          <p:cNvPr id="1026" name="Picture 2">
-            <a:extLst>
-              <a:ext uri="{FF2B5EF4-FFF2-40B4-BE49-F238E27FC236}">
-                <a16:creationId xmlns:a16="http://schemas.microsoft.com/office/drawing/2014/main" id="{2BE09F8E-F4ED-48B7-9EE2-29D6C55A7243}"/>
-              </a:ext>
-            </a:extLst>
-          </p:cNvPr>
-          <p:cNvPicPr>
-            <a:picLocks noChangeAspect="1" noChangeArrowheads="1"/>
-          </p:cNvPicPr>
-          <p:nvPr/>
-        </p:nvPicPr>
-        <p:blipFill>
-          <a:blip r:embed="rId2">
-            <a:extLst>
-              <a:ext uri="{28A0092B-C50C-407E-A947-70E740481C1C}">
-                <a14:useLocalDpi xmlns:a14="http://schemas.microsoft.com/office/drawing/2010/main" val="0"/>
-              </a:ext>
-            </a:extLst>
-          </a:blip>
-          <a:srcRect/>
-          <a:stretch>
-            <a:fillRect/>
-          </a:stretch>
-        </p:blipFill>
-        <p:spPr bwMode="auto">
-          <a:xfrm>
-            <a:off x="6983816" y="983849"/>
-            <a:ext cx="847725" cy="847725"/>
-          </a:xfrm>
-          <a:prstGeom prst="rect">
-            <a:avLst/>
-          </a:prstGeom>
-          <a:noFill/>
-          <a:extLst>
-            <a:ext uri="{909E8E84-426E-40DD-AFC4-6F175D3DCCD1}">
-              <a14:hiddenFill xmlns:a14="http://schemas.microsoft.com/office/drawing/2010/main">
-                <a:solidFill>
-                  <a:srgbClr val="FFFFFF"/>
-                </a:solidFill>
-              </a14:hiddenFill>
-            </a:ext>
-          </a:extLst>
-        </p:spPr>
-      </p:pic>
-      <p:pic>
-        <p:nvPicPr>
-          <p:cNvPr id="1034" name="Picture 10">
-            <a:extLst>
-              <a:ext uri="{FF2B5EF4-FFF2-40B4-BE49-F238E27FC236}">
-                <a16:creationId xmlns:a16="http://schemas.microsoft.com/office/drawing/2014/main" id="{03A6EE1E-D6C3-43B7-A76C-ED8BA685C33B}"/>
-              </a:ext>
-            </a:extLst>
-          </p:cNvPr>
-          <p:cNvPicPr>
-            <a:picLocks noChangeAspect="1" noChangeArrowheads="1"/>
-          </p:cNvPicPr>
-          <p:nvPr/>
-        </p:nvPicPr>
-        <p:blipFill>
-          <a:blip r:embed="rId3">
-            <a:extLst>
-              <a:ext uri="{28A0092B-C50C-407E-A947-70E740481C1C}">
-                <a14:useLocalDpi xmlns:a14="http://schemas.microsoft.com/office/drawing/2010/main" val="0"/>
-              </a:ext>
-            </a:extLst>
-          </a:blip>
-          <a:srcRect/>
-          <a:stretch>
-            <a:fillRect/>
-          </a:stretch>
-        </p:blipFill>
-        <p:spPr bwMode="auto">
-          <a:xfrm>
-            <a:off x="10435886" y="3207380"/>
-            <a:ext cx="657225" cy="676275"/>
-          </a:xfrm>
-          <a:prstGeom prst="rect">
-            <a:avLst/>
-          </a:prstGeom>
-          <a:noFill/>
-          <a:extLst>
-            <a:ext uri="{909E8E84-426E-40DD-AFC4-6F175D3DCCD1}">
-              <a14:hiddenFill xmlns:a14="http://schemas.microsoft.com/office/drawing/2010/main">
-                <a:solidFill>
-                  <a:srgbClr val="FFFFFF"/>
-                </a:solidFill>
-              </a14:hiddenFill>
-            </a:ext>
-          </a:extLst>
-        </p:spPr>
-      </p:pic>
-      <p:pic>
-        <p:nvPicPr>
-          <p:cNvPr id="1036" name="Picture 12">
-            <a:extLst>
-              <a:ext uri="{FF2B5EF4-FFF2-40B4-BE49-F238E27FC236}">
-                <a16:creationId xmlns:a16="http://schemas.microsoft.com/office/drawing/2014/main" id="{AB427BB8-0AA8-4F7E-AA27-EA18ECDD59BE}"/>
-              </a:ext>
-            </a:extLst>
-          </p:cNvPr>
-          <p:cNvPicPr>
-            <a:picLocks noChangeAspect="1" noChangeArrowheads="1"/>
-          </p:cNvPicPr>
-          <p:nvPr/>
-        </p:nvPicPr>
-        <p:blipFill>
-          <a:blip r:embed="rId4">
-            <a:extLst>
-              <a:ext uri="{28A0092B-C50C-407E-A947-70E740481C1C}">
-                <a14:useLocalDpi xmlns:a14="http://schemas.microsoft.com/office/drawing/2010/main" val="0"/>
-              </a:ext>
-            </a:extLst>
-          </a:blip>
-          <a:srcRect/>
-          <a:stretch>
-            <a:fillRect/>
-          </a:stretch>
-        </p:blipFill>
-        <p:spPr bwMode="auto">
-          <a:xfrm>
-            <a:off x="3632510" y="3148651"/>
-            <a:ext cx="809625" cy="809625"/>
-          </a:xfrm>
-          <a:prstGeom prst="rect">
-            <a:avLst/>
-          </a:prstGeom>
-          <a:noFill/>
-          <a:extLst>
-            <a:ext uri="{909E8E84-426E-40DD-AFC4-6F175D3DCCD1}">
-              <a14:hiddenFill xmlns:a14="http://schemas.microsoft.com/office/drawing/2010/main">
-                <a:solidFill>
-                  <a:srgbClr val="FFFFFF"/>
-                </a:solidFill>
-              </a14:hiddenFill>
-            </a:ext>
-          </a:extLst>
-        </p:spPr>
-      </p:pic>
-      <p:pic>
-        <p:nvPicPr>
-          <p:cNvPr id="1044" name="Picture 20">
-            <a:extLst>
-              <a:ext uri="{FF2B5EF4-FFF2-40B4-BE49-F238E27FC236}">
-                <a16:creationId xmlns:a16="http://schemas.microsoft.com/office/drawing/2014/main" id="{24CA475C-31C6-4B82-A0EA-16888492B5DE}"/>
-              </a:ext>
-            </a:extLst>
-          </p:cNvPr>
-          <p:cNvPicPr>
-            <a:picLocks noChangeAspect="1" noChangeArrowheads="1"/>
-          </p:cNvPicPr>
-          <p:nvPr/>
-        </p:nvPicPr>
-        <p:blipFill>
-          <a:blip r:embed="rId5">
-            <a:extLst>
-              <a:ext uri="{28A0092B-C50C-407E-A947-70E740481C1C}">
-                <a14:useLocalDpi xmlns:a14="http://schemas.microsoft.com/office/drawing/2010/main" val="0"/>
-              </a:ext>
-            </a:extLst>
-          </a:blip>
-          <a:srcRect/>
-          <a:stretch>
-            <a:fillRect/>
-          </a:stretch>
-        </p:blipFill>
-        <p:spPr bwMode="auto">
-          <a:xfrm>
-            <a:off x="414338" y="3207382"/>
-            <a:ext cx="657225" cy="676275"/>
-          </a:xfrm>
-          <a:prstGeom prst="rect">
-            <a:avLst/>
-          </a:prstGeom>
-          <a:noFill/>
-          <a:extLst>
-            <a:ext uri="{909E8E84-426E-40DD-AFC4-6F175D3DCCD1}">
-              <a14:hiddenFill xmlns:a14="http://schemas.microsoft.com/office/drawing/2010/main">
-                <a:solidFill>
-                  <a:srgbClr val="FFFFFF"/>
-                </a:solidFill>
-              </a14:hiddenFill>
-            </a:ext>
-          </a:extLst>
-        </p:spPr>
-      </p:pic>
-      <p:pic>
-        <p:nvPicPr>
-          <p:cNvPr id="22" name="Picture 12">
-            <a:extLst>
-              <a:ext uri="{FF2B5EF4-FFF2-40B4-BE49-F238E27FC236}">
-                <a16:creationId xmlns:a16="http://schemas.microsoft.com/office/drawing/2014/main" id="{CDD441FC-ED8A-4B90-A512-1FFA05777E63}"/>
-              </a:ext>
-            </a:extLst>
-          </p:cNvPr>
-          <p:cNvPicPr>
-            <a:picLocks noChangeAspect="1" noChangeArrowheads="1"/>
-          </p:cNvPicPr>
-          <p:nvPr/>
-        </p:nvPicPr>
-        <p:blipFill>
-          <a:blip r:embed="rId4">
-            <a:extLst>
-              <a:ext uri="{28A0092B-C50C-407E-A947-70E740481C1C}">
-                <a14:useLocalDpi xmlns:a14="http://schemas.microsoft.com/office/drawing/2010/main" val="0"/>
-              </a:ext>
-            </a:extLst>
-          </a:blip>
-          <a:srcRect/>
-          <a:stretch>
-            <a:fillRect/>
-          </a:stretch>
-        </p:blipFill>
-        <p:spPr bwMode="auto">
-          <a:xfrm>
-            <a:off x="7010400" y="3140706"/>
-            <a:ext cx="809625" cy="809625"/>
-          </a:xfrm>
-          <a:prstGeom prst="rect">
-            <a:avLst/>
-          </a:prstGeom>
-          <a:noFill/>
-          <a:extLst>
-            <a:ext uri="{909E8E84-426E-40DD-AFC4-6F175D3DCCD1}">
-              <a14:hiddenFill xmlns:a14="http://schemas.microsoft.com/office/drawing/2010/main">
-                <a:solidFill>
-                  <a:srgbClr val="FFFFFF"/>
-                </a:solidFill>
-              </a14:hiddenFill>
-            </a:ext>
-          </a:extLst>
-        </p:spPr>
-      </p:pic>
-      <p:sp>
-        <p:nvSpPr>
-          <p:cNvPr id="11" name="Heptagon 10">
-            <a:extLst>
-              <a:ext uri="{FF2B5EF4-FFF2-40B4-BE49-F238E27FC236}">
-                <a16:creationId xmlns:a16="http://schemas.microsoft.com/office/drawing/2014/main" id="{8EF000E9-1A1B-40B9-BF7B-8E7326AAFA24}"/>
-              </a:ext>
-            </a:extLst>
-          </p:cNvPr>
-          <p:cNvSpPr/>
-          <p:nvPr/>
-        </p:nvSpPr>
-        <p:spPr>
-          <a:xfrm>
-            <a:off x="240913" y="3082562"/>
-            <a:ext cx="307435" cy="344102"/>
-          </a:xfrm>
-          <a:prstGeom prst="heptagon">
-            <a:avLst/>
-          </a:prstGeom>
-        </p:spPr>
-        <p:style>
-          <a:lnRef idx="2">
-            <a:schemeClr val="accent1">
-              <a:shade val="50000"/>
-            </a:schemeClr>
-          </a:lnRef>
-          <a:fillRef idx="1">
-            <a:schemeClr val="accent1"/>
-          </a:fillRef>
-          <a:effectRef idx="0">
-            <a:schemeClr val="accent1"/>
-          </a:effectRef>
-          <a:fontRef idx="minor">
-            <a:schemeClr val="lt1"/>
-          </a:fontRef>
-        </p:style>
-        <p:txBody>
-          <a:bodyPr rtlCol="0" anchor="ctr"/>
-          <a:lstStyle/>
-          <a:p>
-            <a:pPr algn="ctr"/>
-            <a:r>
-              <a:rPr lang="en-US" dirty="0"/>
-              <a:t>1</a:t>
-            </a:r>
-          </a:p>
-        </p:txBody>
-      </p:sp>
-      <p:cxnSp>
-        <p:nvCxnSpPr>
-          <p:cNvPr id="23" name="Straight Connector 22">
-            <a:extLst>
-              <a:ext uri="{FF2B5EF4-FFF2-40B4-BE49-F238E27FC236}">
-                <a16:creationId xmlns:a16="http://schemas.microsoft.com/office/drawing/2014/main" id="{2F483661-8B57-4D41-8C50-C7739BB2C923}"/>
-              </a:ext>
-            </a:extLst>
-          </p:cNvPr>
-          <p:cNvCxnSpPr>
-            <a:stCxn id="22" idx="0"/>
-            <a:endCxn id="1026" idx="2"/>
-          </p:cNvCxnSpPr>
-          <p:nvPr/>
-        </p:nvCxnSpPr>
-        <p:spPr>
-          <a:xfrm flipH="1" flipV="1">
-            <a:off x="7407679" y="1831574"/>
-            <a:ext cx="7534" cy="1309132"/>
-          </a:xfrm>
-          <a:prstGeom prst="line">
-            <a:avLst/>
-          </a:prstGeom>
-        </p:spPr>
-        <p:style>
-          <a:lnRef idx="1">
-            <a:schemeClr val="accent1"/>
-          </a:lnRef>
-          <a:fillRef idx="0">
-            <a:schemeClr val="accent1"/>
-          </a:fillRef>
-          <a:effectRef idx="0">
-            <a:schemeClr val="accent1"/>
-          </a:effectRef>
-          <a:fontRef idx="minor">
-            <a:schemeClr val="tx1"/>
-          </a:fontRef>
-        </p:style>
-      </p:cxnSp>
-      <p:sp>
-        <p:nvSpPr>
-          <p:cNvPr id="45" name="Heptagon 44">
-            <a:extLst>
-              <a:ext uri="{FF2B5EF4-FFF2-40B4-BE49-F238E27FC236}">
-                <a16:creationId xmlns:a16="http://schemas.microsoft.com/office/drawing/2014/main" id="{E7A80D65-5ADB-4DCD-A7A2-5DFBCA0C9B8D}"/>
-              </a:ext>
-            </a:extLst>
-          </p:cNvPr>
-          <p:cNvSpPr/>
-          <p:nvPr/>
-        </p:nvSpPr>
-        <p:spPr>
-          <a:xfrm>
-            <a:off x="3273843" y="3082562"/>
-            <a:ext cx="307435" cy="344102"/>
-          </a:xfrm>
-          <a:prstGeom prst="heptagon">
-            <a:avLst/>
-          </a:prstGeom>
-        </p:spPr>
-        <p:style>
-          <a:lnRef idx="2">
-            <a:schemeClr val="accent1">
-              <a:shade val="50000"/>
-            </a:schemeClr>
-          </a:lnRef>
-          <a:fillRef idx="1">
-            <a:schemeClr val="accent1"/>
-          </a:fillRef>
-          <a:effectRef idx="0">
-            <a:schemeClr val="accent1"/>
-          </a:effectRef>
-          <a:fontRef idx="minor">
-            <a:schemeClr val="lt1"/>
-          </a:fontRef>
-        </p:style>
-        <p:txBody>
-          <a:bodyPr rtlCol="0" anchor="ctr"/>
-          <a:lstStyle/>
-          <a:p>
-            <a:pPr algn="ctr"/>
-            <a:r>
-              <a:rPr lang="en-US" dirty="0"/>
-              <a:t>2</a:t>
-            </a:r>
-          </a:p>
-        </p:txBody>
-      </p:sp>
-      <p:sp>
-        <p:nvSpPr>
-          <p:cNvPr id="46" name="Heptagon 45">
-            <a:extLst>
-              <a:ext uri="{FF2B5EF4-FFF2-40B4-BE49-F238E27FC236}">
-                <a16:creationId xmlns:a16="http://schemas.microsoft.com/office/drawing/2014/main" id="{41E19403-B49B-4C20-BB68-98A12476BA78}"/>
-              </a:ext>
-            </a:extLst>
-          </p:cNvPr>
-          <p:cNvSpPr/>
-          <p:nvPr/>
-        </p:nvSpPr>
-        <p:spPr>
-          <a:xfrm>
-            <a:off x="6680128" y="3082562"/>
-            <a:ext cx="307435" cy="344102"/>
-          </a:xfrm>
-          <a:prstGeom prst="heptagon">
-            <a:avLst/>
-          </a:prstGeom>
-        </p:spPr>
-        <p:style>
-          <a:lnRef idx="2">
-            <a:schemeClr val="accent1">
-              <a:shade val="50000"/>
-            </a:schemeClr>
-          </a:lnRef>
-          <a:fillRef idx="1">
-            <a:schemeClr val="accent1"/>
-          </a:fillRef>
-          <a:effectRef idx="0">
-            <a:schemeClr val="accent1"/>
-          </a:effectRef>
-          <a:fontRef idx="minor">
-            <a:schemeClr val="lt1"/>
-          </a:fontRef>
-        </p:style>
-        <p:txBody>
-          <a:bodyPr rtlCol="0" anchor="ctr"/>
-          <a:lstStyle/>
-          <a:p>
-            <a:pPr algn="ctr"/>
-            <a:r>
-              <a:rPr lang="en-US" dirty="0"/>
-              <a:t>3</a:t>
-            </a:r>
-          </a:p>
-        </p:txBody>
-      </p:sp>
-      <p:sp>
-        <p:nvSpPr>
-          <p:cNvPr id="47" name="Heptagon 46">
-            <a:extLst>
-              <a:ext uri="{FF2B5EF4-FFF2-40B4-BE49-F238E27FC236}">
-                <a16:creationId xmlns:a16="http://schemas.microsoft.com/office/drawing/2014/main" id="{AB00409F-5084-44E7-90AA-34000E295530}"/>
-              </a:ext>
-            </a:extLst>
-          </p:cNvPr>
-          <p:cNvSpPr/>
-          <p:nvPr/>
-        </p:nvSpPr>
-        <p:spPr>
-          <a:xfrm>
-            <a:off x="6674459" y="1157482"/>
-            <a:ext cx="307435" cy="344102"/>
-          </a:xfrm>
-          <a:prstGeom prst="heptagon">
-            <a:avLst/>
-          </a:prstGeom>
-        </p:spPr>
-        <p:style>
-          <a:lnRef idx="2">
-            <a:schemeClr val="accent1">
-              <a:shade val="50000"/>
-            </a:schemeClr>
-          </a:lnRef>
-          <a:fillRef idx="1">
-            <a:schemeClr val="accent1"/>
-          </a:fillRef>
-          <a:effectRef idx="0">
-            <a:schemeClr val="accent1"/>
-          </a:effectRef>
-          <a:fontRef idx="minor">
-            <a:schemeClr val="lt1"/>
-          </a:fontRef>
-        </p:style>
-        <p:txBody>
-          <a:bodyPr rtlCol="0" anchor="ctr"/>
-          <a:lstStyle/>
-          <a:p>
-            <a:pPr algn="ctr"/>
-            <a:r>
-              <a:rPr lang="en-US" dirty="0"/>
-              <a:t>4</a:t>
-            </a:r>
-          </a:p>
-        </p:txBody>
-      </p:sp>
-      <p:sp>
-        <p:nvSpPr>
-          <p:cNvPr id="48" name="Heptagon 47">
-            <a:extLst>
-              <a:ext uri="{FF2B5EF4-FFF2-40B4-BE49-F238E27FC236}">
-                <a16:creationId xmlns:a16="http://schemas.microsoft.com/office/drawing/2014/main" id="{7404ADED-C51D-46C9-8F7A-0B3E6F45A5B6}"/>
-              </a:ext>
-            </a:extLst>
-          </p:cNvPr>
-          <p:cNvSpPr/>
-          <p:nvPr/>
-        </p:nvSpPr>
-        <p:spPr>
-          <a:xfrm>
-            <a:off x="10022305" y="3082562"/>
-            <a:ext cx="307435" cy="344102"/>
-          </a:xfrm>
-          <a:prstGeom prst="heptagon">
-            <a:avLst/>
-          </a:prstGeom>
-        </p:spPr>
-        <p:style>
-          <a:lnRef idx="2">
-            <a:schemeClr val="accent1">
-              <a:shade val="50000"/>
-            </a:schemeClr>
-          </a:lnRef>
-          <a:fillRef idx="1">
-            <a:schemeClr val="accent1"/>
-          </a:fillRef>
-          <a:effectRef idx="0">
-            <a:schemeClr val="accent1"/>
-          </a:effectRef>
-          <a:fontRef idx="minor">
-            <a:schemeClr val="lt1"/>
-          </a:fontRef>
-        </p:style>
-        <p:txBody>
-          <a:bodyPr rtlCol="0" anchor="ctr"/>
-          <a:lstStyle/>
-          <a:p>
-            <a:pPr algn="ctr"/>
-            <a:r>
-              <a:rPr lang="en-US" dirty="0"/>
-              <a:t>5</a:t>
-            </a:r>
-          </a:p>
-        </p:txBody>
-      </p:sp>
-      <p:sp>
-        <p:nvSpPr>
-          <p:cNvPr id="35" name="TextBox 34">
-            <a:extLst>
-              <a:ext uri="{FF2B5EF4-FFF2-40B4-BE49-F238E27FC236}">
-                <a16:creationId xmlns:a16="http://schemas.microsoft.com/office/drawing/2014/main" id="{E2F5F6A0-D510-4DE5-B9DB-EE0C0D374DC9}"/>
-              </a:ext>
-            </a:extLst>
-          </p:cNvPr>
-          <p:cNvSpPr txBox="1"/>
-          <p:nvPr/>
-        </p:nvSpPr>
-        <p:spPr>
-          <a:xfrm>
-            <a:off x="9219304" y="5138637"/>
-            <a:ext cx="2893741" cy="369332"/>
-          </a:xfrm>
-          <a:prstGeom prst="rect">
-            <a:avLst/>
-          </a:prstGeom>
-          <a:noFill/>
-          <a:ln>
-            <a:solidFill>
-              <a:schemeClr val="tx1"/>
-            </a:solidFill>
-            <a:prstDash val="solid"/>
-          </a:ln>
-        </p:spPr>
-        <p:txBody>
-          <a:bodyPr wrap="none" rtlCol="0">
-            <a:spAutoFit/>
-          </a:bodyPr>
-          <a:lstStyle/>
-          <a:p>
-            <a:r>
-              <a:rPr lang="en-US" b="1" dirty="0">
-                <a:solidFill>
-                  <a:srgbClr val="0070C0"/>
-                </a:solidFill>
-                <a:latin typeface="Verdana" panose="020B0604030504040204" pitchFamily="34" charset="0"/>
-                <a:ea typeface="Verdana" panose="020B0604030504040204" pitchFamily="34" charset="0"/>
-              </a:rPr>
-              <a:t>August 2021 Version</a:t>
-            </a:r>
-          </a:p>
-        </p:txBody>
-      </p:sp>
-      <p:sp>
-        <p:nvSpPr>
-          <p:cNvPr id="29" name="TextBox 28">
-            <a:extLst>
-              <a:ext uri="{FF2B5EF4-FFF2-40B4-BE49-F238E27FC236}">
-                <a16:creationId xmlns:a16="http://schemas.microsoft.com/office/drawing/2014/main" id="{73DEDEAB-57DE-46F8-9469-78112F7FEB52}"/>
-              </a:ext>
-            </a:extLst>
-          </p:cNvPr>
-          <p:cNvSpPr txBox="1"/>
-          <p:nvPr/>
-        </p:nvSpPr>
-        <p:spPr>
-          <a:xfrm>
-            <a:off x="3433951" y="3868771"/>
-            <a:ext cx="1206741" cy="276999"/>
-          </a:xfrm>
-          <a:prstGeom prst="rect">
-            <a:avLst/>
-          </a:prstGeom>
-          <a:noFill/>
-        </p:spPr>
-        <p:txBody>
-          <a:bodyPr wrap="none" rtlCol="0">
-            <a:spAutoFit/>
-          </a:bodyPr>
-          <a:lstStyle/>
-          <a:p>
-            <a:r>
-              <a:rPr lang="en-US" sz="1200" dirty="0">
-                <a:solidFill>
-                  <a:srgbClr val="002060"/>
-                </a:solidFill>
-                <a:latin typeface="Verdana" panose="020B0604030504040204" pitchFamily="34" charset="0"/>
-                <a:ea typeface="Verdana" panose="020B0604030504040204" pitchFamily="34" charset="0"/>
-              </a:rPr>
-              <a:t>Blazor WASM</a:t>
-            </a:r>
-          </a:p>
-        </p:txBody>
-      </p:sp>
-      <p:sp>
-        <p:nvSpPr>
-          <p:cNvPr id="32" name="TextBox 31">
-            <a:extLst>
-              <a:ext uri="{FF2B5EF4-FFF2-40B4-BE49-F238E27FC236}">
-                <a16:creationId xmlns:a16="http://schemas.microsoft.com/office/drawing/2014/main" id="{7ACD62D2-6EA3-462B-9EE3-1AE82A658BDE}"/>
-              </a:ext>
-            </a:extLst>
-          </p:cNvPr>
-          <p:cNvSpPr txBox="1"/>
-          <p:nvPr/>
-        </p:nvSpPr>
-        <p:spPr>
-          <a:xfrm>
-            <a:off x="7003080" y="3868771"/>
-            <a:ext cx="834396" cy="276999"/>
-          </a:xfrm>
-          <a:prstGeom prst="rect">
-            <a:avLst/>
-          </a:prstGeom>
-          <a:noFill/>
-        </p:spPr>
-        <p:txBody>
-          <a:bodyPr wrap="none" rtlCol="0">
-            <a:spAutoFit/>
-          </a:bodyPr>
-          <a:lstStyle/>
-          <a:p>
-            <a:r>
-              <a:rPr lang="en-US" sz="1200" dirty="0">
-                <a:solidFill>
-                  <a:srgbClr val="002060"/>
-                </a:solidFill>
-                <a:latin typeface="Verdana" panose="020B0604030504040204" pitchFamily="34" charset="0"/>
-                <a:ea typeface="Verdana" panose="020B0604030504040204" pitchFamily="34" charset="0"/>
-              </a:rPr>
-              <a:t>Web API</a:t>
-            </a:r>
-          </a:p>
-        </p:txBody>
-      </p:sp>
-      <p:sp>
-        <p:nvSpPr>
-          <p:cNvPr id="33" name="TextBox 32">
-            <a:extLst>
-              <a:ext uri="{FF2B5EF4-FFF2-40B4-BE49-F238E27FC236}">
-                <a16:creationId xmlns:a16="http://schemas.microsoft.com/office/drawing/2014/main" id="{B2F4BAD8-B680-472E-AAAA-BA6C3042BA54}"/>
-              </a:ext>
-            </a:extLst>
-          </p:cNvPr>
-          <p:cNvSpPr txBox="1"/>
-          <p:nvPr/>
-        </p:nvSpPr>
-        <p:spPr>
-          <a:xfrm>
-            <a:off x="6657173" y="761510"/>
-            <a:ext cx="1411027" cy="276999"/>
-          </a:xfrm>
-          <a:prstGeom prst="rect">
-            <a:avLst/>
-          </a:prstGeom>
-          <a:noFill/>
-        </p:spPr>
-        <p:txBody>
-          <a:bodyPr wrap="none" rtlCol="0">
-            <a:spAutoFit/>
-          </a:bodyPr>
-          <a:lstStyle/>
-          <a:p>
-            <a:r>
-              <a:rPr lang="en-US" sz="1200" dirty="0">
-                <a:solidFill>
-                  <a:srgbClr val="002060"/>
-                </a:solidFill>
-                <a:latin typeface="Verdana" panose="020B0604030504040204" pitchFamily="34" charset="0"/>
-                <a:ea typeface="Verdana" panose="020B0604030504040204" pitchFamily="34" charset="0"/>
-              </a:rPr>
-              <a:t>Azure Key Vault</a:t>
-            </a:r>
-          </a:p>
-        </p:txBody>
-      </p:sp>
-      <p:sp>
-        <p:nvSpPr>
-          <p:cNvPr id="37" name="TextBox 36">
-            <a:extLst>
-              <a:ext uri="{FF2B5EF4-FFF2-40B4-BE49-F238E27FC236}">
-                <a16:creationId xmlns:a16="http://schemas.microsoft.com/office/drawing/2014/main" id="{E472F245-397E-4CEE-88C2-F7D04A607F7F}"/>
-              </a:ext>
-            </a:extLst>
-          </p:cNvPr>
-          <p:cNvSpPr txBox="1"/>
-          <p:nvPr/>
-        </p:nvSpPr>
-        <p:spPr>
-          <a:xfrm>
-            <a:off x="9978904" y="3868771"/>
-            <a:ext cx="1557093" cy="276999"/>
-          </a:xfrm>
-          <a:prstGeom prst="rect">
-            <a:avLst/>
-          </a:prstGeom>
-          <a:noFill/>
-        </p:spPr>
-        <p:txBody>
-          <a:bodyPr wrap="none" rtlCol="0">
-            <a:spAutoFit/>
-          </a:bodyPr>
-          <a:lstStyle/>
-          <a:p>
-            <a:r>
-              <a:rPr lang="en-US" sz="1200" dirty="0">
-                <a:solidFill>
-                  <a:srgbClr val="002060"/>
-                </a:solidFill>
-                <a:latin typeface="Verdana" panose="020B0604030504040204" pitchFamily="34" charset="0"/>
-                <a:ea typeface="Verdana" panose="020B0604030504040204" pitchFamily="34" charset="0"/>
-              </a:rPr>
-              <a:t>Azure SQL Server</a:t>
-            </a:r>
-          </a:p>
-        </p:txBody>
-      </p:sp>
-      <p:cxnSp>
-        <p:nvCxnSpPr>
-          <p:cNvPr id="43" name="Straight Arrow Connector 42">
-            <a:extLst>
-              <a:ext uri="{FF2B5EF4-FFF2-40B4-BE49-F238E27FC236}">
-                <a16:creationId xmlns:a16="http://schemas.microsoft.com/office/drawing/2014/main" id="{BB3E70C0-B1EA-4E72-AF0A-7A34EFBCE473}"/>
-              </a:ext>
-            </a:extLst>
-          </p:cNvPr>
-          <p:cNvCxnSpPr>
-            <a:cxnSpLocks/>
-          </p:cNvCxnSpPr>
-          <p:nvPr/>
-        </p:nvCxnSpPr>
-        <p:spPr>
-          <a:xfrm flipV="1">
-            <a:off x="973819" y="3563806"/>
-            <a:ext cx="2712126" cy="1"/>
-          </a:xfrm>
-          <a:prstGeom prst="straightConnector1">
-            <a:avLst/>
-          </a:prstGeom>
-          <a:ln>
-            <a:tailEnd type="triangle"/>
-          </a:ln>
-        </p:spPr>
-        <p:style>
-          <a:lnRef idx="1">
-            <a:schemeClr val="accent1"/>
-          </a:lnRef>
-          <a:fillRef idx="0">
-            <a:schemeClr val="accent1"/>
-          </a:fillRef>
-          <a:effectRef idx="0">
-            <a:schemeClr val="accent1"/>
-          </a:effectRef>
-          <a:fontRef idx="minor">
-            <a:schemeClr val="tx1"/>
-          </a:fontRef>
-        </p:style>
-      </p:cxnSp>
-      <p:cxnSp>
-        <p:nvCxnSpPr>
-          <p:cNvPr id="52" name="Straight Arrow Connector 51">
-            <a:extLst>
-              <a:ext uri="{FF2B5EF4-FFF2-40B4-BE49-F238E27FC236}">
-                <a16:creationId xmlns:a16="http://schemas.microsoft.com/office/drawing/2014/main" id="{32B65C11-0411-4270-B765-93FD97EF4FD7}"/>
-              </a:ext>
-            </a:extLst>
-          </p:cNvPr>
-          <p:cNvCxnSpPr>
-            <a:cxnSpLocks/>
-          </p:cNvCxnSpPr>
-          <p:nvPr/>
-        </p:nvCxnSpPr>
-        <p:spPr>
-          <a:xfrm flipV="1">
-            <a:off x="4357700" y="3556406"/>
-            <a:ext cx="2712126" cy="1"/>
-          </a:xfrm>
-          <a:prstGeom prst="straightConnector1">
-            <a:avLst/>
-          </a:prstGeom>
-          <a:ln>
-            <a:tailEnd type="triangle"/>
-          </a:ln>
-        </p:spPr>
-        <p:style>
-          <a:lnRef idx="1">
-            <a:schemeClr val="accent1"/>
-          </a:lnRef>
-          <a:fillRef idx="0">
-            <a:schemeClr val="accent1"/>
-          </a:fillRef>
-          <a:effectRef idx="0">
-            <a:schemeClr val="accent1"/>
-          </a:effectRef>
-          <a:fontRef idx="minor">
-            <a:schemeClr val="tx1"/>
-          </a:fontRef>
-        </p:style>
-      </p:cxnSp>
-      <p:cxnSp>
-        <p:nvCxnSpPr>
-          <p:cNvPr id="53" name="Straight Arrow Connector 52">
-            <a:extLst>
-              <a:ext uri="{FF2B5EF4-FFF2-40B4-BE49-F238E27FC236}">
-                <a16:creationId xmlns:a16="http://schemas.microsoft.com/office/drawing/2014/main" id="{377EAAA1-50F0-433E-A218-35B4BA6C37EB}"/>
-              </a:ext>
-            </a:extLst>
-          </p:cNvPr>
-          <p:cNvCxnSpPr>
-            <a:cxnSpLocks/>
-          </p:cNvCxnSpPr>
-          <p:nvPr/>
-        </p:nvCxnSpPr>
-        <p:spPr>
-          <a:xfrm flipV="1">
-            <a:off x="7784487" y="3556403"/>
-            <a:ext cx="2712126" cy="1"/>
-          </a:xfrm>
-          <a:prstGeom prst="straightConnector1">
-            <a:avLst/>
-          </a:prstGeom>
-          <a:ln>
-            <a:tailEnd type="triangle"/>
-          </a:ln>
-        </p:spPr>
-        <p:style>
-          <a:lnRef idx="1">
-            <a:schemeClr val="accent1"/>
-          </a:lnRef>
-          <a:fillRef idx="0">
-            <a:schemeClr val="accent1"/>
-          </a:fillRef>
-          <a:effectRef idx="0">
-            <a:schemeClr val="accent1"/>
-          </a:effectRef>
-          <a:fontRef idx="minor">
-            <a:schemeClr val="tx1"/>
-          </a:fontRef>
-        </p:style>
-      </p:cxnSp>
-      <p:sp>
-        <p:nvSpPr>
-          <p:cNvPr id="54" name="TextBox 53">
-            <a:extLst>
-              <a:ext uri="{FF2B5EF4-FFF2-40B4-BE49-F238E27FC236}">
-                <a16:creationId xmlns:a16="http://schemas.microsoft.com/office/drawing/2014/main" id="{4AAB1816-7919-42F9-855B-2F50292B0ADB}"/>
-              </a:ext>
-            </a:extLst>
-          </p:cNvPr>
-          <p:cNvSpPr txBox="1"/>
-          <p:nvPr/>
-        </p:nvSpPr>
-        <p:spPr>
-          <a:xfrm>
-            <a:off x="488327" y="3870249"/>
-            <a:ext cx="534121" cy="276999"/>
-          </a:xfrm>
-          <a:prstGeom prst="rect">
-            <a:avLst/>
-          </a:prstGeom>
-          <a:noFill/>
-        </p:spPr>
-        <p:txBody>
-          <a:bodyPr wrap="none" rtlCol="0">
-            <a:spAutoFit/>
-          </a:bodyPr>
-          <a:lstStyle/>
-          <a:p>
-            <a:r>
-              <a:rPr lang="en-US" sz="1200" dirty="0">
-                <a:solidFill>
-                  <a:srgbClr val="002060"/>
-                </a:solidFill>
-                <a:latin typeface="Verdana" panose="020B0604030504040204" pitchFamily="34" charset="0"/>
-                <a:ea typeface="Verdana" panose="020B0604030504040204" pitchFamily="34" charset="0"/>
-              </a:rPr>
-              <a:t>User</a:t>
-            </a:r>
-          </a:p>
-        </p:txBody>
-      </p:sp>
-    </p:spTree>
-    <p:extLst>
-      <p:ext uri="{BB962C8B-B14F-4D97-AF65-F5344CB8AC3E}">
-        <p14:creationId xmlns:p14="http://schemas.microsoft.com/office/powerpoint/2010/main" val="4050206399"/>
-      </p:ext>
-    </p:extLst>
-  </p:cSld>
-  <p:clrMapOvr>
-    <a:masterClrMapping/>
-  </p:clrMapOvr>
-</p:sld>
-</file>
-
 <file path=ppt/slides/slide12.xml><?xml version="1.0" encoding="utf-8"?>
 <p:sld xmlns:a="http://schemas.openxmlformats.org/drawingml/2006/main" xmlns:r="http://schemas.openxmlformats.org/officeDocument/2006/relationships" xmlns:p="http://schemas.openxmlformats.org/presentationml/2006/main">
   <p:cSld>
@@ -12626,7 +12211,7 @@
           <p:cNvPr id="1026" name="Picture 2">
             <a:extLst>
               <a:ext uri="{FF2B5EF4-FFF2-40B4-BE49-F238E27FC236}">
-                <a16:creationId xmlns:a16="http://schemas.microsoft.com/office/drawing/2014/main" id="{F425339A-A236-46E1-92D6-7C151737B536}"/>
+                <a16:creationId xmlns:a16="http://schemas.microsoft.com/office/drawing/2014/main" id="{2BE09F8E-F4ED-48B7-9EE2-29D6C55A7243}"/>
               </a:ext>
             </a:extLst>
           </p:cNvPr>
@@ -12650,8 +12235,8 @@
         </p:blipFill>
         <p:spPr bwMode="auto">
           <a:xfrm>
-            <a:off x="9328859" y="722744"/>
-            <a:ext cx="676275" cy="676275"/>
+            <a:off x="6983816" y="983849"/>
+            <a:ext cx="847725" cy="847725"/>
           </a:xfrm>
           <a:prstGeom prst="rect">
             <a:avLst/>
@@ -12670,10 +12255,10 @@
       </p:pic>
       <p:pic>
         <p:nvPicPr>
-          <p:cNvPr id="1028" name="Picture 4">
-            <a:extLst>
-              <a:ext uri="{FF2B5EF4-FFF2-40B4-BE49-F238E27FC236}">
-                <a16:creationId xmlns:a16="http://schemas.microsoft.com/office/drawing/2014/main" id="{4DF7CF91-FD9D-4160-B6CC-06C2E31F3789}"/>
+          <p:cNvPr id="1034" name="Picture 10">
+            <a:extLst>
+              <a:ext uri="{FF2B5EF4-FFF2-40B4-BE49-F238E27FC236}">
+                <a16:creationId xmlns:a16="http://schemas.microsoft.com/office/drawing/2014/main" id="{03A6EE1E-D6C3-43B7-A76C-ED8BA685C33B}"/>
               </a:ext>
             </a:extLst>
           </p:cNvPr>
@@ -12697,8 +12282,8 @@
         </p:blipFill>
         <p:spPr bwMode="auto">
           <a:xfrm>
-            <a:off x="10610850" y="773791"/>
-            <a:ext cx="647700" cy="676275"/>
+            <a:off x="10435886" y="3207380"/>
+            <a:ext cx="657225" cy="676275"/>
           </a:xfrm>
           <a:prstGeom prst="rect">
             <a:avLst/>
@@ -12715,27 +12300,167 @@
           </a:extLst>
         </p:spPr>
       </p:pic>
-      <p:sp>
-        <p:nvSpPr>
-          <p:cNvPr id="4" name="Rectangle: Rounded Corners 3">
-            <a:extLst>
-              <a:ext uri="{FF2B5EF4-FFF2-40B4-BE49-F238E27FC236}">
-                <a16:creationId xmlns:a16="http://schemas.microsoft.com/office/drawing/2014/main" id="{B66FDB89-5B7A-44D0-9521-C95AC61E9F64}"/>
-              </a:ext>
-            </a:extLst>
-          </p:cNvPr>
-          <p:cNvSpPr/>
+      <p:pic>
+        <p:nvPicPr>
+          <p:cNvPr id="1036" name="Picture 12">
+            <a:extLst>
+              <a:ext uri="{FF2B5EF4-FFF2-40B4-BE49-F238E27FC236}">
+                <a16:creationId xmlns:a16="http://schemas.microsoft.com/office/drawing/2014/main" id="{AB427BB8-0AA8-4F7E-AA27-EA18ECDD59BE}"/>
+              </a:ext>
+            </a:extLst>
+          </p:cNvPr>
+          <p:cNvPicPr>
+            <a:picLocks noChangeAspect="1" noChangeArrowheads="1"/>
+          </p:cNvPicPr>
           <p:nvPr/>
-        </p:nvSpPr>
-        <p:spPr>
-          <a:xfrm>
-            <a:off x="9010834" y="594805"/>
-            <a:ext cx="2698812" cy="932154"/>
-          </a:xfrm>
-          <a:prstGeom prst="roundRect">
+        </p:nvPicPr>
+        <p:blipFill>
+          <a:blip r:embed="rId4">
+            <a:extLst>
+              <a:ext uri="{28A0092B-C50C-407E-A947-70E740481C1C}">
+                <a14:useLocalDpi xmlns:a14="http://schemas.microsoft.com/office/drawing/2010/main" val="0"/>
+              </a:ext>
+            </a:extLst>
+          </a:blip>
+          <a:srcRect/>
+          <a:stretch>
+            <a:fillRect/>
+          </a:stretch>
+        </p:blipFill>
+        <p:spPr bwMode="auto">
+          <a:xfrm>
+            <a:off x="3632510" y="3148651"/>
+            <a:ext cx="809625" cy="809625"/>
+          </a:xfrm>
+          <a:prstGeom prst="rect">
             <a:avLst/>
           </a:prstGeom>
           <a:noFill/>
+          <a:extLst>
+            <a:ext uri="{909E8E84-426E-40DD-AFC4-6F175D3DCCD1}">
+              <a14:hiddenFill xmlns:a14="http://schemas.microsoft.com/office/drawing/2010/main">
+                <a:solidFill>
+                  <a:srgbClr val="FFFFFF"/>
+                </a:solidFill>
+              </a14:hiddenFill>
+            </a:ext>
+          </a:extLst>
+        </p:spPr>
+      </p:pic>
+      <p:pic>
+        <p:nvPicPr>
+          <p:cNvPr id="1044" name="Picture 20">
+            <a:extLst>
+              <a:ext uri="{FF2B5EF4-FFF2-40B4-BE49-F238E27FC236}">
+                <a16:creationId xmlns:a16="http://schemas.microsoft.com/office/drawing/2014/main" id="{24CA475C-31C6-4B82-A0EA-16888492B5DE}"/>
+              </a:ext>
+            </a:extLst>
+          </p:cNvPr>
+          <p:cNvPicPr>
+            <a:picLocks noChangeAspect="1" noChangeArrowheads="1"/>
+          </p:cNvPicPr>
+          <p:nvPr/>
+        </p:nvPicPr>
+        <p:blipFill>
+          <a:blip r:embed="rId5">
+            <a:extLst>
+              <a:ext uri="{28A0092B-C50C-407E-A947-70E740481C1C}">
+                <a14:useLocalDpi xmlns:a14="http://schemas.microsoft.com/office/drawing/2010/main" val="0"/>
+              </a:ext>
+            </a:extLst>
+          </a:blip>
+          <a:srcRect/>
+          <a:stretch>
+            <a:fillRect/>
+          </a:stretch>
+        </p:blipFill>
+        <p:spPr bwMode="auto">
+          <a:xfrm>
+            <a:off x="414338" y="3207382"/>
+            <a:ext cx="657225" cy="676275"/>
+          </a:xfrm>
+          <a:prstGeom prst="rect">
+            <a:avLst/>
+          </a:prstGeom>
+          <a:noFill/>
+          <a:extLst>
+            <a:ext uri="{909E8E84-426E-40DD-AFC4-6F175D3DCCD1}">
+              <a14:hiddenFill xmlns:a14="http://schemas.microsoft.com/office/drawing/2010/main">
+                <a:solidFill>
+                  <a:srgbClr val="FFFFFF"/>
+                </a:solidFill>
+              </a14:hiddenFill>
+            </a:ext>
+          </a:extLst>
+        </p:spPr>
+      </p:pic>
+      <p:pic>
+        <p:nvPicPr>
+          <p:cNvPr id="22" name="Picture 12">
+            <a:extLst>
+              <a:ext uri="{FF2B5EF4-FFF2-40B4-BE49-F238E27FC236}">
+                <a16:creationId xmlns:a16="http://schemas.microsoft.com/office/drawing/2014/main" id="{CDD441FC-ED8A-4B90-A512-1FFA05777E63}"/>
+              </a:ext>
+            </a:extLst>
+          </p:cNvPr>
+          <p:cNvPicPr>
+            <a:picLocks noChangeAspect="1" noChangeArrowheads="1"/>
+          </p:cNvPicPr>
+          <p:nvPr/>
+        </p:nvPicPr>
+        <p:blipFill>
+          <a:blip r:embed="rId4">
+            <a:extLst>
+              <a:ext uri="{28A0092B-C50C-407E-A947-70E740481C1C}">
+                <a14:useLocalDpi xmlns:a14="http://schemas.microsoft.com/office/drawing/2010/main" val="0"/>
+              </a:ext>
+            </a:extLst>
+          </a:blip>
+          <a:srcRect/>
+          <a:stretch>
+            <a:fillRect/>
+          </a:stretch>
+        </p:blipFill>
+        <p:spPr bwMode="auto">
+          <a:xfrm>
+            <a:off x="7010400" y="3140706"/>
+            <a:ext cx="809625" cy="809625"/>
+          </a:xfrm>
+          <a:prstGeom prst="rect">
+            <a:avLst/>
+          </a:prstGeom>
+          <a:noFill/>
+          <a:extLst>
+            <a:ext uri="{909E8E84-426E-40DD-AFC4-6F175D3DCCD1}">
+              <a14:hiddenFill xmlns:a14="http://schemas.microsoft.com/office/drawing/2010/main">
+                <a:solidFill>
+                  <a:srgbClr val="FFFFFF"/>
+                </a:solidFill>
+              </a14:hiddenFill>
+            </a:ext>
+          </a:extLst>
+        </p:spPr>
+      </p:pic>
+      <p:sp>
+        <p:nvSpPr>
+          <p:cNvPr id="11" name="Heptagon 10">
+            <a:extLst>
+              <a:ext uri="{FF2B5EF4-FFF2-40B4-BE49-F238E27FC236}">
+                <a16:creationId xmlns:a16="http://schemas.microsoft.com/office/drawing/2014/main" id="{8EF000E9-1A1B-40B9-BF7B-8E7326AAFA24}"/>
+              </a:ext>
+            </a:extLst>
+          </p:cNvPr>
+          <p:cNvSpPr/>
+          <p:nvPr/>
+        </p:nvSpPr>
+        <p:spPr>
+          <a:xfrm>
+            <a:off x="240913" y="3082562"/>
+            <a:ext cx="307435" cy="344102"/>
+          </a:xfrm>
+          <a:prstGeom prst="heptagon">
+            <a:avLst/>
+          </a:prstGeom>
         </p:spPr>
         <p:style>
           <a:lnRef idx="2">
@@ -12758,16 +12483,58 @@
           <a:lstStyle/>
           <a:p>
             <a:pPr algn="ctr"/>
-            <a:endParaRPr lang="en-IN"/>
-          </a:p>
-        </p:txBody>
-      </p:sp>
-      <p:sp>
-        <p:nvSpPr>
-          <p:cNvPr id="7" name="Rectangle: Rounded Corners 6">
-            <a:extLst>
-              <a:ext uri="{FF2B5EF4-FFF2-40B4-BE49-F238E27FC236}">
-                <a16:creationId xmlns:a16="http://schemas.microsoft.com/office/drawing/2014/main" id="{A2D272BD-19C4-4CCC-98BF-5E5942B48D5E}"/>
+            <a:r>
+              <a:rPr lang="en-US" dirty="0"/>
+              <a:t>1</a:t>
+            </a:r>
+          </a:p>
+        </p:txBody>
+      </p:sp>
+      <p:cxnSp>
+        <p:nvCxnSpPr>
+          <p:cNvPr id="23" name="Straight Connector 22">
+            <a:extLst>
+              <a:ext uri="{FF2B5EF4-FFF2-40B4-BE49-F238E27FC236}">
+                <a16:creationId xmlns:a16="http://schemas.microsoft.com/office/drawing/2014/main" id="{2F483661-8B57-4D41-8C50-C7739BB2C923}"/>
+              </a:ext>
+            </a:extLst>
+          </p:cNvPr>
+          <p:cNvCxnSpPr>
+            <a:stCxn id="22" idx="0"/>
+            <a:endCxn id="1026" idx="2"/>
+          </p:cNvCxnSpPr>
+          <p:nvPr/>
+        </p:nvCxnSpPr>
+        <p:spPr>
+          <a:xfrm flipH="1" flipV="1">
+            <a:off x="7407679" y="1831574"/>
+            <a:ext cx="7534" cy="1309132"/>
+          </a:xfrm>
+          <a:prstGeom prst="line">
+            <a:avLst/>
+          </a:prstGeom>
+        </p:spPr>
+        <p:style>
+          <a:lnRef idx="1">
+            <a:schemeClr val="accent1"/>
+          </a:lnRef>
+          <a:fillRef idx="0">
+            <a:schemeClr val="accent1"/>
+          </a:fillRef>
+          <a:effectRef idx="0">
+            <a:schemeClr val="accent1"/>
+          </a:effectRef>
+          <a:fontRef idx="minor">
+            <a:schemeClr val="tx1"/>
+          </a:fontRef>
+        </p:style>
+      </p:cxnSp>
+      <p:sp>
+        <p:nvSpPr>
+          <p:cNvPr id="45" name="Heptagon 44">
+            <a:extLst>
+              <a:ext uri="{FF2B5EF4-FFF2-40B4-BE49-F238E27FC236}">
+                <a16:creationId xmlns:a16="http://schemas.microsoft.com/office/drawing/2014/main" id="{E7A80D65-5ADB-4DCD-A7A2-5DFBCA0C9B8D}"/>
               </a:ext>
             </a:extLst>
           </p:cNvPr>
@@ -12776,13 +12543,12 @@
         </p:nvSpPr>
         <p:spPr>
           <a:xfrm>
-            <a:off x="9074458" y="1963445"/>
-            <a:ext cx="2698812" cy="932154"/>
-          </a:xfrm>
-          <a:prstGeom prst="roundRect">
+            <a:off x="3273843" y="3082562"/>
+            <a:ext cx="307435" cy="344102"/>
+          </a:xfrm>
+          <a:prstGeom prst="heptagon">
             <a:avLst/>
           </a:prstGeom>
-          <a:noFill/>
         </p:spPr>
         <p:style>
           <a:lnRef idx="2">
@@ -12806,49 +12572,18 @@
           <a:p>
             <a:pPr algn="ctr"/>
             <a:r>
-              <a:rPr lang="en-US" dirty="0">
-                <a:solidFill>
-                  <a:srgbClr val="002060"/>
-                </a:solidFill>
-              </a:rPr>
-              <a:t>Basket API</a:t>
-            </a:r>
-          </a:p>
-          <a:p>
-            <a:pPr algn="ctr"/>
-            <a:r>
-              <a:rPr lang="en-US" dirty="0">
-                <a:solidFill>
-                  <a:srgbClr val="002060"/>
-                </a:solidFill>
-              </a:rPr>
-              <a:t>+</a:t>
-            </a:r>
-          </a:p>
-          <a:p>
-            <a:pPr algn="ctr"/>
-            <a:r>
-              <a:rPr lang="en-US" dirty="0">
-                <a:solidFill>
-                  <a:srgbClr val="002060"/>
-                </a:solidFill>
-              </a:rPr>
-              <a:t>Data Store</a:t>
-            </a:r>
-            <a:endParaRPr lang="en-IN" dirty="0">
-              <a:solidFill>
-                <a:srgbClr val="002060"/>
-              </a:solidFill>
-            </a:endParaRPr>
-          </a:p>
-        </p:txBody>
-      </p:sp>
-      <p:sp>
-        <p:nvSpPr>
-          <p:cNvPr id="8" name="Rectangle: Rounded Corners 7">
-            <a:extLst>
-              <a:ext uri="{FF2B5EF4-FFF2-40B4-BE49-F238E27FC236}">
-                <a16:creationId xmlns:a16="http://schemas.microsoft.com/office/drawing/2014/main" id="{A5552548-78B9-4209-A399-D93F4C299158}"/>
+              <a:rPr lang="en-US" dirty="0"/>
+              <a:t>2</a:t>
+            </a:r>
+          </a:p>
+        </p:txBody>
+      </p:sp>
+      <p:sp>
+        <p:nvSpPr>
+          <p:cNvPr id="46" name="Heptagon 45">
+            <a:extLst>
+              <a:ext uri="{FF2B5EF4-FFF2-40B4-BE49-F238E27FC236}">
+                <a16:creationId xmlns:a16="http://schemas.microsoft.com/office/drawing/2014/main" id="{41E19403-B49B-4C20-BB68-98A12476BA78}"/>
               </a:ext>
             </a:extLst>
           </p:cNvPr>
@@ -12857,13 +12592,12 @@
         </p:nvSpPr>
         <p:spPr>
           <a:xfrm>
-            <a:off x="9074458" y="3317288"/>
-            <a:ext cx="2698812" cy="932154"/>
-          </a:xfrm>
-          <a:prstGeom prst="roundRect">
+            <a:off x="6680128" y="3082562"/>
+            <a:ext cx="307435" cy="344102"/>
+          </a:xfrm>
+          <a:prstGeom prst="heptagon">
             <a:avLst/>
           </a:prstGeom>
-          <a:noFill/>
         </p:spPr>
         <p:style>
           <a:lnRef idx="2">
@@ -12887,49 +12621,18 @@
           <a:p>
             <a:pPr algn="ctr"/>
             <a:r>
-              <a:rPr lang="en-US" dirty="0">
-                <a:solidFill>
-                  <a:srgbClr val="002060"/>
-                </a:solidFill>
-              </a:rPr>
-              <a:t>Discount API</a:t>
-            </a:r>
-          </a:p>
-          <a:p>
-            <a:pPr algn="ctr"/>
-            <a:r>
-              <a:rPr lang="en-US" dirty="0">
-                <a:solidFill>
-                  <a:srgbClr val="002060"/>
-                </a:solidFill>
-              </a:rPr>
-              <a:t>+</a:t>
-            </a:r>
-          </a:p>
-          <a:p>
-            <a:pPr algn="ctr"/>
-            <a:r>
-              <a:rPr lang="en-US" dirty="0">
-                <a:solidFill>
-                  <a:srgbClr val="002060"/>
-                </a:solidFill>
-              </a:rPr>
-              <a:t>Data Store</a:t>
-            </a:r>
-            <a:endParaRPr lang="en-IN" dirty="0">
-              <a:solidFill>
-                <a:srgbClr val="002060"/>
-              </a:solidFill>
-            </a:endParaRPr>
-          </a:p>
-        </p:txBody>
-      </p:sp>
-      <p:sp>
-        <p:nvSpPr>
-          <p:cNvPr id="9" name="Rectangle: Rounded Corners 8">
-            <a:extLst>
-              <a:ext uri="{FF2B5EF4-FFF2-40B4-BE49-F238E27FC236}">
-                <a16:creationId xmlns:a16="http://schemas.microsoft.com/office/drawing/2014/main" id="{A92C872B-70D9-4F65-B6FB-E7D3026D7F23}"/>
+              <a:rPr lang="en-US" dirty="0"/>
+              <a:t>3</a:t>
+            </a:r>
+          </a:p>
+        </p:txBody>
+      </p:sp>
+      <p:sp>
+        <p:nvSpPr>
+          <p:cNvPr id="47" name="Heptagon 46">
+            <a:extLst>
+              <a:ext uri="{FF2B5EF4-FFF2-40B4-BE49-F238E27FC236}">
+                <a16:creationId xmlns:a16="http://schemas.microsoft.com/office/drawing/2014/main" id="{AB00409F-5084-44E7-90AA-34000E295530}"/>
               </a:ext>
             </a:extLst>
           </p:cNvPr>
@@ -12938,13 +12641,12 @@
         </p:nvSpPr>
         <p:spPr>
           <a:xfrm>
-            <a:off x="9074458" y="4671131"/>
-            <a:ext cx="2698812" cy="932154"/>
-          </a:xfrm>
-          <a:prstGeom prst="roundRect">
+            <a:off x="6674459" y="1157482"/>
+            <a:ext cx="307435" cy="344102"/>
+          </a:xfrm>
+          <a:prstGeom prst="heptagon">
             <a:avLst/>
           </a:prstGeom>
-          <a:noFill/>
         </p:spPr>
         <p:style>
           <a:lnRef idx="2">
@@ -12968,49 +12670,18 @@
           <a:p>
             <a:pPr algn="ctr"/>
             <a:r>
-              <a:rPr lang="en-US" dirty="0">
-                <a:solidFill>
-                  <a:srgbClr val="002060"/>
-                </a:solidFill>
-              </a:rPr>
-              <a:t>Orders API</a:t>
-            </a:r>
-          </a:p>
-          <a:p>
-            <a:pPr algn="ctr"/>
-            <a:r>
-              <a:rPr lang="en-US" dirty="0">
-                <a:solidFill>
-                  <a:srgbClr val="002060"/>
-                </a:solidFill>
-              </a:rPr>
-              <a:t>+</a:t>
-            </a:r>
-          </a:p>
-          <a:p>
-            <a:pPr algn="ctr"/>
-            <a:r>
-              <a:rPr lang="en-US" dirty="0">
-                <a:solidFill>
-                  <a:srgbClr val="002060"/>
-                </a:solidFill>
-              </a:rPr>
-              <a:t>Data Store</a:t>
-            </a:r>
-            <a:endParaRPr lang="en-IN" dirty="0">
-              <a:solidFill>
-                <a:srgbClr val="002060"/>
-              </a:solidFill>
-            </a:endParaRPr>
-          </a:p>
-        </p:txBody>
-      </p:sp>
-      <p:sp>
-        <p:nvSpPr>
-          <p:cNvPr id="5" name="Rectangle 4">
-            <a:extLst>
-              <a:ext uri="{FF2B5EF4-FFF2-40B4-BE49-F238E27FC236}">
-                <a16:creationId xmlns:a16="http://schemas.microsoft.com/office/drawing/2014/main" id="{B5B283AE-04A1-4B80-939C-21B7C975E533}"/>
+              <a:rPr lang="en-US" dirty="0"/>
+              <a:t>4</a:t>
+            </a:r>
+          </a:p>
+        </p:txBody>
+      </p:sp>
+      <p:sp>
+        <p:nvSpPr>
+          <p:cNvPr id="48" name="Heptagon 47">
+            <a:extLst>
+              <a:ext uri="{FF2B5EF4-FFF2-40B4-BE49-F238E27FC236}">
+                <a16:creationId xmlns:a16="http://schemas.microsoft.com/office/drawing/2014/main" id="{7404ADED-C51D-46C9-8F7A-0B3E6F45A5B6}"/>
               </a:ext>
             </a:extLst>
           </p:cNvPr>
@@ -13019,10 +12690,10 @@
         </p:nvSpPr>
         <p:spPr>
           <a:xfrm>
-            <a:off x="4891596" y="2237173"/>
-            <a:ext cx="1411550" cy="1553592"/>
-          </a:xfrm>
-          <a:prstGeom prst="rect">
+            <a:off x="10022305" y="3082562"/>
+            <a:ext cx="307435" cy="344102"/>
+          </a:xfrm>
+          <a:prstGeom prst="heptagon">
             <a:avLst/>
           </a:prstGeom>
         </p:spPr>
@@ -13049,39 +12720,531 @@
             <a:pPr algn="ctr"/>
             <a:r>
               <a:rPr lang="en-US" dirty="0"/>
-              <a:t>API</a:t>
-            </a:r>
-          </a:p>
-          <a:p>
-            <a:pPr algn="ctr"/>
-            <a:r>
-              <a:rPr lang="en-US" dirty="0"/>
-              <a:t>Gateway</a:t>
-            </a:r>
-            <a:endParaRPr lang="en-IN" dirty="0"/>
-          </a:p>
-        </p:txBody>
-      </p:sp>
-      <p:sp>
-        <p:nvSpPr>
-          <p:cNvPr id="6" name="Rectangle 5">
-            <a:extLst>
-              <a:ext uri="{FF2B5EF4-FFF2-40B4-BE49-F238E27FC236}">
-                <a16:creationId xmlns:a16="http://schemas.microsoft.com/office/drawing/2014/main" id="{E681EEBF-DED0-49C3-82BA-C359A5D505B5}"/>
-              </a:ext>
-            </a:extLst>
-          </p:cNvPr>
-          <p:cNvSpPr/>
+              <a:t>5</a:t>
+            </a:r>
+          </a:p>
+        </p:txBody>
+      </p:sp>
+      <p:sp>
+        <p:nvSpPr>
+          <p:cNvPr id="35" name="TextBox 34">
+            <a:extLst>
+              <a:ext uri="{FF2B5EF4-FFF2-40B4-BE49-F238E27FC236}">
+                <a16:creationId xmlns:a16="http://schemas.microsoft.com/office/drawing/2014/main" id="{E2F5F6A0-D510-4DE5-B9DB-EE0C0D374DC9}"/>
+              </a:ext>
+            </a:extLst>
+          </p:cNvPr>
+          <p:cNvSpPr txBox="1"/>
           <p:nvPr/>
         </p:nvSpPr>
         <p:spPr>
           <a:xfrm>
-            <a:off x="1322773" y="1038687"/>
-            <a:ext cx="1518081" cy="1065321"/>
+            <a:off x="9219304" y="5138637"/>
+            <a:ext cx="2893741" cy="369332"/>
           </a:xfrm>
           <a:prstGeom prst="rect">
             <a:avLst/>
           </a:prstGeom>
+          <a:noFill/>
+          <a:ln>
+            <a:solidFill>
+              <a:schemeClr val="tx1"/>
+            </a:solidFill>
+            <a:prstDash val="solid"/>
+          </a:ln>
+        </p:spPr>
+        <p:txBody>
+          <a:bodyPr wrap="none" rtlCol="0">
+            <a:spAutoFit/>
+          </a:bodyPr>
+          <a:lstStyle/>
+          <a:p>
+            <a:r>
+              <a:rPr lang="en-US" b="1" dirty="0">
+                <a:solidFill>
+                  <a:srgbClr val="0070C0"/>
+                </a:solidFill>
+                <a:latin typeface="Verdana" panose="020B0604030504040204" pitchFamily="34" charset="0"/>
+                <a:ea typeface="Verdana" panose="020B0604030504040204" pitchFamily="34" charset="0"/>
+              </a:rPr>
+              <a:t>August 2021 Version</a:t>
+            </a:r>
+          </a:p>
+        </p:txBody>
+      </p:sp>
+      <p:sp>
+        <p:nvSpPr>
+          <p:cNvPr id="29" name="TextBox 28">
+            <a:extLst>
+              <a:ext uri="{FF2B5EF4-FFF2-40B4-BE49-F238E27FC236}">
+                <a16:creationId xmlns:a16="http://schemas.microsoft.com/office/drawing/2014/main" id="{73DEDEAB-57DE-46F8-9469-78112F7FEB52}"/>
+              </a:ext>
+            </a:extLst>
+          </p:cNvPr>
+          <p:cNvSpPr txBox="1"/>
+          <p:nvPr/>
+        </p:nvSpPr>
+        <p:spPr>
+          <a:xfrm>
+            <a:off x="3433951" y="3868771"/>
+            <a:ext cx="1206741" cy="276999"/>
+          </a:xfrm>
+          <a:prstGeom prst="rect">
+            <a:avLst/>
+          </a:prstGeom>
+          <a:noFill/>
+        </p:spPr>
+        <p:txBody>
+          <a:bodyPr wrap="none" rtlCol="0">
+            <a:spAutoFit/>
+          </a:bodyPr>
+          <a:lstStyle/>
+          <a:p>
+            <a:r>
+              <a:rPr lang="en-US" sz="1200" dirty="0">
+                <a:solidFill>
+                  <a:srgbClr val="002060"/>
+                </a:solidFill>
+                <a:latin typeface="Verdana" panose="020B0604030504040204" pitchFamily="34" charset="0"/>
+                <a:ea typeface="Verdana" panose="020B0604030504040204" pitchFamily="34" charset="0"/>
+              </a:rPr>
+              <a:t>Blazor WASM</a:t>
+            </a:r>
+          </a:p>
+        </p:txBody>
+      </p:sp>
+      <p:sp>
+        <p:nvSpPr>
+          <p:cNvPr id="32" name="TextBox 31">
+            <a:extLst>
+              <a:ext uri="{FF2B5EF4-FFF2-40B4-BE49-F238E27FC236}">
+                <a16:creationId xmlns:a16="http://schemas.microsoft.com/office/drawing/2014/main" id="{7ACD62D2-6EA3-462B-9EE3-1AE82A658BDE}"/>
+              </a:ext>
+            </a:extLst>
+          </p:cNvPr>
+          <p:cNvSpPr txBox="1"/>
+          <p:nvPr/>
+        </p:nvSpPr>
+        <p:spPr>
+          <a:xfrm>
+            <a:off x="7003080" y="3868771"/>
+            <a:ext cx="834396" cy="276999"/>
+          </a:xfrm>
+          <a:prstGeom prst="rect">
+            <a:avLst/>
+          </a:prstGeom>
+          <a:noFill/>
+        </p:spPr>
+        <p:txBody>
+          <a:bodyPr wrap="none" rtlCol="0">
+            <a:spAutoFit/>
+          </a:bodyPr>
+          <a:lstStyle/>
+          <a:p>
+            <a:r>
+              <a:rPr lang="en-US" sz="1200" dirty="0">
+                <a:solidFill>
+                  <a:srgbClr val="002060"/>
+                </a:solidFill>
+                <a:latin typeface="Verdana" panose="020B0604030504040204" pitchFamily="34" charset="0"/>
+                <a:ea typeface="Verdana" panose="020B0604030504040204" pitchFamily="34" charset="0"/>
+              </a:rPr>
+              <a:t>Web API</a:t>
+            </a:r>
+          </a:p>
+        </p:txBody>
+      </p:sp>
+      <p:sp>
+        <p:nvSpPr>
+          <p:cNvPr id="33" name="TextBox 32">
+            <a:extLst>
+              <a:ext uri="{FF2B5EF4-FFF2-40B4-BE49-F238E27FC236}">
+                <a16:creationId xmlns:a16="http://schemas.microsoft.com/office/drawing/2014/main" id="{B2F4BAD8-B680-472E-AAAA-BA6C3042BA54}"/>
+              </a:ext>
+            </a:extLst>
+          </p:cNvPr>
+          <p:cNvSpPr txBox="1"/>
+          <p:nvPr/>
+        </p:nvSpPr>
+        <p:spPr>
+          <a:xfrm>
+            <a:off x="6657173" y="761510"/>
+            <a:ext cx="1411027" cy="276999"/>
+          </a:xfrm>
+          <a:prstGeom prst="rect">
+            <a:avLst/>
+          </a:prstGeom>
+          <a:noFill/>
+        </p:spPr>
+        <p:txBody>
+          <a:bodyPr wrap="none" rtlCol="0">
+            <a:spAutoFit/>
+          </a:bodyPr>
+          <a:lstStyle/>
+          <a:p>
+            <a:r>
+              <a:rPr lang="en-US" sz="1200" dirty="0">
+                <a:solidFill>
+                  <a:srgbClr val="002060"/>
+                </a:solidFill>
+                <a:latin typeface="Verdana" panose="020B0604030504040204" pitchFamily="34" charset="0"/>
+                <a:ea typeface="Verdana" panose="020B0604030504040204" pitchFamily="34" charset="0"/>
+              </a:rPr>
+              <a:t>Azure Key Vault</a:t>
+            </a:r>
+          </a:p>
+        </p:txBody>
+      </p:sp>
+      <p:sp>
+        <p:nvSpPr>
+          <p:cNvPr id="37" name="TextBox 36">
+            <a:extLst>
+              <a:ext uri="{FF2B5EF4-FFF2-40B4-BE49-F238E27FC236}">
+                <a16:creationId xmlns:a16="http://schemas.microsoft.com/office/drawing/2014/main" id="{E472F245-397E-4CEE-88C2-F7D04A607F7F}"/>
+              </a:ext>
+            </a:extLst>
+          </p:cNvPr>
+          <p:cNvSpPr txBox="1"/>
+          <p:nvPr/>
+        </p:nvSpPr>
+        <p:spPr>
+          <a:xfrm>
+            <a:off x="9978904" y="3868771"/>
+            <a:ext cx="1557093" cy="276999"/>
+          </a:xfrm>
+          <a:prstGeom prst="rect">
+            <a:avLst/>
+          </a:prstGeom>
+          <a:noFill/>
+        </p:spPr>
+        <p:txBody>
+          <a:bodyPr wrap="none" rtlCol="0">
+            <a:spAutoFit/>
+          </a:bodyPr>
+          <a:lstStyle/>
+          <a:p>
+            <a:r>
+              <a:rPr lang="en-US" sz="1200" dirty="0">
+                <a:solidFill>
+                  <a:srgbClr val="002060"/>
+                </a:solidFill>
+                <a:latin typeface="Verdana" panose="020B0604030504040204" pitchFamily="34" charset="0"/>
+                <a:ea typeface="Verdana" panose="020B0604030504040204" pitchFamily="34" charset="0"/>
+              </a:rPr>
+              <a:t>Azure SQL Server</a:t>
+            </a:r>
+          </a:p>
+        </p:txBody>
+      </p:sp>
+      <p:cxnSp>
+        <p:nvCxnSpPr>
+          <p:cNvPr id="43" name="Straight Arrow Connector 42">
+            <a:extLst>
+              <a:ext uri="{FF2B5EF4-FFF2-40B4-BE49-F238E27FC236}">
+                <a16:creationId xmlns:a16="http://schemas.microsoft.com/office/drawing/2014/main" id="{BB3E70C0-B1EA-4E72-AF0A-7A34EFBCE473}"/>
+              </a:ext>
+            </a:extLst>
+          </p:cNvPr>
+          <p:cNvCxnSpPr>
+            <a:cxnSpLocks/>
+          </p:cNvCxnSpPr>
+          <p:nvPr/>
+        </p:nvCxnSpPr>
+        <p:spPr>
+          <a:xfrm flipV="1">
+            <a:off x="973819" y="3563806"/>
+            <a:ext cx="2712126" cy="1"/>
+          </a:xfrm>
+          <a:prstGeom prst="straightConnector1">
+            <a:avLst/>
+          </a:prstGeom>
+          <a:ln>
+            <a:tailEnd type="triangle"/>
+          </a:ln>
+        </p:spPr>
+        <p:style>
+          <a:lnRef idx="1">
+            <a:schemeClr val="accent1"/>
+          </a:lnRef>
+          <a:fillRef idx="0">
+            <a:schemeClr val="accent1"/>
+          </a:fillRef>
+          <a:effectRef idx="0">
+            <a:schemeClr val="accent1"/>
+          </a:effectRef>
+          <a:fontRef idx="minor">
+            <a:schemeClr val="tx1"/>
+          </a:fontRef>
+        </p:style>
+      </p:cxnSp>
+      <p:cxnSp>
+        <p:nvCxnSpPr>
+          <p:cNvPr id="52" name="Straight Arrow Connector 51">
+            <a:extLst>
+              <a:ext uri="{FF2B5EF4-FFF2-40B4-BE49-F238E27FC236}">
+                <a16:creationId xmlns:a16="http://schemas.microsoft.com/office/drawing/2014/main" id="{32B65C11-0411-4270-B765-93FD97EF4FD7}"/>
+              </a:ext>
+            </a:extLst>
+          </p:cNvPr>
+          <p:cNvCxnSpPr>
+            <a:cxnSpLocks/>
+          </p:cNvCxnSpPr>
+          <p:nvPr/>
+        </p:nvCxnSpPr>
+        <p:spPr>
+          <a:xfrm flipV="1">
+            <a:off x="4357700" y="3556406"/>
+            <a:ext cx="2712126" cy="1"/>
+          </a:xfrm>
+          <a:prstGeom prst="straightConnector1">
+            <a:avLst/>
+          </a:prstGeom>
+          <a:ln>
+            <a:tailEnd type="triangle"/>
+          </a:ln>
+        </p:spPr>
+        <p:style>
+          <a:lnRef idx="1">
+            <a:schemeClr val="accent1"/>
+          </a:lnRef>
+          <a:fillRef idx="0">
+            <a:schemeClr val="accent1"/>
+          </a:fillRef>
+          <a:effectRef idx="0">
+            <a:schemeClr val="accent1"/>
+          </a:effectRef>
+          <a:fontRef idx="minor">
+            <a:schemeClr val="tx1"/>
+          </a:fontRef>
+        </p:style>
+      </p:cxnSp>
+      <p:cxnSp>
+        <p:nvCxnSpPr>
+          <p:cNvPr id="53" name="Straight Arrow Connector 52">
+            <a:extLst>
+              <a:ext uri="{FF2B5EF4-FFF2-40B4-BE49-F238E27FC236}">
+                <a16:creationId xmlns:a16="http://schemas.microsoft.com/office/drawing/2014/main" id="{377EAAA1-50F0-433E-A218-35B4BA6C37EB}"/>
+              </a:ext>
+            </a:extLst>
+          </p:cNvPr>
+          <p:cNvCxnSpPr>
+            <a:cxnSpLocks/>
+          </p:cNvCxnSpPr>
+          <p:nvPr/>
+        </p:nvCxnSpPr>
+        <p:spPr>
+          <a:xfrm flipV="1">
+            <a:off x="7784487" y="3556403"/>
+            <a:ext cx="2712126" cy="1"/>
+          </a:xfrm>
+          <a:prstGeom prst="straightConnector1">
+            <a:avLst/>
+          </a:prstGeom>
+          <a:ln>
+            <a:tailEnd type="triangle"/>
+          </a:ln>
+        </p:spPr>
+        <p:style>
+          <a:lnRef idx="1">
+            <a:schemeClr val="accent1"/>
+          </a:lnRef>
+          <a:fillRef idx="0">
+            <a:schemeClr val="accent1"/>
+          </a:fillRef>
+          <a:effectRef idx="0">
+            <a:schemeClr val="accent1"/>
+          </a:effectRef>
+          <a:fontRef idx="minor">
+            <a:schemeClr val="tx1"/>
+          </a:fontRef>
+        </p:style>
+      </p:cxnSp>
+      <p:sp>
+        <p:nvSpPr>
+          <p:cNvPr id="54" name="TextBox 53">
+            <a:extLst>
+              <a:ext uri="{FF2B5EF4-FFF2-40B4-BE49-F238E27FC236}">
+                <a16:creationId xmlns:a16="http://schemas.microsoft.com/office/drawing/2014/main" id="{4AAB1816-7919-42F9-855B-2F50292B0ADB}"/>
+              </a:ext>
+            </a:extLst>
+          </p:cNvPr>
+          <p:cNvSpPr txBox="1"/>
+          <p:nvPr/>
+        </p:nvSpPr>
+        <p:spPr>
+          <a:xfrm>
+            <a:off x="488327" y="3870249"/>
+            <a:ext cx="534121" cy="276999"/>
+          </a:xfrm>
+          <a:prstGeom prst="rect">
+            <a:avLst/>
+          </a:prstGeom>
+          <a:noFill/>
+        </p:spPr>
+        <p:txBody>
+          <a:bodyPr wrap="none" rtlCol="0">
+            <a:spAutoFit/>
+          </a:bodyPr>
+          <a:lstStyle/>
+          <a:p>
+            <a:r>
+              <a:rPr lang="en-US" sz="1200" dirty="0">
+                <a:solidFill>
+                  <a:srgbClr val="002060"/>
+                </a:solidFill>
+                <a:latin typeface="Verdana" panose="020B0604030504040204" pitchFamily="34" charset="0"/>
+                <a:ea typeface="Verdana" panose="020B0604030504040204" pitchFamily="34" charset="0"/>
+              </a:rPr>
+              <a:t>User</a:t>
+            </a:r>
+          </a:p>
+        </p:txBody>
+      </p:sp>
+    </p:spTree>
+    <p:extLst>
+      <p:ext uri="{BB962C8B-B14F-4D97-AF65-F5344CB8AC3E}">
+        <p14:creationId xmlns:p14="http://schemas.microsoft.com/office/powerpoint/2010/main" val="4050206399"/>
+      </p:ext>
+    </p:extLst>
+  </p:cSld>
+  <p:clrMapOvr>
+    <a:masterClrMapping/>
+  </p:clrMapOvr>
+</p:sld>
+</file>
+
+<file path=ppt/slides/slide13.xml><?xml version="1.0" encoding="utf-8"?>
+<p:sld xmlns:a="http://schemas.openxmlformats.org/drawingml/2006/main" xmlns:r="http://schemas.openxmlformats.org/officeDocument/2006/relationships" xmlns:p="http://schemas.openxmlformats.org/presentationml/2006/main">
+  <p:cSld>
+    <p:spTree>
+      <p:nvGrpSpPr>
+        <p:cNvPr id="1" name=""/>
+        <p:cNvGrpSpPr/>
+        <p:nvPr/>
+      </p:nvGrpSpPr>
+      <p:grpSpPr>
+        <a:xfrm>
+          <a:off x="0" y="0"/>
+          <a:ext cx="0" cy="0"/>
+          <a:chOff x="0" y="0"/>
+          <a:chExt cx="0" cy="0"/>
+        </a:xfrm>
+      </p:grpSpPr>
+      <p:pic>
+        <p:nvPicPr>
+          <p:cNvPr id="1026" name="Picture 2">
+            <a:extLst>
+              <a:ext uri="{FF2B5EF4-FFF2-40B4-BE49-F238E27FC236}">
+                <a16:creationId xmlns:a16="http://schemas.microsoft.com/office/drawing/2014/main" id="{F425339A-A236-46E1-92D6-7C151737B536}"/>
+              </a:ext>
+            </a:extLst>
+          </p:cNvPr>
+          <p:cNvPicPr>
+            <a:picLocks noChangeAspect="1" noChangeArrowheads="1"/>
+          </p:cNvPicPr>
+          <p:nvPr/>
+        </p:nvPicPr>
+        <p:blipFill>
+          <a:blip r:embed="rId2">
+            <a:extLst>
+              <a:ext uri="{28A0092B-C50C-407E-A947-70E740481C1C}">
+                <a14:useLocalDpi xmlns:a14="http://schemas.microsoft.com/office/drawing/2010/main" val="0"/>
+              </a:ext>
+            </a:extLst>
+          </a:blip>
+          <a:srcRect/>
+          <a:stretch>
+            <a:fillRect/>
+          </a:stretch>
+        </p:blipFill>
+        <p:spPr bwMode="auto">
+          <a:xfrm>
+            <a:off x="9328859" y="722744"/>
+            <a:ext cx="676275" cy="676275"/>
+          </a:xfrm>
+          <a:prstGeom prst="rect">
+            <a:avLst/>
+          </a:prstGeom>
+          <a:noFill/>
+          <a:extLst>
+            <a:ext uri="{909E8E84-426E-40DD-AFC4-6F175D3DCCD1}">
+              <a14:hiddenFill xmlns:a14="http://schemas.microsoft.com/office/drawing/2010/main">
+                <a:solidFill>
+                  <a:srgbClr val="FFFFFF"/>
+                </a:solidFill>
+              </a14:hiddenFill>
+            </a:ext>
+          </a:extLst>
+        </p:spPr>
+      </p:pic>
+      <p:pic>
+        <p:nvPicPr>
+          <p:cNvPr id="1028" name="Picture 4">
+            <a:extLst>
+              <a:ext uri="{FF2B5EF4-FFF2-40B4-BE49-F238E27FC236}">
+                <a16:creationId xmlns:a16="http://schemas.microsoft.com/office/drawing/2014/main" id="{4DF7CF91-FD9D-4160-B6CC-06C2E31F3789}"/>
+              </a:ext>
+            </a:extLst>
+          </p:cNvPr>
+          <p:cNvPicPr>
+            <a:picLocks noChangeAspect="1" noChangeArrowheads="1"/>
+          </p:cNvPicPr>
+          <p:nvPr/>
+        </p:nvPicPr>
+        <p:blipFill>
+          <a:blip r:embed="rId3">
+            <a:extLst>
+              <a:ext uri="{28A0092B-C50C-407E-A947-70E740481C1C}">
+                <a14:useLocalDpi xmlns:a14="http://schemas.microsoft.com/office/drawing/2010/main" val="0"/>
+              </a:ext>
+            </a:extLst>
+          </a:blip>
+          <a:srcRect/>
+          <a:stretch>
+            <a:fillRect/>
+          </a:stretch>
+        </p:blipFill>
+        <p:spPr bwMode="auto">
+          <a:xfrm>
+            <a:off x="10610850" y="773791"/>
+            <a:ext cx="647700" cy="676275"/>
+          </a:xfrm>
+          <a:prstGeom prst="rect">
+            <a:avLst/>
+          </a:prstGeom>
+          <a:noFill/>
+          <a:extLst>
+            <a:ext uri="{909E8E84-426E-40DD-AFC4-6F175D3DCCD1}">
+              <a14:hiddenFill xmlns:a14="http://schemas.microsoft.com/office/drawing/2010/main">
+                <a:solidFill>
+                  <a:srgbClr val="FFFFFF"/>
+                </a:solidFill>
+              </a14:hiddenFill>
+            </a:ext>
+          </a:extLst>
+        </p:spPr>
+      </p:pic>
+      <p:sp>
+        <p:nvSpPr>
+          <p:cNvPr id="4" name="Rectangle: Rounded Corners 3">
+            <a:extLst>
+              <a:ext uri="{FF2B5EF4-FFF2-40B4-BE49-F238E27FC236}">
+                <a16:creationId xmlns:a16="http://schemas.microsoft.com/office/drawing/2014/main" id="{B66FDB89-5B7A-44D0-9521-C95AC61E9F64}"/>
+              </a:ext>
+            </a:extLst>
+          </p:cNvPr>
+          <p:cNvSpPr/>
+          <p:nvPr/>
+        </p:nvSpPr>
+        <p:spPr>
+          <a:xfrm>
+            <a:off x="9010834" y="594805"/>
+            <a:ext cx="2698812" cy="932154"/>
+          </a:xfrm>
+          <a:prstGeom prst="roundRect">
+            <a:avLst/>
+          </a:prstGeom>
+          <a:noFill/>
         </p:spPr>
         <p:style>
           <a:lnRef idx="2">
@@ -13110,10 +13273,10 @@
       </p:sp>
       <p:sp>
         <p:nvSpPr>
-          <p:cNvPr id="12" name="Rectangle: Rounded Corners 11">
-            <a:extLst>
-              <a:ext uri="{FF2B5EF4-FFF2-40B4-BE49-F238E27FC236}">
-                <a16:creationId xmlns:a16="http://schemas.microsoft.com/office/drawing/2014/main" id="{97C2BB1D-0F57-4637-9199-2635C934B556}"/>
+          <p:cNvPr id="7" name="Rectangle: Rounded Corners 6">
+            <a:extLst>
+              <a:ext uri="{FF2B5EF4-FFF2-40B4-BE49-F238E27FC236}">
+                <a16:creationId xmlns:a16="http://schemas.microsoft.com/office/drawing/2014/main" id="{A2D272BD-19C4-4CCC-98BF-5E5942B48D5E}"/>
               </a:ext>
             </a:extLst>
           </p:cNvPr>
@@ -13122,7 +13285,7 @@
         </p:nvSpPr>
         <p:spPr>
           <a:xfrm>
-            <a:off x="9074458" y="5797118"/>
+            <a:off x="9074458" y="1963445"/>
             <a:ext cx="2698812" cy="932154"/>
           </a:xfrm>
           <a:prstGeom prst="roundRect">
@@ -13157,6 +13320,352 @@
                   <a:srgbClr val="002060"/>
                 </a:solidFill>
               </a:rPr>
+              <a:t>Basket API</a:t>
+            </a:r>
+          </a:p>
+          <a:p>
+            <a:pPr algn="ctr"/>
+            <a:r>
+              <a:rPr lang="en-US" dirty="0">
+                <a:solidFill>
+                  <a:srgbClr val="002060"/>
+                </a:solidFill>
+              </a:rPr>
+              <a:t>+</a:t>
+            </a:r>
+          </a:p>
+          <a:p>
+            <a:pPr algn="ctr"/>
+            <a:r>
+              <a:rPr lang="en-US" dirty="0">
+                <a:solidFill>
+                  <a:srgbClr val="002060"/>
+                </a:solidFill>
+              </a:rPr>
+              <a:t>Data Store</a:t>
+            </a:r>
+            <a:endParaRPr lang="en-IN" dirty="0">
+              <a:solidFill>
+                <a:srgbClr val="002060"/>
+              </a:solidFill>
+            </a:endParaRPr>
+          </a:p>
+        </p:txBody>
+      </p:sp>
+      <p:sp>
+        <p:nvSpPr>
+          <p:cNvPr id="8" name="Rectangle: Rounded Corners 7">
+            <a:extLst>
+              <a:ext uri="{FF2B5EF4-FFF2-40B4-BE49-F238E27FC236}">
+                <a16:creationId xmlns:a16="http://schemas.microsoft.com/office/drawing/2014/main" id="{A5552548-78B9-4209-A399-D93F4C299158}"/>
+              </a:ext>
+            </a:extLst>
+          </p:cNvPr>
+          <p:cNvSpPr/>
+          <p:nvPr/>
+        </p:nvSpPr>
+        <p:spPr>
+          <a:xfrm>
+            <a:off x="9074458" y="3317288"/>
+            <a:ext cx="2698812" cy="932154"/>
+          </a:xfrm>
+          <a:prstGeom prst="roundRect">
+            <a:avLst/>
+          </a:prstGeom>
+          <a:noFill/>
+        </p:spPr>
+        <p:style>
+          <a:lnRef idx="2">
+            <a:schemeClr val="accent1">
+              <a:shade val="50000"/>
+            </a:schemeClr>
+          </a:lnRef>
+          <a:fillRef idx="1">
+            <a:schemeClr val="accent1"/>
+          </a:fillRef>
+          <a:effectRef idx="0">
+            <a:schemeClr val="accent1"/>
+          </a:effectRef>
+          <a:fontRef idx="minor">
+            <a:schemeClr val="lt1"/>
+          </a:fontRef>
+        </p:style>
+        <p:txBody>
+          <a:bodyPr rtlCol="0" anchor="ctr"/>
+          <a:lstStyle/>
+          <a:p>
+            <a:pPr algn="ctr"/>
+            <a:r>
+              <a:rPr lang="en-US" dirty="0">
+                <a:solidFill>
+                  <a:srgbClr val="002060"/>
+                </a:solidFill>
+              </a:rPr>
+              <a:t>Discount API</a:t>
+            </a:r>
+          </a:p>
+          <a:p>
+            <a:pPr algn="ctr"/>
+            <a:r>
+              <a:rPr lang="en-US" dirty="0">
+                <a:solidFill>
+                  <a:srgbClr val="002060"/>
+                </a:solidFill>
+              </a:rPr>
+              <a:t>+</a:t>
+            </a:r>
+          </a:p>
+          <a:p>
+            <a:pPr algn="ctr"/>
+            <a:r>
+              <a:rPr lang="en-US" dirty="0">
+                <a:solidFill>
+                  <a:srgbClr val="002060"/>
+                </a:solidFill>
+              </a:rPr>
+              <a:t>Data Store</a:t>
+            </a:r>
+            <a:endParaRPr lang="en-IN" dirty="0">
+              <a:solidFill>
+                <a:srgbClr val="002060"/>
+              </a:solidFill>
+            </a:endParaRPr>
+          </a:p>
+        </p:txBody>
+      </p:sp>
+      <p:sp>
+        <p:nvSpPr>
+          <p:cNvPr id="9" name="Rectangle: Rounded Corners 8">
+            <a:extLst>
+              <a:ext uri="{FF2B5EF4-FFF2-40B4-BE49-F238E27FC236}">
+                <a16:creationId xmlns:a16="http://schemas.microsoft.com/office/drawing/2014/main" id="{A92C872B-70D9-4F65-B6FB-E7D3026D7F23}"/>
+              </a:ext>
+            </a:extLst>
+          </p:cNvPr>
+          <p:cNvSpPr/>
+          <p:nvPr/>
+        </p:nvSpPr>
+        <p:spPr>
+          <a:xfrm>
+            <a:off x="9074458" y="4671131"/>
+            <a:ext cx="2698812" cy="932154"/>
+          </a:xfrm>
+          <a:prstGeom prst="roundRect">
+            <a:avLst/>
+          </a:prstGeom>
+          <a:noFill/>
+        </p:spPr>
+        <p:style>
+          <a:lnRef idx="2">
+            <a:schemeClr val="accent1">
+              <a:shade val="50000"/>
+            </a:schemeClr>
+          </a:lnRef>
+          <a:fillRef idx="1">
+            <a:schemeClr val="accent1"/>
+          </a:fillRef>
+          <a:effectRef idx="0">
+            <a:schemeClr val="accent1"/>
+          </a:effectRef>
+          <a:fontRef idx="minor">
+            <a:schemeClr val="lt1"/>
+          </a:fontRef>
+        </p:style>
+        <p:txBody>
+          <a:bodyPr rtlCol="0" anchor="ctr"/>
+          <a:lstStyle/>
+          <a:p>
+            <a:pPr algn="ctr"/>
+            <a:r>
+              <a:rPr lang="en-US" dirty="0">
+                <a:solidFill>
+                  <a:srgbClr val="002060"/>
+                </a:solidFill>
+              </a:rPr>
+              <a:t>Orders API</a:t>
+            </a:r>
+          </a:p>
+          <a:p>
+            <a:pPr algn="ctr"/>
+            <a:r>
+              <a:rPr lang="en-US" dirty="0">
+                <a:solidFill>
+                  <a:srgbClr val="002060"/>
+                </a:solidFill>
+              </a:rPr>
+              <a:t>+</a:t>
+            </a:r>
+          </a:p>
+          <a:p>
+            <a:pPr algn="ctr"/>
+            <a:r>
+              <a:rPr lang="en-US" dirty="0">
+                <a:solidFill>
+                  <a:srgbClr val="002060"/>
+                </a:solidFill>
+              </a:rPr>
+              <a:t>Data Store</a:t>
+            </a:r>
+            <a:endParaRPr lang="en-IN" dirty="0">
+              <a:solidFill>
+                <a:srgbClr val="002060"/>
+              </a:solidFill>
+            </a:endParaRPr>
+          </a:p>
+        </p:txBody>
+      </p:sp>
+      <p:sp>
+        <p:nvSpPr>
+          <p:cNvPr id="5" name="Rectangle 4">
+            <a:extLst>
+              <a:ext uri="{FF2B5EF4-FFF2-40B4-BE49-F238E27FC236}">
+                <a16:creationId xmlns:a16="http://schemas.microsoft.com/office/drawing/2014/main" id="{B5B283AE-04A1-4B80-939C-21B7C975E533}"/>
+              </a:ext>
+            </a:extLst>
+          </p:cNvPr>
+          <p:cNvSpPr/>
+          <p:nvPr/>
+        </p:nvSpPr>
+        <p:spPr>
+          <a:xfrm>
+            <a:off x="4891596" y="2237173"/>
+            <a:ext cx="1411550" cy="1553592"/>
+          </a:xfrm>
+          <a:prstGeom prst="rect">
+            <a:avLst/>
+          </a:prstGeom>
+        </p:spPr>
+        <p:style>
+          <a:lnRef idx="2">
+            <a:schemeClr val="accent1">
+              <a:shade val="50000"/>
+            </a:schemeClr>
+          </a:lnRef>
+          <a:fillRef idx="1">
+            <a:schemeClr val="accent1"/>
+          </a:fillRef>
+          <a:effectRef idx="0">
+            <a:schemeClr val="accent1"/>
+          </a:effectRef>
+          <a:fontRef idx="minor">
+            <a:schemeClr val="lt1"/>
+          </a:fontRef>
+        </p:style>
+        <p:txBody>
+          <a:bodyPr rtlCol="0" anchor="ctr"/>
+          <a:lstStyle/>
+          <a:p>
+            <a:pPr algn="ctr"/>
+            <a:r>
+              <a:rPr lang="en-US" dirty="0"/>
+              <a:t>API</a:t>
+            </a:r>
+          </a:p>
+          <a:p>
+            <a:pPr algn="ctr"/>
+            <a:r>
+              <a:rPr lang="en-US" dirty="0"/>
+              <a:t>Gateway</a:t>
+            </a:r>
+            <a:endParaRPr lang="en-IN" dirty="0"/>
+          </a:p>
+        </p:txBody>
+      </p:sp>
+      <p:sp>
+        <p:nvSpPr>
+          <p:cNvPr id="6" name="Rectangle 5">
+            <a:extLst>
+              <a:ext uri="{FF2B5EF4-FFF2-40B4-BE49-F238E27FC236}">
+                <a16:creationId xmlns:a16="http://schemas.microsoft.com/office/drawing/2014/main" id="{E681EEBF-DED0-49C3-82BA-C359A5D505B5}"/>
+              </a:ext>
+            </a:extLst>
+          </p:cNvPr>
+          <p:cNvSpPr/>
+          <p:nvPr/>
+        </p:nvSpPr>
+        <p:spPr>
+          <a:xfrm>
+            <a:off x="1322773" y="1038687"/>
+            <a:ext cx="1518081" cy="1065321"/>
+          </a:xfrm>
+          <a:prstGeom prst="rect">
+            <a:avLst/>
+          </a:prstGeom>
+        </p:spPr>
+        <p:style>
+          <a:lnRef idx="2">
+            <a:schemeClr val="accent1">
+              <a:shade val="50000"/>
+            </a:schemeClr>
+          </a:lnRef>
+          <a:fillRef idx="1">
+            <a:schemeClr val="accent1"/>
+          </a:fillRef>
+          <a:effectRef idx="0">
+            <a:schemeClr val="accent1"/>
+          </a:effectRef>
+          <a:fontRef idx="minor">
+            <a:schemeClr val="lt1"/>
+          </a:fontRef>
+        </p:style>
+        <p:txBody>
+          <a:bodyPr rtlCol="0" anchor="ctr"/>
+          <a:lstStyle/>
+          <a:p>
+            <a:pPr algn="ctr"/>
+            <a:endParaRPr lang="en-IN"/>
+          </a:p>
+        </p:txBody>
+      </p:sp>
+      <p:sp>
+        <p:nvSpPr>
+          <p:cNvPr id="12" name="Rectangle: Rounded Corners 11">
+            <a:extLst>
+              <a:ext uri="{FF2B5EF4-FFF2-40B4-BE49-F238E27FC236}">
+                <a16:creationId xmlns:a16="http://schemas.microsoft.com/office/drawing/2014/main" id="{97C2BB1D-0F57-4637-9199-2635C934B556}"/>
+              </a:ext>
+            </a:extLst>
+          </p:cNvPr>
+          <p:cNvSpPr/>
+          <p:nvPr/>
+        </p:nvSpPr>
+        <p:spPr>
+          <a:xfrm>
+            <a:off x="9074458" y="5797118"/>
+            <a:ext cx="2698812" cy="932154"/>
+          </a:xfrm>
+          <a:prstGeom prst="roundRect">
+            <a:avLst/>
+          </a:prstGeom>
+          <a:noFill/>
+        </p:spPr>
+        <p:style>
+          <a:lnRef idx="2">
+            <a:schemeClr val="accent1">
+              <a:shade val="50000"/>
+            </a:schemeClr>
+          </a:lnRef>
+          <a:fillRef idx="1">
+            <a:schemeClr val="accent1"/>
+          </a:fillRef>
+          <a:effectRef idx="0">
+            <a:schemeClr val="accent1"/>
+          </a:effectRef>
+          <a:fontRef idx="minor">
+            <a:schemeClr val="lt1"/>
+          </a:fontRef>
+        </p:style>
+        <p:txBody>
+          <a:bodyPr rtlCol="0" anchor="ctr"/>
+          <a:lstStyle/>
+          <a:p>
+            <a:pPr algn="ctr"/>
+            <a:r>
+              <a:rPr lang="en-US" dirty="0">
+                <a:solidFill>
+                  <a:srgbClr val="002060"/>
+                </a:solidFill>
+              </a:rPr>
               <a:t>Identity API</a:t>
             </a:r>
           </a:p>
@@ -13202,7 +13711,7 @@
 </p:sld>
 </file>
 
-<file path=ppt/slides/slide13.xml><?xml version="1.0" encoding="utf-8"?>
+<file path=ppt/slides/slide14.xml><?xml version="1.0" encoding="utf-8"?>
 <p:sld xmlns:a="http://schemas.openxmlformats.org/drawingml/2006/main" xmlns:r="http://schemas.openxmlformats.org/officeDocument/2006/relationships" xmlns:p="http://schemas.openxmlformats.org/presentationml/2006/main">
   <p:cSld>
     <p:bg>
@@ -13559,7 +14068,7 @@
 </p:sld>
 </file>
 
-<file path=ppt/slides/slide14.xml><?xml version="1.0" encoding="utf-8"?>
+<file path=ppt/slides/slide15.xml><?xml version="1.0" encoding="utf-8"?>
 <p:sld xmlns:a="http://schemas.openxmlformats.org/drawingml/2006/main" xmlns:r="http://schemas.openxmlformats.org/officeDocument/2006/relationships" xmlns:p="http://schemas.openxmlformats.org/presentationml/2006/main">
   <p:cSld>
     <p:spTree>
@@ -14067,7 +14576,7 @@
 </p:sld>
 </file>
 
-<file path=ppt/slides/slide15.xml><?xml version="1.0" encoding="utf-8"?>
+<file path=ppt/slides/slide16.xml><?xml version="1.0" encoding="utf-8"?>
 <p:sld xmlns:a="http://schemas.openxmlformats.org/drawingml/2006/main" xmlns:r="http://schemas.openxmlformats.org/officeDocument/2006/relationships" xmlns:p="http://schemas.openxmlformats.org/presentationml/2006/main">
   <p:cSld>
     <p:bg>
@@ -14238,7 +14747,7 @@
 </p:sld>
 </file>
 
-<file path=ppt/slides/slide16.xml><?xml version="1.0" encoding="utf-8"?>
+<file path=ppt/slides/slide17.xml><?xml version="1.0" encoding="utf-8"?>
 <p:sld xmlns:a="http://schemas.openxmlformats.org/drawingml/2006/main" xmlns:r="http://schemas.openxmlformats.org/officeDocument/2006/relationships" xmlns:p="http://schemas.openxmlformats.org/presentationml/2006/main">
   <p:cSld>
     <p:spTree>
@@ -16057,7 +16566,7 @@
 </p:sld>
 </file>
 
-<file path=ppt/slides/slide17.xml><?xml version="1.0" encoding="utf-8"?>
+<file path=ppt/slides/slide18.xml><?xml version="1.0" encoding="utf-8"?>
 <p:sld xmlns:a="http://schemas.openxmlformats.org/drawingml/2006/main" xmlns:r="http://schemas.openxmlformats.org/officeDocument/2006/relationships" xmlns:p="http://schemas.openxmlformats.org/presentationml/2006/main">
   <p:cSld>
     <p:spTree>
@@ -17761,514 +18270,6 @@
     <p:extLst>
       <p:ext uri="{BB962C8B-B14F-4D97-AF65-F5344CB8AC3E}">
         <p14:creationId xmlns:p14="http://schemas.microsoft.com/office/powerpoint/2010/main" val="3440689209"/>
-      </p:ext>
-    </p:extLst>
-  </p:cSld>
-  <p:clrMapOvr>
-    <a:masterClrMapping/>
-  </p:clrMapOvr>
-</p:sld>
-</file>
-
-<file path=ppt/slides/slide18.xml><?xml version="1.0" encoding="utf-8"?>
-<p:sld xmlns:a="http://schemas.openxmlformats.org/drawingml/2006/main" xmlns:r="http://schemas.openxmlformats.org/officeDocument/2006/relationships" xmlns:p="http://schemas.openxmlformats.org/presentationml/2006/main">
-  <p:cSld>
-    <p:spTree>
-      <p:nvGrpSpPr>
-        <p:cNvPr id="1" name=""/>
-        <p:cNvGrpSpPr/>
-        <p:nvPr/>
-      </p:nvGrpSpPr>
-      <p:grpSpPr>
-        <a:xfrm>
-          <a:off x="0" y="0"/>
-          <a:ext cx="0" cy="0"/>
-          <a:chOff x="0" y="0"/>
-          <a:chExt cx="0" cy="0"/>
-        </a:xfrm>
-      </p:grpSpPr>
-      <p:sp>
-        <p:nvSpPr>
-          <p:cNvPr id="4" name="Rectangle 3">
-            <a:extLst>
-              <a:ext uri="{FF2B5EF4-FFF2-40B4-BE49-F238E27FC236}">
-                <a16:creationId xmlns:a16="http://schemas.microsoft.com/office/drawing/2014/main" id="{055C22F7-3FD1-4C1B-8D0C-0C2F7FB61DBE}"/>
-              </a:ext>
-            </a:extLst>
-          </p:cNvPr>
-          <p:cNvSpPr/>
-          <p:nvPr/>
-        </p:nvSpPr>
-        <p:spPr>
-          <a:xfrm>
-            <a:off x="0" y="8878"/>
-            <a:ext cx="12183122" cy="497150"/>
-          </a:xfrm>
-          <a:prstGeom prst="rect">
-            <a:avLst/>
-          </a:prstGeom>
-          <a:solidFill>
-            <a:srgbClr val="0070C0"/>
-          </a:solidFill>
-        </p:spPr>
-        <p:style>
-          <a:lnRef idx="2">
-            <a:schemeClr val="accent1">
-              <a:shade val="50000"/>
-            </a:schemeClr>
-          </a:lnRef>
-          <a:fillRef idx="1">
-            <a:schemeClr val="accent1"/>
-          </a:fillRef>
-          <a:effectRef idx="0">
-            <a:schemeClr val="accent1"/>
-          </a:effectRef>
-          <a:fontRef idx="minor">
-            <a:schemeClr val="lt1"/>
-          </a:fontRef>
-        </p:style>
-        <p:txBody>
-          <a:bodyPr rtlCol="0" anchor="ctr"/>
-          <a:lstStyle/>
-          <a:p>
-            <a:pPr algn="ctr"/>
-            <a:r>
-              <a:rPr lang="en-US" b="1" dirty="0">
-                <a:latin typeface="Verdana" panose="020B0604030504040204" pitchFamily="34" charset="0"/>
-                <a:ea typeface="Verdana" panose="020B0604030504040204" pitchFamily="34" charset="0"/>
-              </a:rPr>
-              <a:t>Information</a:t>
-            </a:r>
-            <a:endParaRPr lang="en-IN" b="1" dirty="0">
-              <a:latin typeface="Verdana" panose="020B0604030504040204" pitchFamily="34" charset="0"/>
-              <a:ea typeface="Verdana" panose="020B0604030504040204" pitchFamily="34" charset="0"/>
-            </a:endParaRPr>
-          </a:p>
-        </p:txBody>
-      </p:sp>
-      <p:sp>
-        <p:nvSpPr>
-          <p:cNvPr id="7" name="Rectangle 6">
-            <a:extLst>
-              <a:ext uri="{FF2B5EF4-FFF2-40B4-BE49-F238E27FC236}">
-                <a16:creationId xmlns:a16="http://schemas.microsoft.com/office/drawing/2014/main" id="{B10720DE-FD2A-4FE5-B9FB-74854D01A659}"/>
-              </a:ext>
-            </a:extLst>
-          </p:cNvPr>
-          <p:cNvSpPr/>
-          <p:nvPr/>
-        </p:nvSpPr>
-        <p:spPr>
-          <a:xfrm>
-            <a:off x="0" y="3915050"/>
-            <a:ext cx="12183122" cy="57703"/>
-          </a:xfrm>
-          <a:prstGeom prst="rect">
-            <a:avLst/>
-          </a:prstGeom>
-          <a:solidFill>
-            <a:srgbClr val="0070C0"/>
-          </a:solidFill>
-        </p:spPr>
-        <p:style>
-          <a:lnRef idx="2">
-            <a:schemeClr val="accent1">
-              <a:shade val="50000"/>
-            </a:schemeClr>
-          </a:lnRef>
-          <a:fillRef idx="1">
-            <a:schemeClr val="accent1"/>
-          </a:fillRef>
-          <a:effectRef idx="0">
-            <a:schemeClr val="accent1"/>
-          </a:effectRef>
-          <a:fontRef idx="minor">
-            <a:schemeClr val="lt1"/>
-          </a:fontRef>
-        </p:style>
-        <p:txBody>
-          <a:bodyPr rtlCol="0" anchor="ctr"/>
-          <a:lstStyle/>
-          <a:p>
-            <a:pPr algn="ctr"/>
-            <a:endParaRPr lang="en-IN" sz="1000" dirty="0">
-              <a:latin typeface="Verdana" panose="020B0604030504040204" pitchFamily="34" charset="0"/>
-              <a:ea typeface="Verdana" panose="020B0604030504040204" pitchFamily="34" charset="0"/>
-            </a:endParaRPr>
-          </a:p>
-        </p:txBody>
-      </p:sp>
-      <p:sp>
-        <p:nvSpPr>
-          <p:cNvPr id="8" name="Footer Placeholder 7">
-            <a:extLst>
-              <a:ext uri="{FF2B5EF4-FFF2-40B4-BE49-F238E27FC236}">
-                <a16:creationId xmlns:a16="http://schemas.microsoft.com/office/drawing/2014/main" id="{DD2A19CA-EC18-432D-8F8F-17079808F38B}"/>
-              </a:ext>
-            </a:extLst>
-          </p:cNvPr>
-          <p:cNvSpPr>
-            <a:spLocks noGrp="1"/>
-          </p:cNvSpPr>
-          <p:nvPr>
-            <p:ph type="ftr" sz="quarter" idx="11"/>
-          </p:nvPr>
-        </p:nvSpPr>
-        <p:spPr>
-          <a:xfrm>
-            <a:off x="4038600" y="3959378"/>
-            <a:ext cx="4114800" cy="365125"/>
-          </a:xfrm>
-        </p:spPr>
-        <p:txBody>
-          <a:bodyPr/>
-          <a:lstStyle/>
-          <a:p>
-            <a:r>
-              <a:rPr lang="en-IN" b="1" dirty="0">
-                <a:solidFill>
-                  <a:srgbClr val="002060"/>
-                </a:solidFill>
-                <a:latin typeface="Verdana" panose="020B0604030504040204" pitchFamily="34" charset="0"/>
-                <a:ea typeface="Verdana" panose="020B0604030504040204" pitchFamily="34" charset="0"/>
-              </a:rPr>
-              <a:t>29-Sep-2021</a:t>
-            </a:r>
-          </a:p>
-        </p:txBody>
-      </p:sp>
-      <p:sp>
-        <p:nvSpPr>
-          <p:cNvPr id="9" name="Slide Number Placeholder 8">
-            <a:extLst>
-              <a:ext uri="{FF2B5EF4-FFF2-40B4-BE49-F238E27FC236}">
-                <a16:creationId xmlns:a16="http://schemas.microsoft.com/office/drawing/2014/main" id="{8162625C-0B1F-42E0-BE7C-D99A08FED7A3}"/>
-              </a:ext>
-            </a:extLst>
-          </p:cNvPr>
-          <p:cNvSpPr>
-            <a:spLocks noGrp="1"/>
-          </p:cNvSpPr>
-          <p:nvPr>
-            <p:ph type="sldNum" sz="quarter" idx="12"/>
-          </p:nvPr>
-        </p:nvSpPr>
-        <p:spPr>
-          <a:xfrm>
-            <a:off x="8610600" y="3959378"/>
-            <a:ext cx="2743200" cy="365125"/>
-          </a:xfrm>
-        </p:spPr>
-        <p:txBody>
-          <a:bodyPr/>
-          <a:lstStyle/>
-          <a:p>
-            <a:r>
-              <a:rPr lang="en-IN" b="1" dirty="0">
-                <a:solidFill>
-                  <a:srgbClr val="002060"/>
-                </a:solidFill>
-                <a:latin typeface="Verdana" panose="020B0604030504040204" pitchFamily="34" charset="0"/>
-                <a:ea typeface="Verdana" panose="020B0604030504040204" pitchFamily="34" charset="0"/>
-              </a:rPr>
-              <a:t>1</a:t>
-            </a:r>
-          </a:p>
-        </p:txBody>
-      </p:sp>
-      <p:sp>
-        <p:nvSpPr>
-          <p:cNvPr id="12" name="Footer Placeholder 7">
-            <a:extLst>
-              <a:ext uri="{FF2B5EF4-FFF2-40B4-BE49-F238E27FC236}">
-                <a16:creationId xmlns:a16="http://schemas.microsoft.com/office/drawing/2014/main" id="{64C57949-E349-47D3-A505-A098233AF49D}"/>
-              </a:ext>
-            </a:extLst>
-          </p:cNvPr>
-          <p:cNvSpPr txBox="1">
-            <a:spLocks/>
-          </p:cNvSpPr>
-          <p:nvPr/>
-        </p:nvSpPr>
-        <p:spPr>
-          <a:xfrm>
-            <a:off x="133897" y="3960852"/>
-            <a:ext cx="4114800" cy="365125"/>
-          </a:xfrm>
-          <a:prstGeom prst="rect">
-            <a:avLst/>
-          </a:prstGeom>
-        </p:spPr>
-        <p:txBody>
-          <a:bodyPr vert="horz" lIns="91440" tIns="45720" rIns="91440" bIns="45720" rtlCol="0" anchor="ctr"/>
-          <a:lstStyle>
-            <a:defPPr>
-              <a:defRPr lang="en-US"/>
-            </a:defPPr>
-            <a:lvl1pPr marL="0" algn="ctr" defTabSz="914400" rtl="0" eaLnBrk="1" latinLnBrk="0" hangingPunct="1">
-              <a:defRPr sz="1200" kern="1200">
-                <a:solidFill>
-                  <a:schemeClr val="tx1">
-                    <a:tint val="75000"/>
-                  </a:schemeClr>
-                </a:solidFill>
-                <a:latin typeface="+mn-lt"/>
-                <a:ea typeface="+mn-ea"/>
-                <a:cs typeface="+mn-cs"/>
-              </a:defRPr>
-            </a:lvl1pPr>
-            <a:lvl2pPr marL="457200" algn="l" defTabSz="914400" rtl="0" eaLnBrk="1" latinLnBrk="0" hangingPunct="1">
-              <a:defRPr sz="1800" kern="1200">
-                <a:solidFill>
-                  <a:schemeClr val="tx1"/>
-                </a:solidFill>
-                <a:latin typeface="+mn-lt"/>
-                <a:ea typeface="+mn-ea"/>
-                <a:cs typeface="+mn-cs"/>
-              </a:defRPr>
-            </a:lvl2pPr>
-            <a:lvl3pPr marL="914400" algn="l" defTabSz="914400" rtl="0" eaLnBrk="1" latinLnBrk="0" hangingPunct="1">
-              <a:defRPr sz="1800" kern="1200">
-                <a:solidFill>
-                  <a:schemeClr val="tx1"/>
-                </a:solidFill>
-                <a:latin typeface="+mn-lt"/>
-                <a:ea typeface="+mn-ea"/>
-                <a:cs typeface="+mn-cs"/>
-              </a:defRPr>
-            </a:lvl3pPr>
-            <a:lvl4pPr marL="1371600" algn="l" defTabSz="914400" rtl="0" eaLnBrk="1" latinLnBrk="0" hangingPunct="1">
-              <a:defRPr sz="1800" kern="1200">
-                <a:solidFill>
-                  <a:schemeClr val="tx1"/>
-                </a:solidFill>
-                <a:latin typeface="+mn-lt"/>
-                <a:ea typeface="+mn-ea"/>
-                <a:cs typeface="+mn-cs"/>
-              </a:defRPr>
-            </a:lvl4pPr>
-            <a:lvl5pPr marL="1828800" algn="l" defTabSz="914400" rtl="0" eaLnBrk="1" latinLnBrk="0" hangingPunct="1">
-              <a:defRPr sz="1800" kern="1200">
-                <a:solidFill>
-                  <a:schemeClr val="tx1"/>
-                </a:solidFill>
-                <a:latin typeface="+mn-lt"/>
-                <a:ea typeface="+mn-ea"/>
-                <a:cs typeface="+mn-cs"/>
-              </a:defRPr>
-            </a:lvl5pPr>
-            <a:lvl6pPr marL="2286000" algn="l" defTabSz="914400" rtl="0" eaLnBrk="1" latinLnBrk="0" hangingPunct="1">
-              <a:defRPr sz="1800" kern="1200">
-                <a:solidFill>
-                  <a:schemeClr val="tx1"/>
-                </a:solidFill>
-                <a:latin typeface="+mn-lt"/>
-                <a:ea typeface="+mn-ea"/>
-                <a:cs typeface="+mn-cs"/>
-              </a:defRPr>
-            </a:lvl6pPr>
-            <a:lvl7pPr marL="2743200" algn="l" defTabSz="914400" rtl="0" eaLnBrk="1" latinLnBrk="0" hangingPunct="1">
-              <a:defRPr sz="1800" kern="1200">
-                <a:solidFill>
-                  <a:schemeClr val="tx1"/>
-                </a:solidFill>
-                <a:latin typeface="+mn-lt"/>
-                <a:ea typeface="+mn-ea"/>
-                <a:cs typeface="+mn-cs"/>
-              </a:defRPr>
-            </a:lvl7pPr>
-            <a:lvl8pPr marL="3200400" algn="l" defTabSz="914400" rtl="0" eaLnBrk="1" latinLnBrk="0" hangingPunct="1">
-              <a:defRPr sz="1800" kern="1200">
-                <a:solidFill>
-                  <a:schemeClr val="tx1"/>
-                </a:solidFill>
-                <a:latin typeface="+mn-lt"/>
-                <a:ea typeface="+mn-ea"/>
-                <a:cs typeface="+mn-cs"/>
-              </a:defRPr>
-            </a:lvl8pPr>
-            <a:lvl9pPr marL="3657600" algn="l" defTabSz="914400" rtl="0" eaLnBrk="1" latinLnBrk="0" hangingPunct="1">
-              <a:defRPr sz="1800" kern="1200">
-                <a:solidFill>
-                  <a:schemeClr val="tx1"/>
-                </a:solidFill>
-                <a:latin typeface="+mn-lt"/>
-                <a:ea typeface="+mn-ea"/>
-                <a:cs typeface="+mn-cs"/>
-              </a:defRPr>
-            </a:lvl9pPr>
-          </a:lstStyle>
-          <a:p>
-            <a:r>
-              <a:rPr lang="en-IN" b="1" dirty="0">
-                <a:solidFill>
-                  <a:srgbClr val="002060"/>
-                </a:solidFill>
-                <a:latin typeface="Verdana" panose="020B0604030504040204" pitchFamily="34" charset="0"/>
-                <a:ea typeface="Verdana" panose="020B0604030504040204" pitchFamily="34" charset="0"/>
-              </a:rPr>
-              <a:t>Microsoft Reactor Bengaluru</a:t>
-            </a:r>
-          </a:p>
-        </p:txBody>
-      </p:sp>
-      <p:sp>
-        <p:nvSpPr>
-          <p:cNvPr id="10" name="TextBox 9">
-            <a:extLst>
-              <a:ext uri="{FF2B5EF4-FFF2-40B4-BE49-F238E27FC236}">
-                <a16:creationId xmlns:a16="http://schemas.microsoft.com/office/drawing/2014/main" id="{19953791-0C49-4113-A95A-639979BFF9A6}"/>
-              </a:ext>
-            </a:extLst>
-          </p:cNvPr>
-          <p:cNvSpPr txBox="1"/>
-          <p:nvPr/>
-        </p:nvSpPr>
-        <p:spPr>
-          <a:xfrm>
-            <a:off x="80629" y="557824"/>
-            <a:ext cx="12037390" cy="2800062"/>
-          </a:xfrm>
-          <a:prstGeom prst="rect">
-            <a:avLst/>
-          </a:prstGeom>
-          <a:noFill/>
-        </p:spPr>
-        <p:txBody>
-          <a:bodyPr wrap="square" rtlCol="0">
-            <a:spAutoFit/>
-          </a:bodyPr>
-          <a:lstStyle/>
-          <a:p>
-            <a:pPr marL="628650" lvl="1" indent="-171450">
-              <a:lnSpc>
-                <a:spcPct val="150000"/>
-              </a:lnSpc>
-              <a:buFont typeface="Wingdings" panose="05000000000000000000" pitchFamily="2" charset="2"/>
-              <a:buChar char="Ø"/>
-            </a:pPr>
-            <a:r>
-              <a:rPr lang="en-US" sz="2000" dirty="0">
-                <a:solidFill>
-                  <a:srgbClr val="002060"/>
-                </a:solidFill>
-                <a:latin typeface="Verdana" panose="020B0604030504040204" pitchFamily="34" charset="0"/>
-                <a:ea typeface="Verdana" panose="020B0604030504040204" pitchFamily="34" charset="0"/>
-              </a:rPr>
-              <a:t> All the sessions will be hands on.</a:t>
-            </a:r>
-          </a:p>
-          <a:p>
-            <a:pPr marL="628650" lvl="1" indent="-171450">
-              <a:lnSpc>
-                <a:spcPct val="150000"/>
-              </a:lnSpc>
-              <a:buFont typeface="Wingdings" panose="05000000000000000000" pitchFamily="2" charset="2"/>
-              <a:buChar char="Ø"/>
-            </a:pPr>
-            <a:r>
-              <a:rPr lang="en-US" sz="2000" dirty="0">
-                <a:solidFill>
-                  <a:srgbClr val="002060"/>
-                </a:solidFill>
-                <a:latin typeface="Verdana" panose="020B0604030504040204" pitchFamily="34" charset="0"/>
-                <a:ea typeface="Verdana" panose="020B0604030504040204" pitchFamily="34" charset="0"/>
-              </a:rPr>
-              <a:t> Will have parking lots for queries and other topics.</a:t>
-            </a:r>
-          </a:p>
-          <a:p>
-            <a:pPr marL="628650" lvl="1" indent="-171450">
-              <a:lnSpc>
-                <a:spcPct val="150000"/>
-              </a:lnSpc>
-              <a:buFont typeface="Wingdings" panose="05000000000000000000" pitchFamily="2" charset="2"/>
-              <a:buChar char="Ø"/>
-            </a:pPr>
-            <a:r>
-              <a:rPr lang="en-US" sz="2000" dirty="0">
-                <a:solidFill>
-                  <a:srgbClr val="002060"/>
-                </a:solidFill>
-                <a:latin typeface="Verdana" panose="020B0604030504040204" pitchFamily="34" charset="0"/>
-                <a:ea typeface="Verdana" panose="020B0604030504040204" pitchFamily="34" charset="0"/>
-              </a:rPr>
-              <a:t> Some of the concepts we will introduced and revisited in next sessions.</a:t>
-            </a:r>
-          </a:p>
-          <a:p>
-            <a:pPr marL="628650" lvl="1" indent="-171450">
-              <a:lnSpc>
-                <a:spcPct val="150000"/>
-              </a:lnSpc>
-              <a:buFont typeface="Wingdings" panose="05000000000000000000" pitchFamily="2" charset="2"/>
-              <a:buChar char="Ø"/>
-            </a:pPr>
-            <a:r>
-              <a:rPr lang="en-US" sz="2000" dirty="0">
-                <a:solidFill>
-                  <a:srgbClr val="002060"/>
-                </a:solidFill>
-                <a:latin typeface="Verdana" panose="020B0604030504040204" pitchFamily="34" charset="0"/>
-                <a:ea typeface="Verdana" panose="020B0604030504040204" pitchFamily="34" charset="0"/>
-              </a:rPr>
-              <a:t> There are multiple ways to do, we will use one of the ways.</a:t>
-            </a:r>
-          </a:p>
-          <a:p>
-            <a:pPr marL="628650" lvl="1" indent="-171450">
-              <a:lnSpc>
-                <a:spcPct val="150000"/>
-              </a:lnSpc>
-              <a:buFont typeface="Wingdings" panose="05000000000000000000" pitchFamily="2" charset="2"/>
-              <a:buChar char="Ø"/>
-            </a:pPr>
-            <a:r>
-              <a:rPr lang="en-US" sz="2000" dirty="0">
-                <a:solidFill>
-                  <a:srgbClr val="002060"/>
-                </a:solidFill>
-                <a:latin typeface="Verdana" panose="020B0604030504040204" pitchFamily="34" charset="0"/>
-                <a:ea typeface="Verdana" panose="020B0604030504040204" pitchFamily="34" charset="0"/>
-              </a:rPr>
-              <a:t> The focus was more on concepts and demos are kept simple. </a:t>
-            </a:r>
-          </a:p>
-          <a:p>
-            <a:pPr marL="628650" lvl="1" indent="-171450">
-              <a:lnSpc>
-                <a:spcPct val="150000"/>
-              </a:lnSpc>
-              <a:buFont typeface="Wingdings" panose="05000000000000000000" pitchFamily="2" charset="2"/>
-              <a:buChar char="Ø"/>
-            </a:pPr>
-            <a:r>
-              <a:rPr lang="en-US" sz="2000" dirty="0">
-                <a:solidFill>
-                  <a:srgbClr val="00B0F0"/>
-                </a:solidFill>
-                <a:latin typeface="Verdana" panose="020B0604030504040204" pitchFamily="34" charset="0"/>
-                <a:ea typeface="Verdana" panose="020B0604030504040204" pitchFamily="34" charset="0"/>
-              </a:rPr>
-              <a:t> </a:t>
-            </a:r>
-            <a:r>
-              <a:rPr lang="en-US" sz="2000" dirty="0">
-                <a:solidFill>
-                  <a:srgbClr val="0070C0"/>
-                </a:solidFill>
-                <a:latin typeface="Verdana" panose="020B0604030504040204" pitchFamily="34" charset="0"/>
-                <a:ea typeface="Verdana" panose="020B0604030504040204" pitchFamily="34" charset="0"/>
-              </a:rPr>
-              <a:t>I am still a learner. What!!! … wait … Yes, I am still a learner.</a:t>
-            </a:r>
-          </a:p>
-        </p:txBody>
-      </p:sp>
-    </p:spTree>
-    <p:extLst>
-      <p:ext uri="{BB962C8B-B14F-4D97-AF65-F5344CB8AC3E}">
-        <p14:creationId xmlns:p14="http://schemas.microsoft.com/office/powerpoint/2010/main" val="3396452104"/>
       </p:ext>
     </p:extLst>
   </p:cSld>
@@ -18440,7 +18441,7 @@
                 <a:latin typeface="Verdana" panose="020B0604030504040204" pitchFamily="34" charset="0"/>
                 <a:ea typeface="Verdana" panose="020B0604030504040204" pitchFamily="34" charset="0"/>
               </a:rPr>
-              <a:t>23-Oct-2021</a:t>
+              <a:t>29-Sep-2021</a:t>
             </a:r>
           </a:p>
         </p:txBody>
@@ -18615,7 +18616,7 @@
                 <a:latin typeface="Verdana" panose="020B0604030504040204" pitchFamily="34" charset="0"/>
                 <a:ea typeface="Verdana" panose="020B0604030504040204" pitchFamily="34" charset="0"/>
               </a:rPr>
-              <a:t>Power Platform Classmates</a:t>
+              <a:t>Microsoft Reactor Bengaluru</a:t>
             </a:r>
           </a:p>
         </p:txBody>
@@ -18658,22 +18659,12 @@
             <a:r>
               <a:rPr lang="en-US" sz="2000" dirty="0">
                 <a:solidFill>
-                  <a:srgbClr val="0070C0"/>
+                  <a:srgbClr val="002060"/>
                 </a:solidFill>
                 <a:latin typeface="Verdana" panose="020B0604030504040204" pitchFamily="34" charset="0"/>
                 <a:ea typeface="Verdana" panose="020B0604030504040204" pitchFamily="34" charset="0"/>
               </a:rPr>
-              <a:t> I am still a learner. What!!! … Yes, I am still a learner. Apologize if I do any mistake.</a:t>
-            </a:r>
-            <a:r>
-              <a:rPr lang="en-US" sz="2000" dirty="0">
-                <a:solidFill>
-                  <a:srgbClr val="002060"/>
-                </a:solidFill>
-                <a:latin typeface="Verdana" panose="020B0604030504040204" pitchFamily="34" charset="0"/>
-                <a:ea typeface="Verdana" panose="020B0604030504040204" pitchFamily="34" charset="0"/>
-              </a:rPr>
-              <a:t> </a:t>
+              <a:t> All the sessions will be hands on.</a:t>
             </a:r>
           </a:p>
           <a:p>
@@ -18692,7 +18683,7 @@
                 <a:latin typeface="Verdana" panose="020B0604030504040204" pitchFamily="34" charset="0"/>
                 <a:ea typeface="Verdana" panose="020B0604030504040204" pitchFamily="34" charset="0"/>
               </a:rPr>
-              <a:t> All the sessions will be hands on.</a:t>
+              <a:t> Will have parking lots for queries and other topics.</a:t>
             </a:r>
           </a:p>
           <a:p>
@@ -18711,7 +18702,7 @@
                 <a:latin typeface="Verdana" panose="020B0604030504040204" pitchFamily="34" charset="0"/>
                 <a:ea typeface="Verdana" panose="020B0604030504040204" pitchFamily="34" charset="0"/>
               </a:rPr>
-              <a:t> Will have parking lots for queries and other topics.</a:t>
+              <a:t> Some of the concepts we will introduced and revisited in next sessions.</a:t>
             </a:r>
           </a:p>
           <a:p>
@@ -18730,7 +18721,7 @@
                 <a:latin typeface="Verdana" panose="020B0604030504040204" pitchFamily="34" charset="0"/>
                 <a:ea typeface="Verdana" panose="020B0604030504040204" pitchFamily="34" charset="0"/>
               </a:rPr>
-              <a:t> Some of the concepts we will introduced and revisited in next sessions.</a:t>
+              <a:t> There are multiple ways to do, we will use one of the ways.</a:t>
             </a:r>
           </a:p>
           <a:p>
@@ -18749,7 +18740,7 @@
                 <a:latin typeface="Verdana" panose="020B0604030504040204" pitchFamily="34" charset="0"/>
                 <a:ea typeface="Verdana" panose="020B0604030504040204" pitchFamily="34" charset="0"/>
               </a:rPr>
-              <a:t> There are multiple ways to do, we will use one of the ways.</a:t>
+              <a:t> The focus was more on concepts and demos are kept simple. </a:t>
             </a:r>
           </a:p>
           <a:p>
@@ -18763,12 +18754,22 @@
             <a:r>
               <a:rPr lang="en-US" sz="2000" dirty="0">
                 <a:solidFill>
-                  <a:srgbClr val="002060"/>
+                  <a:srgbClr val="00B0F0"/>
                 </a:solidFill>
                 <a:latin typeface="Verdana" panose="020B0604030504040204" pitchFamily="34" charset="0"/>
                 <a:ea typeface="Verdana" panose="020B0604030504040204" pitchFamily="34" charset="0"/>
               </a:rPr>
-              <a:t> The focus was more on concepts and demos are kept simple. </a:t>
+              <a:t> </a:t>
+            </a:r>
+            <a:r>
+              <a:rPr lang="en-US" sz="2000" dirty="0">
+                <a:solidFill>
+                  <a:srgbClr val="0070C0"/>
+                </a:solidFill>
+                <a:latin typeface="Verdana" panose="020B0604030504040204" pitchFamily="34" charset="0"/>
+                <a:ea typeface="Verdana" panose="020B0604030504040204" pitchFamily="34" charset="0"/>
+              </a:rPr>
+              <a:t>I am still a learner. What!!! … wait … Yes, I am still a learner.</a:t>
             </a:r>
           </a:p>
         </p:txBody>
@@ -18776,7 +18777,7 @@
     </p:spTree>
     <p:extLst>
       <p:ext uri="{BB962C8B-B14F-4D97-AF65-F5344CB8AC3E}">
-        <p14:creationId xmlns:p14="http://schemas.microsoft.com/office/powerpoint/2010/main" val="979920044"/>
+        <p14:creationId xmlns:p14="http://schemas.microsoft.com/office/powerpoint/2010/main" val="3396452104"/>
       </p:ext>
     </p:extLst>
   </p:cSld>
@@ -19456,7 +19457,7 @@
                 <a:latin typeface="Verdana" panose="020B0604030504040204" pitchFamily="34" charset="0"/>
                 <a:ea typeface="Verdana" panose="020B0604030504040204" pitchFamily="34" charset="0"/>
               </a:rPr>
-              <a:t>17-Apr-2021</a:t>
+              <a:t>23-Oct-2021</a:t>
             </a:r>
           </a:p>
         </p:txBody>
@@ -19631,7 +19632,7 @@
                 <a:latin typeface="Verdana" panose="020B0604030504040204" pitchFamily="34" charset="0"/>
                 <a:ea typeface="Verdana" panose="020B0604030504040204" pitchFamily="34" charset="0"/>
               </a:rPr>
-              <a:t>Global Azure 2021 - India</a:t>
+              <a:t>Power Platform Classmates</a:t>
             </a:r>
           </a:p>
         </p:txBody>
@@ -19674,12 +19675,22 @@
             <a:r>
               <a:rPr lang="en-US" sz="2000" dirty="0">
                 <a:solidFill>
-                  <a:srgbClr val="002060"/>
+                  <a:srgbClr val="0070C0"/>
                 </a:solidFill>
                 <a:latin typeface="Verdana" panose="020B0604030504040204" pitchFamily="34" charset="0"/>
                 <a:ea typeface="Verdana" panose="020B0604030504040204" pitchFamily="34" charset="0"/>
               </a:rPr>
-              <a:t> All the sessions will be hands on.</a:t>
+              <a:t> I am still a learner. What!!! … Yes, I am still a learner. Apologize if I do any mistake.</a:t>
+            </a:r>
+            <a:r>
+              <a:rPr lang="en-US" sz="2000" dirty="0">
+                <a:solidFill>
+                  <a:srgbClr val="002060"/>
+                </a:solidFill>
+                <a:latin typeface="Verdana" panose="020B0604030504040204" pitchFamily="34" charset="0"/>
+                <a:ea typeface="Verdana" panose="020B0604030504040204" pitchFamily="34" charset="0"/>
+              </a:rPr>
+              <a:t> </a:t>
             </a:r>
           </a:p>
           <a:p>
@@ -19698,7 +19709,7 @@
                 <a:latin typeface="Verdana" panose="020B0604030504040204" pitchFamily="34" charset="0"/>
                 <a:ea typeface="Verdana" panose="020B0604030504040204" pitchFamily="34" charset="0"/>
               </a:rPr>
-              <a:t> Will have parking lots for queries and other topics.</a:t>
+              <a:t> All the sessions will be hands on.</a:t>
             </a:r>
           </a:p>
           <a:p>
@@ -19717,7 +19728,7 @@
                 <a:latin typeface="Verdana" panose="020B0604030504040204" pitchFamily="34" charset="0"/>
                 <a:ea typeface="Verdana" panose="020B0604030504040204" pitchFamily="34" charset="0"/>
               </a:rPr>
-              <a:t> Some of the concepts we will introduced and revisited in next sessions.</a:t>
+              <a:t> Will have parking lots for queries and other topics.</a:t>
             </a:r>
           </a:p>
           <a:p>
@@ -19736,7 +19747,7 @@
                 <a:latin typeface="Verdana" panose="020B0604030504040204" pitchFamily="34" charset="0"/>
                 <a:ea typeface="Verdana" panose="020B0604030504040204" pitchFamily="34" charset="0"/>
               </a:rPr>
-              <a:t> There are multiple ways to do, we will use one of the ways.</a:t>
+              <a:t> Some of the concepts we will introduced and revisited in next sessions.</a:t>
             </a:r>
           </a:p>
           <a:p>
@@ -19755,7 +19766,7 @@
                 <a:latin typeface="Verdana" panose="020B0604030504040204" pitchFamily="34" charset="0"/>
                 <a:ea typeface="Verdana" panose="020B0604030504040204" pitchFamily="34" charset="0"/>
               </a:rPr>
-              <a:t> The focus was more on concepts and demos are kept simple. </a:t>
+              <a:t> There are multiple ways to do, we will use one of the ways.</a:t>
             </a:r>
           </a:p>
           <a:p>
@@ -19769,22 +19780,12 @@
             <a:r>
               <a:rPr lang="en-US" sz="2000" dirty="0">
                 <a:solidFill>
-                  <a:srgbClr val="00B0F0"/>
+                  <a:srgbClr val="002060"/>
                 </a:solidFill>
                 <a:latin typeface="Verdana" panose="020B0604030504040204" pitchFamily="34" charset="0"/>
                 <a:ea typeface="Verdana" panose="020B0604030504040204" pitchFamily="34" charset="0"/>
               </a:rPr>
-              <a:t> </a:t>
-            </a:r>
-            <a:r>
-              <a:rPr lang="en-US" sz="2000" dirty="0">
-                <a:solidFill>
-                  <a:srgbClr val="0070C0"/>
-                </a:solidFill>
-                <a:latin typeface="Verdana" panose="020B0604030504040204" pitchFamily="34" charset="0"/>
-                <a:ea typeface="Verdana" panose="020B0604030504040204" pitchFamily="34" charset="0"/>
-              </a:rPr>
-              <a:t>I am still a learner. What!!! … wait … Yes, I am still a learner.</a:t>
+              <a:t> The focus was more on concepts and demos are kept simple. </a:t>
             </a:r>
           </a:p>
         </p:txBody>
@@ -19792,7 +19793,7 @@
     </p:spTree>
     <p:extLst>
       <p:ext uri="{BB962C8B-B14F-4D97-AF65-F5344CB8AC3E}">
-        <p14:creationId xmlns:p14="http://schemas.microsoft.com/office/powerpoint/2010/main" val="787546932"/>
+        <p14:creationId xmlns:p14="http://schemas.microsoft.com/office/powerpoint/2010/main" val="979920044"/>
       </p:ext>
     </p:extLst>
   </p:cSld>
@@ -19964,7 +19965,7 @@
                 <a:latin typeface="Verdana" panose="020B0604030504040204" pitchFamily="34" charset="0"/>
                 <a:ea typeface="Verdana" panose="020B0604030504040204" pitchFamily="34" charset="0"/>
               </a:rPr>
-              <a:t>31-Oct-2021</a:t>
+              <a:t>17-Apr-2021</a:t>
             </a:r>
           </a:p>
         </p:txBody>
@@ -20139,7 +20140,7 @@
                 <a:latin typeface="Verdana" panose="020B0604030504040204" pitchFamily="34" charset="0"/>
                 <a:ea typeface="Verdana" panose="020B0604030504040204" pitchFamily="34" charset="0"/>
               </a:rPr>
-              <a:t>https://www.azconf.dev</a:t>
+              <a:t>Global Azure 2021 - India</a:t>
             </a:r>
           </a:p>
         </p:txBody>
@@ -20182,22 +20183,12 @@
             <a:r>
               <a:rPr lang="en-US" sz="2000" dirty="0">
                 <a:solidFill>
-                  <a:srgbClr val="00B0F0"/>
+                  <a:srgbClr val="002060"/>
                 </a:solidFill>
                 <a:latin typeface="Verdana" panose="020B0604030504040204" pitchFamily="34" charset="0"/>
                 <a:ea typeface="Verdana" panose="020B0604030504040204" pitchFamily="34" charset="0"/>
               </a:rPr>
-              <a:t> </a:t>
-            </a:r>
-            <a:r>
-              <a:rPr lang="en-US" sz="2000" dirty="0">
-                <a:solidFill>
-                  <a:srgbClr val="0070C0"/>
-                </a:solidFill>
-                <a:latin typeface="Verdana" panose="020B0604030504040204" pitchFamily="34" charset="0"/>
-                <a:ea typeface="Verdana" panose="020B0604030504040204" pitchFamily="34" charset="0"/>
-              </a:rPr>
-              <a:t>I am still a learner. Apologize if I do any mistake.</a:t>
+              <a:t> All the sessions will be hands on.</a:t>
             </a:r>
           </a:p>
           <a:p>
@@ -20216,7 +20207,7 @@
                 <a:latin typeface="Verdana" panose="020B0604030504040204" pitchFamily="34" charset="0"/>
                 <a:ea typeface="Verdana" panose="020B0604030504040204" pitchFamily="34" charset="0"/>
               </a:rPr>
-              <a:t> All the sessions will be hands on.</a:t>
+              <a:t> Will have parking lots for queries and other topics.</a:t>
             </a:r>
           </a:p>
           <a:p>
@@ -20235,7 +20226,7 @@
                 <a:latin typeface="Verdana" panose="020B0604030504040204" pitchFamily="34" charset="0"/>
                 <a:ea typeface="Verdana" panose="020B0604030504040204" pitchFamily="34" charset="0"/>
               </a:rPr>
-              <a:t> Will have parking lots for queries and other topics.</a:t>
+              <a:t> Some of the concepts we will introduced and revisited in next sessions.</a:t>
             </a:r>
           </a:p>
           <a:p>
@@ -20254,7 +20245,7 @@
                 <a:latin typeface="Verdana" panose="020B0604030504040204" pitchFamily="34" charset="0"/>
                 <a:ea typeface="Verdana" panose="020B0604030504040204" pitchFamily="34" charset="0"/>
               </a:rPr>
-              <a:t> Some of the concepts we will introduced and revisited in next sessions.</a:t>
+              <a:t> There are multiple ways to do, we will use one of the ways.</a:t>
             </a:r>
           </a:p>
           <a:p>
@@ -20273,7 +20264,7 @@
                 <a:latin typeface="Verdana" panose="020B0604030504040204" pitchFamily="34" charset="0"/>
                 <a:ea typeface="Verdana" panose="020B0604030504040204" pitchFamily="34" charset="0"/>
               </a:rPr>
-              <a:t> There are multiple ways to do, we will use one of the ways.</a:t>
+              <a:t> The focus was more on concepts and demos are kept simple. </a:t>
             </a:r>
           </a:p>
           <a:p>
@@ -20287,12 +20278,22 @@
             <a:r>
               <a:rPr lang="en-US" sz="2000" dirty="0">
                 <a:solidFill>
-                  <a:srgbClr val="002060"/>
+                  <a:srgbClr val="00B0F0"/>
                 </a:solidFill>
                 <a:latin typeface="Verdana" panose="020B0604030504040204" pitchFamily="34" charset="0"/>
                 <a:ea typeface="Verdana" panose="020B0604030504040204" pitchFamily="34" charset="0"/>
               </a:rPr>
-              <a:t> The focus was more on concepts and demos are kept simple. </a:t>
+              <a:t> </a:t>
+            </a:r>
+            <a:r>
+              <a:rPr lang="en-US" sz="2000" dirty="0">
+                <a:solidFill>
+                  <a:srgbClr val="0070C0"/>
+                </a:solidFill>
+                <a:latin typeface="Verdana" panose="020B0604030504040204" pitchFamily="34" charset="0"/>
+                <a:ea typeface="Verdana" panose="020B0604030504040204" pitchFamily="34" charset="0"/>
+              </a:rPr>
+              <a:t>I am still a learner. What!!! … wait … Yes, I am still a learner.</a:t>
             </a:r>
           </a:p>
         </p:txBody>
@@ -20300,7 +20301,7 @@
     </p:spTree>
     <p:extLst>
       <p:ext uri="{BB962C8B-B14F-4D97-AF65-F5344CB8AC3E}">
-        <p14:creationId xmlns:p14="http://schemas.microsoft.com/office/powerpoint/2010/main" val="2304697054"/>
+        <p14:creationId xmlns:p14="http://schemas.microsoft.com/office/powerpoint/2010/main" val="787546932"/>
       </p:ext>
     </p:extLst>
   </p:cSld>
@@ -20327,51 +20328,337 @@
           <a:chExt cx="0" cy="0"/>
         </a:xfrm>
       </p:grpSpPr>
-      <p:pic>
-        <p:nvPicPr>
-          <p:cNvPr id="5" name="Picture 4" descr="A red apple on a stack of books&#10;&#10;Description automatically generated with medium confidence">
-            <a:extLst>
-              <a:ext uri="{FF2B5EF4-FFF2-40B4-BE49-F238E27FC236}">
-                <a16:creationId xmlns:a16="http://schemas.microsoft.com/office/drawing/2014/main" id="{81A5933F-DAA0-4AD3-9838-80F463FF8841}"/>
-              </a:ext>
-            </a:extLst>
-          </p:cNvPr>
-          <p:cNvPicPr>
-            <a:picLocks noChangeAspect="1"/>
-          </p:cNvPicPr>
+      <p:sp>
+        <p:nvSpPr>
+          <p:cNvPr id="4" name="Rectangle 3">
+            <a:extLst>
+              <a:ext uri="{FF2B5EF4-FFF2-40B4-BE49-F238E27FC236}">
+                <a16:creationId xmlns:a16="http://schemas.microsoft.com/office/drawing/2014/main" id="{055C22F7-3FD1-4C1B-8D0C-0C2F7FB61DBE}"/>
+              </a:ext>
+            </a:extLst>
+          </p:cNvPr>
+          <p:cNvSpPr/>
           <p:nvPr/>
-        </p:nvPicPr>
-        <p:blipFill>
-          <a:blip r:embed="rId2">
-            <a:extLst>
-              <a:ext uri="{28A0092B-C50C-407E-A947-70E740481C1C}">
-                <a14:useLocalDpi xmlns:a14="http://schemas.microsoft.com/office/drawing/2010/main" val="0"/>
-              </a:ext>
-              <a:ext uri="{837473B0-CC2E-450A-ABE3-18F120FF3D39}">
-                <a1611:picAttrSrcUrl xmlns:a1611="http://schemas.microsoft.com/office/drawing/2016/11/main" r:id="rId3"/>
-              </a:ext>
-            </a:extLst>
-          </a:blip>
-          <a:stretch>
-            <a:fillRect/>
-          </a:stretch>
-        </p:blipFill>
-        <p:spPr>
-          <a:xfrm>
-            <a:off x="1521714" y="0"/>
-            <a:ext cx="9148572" cy="6858000"/>
+        </p:nvSpPr>
+        <p:spPr>
+          <a:xfrm>
+            <a:off x="0" y="8878"/>
+            <a:ext cx="12183122" cy="497150"/>
           </a:xfrm>
           <a:prstGeom prst="rect">
             <a:avLst/>
           </a:prstGeom>
-        </p:spPr>
-      </p:pic>
-      <p:sp>
-        <p:nvSpPr>
-          <p:cNvPr id="6" name="TextBox 5">
-            <a:extLst>
-              <a:ext uri="{FF2B5EF4-FFF2-40B4-BE49-F238E27FC236}">
-                <a16:creationId xmlns:a16="http://schemas.microsoft.com/office/drawing/2014/main" id="{A3E95AFB-5E75-4C67-832D-11F336889263}"/>
+          <a:solidFill>
+            <a:srgbClr val="0070C0"/>
+          </a:solidFill>
+        </p:spPr>
+        <p:style>
+          <a:lnRef idx="2">
+            <a:schemeClr val="accent1">
+              <a:shade val="50000"/>
+            </a:schemeClr>
+          </a:lnRef>
+          <a:fillRef idx="1">
+            <a:schemeClr val="accent1"/>
+          </a:fillRef>
+          <a:effectRef idx="0">
+            <a:schemeClr val="accent1"/>
+          </a:effectRef>
+          <a:fontRef idx="minor">
+            <a:schemeClr val="lt1"/>
+          </a:fontRef>
+        </p:style>
+        <p:txBody>
+          <a:bodyPr rtlCol="0" anchor="ctr"/>
+          <a:lstStyle/>
+          <a:p>
+            <a:pPr algn="ctr"/>
+            <a:r>
+              <a:rPr lang="en-US" b="1" dirty="0">
+                <a:latin typeface="Verdana" panose="020B0604030504040204" pitchFamily="34" charset="0"/>
+                <a:ea typeface="Verdana" panose="020B0604030504040204" pitchFamily="34" charset="0"/>
+              </a:rPr>
+              <a:t>Information</a:t>
+            </a:r>
+            <a:endParaRPr lang="en-IN" b="1" dirty="0">
+              <a:latin typeface="Verdana" panose="020B0604030504040204" pitchFamily="34" charset="0"/>
+              <a:ea typeface="Verdana" panose="020B0604030504040204" pitchFamily="34" charset="0"/>
+            </a:endParaRPr>
+          </a:p>
+        </p:txBody>
+      </p:sp>
+      <p:sp>
+        <p:nvSpPr>
+          <p:cNvPr id="7" name="Rectangle 6">
+            <a:extLst>
+              <a:ext uri="{FF2B5EF4-FFF2-40B4-BE49-F238E27FC236}">
+                <a16:creationId xmlns:a16="http://schemas.microsoft.com/office/drawing/2014/main" id="{B10720DE-FD2A-4FE5-B9FB-74854D01A659}"/>
+              </a:ext>
+            </a:extLst>
+          </p:cNvPr>
+          <p:cNvSpPr/>
+          <p:nvPr/>
+        </p:nvSpPr>
+        <p:spPr>
+          <a:xfrm>
+            <a:off x="0" y="3915050"/>
+            <a:ext cx="12183122" cy="57703"/>
+          </a:xfrm>
+          <a:prstGeom prst="rect">
+            <a:avLst/>
+          </a:prstGeom>
+          <a:solidFill>
+            <a:srgbClr val="0070C0"/>
+          </a:solidFill>
+        </p:spPr>
+        <p:style>
+          <a:lnRef idx="2">
+            <a:schemeClr val="accent1">
+              <a:shade val="50000"/>
+            </a:schemeClr>
+          </a:lnRef>
+          <a:fillRef idx="1">
+            <a:schemeClr val="accent1"/>
+          </a:fillRef>
+          <a:effectRef idx="0">
+            <a:schemeClr val="accent1"/>
+          </a:effectRef>
+          <a:fontRef idx="minor">
+            <a:schemeClr val="lt1"/>
+          </a:fontRef>
+        </p:style>
+        <p:txBody>
+          <a:bodyPr rtlCol="0" anchor="ctr"/>
+          <a:lstStyle/>
+          <a:p>
+            <a:pPr algn="ctr"/>
+            <a:endParaRPr lang="en-IN" sz="1000" dirty="0">
+              <a:latin typeface="Verdana" panose="020B0604030504040204" pitchFamily="34" charset="0"/>
+              <a:ea typeface="Verdana" panose="020B0604030504040204" pitchFamily="34" charset="0"/>
+            </a:endParaRPr>
+          </a:p>
+        </p:txBody>
+      </p:sp>
+      <p:sp>
+        <p:nvSpPr>
+          <p:cNvPr id="8" name="Footer Placeholder 7">
+            <a:extLst>
+              <a:ext uri="{FF2B5EF4-FFF2-40B4-BE49-F238E27FC236}">
+                <a16:creationId xmlns:a16="http://schemas.microsoft.com/office/drawing/2014/main" id="{DD2A19CA-EC18-432D-8F8F-17079808F38B}"/>
+              </a:ext>
+            </a:extLst>
+          </p:cNvPr>
+          <p:cNvSpPr>
+            <a:spLocks noGrp="1"/>
+          </p:cNvSpPr>
+          <p:nvPr>
+            <p:ph type="ftr" sz="quarter" idx="11"/>
+          </p:nvPr>
+        </p:nvSpPr>
+        <p:spPr>
+          <a:xfrm>
+            <a:off x="4038600" y="3959378"/>
+            <a:ext cx="4114800" cy="365125"/>
+          </a:xfrm>
+        </p:spPr>
+        <p:txBody>
+          <a:bodyPr/>
+          <a:lstStyle/>
+          <a:p>
+            <a:r>
+              <a:rPr lang="en-IN" b="1" dirty="0">
+                <a:solidFill>
+                  <a:srgbClr val="002060"/>
+                </a:solidFill>
+                <a:latin typeface="Verdana" panose="020B0604030504040204" pitchFamily="34" charset="0"/>
+                <a:ea typeface="Verdana" panose="020B0604030504040204" pitchFamily="34" charset="0"/>
+              </a:rPr>
+              <a:t>31-Oct-2021</a:t>
+            </a:r>
+          </a:p>
+        </p:txBody>
+      </p:sp>
+      <p:sp>
+        <p:nvSpPr>
+          <p:cNvPr id="9" name="Slide Number Placeholder 8">
+            <a:extLst>
+              <a:ext uri="{FF2B5EF4-FFF2-40B4-BE49-F238E27FC236}">
+                <a16:creationId xmlns:a16="http://schemas.microsoft.com/office/drawing/2014/main" id="{8162625C-0B1F-42E0-BE7C-D99A08FED7A3}"/>
+              </a:ext>
+            </a:extLst>
+          </p:cNvPr>
+          <p:cNvSpPr>
+            <a:spLocks noGrp="1"/>
+          </p:cNvSpPr>
+          <p:nvPr>
+            <p:ph type="sldNum" sz="quarter" idx="12"/>
+          </p:nvPr>
+        </p:nvSpPr>
+        <p:spPr>
+          <a:xfrm>
+            <a:off x="8610600" y="3959378"/>
+            <a:ext cx="2743200" cy="365125"/>
+          </a:xfrm>
+        </p:spPr>
+        <p:txBody>
+          <a:bodyPr/>
+          <a:lstStyle/>
+          <a:p>
+            <a:r>
+              <a:rPr lang="en-IN" b="1" dirty="0">
+                <a:solidFill>
+                  <a:srgbClr val="002060"/>
+                </a:solidFill>
+                <a:latin typeface="Verdana" panose="020B0604030504040204" pitchFamily="34" charset="0"/>
+                <a:ea typeface="Verdana" panose="020B0604030504040204" pitchFamily="34" charset="0"/>
+              </a:rPr>
+              <a:t>1</a:t>
+            </a:r>
+          </a:p>
+        </p:txBody>
+      </p:sp>
+      <p:sp>
+        <p:nvSpPr>
+          <p:cNvPr id="12" name="Footer Placeholder 7">
+            <a:extLst>
+              <a:ext uri="{FF2B5EF4-FFF2-40B4-BE49-F238E27FC236}">
+                <a16:creationId xmlns:a16="http://schemas.microsoft.com/office/drawing/2014/main" id="{64C57949-E349-47D3-A505-A098233AF49D}"/>
+              </a:ext>
+            </a:extLst>
+          </p:cNvPr>
+          <p:cNvSpPr txBox="1">
+            <a:spLocks/>
+          </p:cNvSpPr>
+          <p:nvPr/>
+        </p:nvSpPr>
+        <p:spPr>
+          <a:xfrm>
+            <a:off x="133897" y="3960852"/>
+            <a:ext cx="4114800" cy="365125"/>
+          </a:xfrm>
+          <a:prstGeom prst="rect">
+            <a:avLst/>
+          </a:prstGeom>
+        </p:spPr>
+        <p:txBody>
+          <a:bodyPr vert="horz" lIns="91440" tIns="45720" rIns="91440" bIns="45720" rtlCol="0" anchor="ctr"/>
+          <a:lstStyle>
+            <a:defPPr>
+              <a:defRPr lang="en-US"/>
+            </a:defPPr>
+            <a:lvl1pPr marL="0" algn="ctr" defTabSz="914400" rtl="0" eaLnBrk="1" latinLnBrk="0" hangingPunct="1">
+              <a:defRPr sz="1200" kern="1200">
+                <a:solidFill>
+                  <a:schemeClr val="tx1">
+                    <a:tint val="75000"/>
+                  </a:schemeClr>
+                </a:solidFill>
+                <a:latin typeface="+mn-lt"/>
+                <a:ea typeface="+mn-ea"/>
+                <a:cs typeface="+mn-cs"/>
+              </a:defRPr>
+            </a:lvl1pPr>
+            <a:lvl2pPr marL="457200" algn="l" defTabSz="914400" rtl="0" eaLnBrk="1" latinLnBrk="0" hangingPunct="1">
+              <a:defRPr sz="1800" kern="1200">
+                <a:solidFill>
+                  <a:schemeClr val="tx1"/>
+                </a:solidFill>
+                <a:latin typeface="+mn-lt"/>
+                <a:ea typeface="+mn-ea"/>
+                <a:cs typeface="+mn-cs"/>
+              </a:defRPr>
+            </a:lvl2pPr>
+            <a:lvl3pPr marL="914400" algn="l" defTabSz="914400" rtl="0" eaLnBrk="1" latinLnBrk="0" hangingPunct="1">
+              <a:defRPr sz="1800" kern="1200">
+                <a:solidFill>
+                  <a:schemeClr val="tx1"/>
+                </a:solidFill>
+                <a:latin typeface="+mn-lt"/>
+                <a:ea typeface="+mn-ea"/>
+                <a:cs typeface="+mn-cs"/>
+              </a:defRPr>
+            </a:lvl3pPr>
+            <a:lvl4pPr marL="1371600" algn="l" defTabSz="914400" rtl="0" eaLnBrk="1" latinLnBrk="0" hangingPunct="1">
+              <a:defRPr sz="1800" kern="1200">
+                <a:solidFill>
+                  <a:schemeClr val="tx1"/>
+                </a:solidFill>
+                <a:latin typeface="+mn-lt"/>
+                <a:ea typeface="+mn-ea"/>
+                <a:cs typeface="+mn-cs"/>
+              </a:defRPr>
+            </a:lvl4pPr>
+            <a:lvl5pPr marL="1828800" algn="l" defTabSz="914400" rtl="0" eaLnBrk="1" latinLnBrk="0" hangingPunct="1">
+              <a:defRPr sz="1800" kern="1200">
+                <a:solidFill>
+                  <a:schemeClr val="tx1"/>
+                </a:solidFill>
+                <a:latin typeface="+mn-lt"/>
+                <a:ea typeface="+mn-ea"/>
+                <a:cs typeface="+mn-cs"/>
+              </a:defRPr>
+            </a:lvl5pPr>
+            <a:lvl6pPr marL="2286000" algn="l" defTabSz="914400" rtl="0" eaLnBrk="1" latinLnBrk="0" hangingPunct="1">
+              <a:defRPr sz="1800" kern="1200">
+                <a:solidFill>
+                  <a:schemeClr val="tx1"/>
+                </a:solidFill>
+                <a:latin typeface="+mn-lt"/>
+                <a:ea typeface="+mn-ea"/>
+                <a:cs typeface="+mn-cs"/>
+              </a:defRPr>
+            </a:lvl6pPr>
+            <a:lvl7pPr marL="2743200" algn="l" defTabSz="914400" rtl="0" eaLnBrk="1" latinLnBrk="0" hangingPunct="1">
+              <a:defRPr sz="1800" kern="1200">
+                <a:solidFill>
+                  <a:schemeClr val="tx1"/>
+                </a:solidFill>
+                <a:latin typeface="+mn-lt"/>
+                <a:ea typeface="+mn-ea"/>
+                <a:cs typeface="+mn-cs"/>
+              </a:defRPr>
+            </a:lvl7pPr>
+            <a:lvl8pPr marL="3200400" algn="l" defTabSz="914400" rtl="0" eaLnBrk="1" latinLnBrk="0" hangingPunct="1">
+              <a:defRPr sz="1800" kern="1200">
+                <a:solidFill>
+                  <a:schemeClr val="tx1"/>
+                </a:solidFill>
+                <a:latin typeface="+mn-lt"/>
+                <a:ea typeface="+mn-ea"/>
+                <a:cs typeface="+mn-cs"/>
+              </a:defRPr>
+            </a:lvl8pPr>
+            <a:lvl9pPr marL="3657600" algn="l" defTabSz="914400" rtl="0" eaLnBrk="1" latinLnBrk="0" hangingPunct="1">
+              <a:defRPr sz="1800" kern="1200">
+                <a:solidFill>
+                  <a:schemeClr val="tx1"/>
+                </a:solidFill>
+                <a:latin typeface="+mn-lt"/>
+                <a:ea typeface="+mn-ea"/>
+                <a:cs typeface="+mn-cs"/>
+              </a:defRPr>
+            </a:lvl9pPr>
+          </a:lstStyle>
+          <a:p>
+            <a:r>
+              <a:rPr lang="en-IN" b="1" dirty="0">
+                <a:solidFill>
+                  <a:srgbClr val="002060"/>
+                </a:solidFill>
+                <a:latin typeface="Verdana" panose="020B0604030504040204" pitchFamily="34" charset="0"/>
+                <a:ea typeface="Verdana" panose="020B0604030504040204" pitchFamily="34" charset="0"/>
+              </a:rPr>
+              <a:t>https://www.azconf.dev</a:t>
+            </a:r>
+          </a:p>
+        </p:txBody>
+      </p:sp>
+      <p:sp>
+        <p:nvSpPr>
+          <p:cNvPr id="10" name="TextBox 9">
+            <a:extLst>
+              <a:ext uri="{FF2B5EF4-FFF2-40B4-BE49-F238E27FC236}">
+                <a16:creationId xmlns:a16="http://schemas.microsoft.com/office/drawing/2014/main" id="{19953791-0C49-4113-A95A-639979BFF9A6}"/>
               </a:ext>
             </a:extLst>
           </p:cNvPr>
@@ -20380,8 +20667,8 @@
         </p:nvSpPr>
         <p:spPr>
           <a:xfrm>
-            <a:off x="1521714" y="6858000"/>
-            <a:ext cx="9148572" cy="230832"/>
+            <a:off x="80629" y="557824"/>
+            <a:ext cx="12037390" cy="2800062"/>
           </a:xfrm>
           <a:prstGeom prst="rect">
             <a:avLst/>
@@ -20394,621 +20681,135 @@
           </a:bodyPr>
           <a:lstStyle/>
           <a:p>
-            <a:r>
-              <a:rPr lang="en-US" sz="900">
-                <a:hlinkClick r:id="rId3" tooltip="https://freephotoshop.org/2011/01/apple-and-books-free-picture/"/>
+            <a:pPr marL="628650" lvl="1" indent="-171450">
+              <a:lnSpc>
+                <a:spcPct val="150000"/>
+              </a:lnSpc>
+              <a:buFont typeface="Wingdings" panose="05000000000000000000" pitchFamily="2" charset="2"/>
+              <a:buChar char="Ø"/>
+            </a:pPr>
+            <a:r>
+              <a:rPr lang="en-US" sz="2000" dirty="0">
+                <a:solidFill>
+                  <a:srgbClr val="00B0F0"/>
+                </a:solidFill>
+                <a:latin typeface="Verdana" panose="020B0604030504040204" pitchFamily="34" charset="0"/>
+                <a:ea typeface="Verdana" panose="020B0604030504040204" pitchFamily="34" charset="0"/>
               </a:rPr>
-              <a:t>This Photo</a:t>
-            </a:r>
-            <a:r>
-              <a:rPr lang="en-US" sz="900"/>
-              <a:t> by Unknown Author is licensed under </a:t>
-            </a:r>
-            <a:r>
-              <a:rPr lang="en-US" sz="900">
-                <a:hlinkClick r:id="rId4" tooltip="https://creativecommons.org/licenses/by/3.0/"/>
+              <a:t> </a:t>
+            </a:r>
+            <a:r>
+              <a:rPr lang="en-US" sz="2000" dirty="0">
+                <a:solidFill>
+                  <a:srgbClr val="0070C0"/>
+                </a:solidFill>
+                <a:latin typeface="Verdana" panose="020B0604030504040204" pitchFamily="34" charset="0"/>
+                <a:ea typeface="Verdana" panose="020B0604030504040204" pitchFamily="34" charset="0"/>
               </a:rPr>
-              <a:t>CC BY</a:t>
-            </a:r>
-            <a:endParaRPr lang="en-US" sz="900"/>
-          </a:p>
-        </p:txBody>
-      </p:sp>
-      <p:pic>
-        <p:nvPicPr>
-          <p:cNvPr id="8" name="Picture 7" descr="A group of books on a table&#10;&#10;Description automatically generated with medium confidence">
-            <a:extLst>
-              <a:ext uri="{FF2B5EF4-FFF2-40B4-BE49-F238E27FC236}">
-                <a16:creationId xmlns:a16="http://schemas.microsoft.com/office/drawing/2014/main" id="{3EDD19C3-E954-4988-81B1-6B6232561BF1}"/>
-              </a:ext>
-            </a:extLst>
-          </p:cNvPr>
-          <p:cNvPicPr>
-            <a:picLocks noChangeAspect="1"/>
-          </p:cNvPicPr>
-          <p:nvPr/>
-        </p:nvPicPr>
-        <p:blipFill>
-          <a:blip r:embed="rId5">
-            <a:extLst>
-              <a:ext uri="{28A0092B-C50C-407E-A947-70E740481C1C}">
-                <a14:useLocalDpi xmlns:a14="http://schemas.microsoft.com/office/drawing/2010/main" val="0"/>
-              </a:ext>
-              <a:ext uri="{837473B0-CC2E-450A-ABE3-18F120FF3D39}">
-                <a1611:picAttrSrcUrl xmlns:a1611="http://schemas.microsoft.com/office/drawing/2016/11/main" r:id="rId6"/>
-              </a:ext>
-            </a:extLst>
-          </a:blip>
-          <a:stretch>
-            <a:fillRect/>
-          </a:stretch>
-        </p:blipFill>
-        <p:spPr>
-          <a:xfrm>
-            <a:off x="1674000" y="531000"/>
-            <a:ext cx="9144000" cy="6096000"/>
-          </a:xfrm>
-          <a:prstGeom prst="rect">
-            <a:avLst/>
-          </a:prstGeom>
-        </p:spPr>
-      </p:pic>
-      <p:pic>
-        <p:nvPicPr>
-          <p:cNvPr id="10" name="Picture 9" descr="A stack of books on a table&#10;&#10;Description automatically generated with medium confidence">
-            <a:extLst>
-              <a:ext uri="{FF2B5EF4-FFF2-40B4-BE49-F238E27FC236}">
-                <a16:creationId xmlns:a16="http://schemas.microsoft.com/office/drawing/2014/main" id="{16AA303E-7DF5-460E-816B-6A2E3232DF43}"/>
-              </a:ext>
-            </a:extLst>
-          </p:cNvPr>
-          <p:cNvPicPr>
-            <a:picLocks noChangeAspect="1"/>
-          </p:cNvPicPr>
-          <p:nvPr/>
-        </p:nvPicPr>
-        <p:blipFill>
-          <a:blip r:embed="rId7">
-            <a:extLst>
-              <a:ext uri="{28A0092B-C50C-407E-A947-70E740481C1C}">
-                <a14:useLocalDpi xmlns:a14="http://schemas.microsoft.com/office/drawing/2010/main" val="0"/>
-              </a:ext>
-              <a:ext uri="{837473B0-CC2E-450A-ABE3-18F120FF3D39}">
-                <a1611:picAttrSrcUrl xmlns:a1611="http://schemas.microsoft.com/office/drawing/2016/11/main" r:id="rId8"/>
-              </a:ext>
-            </a:extLst>
-          </a:blip>
-          <a:stretch>
-            <a:fillRect/>
-          </a:stretch>
-        </p:blipFill>
-        <p:spPr>
-          <a:xfrm>
-            <a:off x="1519200" y="485737"/>
-            <a:ext cx="9753600" cy="6486525"/>
-          </a:xfrm>
-          <a:prstGeom prst="rect">
-            <a:avLst/>
-          </a:prstGeom>
-        </p:spPr>
-      </p:pic>
-      <p:sp>
-        <p:nvSpPr>
-          <p:cNvPr id="11" name="TextBox 10">
-            <a:extLst>
-              <a:ext uri="{FF2B5EF4-FFF2-40B4-BE49-F238E27FC236}">
-                <a16:creationId xmlns:a16="http://schemas.microsoft.com/office/drawing/2014/main" id="{FACF8A59-DE2B-4F4F-B5A6-FD9D98DB63ED}"/>
-              </a:ext>
-            </a:extLst>
-          </p:cNvPr>
-          <p:cNvSpPr txBox="1"/>
-          <p:nvPr/>
-        </p:nvSpPr>
-        <p:spPr>
-          <a:xfrm>
-            <a:off x="1519200" y="6972262"/>
-            <a:ext cx="9753600" cy="230832"/>
-          </a:xfrm>
-          <a:prstGeom prst="rect">
-            <a:avLst/>
-          </a:prstGeom>
-          <a:noFill/>
-        </p:spPr>
-        <p:txBody>
-          <a:bodyPr wrap="square" rtlCol="0">
-            <a:spAutoFit/>
-          </a:bodyPr>
-          <a:lstStyle/>
-          <a:p>
-            <a:r>
-              <a:rPr lang="en-US" sz="900">
-                <a:hlinkClick r:id="rId8" tooltip="http://www.flickr.com/photos/ccacnorthlib/4131838228"/>
+              <a:t>I am still a learner. Apologize if I do any mistake.</a:t>
+            </a:r>
+          </a:p>
+          <a:p>
+            <a:pPr marL="628650" lvl="1" indent="-171450">
+              <a:lnSpc>
+                <a:spcPct val="150000"/>
+              </a:lnSpc>
+              <a:buFont typeface="Wingdings" panose="05000000000000000000" pitchFamily="2" charset="2"/>
+              <a:buChar char="Ø"/>
+            </a:pPr>
+            <a:r>
+              <a:rPr lang="en-US" sz="2000" dirty="0">
+                <a:solidFill>
+                  <a:srgbClr val="002060"/>
+                </a:solidFill>
+                <a:latin typeface="Verdana" panose="020B0604030504040204" pitchFamily="34" charset="0"/>
+                <a:ea typeface="Verdana" panose="020B0604030504040204" pitchFamily="34" charset="0"/>
               </a:rPr>
-              <a:t>This Photo</a:t>
-            </a:r>
-            <a:r>
-              <a:rPr lang="en-US" sz="900"/>
-              <a:t> by Unknown Author is licensed under </a:t>
-            </a:r>
-            <a:r>
-              <a:rPr lang="en-US" sz="900">
-                <a:hlinkClick r:id="rId4" tooltip="https://creativecommons.org/licenses/by/3.0/"/>
+              <a:t> All the sessions will be hands on.</a:t>
+            </a:r>
+          </a:p>
+          <a:p>
+            <a:pPr marL="628650" lvl="1" indent="-171450">
+              <a:lnSpc>
+                <a:spcPct val="150000"/>
+              </a:lnSpc>
+              <a:buFont typeface="Wingdings" panose="05000000000000000000" pitchFamily="2" charset="2"/>
+              <a:buChar char="Ø"/>
+            </a:pPr>
+            <a:r>
+              <a:rPr lang="en-US" sz="2000" dirty="0">
+                <a:solidFill>
+                  <a:srgbClr val="002060"/>
+                </a:solidFill>
+                <a:latin typeface="Verdana" panose="020B0604030504040204" pitchFamily="34" charset="0"/>
+                <a:ea typeface="Verdana" panose="020B0604030504040204" pitchFamily="34" charset="0"/>
               </a:rPr>
-              <a:t>CC BY</a:t>
-            </a:r>
-            <a:endParaRPr lang="en-US" sz="900"/>
-          </a:p>
-        </p:txBody>
-      </p:sp>
-      <p:pic>
-        <p:nvPicPr>
-          <p:cNvPr id="13" name="Picture 12" descr="A stack of books&#10;&#10;Description automatically generated with medium confidence">
-            <a:extLst>
-              <a:ext uri="{FF2B5EF4-FFF2-40B4-BE49-F238E27FC236}">
-                <a16:creationId xmlns:a16="http://schemas.microsoft.com/office/drawing/2014/main" id="{2FF84994-5AF6-4A1E-9F8B-231343FFBED1}"/>
-              </a:ext>
-            </a:extLst>
-          </p:cNvPr>
-          <p:cNvPicPr>
-            <a:picLocks noChangeAspect="1"/>
-          </p:cNvPicPr>
-          <p:nvPr/>
-        </p:nvPicPr>
-        <p:blipFill>
-          <a:blip r:embed="rId9">
-            <a:extLst>
-              <a:ext uri="{28A0092B-C50C-407E-A947-70E740481C1C}">
-                <a14:useLocalDpi xmlns:a14="http://schemas.microsoft.com/office/drawing/2010/main" val="0"/>
-              </a:ext>
-              <a:ext uri="{837473B0-CC2E-450A-ABE3-18F120FF3D39}">
-                <a1611:picAttrSrcUrl xmlns:a1611="http://schemas.microsoft.com/office/drawing/2016/11/main" r:id="rId10"/>
-              </a:ext>
-            </a:extLst>
-          </a:blip>
-          <a:stretch>
-            <a:fillRect/>
-          </a:stretch>
-        </p:blipFill>
-        <p:spPr>
-          <a:xfrm>
-            <a:off x="3117000" y="450000"/>
-            <a:ext cx="6858000" cy="6858000"/>
-          </a:xfrm>
-          <a:prstGeom prst="rect">
-            <a:avLst/>
-          </a:prstGeom>
-        </p:spPr>
-      </p:pic>
-      <p:sp>
-        <p:nvSpPr>
-          <p:cNvPr id="14" name="TextBox 13">
-            <a:extLst>
-              <a:ext uri="{FF2B5EF4-FFF2-40B4-BE49-F238E27FC236}">
-                <a16:creationId xmlns:a16="http://schemas.microsoft.com/office/drawing/2014/main" id="{0FF79CCC-4992-451C-8129-3FEBE66F754B}"/>
-              </a:ext>
-            </a:extLst>
-          </p:cNvPr>
-          <p:cNvSpPr txBox="1"/>
-          <p:nvPr/>
-        </p:nvSpPr>
-        <p:spPr>
-          <a:xfrm>
-            <a:off x="3117000" y="7308000"/>
-            <a:ext cx="6858000" cy="230832"/>
-          </a:xfrm>
-          <a:prstGeom prst="rect">
-            <a:avLst/>
-          </a:prstGeom>
-          <a:noFill/>
-        </p:spPr>
-        <p:txBody>
-          <a:bodyPr wrap="square" rtlCol="0">
-            <a:spAutoFit/>
-          </a:bodyPr>
-          <a:lstStyle/>
-          <a:p>
-            <a:r>
-              <a:rPr lang="en-US" sz="900">
-                <a:hlinkClick r:id="rId10" tooltip="http://saltyselections.blogspot.com/2010/06/ufo-search-engine-ebooks-manuals.html"/>
+              <a:t> Will have parking lots for queries and other topics.</a:t>
+            </a:r>
+          </a:p>
+          <a:p>
+            <a:pPr marL="628650" lvl="1" indent="-171450">
+              <a:lnSpc>
+                <a:spcPct val="150000"/>
+              </a:lnSpc>
+              <a:buFont typeface="Wingdings" panose="05000000000000000000" pitchFamily="2" charset="2"/>
+              <a:buChar char="Ø"/>
+            </a:pPr>
+            <a:r>
+              <a:rPr lang="en-US" sz="2000" dirty="0">
+                <a:solidFill>
+                  <a:srgbClr val="002060"/>
+                </a:solidFill>
+                <a:latin typeface="Verdana" panose="020B0604030504040204" pitchFamily="34" charset="0"/>
+                <a:ea typeface="Verdana" panose="020B0604030504040204" pitchFamily="34" charset="0"/>
               </a:rPr>
-              <a:t>This Photo</a:t>
-            </a:r>
-            <a:r>
-              <a:rPr lang="en-US" sz="900"/>
-              <a:t> by Unknown Author is licensed under </a:t>
-            </a:r>
-            <a:r>
-              <a:rPr lang="en-US" sz="900">
-                <a:hlinkClick r:id="rId11" tooltip="https://creativecommons.org/licenses/by-sa/3.0/"/>
+              <a:t> Some of the concepts we will introduced and revisited in next sessions.</a:t>
+            </a:r>
+          </a:p>
+          <a:p>
+            <a:pPr marL="628650" lvl="1" indent="-171450">
+              <a:lnSpc>
+                <a:spcPct val="150000"/>
+              </a:lnSpc>
+              <a:buFont typeface="Wingdings" panose="05000000000000000000" pitchFamily="2" charset="2"/>
+              <a:buChar char="Ø"/>
+            </a:pPr>
+            <a:r>
+              <a:rPr lang="en-US" sz="2000" dirty="0">
+                <a:solidFill>
+                  <a:srgbClr val="002060"/>
+                </a:solidFill>
+                <a:latin typeface="Verdana" panose="020B0604030504040204" pitchFamily="34" charset="0"/>
+                <a:ea typeface="Verdana" panose="020B0604030504040204" pitchFamily="34" charset="0"/>
               </a:rPr>
-              <a:t>CC BY-SA</a:t>
-            </a:r>
-            <a:endParaRPr lang="en-US" sz="900"/>
-          </a:p>
-        </p:txBody>
-      </p:sp>
-      <p:pic>
-        <p:nvPicPr>
-          <p:cNvPr id="16" name="Picture 15" descr="A stack of books&#10;&#10;Description automatically generated">
-            <a:extLst>
-              <a:ext uri="{FF2B5EF4-FFF2-40B4-BE49-F238E27FC236}">
-                <a16:creationId xmlns:a16="http://schemas.microsoft.com/office/drawing/2014/main" id="{22A0A9FF-6A48-4BB2-8398-5E1AC620F676}"/>
-              </a:ext>
-            </a:extLst>
-          </p:cNvPr>
-          <p:cNvPicPr>
-            <a:picLocks noChangeAspect="1"/>
-          </p:cNvPicPr>
-          <p:nvPr/>
-        </p:nvPicPr>
-        <p:blipFill>
-          <a:blip r:embed="rId12">
-            <a:extLst>
-              <a:ext uri="{28A0092B-C50C-407E-A947-70E740481C1C}">
-                <a14:useLocalDpi xmlns:a14="http://schemas.microsoft.com/office/drawing/2010/main" val="0"/>
-              </a:ext>
-              <a:ext uri="{837473B0-CC2E-450A-ABE3-18F120FF3D39}">
-                <a1611:picAttrSrcUrl xmlns:a1611="http://schemas.microsoft.com/office/drawing/2016/11/main" r:id="rId13"/>
-              </a:ext>
-            </a:extLst>
-          </a:blip>
-          <a:stretch>
-            <a:fillRect/>
-          </a:stretch>
-        </p:blipFill>
-        <p:spPr>
-          <a:xfrm>
-            <a:off x="5119612" y="1743000"/>
-            <a:ext cx="3152775" cy="4572000"/>
-          </a:xfrm>
-          <a:prstGeom prst="rect">
-            <a:avLst/>
-          </a:prstGeom>
-        </p:spPr>
-      </p:pic>
-      <p:sp>
-        <p:nvSpPr>
-          <p:cNvPr id="17" name="TextBox 16">
-            <a:extLst>
-              <a:ext uri="{FF2B5EF4-FFF2-40B4-BE49-F238E27FC236}">
-                <a16:creationId xmlns:a16="http://schemas.microsoft.com/office/drawing/2014/main" id="{59B989B0-5387-46A6-B558-3F6EA5738327}"/>
-              </a:ext>
-            </a:extLst>
-          </p:cNvPr>
-          <p:cNvSpPr txBox="1"/>
-          <p:nvPr/>
-        </p:nvSpPr>
-        <p:spPr>
-          <a:xfrm>
-            <a:off x="5119612" y="6315000"/>
-            <a:ext cx="3152775" cy="230832"/>
-          </a:xfrm>
-          <a:prstGeom prst="rect">
-            <a:avLst/>
-          </a:prstGeom>
-          <a:noFill/>
-        </p:spPr>
-        <p:txBody>
-          <a:bodyPr wrap="square" rtlCol="0">
-            <a:spAutoFit/>
-          </a:bodyPr>
-          <a:lstStyle/>
-          <a:p>
-            <a:r>
-              <a:rPr lang="en-US" sz="900">
-                <a:hlinkClick r:id="rId13" tooltip="http://englishedrissis.blogspot.com/2011/04/world-book-day.html"/>
+              <a:t> There are multiple ways to do, we will use one of the ways.</a:t>
+            </a:r>
+          </a:p>
+          <a:p>
+            <a:pPr marL="628650" lvl="1" indent="-171450">
+              <a:lnSpc>
+                <a:spcPct val="150000"/>
+              </a:lnSpc>
+              <a:buFont typeface="Wingdings" panose="05000000000000000000" pitchFamily="2" charset="2"/>
+              <a:buChar char="Ø"/>
+            </a:pPr>
+            <a:r>
+              <a:rPr lang="en-US" sz="2000" dirty="0">
+                <a:solidFill>
+                  <a:srgbClr val="002060"/>
+                </a:solidFill>
+                <a:latin typeface="Verdana" panose="020B0604030504040204" pitchFamily="34" charset="0"/>
+                <a:ea typeface="Verdana" panose="020B0604030504040204" pitchFamily="34" charset="0"/>
               </a:rPr>
-              <a:t>This Photo</a:t>
-            </a:r>
-            <a:r>
-              <a:rPr lang="en-US" sz="900"/>
-              <a:t> by Unknown Author is licensed under </a:t>
-            </a:r>
-            <a:r>
-              <a:rPr lang="en-US" sz="900">
-                <a:hlinkClick r:id="rId14" tooltip="https://creativecommons.org/licenses/by-nc-sa/3.0/"/>
-              </a:rPr>
-              <a:t>CC BY-SA-NC</a:t>
-            </a:r>
-            <a:endParaRPr lang="en-US" sz="900"/>
-          </a:p>
-        </p:txBody>
-      </p:sp>
-      <p:pic>
-        <p:nvPicPr>
-          <p:cNvPr id="19" name="Picture 18" descr="A pile of colored pencils&#10;&#10;Description automatically generated with low confidence">
-            <a:extLst>
-              <a:ext uri="{FF2B5EF4-FFF2-40B4-BE49-F238E27FC236}">
-                <a16:creationId xmlns:a16="http://schemas.microsoft.com/office/drawing/2014/main" id="{4AA73D39-9B74-4853-92B4-A635E4357914}"/>
-              </a:ext>
-            </a:extLst>
-          </p:cNvPr>
-          <p:cNvPicPr>
-            <a:picLocks noChangeAspect="1"/>
-          </p:cNvPicPr>
-          <p:nvPr/>
-        </p:nvPicPr>
-        <p:blipFill>
-          <a:blip r:embed="rId15">
-            <a:extLst>
-              <a:ext uri="{28A0092B-C50C-407E-A947-70E740481C1C}">
-                <a14:useLocalDpi xmlns:a14="http://schemas.microsoft.com/office/drawing/2010/main" val="0"/>
-              </a:ext>
-              <a:ext uri="{837473B0-CC2E-450A-ABE3-18F120FF3D39}">
-                <a1611:picAttrSrcUrl xmlns:a1611="http://schemas.microsoft.com/office/drawing/2016/11/main" r:id="rId16"/>
-              </a:ext>
-            </a:extLst>
-          </a:blip>
-          <a:stretch>
-            <a:fillRect/>
-          </a:stretch>
-        </p:blipFill>
-        <p:spPr>
-          <a:xfrm>
-            <a:off x="4667950" y="1956500"/>
-            <a:ext cx="4356100" cy="4445000"/>
-          </a:xfrm>
-          <a:prstGeom prst="rect">
-            <a:avLst/>
-          </a:prstGeom>
-        </p:spPr>
-      </p:pic>
-      <p:sp>
-        <p:nvSpPr>
-          <p:cNvPr id="20" name="TextBox 19">
-            <a:extLst>
-              <a:ext uri="{FF2B5EF4-FFF2-40B4-BE49-F238E27FC236}">
-                <a16:creationId xmlns:a16="http://schemas.microsoft.com/office/drawing/2014/main" id="{4AAB6739-7C74-4BB8-9E4D-0838BC8CD672}"/>
-              </a:ext>
-            </a:extLst>
-          </p:cNvPr>
-          <p:cNvSpPr txBox="1"/>
-          <p:nvPr/>
-        </p:nvSpPr>
-        <p:spPr>
-          <a:xfrm>
-            <a:off x="4667950" y="6401500"/>
-            <a:ext cx="4356100" cy="230832"/>
-          </a:xfrm>
-          <a:prstGeom prst="rect">
-            <a:avLst/>
-          </a:prstGeom>
-          <a:noFill/>
-        </p:spPr>
-        <p:txBody>
-          <a:bodyPr wrap="square" rtlCol="0">
-            <a:spAutoFit/>
-          </a:bodyPr>
-          <a:lstStyle/>
-          <a:p>
-            <a:r>
-              <a:rPr lang="en-US" sz="900">
-                <a:hlinkClick r:id="rId16" tooltip="http://myedmondsnews.com/2011/12/edmonds-booktalk-my-nine-favorite-books-of-the-year/"/>
-              </a:rPr>
-              <a:t>This Photo</a:t>
-            </a:r>
-            <a:r>
-              <a:rPr lang="en-US" sz="900"/>
-              <a:t> by Unknown Author is licensed under </a:t>
-            </a:r>
-            <a:r>
-              <a:rPr lang="en-US" sz="900">
-                <a:hlinkClick r:id="rId4" tooltip="https://creativecommons.org/licenses/by/3.0/"/>
-              </a:rPr>
-              <a:t>CC BY</a:t>
-            </a:r>
-            <a:endParaRPr lang="en-US" sz="900"/>
-          </a:p>
-        </p:txBody>
-      </p:sp>
-      <p:pic>
-        <p:nvPicPr>
-          <p:cNvPr id="22" name="Picture 21" descr="A stack of books&#10;&#10;Description automatically generated with medium confidence">
-            <a:extLst>
-              <a:ext uri="{FF2B5EF4-FFF2-40B4-BE49-F238E27FC236}">
-                <a16:creationId xmlns:a16="http://schemas.microsoft.com/office/drawing/2014/main" id="{3785DD88-AC2F-4222-BD7F-E398E81B4A93}"/>
-              </a:ext>
-            </a:extLst>
-          </p:cNvPr>
-          <p:cNvPicPr>
-            <a:picLocks noChangeAspect="1"/>
-          </p:cNvPicPr>
-          <p:nvPr/>
-        </p:nvPicPr>
-        <p:blipFill>
-          <a:blip r:embed="rId17">
-            <a:extLst>
-              <a:ext uri="{28A0092B-C50C-407E-A947-70E740481C1C}">
-                <a14:useLocalDpi xmlns:a14="http://schemas.microsoft.com/office/drawing/2010/main" val="0"/>
-              </a:ext>
-              <a:ext uri="{837473B0-CC2E-450A-ABE3-18F120FF3D39}">
-                <a1611:picAttrSrcUrl xmlns:a1611="http://schemas.microsoft.com/office/drawing/2016/11/main" r:id="rId18"/>
-              </a:ext>
-            </a:extLst>
-          </a:blip>
-          <a:stretch>
-            <a:fillRect/>
-          </a:stretch>
-        </p:blipFill>
-        <p:spPr>
-          <a:xfrm>
-            <a:off x="2422241" y="900000"/>
-            <a:ext cx="9147517" cy="6858000"/>
-          </a:xfrm>
-          <a:prstGeom prst="rect">
-            <a:avLst/>
-          </a:prstGeom>
-        </p:spPr>
-      </p:pic>
-      <p:pic>
-        <p:nvPicPr>
-          <p:cNvPr id="24" name="Picture 23" descr="A stack of books&#10;&#10;Description automatically generated">
-            <a:extLst>
-              <a:ext uri="{FF2B5EF4-FFF2-40B4-BE49-F238E27FC236}">
-                <a16:creationId xmlns:a16="http://schemas.microsoft.com/office/drawing/2014/main" id="{2FCC35E6-23C1-4008-826D-FF18F375781E}"/>
-              </a:ext>
-            </a:extLst>
-          </p:cNvPr>
-          <p:cNvPicPr>
-            <a:picLocks noChangeAspect="1"/>
-          </p:cNvPicPr>
-          <p:nvPr/>
-        </p:nvPicPr>
-        <p:blipFill>
-          <a:blip r:embed="rId19">
-            <a:extLst>
-              <a:ext uri="{28A0092B-C50C-407E-A947-70E740481C1C}">
-                <a14:useLocalDpi xmlns:a14="http://schemas.microsoft.com/office/drawing/2010/main" val="0"/>
-              </a:ext>
-              <a:ext uri="{837473B0-CC2E-450A-ABE3-18F120FF3D39}">
-                <a1611:picAttrSrcUrl xmlns:a1611="http://schemas.microsoft.com/office/drawing/2016/11/main" r:id="rId20"/>
-              </a:ext>
-            </a:extLst>
-          </a:blip>
-          <a:stretch>
-            <a:fillRect/>
-          </a:stretch>
-        </p:blipFill>
-        <p:spPr>
-          <a:xfrm>
-            <a:off x="2574000" y="1050000"/>
-            <a:ext cx="9144000" cy="6858000"/>
-          </a:xfrm>
-          <a:prstGeom prst="rect">
-            <a:avLst/>
-          </a:prstGeom>
-        </p:spPr>
-      </p:pic>
-      <p:pic>
-        <p:nvPicPr>
-          <p:cNvPr id="26" name="Picture 25" descr="A stack of books&#10;&#10;Description automatically generated with low confidence">
-            <a:extLst>
-              <a:ext uri="{FF2B5EF4-FFF2-40B4-BE49-F238E27FC236}">
-                <a16:creationId xmlns:a16="http://schemas.microsoft.com/office/drawing/2014/main" id="{EB873B45-6534-426C-8AB5-B4D7A9AB0737}"/>
-              </a:ext>
-            </a:extLst>
-          </p:cNvPr>
-          <p:cNvPicPr>
-            <a:picLocks noChangeAspect="1"/>
-          </p:cNvPicPr>
-          <p:nvPr/>
-        </p:nvPicPr>
-        <p:blipFill>
-          <a:blip r:embed="rId21">
-            <a:extLst>
-              <a:ext uri="{28A0092B-C50C-407E-A947-70E740481C1C}">
-                <a14:useLocalDpi xmlns:a14="http://schemas.microsoft.com/office/drawing/2010/main" val="0"/>
-              </a:ext>
-              <a:ext uri="{837473B0-CC2E-450A-ABE3-18F120FF3D39}">
-                <a1611:picAttrSrcUrl xmlns:a1611="http://schemas.microsoft.com/office/drawing/2016/11/main" r:id="rId22"/>
-              </a:ext>
-            </a:extLst>
-          </a:blip>
-          <a:stretch>
-            <a:fillRect/>
-          </a:stretch>
-        </p:blipFill>
-        <p:spPr>
-          <a:xfrm>
-            <a:off x="4149892" y="1200000"/>
-            <a:ext cx="6292215" cy="6858000"/>
-          </a:xfrm>
-          <a:prstGeom prst="rect">
-            <a:avLst/>
-          </a:prstGeom>
-        </p:spPr>
-      </p:pic>
-      <p:sp>
-        <p:nvSpPr>
-          <p:cNvPr id="27" name="TextBox 26">
-            <a:extLst>
-              <a:ext uri="{FF2B5EF4-FFF2-40B4-BE49-F238E27FC236}">
-                <a16:creationId xmlns:a16="http://schemas.microsoft.com/office/drawing/2014/main" id="{BE69689F-78F0-4557-B17F-535FDE3270AD}"/>
-              </a:ext>
-            </a:extLst>
-          </p:cNvPr>
-          <p:cNvSpPr txBox="1"/>
-          <p:nvPr/>
-        </p:nvSpPr>
-        <p:spPr>
-          <a:xfrm>
-            <a:off x="4149892" y="8058000"/>
-            <a:ext cx="6292215" cy="230832"/>
-          </a:xfrm>
-          <a:prstGeom prst="rect">
-            <a:avLst/>
-          </a:prstGeom>
-          <a:noFill/>
-        </p:spPr>
-        <p:txBody>
-          <a:bodyPr wrap="square" rtlCol="0">
-            <a:spAutoFit/>
-          </a:bodyPr>
-          <a:lstStyle/>
-          <a:p>
-            <a:r>
-              <a:rPr lang="en-US" sz="900">
-                <a:hlinkClick r:id="rId22" tooltip="http://ponderingtwo.blogspot.com/2013/09/seven-books-in-my-to-read-list.html"/>
-              </a:rPr>
-              <a:t>This Photo</a:t>
-            </a:r>
-            <a:r>
-              <a:rPr lang="en-US" sz="900"/>
-              <a:t> by Unknown Author is licensed under </a:t>
-            </a:r>
-            <a:r>
-              <a:rPr lang="en-US" sz="900">
-                <a:hlinkClick r:id="rId23" tooltip="https://creativecommons.org/licenses/by-nc-nd/3.0/"/>
-              </a:rPr>
-              <a:t>CC BY-NC-ND</a:t>
-            </a:r>
-            <a:endParaRPr lang="en-US" sz="900"/>
-          </a:p>
-        </p:txBody>
-      </p:sp>
-      <p:pic>
-        <p:nvPicPr>
-          <p:cNvPr id="29" name="Picture 28">
-            <a:extLst>
-              <a:ext uri="{FF2B5EF4-FFF2-40B4-BE49-F238E27FC236}">
-                <a16:creationId xmlns:a16="http://schemas.microsoft.com/office/drawing/2014/main" id="{805B7CAF-EF62-4E10-9E88-6FD06BD494FD}"/>
-              </a:ext>
-            </a:extLst>
-          </p:cNvPr>
-          <p:cNvPicPr>
-            <a:picLocks noChangeAspect="1"/>
-          </p:cNvPicPr>
-          <p:nvPr/>
-        </p:nvPicPr>
-        <p:blipFill>
-          <a:blip r:embed="rId24">
-            <a:extLst>
-              <a:ext uri="{28A0092B-C50C-407E-A947-70E740481C1C}">
-                <a14:useLocalDpi xmlns:a14="http://schemas.microsoft.com/office/drawing/2010/main" val="0"/>
-              </a:ext>
-              <a:ext uri="{837473B0-CC2E-450A-ABE3-18F120FF3D39}">
-                <a1611:picAttrSrcUrl xmlns:a1611="http://schemas.microsoft.com/office/drawing/2016/11/main" r:id="rId25"/>
-              </a:ext>
-            </a:extLst>
-          </a:blip>
-          <a:stretch>
-            <a:fillRect/>
-          </a:stretch>
-        </p:blipFill>
-        <p:spPr>
-          <a:xfrm>
-            <a:off x="2874000" y="1731000"/>
-            <a:ext cx="9144000" cy="6096000"/>
-          </a:xfrm>
-          <a:prstGeom prst="rect">
-            <a:avLst/>
-          </a:prstGeom>
-        </p:spPr>
-      </p:pic>
+              <a:t> The focus was more on concepts and demos are kept simple. </a:t>
+            </a:r>
+          </a:p>
+        </p:txBody>
+      </p:sp>
     </p:spTree>
     <p:extLst>
       <p:ext uri="{BB962C8B-B14F-4D97-AF65-F5344CB8AC3E}">
-        <p14:creationId xmlns:p14="http://schemas.microsoft.com/office/powerpoint/2010/main" val="577690452"/>
+        <p14:creationId xmlns:p14="http://schemas.microsoft.com/office/powerpoint/2010/main" val="2304697054"/>
       </p:ext>
     </p:extLst>
   </p:cSld>
@@ -21035,337 +20836,51 @@
           <a:chExt cx="0" cy="0"/>
         </a:xfrm>
       </p:grpSpPr>
-      <p:sp>
-        <p:nvSpPr>
-          <p:cNvPr id="4" name="Rectangle 3">
-            <a:extLst>
-              <a:ext uri="{FF2B5EF4-FFF2-40B4-BE49-F238E27FC236}">
-                <a16:creationId xmlns:a16="http://schemas.microsoft.com/office/drawing/2014/main" id="{055C22F7-3FD1-4C1B-8D0C-0C2F7FB61DBE}"/>
-              </a:ext>
-            </a:extLst>
-          </p:cNvPr>
-          <p:cNvSpPr/>
+      <p:pic>
+        <p:nvPicPr>
+          <p:cNvPr id="5" name="Picture 4" descr="A red apple on a stack of books&#10;&#10;Description automatically generated with medium confidence">
+            <a:extLst>
+              <a:ext uri="{FF2B5EF4-FFF2-40B4-BE49-F238E27FC236}">
+                <a16:creationId xmlns:a16="http://schemas.microsoft.com/office/drawing/2014/main" id="{81A5933F-DAA0-4AD3-9838-80F463FF8841}"/>
+              </a:ext>
+            </a:extLst>
+          </p:cNvPr>
+          <p:cNvPicPr>
+            <a:picLocks noChangeAspect="1"/>
+          </p:cNvPicPr>
           <p:nvPr/>
-        </p:nvSpPr>
-        <p:spPr>
-          <a:xfrm>
-            <a:off x="0" y="8878"/>
-            <a:ext cx="12183122" cy="497150"/>
+        </p:nvPicPr>
+        <p:blipFill>
+          <a:blip r:embed="rId2">
+            <a:extLst>
+              <a:ext uri="{28A0092B-C50C-407E-A947-70E740481C1C}">
+                <a14:useLocalDpi xmlns:a14="http://schemas.microsoft.com/office/drawing/2010/main" val="0"/>
+              </a:ext>
+              <a:ext uri="{837473B0-CC2E-450A-ABE3-18F120FF3D39}">
+                <a1611:picAttrSrcUrl xmlns:a1611="http://schemas.microsoft.com/office/drawing/2016/11/main" r:id="rId3"/>
+              </a:ext>
+            </a:extLst>
+          </a:blip>
+          <a:stretch>
+            <a:fillRect/>
+          </a:stretch>
+        </p:blipFill>
+        <p:spPr>
+          <a:xfrm>
+            <a:off x="1521714" y="0"/>
+            <a:ext cx="9148572" cy="6858000"/>
           </a:xfrm>
           <a:prstGeom prst="rect">
             <a:avLst/>
           </a:prstGeom>
-          <a:solidFill>
-            <a:srgbClr val="0070C0"/>
-          </a:solidFill>
-        </p:spPr>
-        <p:style>
-          <a:lnRef idx="2">
-            <a:schemeClr val="accent1">
-              <a:shade val="50000"/>
-            </a:schemeClr>
-          </a:lnRef>
-          <a:fillRef idx="1">
-            <a:schemeClr val="accent1"/>
-          </a:fillRef>
-          <a:effectRef idx="0">
-            <a:schemeClr val="accent1"/>
-          </a:effectRef>
-          <a:fontRef idx="minor">
-            <a:schemeClr val="lt1"/>
-          </a:fontRef>
-        </p:style>
-        <p:txBody>
-          <a:bodyPr rtlCol="0" anchor="ctr"/>
-          <a:lstStyle/>
-          <a:p>
-            <a:pPr algn="ctr"/>
-            <a:r>
-              <a:rPr lang="en-US" b="1" dirty="0">
-                <a:latin typeface="Verdana" panose="020B0604030504040204" pitchFamily="34" charset="0"/>
-                <a:ea typeface="Verdana" panose="020B0604030504040204" pitchFamily="34" charset="0"/>
-              </a:rPr>
-              <a:t>Information</a:t>
-            </a:r>
-            <a:endParaRPr lang="en-IN" b="1" dirty="0">
-              <a:latin typeface="Verdana" panose="020B0604030504040204" pitchFamily="34" charset="0"/>
-              <a:ea typeface="Verdana" panose="020B0604030504040204" pitchFamily="34" charset="0"/>
-            </a:endParaRPr>
-          </a:p>
-        </p:txBody>
-      </p:sp>
-      <p:sp>
-        <p:nvSpPr>
-          <p:cNvPr id="7" name="Rectangle 6">
-            <a:extLst>
-              <a:ext uri="{FF2B5EF4-FFF2-40B4-BE49-F238E27FC236}">
-                <a16:creationId xmlns:a16="http://schemas.microsoft.com/office/drawing/2014/main" id="{B10720DE-FD2A-4FE5-B9FB-74854D01A659}"/>
-              </a:ext>
-            </a:extLst>
-          </p:cNvPr>
-          <p:cNvSpPr/>
-          <p:nvPr/>
-        </p:nvSpPr>
-        <p:spPr>
-          <a:xfrm>
-            <a:off x="0" y="3915048"/>
-            <a:ext cx="12183122" cy="57703"/>
-          </a:xfrm>
-          <a:prstGeom prst="rect">
-            <a:avLst/>
-          </a:prstGeom>
-          <a:solidFill>
-            <a:srgbClr val="0070C0"/>
-          </a:solidFill>
-        </p:spPr>
-        <p:style>
-          <a:lnRef idx="2">
-            <a:schemeClr val="accent1">
-              <a:shade val="50000"/>
-            </a:schemeClr>
-          </a:lnRef>
-          <a:fillRef idx="1">
-            <a:schemeClr val="accent1"/>
-          </a:fillRef>
-          <a:effectRef idx="0">
-            <a:schemeClr val="accent1"/>
-          </a:effectRef>
-          <a:fontRef idx="minor">
-            <a:schemeClr val="lt1"/>
-          </a:fontRef>
-        </p:style>
-        <p:txBody>
-          <a:bodyPr rtlCol="0" anchor="ctr"/>
-          <a:lstStyle/>
-          <a:p>
-            <a:pPr algn="ctr"/>
-            <a:endParaRPr lang="en-IN" sz="1000" dirty="0">
-              <a:latin typeface="Verdana" panose="020B0604030504040204" pitchFamily="34" charset="0"/>
-              <a:ea typeface="Verdana" panose="020B0604030504040204" pitchFamily="34" charset="0"/>
-            </a:endParaRPr>
-          </a:p>
-        </p:txBody>
-      </p:sp>
-      <p:sp>
-        <p:nvSpPr>
-          <p:cNvPr id="8" name="Footer Placeholder 7">
-            <a:extLst>
-              <a:ext uri="{FF2B5EF4-FFF2-40B4-BE49-F238E27FC236}">
-                <a16:creationId xmlns:a16="http://schemas.microsoft.com/office/drawing/2014/main" id="{DD2A19CA-EC18-432D-8F8F-17079808F38B}"/>
-              </a:ext>
-            </a:extLst>
-          </p:cNvPr>
-          <p:cNvSpPr>
-            <a:spLocks noGrp="1"/>
-          </p:cNvSpPr>
-          <p:nvPr>
-            <p:ph type="ftr" sz="quarter" idx="11"/>
-          </p:nvPr>
-        </p:nvSpPr>
-        <p:spPr>
-          <a:xfrm>
-            <a:off x="4038600" y="3959376"/>
-            <a:ext cx="4114800" cy="365125"/>
-          </a:xfrm>
-        </p:spPr>
-        <p:txBody>
-          <a:bodyPr/>
-          <a:lstStyle/>
-          <a:p>
-            <a:r>
-              <a:rPr lang="en-IN" b="1" dirty="0">
-                <a:solidFill>
-                  <a:srgbClr val="002060"/>
-                </a:solidFill>
-                <a:latin typeface="Verdana" panose="020B0604030504040204" pitchFamily="34" charset="0"/>
-                <a:ea typeface="Verdana" panose="020B0604030504040204" pitchFamily="34" charset="0"/>
-              </a:rPr>
-              <a:t>30-Apr-2021</a:t>
-            </a:r>
-          </a:p>
-        </p:txBody>
-      </p:sp>
-      <p:sp>
-        <p:nvSpPr>
-          <p:cNvPr id="9" name="Slide Number Placeholder 8">
-            <a:extLst>
-              <a:ext uri="{FF2B5EF4-FFF2-40B4-BE49-F238E27FC236}">
-                <a16:creationId xmlns:a16="http://schemas.microsoft.com/office/drawing/2014/main" id="{8162625C-0B1F-42E0-BE7C-D99A08FED7A3}"/>
-              </a:ext>
-            </a:extLst>
-          </p:cNvPr>
-          <p:cNvSpPr>
-            <a:spLocks noGrp="1"/>
-          </p:cNvSpPr>
-          <p:nvPr>
-            <p:ph type="sldNum" sz="quarter" idx="12"/>
-          </p:nvPr>
-        </p:nvSpPr>
-        <p:spPr>
-          <a:xfrm>
-            <a:off x="8610600" y="3959376"/>
-            <a:ext cx="2743200" cy="365125"/>
-          </a:xfrm>
-        </p:spPr>
-        <p:txBody>
-          <a:bodyPr/>
-          <a:lstStyle/>
-          <a:p>
-            <a:r>
-              <a:rPr lang="en-IN" b="1" dirty="0">
-                <a:solidFill>
-                  <a:srgbClr val="002060"/>
-                </a:solidFill>
-                <a:latin typeface="Verdana" panose="020B0604030504040204" pitchFamily="34" charset="0"/>
-                <a:ea typeface="Verdana" panose="020B0604030504040204" pitchFamily="34" charset="0"/>
-              </a:rPr>
-              <a:t>1</a:t>
-            </a:r>
-          </a:p>
-        </p:txBody>
-      </p:sp>
-      <p:sp>
-        <p:nvSpPr>
-          <p:cNvPr id="12" name="Footer Placeholder 7">
-            <a:extLst>
-              <a:ext uri="{FF2B5EF4-FFF2-40B4-BE49-F238E27FC236}">
-                <a16:creationId xmlns:a16="http://schemas.microsoft.com/office/drawing/2014/main" id="{64C57949-E349-47D3-A505-A098233AF49D}"/>
-              </a:ext>
-            </a:extLst>
-          </p:cNvPr>
-          <p:cNvSpPr txBox="1">
-            <a:spLocks/>
-          </p:cNvSpPr>
-          <p:nvPr/>
-        </p:nvSpPr>
-        <p:spPr>
-          <a:xfrm>
-            <a:off x="133897" y="3960850"/>
-            <a:ext cx="4114800" cy="365125"/>
-          </a:xfrm>
-          <a:prstGeom prst="rect">
-            <a:avLst/>
-          </a:prstGeom>
-        </p:spPr>
-        <p:txBody>
-          <a:bodyPr vert="horz" lIns="91440" tIns="45720" rIns="91440" bIns="45720" rtlCol="0" anchor="ctr"/>
-          <a:lstStyle>
-            <a:defPPr>
-              <a:defRPr lang="en-US"/>
-            </a:defPPr>
-            <a:lvl1pPr marL="0" algn="ctr" defTabSz="914400" rtl="0" eaLnBrk="1" latinLnBrk="0" hangingPunct="1">
-              <a:defRPr sz="1200" kern="1200">
-                <a:solidFill>
-                  <a:schemeClr val="tx1">
-                    <a:tint val="75000"/>
-                  </a:schemeClr>
-                </a:solidFill>
-                <a:latin typeface="+mn-lt"/>
-                <a:ea typeface="+mn-ea"/>
-                <a:cs typeface="+mn-cs"/>
-              </a:defRPr>
-            </a:lvl1pPr>
-            <a:lvl2pPr marL="457200" algn="l" defTabSz="914400" rtl="0" eaLnBrk="1" latinLnBrk="0" hangingPunct="1">
-              <a:defRPr sz="1800" kern="1200">
-                <a:solidFill>
-                  <a:schemeClr val="tx1"/>
-                </a:solidFill>
-                <a:latin typeface="+mn-lt"/>
-                <a:ea typeface="+mn-ea"/>
-                <a:cs typeface="+mn-cs"/>
-              </a:defRPr>
-            </a:lvl2pPr>
-            <a:lvl3pPr marL="914400" algn="l" defTabSz="914400" rtl="0" eaLnBrk="1" latinLnBrk="0" hangingPunct="1">
-              <a:defRPr sz="1800" kern="1200">
-                <a:solidFill>
-                  <a:schemeClr val="tx1"/>
-                </a:solidFill>
-                <a:latin typeface="+mn-lt"/>
-                <a:ea typeface="+mn-ea"/>
-                <a:cs typeface="+mn-cs"/>
-              </a:defRPr>
-            </a:lvl3pPr>
-            <a:lvl4pPr marL="1371600" algn="l" defTabSz="914400" rtl="0" eaLnBrk="1" latinLnBrk="0" hangingPunct="1">
-              <a:defRPr sz="1800" kern="1200">
-                <a:solidFill>
-                  <a:schemeClr val="tx1"/>
-                </a:solidFill>
-                <a:latin typeface="+mn-lt"/>
-                <a:ea typeface="+mn-ea"/>
-                <a:cs typeface="+mn-cs"/>
-              </a:defRPr>
-            </a:lvl4pPr>
-            <a:lvl5pPr marL="1828800" algn="l" defTabSz="914400" rtl="0" eaLnBrk="1" latinLnBrk="0" hangingPunct="1">
-              <a:defRPr sz="1800" kern="1200">
-                <a:solidFill>
-                  <a:schemeClr val="tx1"/>
-                </a:solidFill>
-                <a:latin typeface="+mn-lt"/>
-                <a:ea typeface="+mn-ea"/>
-                <a:cs typeface="+mn-cs"/>
-              </a:defRPr>
-            </a:lvl5pPr>
-            <a:lvl6pPr marL="2286000" algn="l" defTabSz="914400" rtl="0" eaLnBrk="1" latinLnBrk="0" hangingPunct="1">
-              <a:defRPr sz="1800" kern="1200">
-                <a:solidFill>
-                  <a:schemeClr val="tx1"/>
-                </a:solidFill>
-                <a:latin typeface="+mn-lt"/>
-                <a:ea typeface="+mn-ea"/>
-                <a:cs typeface="+mn-cs"/>
-              </a:defRPr>
-            </a:lvl6pPr>
-            <a:lvl7pPr marL="2743200" algn="l" defTabSz="914400" rtl="0" eaLnBrk="1" latinLnBrk="0" hangingPunct="1">
-              <a:defRPr sz="1800" kern="1200">
-                <a:solidFill>
-                  <a:schemeClr val="tx1"/>
-                </a:solidFill>
-                <a:latin typeface="+mn-lt"/>
-                <a:ea typeface="+mn-ea"/>
-                <a:cs typeface="+mn-cs"/>
-              </a:defRPr>
-            </a:lvl7pPr>
-            <a:lvl8pPr marL="3200400" algn="l" defTabSz="914400" rtl="0" eaLnBrk="1" latinLnBrk="0" hangingPunct="1">
-              <a:defRPr sz="1800" kern="1200">
-                <a:solidFill>
-                  <a:schemeClr val="tx1"/>
-                </a:solidFill>
-                <a:latin typeface="+mn-lt"/>
-                <a:ea typeface="+mn-ea"/>
-                <a:cs typeface="+mn-cs"/>
-              </a:defRPr>
-            </a:lvl8pPr>
-            <a:lvl9pPr marL="3657600" algn="l" defTabSz="914400" rtl="0" eaLnBrk="1" latinLnBrk="0" hangingPunct="1">
-              <a:defRPr sz="1800" kern="1200">
-                <a:solidFill>
-                  <a:schemeClr val="tx1"/>
-                </a:solidFill>
-                <a:latin typeface="+mn-lt"/>
-                <a:ea typeface="+mn-ea"/>
-                <a:cs typeface="+mn-cs"/>
-              </a:defRPr>
-            </a:lvl9pPr>
-          </a:lstStyle>
-          <a:p>
-            <a:r>
-              <a:rPr lang="en-IN" b="1" dirty="0">
-                <a:solidFill>
-                  <a:srgbClr val="002060"/>
-                </a:solidFill>
-                <a:latin typeface="Verdana" panose="020B0604030504040204" pitchFamily="34" charset="0"/>
-                <a:ea typeface="Verdana" panose="020B0604030504040204" pitchFamily="34" charset="0"/>
-              </a:rPr>
-              <a:t>AIS</a:t>
-            </a:r>
-          </a:p>
-        </p:txBody>
-      </p:sp>
-      <p:sp>
-        <p:nvSpPr>
-          <p:cNvPr id="10" name="TextBox 9">
-            <a:extLst>
-              <a:ext uri="{FF2B5EF4-FFF2-40B4-BE49-F238E27FC236}">
-                <a16:creationId xmlns:a16="http://schemas.microsoft.com/office/drawing/2014/main" id="{19953791-0C49-4113-A95A-639979BFF9A6}"/>
+        </p:spPr>
+      </p:pic>
+      <p:sp>
+        <p:nvSpPr>
+          <p:cNvPr id="6" name="TextBox 5">
+            <a:extLst>
+              <a:ext uri="{FF2B5EF4-FFF2-40B4-BE49-F238E27FC236}">
+                <a16:creationId xmlns:a16="http://schemas.microsoft.com/office/drawing/2014/main" id="{A3E95AFB-5E75-4C67-832D-11F336889263}"/>
               </a:ext>
             </a:extLst>
           </p:cNvPr>
@@ -21374,8 +20889,8 @@
         </p:nvSpPr>
         <p:spPr>
           <a:xfrm>
-            <a:off x="80629" y="557824"/>
-            <a:ext cx="12037390" cy="2800062"/>
+            <a:off x="1521714" y="6858000"/>
+            <a:ext cx="9148572" cy="230832"/>
           </a:xfrm>
           <a:prstGeom prst="rect">
             <a:avLst/>
@@ -21388,135 +20903,621 @@
           </a:bodyPr>
           <a:lstStyle/>
           <a:p>
-            <a:pPr marL="628650" lvl="1" indent="-171450">
-              <a:lnSpc>
-                <a:spcPct val="150000"/>
-              </a:lnSpc>
-              <a:buFont typeface="Wingdings" panose="05000000000000000000" pitchFamily="2" charset="2"/>
-              <a:buChar char="Ø"/>
-            </a:pPr>
-            <a:r>
-              <a:rPr lang="en-US" sz="2000" dirty="0">
-                <a:solidFill>
-                  <a:srgbClr val="002060"/>
-                </a:solidFill>
-                <a:latin typeface="Verdana" panose="020B0604030504040204" pitchFamily="34" charset="0"/>
-                <a:ea typeface="Verdana" panose="020B0604030504040204" pitchFamily="34" charset="0"/>
+            <a:r>
+              <a:rPr lang="en-US" sz="900">
+                <a:hlinkClick r:id="rId3" tooltip="https://freephotoshop.org/2011/01/apple-and-books-free-picture/"/>
               </a:rPr>
-              <a:t> All the sessions will be hands on.</a:t>
-            </a:r>
-          </a:p>
-          <a:p>
-            <a:pPr marL="628650" lvl="1" indent="-171450">
-              <a:lnSpc>
-                <a:spcPct val="150000"/>
-              </a:lnSpc>
-              <a:buFont typeface="Wingdings" panose="05000000000000000000" pitchFamily="2" charset="2"/>
-              <a:buChar char="Ø"/>
-            </a:pPr>
-            <a:r>
-              <a:rPr lang="en-US" sz="2000" dirty="0">
-                <a:solidFill>
-                  <a:srgbClr val="002060"/>
-                </a:solidFill>
-                <a:latin typeface="Verdana" panose="020B0604030504040204" pitchFamily="34" charset="0"/>
-                <a:ea typeface="Verdana" panose="020B0604030504040204" pitchFamily="34" charset="0"/>
+              <a:t>This Photo</a:t>
+            </a:r>
+            <a:r>
+              <a:rPr lang="en-US" sz="900"/>
+              <a:t> by Unknown Author is licensed under </a:t>
+            </a:r>
+            <a:r>
+              <a:rPr lang="en-US" sz="900">
+                <a:hlinkClick r:id="rId4" tooltip="https://creativecommons.org/licenses/by/3.0/"/>
               </a:rPr>
-              <a:t> Will have parking lots for queries and other topics.</a:t>
-            </a:r>
-          </a:p>
-          <a:p>
-            <a:pPr marL="628650" lvl="1" indent="-171450">
-              <a:lnSpc>
-                <a:spcPct val="150000"/>
-              </a:lnSpc>
-              <a:buFont typeface="Wingdings" panose="05000000000000000000" pitchFamily="2" charset="2"/>
-              <a:buChar char="Ø"/>
-            </a:pPr>
-            <a:r>
-              <a:rPr lang="en-US" sz="2000" dirty="0">
-                <a:solidFill>
-                  <a:srgbClr val="002060"/>
-                </a:solidFill>
-                <a:latin typeface="Verdana" panose="020B0604030504040204" pitchFamily="34" charset="0"/>
-                <a:ea typeface="Verdana" panose="020B0604030504040204" pitchFamily="34" charset="0"/>
+              <a:t>CC BY</a:t>
+            </a:r>
+            <a:endParaRPr lang="en-US" sz="900"/>
+          </a:p>
+        </p:txBody>
+      </p:sp>
+      <p:pic>
+        <p:nvPicPr>
+          <p:cNvPr id="8" name="Picture 7" descr="A group of books on a table&#10;&#10;Description automatically generated with medium confidence">
+            <a:extLst>
+              <a:ext uri="{FF2B5EF4-FFF2-40B4-BE49-F238E27FC236}">
+                <a16:creationId xmlns:a16="http://schemas.microsoft.com/office/drawing/2014/main" id="{3EDD19C3-E954-4988-81B1-6B6232561BF1}"/>
+              </a:ext>
+            </a:extLst>
+          </p:cNvPr>
+          <p:cNvPicPr>
+            <a:picLocks noChangeAspect="1"/>
+          </p:cNvPicPr>
+          <p:nvPr/>
+        </p:nvPicPr>
+        <p:blipFill>
+          <a:blip r:embed="rId5">
+            <a:extLst>
+              <a:ext uri="{28A0092B-C50C-407E-A947-70E740481C1C}">
+                <a14:useLocalDpi xmlns:a14="http://schemas.microsoft.com/office/drawing/2010/main" val="0"/>
+              </a:ext>
+              <a:ext uri="{837473B0-CC2E-450A-ABE3-18F120FF3D39}">
+                <a1611:picAttrSrcUrl xmlns:a1611="http://schemas.microsoft.com/office/drawing/2016/11/main" r:id="rId6"/>
+              </a:ext>
+            </a:extLst>
+          </a:blip>
+          <a:stretch>
+            <a:fillRect/>
+          </a:stretch>
+        </p:blipFill>
+        <p:spPr>
+          <a:xfrm>
+            <a:off x="1674000" y="531000"/>
+            <a:ext cx="9144000" cy="6096000"/>
+          </a:xfrm>
+          <a:prstGeom prst="rect">
+            <a:avLst/>
+          </a:prstGeom>
+        </p:spPr>
+      </p:pic>
+      <p:pic>
+        <p:nvPicPr>
+          <p:cNvPr id="10" name="Picture 9" descr="A stack of books on a table&#10;&#10;Description automatically generated with medium confidence">
+            <a:extLst>
+              <a:ext uri="{FF2B5EF4-FFF2-40B4-BE49-F238E27FC236}">
+                <a16:creationId xmlns:a16="http://schemas.microsoft.com/office/drawing/2014/main" id="{16AA303E-7DF5-460E-816B-6A2E3232DF43}"/>
+              </a:ext>
+            </a:extLst>
+          </p:cNvPr>
+          <p:cNvPicPr>
+            <a:picLocks noChangeAspect="1"/>
+          </p:cNvPicPr>
+          <p:nvPr/>
+        </p:nvPicPr>
+        <p:blipFill>
+          <a:blip r:embed="rId7">
+            <a:extLst>
+              <a:ext uri="{28A0092B-C50C-407E-A947-70E740481C1C}">
+                <a14:useLocalDpi xmlns:a14="http://schemas.microsoft.com/office/drawing/2010/main" val="0"/>
+              </a:ext>
+              <a:ext uri="{837473B0-CC2E-450A-ABE3-18F120FF3D39}">
+                <a1611:picAttrSrcUrl xmlns:a1611="http://schemas.microsoft.com/office/drawing/2016/11/main" r:id="rId8"/>
+              </a:ext>
+            </a:extLst>
+          </a:blip>
+          <a:stretch>
+            <a:fillRect/>
+          </a:stretch>
+        </p:blipFill>
+        <p:spPr>
+          <a:xfrm>
+            <a:off x="1519200" y="485737"/>
+            <a:ext cx="9753600" cy="6486525"/>
+          </a:xfrm>
+          <a:prstGeom prst="rect">
+            <a:avLst/>
+          </a:prstGeom>
+        </p:spPr>
+      </p:pic>
+      <p:sp>
+        <p:nvSpPr>
+          <p:cNvPr id="11" name="TextBox 10">
+            <a:extLst>
+              <a:ext uri="{FF2B5EF4-FFF2-40B4-BE49-F238E27FC236}">
+                <a16:creationId xmlns:a16="http://schemas.microsoft.com/office/drawing/2014/main" id="{FACF8A59-DE2B-4F4F-B5A6-FD9D98DB63ED}"/>
+              </a:ext>
+            </a:extLst>
+          </p:cNvPr>
+          <p:cNvSpPr txBox="1"/>
+          <p:nvPr/>
+        </p:nvSpPr>
+        <p:spPr>
+          <a:xfrm>
+            <a:off x="1519200" y="6972262"/>
+            <a:ext cx="9753600" cy="230832"/>
+          </a:xfrm>
+          <a:prstGeom prst="rect">
+            <a:avLst/>
+          </a:prstGeom>
+          <a:noFill/>
+        </p:spPr>
+        <p:txBody>
+          <a:bodyPr wrap="square" rtlCol="0">
+            <a:spAutoFit/>
+          </a:bodyPr>
+          <a:lstStyle/>
+          <a:p>
+            <a:r>
+              <a:rPr lang="en-US" sz="900">
+                <a:hlinkClick r:id="rId8" tooltip="http://www.flickr.com/photos/ccacnorthlib/4131838228"/>
               </a:rPr>
-              <a:t> Some of the concepts we will introduced and revisited in next sessions.</a:t>
-            </a:r>
-          </a:p>
-          <a:p>
-            <a:pPr marL="628650" lvl="1" indent="-171450">
-              <a:lnSpc>
-                <a:spcPct val="150000"/>
-              </a:lnSpc>
-              <a:buFont typeface="Wingdings" panose="05000000000000000000" pitchFamily="2" charset="2"/>
-              <a:buChar char="Ø"/>
-            </a:pPr>
-            <a:r>
-              <a:rPr lang="en-US" sz="2000" dirty="0">
-                <a:solidFill>
-                  <a:srgbClr val="002060"/>
-                </a:solidFill>
-                <a:latin typeface="Verdana" panose="020B0604030504040204" pitchFamily="34" charset="0"/>
-                <a:ea typeface="Verdana" panose="020B0604030504040204" pitchFamily="34" charset="0"/>
+              <a:t>This Photo</a:t>
+            </a:r>
+            <a:r>
+              <a:rPr lang="en-US" sz="900"/>
+              <a:t> by Unknown Author is licensed under </a:t>
+            </a:r>
+            <a:r>
+              <a:rPr lang="en-US" sz="900">
+                <a:hlinkClick r:id="rId4" tooltip="https://creativecommons.org/licenses/by/3.0/"/>
               </a:rPr>
-              <a:t> There are multiple ways to do, we will use one of the ways.</a:t>
-            </a:r>
-          </a:p>
-          <a:p>
-            <a:pPr marL="628650" lvl="1" indent="-171450">
-              <a:lnSpc>
-                <a:spcPct val="150000"/>
-              </a:lnSpc>
-              <a:buFont typeface="Wingdings" panose="05000000000000000000" pitchFamily="2" charset="2"/>
-              <a:buChar char="Ø"/>
-            </a:pPr>
-            <a:r>
-              <a:rPr lang="en-US" sz="2000" dirty="0">
-                <a:solidFill>
-                  <a:srgbClr val="002060"/>
-                </a:solidFill>
-                <a:latin typeface="Verdana" panose="020B0604030504040204" pitchFamily="34" charset="0"/>
-                <a:ea typeface="Verdana" panose="020B0604030504040204" pitchFamily="34" charset="0"/>
+              <a:t>CC BY</a:t>
+            </a:r>
+            <a:endParaRPr lang="en-US" sz="900"/>
+          </a:p>
+        </p:txBody>
+      </p:sp>
+      <p:pic>
+        <p:nvPicPr>
+          <p:cNvPr id="13" name="Picture 12" descr="A stack of books&#10;&#10;Description automatically generated with medium confidence">
+            <a:extLst>
+              <a:ext uri="{FF2B5EF4-FFF2-40B4-BE49-F238E27FC236}">
+                <a16:creationId xmlns:a16="http://schemas.microsoft.com/office/drawing/2014/main" id="{2FF84994-5AF6-4A1E-9F8B-231343FFBED1}"/>
+              </a:ext>
+            </a:extLst>
+          </p:cNvPr>
+          <p:cNvPicPr>
+            <a:picLocks noChangeAspect="1"/>
+          </p:cNvPicPr>
+          <p:nvPr/>
+        </p:nvPicPr>
+        <p:blipFill>
+          <a:blip r:embed="rId9">
+            <a:extLst>
+              <a:ext uri="{28A0092B-C50C-407E-A947-70E740481C1C}">
+                <a14:useLocalDpi xmlns:a14="http://schemas.microsoft.com/office/drawing/2010/main" val="0"/>
+              </a:ext>
+              <a:ext uri="{837473B0-CC2E-450A-ABE3-18F120FF3D39}">
+                <a1611:picAttrSrcUrl xmlns:a1611="http://schemas.microsoft.com/office/drawing/2016/11/main" r:id="rId10"/>
+              </a:ext>
+            </a:extLst>
+          </a:blip>
+          <a:stretch>
+            <a:fillRect/>
+          </a:stretch>
+        </p:blipFill>
+        <p:spPr>
+          <a:xfrm>
+            <a:off x="3117000" y="450000"/>
+            <a:ext cx="6858000" cy="6858000"/>
+          </a:xfrm>
+          <a:prstGeom prst="rect">
+            <a:avLst/>
+          </a:prstGeom>
+        </p:spPr>
+      </p:pic>
+      <p:sp>
+        <p:nvSpPr>
+          <p:cNvPr id="14" name="TextBox 13">
+            <a:extLst>
+              <a:ext uri="{FF2B5EF4-FFF2-40B4-BE49-F238E27FC236}">
+                <a16:creationId xmlns:a16="http://schemas.microsoft.com/office/drawing/2014/main" id="{0FF79CCC-4992-451C-8129-3FEBE66F754B}"/>
+              </a:ext>
+            </a:extLst>
+          </p:cNvPr>
+          <p:cNvSpPr txBox="1"/>
+          <p:nvPr/>
+        </p:nvSpPr>
+        <p:spPr>
+          <a:xfrm>
+            <a:off x="3117000" y="7308000"/>
+            <a:ext cx="6858000" cy="230832"/>
+          </a:xfrm>
+          <a:prstGeom prst="rect">
+            <a:avLst/>
+          </a:prstGeom>
+          <a:noFill/>
+        </p:spPr>
+        <p:txBody>
+          <a:bodyPr wrap="square" rtlCol="0">
+            <a:spAutoFit/>
+          </a:bodyPr>
+          <a:lstStyle/>
+          <a:p>
+            <a:r>
+              <a:rPr lang="en-US" sz="900">
+                <a:hlinkClick r:id="rId10" tooltip="http://saltyselections.blogspot.com/2010/06/ufo-search-engine-ebooks-manuals.html"/>
               </a:rPr>
-              <a:t> The focus was more on concepts and demos are kept simple. </a:t>
-            </a:r>
-          </a:p>
-          <a:p>
-            <a:pPr marL="628650" lvl="1" indent="-171450">
-              <a:lnSpc>
-                <a:spcPct val="150000"/>
-              </a:lnSpc>
-              <a:buFont typeface="Wingdings" panose="05000000000000000000" pitchFamily="2" charset="2"/>
-              <a:buChar char="Ø"/>
-            </a:pPr>
-            <a:r>
-              <a:rPr lang="en-US" sz="2000" dirty="0">
-                <a:solidFill>
-                  <a:srgbClr val="00B0F0"/>
-                </a:solidFill>
-                <a:latin typeface="Verdana" panose="020B0604030504040204" pitchFamily="34" charset="0"/>
-                <a:ea typeface="Verdana" panose="020B0604030504040204" pitchFamily="34" charset="0"/>
+              <a:t>This Photo</a:t>
+            </a:r>
+            <a:r>
+              <a:rPr lang="en-US" sz="900"/>
+              <a:t> by Unknown Author is licensed under </a:t>
+            </a:r>
+            <a:r>
+              <a:rPr lang="en-US" sz="900">
+                <a:hlinkClick r:id="rId11" tooltip="https://creativecommons.org/licenses/by-sa/3.0/"/>
               </a:rPr>
-              <a:t> </a:t>
-            </a:r>
-            <a:r>
-              <a:rPr lang="en-US" sz="2000" dirty="0">
-                <a:solidFill>
-                  <a:srgbClr val="0070C0"/>
-                </a:solidFill>
-                <a:latin typeface="Verdana" panose="020B0604030504040204" pitchFamily="34" charset="0"/>
-                <a:ea typeface="Verdana" panose="020B0604030504040204" pitchFamily="34" charset="0"/>
+              <a:t>CC BY-SA</a:t>
+            </a:r>
+            <a:endParaRPr lang="en-US" sz="900"/>
+          </a:p>
+        </p:txBody>
+      </p:sp>
+      <p:pic>
+        <p:nvPicPr>
+          <p:cNvPr id="16" name="Picture 15" descr="A stack of books&#10;&#10;Description automatically generated">
+            <a:extLst>
+              <a:ext uri="{FF2B5EF4-FFF2-40B4-BE49-F238E27FC236}">
+                <a16:creationId xmlns:a16="http://schemas.microsoft.com/office/drawing/2014/main" id="{22A0A9FF-6A48-4BB2-8398-5E1AC620F676}"/>
+              </a:ext>
+            </a:extLst>
+          </p:cNvPr>
+          <p:cNvPicPr>
+            <a:picLocks noChangeAspect="1"/>
+          </p:cNvPicPr>
+          <p:nvPr/>
+        </p:nvPicPr>
+        <p:blipFill>
+          <a:blip r:embed="rId12">
+            <a:extLst>
+              <a:ext uri="{28A0092B-C50C-407E-A947-70E740481C1C}">
+                <a14:useLocalDpi xmlns:a14="http://schemas.microsoft.com/office/drawing/2010/main" val="0"/>
+              </a:ext>
+              <a:ext uri="{837473B0-CC2E-450A-ABE3-18F120FF3D39}">
+                <a1611:picAttrSrcUrl xmlns:a1611="http://schemas.microsoft.com/office/drawing/2016/11/main" r:id="rId13"/>
+              </a:ext>
+            </a:extLst>
+          </a:blip>
+          <a:stretch>
+            <a:fillRect/>
+          </a:stretch>
+        </p:blipFill>
+        <p:spPr>
+          <a:xfrm>
+            <a:off x="5119612" y="1743000"/>
+            <a:ext cx="3152775" cy="4572000"/>
+          </a:xfrm>
+          <a:prstGeom prst="rect">
+            <a:avLst/>
+          </a:prstGeom>
+        </p:spPr>
+      </p:pic>
+      <p:sp>
+        <p:nvSpPr>
+          <p:cNvPr id="17" name="TextBox 16">
+            <a:extLst>
+              <a:ext uri="{FF2B5EF4-FFF2-40B4-BE49-F238E27FC236}">
+                <a16:creationId xmlns:a16="http://schemas.microsoft.com/office/drawing/2014/main" id="{59B989B0-5387-46A6-B558-3F6EA5738327}"/>
+              </a:ext>
+            </a:extLst>
+          </p:cNvPr>
+          <p:cNvSpPr txBox="1"/>
+          <p:nvPr/>
+        </p:nvSpPr>
+        <p:spPr>
+          <a:xfrm>
+            <a:off x="5119612" y="6315000"/>
+            <a:ext cx="3152775" cy="230832"/>
+          </a:xfrm>
+          <a:prstGeom prst="rect">
+            <a:avLst/>
+          </a:prstGeom>
+          <a:noFill/>
+        </p:spPr>
+        <p:txBody>
+          <a:bodyPr wrap="square" rtlCol="0">
+            <a:spAutoFit/>
+          </a:bodyPr>
+          <a:lstStyle/>
+          <a:p>
+            <a:r>
+              <a:rPr lang="en-US" sz="900">
+                <a:hlinkClick r:id="rId13" tooltip="http://englishedrissis.blogspot.com/2011/04/world-book-day.html"/>
               </a:rPr>
-              <a:t>I am still a learner. What!!! … wait … Yes, I am still a learner.</a:t>
-            </a:r>
-          </a:p>
-        </p:txBody>
-      </p:sp>
+              <a:t>This Photo</a:t>
+            </a:r>
+            <a:r>
+              <a:rPr lang="en-US" sz="900"/>
+              <a:t> by Unknown Author is licensed under </a:t>
+            </a:r>
+            <a:r>
+              <a:rPr lang="en-US" sz="900">
+                <a:hlinkClick r:id="rId14" tooltip="https://creativecommons.org/licenses/by-nc-sa/3.0/"/>
+              </a:rPr>
+              <a:t>CC BY-SA-NC</a:t>
+            </a:r>
+            <a:endParaRPr lang="en-US" sz="900"/>
+          </a:p>
+        </p:txBody>
+      </p:sp>
+      <p:pic>
+        <p:nvPicPr>
+          <p:cNvPr id="19" name="Picture 18" descr="A pile of colored pencils&#10;&#10;Description automatically generated with low confidence">
+            <a:extLst>
+              <a:ext uri="{FF2B5EF4-FFF2-40B4-BE49-F238E27FC236}">
+                <a16:creationId xmlns:a16="http://schemas.microsoft.com/office/drawing/2014/main" id="{4AA73D39-9B74-4853-92B4-A635E4357914}"/>
+              </a:ext>
+            </a:extLst>
+          </p:cNvPr>
+          <p:cNvPicPr>
+            <a:picLocks noChangeAspect="1"/>
+          </p:cNvPicPr>
+          <p:nvPr/>
+        </p:nvPicPr>
+        <p:blipFill>
+          <a:blip r:embed="rId15">
+            <a:extLst>
+              <a:ext uri="{28A0092B-C50C-407E-A947-70E740481C1C}">
+                <a14:useLocalDpi xmlns:a14="http://schemas.microsoft.com/office/drawing/2010/main" val="0"/>
+              </a:ext>
+              <a:ext uri="{837473B0-CC2E-450A-ABE3-18F120FF3D39}">
+                <a1611:picAttrSrcUrl xmlns:a1611="http://schemas.microsoft.com/office/drawing/2016/11/main" r:id="rId16"/>
+              </a:ext>
+            </a:extLst>
+          </a:blip>
+          <a:stretch>
+            <a:fillRect/>
+          </a:stretch>
+        </p:blipFill>
+        <p:spPr>
+          <a:xfrm>
+            <a:off x="4667950" y="1956500"/>
+            <a:ext cx="4356100" cy="4445000"/>
+          </a:xfrm>
+          <a:prstGeom prst="rect">
+            <a:avLst/>
+          </a:prstGeom>
+        </p:spPr>
+      </p:pic>
+      <p:sp>
+        <p:nvSpPr>
+          <p:cNvPr id="20" name="TextBox 19">
+            <a:extLst>
+              <a:ext uri="{FF2B5EF4-FFF2-40B4-BE49-F238E27FC236}">
+                <a16:creationId xmlns:a16="http://schemas.microsoft.com/office/drawing/2014/main" id="{4AAB6739-7C74-4BB8-9E4D-0838BC8CD672}"/>
+              </a:ext>
+            </a:extLst>
+          </p:cNvPr>
+          <p:cNvSpPr txBox="1"/>
+          <p:nvPr/>
+        </p:nvSpPr>
+        <p:spPr>
+          <a:xfrm>
+            <a:off x="4667950" y="6401500"/>
+            <a:ext cx="4356100" cy="230832"/>
+          </a:xfrm>
+          <a:prstGeom prst="rect">
+            <a:avLst/>
+          </a:prstGeom>
+          <a:noFill/>
+        </p:spPr>
+        <p:txBody>
+          <a:bodyPr wrap="square" rtlCol="0">
+            <a:spAutoFit/>
+          </a:bodyPr>
+          <a:lstStyle/>
+          <a:p>
+            <a:r>
+              <a:rPr lang="en-US" sz="900">
+                <a:hlinkClick r:id="rId16" tooltip="http://myedmondsnews.com/2011/12/edmonds-booktalk-my-nine-favorite-books-of-the-year/"/>
+              </a:rPr>
+              <a:t>This Photo</a:t>
+            </a:r>
+            <a:r>
+              <a:rPr lang="en-US" sz="900"/>
+              <a:t> by Unknown Author is licensed under </a:t>
+            </a:r>
+            <a:r>
+              <a:rPr lang="en-US" sz="900">
+                <a:hlinkClick r:id="rId4" tooltip="https://creativecommons.org/licenses/by/3.0/"/>
+              </a:rPr>
+              <a:t>CC BY</a:t>
+            </a:r>
+            <a:endParaRPr lang="en-US" sz="900"/>
+          </a:p>
+        </p:txBody>
+      </p:sp>
+      <p:pic>
+        <p:nvPicPr>
+          <p:cNvPr id="22" name="Picture 21" descr="A stack of books&#10;&#10;Description automatically generated with medium confidence">
+            <a:extLst>
+              <a:ext uri="{FF2B5EF4-FFF2-40B4-BE49-F238E27FC236}">
+                <a16:creationId xmlns:a16="http://schemas.microsoft.com/office/drawing/2014/main" id="{3785DD88-AC2F-4222-BD7F-E398E81B4A93}"/>
+              </a:ext>
+            </a:extLst>
+          </p:cNvPr>
+          <p:cNvPicPr>
+            <a:picLocks noChangeAspect="1"/>
+          </p:cNvPicPr>
+          <p:nvPr/>
+        </p:nvPicPr>
+        <p:blipFill>
+          <a:blip r:embed="rId17">
+            <a:extLst>
+              <a:ext uri="{28A0092B-C50C-407E-A947-70E740481C1C}">
+                <a14:useLocalDpi xmlns:a14="http://schemas.microsoft.com/office/drawing/2010/main" val="0"/>
+              </a:ext>
+              <a:ext uri="{837473B0-CC2E-450A-ABE3-18F120FF3D39}">
+                <a1611:picAttrSrcUrl xmlns:a1611="http://schemas.microsoft.com/office/drawing/2016/11/main" r:id="rId18"/>
+              </a:ext>
+            </a:extLst>
+          </a:blip>
+          <a:stretch>
+            <a:fillRect/>
+          </a:stretch>
+        </p:blipFill>
+        <p:spPr>
+          <a:xfrm>
+            <a:off x="2422241" y="900000"/>
+            <a:ext cx="9147517" cy="6858000"/>
+          </a:xfrm>
+          <a:prstGeom prst="rect">
+            <a:avLst/>
+          </a:prstGeom>
+        </p:spPr>
+      </p:pic>
+      <p:pic>
+        <p:nvPicPr>
+          <p:cNvPr id="24" name="Picture 23" descr="A stack of books&#10;&#10;Description automatically generated">
+            <a:extLst>
+              <a:ext uri="{FF2B5EF4-FFF2-40B4-BE49-F238E27FC236}">
+                <a16:creationId xmlns:a16="http://schemas.microsoft.com/office/drawing/2014/main" id="{2FCC35E6-23C1-4008-826D-FF18F375781E}"/>
+              </a:ext>
+            </a:extLst>
+          </p:cNvPr>
+          <p:cNvPicPr>
+            <a:picLocks noChangeAspect="1"/>
+          </p:cNvPicPr>
+          <p:nvPr/>
+        </p:nvPicPr>
+        <p:blipFill>
+          <a:blip r:embed="rId19">
+            <a:extLst>
+              <a:ext uri="{28A0092B-C50C-407E-A947-70E740481C1C}">
+                <a14:useLocalDpi xmlns:a14="http://schemas.microsoft.com/office/drawing/2010/main" val="0"/>
+              </a:ext>
+              <a:ext uri="{837473B0-CC2E-450A-ABE3-18F120FF3D39}">
+                <a1611:picAttrSrcUrl xmlns:a1611="http://schemas.microsoft.com/office/drawing/2016/11/main" r:id="rId20"/>
+              </a:ext>
+            </a:extLst>
+          </a:blip>
+          <a:stretch>
+            <a:fillRect/>
+          </a:stretch>
+        </p:blipFill>
+        <p:spPr>
+          <a:xfrm>
+            <a:off x="2574000" y="1050000"/>
+            <a:ext cx="9144000" cy="6858000"/>
+          </a:xfrm>
+          <a:prstGeom prst="rect">
+            <a:avLst/>
+          </a:prstGeom>
+        </p:spPr>
+      </p:pic>
+      <p:pic>
+        <p:nvPicPr>
+          <p:cNvPr id="26" name="Picture 25" descr="A stack of books&#10;&#10;Description automatically generated with low confidence">
+            <a:extLst>
+              <a:ext uri="{FF2B5EF4-FFF2-40B4-BE49-F238E27FC236}">
+                <a16:creationId xmlns:a16="http://schemas.microsoft.com/office/drawing/2014/main" id="{EB873B45-6534-426C-8AB5-B4D7A9AB0737}"/>
+              </a:ext>
+            </a:extLst>
+          </p:cNvPr>
+          <p:cNvPicPr>
+            <a:picLocks noChangeAspect="1"/>
+          </p:cNvPicPr>
+          <p:nvPr/>
+        </p:nvPicPr>
+        <p:blipFill>
+          <a:blip r:embed="rId21">
+            <a:extLst>
+              <a:ext uri="{28A0092B-C50C-407E-A947-70E740481C1C}">
+                <a14:useLocalDpi xmlns:a14="http://schemas.microsoft.com/office/drawing/2010/main" val="0"/>
+              </a:ext>
+              <a:ext uri="{837473B0-CC2E-450A-ABE3-18F120FF3D39}">
+                <a1611:picAttrSrcUrl xmlns:a1611="http://schemas.microsoft.com/office/drawing/2016/11/main" r:id="rId22"/>
+              </a:ext>
+            </a:extLst>
+          </a:blip>
+          <a:stretch>
+            <a:fillRect/>
+          </a:stretch>
+        </p:blipFill>
+        <p:spPr>
+          <a:xfrm>
+            <a:off x="4149892" y="1200000"/>
+            <a:ext cx="6292215" cy="6858000"/>
+          </a:xfrm>
+          <a:prstGeom prst="rect">
+            <a:avLst/>
+          </a:prstGeom>
+        </p:spPr>
+      </p:pic>
+      <p:sp>
+        <p:nvSpPr>
+          <p:cNvPr id="27" name="TextBox 26">
+            <a:extLst>
+              <a:ext uri="{FF2B5EF4-FFF2-40B4-BE49-F238E27FC236}">
+                <a16:creationId xmlns:a16="http://schemas.microsoft.com/office/drawing/2014/main" id="{BE69689F-78F0-4557-B17F-535FDE3270AD}"/>
+              </a:ext>
+            </a:extLst>
+          </p:cNvPr>
+          <p:cNvSpPr txBox="1"/>
+          <p:nvPr/>
+        </p:nvSpPr>
+        <p:spPr>
+          <a:xfrm>
+            <a:off x="4149892" y="8058000"/>
+            <a:ext cx="6292215" cy="230832"/>
+          </a:xfrm>
+          <a:prstGeom prst="rect">
+            <a:avLst/>
+          </a:prstGeom>
+          <a:noFill/>
+        </p:spPr>
+        <p:txBody>
+          <a:bodyPr wrap="square" rtlCol="0">
+            <a:spAutoFit/>
+          </a:bodyPr>
+          <a:lstStyle/>
+          <a:p>
+            <a:r>
+              <a:rPr lang="en-US" sz="900">
+                <a:hlinkClick r:id="rId22" tooltip="http://ponderingtwo.blogspot.com/2013/09/seven-books-in-my-to-read-list.html"/>
+              </a:rPr>
+              <a:t>This Photo</a:t>
+            </a:r>
+            <a:r>
+              <a:rPr lang="en-US" sz="900"/>
+              <a:t> by Unknown Author is licensed under </a:t>
+            </a:r>
+            <a:r>
+              <a:rPr lang="en-US" sz="900">
+                <a:hlinkClick r:id="rId23" tooltip="https://creativecommons.org/licenses/by-nc-nd/3.0/"/>
+              </a:rPr>
+              <a:t>CC BY-NC-ND</a:t>
+            </a:r>
+            <a:endParaRPr lang="en-US" sz="900"/>
+          </a:p>
+        </p:txBody>
+      </p:sp>
+      <p:pic>
+        <p:nvPicPr>
+          <p:cNvPr id="29" name="Picture 28">
+            <a:extLst>
+              <a:ext uri="{FF2B5EF4-FFF2-40B4-BE49-F238E27FC236}">
+                <a16:creationId xmlns:a16="http://schemas.microsoft.com/office/drawing/2014/main" id="{805B7CAF-EF62-4E10-9E88-6FD06BD494FD}"/>
+              </a:ext>
+            </a:extLst>
+          </p:cNvPr>
+          <p:cNvPicPr>
+            <a:picLocks noChangeAspect="1"/>
+          </p:cNvPicPr>
+          <p:nvPr/>
+        </p:nvPicPr>
+        <p:blipFill>
+          <a:blip r:embed="rId24">
+            <a:extLst>
+              <a:ext uri="{28A0092B-C50C-407E-A947-70E740481C1C}">
+                <a14:useLocalDpi xmlns:a14="http://schemas.microsoft.com/office/drawing/2010/main" val="0"/>
+              </a:ext>
+              <a:ext uri="{837473B0-CC2E-450A-ABE3-18F120FF3D39}">
+                <a1611:picAttrSrcUrl xmlns:a1611="http://schemas.microsoft.com/office/drawing/2016/11/main" r:id="rId25"/>
+              </a:ext>
+            </a:extLst>
+          </a:blip>
+          <a:stretch>
+            <a:fillRect/>
+          </a:stretch>
+        </p:blipFill>
+        <p:spPr>
+          <a:xfrm>
+            <a:off x="2874000" y="1731000"/>
+            <a:ext cx="9144000" cy="6096000"/>
+          </a:xfrm>
+          <a:prstGeom prst="rect">
+            <a:avLst/>
+          </a:prstGeom>
+        </p:spPr>
+      </p:pic>
     </p:spTree>
     <p:extLst>
       <p:ext uri="{BB962C8B-B14F-4D97-AF65-F5344CB8AC3E}">
-        <p14:creationId xmlns:p14="http://schemas.microsoft.com/office/powerpoint/2010/main" val="115766890"/>
+        <p14:creationId xmlns:p14="http://schemas.microsoft.com/office/powerpoint/2010/main" val="577690452"/>
       </p:ext>
     </p:extLst>
   </p:cSld>
@@ -21688,7 +21689,7 @@
                 <a:latin typeface="Verdana" panose="020B0604030504040204" pitchFamily="34" charset="0"/>
                 <a:ea typeface="Verdana" panose="020B0604030504040204" pitchFamily="34" charset="0"/>
               </a:rPr>
-              <a:t>09-Jan-2021</a:t>
+              <a:t>30-Apr-2021</a:t>
             </a:r>
           </a:p>
         </p:txBody>
@@ -21856,22 +21857,15 @@
           </a:lstStyle>
           <a:p>
             <a:r>
-              <a:rPr lang="en-IN" b="1" dirty="0" err="1">
+              <a:rPr lang="en-IN" b="1" dirty="0">
                 <a:solidFill>
                   <a:srgbClr val="002060"/>
                 </a:solidFill>
                 <a:latin typeface="Verdana" panose="020B0604030504040204" pitchFamily="34" charset="0"/>
                 <a:ea typeface="Verdana" panose="020B0604030504040204" pitchFamily="34" charset="0"/>
               </a:rPr>
-              <a:t>mobconf</a:t>
-            </a:r>
-            <a:endParaRPr lang="en-IN" b="1" dirty="0">
-              <a:solidFill>
-                <a:srgbClr val="002060"/>
-              </a:solidFill>
-              <a:latin typeface="Verdana" panose="020B0604030504040204" pitchFamily="34" charset="0"/>
-              <a:ea typeface="Verdana" panose="020B0604030504040204" pitchFamily="34" charset="0"/>
-            </a:endParaRPr>
+              <a:t>AIS</a:t>
+            </a:r>
           </a:p>
         </p:txBody>
       </p:sp>
@@ -22031,7 +22025,7 @@
     </p:spTree>
     <p:extLst>
       <p:ext uri="{BB962C8B-B14F-4D97-AF65-F5344CB8AC3E}">
-        <p14:creationId xmlns:p14="http://schemas.microsoft.com/office/powerpoint/2010/main" val="3952196739"/>
+        <p14:creationId xmlns:p14="http://schemas.microsoft.com/office/powerpoint/2010/main" val="115766890"/>
       </p:ext>
     </p:extLst>
   </p:cSld>
@@ -22203,7 +22197,7 @@
                 <a:latin typeface="Verdana" panose="020B0604030504040204" pitchFamily="34" charset="0"/>
                 <a:ea typeface="Verdana" panose="020B0604030504040204" pitchFamily="34" charset="0"/>
               </a:rPr>
-              <a:t>23-Jan-2021</a:t>
+              <a:t>09-Jan-2021</a:t>
             </a:r>
           </a:p>
         </p:txBody>
@@ -22378,7 +22372,7 @@
                 <a:latin typeface="Verdana" panose="020B0604030504040204" pitchFamily="34" charset="0"/>
                 <a:ea typeface="Verdana" panose="020B0604030504040204" pitchFamily="34" charset="0"/>
               </a:rPr>
-              <a:t>BDotNet</a:t>
+              <a:t>mobconf</a:t>
             </a:r>
             <a:endParaRPr lang="en-IN" b="1" dirty="0">
               <a:solidFill>
@@ -22490,7 +22484,7 @@
                 <a:latin typeface="Verdana" panose="020B0604030504040204" pitchFamily="34" charset="0"/>
                 <a:ea typeface="Verdana" panose="020B0604030504040204" pitchFamily="34" charset="0"/>
               </a:rPr>
-              <a:t> There are multiple ways to do, we will use one of the way.</a:t>
+              <a:t> There are multiple ways to do, we will use one of the ways.</a:t>
             </a:r>
           </a:p>
           <a:p>
@@ -22546,7 +22540,7 @@
     </p:spTree>
     <p:extLst>
       <p:ext uri="{BB962C8B-B14F-4D97-AF65-F5344CB8AC3E}">
-        <p14:creationId xmlns:p14="http://schemas.microsoft.com/office/powerpoint/2010/main" val="3868100349"/>
+        <p14:creationId xmlns:p14="http://schemas.microsoft.com/office/powerpoint/2010/main" val="3952196739"/>
       </p:ext>
     </p:extLst>
   </p:cSld>
@@ -22646,7 +22640,7 @@
         </p:nvSpPr>
         <p:spPr>
           <a:xfrm>
-            <a:off x="0" y="3542186"/>
+            <a:off x="0" y="3915048"/>
             <a:ext cx="12183122" cy="57703"/>
           </a:xfrm>
           <a:prstGeom prst="rect">
@@ -22702,7 +22696,7 @@
         </p:nvSpPr>
         <p:spPr>
           <a:xfrm>
-            <a:off x="4038600" y="3586514"/>
+            <a:off x="4038600" y="3959376"/>
             <a:ext cx="4114800" cy="365125"/>
           </a:xfrm>
         </p:spPr>
@@ -22718,7 +22712,7 @@
                 <a:latin typeface="Verdana" panose="020B0604030504040204" pitchFamily="34" charset="0"/>
                 <a:ea typeface="Verdana" panose="020B0604030504040204" pitchFamily="34" charset="0"/>
               </a:rPr>
-              <a:t>08-May-2021</a:t>
+              <a:t>23-Jan-2021</a:t>
             </a:r>
           </a:p>
         </p:txBody>
@@ -22741,7 +22735,7 @@
         </p:nvSpPr>
         <p:spPr>
           <a:xfrm>
-            <a:off x="8610600" y="3586514"/>
+            <a:off x="8610600" y="3959376"/>
             <a:ext cx="2743200" cy="365125"/>
           </a:xfrm>
         </p:spPr>
@@ -22778,8 +22772,8 @@
         </p:nvSpPr>
         <p:spPr>
           <a:xfrm>
-            <a:off x="133897" y="3587988"/>
-            <a:ext cx="4349326" cy="365125"/>
+            <a:off x="133897" y="3960850"/>
+            <a:ext cx="4114800" cy="365125"/>
           </a:xfrm>
           <a:prstGeom prst="rect">
             <a:avLst/>
@@ -22886,14 +22880,14 @@
           </a:lstStyle>
           <a:p>
             <a:r>
-              <a:rPr lang="en-US" b="1" dirty="0">
+              <a:rPr lang="en-IN" b="1" dirty="0" err="1">
                 <a:solidFill>
                   <a:srgbClr val="002060"/>
                 </a:solidFill>
                 <a:latin typeface="Verdana" panose="020B0604030504040204" pitchFamily="34" charset="0"/>
                 <a:ea typeface="Verdana" panose="020B0604030504040204" pitchFamily="34" charset="0"/>
               </a:rPr>
-              <a:t>Hyderabad Power Apps and Power Automate UG</a:t>
+              <a:t>BDotNet</a:t>
             </a:r>
             <a:endParaRPr lang="en-IN" b="1" dirty="0">
               <a:solidFill>
@@ -23061,7 +23055,7 @@
     </p:spTree>
     <p:extLst>
       <p:ext uri="{BB962C8B-B14F-4D97-AF65-F5344CB8AC3E}">
-        <p14:creationId xmlns:p14="http://schemas.microsoft.com/office/powerpoint/2010/main" val="171970356"/>
+        <p14:creationId xmlns:p14="http://schemas.microsoft.com/office/powerpoint/2010/main" val="3868100349"/>
       </p:ext>
     </p:extLst>
   </p:cSld>
@@ -23161,7 +23155,7 @@
         </p:nvSpPr>
         <p:spPr>
           <a:xfrm>
-            <a:off x="0" y="3915048"/>
+            <a:off x="0" y="3542186"/>
             <a:ext cx="12183122" cy="57703"/>
           </a:xfrm>
           <a:prstGeom prst="rect">
@@ -23217,7 +23211,7 @@
         </p:nvSpPr>
         <p:spPr>
           <a:xfrm>
-            <a:off x="4038600" y="3959376"/>
+            <a:off x="4038600" y="3586514"/>
             <a:ext cx="4114800" cy="365125"/>
           </a:xfrm>
         </p:spPr>
@@ -23233,7 +23227,7 @@
                 <a:latin typeface="Verdana" panose="020B0604030504040204" pitchFamily="34" charset="0"/>
                 <a:ea typeface="Verdana" panose="020B0604030504040204" pitchFamily="34" charset="0"/>
               </a:rPr>
-              <a:t>03-Apr-2021</a:t>
+              <a:t>08-May-2021</a:t>
             </a:r>
           </a:p>
         </p:txBody>
@@ -23256,7 +23250,7 @@
         </p:nvSpPr>
         <p:spPr>
           <a:xfrm>
-            <a:off x="8610600" y="3959376"/>
+            <a:off x="8610600" y="3586514"/>
             <a:ext cx="2743200" cy="365125"/>
           </a:xfrm>
         </p:spPr>
@@ -23293,8 +23287,8 @@
         </p:nvSpPr>
         <p:spPr>
           <a:xfrm>
-            <a:off x="133897" y="3960850"/>
-            <a:ext cx="4114800" cy="365125"/>
+            <a:off x="133897" y="3587988"/>
+            <a:ext cx="4349326" cy="365125"/>
           </a:xfrm>
           <a:prstGeom prst="rect">
             <a:avLst/>
@@ -23401,15 +23395,22 @@
           </a:lstStyle>
           <a:p>
             <a:r>
-              <a:rPr lang="en-IN" b="1" dirty="0">
+              <a:rPr lang="en-US" b="1" dirty="0">
                 <a:solidFill>
                   <a:srgbClr val="002060"/>
                 </a:solidFill>
                 <a:latin typeface="Verdana" panose="020B0604030504040204" pitchFamily="34" charset="0"/>
                 <a:ea typeface="Verdana" panose="020B0604030504040204" pitchFamily="34" charset="0"/>
               </a:rPr>
-              <a:t>The Tech Platform</a:t>
-            </a:r>
+              <a:t>Hyderabad Power Apps and Power Automate UG</a:t>
+            </a:r>
+            <a:endParaRPr lang="en-IN" b="1" dirty="0">
+              <a:solidFill>
+                <a:srgbClr val="002060"/>
+              </a:solidFill>
+              <a:latin typeface="Verdana" panose="020B0604030504040204" pitchFamily="34" charset="0"/>
+              <a:ea typeface="Verdana" panose="020B0604030504040204" pitchFamily="34" charset="0"/>
+            </a:endParaRPr>
           </a:p>
         </p:txBody>
       </p:sp>
@@ -23569,7 +23570,7 @@
     </p:spTree>
     <p:extLst>
       <p:ext uri="{BB962C8B-B14F-4D97-AF65-F5344CB8AC3E}">
-        <p14:creationId xmlns:p14="http://schemas.microsoft.com/office/powerpoint/2010/main" val="2257230082"/>
+        <p14:creationId xmlns:p14="http://schemas.microsoft.com/office/powerpoint/2010/main" val="171970356"/>
       </p:ext>
     </p:extLst>
   </p:cSld>
@@ -23741,7 +23742,7 @@
                 <a:latin typeface="Verdana" panose="020B0604030504040204" pitchFamily="34" charset="0"/>
                 <a:ea typeface="Verdana" panose="020B0604030504040204" pitchFamily="34" charset="0"/>
               </a:rPr>
-              <a:t>15-May-2021</a:t>
+              <a:t>03-Apr-2021</a:t>
             </a:r>
           </a:p>
         </p:txBody>
@@ -23916,7 +23917,7 @@
                 <a:latin typeface="Verdana" panose="020B0604030504040204" pitchFamily="34" charset="0"/>
                 <a:ea typeface="Verdana" panose="020B0604030504040204" pitchFamily="34" charset="0"/>
               </a:rPr>
-              <a:t>Angular Hyderabad</a:t>
+              <a:t>The Tech Platform</a:t>
             </a:r>
           </a:p>
         </p:txBody>
@@ -24077,7 +24078,7 @@
     </p:spTree>
     <p:extLst>
       <p:ext uri="{BB962C8B-B14F-4D97-AF65-F5344CB8AC3E}">
-        <p14:creationId xmlns:p14="http://schemas.microsoft.com/office/powerpoint/2010/main" val="3977942391"/>
+        <p14:creationId xmlns:p14="http://schemas.microsoft.com/office/powerpoint/2010/main" val="2257230082"/>
       </p:ext>
     </p:extLst>
   </p:cSld>
@@ -24149,6 +24150,13 @@
           <a:lstStyle/>
           <a:p>
             <a:pPr algn="ctr"/>
+            <a:r>
+              <a:rPr lang="en-US" b="1" dirty="0">
+                <a:latin typeface="Verdana" panose="020B0604030504040204" pitchFamily="34" charset="0"/>
+                <a:ea typeface="Verdana" panose="020B0604030504040204" pitchFamily="34" charset="0"/>
+              </a:rPr>
+              <a:t>Information</a:t>
+            </a:r>
             <a:endParaRPr lang="en-IN" b="1" dirty="0">
               <a:latin typeface="Verdana" panose="020B0604030504040204" pitchFamily="34" charset="0"/>
               <a:ea typeface="Verdana" panose="020B0604030504040204" pitchFamily="34" charset="0"/>
@@ -24170,7 +24178,7 @@
         </p:nvSpPr>
         <p:spPr>
           <a:xfrm>
-            <a:off x="0" y="6383046"/>
+            <a:off x="0" y="3915048"/>
             <a:ext cx="12183122" cy="57703"/>
           </a:xfrm>
           <a:prstGeom prst="rect">
@@ -24226,7 +24234,7 @@
         </p:nvSpPr>
         <p:spPr>
           <a:xfrm>
-            <a:off x="4038600" y="6427374"/>
+            <a:off x="4038600" y="3959376"/>
             <a:ext cx="4114800" cy="365125"/>
           </a:xfrm>
         </p:spPr>
@@ -24242,7 +24250,7 @@
                 <a:latin typeface="Verdana" panose="020B0604030504040204" pitchFamily="34" charset="0"/>
                 <a:ea typeface="Verdana" panose="020B0604030504040204" pitchFamily="34" charset="0"/>
               </a:rPr>
-              <a:t>26-Dec-2020</a:t>
+              <a:t>15-May-2021</a:t>
             </a:r>
           </a:p>
         </p:txBody>
@@ -24265,7 +24273,7 @@
         </p:nvSpPr>
         <p:spPr>
           <a:xfrm>
-            <a:off x="8610600" y="6427374"/>
+            <a:off x="8610600" y="3959376"/>
             <a:ext cx="2743200" cy="365125"/>
           </a:xfrm>
         </p:spPr>
@@ -24273,23 +24281,16 @@
           <a:bodyPr/>
           <a:lstStyle/>
           <a:p>
-            <a:fld id="{30AF63FB-5233-4811-A918-B572E3A55817}" type="slidenum">
-              <a:rPr lang="en-IN" b="1" smtClean="0">
+            <a:r>
+              <a:rPr lang="en-IN" b="1" dirty="0">
                 <a:solidFill>
                   <a:srgbClr val="002060"/>
                 </a:solidFill>
                 <a:latin typeface="Verdana" panose="020B0604030504040204" pitchFamily="34" charset="0"/>
                 <a:ea typeface="Verdana" panose="020B0604030504040204" pitchFamily="34" charset="0"/>
               </a:rPr>
-              <a:t>29</a:t>
-            </a:fld>
-            <a:endParaRPr lang="en-IN" b="1" dirty="0">
-              <a:solidFill>
-                <a:srgbClr val="002060"/>
-              </a:solidFill>
-              <a:latin typeface="Verdana" panose="020B0604030504040204" pitchFamily="34" charset="0"/>
-              <a:ea typeface="Verdana" panose="020B0604030504040204" pitchFamily="34" charset="0"/>
-            </a:endParaRPr>
+              <a:t>1</a:t>
+            </a:r>
           </a:p>
         </p:txBody>
       </p:sp>
@@ -24309,7 +24310,7 @@
         </p:nvSpPr>
         <p:spPr>
           <a:xfrm>
-            <a:off x="133897" y="6428848"/>
+            <a:off x="133897" y="3960850"/>
             <a:ext cx="4114800" cy="365125"/>
           </a:xfrm>
           <a:prstGeom prst="rect">
@@ -24424,27 +24425,27 @@
                 <a:latin typeface="Verdana" panose="020B0604030504040204" pitchFamily="34" charset="0"/>
                 <a:ea typeface="Verdana" panose="020B0604030504040204" pitchFamily="34" charset="0"/>
               </a:rPr>
-              <a:t>Dot Net Learners House</a:t>
-            </a:r>
-          </a:p>
-        </p:txBody>
-      </p:sp>
-      <p:sp>
-        <p:nvSpPr>
-          <p:cNvPr id="2" name="Rectangle 1">
-            <a:extLst>
-              <a:ext uri="{FF2B5EF4-FFF2-40B4-BE49-F238E27FC236}">
-                <a16:creationId xmlns:a16="http://schemas.microsoft.com/office/drawing/2014/main" id="{354D33DC-3F63-4EDC-B7D1-DE2A0BACB95C}"/>
-              </a:ext>
-            </a:extLst>
-          </p:cNvPr>
-          <p:cNvSpPr/>
+              <a:t>Angular Hyderabad</a:t>
+            </a:r>
+          </a:p>
+        </p:txBody>
+      </p:sp>
+      <p:sp>
+        <p:nvSpPr>
+          <p:cNvPr id="10" name="TextBox 9">
+            <a:extLst>
+              <a:ext uri="{FF2B5EF4-FFF2-40B4-BE49-F238E27FC236}">
+                <a16:creationId xmlns:a16="http://schemas.microsoft.com/office/drawing/2014/main" id="{19953791-0C49-4113-A95A-639979BFF9A6}"/>
+              </a:ext>
+            </a:extLst>
+          </p:cNvPr>
+          <p:cNvSpPr txBox="1"/>
           <p:nvPr/>
         </p:nvSpPr>
         <p:spPr>
           <a:xfrm>
-            <a:off x="201166" y="685777"/>
-            <a:ext cx="11780789" cy="5401479"/>
+            <a:off x="80629" y="557824"/>
+            <a:ext cx="12037390" cy="2800062"/>
           </a:xfrm>
           <a:prstGeom prst="rect">
             <a:avLst/>
@@ -24452,62 +24453,132 @@
           <a:noFill/>
         </p:spPr>
         <p:txBody>
-          <a:bodyPr wrap="none" lIns="91440" tIns="45720" rIns="91440" bIns="45720">
+          <a:bodyPr wrap="square" rtlCol="0">
             <a:spAutoFit/>
-            <a:scene3d>
-              <a:camera prst="orthographicFront"/>
-              <a:lightRig rig="soft" dir="t">
-                <a:rot lat="0" lon="0" rev="15600000"/>
-              </a:lightRig>
-            </a:scene3d>
-            <a:sp3d extrusionH="57150" prstMaterial="softEdge">
-              <a:bevelT w="25400" h="38100"/>
-            </a:sp3d>
           </a:bodyPr>
           <a:lstStyle/>
           <a:p>
-            <a:pPr algn="ctr"/>
-            <a:r>
-              <a:rPr lang="en-US" sz="11600" b="1" cap="none" spc="0" dirty="0">
-                <a:ln/>
-                <a:solidFill>
-                  <a:schemeClr val="accent4"/>
-                </a:solidFill>
-                <a:effectLst/>
+            <a:pPr marL="628650" lvl="1" indent="-171450">
+              <a:lnSpc>
+                <a:spcPct val="150000"/>
+              </a:lnSpc>
+              <a:buFont typeface="Wingdings" panose="05000000000000000000" pitchFamily="2" charset="2"/>
+              <a:buChar char="Ø"/>
+            </a:pPr>
+            <a:r>
+              <a:rPr lang="en-US" sz="2000" dirty="0">
+                <a:solidFill>
+                  <a:srgbClr val="002060"/>
+                </a:solidFill>
                 <a:latin typeface="Verdana" panose="020B0604030504040204" pitchFamily="34" charset="0"/>
                 <a:ea typeface="Verdana" panose="020B0604030504040204" pitchFamily="34" charset="0"/>
               </a:rPr>
-              <a:t>Please fasten </a:t>
-            </a:r>
-          </a:p>
-          <a:p>
-            <a:pPr algn="ctr"/>
-            <a:r>
-              <a:rPr lang="en-US" sz="11600" b="1" cap="none" spc="0" dirty="0">
-                <a:ln/>
-                <a:solidFill>
-                  <a:schemeClr val="accent4"/>
-                </a:solidFill>
-                <a:effectLst/>
+              <a:t> All the sessions will be hands on.</a:t>
+            </a:r>
+          </a:p>
+          <a:p>
+            <a:pPr marL="628650" lvl="1" indent="-171450">
+              <a:lnSpc>
+                <a:spcPct val="150000"/>
+              </a:lnSpc>
+              <a:buFont typeface="Wingdings" panose="05000000000000000000" pitchFamily="2" charset="2"/>
+              <a:buChar char="Ø"/>
+            </a:pPr>
+            <a:r>
+              <a:rPr lang="en-US" sz="2000" dirty="0">
+                <a:solidFill>
+                  <a:srgbClr val="002060"/>
+                </a:solidFill>
                 <a:latin typeface="Verdana" panose="020B0604030504040204" pitchFamily="34" charset="0"/>
                 <a:ea typeface="Verdana" panose="020B0604030504040204" pitchFamily="34" charset="0"/>
               </a:rPr>
-              <a:t>your </a:t>
-            </a:r>
-          </a:p>
-          <a:p>
-            <a:pPr algn="ctr"/>
-            <a:r>
-              <a:rPr lang="en-US" sz="11600" b="1" cap="none" spc="0" dirty="0">
-                <a:ln/>
-                <a:solidFill>
-                  <a:schemeClr val="accent4"/>
-                </a:solidFill>
-                <a:effectLst/>
+              <a:t> Will have parking lots for queries and other topics.</a:t>
+            </a:r>
+          </a:p>
+          <a:p>
+            <a:pPr marL="628650" lvl="1" indent="-171450">
+              <a:lnSpc>
+                <a:spcPct val="150000"/>
+              </a:lnSpc>
+              <a:buFont typeface="Wingdings" panose="05000000000000000000" pitchFamily="2" charset="2"/>
+              <a:buChar char="Ø"/>
+            </a:pPr>
+            <a:r>
+              <a:rPr lang="en-US" sz="2000" dirty="0">
+                <a:solidFill>
+                  <a:srgbClr val="002060"/>
+                </a:solidFill>
                 <a:latin typeface="Verdana" panose="020B0604030504040204" pitchFamily="34" charset="0"/>
                 <a:ea typeface="Verdana" panose="020B0604030504040204" pitchFamily="34" charset="0"/>
               </a:rPr>
-              <a:t>seat belt !!!</a:t>
+              <a:t> Some of the concepts we will introduced and revisited in next sessions.</a:t>
+            </a:r>
+          </a:p>
+          <a:p>
+            <a:pPr marL="628650" lvl="1" indent="-171450">
+              <a:lnSpc>
+                <a:spcPct val="150000"/>
+              </a:lnSpc>
+              <a:buFont typeface="Wingdings" panose="05000000000000000000" pitchFamily="2" charset="2"/>
+              <a:buChar char="Ø"/>
+            </a:pPr>
+            <a:r>
+              <a:rPr lang="en-US" sz="2000" dirty="0">
+                <a:solidFill>
+                  <a:srgbClr val="002060"/>
+                </a:solidFill>
+                <a:latin typeface="Verdana" panose="020B0604030504040204" pitchFamily="34" charset="0"/>
+                <a:ea typeface="Verdana" panose="020B0604030504040204" pitchFamily="34" charset="0"/>
+              </a:rPr>
+              <a:t> There are multiple ways to do, we will use one of the way.</a:t>
+            </a:r>
+          </a:p>
+          <a:p>
+            <a:pPr marL="628650" lvl="1" indent="-171450">
+              <a:lnSpc>
+                <a:spcPct val="150000"/>
+              </a:lnSpc>
+              <a:buFont typeface="Wingdings" panose="05000000000000000000" pitchFamily="2" charset="2"/>
+              <a:buChar char="Ø"/>
+            </a:pPr>
+            <a:r>
+              <a:rPr lang="en-US" sz="2000" dirty="0">
+                <a:solidFill>
+                  <a:srgbClr val="002060"/>
+                </a:solidFill>
+                <a:latin typeface="Verdana" panose="020B0604030504040204" pitchFamily="34" charset="0"/>
+                <a:ea typeface="Verdana" panose="020B0604030504040204" pitchFamily="34" charset="0"/>
+              </a:rPr>
+              <a:t> The focus was more on concepts and demos are kept simple. </a:t>
+            </a:r>
+          </a:p>
+          <a:p>
+            <a:pPr marL="628650" lvl="1" indent="-171450">
+              <a:lnSpc>
+                <a:spcPct val="150000"/>
+              </a:lnSpc>
+              <a:buFont typeface="Wingdings" panose="05000000000000000000" pitchFamily="2" charset="2"/>
+              <a:buChar char="Ø"/>
+            </a:pPr>
+            <a:r>
+              <a:rPr lang="en-US" sz="2000" dirty="0">
+                <a:solidFill>
+                  <a:srgbClr val="00B0F0"/>
+                </a:solidFill>
+                <a:latin typeface="Verdana" panose="020B0604030504040204" pitchFamily="34" charset="0"/>
+                <a:ea typeface="Verdana" panose="020B0604030504040204" pitchFamily="34" charset="0"/>
+              </a:rPr>
+              <a:t> </a:t>
+            </a:r>
+            <a:r>
+              <a:rPr lang="en-US" sz="2000" dirty="0">
+                <a:solidFill>
+                  <a:srgbClr val="0070C0"/>
+                </a:solidFill>
+                <a:latin typeface="Verdana" panose="020B0604030504040204" pitchFamily="34" charset="0"/>
+                <a:ea typeface="Verdana" panose="020B0604030504040204" pitchFamily="34" charset="0"/>
+              </a:rPr>
+              <a:t>I am still a learner. What!!! … wait … Yes, I am still a learner.</a:t>
             </a:r>
           </a:p>
         </p:txBody>
@@ -24515,7 +24586,7 @@
     </p:spTree>
     <p:extLst>
       <p:ext uri="{BB962C8B-B14F-4D97-AF65-F5344CB8AC3E}">
-        <p14:creationId xmlns:p14="http://schemas.microsoft.com/office/powerpoint/2010/main" val="2056321962"/>
+        <p14:creationId xmlns:p14="http://schemas.microsoft.com/office/powerpoint/2010/main" val="3977942391"/>
       </p:ext>
     </p:extLst>
   </p:cSld>
@@ -24810,7 +24881,7 @@
                 <a:ea typeface="Verdana" panose="020B0604030504040204" pitchFamily="34" charset="0"/>
                 <a:cs typeface="+mn-cs"/>
               </a:rPr>
-              <a:t>Event URL: http://bit.ly/3XJ7IQB</a:t>
+              <a:t>Event URL: http://bit.ly/3VMeKlX</a:t>
             </a:r>
           </a:p>
         </p:txBody>
@@ -24875,7 +24946,7 @@
                 <a:ea typeface="Verdana" panose="020B0604030504040204" pitchFamily="34" charset="0"/>
                 <a:cs typeface="+mn-cs"/>
               </a:rPr>
-              <a:t>C# (.NET 6) on AWS - Getting Started With Fargate and ECS</a:t>
+              <a:t>.NET 7 - Minimal API with Model Binding, Entity, DI, EF Core</a:t>
             </a:r>
             <a:endParaRPr kumimoji="0" lang="en-IN" sz="2800" b="0" i="0" u="none" strike="noStrike" kern="1200" cap="none" spc="0" normalizeH="0" baseline="0" noProof="0" dirty="0">
               <a:ln>
@@ -24961,7 +25032,7 @@
                 <a:ea typeface="+mn-ea"/>
                 <a:cs typeface="+mn-cs"/>
               </a:rPr>
-              <a:t>Sunday, Jan 29, 2023</a:t>
+              <a:t>Friday, Feb 05, 2023</a:t>
             </a:r>
             <a:endParaRPr kumimoji="0" lang="en-IN" sz="2000" b="0" i="0" u="none" strike="noStrike" kern="1200" cap="none" spc="0" normalizeH="0" baseline="0" noProof="0" dirty="0">
               <a:ln>
@@ -25251,7 +25322,7 @@
                 <a:ea typeface="Verdana" panose="020B0604030504040204" pitchFamily="34" charset="0"/>
                 <a:cs typeface="Calibri" panose="020F0502020204030204"/>
               </a:rPr>
-              <a:t>C# .NET 6 AWS - Getting Started With Fargate and ECS</a:t>
+              <a:t>.NET 7 - Minimal API Model Binding, Entity, DI, EF Core</a:t>
             </a:r>
             <a:endParaRPr kumimoji="0" lang="en-US" sz="3200" b="0" i="0" u="none" strike="noStrike" kern="1200" cap="none" spc="0" normalizeH="0" baseline="0" noProof="0" dirty="0">
               <a:ln>
@@ -25479,7 +25550,7 @@
     </p:spTree>
     <p:extLst>
       <p:ext uri="{BB962C8B-B14F-4D97-AF65-F5344CB8AC3E}">
-        <p14:creationId xmlns:p14="http://schemas.microsoft.com/office/powerpoint/2010/main" val="749884841"/>
+        <p14:creationId xmlns:p14="http://schemas.microsoft.com/office/powerpoint/2010/main" val="252340752"/>
       </p:ext>
     </p:extLst>
   </p:cSld>
@@ -25551,7 +25622,7 @@
           <a:lstStyle/>
           <a:p>
             <a:pPr algn="ctr"/>
-            <a:endParaRPr lang="en-IN" dirty="0">
+            <a:endParaRPr lang="en-IN" b="1" dirty="0">
               <a:latin typeface="Verdana" panose="020B0604030504040204" pitchFamily="34" charset="0"/>
               <a:ea typeface="Verdana" panose="020B0604030504040204" pitchFamily="34" charset="0"/>
             </a:endParaRPr>
@@ -25833,10 +25904,10 @@
       </p:sp>
       <p:sp>
         <p:nvSpPr>
-          <p:cNvPr id="11" name="Rectangle 10">
-            <a:extLst>
-              <a:ext uri="{FF2B5EF4-FFF2-40B4-BE49-F238E27FC236}">
-                <a16:creationId xmlns:a16="http://schemas.microsoft.com/office/drawing/2014/main" id="{D55098C6-1198-4DAB-B484-23DB1A599453}"/>
+          <p:cNvPr id="2" name="Rectangle 1">
+            <a:extLst>
+              <a:ext uri="{FF2B5EF4-FFF2-40B4-BE49-F238E27FC236}">
+                <a16:creationId xmlns:a16="http://schemas.microsoft.com/office/drawing/2014/main" id="{354D33DC-3F63-4EDC-B7D1-DE2A0BACB95C}"/>
               </a:ext>
             </a:extLst>
           </p:cNvPr>
@@ -25845,8 +25916,8 @@
         </p:nvSpPr>
         <p:spPr>
           <a:xfrm>
-            <a:off x="2816470" y="1919767"/>
-            <a:ext cx="6434775" cy="3154710"/>
+            <a:off x="201166" y="685777"/>
+            <a:ext cx="11780789" cy="5401479"/>
           </a:xfrm>
           <a:prstGeom prst="rect">
             <a:avLst/>
@@ -25856,31 +25927,60 @@
         <p:txBody>
           <a:bodyPr wrap="none" lIns="91440" tIns="45720" rIns="91440" bIns="45720">
             <a:spAutoFit/>
+            <a:scene3d>
+              <a:camera prst="orthographicFront"/>
+              <a:lightRig rig="soft" dir="t">
+                <a:rot lat="0" lon="0" rev="15600000"/>
+              </a:lightRig>
+            </a:scene3d>
+            <a:sp3d extrusionH="57150" prstMaterial="softEdge">
+              <a:bevelT w="25400" h="38100"/>
+            </a:sp3d>
           </a:bodyPr>
           <a:lstStyle/>
           <a:p>
             <a:pPr algn="ctr"/>
             <a:r>
-              <a:rPr lang="en-US" sz="19900" b="1" cap="none" spc="0" dirty="0">
-                <a:ln w="9525">
-                  <a:solidFill>
-                    <a:schemeClr val="bg1"/>
-                  </a:solidFill>
-                  <a:prstDash val="solid"/>
-                </a:ln>
-                <a:solidFill>
-                  <a:schemeClr val="accent5"/>
-                </a:solidFill>
-                <a:effectLst>
-                  <a:outerShdw blurRad="12700" dist="38100" dir="2700000" algn="tl" rotWithShape="0">
-                    <a:schemeClr val="accent5">
-                      <a:lumMod val="60000"/>
-                      <a:lumOff val="40000"/>
-                    </a:schemeClr>
-                  </a:outerShdw>
-                </a:effectLst>
+              <a:rPr lang="en-US" sz="11600" b="1" cap="none" spc="0" dirty="0">
+                <a:ln/>
+                <a:solidFill>
+                  <a:schemeClr val="accent4"/>
+                </a:solidFill>
+                <a:effectLst/>
+                <a:latin typeface="Verdana" panose="020B0604030504040204" pitchFamily="34" charset="0"/>
+                <a:ea typeface="Verdana" panose="020B0604030504040204" pitchFamily="34" charset="0"/>
               </a:rPr>
-              <a:t>Q &amp; A</a:t>
+              <a:t>Please fasten </a:t>
+            </a:r>
+          </a:p>
+          <a:p>
+            <a:pPr algn="ctr"/>
+            <a:r>
+              <a:rPr lang="en-US" sz="11600" b="1" cap="none" spc="0" dirty="0">
+                <a:ln/>
+                <a:solidFill>
+                  <a:schemeClr val="accent4"/>
+                </a:solidFill>
+                <a:effectLst/>
+                <a:latin typeface="Verdana" panose="020B0604030504040204" pitchFamily="34" charset="0"/>
+                <a:ea typeface="Verdana" panose="020B0604030504040204" pitchFamily="34" charset="0"/>
+              </a:rPr>
+              <a:t>your </a:t>
+            </a:r>
+          </a:p>
+          <a:p>
+            <a:pPr algn="ctr"/>
+            <a:r>
+              <a:rPr lang="en-US" sz="11600" b="1" cap="none" spc="0" dirty="0">
+                <a:ln/>
+                <a:solidFill>
+                  <a:schemeClr val="accent4"/>
+                </a:solidFill>
+                <a:effectLst/>
+                <a:latin typeface="Verdana" panose="020B0604030504040204" pitchFamily="34" charset="0"/>
+                <a:ea typeface="Verdana" panose="020B0604030504040204" pitchFamily="34" charset="0"/>
+              </a:rPr>
+              <a:t>seat belt !!!</a:t>
             </a:r>
           </a:p>
         </p:txBody>
@@ -25888,7 +25988,7 @@
     </p:spTree>
     <p:extLst>
       <p:ext uri="{BB962C8B-B14F-4D97-AF65-F5344CB8AC3E}">
-        <p14:creationId xmlns:p14="http://schemas.microsoft.com/office/powerpoint/2010/main" val="2536284009"/>
+        <p14:creationId xmlns:p14="http://schemas.microsoft.com/office/powerpoint/2010/main" val="2056321962"/>
       </p:ext>
     </p:extLst>
   </p:cSld>
@@ -26242,6 +26342,415 @@
       </p:sp>
       <p:sp>
         <p:nvSpPr>
+          <p:cNvPr id="11" name="Rectangle 10">
+            <a:extLst>
+              <a:ext uri="{FF2B5EF4-FFF2-40B4-BE49-F238E27FC236}">
+                <a16:creationId xmlns:a16="http://schemas.microsoft.com/office/drawing/2014/main" id="{D55098C6-1198-4DAB-B484-23DB1A599453}"/>
+              </a:ext>
+            </a:extLst>
+          </p:cNvPr>
+          <p:cNvSpPr/>
+          <p:nvPr/>
+        </p:nvSpPr>
+        <p:spPr>
+          <a:xfrm>
+            <a:off x="2816470" y="1919767"/>
+            <a:ext cx="6434775" cy="3154710"/>
+          </a:xfrm>
+          <a:prstGeom prst="rect">
+            <a:avLst/>
+          </a:prstGeom>
+          <a:noFill/>
+        </p:spPr>
+        <p:txBody>
+          <a:bodyPr wrap="none" lIns="91440" tIns="45720" rIns="91440" bIns="45720">
+            <a:spAutoFit/>
+          </a:bodyPr>
+          <a:lstStyle/>
+          <a:p>
+            <a:pPr algn="ctr"/>
+            <a:r>
+              <a:rPr lang="en-US" sz="19900" b="1" cap="none" spc="0" dirty="0">
+                <a:ln w="9525">
+                  <a:solidFill>
+                    <a:schemeClr val="bg1"/>
+                  </a:solidFill>
+                  <a:prstDash val="solid"/>
+                </a:ln>
+                <a:solidFill>
+                  <a:schemeClr val="accent5"/>
+                </a:solidFill>
+                <a:effectLst>
+                  <a:outerShdw blurRad="12700" dist="38100" dir="2700000" algn="tl" rotWithShape="0">
+                    <a:schemeClr val="accent5">
+                      <a:lumMod val="60000"/>
+                      <a:lumOff val="40000"/>
+                    </a:schemeClr>
+                  </a:outerShdw>
+                </a:effectLst>
+              </a:rPr>
+              <a:t>Q &amp; A</a:t>
+            </a:r>
+          </a:p>
+        </p:txBody>
+      </p:sp>
+    </p:spTree>
+    <p:extLst>
+      <p:ext uri="{BB962C8B-B14F-4D97-AF65-F5344CB8AC3E}">
+        <p14:creationId xmlns:p14="http://schemas.microsoft.com/office/powerpoint/2010/main" val="2536284009"/>
+      </p:ext>
+    </p:extLst>
+  </p:cSld>
+  <p:clrMapOvr>
+    <a:masterClrMapping/>
+  </p:clrMapOvr>
+</p:sld>
+</file>
+
+<file path=ppt/slides/slide32.xml><?xml version="1.0" encoding="utf-8"?>
+<p:sld xmlns:a="http://schemas.openxmlformats.org/drawingml/2006/main" xmlns:r="http://schemas.openxmlformats.org/officeDocument/2006/relationships" xmlns:p="http://schemas.openxmlformats.org/presentationml/2006/main">
+  <p:cSld>
+    <p:spTree>
+      <p:nvGrpSpPr>
+        <p:cNvPr id="1" name=""/>
+        <p:cNvGrpSpPr/>
+        <p:nvPr/>
+      </p:nvGrpSpPr>
+      <p:grpSpPr>
+        <a:xfrm>
+          <a:off x="0" y="0"/>
+          <a:ext cx="0" cy="0"/>
+          <a:chOff x="0" y="0"/>
+          <a:chExt cx="0" cy="0"/>
+        </a:xfrm>
+      </p:grpSpPr>
+      <p:sp>
+        <p:nvSpPr>
+          <p:cNvPr id="4" name="Rectangle 3">
+            <a:extLst>
+              <a:ext uri="{FF2B5EF4-FFF2-40B4-BE49-F238E27FC236}">
+                <a16:creationId xmlns:a16="http://schemas.microsoft.com/office/drawing/2014/main" id="{055C22F7-3FD1-4C1B-8D0C-0C2F7FB61DBE}"/>
+              </a:ext>
+            </a:extLst>
+          </p:cNvPr>
+          <p:cNvSpPr/>
+          <p:nvPr/>
+        </p:nvSpPr>
+        <p:spPr>
+          <a:xfrm>
+            <a:off x="0" y="8878"/>
+            <a:ext cx="12183122" cy="497150"/>
+          </a:xfrm>
+          <a:prstGeom prst="rect">
+            <a:avLst/>
+          </a:prstGeom>
+          <a:solidFill>
+            <a:srgbClr val="0070C0"/>
+          </a:solidFill>
+        </p:spPr>
+        <p:style>
+          <a:lnRef idx="2">
+            <a:schemeClr val="accent1">
+              <a:shade val="50000"/>
+            </a:schemeClr>
+          </a:lnRef>
+          <a:fillRef idx="1">
+            <a:schemeClr val="accent1"/>
+          </a:fillRef>
+          <a:effectRef idx="0">
+            <a:schemeClr val="accent1"/>
+          </a:effectRef>
+          <a:fontRef idx="minor">
+            <a:schemeClr val="lt1"/>
+          </a:fontRef>
+        </p:style>
+        <p:txBody>
+          <a:bodyPr rtlCol="0" anchor="ctr"/>
+          <a:lstStyle/>
+          <a:p>
+            <a:pPr algn="ctr"/>
+            <a:endParaRPr lang="en-IN" dirty="0">
+              <a:latin typeface="Verdana" panose="020B0604030504040204" pitchFamily="34" charset="0"/>
+              <a:ea typeface="Verdana" panose="020B0604030504040204" pitchFamily="34" charset="0"/>
+            </a:endParaRPr>
+          </a:p>
+        </p:txBody>
+      </p:sp>
+      <p:sp>
+        <p:nvSpPr>
+          <p:cNvPr id="7" name="Rectangle 6">
+            <a:extLst>
+              <a:ext uri="{FF2B5EF4-FFF2-40B4-BE49-F238E27FC236}">
+                <a16:creationId xmlns:a16="http://schemas.microsoft.com/office/drawing/2014/main" id="{B10720DE-FD2A-4FE5-B9FB-74854D01A659}"/>
+              </a:ext>
+            </a:extLst>
+          </p:cNvPr>
+          <p:cNvSpPr/>
+          <p:nvPr/>
+        </p:nvSpPr>
+        <p:spPr>
+          <a:xfrm>
+            <a:off x="0" y="6383046"/>
+            <a:ext cx="12183122" cy="57703"/>
+          </a:xfrm>
+          <a:prstGeom prst="rect">
+            <a:avLst/>
+          </a:prstGeom>
+          <a:solidFill>
+            <a:srgbClr val="0070C0"/>
+          </a:solidFill>
+        </p:spPr>
+        <p:style>
+          <a:lnRef idx="2">
+            <a:schemeClr val="accent1">
+              <a:shade val="50000"/>
+            </a:schemeClr>
+          </a:lnRef>
+          <a:fillRef idx="1">
+            <a:schemeClr val="accent1"/>
+          </a:fillRef>
+          <a:effectRef idx="0">
+            <a:schemeClr val="accent1"/>
+          </a:effectRef>
+          <a:fontRef idx="minor">
+            <a:schemeClr val="lt1"/>
+          </a:fontRef>
+        </p:style>
+        <p:txBody>
+          <a:bodyPr rtlCol="0" anchor="ctr"/>
+          <a:lstStyle/>
+          <a:p>
+            <a:pPr algn="ctr"/>
+            <a:endParaRPr lang="en-IN" sz="1000" dirty="0">
+              <a:latin typeface="Verdana" panose="020B0604030504040204" pitchFamily="34" charset="0"/>
+              <a:ea typeface="Verdana" panose="020B0604030504040204" pitchFamily="34" charset="0"/>
+            </a:endParaRPr>
+          </a:p>
+        </p:txBody>
+      </p:sp>
+      <p:sp>
+        <p:nvSpPr>
+          <p:cNvPr id="8" name="Footer Placeholder 7">
+            <a:extLst>
+              <a:ext uri="{FF2B5EF4-FFF2-40B4-BE49-F238E27FC236}">
+                <a16:creationId xmlns:a16="http://schemas.microsoft.com/office/drawing/2014/main" id="{DD2A19CA-EC18-432D-8F8F-17079808F38B}"/>
+              </a:ext>
+            </a:extLst>
+          </p:cNvPr>
+          <p:cNvSpPr>
+            <a:spLocks noGrp="1"/>
+          </p:cNvSpPr>
+          <p:nvPr>
+            <p:ph type="ftr" sz="quarter" idx="11"/>
+          </p:nvPr>
+        </p:nvSpPr>
+        <p:spPr>
+          <a:xfrm>
+            <a:off x="4038600" y="6427374"/>
+            <a:ext cx="4114800" cy="365125"/>
+          </a:xfrm>
+        </p:spPr>
+        <p:txBody>
+          <a:bodyPr/>
+          <a:lstStyle/>
+          <a:p>
+            <a:r>
+              <a:rPr lang="en-IN" b="1" dirty="0">
+                <a:solidFill>
+                  <a:srgbClr val="002060"/>
+                </a:solidFill>
+                <a:latin typeface="Verdana" panose="020B0604030504040204" pitchFamily="34" charset="0"/>
+                <a:ea typeface="Verdana" panose="020B0604030504040204" pitchFamily="34" charset="0"/>
+              </a:rPr>
+              <a:t>26-Dec-2020</a:t>
+            </a:r>
+          </a:p>
+        </p:txBody>
+      </p:sp>
+      <p:sp>
+        <p:nvSpPr>
+          <p:cNvPr id="9" name="Slide Number Placeholder 8">
+            <a:extLst>
+              <a:ext uri="{FF2B5EF4-FFF2-40B4-BE49-F238E27FC236}">
+                <a16:creationId xmlns:a16="http://schemas.microsoft.com/office/drawing/2014/main" id="{8162625C-0B1F-42E0-BE7C-D99A08FED7A3}"/>
+              </a:ext>
+            </a:extLst>
+          </p:cNvPr>
+          <p:cNvSpPr>
+            <a:spLocks noGrp="1"/>
+          </p:cNvSpPr>
+          <p:nvPr>
+            <p:ph type="sldNum" sz="quarter" idx="12"/>
+          </p:nvPr>
+        </p:nvSpPr>
+        <p:spPr>
+          <a:xfrm>
+            <a:off x="8610600" y="6427374"/>
+            <a:ext cx="2743200" cy="365125"/>
+          </a:xfrm>
+        </p:spPr>
+        <p:txBody>
+          <a:bodyPr/>
+          <a:lstStyle/>
+          <a:p>
+            <a:fld id="{30AF63FB-5233-4811-A918-B572E3A55817}" type="slidenum">
+              <a:rPr lang="en-IN" b="1" smtClean="0">
+                <a:solidFill>
+                  <a:srgbClr val="002060"/>
+                </a:solidFill>
+                <a:latin typeface="Verdana" panose="020B0604030504040204" pitchFamily="34" charset="0"/>
+                <a:ea typeface="Verdana" panose="020B0604030504040204" pitchFamily="34" charset="0"/>
+              </a:rPr>
+              <a:t>32</a:t>
+            </a:fld>
+            <a:endParaRPr lang="en-IN" b="1" dirty="0">
+              <a:solidFill>
+                <a:srgbClr val="002060"/>
+              </a:solidFill>
+              <a:latin typeface="Verdana" panose="020B0604030504040204" pitchFamily="34" charset="0"/>
+              <a:ea typeface="Verdana" panose="020B0604030504040204" pitchFamily="34" charset="0"/>
+            </a:endParaRPr>
+          </a:p>
+        </p:txBody>
+      </p:sp>
+      <p:sp>
+        <p:nvSpPr>
+          <p:cNvPr id="12" name="Footer Placeholder 7">
+            <a:extLst>
+              <a:ext uri="{FF2B5EF4-FFF2-40B4-BE49-F238E27FC236}">
+                <a16:creationId xmlns:a16="http://schemas.microsoft.com/office/drawing/2014/main" id="{64C57949-E349-47D3-A505-A098233AF49D}"/>
+              </a:ext>
+            </a:extLst>
+          </p:cNvPr>
+          <p:cNvSpPr txBox="1">
+            <a:spLocks/>
+          </p:cNvSpPr>
+          <p:nvPr/>
+        </p:nvSpPr>
+        <p:spPr>
+          <a:xfrm>
+            <a:off x="133897" y="6428848"/>
+            <a:ext cx="4114800" cy="365125"/>
+          </a:xfrm>
+          <a:prstGeom prst="rect">
+            <a:avLst/>
+          </a:prstGeom>
+        </p:spPr>
+        <p:txBody>
+          <a:bodyPr vert="horz" lIns="91440" tIns="45720" rIns="91440" bIns="45720" rtlCol="0" anchor="ctr"/>
+          <a:lstStyle>
+            <a:defPPr>
+              <a:defRPr lang="en-US"/>
+            </a:defPPr>
+            <a:lvl1pPr marL="0" algn="ctr" defTabSz="914400" rtl="0" eaLnBrk="1" latinLnBrk="0" hangingPunct="1">
+              <a:defRPr sz="1200" kern="1200">
+                <a:solidFill>
+                  <a:schemeClr val="tx1">
+                    <a:tint val="75000"/>
+                  </a:schemeClr>
+                </a:solidFill>
+                <a:latin typeface="+mn-lt"/>
+                <a:ea typeface="+mn-ea"/>
+                <a:cs typeface="+mn-cs"/>
+              </a:defRPr>
+            </a:lvl1pPr>
+            <a:lvl2pPr marL="457200" algn="l" defTabSz="914400" rtl="0" eaLnBrk="1" latinLnBrk="0" hangingPunct="1">
+              <a:defRPr sz="1800" kern="1200">
+                <a:solidFill>
+                  <a:schemeClr val="tx1"/>
+                </a:solidFill>
+                <a:latin typeface="+mn-lt"/>
+                <a:ea typeface="+mn-ea"/>
+                <a:cs typeface="+mn-cs"/>
+              </a:defRPr>
+            </a:lvl2pPr>
+            <a:lvl3pPr marL="914400" algn="l" defTabSz="914400" rtl="0" eaLnBrk="1" latinLnBrk="0" hangingPunct="1">
+              <a:defRPr sz="1800" kern="1200">
+                <a:solidFill>
+                  <a:schemeClr val="tx1"/>
+                </a:solidFill>
+                <a:latin typeface="+mn-lt"/>
+                <a:ea typeface="+mn-ea"/>
+                <a:cs typeface="+mn-cs"/>
+              </a:defRPr>
+            </a:lvl3pPr>
+            <a:lvl4pPr marL="1371600" algn="l" defTabSz="914400" rtl="0" eaLnBrk="1" latinLnBrk="0" hangingPunct="1">
+              <a:defRPr sz="1800" kern="1200">
+                <a:solidFill>
+                  <a:schemeClr val="tx1"/>
+                </a:solidFill>
+                <a:latin typeface="+mn-lt"/>
+                <a:ea typeface="+mn-ea"/>
+                <a:cs typeface="+mn-cs"/>
+              </a:defRPr>
+            </a:lvl4pPr>
+            <a:lvl5pPr marL="1828800" algn="l" defTabSz="914400" rtl="0" eaLnBrk="1" latinLnBrk="0" hangingPunct="1">
+              <a:defRPr sz="1800" kern="1200">
+                <a:solidFill>
+                  <a:schemeClr val="tx1"/>
+                </a:solidFill>
+                <a:latin typeface="+mn-lt"/>
+                <a:ea typeface="+mn-ea"/>
+                <a:cs typeface="+mn-cs"/>
+              </a:defRPr>
+            </a:lvl5pPr>
+            <a:lvl6pPr marL="2286000" algn="l" defTabSz="914400" rtl="0" eaLnBrk="1" latinLnBrk="0" hangingPunct="1">
+              <a:defRPr sz="1800" kern="1200">
+                <a:solidFill>
+                  <a:schemeClr val="tx1"/>
+                </a:solidFill>
+                <a:latin typeface="+mn-lt"/>
+                <a:ea typeface="+mn-ea"/>
+                <a:cs typeface="+mn-cs"/>
+              </a:defRPr>
+            </a:lvl6pPr>
+            <a:lvl7pPr marL="2743200" algn="l" defTabSz="914400" rtl="0" eaLnBrk="1" latinLnBrk="0" hangingPunct="1">
+              <a:defRPr sz="1800" kern="1200">
+                <a:solidFill>
+                  <a:schemeClr val="tx1"/>
+                </a:solidFill>
+                <a:latin typeface="+mn-lt"/>
+                <a:ea typeface="+mn-ea"/>
+                <a:cs typeface="+mn-cs"/>
+              </a:defRPr>
+            </a:lvl7pPr>
+            <a:lvl8pPr marL="3200400" algn="l" defTabSz="914400" rtl="0" eaLnBrk="1" latinLnBrk="0" hangingPunct="1">
+              <a:defRPr sz="1800" kern="1200">
+                <a:solidFill>
+                  <a:schemeClr val="tx1"/>
+                </a:solidFill>
+                <a:latin typeface="+mn-lt"/>
+                <a:ea typeface="+mn-ea"/>
+                <a:cs typeface="+mn-cs"/>
+              </a:defRPr>
+            </a:lvl8pPr>
+            <a:lvl9pPr marL="3657600" algn="l" defTabSz="914400" rtl="0" eaLnBrk="1" latinLnBrk="0" hangingPunct="1">
+              <a:defRPr sz="1800" kern="1200">
+                <a:solidFill>
+                  <a:schemeClr val="tx1"/>
+                </a:solidFill>
+                <a:latin typeface="+mn-lt"/>
+                <a:ea typeface="+mn-ea"/>
+                <a:cs typeface="+mn-cs"/>
+              </a:defRPr>
+            </a:lvl9pPr>
+          </a:lstStyle>
+          <a:p>
+            <a:r>
+              <a:rPr lang="en-IN" b="1" dirty="0">
+                <a:solidFill>
+                  <a:srgbClr val="002060"/>
+                </a:solidFill>
+                <a:latin typeface="Verdana" panose="020B0604030504040204" pitchFamily="34" charset="0"/>
+                <a:ea typeface="Verdana" panose="020B0604030504040204" pitchFamily="34" charset="0"/>
+              </a:rPr>
+              <a:t>Dot Net Learners House</a:t>
+            </a:r>
+          </a:p>
+        </p:txBody>
+      </p:sp>
+      <p:sp>
+        <p:nvSpPr>
           <p:cNvPr id="2" name="Rectangle 1">
             <a:extLst>
               <a:ext uri="{FF2B5EF4-FFF2-40B4-BE49-F238E27FC236}">
@@ -26468,6 +26977,970 @@
 </file>
 
 <file path=ppt/slides/slide4.xml><?xml version="1.0" encoding="utf-8"?>
+<p:sld xmlns:a="http://schemas.openxmlformats.org/drawingml/2006/main" xmlns:r="http://schemas.openxmlformats.org/officeDocument/2006/relationships" xmlns:p="http://schemas.openxmlformats.org/presentationml/2006/main">
+  <p:cSld>
+    <p:bg>
+      <p:bgPr>
+        <a:solidFill>
+          <a:srgbClr val="DDF6FF">
+            <a:alpha val="57255"/>
+          </a:srgbClr>
+        </a:solidFill>
+        <a:effectLst/>
+      </p:bgPr>
+    </p:bg>
+    <p:spTree>
+      <p:nvGrpSpPr>
+        <p:cNvPr id="1" name=""/>
+        <p:cNvGrpSpPr/>
+        <p:nvPr/>
+      </p:nvGrpSpPr>
+      <p:grpSpPr>
+        <a:xfrm>
+          <a:off x="0" y="0"/>
+          <a:ext cx="0" cy="0"/>
+          <a:chOff x="0" y="0"/>
+          <a:chExt cx="0" cy="0"/>
+        </a:xfrm>
+      </p:grpSpPr>
+      <p:pic>
+        <p:nvPicPr>
+          <p:cNvPr id="3" name="Picture 2" descr="A picture containing clock&#10;&#10;Description automatically generated">
+            <a:extLst>
+              <a:ext uri="{FF2B5EF4-FFF2-40B4-BE49-F238E27FC236}">
+                <a16:creationId xmlns:a16="http://schemas.microsoft.com/office/drawing/2014/main" id="{62E6EE82-F943-44CA-BB3B-CE750A0FB636}"/>
+              </a:ext>
+            </a:extLst>
+          </p:cNvPr>
+          <p:cNvPicPr>
+            <a:picLocks noChangeAspect="1"/>
+          </p:cNvPicPr>
+          <p:nvPr/>
+        </p:nvPicPr>
+        <p:blipFill>
+          <a:blip r:embed="rId2">
+            <a:extLst>
+              <a:ext uri="{28A0092B-C50C-407E-A947-70E740481C1C}">
+                <a14:useLocalDpi xmlns:a14="http://schemas.microsoft.com/office/drawing/2010/main" val="0"/>
+              </a:ext>
+            </a:extLst>
+          </a:blip>
+          <a:stretch>
+            <a:fillRect/>
+          </a:stretch>
+        </p:blipFill>
+        <p:spPr>
+          <a:xfrm>
+            <a:off x="66108" y="56782"/>
+            <a:ext cx="1280160" cy="1280160"/>
+          </a:xfrm>
+          <a:prstGeom prst="rect">
+            <a:avLst/>
+          </a:prstGeom>
+        </p:spPr>
+      </p:pic>
+      <p:sp>
+        <p:nvSpPr>
+          <p:cNvPr id="8" name="TextBox 7">
+            <a:extLst>
+              <a:ext uri="{FF2B5EF4-FFF2-40B4-BE49-F238E27FC236}">
+                <a16:creationId xmlns:a16="http://schemas.microsoft.com/office/drawing/2014/main" id="{A9419823-B639-466F-ACA1-1FC62BA6D475}"/>
+              </a:ext>
+            </a:extLst>
+          </p:cNvPr>
+          <p:cNvSpPr txBox="1"/>
+          <p:nvPr/>
+        </p:nvSpPr>
+        <p:spPr>
+          <a:xfrm flipH="1">
+            <a:off x="3522902" y="435701"/>
+            <a:ext cx="5114741" cy="523220"/>
+          </a:xfrm>
+          <a:prstGeom prst="rect">
+            <a:avLst/>
+          </a:prstGeom>
+          <a:noFill/>
+        </p:spPr>
+        <p:txBody>
+          <a:bodyPr wrap="square" rtlCol="0">
+            <a:spAutoFit/>
+          </a:bodyPr>
+          <a:lstStyle/>
+          <a:p>
+            <a:pPr marL="0" marR="0" lvl="0" indent="0" algn="ctr" defTabSz="457200" rtl="0" eaLnBrk="1" fontAlgn="auto" latinLnBrk="0" hangingPunct="1">
+              <a:lnSpc>
+                <a:spcPct val="100000"/>
+              </a:lnSpc>
+              <a:spcBef>
+                <a:spcPts val="0"/>
+              </a:spcBef>
+              <a:spcAft>
+                <a:spcPts val="0"/>
+              </a:spcAft>
+              <a:buClrTx/>
+              <a:buSzTx/>
+              <a:buFontTx/>
+              <a:buNone/>
+              <a:tabLst/>
+              <a:defRPr/>
+            </a:pPr>
+            <a:r>
+              <a:rPr kumimoji="0" lang="en-US" sz="2800" b="1" i="0" u="none" strike="noStrike" kern="1200" cap="none" spc="0" normalizeH="0" baseline="0" noProof="0" dirty="0">
+                <a:ln>
+                  <a:noFill/>
+                </a:ln>
+                <a:solidFill>
+                  <a:srgbClr val="002060"/>
+                </a:solidFill>
+                <a:effectLst/>
+                <a:uLnTx/>
+                <a:uFillTx/>
+                <a:latin typeface="Verdana" panose="020B0604030504040204" pitchFamily="34" charset="0"/>
+                <a:ea typeface="Verdana" panose="020B0604030504040204" pitchFamily="34" charset="0"/>
+                <a:cs typeface="+mn-cs"/>
+              </a:rPr>
+              <a:t>Dotnet Learners House</a:t>
+            </a:r>
+            <a:endParaRPr kumimoji="0" lang="en-IN" sz="3600" b="1" i="0" u="none" strike="noStrike" kern="1200" cap="none" spc="0" normalizeH="0" baseline="0" noProof="0" dirty="0">
+              <a:ln>
+                <a:noFill/>
+              </a:ln>
+              <a:solidFill>
+                <a:srgbClr val="002060"/>
+              </a:solidFill>
+              <a:effectLst/>
+              <a:uLnTx/>
+              <a:uFillTx/>
+              <a:latin typeface="Verdana" panose="020B0604030504040204" pitchFamily="34" charset="0"/>
+              <a:ea typeface="Verdana" panose="020B0604030504040204" pitchFamily="34" charset="0"/>
+              <a:cs typeface="+mn-cs"/>
+            </a:endParaRPr>
+          </a:p>
+        </p:txBody>
+      </p:sp>
+      <p:sp>
+        <p:nvSpPr>
+          <p:cNvPr id="9" name="Rectangle 8">
+            <a:extLst>
+              <a:ext uri="{FF2B5EF4-FFF2-40B4-BE49-F238E27FC236}">
+                <a16:creationId xmlns:a16="http://schemas.microsoft.com/office/drawing/2014/main" id="{E0F94095-CE9B-45A9-AE49-36F9EA82D0B1}"/>
+              </a:ext>
+            </a:extLst>
+          </p:cNvPr>
+          <p:cNvSpPr/>
+          <p:nvPr/>
+        </p:nvSpPr>
+        <p:spPr>
+          <a:xfrm>
+            <a:off x="-8878" y="1364429"/>
+            <a:ext cx="12212326" cy="45719"/>
+          </a:xfrm>
+          <a:prstGeom prst="rect">
+            <a:avLst/>
+          </a:prstGeom>
+          <a:solidFill>
+            <a:srgbClr val="002060"/>
+          </a:solidFill>
+          <a:ln>
+            <a:solidFill>
+              <a:schemeClr val="tx1"/>
+            </a:solidFill>
+          </a:ln>
+        </p:spPr>
+        <p:style>
+          <a:lnRef idx="2">
+            <a:schemeClr val="accent1">
+              <a:shade val="50000"/>
+            </a:schemeClr>
+          </a:lnRef>
+          <a:fillRef idx="1">
+            <a:schemeClr val="accent1"/>
+          </a:fillRef>
+          <a:effectRef idx="0">
+            <a:schemeClr val="accent1"/>
+          </a:effectRef>
+          <a:fontRef idx="minor">
+            <a:schemeClr val="lt1"/>
+          </a:fontRef>
+        </p:style>
+        <p:txBody>
+          <a:bodyPr rtlCol="0" anchor="ctr"/>
+          <a:lstStyle/>
+          <a:p>
+            <a:pPr marL="0" marR="0" lvl="0" indent="0" algn="ctr" defTabSz="457200" rtl="0" eaLnBrk="1" fontAlgn="auto" latinLnBrk="0" hangingPunct="1">
+              <a:lnSpc>
+                <a:spcPct val="100000"/>
+              </a:lnSpc>
+              <a:spcBef>
+                <a:spcPts val="0"/>
+              </a:spcBef>
+              <a:spcAft>
+                <a:spcPts val="0"/>
+              </a:spcAft>
+              <a:buClrTx/>
+              <a:buSzTx/>
+              <a:buFontTx/>
+              <a:buNone/>
+              <a:tabLst/>
+              <a:defRPr/>
+            </a:pPr>
+            <a:endParaRPr kumimoji="0" lang="en-IN" sz="1800" b="0" i="0" u="none" strike="noStrike" kern="1200" cap="none" spc="0" normalizeH="0" baseline="0" noProof="0">
+              <a:ln>
+                <a:noFill/>
+              </a:ln>
+              <a:solidFill>
+                <a:prstClr val="white"/>
+              </a:solidFill>
+              <a:effectLst/>
+              <a:uLnTx/>
+              <a:uFillTx/>
+              <a:latin typeface="Calibri" panose="020F0502020204030204"/>
+              <a:ea typeface="+mn-ea"/>
+              <a:cs typeface="+mn-cs"/>
+            </a:endParaRPr>
+          </a:p>
+        </p:txBody>
+      </p:sp>
+      <p:sp>
+        <p:nvSpPr>
+          <p:cNvPr id="10" name="TextBox 9">
+            <a:extLst>
+              <a:ext uri="{FF2B5EF4-FFF2-40B4-BE49-F238E27FC236}">
+                <a16:creationId xmlns:a16="http://schemas.microsoft.com/office/drawing/2014/main" id="{0C165948-D2A1-408F-800D-6E932FC7A2EF}"/>
+              </a:ext>
+            </a:extLst>
+          </p:cNvPr>
+          <p:cNvSpPr txBox="1"/>
+          <p:nvPr/>
+        </p:nvSpPr>
+        <p:spPr>
+          <a:xfrm>
+            <a:off x="66108" y="6500471"/>
+            <a:ext cx="12047958" cy="307777"/>
+          </a:xfrm>
+          <a:prstGeom prst="rect">
+            <a:avLst/>
+          </a:prstGeom>
+          <a:noFill/>
+        </p:spPr>
+        <p:txBody>
+          <a:bodyPr wrap="square" rtlCol="0">
+            <a:spAutoFit/>
+          </a:bodyPr>
+          <a:lstStyle/>
+          <a:p>
+            <a:pPr marL="0" marR="0" lvl="0" indent="0" algn="l" defTabSz="457200" rtl="0" eaLnBrk="1" fontAlgn="auto" latinLnBrk="0" hangingPunct="1">
+              <a:lnSpc>
+                <a:spcPct val="100000"/>
+              </a:lnSpc>
+              <a:spcBef>
+                <a:spcPts val="0"/>
+              </a:spcBef>
+              <a:spcAft>
+                <a:spcPts val="0"/>
+              </a:spcAft>
+              <a:buClrTx/>
+              <a:buSzTx/>
+              <a:buFontTx/>
+              <a:buNone/>
+              <a:tabLst/>
+              <a:defRPr/>
+            </a:pPr>
+            <a:r>
+              <a:rPr kumimoji="0" lang="en-US" sz="1400" b="0" i="0" u="none" strike="noStrike" kern="1200" cap="none" spc="0" normalizeH="0" baseline="0" noProof="0" dirty="0">
+                <a:ln>
+                  <a:noFill/>
+                </a:ln>
+                <a:solidFill>
+                  <a:srgbClr val="002060"/>
+                </a:solidFill>
+                <a:effectLst/>
+                <a:uLnTx/>
+                <a:uFillTx/>
+                <a:latin typeface="Verdana" panose="020B0604030504040204" pitchFamily="34" charset="0"/>
+                <a:ea typeface="Verdana" panose="020B0604030504040204" pitchFamily="34" charset="0"/>
+                <a:cs typeface="+mn-cs"/>
+              </a:rPr>
+              <a:t>Event URL: http://bit.ly/3XJ7IQB</a:t>
+            </a:r>
+          </a:p>
+        </p:txBody>
+      </p:sp>
+      <p:sp>
+        <p:nvSpPr>
+          <p:cNvPr id="12" name="TextBox 11">
+            <a:extLst>
+              <a:ext uri="{FF2B5EF4-FFF2-40B4-BE49-F238E27FC236}">
+                <a16:creationId xmlns:a16="http://schemas.microsoft.com/office/drawing/2014/main" id="{A0D50C87-1C09-438A-9731-6BE1795CE915}"/>
+              </a:ext>
+            </a:extLst>
+          </p:cNvPr>
+          <p:cNvSpPr txBox="1"/>
+          <p:nvPr/>
+        </p:nvSpPr>
+        <p:spPr>
+          <a:xfrm flipH="1">
+            <a:off x="66108" y="1497529"/>
+            <a:ext cx="12061944" cy="523220"/>
+          </a:xfrm>
+          <a:prstGeom prst="rect">
+            <a:avLst/>
+          </a:prstGeom>
+          <a:noFill/>
+        </p:spPr>
+        <p:txBody>
+          <a:bodyPr wrap="square" rtlCol="0">
+            <a:spAutoFit/>
+          </a:bodyPr>
+          <a:lstStyle/>
+          <a:p>
+            <a:pPr marL="0" marR="0" lvl="0" indent="0" algn="ctr" defTabSz="457200" rtl="0" eaLnBrk="1" fontAlgn="auto" latinLnBrk="0" hangingPunct="1">
+              <a:lnSpc>
+                <a:spcPct val="100000"/>
+              </a:lnSpc>
+              <a:spcBef>
+                <a:spcPts val="0"/>
+              </a:spcBef>
+              <a:spcAft>
+                <a:spcPts val="0"/>
+              </a:spcAft>
+              <a:buClrTx/>
+              <a:buSzTx/>
+              <a:buFontTx/>
+              <a:buNone/>
+              <a:tabLst/>
+              <a:defRPr/>
+            </a:pPr>
+            <a:r>
+              <a:rPr kumimoji="0" lang="en-US" sz="2800" b="0" i="0" u="none" strike="noStrike" kern="1200" cap="none" spc="0" normalizeH="0" baseline="0" noProof="0" dirty="0">
+                <a:ln>
+                  <a:noFill/>
+                </a:ln>
+                <a:solidFill>
+                  <a:srgbClr val="002060"/>
+                </a:solidFill>
+                <a:effectLst/>
+                <a:uLnTx/>
+                <a:uFillTx/>
+                <a:latin typeface="Verdana" panose="020B0604030504040204" pitchFamily="34" charset="0"/>
+                <a:ea typeface="Verdana" panose="020B0604030504040204" pitchFamily="34" charset="0"/>
+                <a:cs typeface="+mn-cs"/>
+              </a:rPr>
+              <a:t>C# (.NET 6) on AWS - Getting Started With Fargate and ECS</a:t>
+            </a:r>
+            <a:endParaRPr kumimoji="0" lang="en-IN" sz="2800" b="0" i="0" u="none" strike="noStrike" kern="1200" cap="none" spc="0" normalizeH="0" baseline="0" noProof="0" dirty="0">
+              <a:ln>
+                <a:noFill/>
+              </a:ln>
+              <a:solidFill>
+                <a:srgbClr val="002060"/>
+              </a:solidFill>
+              <a:effectLst/>
+              <a:uLnTx/>
+              <a:uFillTx/>
+              <a:latin typeface="Verdana" panose="020B0604030504040204" pitchFamily="34" charset="0"/>
+              <a:ea typeface="Verdana" panose="020B0604030504040204" pitchFamily="34" charset="0"/>
+              <a:cs typeface="+mn-cs"/>
+            </a:endParaRPr>
+          </a:p>
+        </p:txBody>
+      </p:sp>
+      <p:sp>
+        <p:nvSpPr>
+          <p:cNvPr id="14" name="TextBox 13">
+            <a:extLst>
+              <a:ext uri="{FF2B5EF4-FFF2-40B4-BE49-F238E27FC236}">
+                <a16:creationId xmlns:a16="http://schemas.microsoft.com/office/drawing/2014/main" id="{398C47EB-3F27-41BC-9F96-24F432CDB172}"/>
+              </a:ext>
+            </a:extLst>
+          </p:cNvPr>
+          <p:cNvSpPr txBox="1"/>
+          <p:nvPr/>
+        </p:nvSpPr>
+        <p:spPr>
+          <a:xfrm>
+            <a:off x="717075" y="2131780"/>
+            <a:ext cx="3170016" cy="400110"/>
+          </a:xfrm>
+          <a:prstGeom prst="rect">
+            <a:avLst/>
+          </a:prstGeom>
+          <a:noFill/>
+          <a:ln>
+            <a:noFill/>
+          </a:ln>
+        </p:spPr>
+        <p:txBody>
+          <a:bodyPr wrap="square" rtlCol="0">
+            <a:spAutoFit/>
+          </a:bodyPr>
+          <a:lstStyle/>
+          <a:p>
+            <a:pPr marL="0" marR="0" lvl="0" indent="0" algn="l" defTabSz="457200" rtl="0" eaLnBrk="1" fontAlgn="auto" latinLnBrk="0" hangingPunct="1">
+              <a:lnSpc>
+                <a:spcPct val="100000"/>
+              </a:lnSpc>
+              <a:spcBef>
+                <a:spcPts val="0"/>
+              </a:spcBef>
+              <a:spcAft>
+                <a:spcPts val="0"/>
+              </a:spcAft>
+              <a:buClrTx/>
+              <a:buSzTx/>
+              <a:buFontTx/>
+              <a:buNone/>
+              <a:tabLst/>
+              <a:defRPr/>
+            </a:pPr>
+            <a:r>
+              <a:rPr kumimoji="0" lang="en-US" sz="2000" b="0" i="0" u="none" strike="noStrike" kern="1200" cap="none" spc="136" normalizeH="0" baseline="0" noProof="0" dirty="0">
+                <a:ln w="0"/>
+                <a:solidFill>
+                  <a:srgbClr val="002060"/>
+                </a:solidFill>
+                <a:effectLst>
+                  <a:innerShdw blurRad="63500" dist="50800" dir="13500000">
+                    <a:srgbClr val="000000">
+                      <a:alpha val="50000"/>
+                    </a:srgbClr>
+                  </a:innerShdw>
+                </a:effectLst>
+                <a:uLnTx/>
+                <a:uFillTx/>
+                <a:latin typeface="Calibri" panose="020F0502020204030204"/>
+                <a:ea typeface="+mn-ea"/>
+                <a:cs typeface="+mn-cs"/>
+              </a:rPr>
+              <a:t>Sunday, Jan 29, 2023</a:t>
+            </a:r>
+            <a:endParaRPr kumimoji="0" lang="en-IN" sz="2000" b="0" i="0" u="none" strike="noStrike" kern="1200" cap="none" spc="0" normalizeH="0" baseline="0" noProof="0" dirty="0">
+              <a:ln>
+                <a:noFill/>
+              </a:ln>
+              <a:solidFill>
+                <a:srgbClr val="002060"/>
+              </a:solidFill>
+              <a:effectLst/>
+              <a:uLnTx/>
+              <a:uFillTx/>
+              <a:latin typeface="Calibri" panose="020F0502020204030204"/>
+              <a:ea typeface="+mn-ea"/>
+              <a:cs typeface="+mn-cs"/>
+            </a:endParaRPr>
+          </a:p>
+        </p:txBody>
+      </p:sp>
+      <p:pic>
+        <p:nvPicPr>
+          <p:cNvPr id="15" name="Graphic 14" descr="Daily calendar with solid fill">
+            <a:extLst>
+              <a:ext uri="{FF2B5EF4-FFF2-40B4-BE49-F238E27FC236}">
+                <a16:creationId xmlns:a16="http://schemas.microsoft.com/office/drawing/2014/main" id="{EEDFFAB4-6094-407A-8D65-218D9D010922}"/>
+              </a:ext>
+            </a:extLst>
+          </p:cNvPr>
+          <p:cNvPicPr>
+            <a:picLocks noChangeAspect="1"/>
+          </p:cNvPicPr>
+          <p:nvPr/>
+        </p:nvPicPr>
+        <p:blipFill>
+          <a:blip r:embed="rId3">
+            <a:extLst>
+              <a:ext uri="{28A0092B-C50C-407E-A947-70E740481C1C}">
+                <a14:useLocalDpi xmlns:a14="http://schemas.microsoft.com/office/drawing/2010/main" val="0"/>
+              </a:ext>
+              <a:ext uri="{96DAC541-7B7A-43D3-8B79-37D633B846F1}">
+                <asvg:svgBlip xmlns:asvg="http://schemas.microsoft.com/office/drawing/2016/SVG/main" r:embed="rId4"/>
+              </a:ext>
+            </a:extLst>
+          </a:blip>
+          <a:stretch>
+            <a:fillRect/>
+          </a:stretch>
+        </p:blipFill>
+        <p:spPr>
+          <a:xfrm>
+            <a:off x="349109" y="2067080"/>
+            <a:ext cx="357082" cy="497840"/>
+          </a:xfrm>
+          <a:prstGeom prst="rect">
+            <a:avLst/>
+          </a:prstGeom>
+        </p:spPr>
+      </p:pic>
+      <p:pic>
+        <p:nvPicPr>
+          <p:cNvPr id="16" name="Graphic 15" descr="Clock with solid fill">
+            <a:extLst>
+              <a:ext uri="{FF2B5EF4-FFF2-40B4-BE49-F238E27FC236}">
+                <a16:creationId xmlns:a16="http://schemas.microsoft.com/office/drawing/2014/main" id="{AD753C80-3D7A-495C-876B-6233CD97D493}"/>
+              </a:ext>
+            </a:extLst>
+          </p:cNvPr>
+          <p:cNvPicPr>
+            <a:picLocks noChangeAspect="1"/>
+          </p:cNvPicPr>
+          <p:nvPr/>
+        </p:nvPicPr>
+        <p:blipFill>
+          <a:blip r:embed="rId5">
+            <a:extLst>
+              <a:ext uri="{28A0092B-C50C-407E-A947-70E740481C1C}">
+                <a14:useLocalDpi xmlns:a14="http://schemas.microsoft.com/office/drawing/2010/main" val="0"/>
+              </a:ext>
+              <a:ext uri="{96DAC541-7B7A-43D3-8B79-37D633B846F1}">
+                <asvg:svgBlip xmlns:asvg="http://schemas.microsoft.com/office/drawing/2016/SVG/main" r:embed="rId6"/>
+              </a:ext>
+            </a:extLst>
+          </a:blip>
+          <a:stretch>
+            <a:fillRect/>
+          </a:stretch>
+        </p:blipFill>
+        <p:spPr>
+          <a:xfrm>
+            <a:off x="3796013" y="2067080"/>
+            <a:ext cx="497840" cy="497840"/>
+          </a:xfrm>
+          <a:prstGeom prst="rect">
+            <a:avLst/>
+          </a:prstGeom>
+        </p:spPr>
+      </p:pic>
+      <p:sp>
+        <p:nvSpPr>
+          <p:cNvPr id="17" name="TextBox 16">
+            <a:extLst>
+              <a:ext uri="{FF2B5EF4-FFF2-40B4-BE49-F238E27FC236}">
+                <a16:creationId xmlns:a16="http://schemas.microsoft.com/office/drawing/2014/main" id="{4794E653-E567-413E-93B4-AC8E24ACCE9F}"/>
+              </a:ext>
+            </a:extLst>
+          </p:cNvPr>
+          <p:cNvSpPr txBox="1"/>
+          <p:nvPr/>
+        </p:nvSpPr>
+        <p:spPr>
+          <a:xfrm>
+            <a:off x="4304737" y="2137027"/>
+            <a:ext cx="4419600" cy="400110"/>
+          </a:xfrm>
+          <a:prstGeom prst="rect">
+            <a:avLst/>
+          </a:prstGeom>
+          <a:noFill/>
+          <a:ln>
+            <a:noFill/>
+          </a:ln>
+        </p:spPr>
+        <p:txBody>
+          <a:bodyPr wrap="square" rtlCol="0">
+            <a:spAutoFit/>
+          </a:bodyPr>
+          <a:lstStyle/>
+          <a:p>
+            <a:pPr marL="0" marR="0" lvl="0" indent="0" algn="l" defTabSz="457200" rtl="0" eaLnBrk="1" fontAlgn="auto" latinLnBrk="0" hangingPunct="1">
+              <a:lnSpc>
+                <a:spcPct val="100000"/>
+              </a:lnSpc>
+              <a:spcBef>
+                <a:spcPts val="0"/>
+              </a:spcBef>
+              <a:spcAft>
+                <a:spcPts val="0"/>
+              </a:spcAft>
+              <a:buClrTx/>
+              <a:buSzTx/>
+              <a:buFontTx/>
+              <a:buNone/>
+              <a:tabLst/>
+              <a:defRPr/>
+            </a:pPr>
+            <a:r>
+              <a:rPr kumimoji="0" lang="en-US" sz="2000" b="0" i="0" u="none" strike="noStrike" kern="1200" cap="none" spc="136" normalizeH="0" baseline="0" noProof="0" dirty="0">
+                <a:ln w="0"/>
+                <a:solidFill>
+                  <a:srgbClr val="002060"/>
+                </a:solidFill>
+                <a:effectLst>
+                  <a:innerShdw blurRad="63500" dist="50800" dir="13500000">
+                    <a:srgbClr val="000000">
+                      <a:alpha val="50000"/>
+                    </a:srgbClr>
+                  </a:innerShdw>
+                </a:effectLst>
+                <a:uLnTx/>
+                <a:uFillTx/>
+                <a:latin typeface="Calibri" panose="020F0502020204030204"/>
+                <a:ea typeface="+mn-ea"/>
+                <a:cs typeface="+mn-cs"/>
+              </a:rPr>
+              <a:t>09:00 AM (IST)</a:t>
+            </a:r>
+            <a:endParaRPr kumimoji="0" lang="en-IN" sz="2000" b="0" i="0" u="none" strike="noStrike" kern="1200" cap="none" spc="0" normalizeH="0" baseline="0" noProof="0" dirty="0">
+              <a:ln>
+                <a:noFill/>
+              </a:ln>
+              <a:solidFill>
+                <a:srgbClr val="002060"/>
+              </a:solidFill>
+              <a:effectLst/>
+              <a:uLnTx/>
+              <a:uFillTx/>
+              <a:latin typeface="Calibri" panose="020F0502020204030204"/>
+              <a:ea typeface="+mn-ea"/>
+              <a:cs typeface="+mn-cs"/>
+            </a:endParaRPr>
+          </a:p>
+        </p:txBody>
+      </p:sp>
+      <p:pic>
+        <p:nvPicPr>
+          <p:cNvPr id="32" name="Picture 2">
+            <a:extLst>
+              <a:ext uri="{FF2B5EF4-FFF2-40B4-BE49-F238E27FC236}">
+                <a16:creationId xmlns:a16="http://schemas.microsoft.com/office/drawing/2014/main" id="{C331196E-41B2-4492-BF96-11C6FF8A24B1}"/>
+              </a:ext>
+            </a:extLst>
+          </p:cNvPr>
+          <p:cNvPicPr>
+            <a:picLocks noChangeAspect="1" noChangeArrowheads="1"/>
+          </p:cNvPicPr>
+          <p:nvPr/>
+        </p:nvPicPr>
+        <p:blipFill>
+          <a:blip r:embed="rId7">
+            <a:extLst>
+              <a:ext uri="{28A0092B-C50C-407E-A947-70E740481C1C}">
+                <a14:useLocalDpi xmlns:a14="http://schemas.microsoft.com/office/drawing/2010/main" val="0"/>
+              </a:ext>
+            </a:extLst>
+          </a:blip>
+          <a:srcRect/>
+          <a:stretch>
+            <a:fillRect/>
+          </a:stretch>
+        </p:blipFill>
+        <p:spPr bwMode="auto">
+          <a:xfrm>
+            <a:off x="10833906" y="56782"/>
+            <a:ext cx="1280160" cy="1280160"/>
+          </a:xfrm>
+          <a:prstGeom prst="rect">
+            <a:avLst/>
+          </a:prstGeom>
+          <a:noFill/>
+          <a:extLst>
+            <a:ext uri="{909E8E84-426E-40DD-AFC4-6F175D3DCCD1}">
+              <a14:hiddenFill xmlns:a14="http://schemas.microsoft.com/office/drawing/2010/main">
+                <a:solidFill>
+                  <a:srgbClr val="FFFFFF"/>
+                </a:solidFill>
+              </a14:hiddenFill>
+            </a:ext>
+          </a:extLst>
+        </p:spPr>
+      </p:pic>
+      <p:sp>
+        <p:nvSpPr>
+          <p:cNvPr id="20" name="TextBox 19">
+            <a:extLst>
+              <a:ext uri="{FF2B5EF4-FFF2-40B4-BE49-F238E27FC236}">
+                <a16:creationId xmlns:a16="http://schemas.microsoft.com/office/drawing/2014/main" id="{64A38818-751E-46AD-A8F6-E9E15957625E}"/>
+              </a:ext>
+            </a:extLst>
+          </p:cNvPr>
+          <p:cNvSpPr txBox="1"/>
+          <p:nvPr/>
+        </p:nvSpPr>
+        <p:spPr>
+          <a:xfrm>
+            <a:off x="3092614" y="3603981"/>
+            <a:ext cx="8803478" cy="1815882"/>
+          </a:xfrm>
+          <a:prstGeom prst="rect">
+            <a:avLst/>
+          </a:prstGeom>
+          <a:noFill/>
+        </p:spPr>
+        <p:txBody>
+          <a:bodyPr wrap="square" lIns="91440" tIns="45720" rIns="91440" bIns="45720" rtlCol="0" anchor="t">
+            <a:spAutoFit/>
+          </a:bodyPr>
+          <a:lstStyle/>
+          <a:p>
+            <a:pPr marL="0" marR="0" lvl="0" indent="0" algn="l" defTabSz="457200" rtl="0" eaLnBrk="1" fontAlgn="auto" latinLnBrk="0" hangingPunct="1">
+              <a:lnSpc>
+                <a:spcPct val="100000"/>
+              </a:lnSpc>
+              <a:spcBef>
+                <a:spcPts val="0"/>
+              </a:spcBef>
+              <a:spcAft>
+                <a:spcPts val="0"/>
+              </a:spcAft>
+              <a:buClrTx/>
+              <a:buSzTx/>
+              <a:buFontTx/>
+              <a:buNone/>
+              <a:tabLst/>
+              <a:defRPr/>
+            </a:pPr>
+            <a:r>
+              <a:rPr kumimoji="0" lang="en-US" sz="2400" b="0" i="0" u="none" strike="noStrike" kern="1200" cap="none" spc="0" normalizeH="0" baseline="0" noProof="0" dirty="0">
+                <a:ln>
+                  <a:noFill/>
+                </a:ln>
+                <a:solidFill>
+                  <a:srgbClr val="7030A0"/>
+                </a:solidFill>
+                <a:effectLst/>
+                <a:uLnTx/>
+                <a:uFillTx/>
+                <a:latin typeface="Verdana" panose="020B0604030504040204" pitchFamily="34" charset="0"/>
+                <a:ea typeface="Verdana" panose="020B0604030504040204" pitchFamily="34" charset="0"/>
+                <a:cs typeface="Calibri" panose="020F0502020204030204"/>
+              </a:rPr>
+              <a:t>C# .NET 6 AWS - Getting Started With Fargate and ECS</a:t>
+            </a:r>
+            <a:endParaRPr kumimoji="0" lang="en-US" sz="3200" b="0" i="0" u="none" strike="noStrike" kern="1200" cap="none" spc="0" normalizeH="0" baseline="0" noProof="0" dirty="0">
+              <a:ln>
+                <a:noFill/>
+              </a:ln>
+              <a:solidFill>
+                <a:srgbClr val="7030A0"/>
+              </a:solidFill>
+              <a:effectLst/>
+              <a:uLnTx/>
+              <a:uFillTx/>
+              <a:latin typeface="Verdana" panose="020B0604030504040204" pitchFamily="34" charset="0"/>
+              <a:ea typeface="Verdana" panose="020B0604030504040204" pitchFamily="34" charset="0"/>
+              <a:cs typeface="Calibri" panose="020F0502020204030204"/>
+            </a:endParaRPr>
+          </a:p>
+          <a:p>
+            <a:pPr marL="0" marR="0" lvl="0" indent="0" algn="l" defTabSz="457200" rtl="0" eaLnBrk="1" fontAlgn="auto" latinLnBrk="0" hangingPunct="1">
+              <a:lnSpc>
+                <a:spcPct val="100000"/>
+              </a:lnSpc>
+              <a:spcBef>
+                <a:spcPts val="0"/>
+              </a:spcBef>
+              <a:spcAft>
+                <a:spcPts val="0"/>
+              </a:spcAft>
+              <a:buClrTx/>
+              <a:buSzTx/>
+              <a:buFontTx/>
+              <a:buNone/>
+              <a:tabLst/>
+              <a:defRPr/>
+            </a:pPr>
+            <a:endParaRPr kumimoji="0" lang="en-US" sz="3200" b="0" i="0" u="none" strike="noStrike" kern="1200" cap="none" spc="0" normalizeH="0" baseline="0" noProof="0" dirty="0">
+              <a:ln>
+                <a:noFill/>
+              </a:ln>
+              <a:solidFill>
+                <a:srgbClr val="7030A0"/>
+              </a:solidFill>
+              <a:effectLst/>
+              <a:uLnTx/>
+              <a:uFillTx/>
+              <a:latin typeface="Verdana" panose="020B0604030504040204" pitchFamily="34" charset="0"/>
+              <a:ea typeface="Verdana" panose="020B0604030504040204" pitchFamily="34" charset="0"/>
+              <a:cs typeface="Calibri" panose="020F0502020204030204"/>
+            </a:endParaRPr>
+          </a:p>
+          <a:p>
+            <a:pPr marL="0" marR="0" lvl="0" indent="0" algn="l" defTabSz="457200" rtl="0" eaLnBrk="1" fontAlgn="auto" latinLnBrk="0" hangingPunct="1">
+              <a:lnSpc>
+                <a:spcPct val="100000"/>
+              </a:lnSpc>
+              <a:spcBef>
+                <a:spcPts val="0"/>
+              </a:spcBef>
+              <a:spcAft>
+                <a:spcPts val="0"/>
+              </a:spcAft>
+              <a:buClrTx/>
+              <a:buSzTx/>
+              <a:buFontTx/>
+              <a:buNone/>
+              <a:tabLst/>
+              <a:defRPr/>
+            </a:pPr>
+            <a:endParaRPr kumimoji="0" lang="en-US" sz="1600" b="0" i="0" u="none" strike="noStrike" kern="1200" cap="none" spc="0" normalizeH="0" baseline="0" noProof="0" dirty="0">
+              <a:ln>
+                <a:noFill/>
+              </a:ln>
+              <a:solidFill>
+                <a:srgbClr val="7030A0"/>
+              </a:solidFill>
+              <a:effectLst/>
+              <a:uLnTx/>
+              <a:uFillTx/>
+              <a:latin typeface="Verdana" panose="020B0604030504040204" pitchFamily="34" charset="0"/>
+              <a:ea typeface="Verdana" panose="020B0604030504040204" pitchFamily="34" charset="0"/>
+              <a:cs typeface="Calibri" panose="020F0502020204030204"/>
+            </a:endParaRPr>
+          </a:p>
+          <a:p>
+            <a:pPr marL="0" marR="0" lvl="0" indent="0" algn="l" defTabSz="457200" rtl="0" eaLnBrk="1" fontAlgn="auto" latinLnBrk="0" hangingPunct="1">
+              <a:lnSpc>
+                <a:spcPct val="100000"/>
+              </a:lnSpc>
+              <a:spcBef>
+                <a:spcPts val="0"/>
+              </a:spcBef>
+              <a:spcAft>
+                <a:spcPts val="0"/>
+              </a:spcAft>
+              <a:buClrTx/>
+              <a:buSzTx/>
+              <a:buFontTx/>
+              <a:buNone/>
+              <a:tabLst/>
+              <a:defRPr/>
+            </a:pPr>
+            <a:r>
+              <a:rPr kumimoji="0" lang="en-US" sz="2000" b="0" i="0" u="none" strike="noStrike" kern="1200" cap="none" spc="0" normalizeH="0" baseline="0" noProof="0" dirty="0">
+                <a:ln>
+                  <a:noFill/>
+                </a:ln>
+                <a:solidFill>
+                  <a:srgbClr val="7030A0"/>
+                </a:solidFill>
+                <a:effectLst/>
+                <a:uLnTx/>
+                <a:uFillTx/>
+                <a:latin typeface="Verdana" panose="020B0604030504040204" pitchFamily="34" charset="0"/>
+                <a:ea typeface="Verdana" panose="020B0604030504040204" pitchFamily="34" charset="0"/>
+                <a:cs typeface="Calibri" panose="020F0502020204030204"/>
+              </a:rPr>
+              <a:t>Viswanatha Swamy</a:t>
+            </a:r>
+          </a:p>
+          <a:p>
+            <a:pPr marL="0" marR="0" lvl="0" indent="0" algn="l" defTabSz="457200" rtl="0" eaLnBrk="1" fontAlgn="auto" latinLnBrk="0" hangingPunct="1">
+              <a:lnSpc>
+                <a:spcPct val="100000"/>
+              </a:lnSpc>
+              <a:spcBef>
+                <a:spcPts val="0"/>
+              </a:spcBef>
+              <a:spcAft>
+                <a:spcPts val="0"/>
+              </a:spcAft>
+              <a:buClrTx/>
+              <a:buSzTx/>
+              <a:buFontTx/>
+              <a:buNone/>
+              <a:tabLst/>
+              <a:defRPr/>
+            </a:pPr>
+            <a:r>
+              <a:rPr kumimoji="0" lang="en-US" sz="2000" b="0" i="0" u="none" strike="noStrike" kern="1200" cap="none" spc="0" normalizeH="0" baseline="0" noProof="0" dirty="0">
+                <a:ln>
+                  <a:noFill/>
+                </a:ln>
+                <a:solidFill>
+                  <a:srgbClr val="002060"/>
+                </a:solidFill>
+                <a:effectLst/>
+                <a:uLnTx/>
+                <a:uFillTx/>
+                <a:latin typeface="Verdana" panose="020B0604030504040204" pitchFamily="34" charset="0"/>
+                <a:ea typeface="Verdana" panose="020B0604030504040204" pitchFamily="34" charset="0"/>
+                <a:cs typeface="Calibri" panose="020F0502020204030204"/>
+              </a:rPr>
+              <a:t>Associate Architect - AIS</a:t>
+            </a:r>
+            <a:endParaRPr kumimoji="0" lang="en-US" sz="2000" b="1" i="0" u="none" strike="noStrike" kern="1200" cap="none" spc="0" normalizeH="0" baseline="0" noProof="0" dirty="0">
+              <a:ln>
+                <a:noFill/>
+              </a:ln>
+              <a:solidFill>
+                <a:srgbClr val="002060"/>
+              </a:solidFill>
+              <a:effectLst/>
+              <a:uLnTx/>
+              <a:uFillTx/>
+              <a:latin typeface="Verdana" panose="020B0604030504040204" pitchFamily="34" charset="0"/>
+              <a:ea typeface="Verdana" panose="020B0604030504040204" pitchFamily="34" charset="0"/>
+              <a:cs typeface="Calibri"/>
+            </a:endParaRPr>
+          </a:p>
+        </p:txBody>
+      </p:sp>
+      <p:pic>
+        <p:nvPicPr>
+          <p:cNvPr id="19" name="Picture 18">
+            <a:extLst>
+              <a:ext uri="{FF2B5EF4-FFF2-40B4-BE49-F238E27FC236}">
+                <a16:creationId xmlns:a16="http://schemas.microsoft.com/office/drawing/2014/main" id="{4B0E30A8-2FBF-4CE9-AAD3-AD0861C6BF1F}"/>
+              </a:ext>
+            </a:extLst>
+          </p:cNvPr>
+          <p:cNvPicPr>
+            <a:picLocks noChangeAspect="1"/>
+          </p:cNvPicPr>
+          <p:nvPr/>
+        </p:nvPicPr>
+        <p:blipFill>
+          <a:blip r:embed="rId8">
+            <a:extLst>
+              <a:ext uri="{28A0092B-C50C-407E-A947-70E740481C1C}">
+                <a14:useLocalDpi xmlns:a14="http://schemas.microsoft.com/office/drawing/2010/main" val="0"/>
+              </a:ext>
+            </a:extLst>
+          </a:blip>
+          <a:stretch>
+            <a:fillRect/>
+          </a:stretch>
+        </p:blipFill>
+        <p:spPr>
+          <a:xfrm>
+            <a:off x="295908" y="3192707"/>
+            <a:ext cx="2584800" cy="2584800"/>
+          </a:xfrm>
+          <a:prstGeom prst="ellipse">
+            <a:avLst/>
+          </a:prstGeom>
+          <a:ln w="38100" cap="rnd">
+            <a:solidFill>
+              <a:srgbClr val="9900CC"/>
+            </a:solidFill>
+          </a:ln>
+          <a:effectLst/>
+          <a:scene3d>
+            <a:camera prst="orthographicFront"/>
+            <a:lightRig rig="contrasting" dir="t">
+              <a:rot lat="0" lon="0" rev="3000000"/>
+            </a:lightRig>
+          </a:scene3d>
+          <a:sp3d contourW="7620">
+            <a:bevelT w="95250" h="31750"/>
+            <a:contourClr>
+              <a:srgbClr val="333333"/>
+            </a:contourClr>
+          </a:sp3d>
+        </p:spPr>
+      </p:pic>
+    </p:spTree>
+    <p:extLst>
+      <p:ext uri="{BB962C8B-B14F-4D97-AF65-F5344CB8AC3E}">
+        <p14:creationId xmlns:p14="http://schemas.microsoft.com/office/powerpoint/2010/main" val="749884841"/>
+      </p:ext>
+    </p:extLst>
+  </p:cSld>
+  <p:clrMapOvr>
+    <a:masterClrMapping/>
+  </p:clrMapOvr>
+</p:sld>
+</file>
+
+<file path=ppt/slides/slide5.xml><?xml version="1.0" encoding="utf-8"?>
 <p:sld xmlns:a="http://schemas.openxmlformats.org/drawingml/2006/main" xmlns:r="http://schemas.openxmlformats.org/officeDocument/2006/relationships" xmlns:p="http://schemas.openxmlformats.org/presentationml/2006/main">
   <p:cSld>
     <p:bg>
@@ -27127,7 +28600,7 @@
 </p:sld>
 </file>
 
-<file path=ppt/slides/slide5.xml><?xml version="1.0" encoding="utf-8"?>
+<file path=ppt/slides/slide6.xml><?xml version="1.0" encoding="utf-8"?>
 <p:sld xmlns:a="http://schemas.openxmlformats.org/drawingml/2006/main" xmlns:r="http://schemas.openxmlformats.org/officeDocument/2006/relationships" xmlns:p="http://schemas.openxmlformats.org/presentationml/2006/main">
   <p:cSld>
     <p:bg>
@@ -28142,7 +29615,7 @@
 </p:sld>
 </file>
 
-<file path=ppt/slides/slide6.xml><?xml version="1.0" encoding="utf-8"?>
+<file path=ppt/slides/slide7.xml><?xml version="1.0" encoding="utf-8"?>
 <p:sld xmlns:a="http://schemas.openxmlformats.org/drawingml/2006/main" xmlns:r="http://schemas.openxmlformats.org/officeDocument/2006/relationships" xmlns:p="http://schemas.openxmlformats.org/presentationml/2006/main">
   <p:cSld>
     <p:bg>
@@ -28762,7 +30235,7 @@
 </p:sld>
 </file>
 
-<file path=ppt/slides/slide7.xml><?xml version="1.0" encoding="utf-8"?>
+<file path=ppt/slides/slide8.xml><?xml version="1.0" encoding="utf-8"?>
 <p:sld xmlns:a="http://schemas.openxmlformats.org/drawingml/2006/main" xmlns:r="http://schemas.openxmlformats.org/officeDocument/2006/relationships" xmlns:p="http://schemas.openxmlformats.org/presentationml/2006/main">
   <p:cSld>
     <p:bg>
@@ -29712,514 +31185,6 @@
 </p:sld>
 </file>
 
-<file path=ppt/slides/slide8.xml><?xml version="1.0" encoding="utf-8"?>
-<p:sld xmlns:a="http://schemas.openxmlformats.org/drawingml/2006/main" xmlns:r="http://schemas.openxmlformats.org/officeDocument/2006/relationships" xmlns:p="http://schemas.openxmlformats.org/presentationml/2006/main">
-  <p:cSld>
-    <p:spTree>
-      <p:nvGrpSpPr>
-        <p:cNvPr id="1" name=""/>
-        <p:cNvGrpSpPr/>
-        <p:nvPr/>
-      </p:nvGrpSpPr>
-      <p:grpSpPr>
-        <a:xfrm>
-          <a:off x="0" y="0"/>
-          <a:ext cx="0" cy="0"/>
-          <a:chOff x="0" y="0"/>
-          <a:chExt cx="0" cy="0"/>
-        </a:xfrm>
-      </p:grpSpPr>
-      <p:sp>
-        <p:nvSpPr>
-          <p:cNvPr id="4" name="Rectangle 3">
-            <a:extLst>
-              <a:ext uri="{FF2B5EF4-FFF2-40B4-BE49-F238E27FC236}">
-                <a16:creationId xmlns:a16="http://schemas.microsoft.com/office/drawing/2014/main" id="{055C22F7-3FD1-4C1B-8D0C-0C2F7FB61DBE}"/>
-              </a:ext>
-            </a:extLst>
-          </p:cNvPr>
-          <p:cNvSpPr/>
-          <p:nvPr/>
-        </p:nvSpPr>
-        <p:spPr>
-          <a:xfrm>
-            <a:off x="0" y="8878"/>
-            <a:ext cx="12183122" cy="497150"/>
-          </a:xfrm>
-          <a:prstGeom prst="rect">
-            <a:avLst/>
-          </a:prstGeom>
-          <a:solidFill>
-            <a:srgbClr val="0070C0"/>
-          </a:solidFill>
-        </p:spPr>
-        <p:style>
-          <a:lnRef idx="2">
-            <a:schemeClr val="accent1">
-              <a:shade val="50000"/>
-            </a:schemeClr>
-          </a:lnRef>
-          <a:fillRef idx="1">
-            <a:schemeClr val="accent1"/>
-          </a:fillRef>
-          <a:effectRef idx="0">
-            <a:schemeClr val="accent1"/>
-          </a:effectRef>
-          <a:fontRef idx="minor">
-            <a:schemeClr val="lt1"/>
-          </a:fontRef>
-        </p:style>
-        <p:txBody>
-          <a:bodyPr rtlCol="0" anchor="ctr"/>
-          <a:lstStyle/>
-          <a:p>
-            <a:pPr algn="ctr"/>
-            <a:r>
-              <a:rPr lang="en-US" b="1" dirty="0">
-                <a:latin typeface="Verdana" panose="020B0604030504040204" pitchFamily="34" charset="0"/>
-                <a:ea typeface="Verdana" panose="020B0604030504040204" pitchFamily="34" charset="0"/>
-              </a:rPr>
-              <a:t>Information</a:t>
-            </a:r>
-            <a:endParaRPr lang="en-IN" b="1" dirty="0">
-              <a:latin typeface="Verdana" panose="020B0604030504040204" pitchFamily="34" charset="0"/>
-              <a:ea typeface="Verdana" panose="020B0604030504040204" pitchFamily="34" charset="0"/>
-            </a:endParaRPr>
-          </a:p>
-        </p:txBody>
-      </p:sp>
-      <p:sp>
-        <p:nvSpPr>
-          <p:cNvPr id="7" name="Rectangle 6">
-            <a:extLst>
-              <a:ext uri="{FF2B5EF4-FFF2-40B4-BE49-F238E27FC236}">
-                <a16:creationId xmlns:a16="http://schemas.microsoft.com/office/drawing/2014/main" id="{B10720DE-FD2A-4FE5-B9FB-74854D01A659}"/>
-              </a:ext>
-            </a:extLst>
-          </p:cNvPr>
-          <p:cNvSpPr/>
-          <p:nvPr/>
-        </p:nvSpPr>
-        <p:spPr>
-          <a:xfrm>
-            <a:off x="0" y="3915050"/>
-            <a:ext cx="12183122" cy="57703"/>
-          </a:xfrm>
-          <a:prstGeom prst="rect">
-            <a:avLst/>
-          </a:prstGeom>
-          <a:solidFill>
-            <a:srgbClr val="0070C0"/>
-          </a:solidFill>
-        </p:spPr>
-        <p:style>
-          <a:lnRef idx="2">
-            <a:schemeClr val="accent1">
-              <a:shade val="50000"/>
-            </a:schemeClr>
-          </a:lnRef>
-          <a:fillRef idx="1">
-            <a:schemeClr val="accent1"/>
-          </a:fillRef>
-          <a:effectRef idx="0">
-            <a:schemeClr val="accent1"/>
-          </a:effectRef>
-          <a:fontRef idx="minor">
-            <a:schemeClr val="lt1"/>
-          </a:fontRef>
-        </p:style>
-        <p:txBody>
-          <a:bodyPr rtlCol="0" anchor="ctr"/>
-          <a:lstStyle/>
-          <a:p>
-            <a:pPr algn="ctr"/>
-            <a:endParaRPr lang="en-IN" sz="1000" dirty="0">
-              <a:latin typeface="Verdana" panose="020B0604030504040204" pitchFamily="34" charset="0"/>
-              <a:ea typeface="Verdana" panose="020B0604030504040204" pitchFamily="34" charset="0"/>
-            </a:endParaRPr>
-          </a:p>
-        </p:txBody>
-      </p:sp>
-      <p:sp>
-        <p:nvSpPr>
-          <p:cNvPr id="8" name="Footer Placeholder 7">
-            <a:extLst>
-              <a:ext uri="{FF2B5EF4-FFF2-40B4-BE49-F238E27FC236}">
-                <a16:creationId xmlns:a16="http://schemas.microsoft.com/office/drawing/2014/main" id="{DD2A19CA-EC18-432D-8F8F-17079808F38B}"/>
-              </a:ext>
-            </a:extLst>
-          </p:cNvPr>
-          <p:cNvSpPr>
-            <a:spLocks noGrp="1"/>
-          </p:cNvSpPr>
-          <p:nvPr>
-            <p:ph type="ftr" sz="quarter" idx="11"/>
-          </p:nvPr>
-        </p:nvSpPr>
-        <p:spPr>
-          <a:xfrm>
-            <a:off x="4038600" y="3959378"/>
-            <a:ext cx="4114800" cy="365125"/>
-          </a:xfrm>
-        </p:spPr>
-        <p:txBody>
-          <a:bodyPr/>
-          <a:lstStyle/>
-          <a:p>
-            <a:r>
-              <a:rPr lang="en-IN" b="1" dirty="0">
-                <a:solidFill>
-                  <a:srgbClr val="002060"/>
-                </a:solidFill>
-                <a:latin typeface="Verdana" panose="020B0604030504040204" pitchFamily="34" charset="0"/>
-                <a:ea typeface="Verdana" panose="020B0604030504040204" pitchFamily="34" charset="0"/>
-              </a:rPr>
-              <a:t>2022</a:t>
-            </a:r>
-          </a:p>
-        </p:txBody>
-      </p:sp>
-      <p:sp>
-        <p:nvSpPr>
-          <p:cNvPr id="9" name="Slide Number Placeholder 8">
-            <a:extLst>
-              <a:ext uri="{FF2B5EF4-FFF2-40B4-BE49-F238E27FC236}">
-                <a16:creationId xmlns:a16="http://schemas.microsoft.com/office/drawing/2014/main" id="{8162625C-0B1F-42E0-BE7C-D99A08FED7A3}"/>
-              </a:ext>
-            </a:extLst>
-          </p:cNvPr>
-          <p:cNvSpPr>
-            <a:spLocks noGrp="1"/>
-          </p:cNvSpPr>
-          <p:nvPr>
-            <p:ph type="sldNum" sz="quarter" idx="12"/>
-          </p:nvPr>
-        </p:nvSpPr>
-        <p:spPr>
-          <a:xfrm>
-            <a:off x="8610600" y="3959378"/>
-            <a:ext cx="2743200" cy="365125"/>
-          </a:xfrm>
-        </p:spPr>
-        <p:txBody>
-          <a:bodyPr/>
-          <a:lstStyle/>
-          <a:p>
-            <a:r>
-              <a:rPr lang="en-IN" b="1" dirty="0">
-                <a:solidFill>
-                  <a:srgbClr val="002060"/>
-                </a:solidFill>
-                <a:latin typeface="Verdana" panose="020B0604030504040204" pitchFamily="34" charset="0"/>
-                <a:ea typeface="Verdana" panose="020B0604030504040204" pitchFamily="34" charset="0"/>
-              </a:rPr>
-              <a:t>1</a:t>
-            </a:r>
-          </a:p>
-        </p:txBody>
-      </p:sp>
-      <p:sp>
-        <p:nvSpPr>
-          <p:cNvPr id="12" name="Footer Placeholder 7">
-            <a:extLst>
-              <a:ext uri="{FF2B5EF4-FFF2-40B4-BE49-F238E27FC236}">
-                <a16:creationId xmlns:a16="http://schemas.microsoft.com/office/drawing/2014/main" id="{64C57949-E349-47D3-A505-A098233AF49D}"/>
-              </a:ext>
-            </a:extLst>
-          </p:cNvPr>
-          <p:cNvSpPr txBox="1">
-            <a:spLocks/>
-          </p:cNvSpPr>
-          <p:nvPr/>
-        </p:nvSpPr>
-        <p:spPr>
-          <a:xfrm>
-            <a:off x="133897" y="3960852"/>
-            <a:ext cx="4114800" cy="365125"/>
-          </a:xfrm>
-          <a:prstGeom prst="rect">
-            <a:avLst/>
-          </a:prstGeom>
-        </p:spPr>
-        <p:txBody>
-          <a:bodyPr vert="horz" lIns="91440" tIns="45720" rIns="91440" bIns="45720" rtlCol="0" anchor="ctr"/>
-          <a:lstStyle>
-            <a:defPPr>
-              <a:defRPr lang="en-US"/>
-            </a:defPPr>
-            <a:lvl1pPr marL="0" algn="ctr" defTabSz="914400" rtl="0" eaLnBrk="1" latinLnBrk="0" hangingPunct="1">
-              <a:defRPr sz="1200" kern="1200">
-                <a:solidFill>
-                  <a:schemeClr val="tx1">
-                    <a:tint val="75000"/>
-                  </a:schemeClr>
-                </a:solidFill>
-                <a:latin typeface="+mn-lt"/>
-                <a:ea typeface="+mn-ea"/>
-                <a:cs typeface="+mn-cs"/>
-              </a:defRPr>
-            </a:lvl1pPr>
-            <a:lvl2pPr marL="457200" algn="l" defTabSz="914400" rtl="0" eaLnBrk="1" latinLnBrk="0" hangingPunct="1">
-              <a:defRPr sz="1800" kern="1200">
-                <a:solidFill>
-                  <a:schemeClr val="tx1"/>
-                </a:solidFill>
-                <a:latin typeface="+mn-lt"/>
-                <a:ea typeface="+mn-ea"/>
-                <a:cs typeface="+mn-cs"/>
-              </a:defRPr>
-            </a:lvl2pPr>
-            <a:lvl3pPr marL="914400" algn="l" defTabSz="914400" rtl="0" eaLnBrk="1" latinLnBrk="0" hangingPunct="1">
-              <a:defRPr sz="1800" kern="1200">
-                <a:solidFill>
-                  <a:schemeClr val="tx1"/>
-                </a:solidFill>
-                <a:latin typeface="+mn-lt"/>
-                <a:ea typeface="+mn-ea"/>
-                <a:cs typeface="+mn-cs"/>
-              </a:defRPr>
-            </a:lvl3pPr>
-            <a:lvl4pPr marL="1371600" algn="l" defTabSz="914400" rtl="0" eaLnBrk="1" latinLnBrk="0" hangingPunct="1">
-              <a:defRPr sz="1800" kern="1200">
-                <a:solidFill>
-                  <a:schemeClr val="tx1"/>
-                </a:solidFill>
-                <a:latin typeface="+mn-lt"/>
-                <a:ea typeface="+mn-ea"/>
-                <a:cs typeface="+mn-cs"/>
-              </a:defRPr>
-            </a:lvl4pPr>
-            <a:lvl5pPr marL="1828800" algn="l" defTabSz="914400" rtl="0" eaLnBrk="1" latinLnBrk="0" hangingPunct="1">
-              <a:defRPr sz="1800" kern="1200">
-                <a:solidFill>
-                  <a:schemeClr val="tx1"/>
-                </a:solidFill>
-                <a:latin typeface="+mn-lt"/>
-                <a:ea typeface="+mn-ea"/>
-                <a:cs typeface="+mn-cs"/>
-              </a:defRPr>
-            </a:lvl5pPr>
-            <a:lvl6pPr marL="2286000" algn="l" defTabSz="914400" rtl="0" eaLnBrk="1" latinLnBrk="0" hangingPunct="1">
-              <a:defRPr sz="1800" kern="1200">
-                <a:solidFill>
-                  <a:schemeClr val="tx1"/>
-                </a:solidFill>
-                <a:latin typeface="+mn-lt"/>
-                <a:ea typeface="+mn-ea"/>
-                <a:cs typeface="+mn-cs"/>
-              </a:defRPr>
-            </a:lvl6pPr>
-            <a:lvl7pPr marL="2743200" algn="l" defTabSz="914400" rtl="0" eaLnBrk="1" latinLnBrk="0" hangingPunct="1">
-              <a:defRPr sz="1800" kern="1200">
-                <a:solidFill>
-                  <a:schemeClr val="tx1"/>
-                </a:solidFill>
-                <a:latin typeface="+mn-lt"/>
-                <a:ea typeface="+mn-ea"/>
-                <a:cs typeface="+mn-cs"/>
-              </a:defRPr>
-            </a:lvl7pPr>
-            <a:lvl8pPr marL="3200400" algn="l" defTabSz="914400" rtl="0" eaLnBrk="1" latinLnBrk="0" hangingPunct="1">
-              <a:defRPr sz="1800" kern="1200">
-                <a:solidFill>
-                  <a:schemeClr val="tx1"/>
-                </a:solidFill>
-                <a:latin typeface="+mn-lt"/>
-                <a:ea typeface="+mn-ea"/>
-                <a:cs typeface="+mn-cs"/>
-              </a:defRPr>
-            </a:lvl8pPr>
-            <a:lvl9pPr marL="3657600" algn="l" defTabSz="914400" rtl="0" eaLnBrk="1" latinLnBrk="0" hangingPunct="1">
-              <a:defRPr sz="1800" kern="1200">
-                <a:solidFill>
-                  <a:schemeClr val="tx1"/>
-                </a:solidFill>
-                <a:latin typeface="+mn-lt"/>
-                <a:ea typeface="+mn-ea"/>
-                <a:cs typeface="+mn-cs"/>
-              </a:defRPr>
-            </a:lvl9pPr>
-          </a:lstStyle>
-          <a:p>
-            <a:r>
-              <a:rPr lang="en-IN" b="1" dirty="0">
-                <a:solidFill>
-                  <a:srgbClr val="002060"/>
-                </a:solidFill>
-                <a:latin typeface="Verdana" panose="020B0604030504040204" pitchFamily="34" charset="0"/>
-                <a:ea typeface="Verdana" panose="020B0604030504040204" pitchFamily="34" charset="0"/>
-              </a:rPr>
-              <a:t>C# Corner</a:t>
-            </a:r>
-          </a:p>
-        </p:txBody>
-      </p:sp>
-      <p:sp>
-        <p:nvSpPr>
-          <p:cNvPr id="10" name="TextBox 9">
-            <a:extLst>
-              <a:ext uri="{FF2B5EF4-FFF2-40B4-BE49-F238E27FC236}">
-                <a16:creationId xmlns:a16="http://schemas.microsoft.com/office/drawing/2014/main" id="{19953791-0C49-4113-A95A-639979BFF9A6}"/>
-              </a:ext>
-            </a:extLst>
-          </p:cNvPr>
-          <p:cNvSpPr txBox="1"/>
-          <p:nvPr/>
-        </p:nvSpPr>
-        <p:spPr>
-          <a:xfrm>
-            <a:off x="80629" y="557824"/>
-            <a:ext cx="12037390" cy="2800062"/>
-          </a:xfrm>
-          <a:prstGeom prst="rect">
-            <a:avLst/>
-          </a:prstGeom>
-          <a:noFill/>
-        </p:spPr>
-        <p:txBody>
-          <a:bodyPr wrap="square" rtlCol="0">
-            <a:spAutoFit/>
-          </a:bodyPr>
-          <a:lstStyle/>
-          <a:p>
-            <a:pPr marL="628650" lvl="1" indent="-171450">
-              <a:lnSpc>
-                <a:spcPct val="150000"/>
-              </a:lnSpc>
-              <a:buFont typeface="Wingdings" panose="05000000000000000000" pitchFamily="2" charset="2"/>
-              <a:buChar char="Ø"/>
-            </a:pPr>
-            <a:r>
-              <a:rPr lang="en-US" sz="2000" dirty="0">
-                <a:solidFill>
-                  <a:srgbClr val="00B0F0"/>
-                </a:solidFill>
-                <a:latin typeface="Verdana" panose="020B0604030504040204" pitchFamily="34" charset="0"/>
-                <a:ea typeface="Verdana" panose="020B0604030504040204" pitchFamily="34" charset="0"/>
-              </a:rPr>
-              <a:t> </a:t>
-            </a:r>
-            <a:r>
-              <a:rPr lang="en-US" sz="2000" dirty="0">
-                <a:solidFill>
-                  <a:srgbClr val="0070C0"/>
-                </a:solidFill>
-                <a:latin typeface="Verdana" panose="020B0604030504040204" pitchFamily="34" charset="0"/>
-                <a:ea typeface="Verdana" panose="020B0604030504040204" pitchFamily="34" charset="0"/>
-              </a:rPr>
-              <a:t>I am still a learner. Apologize if I do any mistake.</a:t>
-            </a:r>
-          </a:p>
-          <a:p>
-            <a:pPr marL="628650" lvl="1" indent="-171450">
-              <a:lnSpc>
-                <a:spcPct val="150000"/>
-              </a:lnSpc>
-              <a:buFont typeface="Wingdings" panose="05000000000000000000" pitchFamily="2" charset="2"/>
-              <a:buChar char="Ø"/>
-            </a:pPr>
-            <a:r>
-              <a:rPr lang="en-US" sz="2000" dirty="0">
-                <a:solidFill>
-                  <a:srgbClr val="002060"/>
-                </a:solidFill>
-                <a:latin typeface="Verdana" panose="020B0604030504040204" pitchFamily="34" charset="0"/>
-                <a:ea typeface="Verdana" panose="020B0604030504040204" pitchFamily="34" charset="0"/>
-              </a:rPr>
-              <a:t> All the sessions will be hands on.</a:t>
-            </a:r>
-          </a:p>
-          <a:p>
-            <a:pPr marL="628650" lvl="1" indent="-171450">
-              <a:lnSpc>
-                <a:spcPct val="150000"/>
-              </a:lnSpc>
-              <a:buFont typeface="Wingdings" panose="05000000000000000000" pitchFamily="2" charset="2"/>
-              <a:buChar char="Ø"/>
-            </a:pPr>
-            <a:r>
-              <a:rPr lang="en-US" sz="2000" dirty="0">
-                <a:solidFill>
-                  <a:srgbClr val="002060"/>
-                </a:solidFill>
-                <a:latin typeface="Verdana" panose="020B0604030504040204" pitchFamily="34" charset="0"/>
-                <a:ea typeface="Verdana" panose="020B0604030504040204" pitchFamily="34" charset="0"/>
-              </a:rPr>
-              <a:t> Will have parking lots for queries and other topics.</a:t>
-            </a:r>
-          </a:p>
-          <a:p>
-            <a:pPr marL="628650" lvl="1" indent="-171450">
-              <a:lnSpc>
-                <a:spcPct val="150000"/>
-              </a:lnSpc>
-              <a:buFont typeface="Wingdings" panose="05000000000000000000" pitchFamily="2" charset="2"/>
-              <a:buChar char="Ø"/>
-            </a:pPr>
-            <a:r>
-              <a:rPr lang="en-US" sz="2000" dirty="0">
-                <a:solidFill>
-                  <a:srgbClr val="002060"/>
-                </a:solidFill>
-                <a:latin typeface="Verdana" panose="020B0604030504040204" pitchFamily="34" charset="0"/>
-                <a:ea typeface="Verdana" panose="020B0604030504040204" pitchFamily="34" charset="0"/>
-              </a:rPr>
-              <a:t> Some of the concepts we will introduced and revisited in next sessions.</a:t>
-            </a:r>
-          </a:p>
-          <a:p>
-            <a:pPr marL="628650" lvl="1" indent="-171450">
-              <a:lnSpc>
-                <a:spcPct val="150000"/>
-              </a:lnSpc>
-              <a:buFont typeface="Wingdings" panose="05000000000000000000" pitchFamily="2" charset="2"/>
-              <a:buChar char="Ø"/>
-            </a:pPr>
-            <a:r>
-              <a:rPr lang="en-US" sz="2000" dirty="0">
-                <a:solidFill>
-                  <a:srgbClr val="002060"/>
-                </a:solidFill>
-                <a:latin typeface="Verdana" panose="020B0604030504040204" pitchFamily="34" charset="0"/>
-                <a:ea typeface="Verdana" panose="020B0604030504040204" pitchFamily="34" charset="0"/>
-              </a:rPr>
-              <a:t> There are multiple ways to do, we will use one of the ways.</a:t>
-            </a:r>
-          </a:p>
-          <a:p>
-            <a:pPr marL="628650" lvl="1" indent="-171450">
-              <a:lnSpc>
-                <a:spcPct val="150000"/>
-              </a:lnSpc>
-              <a:buFont typeface="Wingdings" panose="05000000000000000000" pitchFamily="2" charset="2"/>
-              <a:buChar char="Ø"/>
-            </a:pPr>
-            <a:r>
-              <a:rPr lang="en-US" sz="2000" dirty="0">
-                <a:solidFill>
-                  <a:srgbClr val="002060"/>
-                </a:solidFill>
-                <a:latin typeface="Verdana" panose="020B0604030504040204" pitchFamily="34" charset="0"/>
-                <a:ea typeface="Verdana" panose="020B0604030504040204" pitchFamily="34" charset="0"/>
-              </a:rPr>
-              <a:t> The focus was more on concepts and demos are kept simple. </a:t>
-            </a:r>
-          </a:p>
-        </p:txBody>
-      </p:sp>
-    </p:spTree>
-    <p:extLst>
-      <p:ext uri="{BB962C8B-B14F-4D97-AF65-F5344CB8AC3E}">
-        <p14:creationId xmlns:p14="http://schemas.microsoft.com/office/powerpoint/2010/main" val="1371762483"/>
-      </p:ext>
-    </p:extLst>
-  </p:cSld>
-  <p:clrMapOvr>
-    <a:masterClrMapping/>
-  </p:clrMapOvr>
-</p:sld>
-</file>
-
 <file path=ppt/slides/slide9.xml><?xml version="1.0" encoding="utf-8"?>
 <p:sld xmlns:a="http://schemas.openxmlformats.org/drawingml/2006/main" xmlns:r="http://schemas.openxmlformats.org/officeDocument/2006/relationships" xmlns:p="http://schemas.openxmlformats.org/presentationml/2006/main">
   <p:cSld>
@@ -30557,7 +31522,7 @@
                 <a:latin typeface="Verdana" panose="020B0604030504040204" pitchFamily="34" charset="0"/>
                 <a:ea typeface="Verdana" panose="020B0604030504040204" pitchFamily="34" charset="0"/>
               </a:rPr>
-              <a:t>Pune Tech Community</a:t>
+              <a:t>C# Corner</a:t>
             </a:r>
           </a:p>
         </p:txBody>
@@ -30718,7 +31683,7 @@
     </p:spTree>
     <p:extLst>
       <p:ext uri="{BB962C8B-B14F-4D97-AF65-F5344CB8AC3E}">
-        <p14:creationId xmlns:p14="http://schemas.microsoft.com/office/powerpoint/2010/main" val="4093287593"/>
+        <p14:creationId xmlns:p14="http://schemas.microsoft.com/office/powerpoint/2010/main" val="1371762483"/>
       </p:ext>
     </p:extLst>
   </p:cSld>

--- a/TechTalk.pptx
+++ b/TechTalk.pptx
@@ -246,7 +246,7 @@
           <a:p>
             <a:fld id="{289D7669-2C4F-4057-B198-13E596C98571}" type="datetimeFigureOut">
               <a:rPr lang="en-IN" smtClean="0"/>
-              <a:t>10-02-2023</a:t>
+              <a:t>11-02-2023</a:t>
             </a:fld>
             <a:endParaRPr lang="en-IN"/>
           </a:p>
@@ -663,7 +663,7 @@
           <a:p>
             <a:fld id="{AAAFDAC1-E73E-4D41-B9D9-D9AB5226AECC}" type="datetimeFigureOut">
               <a:rPr lang="en-IN" smtClean="0"/>
-              <a:t>10-02-2023</a:t>
+              <a:t>11-02-2023</a:t>
             </a:fld>
             <a:endParaRPr lang="en-IN"/>
           </a:p>
@@ -863,7 +863,7 @@
           <a:p>
             <a:fld id="{AAAFDAC1-E73E-4D41-B9D9-D9AB5226AECC}" type="datetimeFigureOut">
               <a:rPr lang="en-IN" smtClean="0"/>
-              <a:t>10-02-2023</a:t>
+              <a:t>11-02-2023</a:t>
             </a:fld>
             <a:endParaRPr lang="en-IN"/>
           </a:p>
@@ -1073,7 +1073,7 @@
           <a:p>
             <a:fld id="{AAAFDAC1-E73E-4D41-B9D9-D9AB5226AECC}" type="datetimeFigureOut">
               <a:rPr lang="en-IN" smtClean="0"/>
-              <a:t>10-02-2023</a:t>
+              <a:t>11-02-2023</a:t>
             </a:fld>
             <a:endParaRPr lang="en-IN"/>
           </a:p>
@@ -1293,7 +1293,7 @@
           <a:p>
             <a:fld id="{5C55C9EC-A943-4027-9290-5A7F0DEB51E2}" type="datetimeFigureOut">
               <a:rPr lang="en-US" smtClean="0"/>
-              <a:t>2/10/2023</a:t>
+              <a:t>2/11/2023</a:t>
             </a:fld>
             <a:endParaRPr lang="en-US"/>
           </a:p>
@@ -1491,7 +1491,7 @@
           <a:p>
             <a:fld id="{5C55C9EC-A943-4027-9290-5A7F0DEB51E2}" type="datetimeFigureOut">
               <a:rPr lang="en-US" smtClean="0"/>
-              <a:t>2/10/2023</a:t>
+              <a:t>2/11/2023</a:t>
             </a:fld>
             <a:endParaRPr lang="en-US"/>
           </a:p>
@@ -1766,7 +1766,7 @@
           <a:p>
             <a:fld id="{5C55C9EC-A943-4027-9290-5A7F0DEB51E2}" type="datetimeFigureOut">
               <a:rPr lang="en-US" smtClean="0"/>
-              <a:t>2/10/2023</a:t>
+              <a:t>2/11/2023</a:t>
             </a:fld>
             <a:endParaRPr lang="en-US"/>
           </a:p>
@@ -2031,7 +2031,7 @@
           <a:p>
             <a:fld id="{5C55C9EC-A943-4027-9290-5A7F0DEB51E2}" type="datetimeFigureOut">
               <a:rPr lang="en-US" smtClean="0"/>
-              <a:t>2/10/2023</a:t>
+              <a:t>2/11/2023</a:t>
             </a:fld>
             <a:endParaRPr lang="en-US"/>
           </a:p>
@@ -2443,7 +2443,7 @@
           <a:p>
             <a:fld id="{5C55C9EC-A943-4027-9290-5A7F0DEB51E2}" type="datetimeFigureOut">
               <a:rPr lang="en-US" smtClean="0"/>
-              <a:t>2/10/2023</a:t>
+              <a:t>2/11/2023</a:t>
             </a:fld>
             <a:endParaRPr lang="en-US"/>
           </a:p>
@@ -2584,7 +2584,7 @@
           <a:p>
             <a:fld id="{5C55C9EC-A943-4027-9290-5A7F0DEB51E2}" type="datetimeFigureOut">
               <a:rPr lang="en-US" smtClean="0"/>
-              <a:t>2/10/2023</a:t>
+              <a:t>2/11/2023</a:t>
             </a:fld>
             <a:endParaRPr lang="en-US"/>
           </a:p>
@@ -2697,7 +2697,7 @@
           <a:p>
             <a:fld id="{5C55C9EC-A943-4027-9290-5A7F0DEB51E2}" type="datetimeFigureOut">
               <a:rPr lang="en-US" smtClean="0"/>
-              <a:t>2/10/2023</a:t>
+              <a:t>2/11/2023</a:t>
             </a:fld>
             <a:endParaRPr lang="en-US"/>
           </a:p>
@@ -3008,7 +3008,7 @@
           <a:p>
             <a:fld id="{5C55C9EC-A943-4027-9290-5A7F0DEB51E2}" type="datetimeFigureOut">
               <a:rPr lang="en-US" smtClean="0"/>
-              <a:t>2/10/2023</a:t>
+              <a:t>2/11/2023</a:t>
             </a:fld>
             <a:endParaRPr lang="en-US"/>
           </a:p>
@@ -3208,7 +3208,7 @@
           <a:p>
             <a:fld id="{AAAFDAC1-E73E-4D41-B9D9-D9AB5226AECC}" type="datetimeFigureOut">
               <a:rPr lang="en-IN" smtClean="0"/>
-              <a:t>10-02-2023</a:t>
+              <a:t>11-02-2023</a:t>
             </a:fld>
             <a:endParaRPr lang="en-IN"/>
           </a:p>
@@ -3496,7 +3496,7 @@
           <a:p>
             <a:fld id="{5C55C9EC-A943-4027-9290-5A7F0DEB51E2}" type="datetimeFigureOut">
               <a:rPr lang="en-US" smtClean="0"/>
-              <a:t>2/10/2023</a:t>
+              <a:t>2/11/2023</a:t>
             </a:fld>
             <a:endParaRPr lang="en-US"/>
           </a:p>
@@ -3694,7 +3694,7 @@
           <a:p>
             <a:fld id="{5C55C9EC-A943-4027-9290-5A7F0DEB51E2}" type="datetimeFigureOut">
               <a:rPr lang="en-US" smtClean="0"/>
-              <a:t>2/10/2023</a:t>
+              <a:t>2/11/2023</a:t>
             </a:fld>
             <a:endParaRPr lang="en-US"/>
           </a:p>
@@ -3902,7 +3902,7 @@
           <a:p>
             <a:fld id="{5C55C9EC-A943-4027-9290-5A7F0DEB51E2}" type="datetimeFigureOut">
               <a:rPr lang="en-US" smtClean="0"/>
-              <a:t>2/10/2023</a:t>
+              <a:t>2/11/2023</a:t>
             </a:fld>
             <a:endParaRPr lang="en-US"/>
           </a:p>
@@ -4106,7 +4106,7 @@
           <a:p>
             <a:fld id="{A3D997B0-F87C-48C5-82AE-40756E436AED}" type="datetime1">
               <a:rPr lang="en-US" smtClean="0"/>
-              <a:t>2/10/2023</a:t>
+              <a:t>2/11/2023</a:t>
             </a:fld>
             <a:endParaRPr lang="en-US"/>
           </a:p>
@@ -4279,7 +4279,7 @@
           <a:p>
             <a:fld id="{701D4B01-752C-4C35-AEA2-5921A689F5A7}" type="datetime1">
               <a:rPr lang="en-US" smtClean="0"/>
-              <a:t>2/10/2023</a:t>
+              <a:t>2/11/2023</a:t>
             </a:fld>
             <a:endParaRPr lang="en-US"/>
           </a:p>
@@ -4528,7 +4528,7 @@
           <a:p>
             <a:fld id="{DE74A512-7248-406B-86BF-E296AD55CF49}" type="datetime1">
               <a:rPr lang="en-US" smtClean="0"/>
-              <a:t>2/10/2023</a:t>
+              <a:t>2/11/2023</a:t>
             </a:fld>
             <a:endParaRPr lang="en-US"/>
           </a:p>
@@ -4763,7 +4763,7 @@
           <a:p>
             <a:fld id="{78C537D5-E3DE-4105-B0AC-38A21365C197}" type="datetime1">
               <a:rPr lang="en-US" smtClean="0"/>
-              <a:t>2/10/2023</a:t>
+              <a:t>2/11/2023</a:t>
             </a:fld>
             <a:endParaRPr lang="en-US"/>
           </a:p>
@@ -5133,7 +5133,7 @@
           <a:p>
             <a:fld id="{B8BD058F-09DF-4993-AE53-E92A7689CEAD}" type="datetime1">
               <a:rPr lang="en-US" smtClean="0"/>
-              <a:t>2/10/2023</a:t>
+              <a:t>2/11/2023</a:t>
             </a:fld>
             <a:endParaRPr lang="en-US"/>
           </a:p>
@@ -5254,7 +5254,7 @@
           <a:p>
             <a:fld id="{E19471B3-D8DD-4988-8C26-A807F755DEAD}" type="datetime1">
               <a:rPr lang="en-US" smtClean="0"/>
-              <a:t>2/10/2023</a:t>
+              <a:t>2/11/2023</a:t>
             </a:fld>
             <a:endParaRPr lang="en-US"/>
           </a:p>
@@ -5352,7 +5352,7 @@
           <a:p>
             <a:fld id="{738378E2-22D8-4882-8104-F807B0E62B4E}" type="datetime1">
               <a:rPr lang="en-US" smtClean="0"/>
-              <a:t>2/10/2023</a:t>
+              <a:t>2/11/2023</a:t>
             </a:fld>
             <a:endParaRPr lang="en-US"/>
           </a:p>
@@ -5619,7 +5619,7 @@
           <a:p>
             <a:fld id="{AAAFDAC1-E73E-4D41-B9D9-D9AB5226AECC}" type="datetimeFigureOut">
               <a:rPr lang="en-IN" smtClean="0"/>
-              <a:t>10-02-2023</a:t>
+              <a:t>11-02-2023</a:t>
             </a:fld>
             <a:endParaRPr lang="en-IN"/>
           </a:p>
@@ -5908,7 +5908,7 @@
           <a:p>
             <a:fld id="{A5BAD5AE-3C5E-4251-B769-B6224CE8598B}" type="datetime1">
               <a:rPr lang="en-US" smtClean="0"/>
-              <a:t>2/10/2023</a:t>
+              <a:t>2/11/2023</a:t>
             </a:fld>
             <a:endParaRPr lang="en-US"/>
           </a:p>
@@ -6168,7 +6168,7 @@
           <a:p>
             <a:fld id="{EE312CFE-F8CF-4D2A-A9FF-4F2C30305432}" type="datetime1">
               <a:rPr lang="en-US" smtClean="0"/>
-              <a:t>2/10/2023</a:t>
+              <a:t>2/11/2023</a:t>
             </a:fld>
             <a:endParaRPr lang="en-US"/>
           </a:p>
@@ -6341,7 +6341,7 @@
           <a:p>
             <a:fld id="{C4466C03-75DE-431E-8229-7D31A04DF7BD}" type="datetime1">
               <a:rPr lang="en-US" smtClean="0"/>
-              <a:t>2/10/2023</a:t>
+              <a:t>2/11/2023</a:t>
             </a:fld>
             <a:endParaRPr lang="en-US"/>
           </a:p>
@@ -6524,7 +6524,7 @@
           <a:p>
             <a:fld id="{0D79318F-E85C-4A65-9BDD-82F2415695D3}" type="datetime1">
               <a:rPr lang="en-US" smtClean="0"/>
-              <a:t>2/10/2023</a:t>
+              <a:t>2/11/2023</a:t>
             </a:fld>
             <a:endParaRPr lang="en-US"/>
           </a:p>
@@ -6783,7 +6783,7 @@
           <a:p>
             <a:fld id="{AAAFDAC1-E73E-4D41-B9D9-D9AB5226AECC}" type="datetimeFigureOut">
               <a:rPr lang="en-IN" smtClean="0"/>
-              <a:t>10-02-2023</a:t>
+              <a:t>11-02-2023</a:t>
             </a:fld>
             <a:endParaRPr lang="en-IN"/>
           </a:p>
@@ -7198,7 +7198,7 @@
           <a:p>
             <a:fld id="{AAAFDAC1-E73E-4D41-B9D9-D9AB5226AECC}" type="datetimeFigureOut">
               <a:rPr lang="en-IN" smtClean="0"/>
-              <a:t>10-02-2023</a:t>
+              <a:t>11-02-2023</a:t>
             </a:fld>
             <a:endParaRPr lang="en-IN"/>
           </a:p>
@@ -7340,7 +7340,7 @@
           <a:p>
             <a:fld id="{AAAFDAC1-E73E-4D41-B9D9-D9AB5226AECC}" type="datetimeFigureOut">
               <a:rPr lang="en-IN" smtClean="0"/>
-              <a:t>10-02-2023</a:t>
+              <a:t>11-02-2023</a:t>
             </a:fld>
             <a:endParaRPr lang="en-IN"/>
           </a:p>
@@ -7453,7 +7453,7 @@
           <a:p>
             <a:fld id="{AAAFDAC1-E73E-4D41-B9D9-D9AB5226AECC}" type="datetimeFigureOut">
               <a:rPr lang="en-IN" smtClean="0"/>
-              <a:t>10-02-2023</a:t>
+              <a:t>11-02-2023</a:t>
             </a:fld>
             <a:endParaRPr lang="en-IN"/>
           </a:p>
@@ -7766,7 +7766,7 @@
           <a:p>
             <a:fld id="{AAAFDAC1-E73E-4D41-B9D9-D9AB5226AECC}" type="datetimeFigureOut">
               <a:rPr lang="en-IN" smtClean="0"/>
-              <a:t>10-02-2023</a:t>
+              <a:t>11-02-2023</a:t>
             </a:fld>
             <a:endParaRPr lang="en-IN"/>
           </a:p>
@@ -8055,7 +8055,7 @@
           <a:p>
             <a:fld id="{AAAFDAC1-E73E-4D41-B9D9-D9AB5226AECC}" type="datetimeFigureOut">
               <a:rPr lang="en-IN" smtClean="0"/>
-              <a:t>10-02-2023</a:t>
+              <a:t>11-02-2023</a:t>
             </a:fld>
             <a:endParaRPr lang="en-IN"/>
           </a:p>
@@ -8298,7 +8298,7 @@
           <a:p>
             <a:fld id="{AAAFDAC1-E73E-4D41-B9D9-D9AB5226AECC}" type="datetimeFigureOut">
               <a:rPr lang="en-IN" smtClean="0"/>
-              <a:t>10-02-2023</a:t>
+              <a:t>11-02-2023</a:t>
             </a:fld>
             <a:endParaRPr lang="en-IN"/>
           </a:p>
@@ -8866,7 +8866,7 @@
           <a:p>
             <a:fld id="{5C55C9EC-A943-4027-9290-5A7F0DEB51E2}" type="datetimeFigureOut">
               <a:rPr lang="en-US" smtClean="0"/>
-              <a:t>2/10/2023</a:t>
+              <a:t>2/11/2023</a:t>
             </a:fld>
             <a:endParaRPr lang="en-US"/>
           </a:p>
@@ -9418,7 +9418,7 @@
           <a:p>
             <a:fld id="{3EC3C3A3-B174-4863-A76B-003903AD383A}" type="datetime1">
               <a:rPr lang="en-US" smtClean="0"/>
-              <a:t>2/10/2023</a:t>
+              <a:t>2/11/2023</a:t>
             </a:fld>
             <a:endParaRPr lang="en-US"/>
           </a:p>
@@ -31330,7 +31330,7 @@
       </p:grpSpPr>
       <p:sp>
         <p:nvSpPr>
-          <p:cNvPr id="10" name="Rectangle 9">
+          <p:cNvPr id="29" name="Rectangle 14">
             <a:extLst>
               <a:ext uri="{FF2B5EF4-FFF2-40B4-BE49-F238E27FC236}">
                 <a16:creationId xmlns:a16="http://schemas.microsoft.com/office/drawing/2014/main" id="{42A4FC2C-047E-45A5-965D-8E1E3BF09BC6}"/>
@@ -31485,10 +31485,10 @@
       </p:sp>
       <p:pic>
         <p:nvPicPr>
-          <p:cNvPr id="5" name="Picture 4" descr="Graphical user interface&#10;&#10;Description automatically generated">
-            <a:extLst>
-              <a:ext uri="{FF2B5EF4-FFF2-40B4-BE49-F238E27FC236}">
-                <a16:creationId xmlns:a16="http://schemas.microsoft.com/office/drawing/2014/main" id="{ED9FE089-1300-5982-A87A-3E7B116C558B}"/>
+          <p:cNvPr id="4" name="Picture 3" descr="Graphical user interface, text, application, email&#10;&#10;Description automatically generated">
+            <a:extLst>
+              <a:ext uri="{FF2B5EF4-FFF2-40B4-BE49-F238E27FC236}">
+                <a16:creationId xmlns:a16="http://schemas.microsoft.com/office/drawing/2014/main" id="{50DF4389-27E7-62B1-B90F-BF446031FE91}"/>
               </a:ext>
             </a:extLst>
           </p:cNvPr>
@@ -31498,8 +31498,14 @@
           <p:nvPr/>
         </p:nvPicPr>
         <p:blipFill rotWithShape="1">
-          <a:blip r:embed="rId2"/>
-          <a:srcRect l="1458" r="6080"/>
+          <a:blip r:embed="rId2">
+            <a:extLst>
+              <a:ext uri="{28A0092B-C50C-407E-A947-70E740481C1C}">
+                <a14:useLocalDpi xmlns:a14="http://schemas.microsoft.com/office/drawing/2010/main" val="0"/>
+              </a:ext>
+            </a:extLst>
+          </a:blip>
+          <a:srcRect l="5317" r="2221"/>
           <a:stretch/>
         </p:blipFill>
         <p:spPr>

--- a/TechTalk.pptx
+++ b/TechTalk.pptx
@@ -246,7 +246,7 @@
           <a:p>
             <a:fld id="{289D7669-2C4F-4057-B198-13E596C98571}" type="datetimeFigureOut">
               <a:rPr lang="en-IN" smtClean="0"/>
-              <a:t>11-02-2023</a:t>
+              <a:t>13-02-2023</a:t>
             </a:fld>
             <a:endParaRPr lang="en-IN"/>
           </a:p>
@@ -663,7 +663,7 @@
           <a:p>
             <a:fld id="{AAAFDAC1-E73E-4D41-B9D9-D9AB5226AECC}" type="datetimeFigureOut">
               <a:rPr lang="en-IN" smtClean="0"/>
-              <a:t>11-02-2023</a:t>
+              <a:t>13-02-2023</a:t>
             </a:fld>
             <a:endParaRPr lang="en-IN"/>
           </a:p>
@@ -863,7 +863,7 @@
           <a:p>
             <a:fld id="{AAAFDAC1-E73E-4D41-B9D9-D9AB5226AECC}" type="datetimeFigureOut">
               <a:rPr lang="en-IN" smtClean="0"/>
-              <a:t>11-02-2023</a:t>
+              <a:t>13-02-2023</a:t>
             </a:fld>
             <a:endParaRPr lang="en-IN"/>
           </a:p>
@@ -1073,7 +1073,7 @@
           <a:p>
             <a:fld id="{AAAFDAC1-E73E-4D41-B9D9-D9AB5226AECC}" type="datetimeFigureOut">
               <a:rPr lang="en-IN" smtClean="0"/>
-              <a:t>11-02-2023</a:t>
+              <a:t>13-02-2023</a:t>
             </a:fld>
             <a:endParaRPr lang="en-IN"/>
           </a:p>
@@ -1293,7 +1293,7 @@
           <a:p>
             <a:fld id="{5C55C9EC-A943-4027-9290-5A7F0DEB51E2}" type="datetimeFigureOut">
               <a:rPr lang="en-US" smtClean="0"/>
-              <a:t>2/11/2023</a:t>
+              <a:t>2/13/2023</a:t>
             </a:fld>
             <a:endParaRPr lang="en-US"/>
           </a:p>
@@ -1491,7 +1491,7 @@
           <a:p>
             <a:fld id="{5C55C9EC-A943-4027-9290-5A7F0DEB51E2}" type="datetimeFigureOut">
               <a:rPr lang="en-US" smtClean="0"/>
-              <a:t>2/11/2023</a:t>
+              <a:t>2/13/2023</a:t>
             </a:fld>
             <a:endParaRPr lang="en-US"/>
           </a:p>
@@ -1766,7 +1766,7 @@
           <a:p>
             <a:fld id="{5C55C9EC-A943-4027-9290-5A7F0DEB51E2}" type="datetimeFigureOut">
               <a:rPr lang="en-US" smtClean="0"/>
-              <a:t>2/11/2023</a:t>
+              <a:t>2/13/2023</a:t>
             </a:fld>
             <a:endParaRPr lang="en-US"/>
           </a:p>
@@ -2031,7 +2031,7 @@
           <a:p>
             <a:fld id="{5C55C9EC-A943-4027-9290-5A7F0DEB51E2}" type="datetimeFigureOut">
               <a:rPr lang="en-US" smtClean="0"/>
-              <a:t>2/11/2023</a:t>
+              <a:t>2/13/2023</a:t>
             </a:fld>
             <a:endParaRPr lang="en-US"/>
           </a:p>
@@ -2443,7 +2443,7 @@
           <a:p>
             <a:fld id="{5C55C9EC-A943-4027-9290-5A7F0DEB51E2}" type="datetimeFigureOut">
               <a:rPr lang="en-US" smtClean="0"/>
-              <a:t>2/11/2023</a:t>
+              <a:t>2/13/2023</a:t>
             </a:fld>
             <a:endParaRPr lang="en-US"/>
           </a:p>
@@ -2584,7 +2584,7 @@
           <a:p>
             <a:fld id="{5C55C9EC-A943-4027-9290-5A7F0DEB51E2}" type="datetimeFigureOut">
               <a:rPr lang="en-US" smtClean="0"/>
-              <a:t>2/11/2023</a:t>
+              <a:t>2/13/2023</a:t>
             </a:fld>
             <a:endParaRPr lang="en-US"/>
           </a:p>
@@ -2697,7 +2697,7 @@
           <a:p>
             <a:fld id="{5C55C9EC-A943-4027-9290-5A7F0DEB51E2}" type="datetimeFigureOut">
               <a:rPr lang="en-US" smtClean="0"/>
-              <a:t>2/11/2023</a:t>
+              <a:t>2/13/2023</a:t>
             </a:fld>
             <a:endParaRPr lang="en-US"/>
           </a:p>
@@ -3008,7 +3008,7 @@
           <a:p>
             <a:fld id="{5C55C9EC-A943-4027-9290-5A7F0DEB51E2}" type="datetimeFigureOut">
               <a:rPr lang="en-US" smtClean="0"/>
-              <a:t>2/11/2023</a:t>
+              <a:t>2/13/2023</a:t>
             </a:fld>
             <a:endParaRPr lang="en-US"/>
           </a:p>
@@ -3208,7 +3208,7 @@
           <a:p>
             <a:fld id="{AAAFDAC1-E73E-4D41-B9D9-D9AB5226AECC}" type="datetimeFigureOut">
               <a:rPr lang="en-IN" smtClean="0"/>
-              <a:t>11-02-2023</a:t>
+              <a:t>13-02-2023</a:t>
             </a:fld>
             <a:endParaRPr lang="en-IN"/>
           </a:p>
@@ -3496,7 +3496,7 @@
           <a:p>
             <a:fld id="{5C55C9EC-A943-4027-9290-5A7F0DEB51E2}" type="datetimeFigureOut">
               <a:rPr lang="en-US" smtClean="0"/>
-              <a:t>2/11/2023</a:t>
+              <a:t>2/13/2023</a:t>
             </a:fld>
             <a:endParaRPr lang="en-US"/>
           </a:p>
@@ -3694,7 +3694,7 @@
           <a:p>
             <a:fld id="{5C55C9EC-A943-4027-9290-5A7F0DEB51E2}" type="datetimeFigureOut">
               <a:rPr lang="en-US" smtClean="0"/>
-              <a:t>2/11/2023</a:t>
+              <a:t>2/13/2023</a:t>
             </a:fld>
             <a:endParaRPr lang="en-US"/>
           </a:p>
@@ -3902,7 +3902,7 @@
           <a:p>
             <a:fld id="{5C55C9EC-A943-4027-9290-5A7F0DEB51E2}" type="datetimeFigureOut">
               <a:rPr lang="en-US" smtClean="0"/>
-              <a:t>2/11/2023</a:t>
+              <a:t>2/13/2023</a:t>
             </a:fld>
             <a:endParaRPr lang="en-US"/>
           </a:p>
@@ -4106,7 +4106,7 @@
           <a:p>
             <a:fld id="{A3D997B0-F87C-48C5-82AE-40756E436AED}" type="datetime1">
               <a:rPr lang="en-US" smtClean="0"/>
-              <a:t>2/11/2023</a:t>
+              <a:t>2/13/2023</a:t>
             </a:fld>
             <a:endParaRPr lang="en-US"/>
           </a:p>
@@ -4279,7 +4279,7 @@
           <a:p>
             <a:fld id="{701D4B01-752C-4C35-AEA2-5921A689F5A7}" type="datetime1">
               <a:rPr lang="en-US" smtClean="0"/>
-              <a:t>2/11/2023</a:t>
+              <a:t>2/13/2023</a:t>
             </a:fld>
             <a:endParaRPr lang="en-US"/>
           </a:p>
@@ -4528,7 +4528,7 @@
           <a:p>
             <a:fld id="{DE74A512-7248-406B-86BF-E296AD55CF49}" type="datetime1">
               <a:rPr lang="en-US" smtClean="0"/>
-              <a:t>2/11/2023</a:t>
+              <a:t>2/13/2023</a:t>
             </a:fld>
             <a:endParaRPr lang="en-US"/>
           </a:p>
@@ -4763,7 +4763,7 @@
           <a:p>
             <a:fld id="{78C537D5-E3DE-4105-B0AC-38A21365C197}" type="datetime1">
               <a:rPr lang="en-US" smtClean="0"/>
-              <a:t>2/11/2023</a:t>
+              <a:t>2/13/2023</a:t>
             </a:fld>
             <a:endParaRPr lang="en-US"/>
           </a:p>
@@ -5133,7 +5133,7 @@
           <a:p>
             <a:fld id="{B8BD058F-09DF-4993-AE53-E92A7689CEAD}" type="datetime1">
               <a:rPr lang="en-US" smtClean="0"/>
-              <a:t>2/11/2023</a:t>
+              <a:t>2/13/2023</a:t>
             </a:fld>
             <a:endParaRPr lang="en-US"/>
           </a:p>
@@ -5254,7 +5254,7 @@
           <a:p>
             <a:fld id="{E19471B3-D8DD-4988-8C26-A807F755DEAD}" type="datetime1">
               <a:rPr lang="en-US" smtClean="0"/>
-              <a:t>2/11/2023</a:t>
+              <a:t>2/13/2023</a:t>
             </a:fld>
             <a:endParaRPr lang="en-US"/>
           </a:p>
@@ -5352,7 +5352,7 @@
           <a:p>
             <a:fld id="{738378E2-22D8-4882-8104-F807B0E62B4E}" type="datetime1">
               <a:rPr lang="en-US" smtClean="0"/>
-              <a:t>2/11/2023</a:t>
+              <a:t>2/13/2023</a:t>
             </a:fld>
             <a:endParaRPr lang="en-US"/>
           </a:p>
@@ -5619,7 +5619,7 @@
           <a:p>
             <a:fld id="{AAAFDAC1-E73E-4D41-B9D9-D9AB5226AECC}" type="datetimeFigureOut">
               <a:rPr lang="en-IN" smtClean="0"/>
-              <a:t>11-02-2023</a:t>
+              <a:t>13-02-2023</a:t>
             </a:fld>
             <a:endParaRPr lang="en-IN"/>
           </a:p>
@@ -5908,7 +5908,7 @@
           <a:p>
             <a:fld id="{A5BAD5AE-3C5E-4251-B769-B6224CE8598B}" type="datetime1">
               <a:rPr lang="en-US" smtClean="0"/>
-              <a:t>2/11/2023</a:t>
+              <a:t>2/13/2023</a:t>
             </a:fld>
             <a:endParaRPr lang="en-US"/>
           </a:p>
@@ -6168,7 +6168,7 @@
           <a:p>
             <a:fld id="{EE312CFE-F8CF-4D2A-A9FF-4F2C30305432}" type="datetime1">
               <a:rPr lang="en-US" smtClean="0"/>
-              <a:t>2/11/2023</a:t>
+              <a:t>2/13/2023</a:t>
             </a:fld>
             <a:endParaRPr lang="en-US"/>
           </a:p>
@@ -6341,7 +6341,7 @@
           <a:p>
             <a:fld id="{C4466C03-75DE-431E-8229-7D31A04DF7BD}" type="datetime1">
               <a:rPr lang="en-US" smtClean="0"/>
-              <a:t>2/11/2023</a:t>
+              <a:t>2/13/2023</a:t>
             </a:fld>
             <a:endParaRPr lang="en-US"/>
           </a:p>
@@ -6524,7 +6524,7 @@
           <a:p>
             <a:fld id="{0D79318F-E85C-4A65-9BDD-82F2415695D3}" type="datetime1">
               <a:rPr lang="en-US" smtClean="0"/>
-              <a:t>2/11/2023</a:t>
+              <a:t>2/13/2023</a:t>
             </a:fld>
             <a:endParaRPr lang="en-US"/>
           </a:p>
@@ -6783,7 +6783,7 @@
           <a:p>
             <a:fld id="{AAAFDAC1-E73E-4D41-B9D9-D9AB5226AECC}" type="datetimeFigureOut">
               <a:rPr lang="en-IN" smtClean="0"/>
-              <a:t>11-02-2023</a:t>
+              <a:t>13-02-2023</a:t>
             </a:fld>
             <a:endParaRPr lang="en-IN"/>
           </a:p>
@@ -7198,7 +7198,7 @@
           <a:p>
             <a:fld id="{AAAFDAC1-E73E-4D41-B9D9-D9AB5226AECC}" type="datetimeFigureOut">
               <a:rPr lang="en-IN" smtClean="0"/>
-              <a:t>11-02-2023</a:t>
+              <a:t>13-02-2023</a:t>
             </a:fld>
             <a:endParaRPr lang="en-IN"/>
           </a:p>
@@ -7340,7 +7340,7 @@
           <a:p>
             <a:fld id="{AAAFDAC1-E73E-4D41-B9D9-D9AB5226AECC}" type="datetimeFigureOut">
               <a:rPr lang="en-IN" smtClean="0"/>
-              <a:t>11-02-2023</a:t>
+              <a:t>13-02-2023</a:t>
             </a:fld>
             <a:endParaRPr lang="en-IN"/>
           </a:p>
@@ -7453,7 +7453,7 @@
           <a:p>
             <a:fld id="{AAAFDAC1-E73E-4D41-B9D9-D9AB5226AECC}" type="datetimeFigureOut">
               <a:rPr lang="en-IN" smtClean="0"/>
-              <a:t>11-02-2023</a:t>
+              <a:t>13-02-2023</a:t>
             </a:fld>
             <a:endParaRPr lang="en-IN"/>
           </a:p>
@@ -7766,7 +7766,7 @@
           <a:p>
             <a:fld id="{AAAFDAC1-E73E-4D41-B9D9-D9AB5226AECC}" type="datetimeFigureOut">
               <a:rPr lang="en-IN" smtClean="0"/>
-              <a:t>11-02-2023</a:t>
+              <a:t>13-02-2023</a:t>
             </a:fld>
             <a:endParaRPr lang="en-IN"/>
           </a:p>
@@ -8055,7 +8055,7 @@
           <a:p>
             <a:fld id="{AAAFDAC1-E73E-4D41-B9D9-D9AB5226AECC}" type="datetimeFigureOut">
               <a:rPr lang="en-IN" smtClean="0"/>
-              <a:t>11-02-2023</a:t>
+              <a:t>13-02-2023</a:t>
             </a:fld>
             <a:endParaRPr lang="en-IN"/>
           </a:p>
@@ -8298,7 +8298,7 @@
           <a:p>
             <a:fld id="{AAAFDAC1-E73E-4D41-B9D9-D9AB5226AECC}" type="datetimeFigureOut">
               <a:rPr lang="en-IN" smtClean="0"/>
-              <a:t>11-02-2023</a:t>
+              <a:t>13-02-2023</a:t>
             </a:fld>
             <a:endParaRPr lang="en-IN"/>
           </a:p>
@@ -8866,7 +8866,7 @@
           <a:p>
             <a:fld id="{5C55C9EC-A943-4027-9290-5A7F0DEB51E2}" type="datetimeFigureOut">
               <a:rPr lang="en-US" smtClean="0"/>
-              <a:t>2/11/2023</a:t>
+              <a:t>2/13/2023</a:t>
             </a:fld>
             <a:endParaRPr lang="en-US"/>
           </a:p>
@@ -9418,7 +9418,7 @@
           <a:p>
             <a:fld id="{3EC3C3A3-B174-4863-A76B-003903AD383A}" type="datetime1">
               <a:rPr lang="en-US" smtClean="0"/>
-              <a:t>2/11/2023</a:t>
+              <a:t>2/13/2023</a:t>
             </a:fld>
             <a:endParaRPr lang="en-US"/>
           </a:p>
@@ -30253,35 +30253,6 @@
           </a:p>
         </p:txBody>
       </p:sp>
-      <p:pic>
-        <p:nvPicPr>
-          <p:cNvPr id="4" name="Picture 3" descr="Graphical user interface, text, application, email&#10;&#10;Description automatically generated">
-            <a:extLst>
-              <a:ext uri="{FF2B5EF4-FFF2-40B4-BE49-F238E27FC236}">
-                <a16:creationId xmlns:a16="http://schemas.microsoft.com/office/drawing/2014/main" id="{A9044A98-8083-B342-4104-9415FF6DD8C1}"/>
-              </a:ext>
-            </a:extLst>
-          </p:cNvPr>
-          <p:cNvPicPr>
-            <a:picLocks noChangeAspect="1"/>
-          </p:cNvPicPr>
-          <p:nvPr/>
-        </p:nvPicPr>
-        <p:blipFill rotWithShape="1">
-          <a:blip r:embed="rId2"/>
-          <a:srcRect r="6649"/>
-          <a:stretch/>
-        </p:blipFill>
-        <p:spPr>
-          <a:xfrm>
-            <a:off x="20" y="1282"/>
-            <a:ext cx="12191980" cy="6856718"/>
-          </a:xfrm>
-          <a:prstGeom prst="rect">
-            <a:avLst/>
-          </a:prstGeom>
-        </p:spPr>
-      </p:pic>
       <p:sp>
         <p:nvSpPr>
           <p:cNvPr id="2" name="Footer Placeholder 1">
@@ -30326,6 +30297,36 @@
           </a:p>
         </p:txBody>
       </p:sp>
+      <p:pic>
+        <p:nvPicPr>
+          <p:cNvPr id="5" name="Picture 4">
+            <a:extLst>
+              <a:ext uri="{FF2B5EF4-FFF2-40B4-BE49-F238E27FC236}">
+                <a16:creationId xmlns:a16="http://schemas.microsoft.com/office/drawing/2014/main" id="{2FEE6F57-03E1-EC0E-891B-E4AD8F2403D4}"/>
+              </a:ext>
+            </a:extLst>
+          </p:cNvPr>
+          <p:cNvPicPr>
+            <a:picLocks noChangeAspect="1"/>
+          </p:cNvPicPr>
+          <p:nvPr/>
+        </p:nvPicPr>
+        <p:blipFill>
+          <a:blip r:embed="rId2"/>
+          <a:stretch>
+            <a:fillRect/>
+          </a:stretch>
+        </p:blipFill>
+        <p:spPr>
+          <a:xfrm>
+            <a:off x="-1" y="0"/>
+            <a:ext cx="12188951" cy="6858000"/>
+          </a:xfrm>
+          <a:prstGeom prst="rect">
+            <a:avLst/>
+          </a:prstGeom>
+        </p:spPr>
+      </p:pic>
     </p:spTree>
     <p:extLst>
       <p:ext uri="{BB962C8B-B14F-4D97-AF65-F5344CB8AC3E}">

--- a/TechTalk.pptx
+++ b/TechTalk.pptx
@@ -248,7 +248,7 @@
           <a:p>
             <a:fld id="{289D7669-2C4F-4057-B198-13E596C98571}" type="datetimeFigureOut">
               <a:rPr lang="en-IN" smtClean="0"/>
-              <a:t>26-02-2023</a:t>
+              <a:t>11-03-2023</a:t>
             </a:fld>
             <a:endParaRPr lang="en-IN"/>
           </a:p>
@@ -665,7 +665,7 @@
           <a:p>
             <a:fld id="{AAAFDAC1-E73E-4D41-B9D9-D9AB5226AECC}" type="datetimeFigureOut">
               <a:rPr lang="en-IN" smtClean="0"/>
-              <a:t>26-02-2023</a:t>
+              <a:t>11-03-2023</a:t>
             </a:fld>
             <a:endParaRPr lang="en-IN"/>
           </a:p>
@@ -865,7 +865,7 @@
           <a:p>
             <a:fld id="{AAAFDAC1-E73E-4D41-B9D9-D9AB5226AECC}" type="datetimeFigureOut">
               <a:rPr lang="en-IN" smtClean="0"/>
-              <a:t>26-02-2023</a:t>
+              <a:t>11-03-2023</a:t>
             </a:fld>
             <a:endParaRPr lang="en-IN"/>
           </a:p>
@@ -1075,7 +1075,7 @@
           <a:p>
             <a:fld id="{AAAFDAC1-E73E-4D41-B9D9-D9AB5226AECC}" type="datetimeFigureOut">
               <a:rPr lang="en-IN" smtClean="0"/>
-              <a:t>26-02-2023</a:t>
+              <a:t>11-03-2023</a:t>
             </a:fld>
             <a:endParaRPr lang="en-IN"/>
           </a:p>
@@ -1295,7 +1295,7 @@
           <a:p>
             <a:fld id="{5C55C9EC-A943-4027-9290-5A7F0DEB51E2}" type="datetimeFigureOut">
               <a:rPr lang="en-US" smtClean="0"/>
-              <a:t>2/26/2023</a:t>
+              <a:t>3/11/2023</a:t>
             </a:fld>
             <a:endParaRPr lang="en-US"/>
           </a:p>
@@ -1493,7 +1493,7 @@
           <a:p>
             <a:fld id="{5C55C9EC-A943-4027-9290-5A7F0DEB51E2}" type="datetimeFigureOut">
               <a:rPr lang="en-US" smtClean="0"/>
-              <a:t>2/26/2023</a:t>
+              <a:t>3/11/2023</a:t>
             </a:fld>
             <a:endParaRPr lang="en-US"/>
           </a:p>
@@ -1768,7 +1768,7 @@
           <a:p>
             <a:fld id="{5C55C9EC-A943-4027-9290-5A7F0DEB51E2}" type="datetimeFigureOut">
               <a:rPr lang="en-US" smtClean="0"/>
-              <a:t>2/26/2023</a:t>
+              <a:t>3/11/2023</a:t>
             </a:fld>
             <a:endParaRPr lang="en-US"/>
           </a:p>
@@ -2033,7 +2033,7 @@
           <a:p>
             <a:fld id="{5C55C9EC-A943-4027-9290-5A7F0DEB51E2}" type="datetimeFigureOut">
               <a:rPr lang="en-US" smtClean="0"/>
-              <a:t>2/26/2023</a:t>
+              <a:t>3/11/2023</a:t>
             </a:fld>
             <a:endParaRPr lang="en-US"/>
           </a:p>
@@ -2445,7 +2445,7 @@
           <a:p>
             <a:fld id="{5C55C9EC-A943-4027-9290-5A7F0DEB51E2}" type="datetimeFigureOut">
               <a:rPr lang="en-US" smtClean="0"/>
-              <a:t>2/26/2023</a:t>
+              <a:t>3/11/2023</a:t>
             </a:fld>
             <a:endParaRPr lang="en-US"/>
           </a:p>
@@ -2586,7 +2586,7 @@
           <a:p>
             <a:fld id="{5C55C9EC-A943-4027-9290-5A7F0DEB51E2}" type="datetimeFigureOut">
               <a:rPr lang="en-US" smtClean="0"/>
-              <a:t>2/26/2023</a:t>
+              <a:t>3/11/2023</a:t>
             </a:fld>
             <a:endParaRPr lang="en-US"/>
           </a:p>
@@ -2699,7 +2699,7 @@
           <a:p>
             <a:fld id="{5C55C9EC-A943-4027-9290-5A7F0DEB51E2}" type="datetimeFigureOut">
               <a:rPr lang="en-US" smtClean="0"/>
-              <a:t>2/26/2023</a:t>
+              <a:t>3/11/2023</a:t>
             </a:fld>
             <a:endParaRPr lang="en-US"/>
           </a:p>
@@ -3010,7 +3010,7 @@
           <a:p>
             <a:fld id="{5C55C9EC-A943-4027-9290-5A7F0DEB51E2}" type="datetimeFigureOut">
               <a:rPr lang="en-US" smtClean="0"/>
-              <a:t>2/26/2023</a:t>
+              <a:t>3/11/2023</a:t>
             </a:fld>
             <a:endParaRPr lang="en-US"/>
           </a:p>
@@ -3210,7 +3210,7 @@
           <a:p>
             <a:fld id="{AAAFDAC1-E73E-4D41-B9D9-D9AB5226AECC}" type="datetimeFigureOut">
               <a:rPr lang="en-IN" smtClean="0"/>
-              <a:t>26-02-2023</a:t>
+              <a:t>11-03-2023</a:t>
             </a:fld>
             <a:endParaRPr lang="en-IN"/>
           </a:p>
@@ -3498,7 +3498,7 @@
           <a:p>
             <a:fld id="{5C55C9EC-A943-4027-9290-5A7F0DEB51E2}" type="datetimeFigureOut">
               <a:rPr lang="en-US" smtClean="0"/>
-              <a:t>2/26/2023</a:t>
+              <a:t>3/11/2023</a:t>
             </a:fld>
             <a:endParaRPr lang="en-US"/>
           </a:p>
@@ -3696,7 +3696,7 @@
           <a:p>
             <a:fld id="{5C55C9EC-A943-4027-9290-5A7F0DEB51E2}" type="datetimeFigureOut">
               <a:rPr lang="en-US" smtClean="0"/>
-              <a:t>2/26/2023</a:t>
+              <a:t>3/11/2023</a:t>
             </a:fld>
             <a:endParaRPr lang="en-US"/>
           </a:p>
@@ -3904,7 +3904,7 @@
           <a:p>
             <a:fld id="{5C55C9EC-A943-4027-9290-5A7F0DEB51E2}" type="datetimeFigureOut">
               <a:rPr lang="en-US" smtClean="0"/>
-              <a:t>2/26/2023</a:t>
+              <a:t>3/11/2023</a:t>
             </a:fld>
             <a:endParaRPr lang="en-US"/>
           </a:p>
@@ -4108,7 +4108,7 @@
           <a:p>
             <a:fld id="{A3D997B0-F87C-48C5-82AE-40756E436AED}" type="datetime1">
               <a:rPr lang="en-US" smtClean="0"/>
-              <a:t>2/26/2023</a:t>
+              <a:t>3/11/2023</a:t>
             </a:fld>
             <a:endParaRPr lang="en-US"/>
           </a:p>
@@ -4281,7 +4281,7 @@
           <a:p>
             <a:fld id="{701D4B01-752C-4C35-AEA2-5921A689F5A7}" type="datetime1">
               <a:rPr lang="en-US" smtClean="0"/>
-              <a:t>2/26/2023</a:t>
+              <a:t>3/11/2023</a:t>
             </a:fld>
             <a:endParaRPr lang="en-US"/>
           </a:p>
@@ -4530,7 +4530,7 @@
           <a:p>
             <a:fld id="{DE74A512-7248-406B-86BF-E296AD55CF49}" type="datetime1">
               <a:rPr lang="en-US" smtClean="0"/>
-              <a:t>2/26/2023</a:t>
+              <a:t>3/11/2023</a:t>
             </a:fld>
             <a:endParaRPr lang="en-US"/>
           </a:p>
@@ -4765,7 +4765,7 @@
           <a:p>
             <a:fld id="{78C537D5-E3DE-4105-B0AC-38A21365C197}" type="datetime1">
               <a:rPr lang="en-US" smtClean="0"/>
-              <a:t>2/26/2023</a:t>
+              <a:t>3/11/2023</a:t>
             </a:fld>
             <a:endParaRPr lang="en-US"/>
           </a:p>
@@ -5135,7 +5135,7 @@
           <a:p>
             <a:fld id="{B8BD058F-09DF-4993-AE53-E92A7689CEAD}" type="datetime1">
               <a:rPr lang="en-US" smtClean="0"/>
-              <a:t>2/26/2023</a:t>
+              <a:t>3/11/2023</a:t>
             </a:fld>
             <a:endParaRPr lang="en-US"/>
           </a:p>
@@ -5256,7 +5256,7 @@
           <a:p>
             <a:fld id="{E19471B3-D8DD-4988-8C26-A807F755DEAD}" type="datetime1">
               <a:rPr lang="en-US" smtClean="0"/>
-              <a:t>2/26/2023</a:t>
+              <a:t>3/11/2023</a:t>
             </a:fld>
             <a:endParaRPr lang="en-US"/>
           </a:p>
@@ -5354,7 +5354,7 @@
           <a:p>
             <a:fld id="{738378E2-22D8-4882-8104-F807B0E62B4E}" type="datetime1">
               <a:rPr lang="en-US" smtClean="0"/>
-              <a:t>2/26/2023</a:t>
+              <a:t>3/11/2023</a:t>
             </a:fld>
             <a:endParaRPr lang="en-US"/>
           </a:p>
@@ -5621,7 +5621,7 @@
           <a:p>
             <a:fld id="{AAAFDAC1-E73E-4D41-B9D9-D9AB5226AECC}" type="datetimeFigureOut">
               <a:rPr lang="en-IN" smtClean="0"/>
-              <a:t>26-02-2023</a:t>
+              <a:t>11-03-2023</a:t>
             </a:fld>
             <a:endParaRPr lang="en-IN"/>
           </a:p>
@@ -5910,7 +5910,7 @@
           <a:p>
             <a:fld id="{A5BAD5AE-3C5E-4251-B769-B6224CE8598B}" type="datetime1">
               <a:rPr lang="en-US" smtClean="0"/>
-              <a:t>2/26/2023</a:t>
+              <a:t>3/11/2023</a:t>
             </a:fld>
             <a:endParaRPr lang="en-US"/>
           </a:p>
@@ -6170,7 +6170,7 @@
           <a:p>
             <a:fld id="{EE312CFE-F8CF-4D2A-A9FF-4F2C30305432}" type="datetime1">
               <a:rPr lang="en-US" smtClean="0"/>
-              <a:t>2/26/2023</a:t>
+              <a:t>3/11/2023</a:t>
             </a:fld>
             <a:endParaRPr lang="en-US"/>
           </a:p>
@@ -6343,7 +6343,7 @@
           <a:p>
             <a:fld id="{C4466C03-75DE-431E-8229-7D31A04DF7BD}" type="datetime1">
               <a:rPr lang="en-US" smtClean="0"/>
-              <a:t>2/26/2023</a:t>
+              <a:t>3/11/2023</a:t>
             </a:fld>
             <a:endParaRPr lang="en-US"/>
           </a:p>
@@ -6526,7 +6526,7 @@
           <a:p>
             <a:fld id="{0D79318F-E85C-4A65-9BDD-82F2415695D3}" type="datetime1">
               <a:rPr lang="en-US" smtClean="0"/>
-              <a:t>2/26/2023</a:t>
+              <a:t>3/11/2023</a:t>
             </a:fld>
             <a:endParaRPr lang="en-US"/>
           </a:p>
@@ -6785,7 +6785,7 @@
           <a:p>
             <a:fld id="{AAAFDAC1-E73E-4D41-B9D9-D9AB5226AECC}" type="datetimeFigureOut">
               <a:rPr lang="en-IN" smtClean="0"/>
-              <a:t>26-02-2023</a:t>
+              <a:t>11-03-2023</a:t>
             </a:fld>
             <a:endParaRPr lang="en-IN"/>
           </a:p>
@@ -7200,7 +7200,7 @@
           <a:p>
             <a:fld id="{AAAFDAC1-E73E-4D41-B9D9-D9AB5226AECC}" type="datetimeFigureOut">
               <a:rPr lang="en-IN" smtClean="0"/>
-              <a:t>26-02-2023</a:t>
+              <a:t>11-03-2023</a:t>
             </a:fld>
             <a:endParaRPr lang="en-IN"/>
           </a:p>
@@ -7342,7 +7342,7 @@
           <a:p>
             <a:fld id="{AAAFDAC1-E73E-4D41-B9D9-D9AB5226AECC}" type="datetimeFigureOut">
               <a:rPr lang="en-IN" smtClean="0"/>
-              <a:t>26-02-2023</a:t>
+              <a:t>11-03-2023</a:t>
             </a:fld>
             <a:endParaRPr lang="en-IN"/>
           </a:p>
@@ -7455,7 +7455,7 @@
           <a:p>
             <a:fld id="{AAAFDAC1-E73E-4D41-B9D9-D9AB5226AECC}" type="datetimeFigureOut">
               <a:rPr lang="en-IN" smtClean="0"/>
-              <a:t>26-02-2023</a:t>
+              <a:t>11-03-2023</a:t>
             </a:fld>
             <a:endParaRPr lang="en-IN"/>
           </a:p>
@@ -7768,7 +7768,7 @@
           <a:p>
             <a:fld id="{AAAFDAC1-E73E-4D41-B9D9-D9AB5226AECC}" type="datetimeFigureOut">
               <a:rPr lang="en-IN" smtClean="0"/>
-              <a:t>26-02-2023</a:t>
+              <a:t>11-03-2023</a:t>
             </a:fld>
             <a:endParaRPr lang="en-IN"/>
           </a:p>
@@ -8057,7 +8057,7 @@
           <a:p>
             <a:fld id="{AAAFDAC1-E73E-4D41-B9D9-D9AB5226AECC}" type="datetimeFigureOut">
               <a:rPr lang="en-IN" smtClean="0"/>
-              <a:t>26-02-2023</a:t>
+              <a:t>11-03-2023</a:t>
             </a:fld>
             <a:endParaRPr lang="en-IN"/>
           </a:p>
@@ -8300,7 +8300,7 @@
           <a:p>
             <a:fld id="{AAAFDAC1-E73E-4D41-B9D9-D9AB5226AECC}" type="datetimeFigureOut">
               <a:rPr lang="en-IN" smtClean="0"/>
-              <a:t>26-02-2023</a:t>
+              <a:t>11-03-2023</a:t>
             </a:fld>
             <a:endParaRPr lang="en-IN"/>
           </a:p>
@@ -8868,7 +8868,7 @@
           <a:p>
             <a:fld id="{5C55C9EC-A943-4027-9290-5A7F0DEB51E2}" type="datetimeFigureOut">
               <a:rPr lang="en-US" smtClean="0"/>
-              <a:t>2/26/2023</a:t>
+              <a:t>3/11/2023</a:t>
             </a:fld>
             <a:endParaRPr lang="en-US"/>
           </a:p>
@@ -9420,7 +9420,7 @@
           <a:p>
             <a:fld id="{3EC3C3A3-B174-4863-A76B-003903AD383A}" type="datetime1">
               <a:rPr lang="en-US" smtClean="0"/>
-              <a:t>2/26/2023</a:t>
+              <a:t>3/11/2023</a:t>
             </a:fld>
             <a:endParaRPr lang="en-US"/>
           </a:p>
@@ -26686,7 +26686,7 @@
                 <a:ea typeface="+mn-ea"/>
                 <a:cs typeface="+mn-cs"/>
               </a:rPr>
-              <a:t>Sunday, Mar 05, 2023</a:t>
+              <a:t>Sunday, Mar 12, 2023</a:t>
             </a:r>
             <a:endParaRPr kumimoji="0" lang="en-IN" sz="2000" b="0" i="0" u="none" strike="noStrike" kern="1200" cap="none" spc="0" normalizeH="0" baseline="0" noProof="0" dirty="0">
               <a:ln>
